--- a/Figures_M&A_paper_JP.pptx
+++ b/Figures_M&A_paper_JP.pptx
@@ -223,7 +223,7 @@
           <a:p>
             <a:fld id="{E6FDABA1-4B5D-4D1A-B9E0-E772E7058171}" type="datetimeFigureOut">
               <a:rPr lang="sv-SE" smtClean="0"/>
-              <a:t>2017-11-08</a:t>
+              <a:t>2017-11-13</a:t>
             </a:fld>
             <a:endParaRPr lang="sv-SE"/>
           </a:p>
@@ -388,7 +388,7 @@
           <a:p>
             <a:fld id="{DE46D2F7-F797-442B-A22D-84CBF0D5BA4F}" type="datetimeFigureOut">
               <a:rPr lang="sv-SE" smtClean="0"/>
-              <a:t>2017-11-08</a:t>
+              <a:t>2017-11-13</a:t>
             </a:fld>
             <a:endParaRPr lang="sv-SE"/>
           </a:p>
@@ -1830,7 +1830,7 @@
           <a:p>
             <a:fld id="{644446D9-CA4E-47F7-ADA0-1C514647DC66}" type="datetimeFigureOut">
               <a:rPr lang="en-US" smtClean="0"/>
-              <a:t>11/8/2017</a:t>
+              <a:t>11/13/2017</a:t>
             </a:fld>
             <a:endParaRPr lang="en-US"/>
           </a:p>
@@ -2000,7 +2000,7 @@
           <a:p>
             <a:fld id="{644446D9-CA4E-47F7-ADA0-1C514647DC66}" type="datetimeFigureOut">
               <a:rPr lang="en-US" smtClean="0"/>
-              <a:t>11/8/2017</a:t>
+              <a:t>11/13/2017</a:t>
             </a:fld>
             <a:endParaRPr lang="en-US"/>
           </a:p>
@@ -2180,7 +2180,7 @@
           <a:p>
             <a:fld id="{644446D9-CA4E-47F7-ADA0-1C514647DC66}" type="datetimeFigureOut">
               <a:rPr lang="en-US" smtClean="0"/>
-              <a:t>11/8/2017</a:t>
+              <a:t>11/13/2017</a:t>
             </a:fld>
             <a:endParaRPr lang="en-US"/>
           </a:p>
@@ -2350,7 +2350,7 @@
           <a:p>
             <a:fld id="{644446D9-CA4E-47F7-ADA0-1C514647DC66}" type="datetimeFigureOut">
               <a:rPr lang="en-US" smtClean="0"/>
-              <a:t>11/8/2017</a:t>
+              <a:t>11/13/2017</a:t>
             </a:fld>
             <a:endParaRPr lang="en-US"/>
           </a:p>
@@ -2596,7 +2596,7 @@
           <a:p>
             <a:fld id="{644446D9-CA4E-47F7-ADA0-1C514647DC66}" type="datetimeFigureOut">
               <a:rPr lang="en-US" smtClean="0"/>
-              <a:t>11/8/2017</a:t>
+              <a:t>11/13/2017</a:t>
             </a:fld>
             <a:endParaRPr lang="en-US"/>
           </a:p>
@@ -2828,7 +2828,7 @@
           <a:p>
             <a:fld id="{644446D9-CA4E-47F7-ADA0-1C514647DC66}" type="datetimeFigureOut">
               <a:rPr lang="en-US" smtClean="0"/>
-              <a:t>11/8/2017</a:t>
+              <a:t>11/13/2017</a:t>
             </a:fld>
             <a:endParaRPr lang="en-US"/>
           </a:p>
@@ -3195,7 +3195,7 @@
           <a:p>
             <a:fld id="{644446D9-CA4E-47F7-ADA0-1C514647DC66}" type="datetimeFigureOut">
               <a:rPr lang="en-US" smtClean="0"/>
-              <a:t>11/8/2017</a:t>
+              <a:t>11/13/2017</a:t>
             </a:fld>
             <a:endParaRPr lang="en-US"/>
           </a:p>
@@ -3313,7 +3313,7 @@
           <a:p>
             <a:fld id="{644446D9-CA4E-47F7-ADA0-1C514647DC66}" type="datetimeFigureOut">
               <a:rPr lang="en-US" smtClean="0"/>
-              <a:t>11/8/2017</a:t>
+              <a:t>11/13/2017</a:t>
             </a:fld>
             <a:endParaRPr lang="en-US"/>
           </a:p>
@@ -3408,7 +3408,7 @@
           <a:p>
             <a:fld id="{644446D9-CA4E-47F7-ADA0-1C514647DC66}" type="datetimeFigureOut">
               <a:rPr lang="en-US" smtClean="0"/>
-              <a:t>11/8/2017</a:t>
+              <a:t>11/13/2017</a:t>
             </a:fld>
             <a:endParaRPr lang="en-US"/>
           </a:p>
@@ -3685,7 +3685,7 @@
           <a:p>
             <a:fld id="{644446D9-CA4E-47F7-ADA0-1C514647DC66}" type="datetimeFigureOut">
               <a:rPr lang="en-US" smtClean="0"/>
-              <a:t>11/8/2017</a:t>
+              <a:t>11/13/2017</a:t>
             </a:fld>
             <a:endParaRPr lang="en-US"/>
           </a:p>
@@ -3938,7 +3938,7 @@
           <a:p>
             <a:fld id="{644446D9-CA4E-47F7-ADA0-1C514647DC66}" type="datetimeFigureOut">
               <a:rPr lang="en-US" smtClean="0"/>
-              <a:t>11/8/2017</a:t>
+              <a:t>11/13/2017</a:t>
             </a:fld>
             <a:endParaRPr lang="en-US"/>
           </a:p>
@@ -4151,7 +4151,7 @@
           <a:p>
             <a:fld id="{644446D9-CA4E-47F7-ADA0-1C514647DC66}" type="datetimeFigureOut">
               <a:rPr lang="en-US" smtClean="0"/>
-              <a:t>11/8/2017</a:t>
+              <a:t>11/13/2017</a:t>
             </a:fld>
             <a:endParaRPr lang="en-US"/>
           </a:p>
@@ -7362,8 +7362,8 @@
         </p:nvSpPr>
         <p:spPr>
           <a:xfrm rot="16200000">
-            <a:off x="6643690" y="3390898"/>
-            <a:ext cx="1362074" cy="514354"/>
+            <a:off x="6441810" y="3211036"/>
+            <a:ext cx="1362074" cy="874078"/>
           </a:xfrm>
           <a:prstGeom prst="roundRect">
             <a:avLst/>
@@ -7389,19 +7389,51 @@
           <a:p>
             <a:pPr algn="ctr"/>
             <a:r>
-              <a:rPr lang="ja-JP" altLang="en-US" sz="1400" b="1">
+              <a:rPr lang="ja-JP" altLang="en-US" sz="1400" b="1" smtClean="0">
                 <a:latin typeface="メイリオ" panose="020B0604030504040204" pitchFamily="50" charset="-128"/>
                 <a:ea typeface="メイリオ" panose="020B0604030504040204" pitchFamily="50" charset="-128"/>
                 <a:cs typeface="メイリオ" panose="020B0604030504040204" pitchFamily="50" charset="-128"/>
               </a:rPr>
               <a:t>最適化</a:t>
             </a:r>
-            <a:endParaRPr lang="en-US" sz="1400" b="1" dirty="0" smtClean="0">
+            <a:endParaRPr lang="en-US" altLang="ja-JP" sz="1400" b="1" smtClean="0">
               <a:latin typeface="メイリオ" panose="020B0604030504040204" pitchFamily="50" charset="-128"/>
               <a:ea typeface="メイリオ" panose="020B0604030504040204" pitchFamily="50" charset="-128"/>
               <a:cs typeface="メイリオ" panose="020B0604030504040204" pitchFamily="50" charset="-128"/>
             </a:endParaRPr>
           </a:p>
+          <a:p>
+            <a:pPr algn="ctr"/>
+            <a:r>
+              <a:rPr lang="ja-JP" altLang="en-US" sz="900" b="1" smtClean="0">
+                <a:latin typeface="メイリオ" panose="020B0604030504040204" pitchFamily="50" charset="-128"/>
+                <a:ea typeface="メイリオ" panose="020B0604030504040204" pitchFamily="50" charset="-128"/>
+                <a:cs typeface="メイリオ" panose="020B0604030504040204" pitchFamily="50" charset="-128"/>
+              </a:rPr>
+              <a:t>（</a:t>
+            </a:r>
+            <a:r>
+              <a:rPr lang="en-US" altLang="ja-JP" sz="900" b="1" smtClean="0">
+                <a:latin typeface="メイリオ" panose="020B0604030504040204" pitchFamily="50" charset="-128"/>
+                <a:ea typeface="メイリオ" panose="020B0604030504040204" pitchFamily="50" charset="-128"/>
+                <a:cs typeface="メイリオ" panose="020B0604030504040204" pitchFamily="50" charset="-128"/>
+              </a:rPr>
+              <a:t>Optimization</a:t>
+            </a:r>
+            <a:r>
+              <a:rPr lang="ja-JP" altLang="en-US" sz="900" b="1" smtClean="0">
+                <a:latin typeface="メイリオ" panose="020B0604030504040204" pitchFamily="50" charset="-128"/>
+                <a:ea typeface="メイリオ" panose="020B0604030504040204" pitchFamily="50" charset="-128"/>
+                <a:cs typeface="メイリオ" panose="020B0604030504040204" pitchFamily="50" charset="-128"/>
+              </a:rPr>
+              <a:t>）</a:t>
+            </a:r>
+            <a:endParaRPr lang="en-US" sz="900" b="1" dirty="0" smtClean="0">
+              <a:latin typeface="メイリオ" panose="020B0604030504040204" pitchFamily="50" charset="-128"/>
+              <a:ea typeface="メイリオ" panose="020B0604030504040204" pitchFamily="50" charset="-128"/>
+              <a:cs typeface="メイリオ" panose="020B0604030504040204" pitchFamily="50" charset="-128"/>
+            </a:endParaRPr>
+          </a:p>
         </p:txBody>
       </p:sp>
       <p:sp>
@@ -7413,7 +7445,7 @@
         <p:spPr>
           <a:xfrm>
             <a:off x="5897166" y="1977136"/>
-            <a:ext cx="1261884" cy="307777"/>
+            <a:ext cx="1863011" cy="307777"/>
           </a:xfrm>
           <a:prstGeom prst="rect">
             <a:avLst/>
@@ -7432,47 +7464,95 @@
                 <a:ea typeface="メイリオ" panose="020B0604030504040204" pitchFamily="50" charset="-128"/>
                 <a:cs typeface="メイリオ" panose="020B0604030504040204" pitchFamily="50" charset="-128"/>
               </a:rPr>
-              <a:t>コードの追加</a:t>
-            </a:r>
-            <a:endParaRPr lang="en-US" sz="1400" b="1" dirty="0">
-              <a:latin typeface="メイリオ" panose="020B0604030504040204" pitchFamily="50" charset="-128"/>
-              <a:ea typeface="メイリオ" panose="020B0604030504040204" pitchFamily="50" charset="-128"/>
-              <a:cs typeface="メイリオ" panose="020B0604030504040204" pitchFamily="50" charset="-128"/>
-            </a:endParaRPr>
-          </a:p>
-        </p:txBody>
-      </p:sp>
-      <p:sp>
-        <p:nvSpPr>
-          <p:cNvPr id="21" name="TextBox 20"/>
-          <p:cNvSpPr txBox="1"/>
-          <p:nvPr/>
-        </p:nvSpPr>
-        <p:spPr>
-          <a:xfrm>
-            <a:off x="5968604" y="4634524"/>
-            <a:ext cx="1261884" cy="307777"/>
-          </a:xfrm>
-          <a:prstGeom prst="rect">
-            <a:avLst/>
-          </a:prstGeom>
-          <a:noFill/>
-        </p:spPr>
-        <p:txBody>
-          <a:bodyPr wrap="none" rtlCol="0">
-            <a:spAutoFit/>
-          </a:bodyPr>
-          <a:lstStyle/>
-          <a:p>
+              <a:t>コードの</a:t>
+            </a:r>
             <a:r>
               <a:rPr lang="ja-JP" altLang="en-US" sz="1400" b="1" smtClean="0">
                 <a:latin typeface="メイリオ" panose="020B0604030504040204" pitchFamily="50" charset="-128"/>
                 <a:ea typeface="メイリオ" panose="020B0604030504040204" pitchFamily="50" charset="-128"/>
                 <a:cs typeface="メイリオ" panose="020B0604030504040204" pitchFamily="50" charset="-128"/>
               </a:rPr>
-              <a:t>コードの削除</a:t>
-            </a:r>
-            <a:endParaRPr lang="en-US" sz="1400" b="1" dirty="0">
+              <a:t>追加</a:t>
+            </a:r>
+            <a:r>
+              <a:rPr lang="ja-JP" altLang="en-US" sz="900" b="1" smtClean="0">
+                <a:latin typeface="メイリオ" panose="020B0604030504040204" pitchFamily="50" charset="-128"/>
+                <a:ea typeface="メイリオ" panose="020B0604030504040204" pitchFamily="50" charset="-128"/>
+                <a:cs typeface="メイリオ" panose="020B0604030504040204" pitchFamily="50" charset="-128"/>
+              </a:rPr>
+              <a:t>（</a:t>
+            </a:r>
+            <a:r>
+              <a:rPr lang="en-US" altLang="ja-JP" sz="900" b="1" smtClean="0">
+                <a:latin typeface="メイリオ" panose="020B0604030504040204" pitchFamily="50" charset="-128"/>
+                <a:ea typeface="メイリオ" panose="020B0604030504040204" pitchFamily="50" charset="-128"/>
+                <a:cs typeface="メイリオ" panose="020B0604030504040204" pitchFamily="50" charset="-128"/>
+              </a:rPr>
+              <a:t>Adding)</a:t>
+            </a:r>
+            <a:endParaRPr lang="en-US" sz="900" b="1" dirty="0">
+              <a:latin typeface="メイリオ" panose="020B0604030504040204" pitchFamily="50" charset="-128"/>
+              <a:ea typeface="メイリオ" panose="020B0604030504040204" pitchFamily="50" charset="-128"/>
+              <a:cs typeface="メイリオ" panose="020B0604030504040204" pitchFamily="50" charset="-128"/>
+            </a:endParaRPr>
+          </a:p>
+        </p:txBody>
+      </p:sp>
+      <p:sp>
+        <p:nvSpPr>
+          <p:cNvPr id="21" name="TextBox 20"/>
+          <p:cNvSpPr txBox="1"/>
+          <p:nvPr/>
+        </p:nvSpPr>
+        <p:spPr>
+          <a:xfrm>
+            <a:off x="5968604" y="4634524"/>
+            <a:ext cx="1988045" cy="307777"/>
+          </a:xfrm>
+          <a:prstGeom prst="rect">
+            <a:avLst/>
+          </a:prstGeom>
+          <a:noFill/>
+        </p:spPr>
+        <p:txBody>
+          <a:bodyPr wrap="none" rtlCol="0">
+            <a:spAutoFit/>
+          </a:bodyPr>
+          <a:lstStyle/>
+          <a:p>
+            <a:r>
+              <a:rPr lang="ja-JP" altLang="en-US" sz="1400" b="1" smtClean="0">
+                <a:latin typeface="メイリオ" panose="020B0604030504040204" pitchFamily="50" charset="-128"/>
+                <a:ea typeface="メイリオ" panose="020B0604030504040204" pitchFamily="50" charset="-128"/>
+                <a:cs typeface="メイリオ" panose="020B0604030504040204" pitchFamily="50" charset="-128"/>
+              </a:rPr>
+              <a:t>コード</a:t>
+            </a:r>
+            <a:r>
+              <a:rPr lang="ja-JP" altLang="en-US" sz="1400" b="1" smtClean="0">
+                <a:latin typeface="メイリオ" panose="020B0604030504040204" pitchFamily="50" charset="-128"/>
+                <a:ea typeface="メイリオ" panose="020B0604030504040204" pitchFamily="50" charset="-128"/>
+                <a:cs typeface="メイリオ" panose="020B0604030504040204" pitchFamily="50" charset="-128"/>
+              </a:rPr>
+              <a:t>の</a:t>
+            </a:r>
+            <a:r>
+              <a:rPr lang="ja-JP" altLang="en-US" sz="1400" b="1" smtClean="0">
+                <a:latin typeface="メイリオ" panose="020B0604030504040204" pitchFamily="50" charset="-128"/>
+                <a:ea typeface="メイリオ" panose="020B0604030504040204" pitchFamily="50" charset="-128"/>
+                <a:cs typeface="メイリオ" panose="020B0604030504040204" pitchFamily="50" charset="-128"/>
+              </a:rPr>
+              <a:t>除去</a:t>
+            </a:r>
+            <a:r>
+              <a:rPr lang="en-US" altLang="ja-JP" sz="900" b="1" smtClean="0">
+                <a:latin typeface="メイリオ" panose="020B0604030504040204" pitchFamily="50" charset="-128"/>
+                <a:ea typeface="メイリオ" panose="020B0604030504040204" pitchFamily="50" charset="-128"/>
+                <a:cs typeface="メイリオ" panose="020B0604030504040204" pitchFamily="50" charset="-128"/>
+              </a:rPr>
+              <a:t>(Removing)</a:t>
+            </a:r>
+            <a:endParaRPr lang="en-US" sz="900" b="1" dirty="0">
               <a:latin typeface="メイリオ" panose="020B0604030504040204" pitchFamily="50" charset="-128"/>
               <a:ea typeface="メイリオ" panose="020B0604030504040204" pitchFamily="50" charset="-128"/>
               <a:cs typeface="メイリオ" panose="020B0604030504040204" pitchFamily="50" charset="-128"/>
@@ -15563,7 +15643,7 @@
                 <a14:useLocalDpi xmlns:a14="http://schemas.microsoft.com/office/drawing/2010/main" val="0"/>
               </a:ext>
               <a:ext uri="{96DAC541-7B7A-43D3-8B79-37D633B846F1}">
-                <asvg:svgBlip xmlns:asvg="http://schemas.microsoft.com/office/drawing/2016/SVG/main" xmlns="" r:embed="rId25"/>
+                <asvg:svgBlip xmlns="" xmlns:asvg="http://schemas.microsoft.com/office/drawing/2016/SVG/main" r:embed="rId25"/>
               </a:ext>
             </a:extLst>
           </a:blip>

--- a/Figures_M&A_paper_JP.pptx
+++ b/Figures_M&A_paper_JP.pptx
@@ -5,10 +5,10 @@
     <p:sldMasterId id="2147483659" r:id="rId1"/>
   </p:sldMasterIdLst>
   <p:notesMasterIdLst>
-    <p:notesMasterId r:id="rId12"/>
+    <p:notesMasterId r:id="rId14"/>
   </p:notesMasterIdLst>
   <p:handoutMasterIdLst>
-    <p:handoutMasterId r:id="rId13"/>
+    <p:handoutMasterId r:id="rId15"/>
   </p:handoutMasterIdLst>
   <p:sldIdLst>
     <p:sldId id="538" r:id="rId2"/>
@@ -19,8 +19,10 @@
     <p:sldId id="539" r:id="rId7"/>
     <p:sldId id="537" r:id="rId8"/>
     <p:sldId id="531" r:id="rId9"/>
-    <p:sldId id="529" r:id="rId10"/>
-    <p:sldId id="530" r:id="rId11"/>
+    <p:sldId id="541" r:id="rId10"/>
+    <p:sldId id="529" r:id="rId11"/>
+    <p:sldId id="540" r:id="rId12"/>
+    <p:sldId id="530" r:id="rId13"/>
   </p:sldIdLst>
   <p:sldSz cx="12192000" cy="6858000"/>
   <p:notesSz cx="6858000" cy="9144000"/>
@@ -121,7 +123,7 @@
   </p:defaultTextStyle>
   <p:extLst>
     <p:ext uri="{EFAFB233-063F-42B5-8137-9DF3F51BA10A}">
-      <p15:sldGuideLst xmlns:p15="http://schemas.microsoft.com/office/powerpoint/2012/main">
+      <p15:sldGuideLst xmlns:p15="http://schemas.microsoft.com/office/powerpoint/2012/main" xmlns="">
         <p15:guide id="1" orient="horz" pos="2296" userDrawn="1">
           <p15:clr>
             <a:srgbClr val="A4A3A4"/>
@@ -135,7 +137,7 @@
       </p15:sldGuideLst>
     </p:ext>
     <p:ext uri="{2D200454-40CA-4A62-9FC3-DE9A4176ACB9}">
-      <p15:notesGuideLst xmlns:p15="http://schemas.microsoft.com/office/powerpoint/2012/main"/>
+      <p15:notesGuideLst xmlns:p15="http://schemas.microsoft.com/office/powerpoint/2012/main" xmlns=""/>
     </p:ext>
   </p:extLst>
 </p:presentation>
@@ -223,7 +225,7 @@
           <a:p>
             <a:fld id="{E6FDABA1-4B5D-4D1A-B9E0-E772E7058171}" type="datetimeFigureOut">
               <a:rPr lang="sv-SE" smtClean="0"/>
-              <a:t>2017-11-13</a:t>
+              <a:t>2017-11-18</a:t>
             </a:fld>
             <a:endParaRPr lang="sv-SE"/>
           </a:p>
@@ -388,7 +390,7 @@
           <a:p>
             <a:fld id="{DE46D2F7-F797-442B-A22D-84CBF0D5BA4F}" type="datetimeFigureOut">
               <a:rPr lang="sv-SE" smtClean="0"/>
-              <a:t>2017-11-13</a:t>
+              <a:t>2017-11-18</a:t>
             </a:fld>
             <a:endParaRPr lang="sv-SE"/>
           </a:p>
@@ -1599,7 +1601,7 @@
     </p:spTree>
     <p:extLst>
       <p:ext uri="{BB962C8B-B14F-4D97-AF65-F5344CB8AC3E}">
-        <p14:creationId xmlns:p14="http://schemas.microsoft.com/office/powerpoint/2010/main" val="3052849820"/>
+        <p14:creationId xmlns:p14="http://schemas.microsoft.com/office/powerpoint/2010/main" val="1510386372"/>
       </p:ext>
     </p:extLst>
   </p:cSld>
@@ -1681,6 +1683,186 @@
             <a:fld id="{89949FCC-B783-48EB-A7FB-879B9C32ECE4}" type="slidenum">
               <a:rPr lang="sv-SE" smtClean="0"/>
               <a:t>10</a:t>
+            </a:fld>
+            <a:endParaRPr lang="sv-SE"/>
+          </a:p>
+        </p:txBody>
+      </p:sp>
+    </p:spTree>
+    <p:extLst>
+      <p:ext uri="{BB962C8B-B14F-4D97-AF65-F5344CB8AC3E}">
+        <p14:creationId xmlns:p14="http://schemas.microsoft.com/office/powerpoint/2010/main" val="3052849820"/>
+      </p:ext>
+    </p:extLst>
+  </p:cSld>
+  <p:clrMapOvr>
+    <a:masterClrMapping/>
+  </p:clrMapOvr>
+</p:notes>
+</file>
+
+<file path=ppt/notesSlides/notesSlide7.xml><?xml version="1.0" encoding="utf-8"?>
+<p:notes xmlns:a="http://schemas.openxmlformats.org/drawingml/2006/main" xmlns:r="http://schemas.openxmlformats.org/officeDocument/2006/relationships" xmlns:p="http://schemas.openxmlformats.org/presentationml/2006/main">
+  <p:cSld>
+    <p:spTree>
+      <p:nvGrpSpPr>
+        <p:cNvPr id="1" name=""/>
+        <p:cNvGrpSpPr/>
+        <p:nvPr/>
+      </p:nvGrpSpPr>
+      <p:grpSpPr>
+        <a:xfrm>
+          <a:off x="0" y="0"/>
+          <a:ext cx="0" cy="0"/>
+          <a:chOff x="0" y="0"/>
+          <a:chExt cx="0" cy="0"/>
+        </a:xfrm>
+      </p:grpSpPr>
+      <p:sp>
+        <p:nvSpPr>
+          <p:cNvPr id="2" name="Slide Image Placeholder 1"/>
+          <p:cNvSpPr>
+            <a:spLocks noGrp="1" noRot="1" noChangeAspect="1"/>
+          </p:cNvSpPr>
+          <p:nvPr>
+            <p:ph type="sldImg"/>
+          </p:nvPr>
+        </p:nvSpPr>
+        <p:spPr/>
+      </p:sp>
+      <p:sp>
+        <p:nvSpPr>
+          <p:cNvPr id="3" name="Notes Placeholder 2"/>
+          <p:cNvSpPr>
+            <a:spLocks noGrp="1"/>
+          </p:cNvSpPr>
+          <p:nvPr>
+            <p:ph type="body" idx="1"/>
+          </p:nvPr>
+        </p:nvSpPr>
+        <p:spPr/>
+        <p:txBody>
+          <a:bodyPr/>
+          <a:lstStyle/>
+          <a:p>
+            <a:r>
+              <a:rPr lang="en-US" dirty="0"/>
+              <a:t>http://www.flaticon.com/packs/management-2</a:t>
+            </a:r>
+          </a:p>
+          <a:p>
+            <a:endParaRPr lang="en-US" dirty="0"/>
+          </a:p>
+        </p:txBody>
+      </p:sp>
+      <p:sp>
+        <p:nvSpPr>
+          <p:cNvPr id="4" name="Slide Number Placeholder 3"/>
+          <p:cNvSpPr>
+            <a:spLocks noGrp="1"/>
+          </p:cNvSpPr>
+          <p:nvPr>
+            <p:ph type="sldNum" sz="quarter" idx="10"/>
+          </p:nvPr>
+        </p:nvSpPr>
+        <p:spPr/>
+        <p:txBody>
+          <a:bodyPr/>
+          <a:lstStyle/>
+          <a:p>
+            <a:fld id="{89949FCC-B783-48EB-A7FB-879B9C32ECE4}" type="slidenum">
+              <a:rPr lang="sv-SE" smtClean="0"/>
+              <a:t>11</a:t>
+            </a:fld>
+            <a:endParaRPr lang="sv-SE"/>
+          </a:p>
+        </p:txBody>
+      </p:sp>
+    </p:spTree>
+    <p:extLst>
+      <p:ext uri="{BB962C8B-B14F-4D97-AF65-F5344CB8AC3E}">
+        <p14:creationId xmlns:p14="http://schemas.microsoft.com/office/powerpoint/2010/main" val="3052849820"/>
+      </p:ext>
+    </p:extLst>
+  </p:cSld>
+  <p:clrMapOvr>
+    <a:masterClrMapping/>
+  </p:clrMapOvr>
+</p:notes>
+</file>
+
+<file path=ppt/notesSlides/notesSlide8.xml><?xml version="1.0" encoding="utf-8"?>
+<p:notes xmlns:a="http://schemas.openxmlformats.org/drawingml/2006/main" xmlns:r="http://schemas.openxmlformats.org/officeDocument/2006/relationships" xmlns:p="http://schemas.openxmlformats.org/presentationml/2006/main">
+  <p:cSld>
+    <p:spTree>
+      <p:nvGrpSpPr>
+        <p:cNvPr id="1" name=""/>
+        <p:cNvGrpSpPr/>
+        <p:nvPr/>
+      </p:nvGrpSpPr>
+      <p:grpSpPr>
+        <a:xfrm>
+          <a:off x="0" y="0"/>
+          <a:ext cx="0" cy="0"/>
+          <a:chOff x="0" y="0"/>
+          <a:chExt cx="0" cy="0"/>
+        </a:xfrm>
+      </p:grpSpPr>
+      <p:sp>
+        <p:nvSpPr>
+          <p:cNvPr id="2" name="Slide Image Placeholder 1"/>
+          <p:cNvSpPr>
+            <a:spLocks noGrp="1" noRot="1" noChangeAspect="1"/>
+          </p:cNvSpPr>
+          <p:nvPr>
+            <p:ph type="sldImg"/>
+          </p:nvPr>
+        </p:nvSpPr>
+        <p:spPr/>
+      </p:sp>
+      <p:sp>
+        <p:nvSpPr>
+          <p:cNvPr id="3" name="Notes Placeholder 2"/>
+          <p:cNvSpPr>
+            <a:spLocks noGrp="1"/>
+          </p:cNvSpPr>
+          <p:nvPr>
+            <p:ph type="body" idx="1"/>
+          </p:nvPr>
+        </p:nvSpPr>
+        <p:spPr/>
+        <p:txBody>
+          <a:bodyPr/>
+          <a:lstStyle/>
+          <a:p>
+            <a:r>
+              <a:rPr lang="en-US" dirty="0"/>
+              <a:t>http://www.flaticon.com/packs/management-2</a:t>
+            </a:r>
+          </a:p>
+          <a:p>
+            <a:endParaRPr lang="en-US" dirty="0"/>
+          </a:p>
+        </p:txBody>
+      </p:sp>
+      <p:sp>
+        <p:nvSpPr>
+          <p:cNvPr id="4" name="Slide Number Placeholder 3"/>
+          <p:cNvSpPr>
+            <a:spLocks noGrp="1"/>
+          </p:cNvSpPr>
+          <p:nvPr>
+            <p:ph type="sldNum" sz="quarter" idx="10"/>
+          </p:nvPr>
+        </p:nvSpPr>
+        <p:spPr/>
+        <p:txBody>
+          <a:bodyPr/>
+          <a:lstStyle/>
+          <a:p>
+            <a:fld id="{89949FCC-B783-48EB-A7FB-879B9C32ECE4}" type="slidenum">
+              <a:rPr lang="sv-SE" smtClean="0"/>
+              <a:t>12</a:t>
             </a:fld>
             <a:endParaRPr lang="sv-SE"/>
           </a:p>
@@ -1830,7 +2012,7 @@
           <a:p>
             <a:fld id="{644446D9-CA4E-47F7-ADA0-1C514647DC66}" type="datetimeFigureOut">
               <a:rPr lang="en-US" smtClean="0"/>
-              <a:t>11/13/2017</a:t>
+              <a:t>11/18/2017</a:t>
             </a:fld>
             <a:endParaRPr lang="en-US"/>
           </a:p>
@@ -2000,7 +2182,7 @@
           <a:p>
             <a:fld id="{644446D9-CA4E-47F7-ADA0-1C514647DC66}" type="datetimeFigureOut">
               <a:rPr lang="en-US" smtClean="0"/>
-              <a:t>11/13/2017</a:t>
+              <a:t>11/18/2017</a:t>
             </a:fld>
             <a:endParaRPr lang="en-US"/>
           </a:p>
@@ -2180,7 +2362,7 @@
           <a:p>
             <a:fld id="{644446D9-CA4E-47F7-ADA0-1C514647DC66}" type="datetimeFigureOut">
               <a:rPr lang="en-US" smtClean="0"/>
-              <a:t>11/13/2017</a:t>
+              <a:t>11/18/2017</a:t>
             </a:fld>
             <a:endParaRPr lang="en-US"/>
           </a:p>
@@ -2350,7 +2532,7 @@
           <a:p>
             <a:fld id="{644446D9-CA4E-47F7-ADA0-1C514647DC66}" type="datetimeFigureOut">
               <a:rPr lang="en-US" smtClean="0"/>
-              <a:t>11/13/2017</a:t>
+              <a:t>11/18/2017</a:t>
             </a:fld>
             <a:endParaRPr lang="en-US"/>
           </a:p>
@@ -2596,7 +2778,7 @@
           <a:p>
             <a:fld id="{644446D9-CA4E-47F7-ADA0-1C514647DC66}" type="datetimeFigureOut">
               <a:rPr lang="en-US" smtClean="0"/>
-              <a:t>11/13/2017</a:t>
+              <a:t>11/18/2017</a:t>
             </a:fld>
             <a:endParaRPr lang="en-US"/>
           </a:p>
@@ -2828,7 +3010,7 @@
           <a:p>
             <a:fld id="{644446D9-CA4E-47F7-ADA0-1C514647DC66}" type="datetimeFigureOut">
               <a:rPr lang="en-US" smtClean="0"/>
-              <a:t>11/13/2017</a:t>
+              <a:t>11/18/2017</a:t>
             </a:fld>
             <a:endParaRPr lang="en-US"/>
           </a:p>
@@ -3195,7 +3377,7 @@
           <a:p>
             <a:fld id="{644446D9-CA4E-47F7-ADA0-1C514647DC66}" type="datetimeFigureOut">
               <a:rPr lang="en-US" smtClean="0"/>
-              <a:t>11/13/2017</a:t>
+              <a:t>11/18/2017</a:t>
             </a:fld>
             <a:endParaRPr lang="en-US"/>
           </a:p>
@@ -3313,7 +3495,7 @@
           <a:p>
             <a:fld id="{644446D9-CA4E-47F7-ADA0-1C514647DC66}" type="datetimeFigureOut">
               <a:rPr lang="en-US" smtClean="0"/>
-              <a:t>11/13/2017</a:t>
+              <a:t>11/18/2017</a:t>
             </a:fld>
             <a:endParaRPr lang="en-US"/>
           </a:p>
@@ -3408,7 +3590,7 @@
           <a:p>
             <a:fld id="{644446D9-CA4E-47F7-ADA0-1C514647DC66}" type="datetimeFigureOut">
               <a:rPr lang="en-US" smtClean="0"/>
-              <a:t>11/13/2017</a:t>
+              <a:t>11/18/2017</a:t>
             </a:fld>
             <a:endParaRPr lang="en-US"/>
           </a:p>
@@ -3685,7 +3867,7 @@
           <a:p>
             <a:fld id="{644446D9-CA4E-47F7-ADA0-1C514647DC66}" type="datetimeFigureOut">
               <a:rPr lang="en-US" smtClean="0"/>
-              <a:t>11/13/2017</a:t>
+              <a:t>11/18/2017</a:t>
             </a:fld>
             <a:endParaRPr lang="en-US"/>
           </a:p>
@@ -3938,7 +4120,7 @@
           <a:p>
             <a:fld id="{644446D9-CA4E-47F7-ADA0-1C514647DC66}" type="datetimeFigureOut">
               <a:rPr lang="en-US" smtClean="0"/>
-              <a:t>11/13/2017</a:t>
+              <a:t>11/18/2017</a:t>
             </a:fld>
             <a:endParaRPr lang="en-US"/>
           </a:p>
@@ -4151,7 +4333,7 @@
           <a:p>
             <a:fld id="{644446D9-CA4E-47F7-ADA0-1C514647DC66}" type="datetimeFigureOut">
               <a:rPr lang="en-US" smtClean="0"/>
-              <a:t>11/13/2017</a:t>
+              <a:t>11/18/2017</a:t>
             </a:fld>
             <a:endParaRPr lang="en-US"/>
           </a:p>
@@ -4654,6 +4836,3807 @@
       </p:grpSpPr>
       <p:sp>
         <p:nvSpPr>
+          <p:cNvPr id="65" name="Rectangle 64"/>
+          <p:cNvSpPr/>
+          <p:nvPr/>
+        </p:nvSpPr>
+        <p:spPr>
+          <a:xfrm>
+            <a:off x="923925" y="293739"/>
+            <a:ext cx="9334500" cy="6333203"/>
+          </a:xfrm>
+          <a:prstGeom prst="rect">
+            <a:avLst/>
+          </a:prstGeom>
+          <a:ln w="28575">
+            <a:solidFill>
+              <a:srgbClr val="2CA4F2"/>
+            </a:solidFill>
+          </a:ln>
+        </p:spPr>
+        <p:style>
+          <a:lnRef idx="2">
+            <a:schemeClr val="accent1"/>
+          </a:lnRef>
+          <a:fillRef idx="1">
+            <a:schemeClr val="lt1"/>
+          </a:fillRef>
+          <a:effectRef idx="0">
+            <a:schemeClr val="accent1"/>
+          </a:effectRef>
+          <a:fontRef idx="minor">
+            <a:schemeClr val="dk1"/>
+          </a:fontRef>
+        </p:style>
+        <p:txBody>
+          <a:bodyPr rtlCol="0" anchor="ctr"/>
+          <a:lstStyle/>
+          <a:p>
+            <a:pPr algn="ctr"/>
+            <a:endParaRPr lang="en-US"/>
+          </a:p>
+        </p:txBody>
+      </p:sp>
+      <p:sp>
+        <p:nvSpPr>
+          <p:cNvPr id="2" name="Arc 1"/>
+          <p:cNvSpPr/>
+          <p:nvPr/>
+        </p:nvSpPr>
+        <p:spPr>
+          <a:xfrm>
+            <a:off x="8794078" y="1125365"/>
+            <a:ext cx="588397" cy="633889"/>
+          </a:xfrm>
+          <a:prstGeom prst="arc">
+            <a:avLst/>
+          </a:prstGeom>
+          <a:ln w="19050">
+            <a:solidFill>
+              <a:schemeClr val="tx1"/>
+            </a:solidFill>
+          </a:ln>
+        </p:spPr>
+        <p:style>
+          <a:lnRef idx="1">
+            <a:schemeClr val="accent1"/>
+          </a:lnRef>
+          <a:fillRef idx="0">
+            <a:schemeClr val="accent1"/>
+          </a:fillRef>
+          <a:effectRef idx="0">
+            <a:schemeClr val="accent1"/>
+          </a:effectRef>
+          <a:fontRef idx="minor">
+            <a:schemeClr val="tx1"/>
+          </a:fontRef>
+        </p:style>
+        <p:txBody>
+          <a:bodyPr rtlCol="0" anchor="ctr"/>
+          <a:lstStyle/>
+          <a:p>
+            <a:pPr algn="ctr"/>
+            <a:endParaRPr lang="en-US"/>
+          </a:p>
+        </p:txBody>
+      </p:sp>
+      <p:cxnSp>
+        <p:nvCxnSpPr>
+          <p:cNvPr id="15" name="Straight Connector 14"/>
+          <p:cNvCxnSpPr>
+            <a:cxnSpLocks/>
+            <a:stCxn id="2" idx="0"/>
+            <a:endCxn id="47" idx="3"/>
+          </p:cNvCxnSpPr>
+          <p:nvPr/>
+        </p:nvCxnSpPr>
+        <p:spPr>
+          <a:xfrm flipH="1" flipV="1">
+            <a:off x="3613175" y="1109261"/>
+            <a:ext cx="5475101" cy="16104"/>
+          </a:xfrm>
+          <a:prstGeom prst="line">
+            <a:avLst/>
+          </a:prstGeom>
+          <a:ln w="19050">
+            <a:solidFill>
+              <a:schemeClr val="tx1"/>
+            </a:solidFill>
+          </a:ln>
+        </p:spPr>
+        <p:style>
+          <a:lnRef idx="1">
+            <a:schemeClr val="accent1"/>
+          </a:lnRef>
+          <a:fillRef idx="0">
+            <a:schemeClr val="accent1"/>
+          </a:fillRef>
+          <a:effectRef idx="0">
+            <a:schemeClr val="accent1"/>
+          </a:effectRef>
+          <a:fontRef idx="minor">
+            <a:schemeClr val="tx1"/>
+          </a:fontRef>
+        </p:style>
+      </p:cxnSp>
+      <p:cxnSp>
+        <p:nvCxnSpPr>
+          <p:cNvPr id="20" name="Straight Connector 19"/>
+          <p:cNvCxnSpPr>
+            <a:cxnSpLocks/>
+          </p:cNvCxnSpPr>
+          <p:nvPr/>
+        </p:nvCxnSpPr>
+        <p:spPr>
+          <a:xfrm>
+            <a:off x="9382475" y="1398742"/>
+            <a:ext cx="0" cy="1482681"/>
+          </a:xfrm>
+          <a:prstGeom prst="line">
+            <a:avLst/>
+          </a:prstGeom>
+          <a:ln w="19050">
+            <a:solidFill>
+              <a:schemeClr val="tx1"/>
+            </a:solidFill>
+          </a:ln>
+        </p:spPr>
+        <p:style>
+          <a:lnRef idx="1">
+            <a:schemeClr val="accent1"/>
+          </a:lnRef>
+          <a:fillRef idx="0">
+            <a:schemeClr val="accent1"/>
+          </a:fillRef>
+          <a:effectRef idx="0">
+            <a:schemeClr val="accent1"/>
+          </a:effectRef>
+          <a:fontRef idx="minor">
+            <a:schemeClr val="tx1"/>
+          </a:fontRef>
+        </p:style>
+      </p:cxnSp>
+      <p:sp>
+        <p:nvSpPr>
+          <p:cNvPr id="23" name="Arc 22"/>
+          <p:cNvSpPr/>
+          <p:nvPr/>
+        </p:nvSpPr>
+        <p:spPr>
+          <a:xfrm rot="5400000">
+            <a:off x="8771332" y="2561797"/>
+            <a:ext cx="588397" cy="633889"/>
+          </a:xfrm>
+          <a:prstGeom prst="arc">
+            <a:avLst/>
+          </a:prstGeom>
+          <a:ln w="19050">
+            <a:solidFill>
+              <a:schemeClr val="tx1"/>
+            </a:solidFill>
+          </a:ln>
+        </p:spPr>
+        <p:style>
+          <a:lnRef idx="1">
+            <a:schemeClr val="accent1"/>
+          </a:lnRef>
+          <a:fillRef idx="0">
+            <a:schemeClr val="accent1"/>
+          </a:fillRef>
+          <a:effectRef idx="0">
+            <a:schemeClr val="accent1"/>
+          </a:effectRef>
+          <a:fontRef idx="minor">
+            <a:schemeClr val="tx1"/>
+          </a:fontRef>
+        </p:style>
+        <p:txBody>
+          <a:bodyPr rtlCol="0" anchor="ctr"/>
+          <a:lstStyle/>
+          <a:p>
+            <a:pPr algn="ctr"/>
+            <a:endParaRPr lang="en-US"/>
+          </a:p>
+        </p:txBody>
+      </p:sp>
+      <p:cxnSp>
+        <p:nvCxnSpPr>
+          <p:cNvPr id="24" name="Straight Connector 23"/>
+          <p:cNvCxnSpPr>
+            <a:cxnSpLocks/>
+            <a:stCxn id="23" idx="2"/>
+          </p:cNvCxnSpPr>
+          <p:nvPr/>
+        </p:nvCxnSpPr>
+        <p:spPr>
+          <a:xfrm flipH="1" flipV="1">
+            <a:off x="1619022" y="3171742"/>
+            <a:ext cx="7446508" cy="1198"/>
+          </a:xfrm>
+          <a:prstGeom prst="line">
+            <a:avLst/>
+          </a:prstGeom>
+          <a:ln w="19050">
+            <a:solidFill>
+              <a:schemeClr val="tx1"/>
+            </a:solidFill>
+          </a:ln>
+        </p:spPr>
+        <p:style>
+          <a:lnRef idx="1">
+            <a:schemeClr val="accent1"/>
+          </a:lnRef>
+          <a:fillRef idx="0">
+            <a:schemeClr val="accent1"/>
+          </a:fillRef>
+          <a:effectRef idx="0">
+            <a:schemeClr val="accent1"/>
+          </a:effectRef>
+          <a:fontRef idx="minor">
+            <a:schemeClr val="tx1"/>
+          </a:fontRef>
+        </p:style>
+      </p:cxnSp>
+      <p:sp>
+        <p:nvSpPr>
+          <p:cNvPr id="26" name="Arc 25"/>
+          <p:cNvSpPr/>
+          <p:nvPr/>
+        </p:nvSpPr>
+        <p:spPr>
+          <a:xfrm rot="16200000">
+            <a:off x="1324824" y="3150194"/>
+            <a:ext cx="588397" cy="633889"/>
+          </a:xfrm>
+          <a:prstGeom prst="arc">
+            <a:avLst/>
+          </a:prstGeom>
+          <a:ln w="19050">
+            <a:solidFill>
+              <a:schemeClr val="tx1"/>
+            </a:solidFill>
+          </a:ln>
+        </p:spPr>
+        <p:style>
+          <a:lnRef idx="1">
+            <a:schemeClr val="accent1"/>
+          </a:lnRef>
+          <a:fillRef idx="0">
+            <a:schemeClr val="accent1"/>
+          </a:fillRef>
+          <a:effectRef idx="0">
+            <a:schemeClr val="accent1"/>
+          </a:effectRef>
+          <a:fontRef idx="minor">
+            <a:schemeClr val="tx1"/>
+          </a:fontRef>
+        </p:style>
+        <p:txBody>
+          <a:bodyPr rtlCol="0" anchor="ctr"/>
+          <a:lstStyle/>
+          <a:p>
+            <a:pPr algn="ctr"/>
+            <a:endParaRPr lang="en-US"/>
+          </a:p>
+        </p:txBody>
+      </p:sp>
+      <p:sp>
+        <p:nvSpPr>
+          <p:cNvPr id="29" name="Arc 28"/>
+          <p:cNvSpPr/>
+          <p:nvPr/>
+        </p:nvSpPr>
+        <p:spPr>
+          <a:xfrm rot="10800000">
+            <a:off x="1302078" y="4639486"/>
+            <a:ext cx="588397" cy="633889"/>
+          </a:xfrm>
+          <a:prstGeom prst="arc">
+            <a:avLst/>
+          </a:prstGeom>
+          <a:ln w="19050">
+            <a:solidFill>
+              <a:schemeClr val="tx1"/>
+            </a:solidFill>
+          </a:ln>
+        </p:spPr>
+        <p:style>
+          <a:lnRef idx="1">
+            <a:schemeClr val="accent1"/>
+          </a:lnRef>
+          <a:fillRef idx="0">
+            <a:schemeClr val="accent1"/>
+          </a:fillRef>
+          <a:effectRef idx="0">
+            <a:schemeClr val="accent1"/>
+          </a:effectRef>
+          <a:fontRef idx="minor">
+            <a:schemeClr val="tx1"/>
+          </a:fontRef>
+        </p:style>
+        <p:txBody>
+          <a:bodyPr rtlCol="0" anchor="ctr"/>
+          <a:lstStyle/>
+          <a:p>
+            <a:pPr algn="ctr"/>
+            <a:endParaRPr lang="en-US"/>
+          </a:p>
+        </p:txBody>
+      </p:sp>
+      <p:cxnSp>
+        <p:nvCxnSpPr>
+          <p:cNvPr id="34" name="Straight Connector 33"/>
+          <p:cNvCxnSpPr>
+            <a:cxnSpLocks/>
+          </p:cNvCxnSpPr>
+          <p:nvPr/>
+        </p:nvCxnSpPr>
+        <p:spPr>
+          <a:xfrm flipH="1">
+            <a:off x="1596276" y="5271701"/>
+            <a:ext cx="7806411" cy="1675"/>
+          </a:xfrm>
+          <a:prstGeom prst="line">
+            <a:avLst/>
+          </a:prstGeom>
+          <a:ln w="19050">
+            <a:solidFill>
+              <a:schemeClr val="tx1"/>
+            </a:solidFill>
+          </a:ln>
+        </p:spPr>
+        <p:style>
+          <a:lnRef idx="1">
+            <a:schemeClr val="accent1"/>
+          </a:lnRef>
+          <a:fillRef idx="0">
+            <a:schemeClr val="accent1"/>
+          </a:fillRef>
+          <a:effectRef idx="0">
+            <a:schemeClr val="accent1"/>
+          </a:effectRef>
+          <a:fontRef idx="minor">
+            <a:schemeClr val="tx1"/>
+          </a:fontRef>
+        </p:style>
+      </p:cxnSp>
+      <p:cxnSp>
+        <p:nvCxnSpPr>
+          <p:cNvPr id="16" name="Straight Connector 15"/>
+          <p:cNvCxnSpPr>
+            <a:cxnSpLocks/>
+            <a:endCxn id="29" idx="2"/>
+          </p:cNvCxnSpPr>
+          <p:nvPr/>
+        </p:nvCxnSpPr>
+        <p:spPr>
+          <a:xfrm>
+            <a:off x="1302077" y="3469394"/>
+            <a:ext cx="1" cy="1487036"/>
+          </a:xfrm>
+          <a:prstGeom prst="line">
+            <a:avLst/>
+          </a:prstGeom>
+          <a:ln w="19050">
+            <a:solidFill>
+              <a:schemeClr val="tx1"/>
+            </a:solidFill>
+          </a:ln>
+        </p:spPr>
+        <p:style>
+          <a:lnRef idx="1">
+            <a:schemeClr val="accent1"/>
+          </a:lnRef>
+          <a:fillRef idx="0">
+            <a:schemeClr val="accent1"/>
+          </a:fillRef>
+          <a:effectRef idx="0">
+            <a:schemeClr val="accent1"/>
+          </a:effectRef>
+          <a:fontRef idx="minor">
+            <a:schemeClr val="tx1"/>
+          </a:fontRef>
+        </p:style>
+      </p:cxnSp>
+      <p:pic>
+        <p:nvPicPr>
+          <p:cNvPr id="8" name="Picture 7"/>
+          <p:cNvPicPr>
+            <a:picLocks noChangeAspect="1"/>
+          </p:cNvPicPr>
+          <p:nvPr/>
+        </p:nvPicPr>
+        <p:blipFill>
+          <a:blip r:embed="rId3" cstate="print">
+            <a:extLst>
+              <a:ext uri="{28A0092B-C50C-407E-A947-70E740481C1C}">
+                <a14:useLocalDpi xmlns:a14="http://schemas.microsoft.com/office/drawing/2010/main" val="0"/>
+              </a:ext>
+            </a:extLst>
+          </a:blip>
+          <a:stretch>
+            <a:fillRect/>
+          </a:stretch>
+        </p:blipFill>
+        <p:spPr>
+          <a:xfrm>
+            <a:off x="4596939" y="431172"/>
+            <a:ext cx="590272" cy="590272"/>
+          </a:xfrm>
+          <a:prstGeom prst="rect">
+            <a:avLst/>
+          </a:prstGeom>
+        </p:spPr>
+      </p:pic>
+      <p:pic>
+        <p:nvPicPr>
+          <p:cNvPr id="22" name="Picture 21"/>
+          <p:cNvPicPr>
+            <a:picLocks noChangeAspect="1"/>
+          </p:cNvPicPr>
+          <p:nvPr/>
+        </p:nvPicPr>
+        <p:blipFill>
+          <a:blip r:embed="rId4" cstate="print">
+            <a:extLst>
+              <a:ext uri="{28A0092B-C50C-407E-A947-70E740481C1C}">
+                <a14:useLocalDpi xmlns:a14="http://schemas.microsoft.com/office/drawing/2010/main" val="0"/>
+              </a:ext>
+            </a:extLst>
+          </a:blip>
+          <a:stretch>
+            <a:fillRect/>
+          </a:stretch>
+        </p:blipFill>
+        <p:spPr>
+          <a:xfrm flipH="1">
+            <a:off x="7927829" y="4421959"/>
+            <a:ext cx="787168" cy="787168"/>
+          </a:xfrm>
+          <a:prstGeom prst="rect">
+            <a:avLst/>
+          </a:prstGeom>
+        </p:spPr>
+      </p:pic>
+      <p:pic>
+        <p:nvPicPr>
+          <p:cNvPr id="3" name="Picture 2"/>
+          <p:cNvPicPr>
+            <a:picLocks noChangeAspect="1"/>
+          </p:cNvPicPr>
+          <p:nvPr/>
+        </p:nvPicPr>
+        <p:blipFill>
+          <a:blip r:embed="rId5" cstate="print">
+            <a:extLst>
+              <a:ext uri="{28A0092B-C50C-407E-A947-70E740481C1C}">
+                <a14:useLocalDpi xmlns:a14="http://schemas.microsoft.com/office/drawing/2010/main" val="0"/>
+              </a:ext>
+            </a:extLst>
+          </a:blip>
+          <a:stretch>
+            <a:fillRect/>
+          </a:stretch>
+        </p:blipFill>
+        <p:spPr>
+          <a:xfrm>
+            <a:off x="2142329" y="2315401"/>
+            <a:ext cx="909564" cy="909564"/>
+          </a:xfrm>
+          <a:prstGeom prst="rect">
+            <a:avLst/>
+          </a:prstGeom>
+        </p:spPr>
+      </p:pic>
+      <p:sp>
+        <p:nvSpPr>
+          <p:cNvPr id="40" name="TextBox 39"/>
+          <p:cNvSpPr txBox="1"/>
+          <p:nvPr/>
+        </p:nvSpPr>
+        <p:spPr>
+          <a:xfrm>
+            <a:off x="3684335" y="1291475"/>
+            <a:ext cx="2485216" cy="830997"/>
+          </a:xfrm>
+          <a:prstGeom prst="rect">
+            <a:avLst/>
+          </a:prstGeom>
+          <a:noFill/>
+        </p:spPr>
+        <p:txBody>
+          <a:bodyPr wrap="square" rtlCol="0">
+            <a:spAutoFit/>
+          </a:bodyPr>
+          <a:lstStyle/>
+          <a:p>
+            <a:r>
+              <a:rPr lang="en-US" sz="1200" dirty="0"/>
+              <a:t>A </a:t>
+            </a:r>
+            <a:r>
+              <a:rPr lang="en-US" sz="1200" dirty="0" smtClean="0"/>
+              <a:t>call kicks off </a:t>
+            </a:r>
+            <a:r>
+              <a:rPr lang="en-US" sz="1200" dirty="0"/>
+              <a:t>the project, introduce contact persons from all parties and communicate relevant details of the </a:t>
+            </a:r>
+            <a:r>
+              <a:rPr lang="en-US" sz="1200" dirty="0" smtClean="0"/>
+              <a:t>audit.</a:t>
+            </a:r>
+            <a:endParaRPr lang="sv-SE" sz="1200" dirty="0"/>
+          </a:p>
+        </p:txBody>
+      </p:sp>
+      <p:sp>
+        <p:nvSpPr>
+          <p:cNvPr id="41" name="TextBox 40"/>
+          <p:cNvSpPr txBox="1"/>
+          <p:nvPr/>
+        </p:nvSpPr>
+        <p:spPr>
+          <a:xfrm>
+            <a:off x="3693883" y="1101355"/>
+            <a:ext cx="2397260" cy="292388"/>
+          </a:xfrm>
+          <a:prstGeom prst="rect">
+            <a:avLst/>
+          </a:prstGeom>
+          <a:noFill/>
+        </p:spPr>
+        <p:txBody>
+          <a:bodyPr wrap="square" rtlCol="0">
+            <a:spAutoFit/>
+          </a:bodyPr>
+          <a:lstStyle/>
+          <a:p>
+            <a:pPr algn="ctr"/>
+            <a:r>
+              <a:rPr lang="sv-SE" sz="1300" b="1" dirty="0"/>
+              <a:t>Initial </a:t>
+            </a:r>
+            <a:r>
+              <a:rPr lang="sv-SE" sz="1300" b="1" dirty="0" smtClean="0"/>
+              <a:t>Meeting or Call</a:t>
+            </a:r>
+            <a:endParaRPr lang="sv-SE" sz="1300" b="1" dirty="0"/>
+          </a:p>
+        </p:txBody>
+      </p:sp>
+      <p:sp>
+        <p:nvSpPr>
+          <p:cNvPr id="49" name="TextBox 48"/>
+          <p:cNvSpPr txBox="1"/>
+          <p:nvPr/>
+        </p:nvSpPr>
+        <p:spPr>
+          <a:xfrm>
+            <a:off x="6546039" y="1275756"/>
+            <a:ext cx="2712553" cy="830997"/>
+          </a:xfrm>
+          <a:prstGeom prst="rect">
+            <a:avLst/>
+          </a:prstGeom>
+          <a:noFill/>
+        </p:spPr>
+        <p:txBody>
+          <a:bodyPr wrap="square" rtlCol="0">
+            <a:spAutoFit/>
+          </a:bodyPr>
+          <a:lstStyle/>
+          <a:p>
+            <a:r>
+              <a:rPr lang="en-US" sz="1200" dirty="0" smtClean="0"/>
+              <a:t>The </a:t>
+            </a:r>
+            <a:r>
+              <a:rPr lang="en-US" sz="1200" dirty="0"/>
+              <a:t>Command Line Interface </a:t>
+            </a:r>
+            <a:r>
+              <a:rPr lang="en-US" sz="1200" dirty="0" smtClean="0"/>
+              <a:t>is </a:t>
+            </a:r>
+            <a:r>
+              <a:rPr lang="en-US" sz="1200" dirty="0"/>
+              <a:t>sent to the target company </a:t>
+            </a:r>
+            <a:r>
+              <a:rPr lang="en-US" sz="1200" dirty="0" smtClean="0"/>
+              <a:t>with </a:t>
+            </a:r>
+            <a:r>
+              <a:rPr lang="en-US" sz="1200" dirty="0"/>
+              <a:t>installation and execution instructions to collect digital </a:t>
+            </a:r>
+            <a:r>
+              <a:rPr lang="en-US" sz="1200" dirty="0" smtClean="0"/>
+              <a:t>signatures</a:t>
+            </a:r>
+            <a:r>
+              <a:rPr lang="en-US" sz="1200" i="1" dirty="0" smtClean="0">
+                <a:solidFill>
+                  <a:srgbClr val="FF0000"/>
+                </a:solidFill>
+              </a:rPr>
+              <a:t>*</a:t>
+            </a:r>
+            <a:r>
+              <a:rPr lang="en-US" sz="1200" dirty="0" smtClean="0"/>
+              <a:t> </a:t>
+            </a:r>
+            <a:r>
+              <a:rPr lang="en-US" sz="1200" dirty="0"/>
+              <a:t>of their software.</a:t>
+            </a:r>
+            <a:endParaRPr lang="sv-SE" sz="1200" dirty="0"/>
+          </a:p>
+        </p:txBody>
+      </p:sp>
+      <p:sp>
+        <p:nvSpPr>
+          <p:cNvPr id="50" name="TextBox 49"/>
+          <p:cNvSpPr txBox="1"/>
+          <p:nvPr/>
+        </p:nvSpPr>
+        <p:spPr>
+          <a:xfrm>
+            <a:off x="6669642" y="1101355"/>
+            <a:ext cx="2397260" cy="292388"/>
+          </a:xfrm>
+          <a:prstGeom prst="rect">
+            <a:avLst/>
+          </a:prstGeom>
+          <a:noFill/>
+        </p:spPr>
+        <p:txBody>
+          <a:bodyPr wrap="square" rtlCol="0">
+            <a:spAutoFit/>
+          </a:bodyPr>
+          <a:lstStyle/>
+          <a:p>
+            <a:pPr algn="ctr"/>
+            <a:r>
+              <a:rPr lang="sv-SE" sz="1300" b="1" dirty="0"/>
+              <a:t>Fingerprint Collector Tool</a:t>
+            </a:r>
+          </a:p>
+        </p:txBody>
+      </p:sp>
+      <p:sp>
+        <p:nvSpPr>
+          <p:cNvPr id="58" name="TextBox 57"/>
+          <p:cNvSpPr txBox="1"/>
+          <p:nvPr/>
+        </p:nvSpPr>
+        <p:spPr>
+          <a:xfrm>
+            <a:off x="1474789" y="3402762"/>
+            <a:ext cx="2473462" cy="830997"/>
+          </a:xfrm>
+          <a:prstGeom prst="rect">
+            <a:avLst/>
+          </a:prstGeom>
+          <a:noFill/>
+        </p:spPr>
+        <p:txBody>
+          <a:bodyPr wrap="square" rtlCol="0">
+            <a:spAutoFit/>
+          </a:bodyPr>
+          <a:lstStyle/>
+          <a:p>
+            <a:r>
+              <a:rPr lang="en-US" sz="1200" dirty="0" smtClean="0"/>
+              <a:t>FOSSID AB engineers </a:t>
+            </a:r>
+            <a:r>
+              <a:rPr lang="en-US" sz="1200" dirty="0"/>
+              <a:t>audit the target software without having access to the </a:t>
+            </a:r>
+            <a:r>
+              <a:rPr lang="en-US" sz="1200" dirty="0" smtClean="0"/>
+              <a:t>source code and using only the digital signatures.</a:t>
+            </a:r>
+            <a:endParaRPr lang="sv-SE" sz="1200" dirty="0"/>
+          </a:p>
+        </p:txBody>
+      </p:sp>
+      <p:sp>
+        <p:nvSpPr>
+          <p:cNvPr id="59" name="TextBox 58"/>
+          <p:cNvSpPr txBox="1"/>
+          <p:nvPr/>
+        </p:nvSpPr>
+        <p:spPr>
+          <a:xfrm>
+            <a:off x="1404889" y="3188951"/>
+            <a:ext cx="2397260" cy="292388"/>
+          </a:xfrm>
+          <a:prstGeom prst="rect">
+            <a:avLst/>
+          </a:prstGeom>
+          <a:noFill/>
+        </p:spPr>
+        <p:txBody>
+          <a:bodyPr wrap="square" rtlCol="0">
+            <a:spAutoFit/>
+          </a:bodyPr>
+          <a:lstStyle/>
+          <a:p>
+            <a:pPr algn="ctr"/>
+            <a:r>
+              <a:rPr lang="sv-SE" sz="1300" b="1" dirty="0"/>
+              <a:t>Blind Audit</a:t>
+            </a:r>
+          </a:p>
+        </p:txBody>
+      </p:sp>
+      <p:sp>
+        <p:nvSpPr>
+          <p:cNvPr id="60" name="TextBox 59"/>
+          <p:cNvSpPr txBox="1"/>
+          <p:nvPr/>
+        </p:nvSpPr>
+        <p:spPr>
+          <a:xfrm>
+            <a:off x="4213301" y="3397307"/>
+            <a:ext cx="2593264" cy="830997"/>
+          </a:xfrm>
+          <a:prstGeom prst="rect">
+            <a:avLst/>
+          </a:prstGeom>
+          <a:noFill/>
+        </p:spPr>
+        <p:txBody>
+          <a:bodyPr wrap="square" rtlCol="0">
+            <a:spAutoFit/>
+          </a:bodyPr>
+          <a:lstStyle/>
+          <a:p>
+            <a:r>
+              <a:rPr lang="en-US" sz="1200" dirty="0" smtClean="0"/>
+              <a:t>FOSSID AB will use the collection of digital signature to search their open source database looking for matches to </a:t>
+            </a:r>
+            <a:r>
+              <a:rPr lang="en-US" sz="1200" dirty="0"/>
+              <a:t>open source files and snippets.</a:t>
+            </a:r>
+            <a:endParaRPr lang="sv-SE" sz="1200" dirty="0"/>
+          </a:p>
+        </p:txBody>
+      </p:sp>
+      <p:sp>
+        <p:nvSpPr>
+          <p:cNvPr id="61" name="TextBox 60"/>
+          <p:cNvSpPr txBox="1"/>
+          <p:nvPr/>
+        </p:nvSpPr>
+        <p:spPr>
+          <a:xfrm>
+            <a:off x="4229032" y="3193739"/>
+            <a:ext cx="2397260" cy="292388"/>
+          </a:xfrm>
+          <a:prstGeom prst="rect">
+            <a:avLst/>
+          </a:prstGeom>
+          <a:noFill/>
+        </p:spPr>
+        <p:txBody>
+          <a:bodyPr wrap="square" rtlCol="0">
+            <a:spAutoFit/>
+          </a:bodyPr>
+          <a:lstStyle/>
+          <a:p>
+            <a:pPr algn="ctr"/>
+            <a:r>
+              <a:rPr lang="sv-SE" sz="1300" b="1" dirty="0"/>
+              <a:t>Knowledge Base Comparison</a:t>
+            </a:r>
+          </a:p>
+        </p:txBody>
+      </p:sp>
+      <p:sp>
+        <p:nvSpPr>
+          <p:cNvPr id="62" name="TextBox 61"/>
+          <p:cNvSpPr txBox="1"/>
+          <p:nvPr/>
+        </p:nvSpPr>
+        <p:spPr>
+          <a:xfrm>
+            <a:off x="7177825" y="3396270"/>
+            <a:ext cx="2360073" cy="830997"/>
+          </a:xfrm>
+          <a:prstGeom prst="rect">
+            <a:avLst/>
+          </a:prstGeom>
+          <a:noFill/>
+        </p:spPr>
+        <p:txBody>
+          <a:bodyPr wrap="square" rtlCol="0">
+            <a:spAutoFit/>
+          </a:bodyPr>
+          <a:lstStyle/>
+          <a:p>
+            <a:r>
+              <a:rPr lang="en-US" sz="1200" dirty="0"/>
+              <a:t>The collection of digital signatures is transferred securely over SSH to a dedicated server in FOSSID’s </a:t>
+            </a:r>
+            <a:r>
+              <a:rPr lang="en-US" sz="1200" dirty="0" smtClean="0"/>
+              <a:t>datacenter</a:t>
+            </a:r>
+            <a:r>
+              <a:rPr lang="en-US" sz="1200" dirty="0"/>
+              <a:t>.</a:t>
+            </a:r>
+            <a:endParaRPr lang="sv-SE" sz="1200" dirty="0"/>
+          </a:p>
+        </p:txBody>
+      </p:sp>
+      <p:sp>
+        <p:nvSpPr>
+          <p:cNvPr id="63" name="TextBox 62"/>
+          <p:cNvSpPr txBox="1"/>
+          <p:nvPr/>
+        </p:nvSpPr>
+        <p:spPr>
+          <a:xfrm>
+            <a:off x="7159232" y="3189419"/>
+            <a:ext cx="2397260" cy="292388"/>
+          </a:xfrm>
+          <a:prstGeom prst="rect">
+            <a:avLst/>
+          </a:prstGeom>
+          <a:noFill/>
+        </p:spPr>
+        <p:txBody>
+          <a:bodyPr wrap="square" rtlCol="0">
+            <a:spAutoFit/>
+          </a:bodyPr>
+          <a:lstStyle/>
+          <a:p>
+            <a:pPr algn="ctr"/>
+            <a:r>
+              <a:rPr lang="sv-SE" sz="1300" b="1" dirty="0"/>
+              <a:t>Secure Transfer</a:t>
+            </a:r>
+          </a:p>
+        </p:txBody>
+      </p:sp>
+      <p:pic>
+        <p:nvPicPr>
+          <p:cNvPr id="68" name="Picture 67"/>
+          <p:cNvPicPr>
+            <a:picLocks noChangeAspect="1"/>
+          </p:cNvPicPr>
+          <p:nvPr/>
+        </p:nvPicPr>
+        <p:blipFill>
+          <a:blip r:embed="rId6" cstate="print">
+            <a:extLst>
+              <a:ext uri="{28A0092B-C50C-407E-A947-70E740481C1C}">
+                <a14:useLocalDpi xmlns:a14="http://schemas.microsoft.com/office/drawing/2010/main" val="0"/>
+              </a:ext>
+            </a:extLst>
+          </a:blip>
+          <a:stretch>
+            <a:fillRect/>
+          </a:stretch>
+        </p:blipFill>
+        <p:spPr>
+          <a:xfrm>
+            <a:off x="8049332" y="2355201"/>
+            <a:ext cx="572429" cy="782618"/>
+          </a:xfrm>
+          <a:prstGeom prst="rect">
+            <a:avLst/>
+          </a:prstGeom>
+        </p:spPr>
+      </p:pic>
+      <p:pic>
+        <p:nvPicPr>
+          <p:cNvPr id="69" name="Picture 68"/>
+          <p:cNvPicPr>
+            <a:picLocks noChangeAspect="1"/>
+          </p:cNvPicPr>
+          <p:nvPr/>
+        </p:nvPicPr>
+        <p:blipFill>
+          <a:blip r:embed="rId7"/>
+          <a:stretch>
+            <a:fillRect/>
+          </a:stretch>
+        </p:blipFill>
+        <p:spPr>
+          <a:xfrm>
+            <a:off x="7939837" y="2528975"/>
+            <a:ext cx="395709" cy="358965"/>
+          </a:xfrm>
+          <a:prstGeom prst="rect">
+            <a:avLst/>
+          </a:prstGeom>
+        </p:spPr>
+      </p:pic>
+      <p:sp>
+        <p:nvSpPr>
+          <p:cNvPr id="71" name="TextBox 70"/>
+          <p:cNvSpPr txBox="1"/>
+          <p:nvPr/>
+        </p:nvSpPr>
+        <p:spPr>
+          <a:xfrm>
+            <a:off x="1384840" y="5540725"/>
+            <a:ext cx="2452993" cy="830997"/>
+          </a:xfrm>
+          <a:prstGeom prst="rect">
+            <a:avLst/>
+          </a:prstGeom>
+          <a:noFill/>
+        </p:spPr>
+        <p:txBody>
+          <a:bodyPr wrap="square" rtlCol="0">
+            <a:spAutoFit/>
+          </a:bodyPr>
+          <a:lstStyle/>
+          <a:p>
+            <a:r>
+              <a:rPr lang="en-US" sz="1200" dirty="0"/>
+              <a:t>Once the audit is </a:t>
+            </a:r>
+            <a:r>
+              <a:rPr lang="en-US" sz="1200" dirty="0" smtClean="0"/>
+              <a:t>completed, reports </a:t>
+            </a:r>
+            <a:r>
+              <a:rPr lang="en-US" sz="1200" dirty="0"/>
+              <a:t>are sent to the target company for </a:t>
+            </a:r>
+            <a:r>
+              <a:rPr lang="en-US" sz="1200" dirty="0" smtClean="0"/>
+              <a:t>review before </a:t>
+            </a:r>
+            <a:r>
+              <a:rPr lang="en-US" sz="1200" dirty="0"/>
+              <a:t>they are shared with the </a:t>
+            </a:r>
+            <a:r>
+              <a:rPr lang="en-US" sz="1200" dirty="0" smtClean="0"/>
+              <a:t>potential acquirer.</a:t>
+            </a:r>
+            <a:endParaRPr lang="sv-SE" sz="1200" dirty="0"/>
+          </a:p>
+        </p:txBody>
+      </p:sp>
+      <p:sp>
+        <p:nvSpPr>
+          <p:cNvPr id="72" name="TextBox 71"/>
+          <p:cNvSpPr txBox="1"/>
+          <p:nvPr/>
+        </p:nvSpPr>
+        <p:spPr>
+          <a:xfrm>
+            <a:off x="1398481" y="5286990"/>
+            <a:ext cx="2397260" cy="292388"/>
+          </a:xfrm>
+          <a:prstGeom prst="rect">
+            <a:avLst/>
+          </a:prstGeom>
+          <a:noFill/>
+        </p:spPr>
+        <p:txBody>
+          <a:bodyPr wrap="square" rtlCol="0">
+            <a:spAutoFit/>
+          </a:bodyPr>
+          <a:lstStyle/>
+          <a:p>
+            <a:pPr algn="ctr"/>
+            <a:r>
+              <a:rPr lang="sv-SE" sz="1300" b="1" dirty="0"/>
+              <a:t>Approval Request</a:t>
+            </a:r>
+          </a:p>
+        </p:txBody>
+      </p:sp>
+      <p:sp>
+        <p:nvSpPr>
+          <p:cNvPr id="73" name="TextBox 72"/>
+          <p:cNvSpPr txBox="1"/>
+          <p:nvPr/>
+        </p:nvSpPr>
+        <p:spPr>
+          <a:xfrm>
+            <a:off x="7236098" y="5540724"/>
+            <a:ext cx="2277107" cy="646331"/>
+          </a:xfrm>
+          <a:prstGeom prst="rect">
+            <a:avLst/>
+          </a:prstGeom>
+          <a:noFill/>
+        </p:spPr>
+        <p:txBody>
+          <a:bodyPr wrap="square" rtlCol="0">
+            <a:spAutoFit/>
+          </a:bodyPr>
+          <a:lstStyle/>
+          <a:p>
+            <a:r>
+              <a:rPr lang="en-US" sz="1200" dirty="0" smtClean="0"/>
+              <a:t>A final call </a:t>
+            </a:r>
+            <a:r>
+              <a:rPr lang="en-US" sz="1200" dirty="0"/>
+              <a:t>takes place to present </a:t>
+            </a:r>
+            <a:r>
+              <a:rPr lang="en-US" sz="1200" dirty="0" smtClean="0"/>
+              <a:t>the audit results to the potential buyer and address any questions.</a:t>
+            </a:r>
+            <a:endParaRPr lang="sv-SE" sz="1200" dirty="0"/>
+          </a:p>
+        </p:txBody>
+      </p:sp>
+      <p:sp>
+        <p:nvSpPr>
+          <p:cNvPr id="74" name="TextBox 73"/>
+          <p:cNvSpPr txBox="1"/>
+          <p:nvPr/>
+        </p:nvSpPr>
+        <p:spPr>
+          <a:xfrm>
+            <a:off x="7507587" y="5303899"/>
+            <a:ext cx="1707022" cy="292388"/>
+          </a:xfrm>
+          <a:prstGeom prst="rect">
+            <a:avLst/>
+          </a:prstGeom>
+          <a:noFill/>
+        </p:spPr>
+        <p:txBody>
+          <a:bodyPr wrap="square" rtlCol="0">
+            <a:spAutoFit/>
+          </a:bodyPr>
+          <a:lstStyle/>
+          <a:p>
+            <a:pPr algn="ctr"/>
+            <a:r>
+              <a:rPr lang="sv-SE" sz="1300" b="1" dirty="0"/>
+              <a:t>Final </a:t>
+            </a:r>
+            <a:r>
+              <a:rPr lang="sv-SE" sz="1300" b="1" dirty="0" smtClean="0"/>
+              <a:t>call</a:t>
+            </a:r>
+            <a:endParaRPr lang="sv-SE" sz="1300" b="1" dirty="0"/>
+          </a:p>
+        </p:txBody>
+      </p:sp>
+      <p:pic>
+        <p:nvPicPr>
+          <p:cNvPr id="76" name="Picture 75"/>
+          <p:cNvPicPr>
+            <a:picLocks noChangeAspect="1"/>
+          </p:cNvPicPr>
+          <p:nvPr/>
+        </p:nvPicPr>
+        <p:blipFill>
+          <a:blip r:embed="rId8" cstate="print">
+            <a:extLst>
+              <a:ext uri="{28A0092B-C50C-407E-A947-70E740481C1C}">
+                <a14:useLocalDpi xmlns:a14="http://schemas.microsoft.com/office/drawing/2010/main" val="0"/>
+              </a:ext>
+            </a:extLst>
+          </a:blip>
+          <a:stretch>
+            <a:fillRect/>
+          </a:stretch>
+        </p:blipFill>
+        <p:spPr>
+          <a:xfrm>
+            <a:off x="5194020" y="4486206"/>
+            <a:ext cx="721526" cy="721526"/>
+          </a:xfrm>
+          <a:prstGeom prst="rect">
+            <a:avLst/>
+          </a:prstGeom>
+        </p:spPr>
+      </p:pic>
+      <p:pic>
+        <p:nvPicPr>
+          <p:cNvPr id="77" name="Picture 76"/>
+          <p:cNvPicPr>
+            <a:picLocks noChangeAspect="1"/>
+          </p:cNvPicPr>
+          <p:nvPr/>
+        </p:nvPicPr>
+        <p:blipFill>
+          <a:blip r:embed="rId9" cstate="print">
+            <a:extLst>
+              <a:ext uri="{28A0092B-C50C-407E-A947-70E740481C1C}">
+                <a14:useLocalDpi xmlns:a14="http://schemas.microsoft.com/office/drawing/2010/main" val="0"/>
+              </a:ext>
+            </a:extLst>
+          </a:blip>
+          <a:stretch>
+            <a:fillRect/>
+          </a:stretch>
+        </p:blipFill>
+        <p:spPr>
+          <a:xfrm>
+            <a:off x="5452827" y="4404330"/>
+            <a:ext cx="402709" cy="402709"/>
+          </a:xfrm>
+          <a:prstGeom prst="rect">
+            <a:avLst/>
+          </a:prstGeom>
+        </p:spPr>
+      </p:pic>
+      <p:sp>
+        <p:nvSpPr>
+          <p:cNvPr id="79" name="TextBox 78"/>
+          <p:cNvSpPr txBox="1"/>
+          <p:nvPr/>
+        </p:nvSpPr>
+        <p:spPr>
+          <a:xfrm>
+            <a:off x="4371940" y="5540725"/>
+            <a:ext cx="2527676" cy="1015663"/>
+          </a:xfrm>
+          <a:prstGeom prst="rect">
+            <a:avLst/>
+          </a:prstGeom>
+          <a:noFill/>
+        </p:spPr>
+        <p:txBody>
+          <a:bodyPr wrap="square" rtlCol="0">
+            <a:spAutoFit/>
+          </a:bodyPr>
+          <a:lstStyle/>
+          <a:p>
+            <a:r>
+              <a:rPr lang="en-US" sz="1200" dirty="0"/>
+              <a:t>After the </a:t>
+            </a:r>
+            <a:r>
+              <a:rPr lang="en-US" sz="1200" dirty="0" smtClean="0"/>
+              <a:t>review with target company, final </a:t>
+            </a:r>
+            <a:r>
+              <a:rPr lang="en-US" sz="1200" dirty="0"/>
+              <a:t>reports </a:t>
+            </a:r>
+            <a:r>
+              <a:rPr lang="en-US" sz="1200" dirty="0" smtClean="0"/>
+              <a:t>are delivered to </a:t>
+            </a:r>
+            <a:r>
+              <a:rPr lang="en-US" sz="1200" dirty="0"/>
+              <a:t>the potential </a:t>
+            </a:r>
+            <a:r>
+              <a:rPr lang="en-US" sz="1200" dirty="0" smtClean="0"/>
+              <a:t>buyer, including the </a:t>
+            </a:r>
+            <a:r>
+              <a:rPr lang="en-US" sz="1200" dirty="0"/>
+              <a:t>Bill of Materials, SPDX, </a:t>
+            </a:r>
+            <a:r>
+              <a:rPr lang="en-US" sz="1200" dirty="0" smtClean="0"/>
+              <a:t>and the executive summary.</a:t>
+            </a:r>
+            <a:endParaRPr lang="sv-SE" sz="1200" dirty="0"/>
+          </a:p>
+        </p:txBody>
+      </p:sp>
+      <p:sp>
+        <p:nvSpPr>
+          <p:cNvPr id="80" name="TextBox 79"/>
+          <p:cNvSpPr txBox="1"/>
+          <p:nvPr/>
+        </p:nvSpPr>
+        <p:spPr>
+          <a:xfrm>
+            <a:off x="4317289" y="5286990"/>
+            <a:ext cx="2397260" cy="292388"/>
+          </a:xfrm>
+          <a:prstGeom prst="rect">
+            <a:avLst/>
+          </a:prstGeom>
+          <a:noFill/>
+        </p:spPr>
+        <p:txBody>
+          <a:bodyPr wrap="square" rtlCol="0">
+            <a:spAutoFit/>
+          </a:bodyPr>
+          <a:lstStyle/>
+          <a:p>
+            <a:pPr algn="ctr"/>
+            <a:r>
+              <a:rPr lang="sv-SE" sz="1300" b="1" dirty="0" smtClean="0"/>
+              <a:t>Delivery of Reports</a:t>
+            </a:r>
+            <a:endParaRPr lang="sv-SE" sz="1300" b="1" dirty="0"/>
+          </a:p>
+        </p:txBody>
+      </p:sp>
+      <p:pic>
+        <p:nvPicPr>
+          <p:cNvPr id="9" name="Picture 8"/>
+          <p:cNvPicPr>
+            <a:picLocks noChangeAspect="1"/>
+          </p:cNvPicPr>
+          <p:nvPr/>
+        </p:nvPicPr>
+        <p:blipFill>
+          <a:blip r:embed="rId10" cstate="print">
+            <a:extLst>
+              <a:ext uri="{28A0092B-C50C-407E-A947-70E740481C1C}">
+                <a14:useLocalDpi xmlns:a14="http://schemas.microsoft.com/office/drawing/2010/main" val="0"/>
+              </a:ext>
+            </a:extLst>
+          </a:blip>
+          <a:stretch>
+            <a:fillRect/>
+          </a:stretch>
+        </p:blipFill>
+        <p:spPr>
+          <a:xfrm>
+            <a:off x="2390836" y="4613726"/>
+            <a:ext cx="435676" cy="435676"/>
+          </a:xfrm>
+          <a:prstGeom prst="rect">
+            <a:avLst/>
+          </a:prstGeom>
+        </p:spPr>
+      </p:pic>
+      <p:pic>
+        <p:nvPicPr>
+          <p:cNvPr id="46" name="Picture 45"/>
+          <p:cNvPicPr>
+            <a:picLocks noChangeAspect="1"/>
+          </p:cNvPicPr>
+          <p:nvPr/>
+        </p:nvPicPr>
+        <p:blipFill>
+          <a:blip r:embed="rId11" cstate="print">
+            <a:extLst>
+              <a:ext uri="{28A0092B-C50C-407E-A947-70E740481C1C}">
+                <a14:useLocalDpi xmlns:a14="http://schemas.microsoft.com/office/drawing/2010/main" val="0"/>
+              </a:ext>
+            </a:extLst>
+          </a:blip>
+          <a:stretch>
+            <a:fillRect/>
+          </a:stretch>
+        </p:blipFill>
+        <p:spPr>
+          <a:xfrm>
+            <a:off x="2222213" y="4486206"/>
+            <a:ext cx="738210" cy="738210"/>
+          </a:xfrm>
+          <a:prstGeom prst="rect">
+            <a:avLst/>
+          </a:prstGeom>
+        </p:spPr>
+      </p:pic>
+      <p:grpSp>
+        <p:nvGrpSpPr>
+          <p:cNvPr id="7" name="Group 6"/>
+          <p:cNvGrpSpPr/>
+          <p:nvPr/>
+        </p:nvGrpSpPr>
+        <p:grpSpPr>
+          <a:xfrm>
+            <a:off x="7507587" y="420311"/>
+            <a:ext cx="814966" cy="696565"/>
+            <a:chOff x="7738484" y="171095"/>
+            <a:chExt cx="956273" cy="804821"/>
+          </a:xfrm>
+        </p:grpSpPr>
+        <p:pic>
+          <p:nvPicPr>
+            <p:cNvPr id="19" name="Picture 18"/>
+            <p:cNvPicPr>
+              <a:picLocks noChangeAspect="1"/>
+            </p:cNvPicPr>
+            <p:nvPr/>
+          </p:nvPicPr>
+          <p:blipFill>
+            <a:blip r:embed="rId12" cstate="print">
+              <a:extLst>
+                <a:ext uri="{28A0092B-C50C-407E-A947-70E740481C1C}">
+                  <a14:useLocalDpi xmlns:a14="http://schemas.microsoft.com/office/drawing/2010/main" val="0"/>
+                </a:ext>
+              </a:extLst>
+            </a:blip>
+            <a:stretch>
+              <a:fillRect/>
+            </a:stretch>
+          </p:blipFill>
+          <p:spPr>
+            <a:xfrm>
+              <a:off x="7738484" y="177337"/>
+              <a:ext cx="798579" cy="798579"/>
+            </a:xfrm>
+            <a:prstGeom prst="rect">
+              <a:avLst/>
+            </a:prstGeom>
+          </p:spPr>
+        </p:pic>
+        <p:pic>
+          <p:nvPicPr>
+            <p:cNvPr id="25" name="Picture 24"/>
+            <p:cNvPicPr>
+              <a:picLocks noChangeAspect="1"/>
+            </p:cNvPicPr>
+            <p:nvPr/>
+          </p:nvPicPr>
+          <p:blipFill>
+            <a:blip r:embed="rId13" cstate="print">
+              <a:extLst>
+                <a:ext uri="{28A0092B-C50C-407E-A947-70E740481C1C}">
+                  <a14:useLocalDpi xmlns:a14="http://schemas.microsoft.com/office/drawing/2010/main" val="0"/>
+                </a:ext>
+              </a:extLst>
+            </a:blip>
+            <a:stretch>
+              <a:fillRect/>
+            </a:stretch>
+          </p:blipFill>
+          <p:spPr>
+            <a:xfrm>
+              <a:off x="7849616" y="263154"/>
+              <a:ext cx="566469" cy="566469"/>
+            </a:xfrm>
+            <a:prstGeom prst="rect">
+              <a:avLst/>
+            </a:prstGeom>
+          </p:spPr>
+        </p:pic>
+        <p:pic>
+          <p:nvPicPr>
+            <p:cNvPr id="48" name="Picture 47"/>
+            <p:cNvPicPr>
+              <a:picLocks noChangeAspect="1"/>
+            </p:cNvPicPr>
+            <p:nvPr/>
+          </p:nvPicPr>
+          <p:blipFill>
+            <a:blip r:embed="rId14" cstate="print">
+              <a:extLst>
+                <a:ext uri="{28A0092B-C50C-407E-A947-70E740481C1C}">
+                  <a14:useLocalDpi xmlns:a14="http://schemas.microsoft.com/office/drawing/2010/main" val="0"/>
+                </a:ext>
+              </a:extLst>
+            </a:blip>
+            <a:stretch>
+              <a:fillRect/>
+            </a:stretch>
+          </p:blipFill>
+          <p:spPr>
+            <a:xfrm>
+              <a:off x="8220291" y="171095"/>
+              <a:ext cx="474466" cy="474466"/>
+            </a:xfrm>
+            <a:prstGeom prst="rect">
+              <a:avLst/>
+            </a:prstGeom>
+          </p:spPr>
+        </p:pic>
+      </p:grpSp>
+      <p:pic>
+        <p:nvPicPr>
+          <p:cNvPr id="5" name="Picture 4"/>
+          <p:cNvPicPr>
+            <a:picLocks noChangeAspect="1"/>
+          </p:cNvPicPr>
+          <p:nvPr/>
+        </p:nvPicPr>
+        <p:blipFill>
+          <a:blip r:embed="rId15" cstate="print">
+            <a:extLst>
+              <a:ext uri="{28A0092B-C50C-407E-A947-70E740481C1C}">
+                <a14:useLocalDpi xmlns:a14="http://schemas.microsoft.com/office/drawing/2010/main" val="0"/>
+              </a:ext>
+            </a:extLst>
+          </a:blip>
+          <a:stretch>
+            <a:fillRect/>
+          </a:stretch>
+        </p:blipFill>
+        <p:spPr>
+          <a:xfrm>
+            <a:off x="5124017" y="2401022"/>
+            <a:ext cx="732067" cy="732067"/>
+          </a:xfrm>
+          <a:prstGeom prst="rect">
+            <a:avLst/>
+          </a:prstGeom>
+        </p:spPr>
+      </p:pic>
+      <p:pic>
+        <p:nvPicPr>
+          <p:cNvPr id="35" name="Picture 34"/>
+          <p:cNvPicPr>
+            <a:picLocks noChangeAspect="1"/>
+          </p:cNvPicPr>
+          <p:nvPr/>
+        </p:nvPicPr>
+        <p:blipFill>
+          <a:blip r:embed="rId16" cstate="print">
+            <a:extLst>
+              <a:ext uri="{28A0092B-C50C-407E-A947-70E740481C1C}">
+                <a14:useLocalDpi xmlns:a14="http://schemas.microsoft.com/office/drawing/2010/main" val="0"/>
+              </a:ext>
+            </a:extLst>
+          </a:blip>
+          <a:stretch>
+            <a:fillRect/>
+          </a:stretch>
+        </p:blipFill>
+        <p:spPr>
+          <a:xfrm>
+            <a:off x="4837802" y="2521541"/>
+            <a:ext cx="580645" cy="580645"/>
+          </a:xfrm>
+          <a:prstGeom prst="rect">
+            <a:avLst/>
+          </a:prstGeom>
+        </p:spPr>
+      </p:pic>
+      <p:sp>
+        <p:nvSpPr>
+          <p:cNvPr id="47" name="Rounded Rectangle 46"/>
+          <p:cNvSpPr/>
+          <p:nvPr/>
+        </p:nvSpPr>
+        <p:spPr>
+          <a:xfrm>
+            <a:off x="2892646" y="826232"/>
+            <a:ext cx="720529" cy="566057"/>
+          </a:xfrm>
+          <a:prstGeom prst="roundRect">
+            <a:avLst/>
+          </a:prstGeom>
+          <a:noFill/>
+          <a:ln w="38100">
+            <a:solidFill>
+              <a:srgbClr val="2CA4F2"/>
+            </a:solidFill>
+          </a:ln>
+        </p:spPr>
+        <p:style>
+          <a:lnRef idx="2">
+            <a:schemeClr val="accent1">
+              <a:shade val="50000"/>
+            </a:schemeClr>
+          </a:lnRef>
+          <a:fillRef idx="1">
+            <a:schemeClr val="accent1"/>
+          </a:fillRef>
+          <a:effectRef idx="0">
+            <a:schemeClr val="accent1"/>
+          </a:effectRef>
+          <a:fontRef idx="minor">
+            <a:schemeClr val="lt1"/>
+          </a:fontRef>
+        </p:style>
+        <p:txBody>
+          <a:bodyPr rtlCol="0" anchor="ctr"/>
+          <a:lstStyle/>
+          <a:p>
+            <a:pPr algn="ctr"/>
+            <a:r>
+              <a:rPr lang="en-US" b="1" i="1" dirty="0" smtClean="0">
+                <a:solidFill>
+                  <a:schemeClr val="tx1"/>
+                </a:solidFill>
+              </a:rPr>
+              <a:t>Start</a:t>
+            </a:r>
+            <a:endParaRPr lang="en-US" b="1" i="1" dirty="0">
+              <a:solidFill>
+                <a:schemeClr val="tx1"/>
+              </a:solidFill>
+            </a:endParaRPr>
+          </a:p>
+        </p:txBody>
+      </p:sp>
+      <p:sp>
+        <p:nvSpPr>
+          <p:cNvPr id="51" name="Rounded Rectangle 50"/>
+          <p:cNvSpPr/>
+          <p:nvPr/>
+        </p:nvSpPr>
+        <p:spPr>
+          <a:xfrm>
+            <a:off x="9402688" y="4988672"/>
+            <a:ext cx="604960" cy="566057"/>
+          </a:xfrm>
+          <a:prstGeom prst="roundRect">
+            <a:avLst/>
+          </a:prstGeom>
+          <a:noFill/>
+          <a:ln w="38100">
+            <a:solidFill>
+              <a:srgbClr val="2CA4F2"/>
+            </a:solidFill>
+          </a:ln>
+        </p:spPr>
+        <p:style>
+          <a:lnRef idx="2">
+            <a:schemeClr val="accent1">
+              <a:shade val="50000"/>
+            </a:schemeClr>
+          </a:lnRef>
+          <a:fillRef idx="1">
+            <a:schemeClr val="accent1"/>
+          </a:fillRef>
+          <a:effectRef idx="0">
+            <a:schemeClr val="accent1"/>
+          </a:effectRef>
+          <a:fontRef idx="minor">
+            <a:schemeClr val="lt1"/>
+          </a:fontRef>
+        </p:style>
+        <p:txBody>
+          <a:bodyPr rtlCol="0" anchor="ctr"/>
+          <a:lstStyle/>
+          <a:p>
+            <a:pPr algn="ctr"/>
+            <a:r>
+              <a:rPr lang="en-US" b="1" i="1" dirty="0" smtClean="0">
+                <a:solidFill>
+                  <a:schemeClr val="tx1"/>
+                </a:solidFill>
+              </a:rPr>
+              <a:t>End</a:t>
+            </a:r>
+            <a:endParaRPr lang="en-US" b="1" i="1" dirty="0">
+              <a:solidFill>
+                <a:schemeClr val="tx1"/>
+              </a:solidFill>
+            </a:endParaRPr>
+          </a:p>
+        </p:txBody>
+      </p:sp>
+      <p:pic>
+        <p:nvPicPr>
+          <p:cNvPr id="1026" name="Picture 2" descr="http://carrot-top.com/media/catalog/product/cache/1/image/9df78eab33525d08d6e5fb8d27136e95/a/s/as150_checkered.jpg"/>
+          <p:cNvPicPr>
+            <a:picLocks noChangeAspect="1" noChangeArrowheads="1"/>
+          </p:cNvPicPr>
+          <p:nvPr/>
+        </p:nvPicPr>
+        <p:blipFill rotWithShape="1">
+          <a:blip r:embed="rId17" cstate="print">
+            <a:extLst>
+              <a:ext uri="{28A0092B-C50C-407E-A947-70E740481C1C}">
+                <a14:useLocalDpi xmlns:a14="http://schemas.microsoft.com/office/drawing/2010/main" val="0"/>
+              </a:ext>
+            </a:extLst>
+          </a:blip>
+          <a:srcRect b="9440"/>
+          <a:stretch/>
+        </p:blipFill>
+        <p:spPr bwMode="auto">
+          <a:xfrm>
+            <a:off x="9402687" y="4298626"/>
+            <a:ext cx="740229" cy="670352"/>
+          </a:xfrm>
+          <a:prstGeom prst="rect">
+            <a:avLst/>
+          </a:prstGeom>
+          <a:noFill/>
+          <a:extLst>
+            <a:ext uri="{909E8E84-426E-40DD-AFC4-6F175D3DCCD1}">
+              <a14:hiddenFill xmlns:a14="http://schemas.microsoft.com/office/drawing/2010/main">
+                <a:solidFill>
+                  <a:srgbClr val="FFFFFF"/>
+                </a:solidFill>
+              </a14:hiddenFill>
+            </a:ext>
+          </a:extLst>
+        </p:spPr>
+      </p:pic>
+      <p:sp>
+        <p:nvSpPr>
+          <p:cNvPr id="4" name="Isosceles Triangle 3"/>
+          <p:cNvSpPr/>
+          <p:nvPr/>
+        </p:nvSpPr>
+        <p:spPr>
+          <a:xfrm rot="10800000">
+            <a:off x="9187406" y="2048436"/>
+            <a:ext cx="391886" cy="393374"/>
+          </a:xfrm>
+          <a:prstGeom prst="triangle">
+            <a:avLst/>
+          </a:prstGeom>
+          <a:solidFill>
+            <a:srgbClr val="2CA4F2"/>
+          </a:solidFill>
+          <a:ln w="28575">
+            <a:solidFill>
+              <a:schemeClr val="tx1">
+                <a:lumMod val="95000"/>
+                <a:lumOff val="5000"/>
+              </a:schemeClr>
+            </a:solidFill>
+          </a:ln>
+        </p:spPr>
+        <p:style>
+          <a:lnRef idx="2">
+            <a:schemeClr val="accent1">
+              <a:shade val="50000"/>
+            </a:schemeClr>
+          </a:lnRef>
+          <a:fillRef idx="1">
+            <a:schemeClr val="accent1"/>
+          </a:fillRef>
+          <a:effectRef idx="0">
+            <a:schemeClr val="accent1"/>
+          </a:effectRef>
+          <a:fontRef idx="minor">
+            <a:schemeClr val="lt1"/>
+          </a:fontRef>
+        </p:style>
+        <p:txBody>
+          <a:bodyPr rtlCol="0" anchor="ctr"/>
+          <a:lstStyle/>
+          <a:p>
+            <a:pPr algn="ctr"/>
+            <a:endParaRPr lang="en-US"/>
+          </a:p>
+        </p:txBody>
+      </p:sp>
+      <p:sp>
+        <p:nvSpPr>
+          <p:cNvPr id="52" name="Isosceles Triangle 51"/>
+          <p:cNvSpPr/>
+          <p:nvPr/>
+        </p:nvSpPr>
+        <p:spPr>
+          <a:xfrm rot="10800000">
+            <a:off x="1103475" y="4137089"/>
+            <a:ext cx="391886" cy="393374"/>
+          </a:xfrm>
+          <a:prstGeom prst="triangle">
+            <a:avLst/>
+          </a:prstGeom>
+          <a:solidFill>
+            <a:srgbClr val="2CA4F2"/>
+          </a:solidFill>
+          <a:ln w="28575">
+            <a:solidFill>
+              <a:schemeClr val="tx1">
+                <a:lumMod val="95000"/>
+                <a:lumOff val="5000"/>
+              </a:schemeClr>
+            </a:solidFill>
+          </a:ln>
+        </p:spPr>
+        <p:style>
+          <a:lnRef idx="2">
+            <a:schemeClr val="accent1">
+              <a:shade val="50000"/>
+            </a:schemeClr>
+          </a:lnRef>
+          <a:fillRef idx="1">
+            <a:schemeClr val="accent1"/>
+          </a:fillRef>
+          <a:effectRef idx="0">
+            <a:schemeClr val="accent1"/>
+          </a:effectRef>
+          <a:fontRef idx="minor">
+            <a:schemeClr val="lt1"/>
+          </a:fontRef>
+        </p:style>
+        <p:txBody>
+          <a:bodyPr rtlCol="0" anchor="ctr"/>
+          <a:lstStyle/>
+          <a:p>
+            <a:pPr algn="ctr"/>
+            <a:endParaRPr lang="en-US"/>
+          </a:p>
+        </p:txBody>
+      </p:sp>
+      <p:sp>
+        <p:nvSpPr>
+          <p:cNvPr id="6" name="テキスト ボックス 5"/>
+          <p:cNvSpPr txBox="1"/>
+          <p:nvPr/>
+        </p:nvSpPr>
+        <p:spPr>
+          <a:xfrm>
+            <a:off x="152400" y="499987"/>
+            <a:ext cx="569387" cy="369332"/>
+          </a:xfrm>
+          <a:prstGeom prst="rect">
+            <a:avLst/>
+          </a:prstGeom>
+          <a:noFill/>
+        </p:spPr>
+        <p:txBody>
+          <a:bodyPr wrap="none" rtlCol="0">
+            <a:spAutoFit/>
+          </a:bodyPr>
+          <a:lstStyle/>
+          <a:p>
+            <a:r>
+              <a:rPr kumimoji="1" lang="en-US" altLang="ja-JP" dirty="0" smtClean="0"/>
+              <a:t>Fig7</a:t>
+            </a:r>
+            <a:endParaRPr kumimoji="1" lang="ja-JP" altLang="en-US" dirty="0"/>
+          </a:p>
+        </p:txBody>
+      </p:sp>
+    </p:spTree>
+    <p:extLst>
+      <p:ext uri="{BB962C8B-B14F-4D97-AF65-F5344CB8AC3E}">
+        <p14:creationId xmlns:p14="http://schemas.microsoft.com/office/powerpoint/2010/main" val="2846938063"/>
+      </p:ext>
+    </p:extLst>
+  </p:cSld>
+  <p:clrMapOvr>
+    <a:masterClrMapping/>
+  </p:clrMapOvr>
+  <p:transition spd="slow">
+    <p:push dir="u"/>
+  </p:transition>
+  <p:timing>
+    <p:tnLst>
+      <p:par>
+        <p:cTn id="1" dur="indefinite" restart="never" nodeType="tmRoot"/>
+      </p:par>
+    </p:tnLst>
+  </p:timing>
+</p:sld>
+</file>
+
+<file path=ppt/slides/slide11.xml><?xml version="1.0" encoding="utf-8"?>
+<p:sld xmlns:a="http://schemas.openxmlformats.org/drawingml/2006/main" xmlns:r="http://schemas.openxmlformats.org/officeDocument/2006/relationships" xmlns:p="http://schemas.openxmlformats.org/presentationml/2006/main">
+  <p:cSld>
+    <p:spTree>
+      <p:nvGrpSpPr>
+        <p:cNvPr id="1" name=""/>
+        <p:cNvGrpSpPr/>
+        <p:nvPr/>
+      </p:nvGrpSpPr>
+      <p:grpSpPr>
+        <a:xfrm>
+          <a:off x="0" y="0"/>
+          <a:ext cx="0" cy="0"/>
+          <a:chOff x="0" y="0"/>
+          <a:chExt cx="0" cy="0"/>
+        </a:xfrm>
+      </p:grpSpPr>
+      <p:sp>
+        <p:nvSpPr>
+          <p:cNvPr id="65" name="Rectangle 64"/>
+          <p:cNvSpPr/>
+          <p:nvPr/>
+        </p:nvSpPr>
+        <p:spPr>
+          <a:xfrm>
+            <a:off x="923925" y="293739"/>
+            <a:ext cx="9334500" cy="6333203"/>
+          </a:xfrm>
+          <a:prstGeom prst="rect">
+            <a:avLst/>
+          </a:prstGeom>
+          <a:ln w="28575">
+            <a:solidFill>
+              <a:srgbClr val="2CA4F2"/>
+            </a:solidFill>
+          </a:ln>
+        </p:spPr>
+        <p:style>
+          <a:lnRef idx="2">
+            <a:schemeClr val="accent1"/>
+          </a:lnRef>
+          <a:fillRef idx="1">
+            <a:schemeClr val="lt1"/>
+          </a:fillRef>
+          <a:effectRef idx="0">
+            <a:schemeClr val="accent1"/>
+          </a:effectRef>
+          <a:fontRef idx="minor">
+            <a:schemeClr val="dk1"/>
+          </a:fontRef>
+        </p:style>
+        <p:txBody>
+          <a:bodyPr rtlCol="0" anchor="ctr"/>
+          <a:lstStyle/>
+          <a:p>
+            <a:pPr algn="ctr"/>
+            <a:endParaRPr lang="en-US"/>
+          </a:p>
+        </p:txBody>
+      </p:sp>
+      <p:sp>
+        <p:nvSpPr>
+          <p:cNvPr id="2" name="Arc 1"/>
+          <p:cNvSpPr/>
+          <p:nvPr/>
+        </p:nvSpPr>
+        <p:spPr>
+          <a:xfrm>
+            <a:off x="8794078" y="1125365"/>
+            <a:ext cx="588397" cy="633889"/>
+          </a:xfrm>
+          <a:prstGeom prst="arc">
+            <a:avLst/>
+          </a:prstGeom>
+          <a:ln w="19050">
+            <a:solidFill>
+              <a:schemeClr val="tx1"/>
+            </a:solidFill>
+          </a:ln>
+        </p:spPr>
+        <p:style>
+          <a:lnRef idx="1">
+            <a:schemeClr val="accent1"/>
+          </a:lnRef>
+          <a:fillRef idx="0">
+            <a:schemeClr val="accent1"/>
+          </a:fillRef>
+          <a:effectRef idx="0">
+            <a:schemeClr val="accent1"/>
+          </a:effectRef>
+          <a:fontRef idx="minor">
+            <a:schemeClr val="tx1"/>
+          </a:fontRef>
+        </p:style>
+        <p:txBody>
+          <a:bodyPr rtlCol="0" anchor="ctr"/>
+          <a:lstStyle/>
+          <a:p>
+            <a:pPr algn="ctr"/>
+            <a:endParaRPr lang="en-US"/>
+          </a:p>
+        </p:txBody>
+      </p:sp>
+      <p:cxnSp>
+        <p:nvCxnSpPr>
+          <p:cNvPr id="15" name="Straight Connector 14"/>
+          <p:cNvCxnSpPr>
+            <a:cxnSpLocks/>
+            <a:stCxn id="2" idx="0"/>
+            <a:endCxn id="47" idx="3"/>
+          </p:cNvCxnSpPr>
+          <p:nvPr/>
+        </p:nvCxnSpPr>
+        <p:spPr>
+          <a:xfrm flipH="1" flipV="1">
+            <a:off x="3613175" y="1109261"/>
+            <a:ext cx="5475101" cy="16104"/>
+          </a:xfrm>
+          <a:prstGeom prst="line">
+            <a:avLst/>
+          </a:prstGeom>
+          <a:ln w="19050">
+            <a:solidFill>
+              <a:schemeClr val="tx1"/>
+            </a:solidFill>
+          </a:ln>
+        </p:spPr>
+        <p:style>
+          <a:lnRef idx="1">
+            <a:schemeClr val="accent1"/>
+          </a:lnRef>
+          <a:fillRef idx="0">
+            <a:schemeClr val="accent1"/>
+          </a:fillRef>
+          <a:effectRef idx="0">
+            <a:schemeClr val="accent1"/>
+          </a:effectRef>
+          <a:fontRef idx="minor">
+            <a:schemeClr val="tx1"/>
+          </a:fontRef>
+        </p:style>
+      </p:cxnSp>
+      <p:cxnSp>
+        <p:nvCxnSpPr>
+          <p:cNvPr id="20" name="Straight Connector 19"/>
+          <p:cNvCxnSpPr>
+            <a:cxnSpLocks/>
+          </p:cNvCxnSpPr>
+          <p:nvPr/>
+        </p:nvCxnSpPr>
+        <p:spPr>
+          <a:xfrm>
+            <a:off x="9382475" y="1398742"/>
+            <a:ext cx="0" cy="1482681"/>
+          </a:xfrm>
+          <a:prstGeom prst="line">
+            <a:avLst/>
+          </a:prstGeom>
+          <a:ln w="19050">
+            <a:solidFill>
+              <a:schemeClr val="tx1"/>
+            </a:solidFill>
+          </a:ln>
+        </p:spPr>
+        <p:style>
+          <a:lnRef idx="1">
+            <a:schemeClr val="accent1"/>
+          </a:lnRef>
+          <a:fillRef idx="0">
+            <a:schemeClr val="accent1"/>
+          </a:fillRef>
+          <a:effectRef idx="0">
+            <a:schemeClr val="accent1"/>
+          </a:effectRef>
+          <a:fontRef idx="minor">
+            <a:schemeClr val="tx1"/>
+          </a:fontRef>
+        </p:style>
+      </p:cxnSp>
+      <p:sp>
+        <p:nvSpPr>
+          <p:cNvPr id="23" name="Arc 22"/>
+          <p:cNvSpPr/>
+          <p:nvPr/>
+        </p:nvSpPr>
+        <p:spPr>
+          <a:xfrm rot="5400000">
+            <a:off x="8771332" y="2561797"/>
+            <a:ext cx="588397" cy="633889"/>
+          </a:xfrm>
+          <a:prstGeom prst="arc">
+            <a:avLst/>
+          </a:prstGeom>
+          <a:ln w="19050">
+            <a:solidFill>
+              <a:schemeClr val="tx1"/>
+            </a:solidFill>
+          </a:ln>
+        </p:spPr>
+        <p:style>
+          <a:lnRef idx="1">
+            <a:schemeClr val="accent1"/>
+          </a:lnRef>
+          <a:fillRef idx="0">
+            <a:schemeClr val="accent1"/>
+          </a:fillRef>
+          <a:effectRef idx="0">
+            <a:schemeClr val="accent1"/>
+          </a:effectRef>
+          <a:fontRef idx="minor">
+            <a:schemeClr val="tx1"/>
+          </a:fontRef>
+        </p:style>
+        <p:txBody>
+          <a:bodyPr rtlCol="0" anchor="ctr"/>
+          <a:lstStyle/>
+          <a:p>
+            <a:pPr algn="ctr"/>
+            <a:endParaRPr lang="en-US"/>
+          </a:p>
+        </p:txBody>
+      </p:sp>
+      <p:cxnSp>
+        <p:nvCxnSpPr>
+          <p:cNvPr id="24" name="Straight Connector 23"/>
+          <p:cNvCxnSpPr>
+            <a:cxnSpLocks/>
+            <a:stCxn id="23" idx="2"/>
+          </p:cNvCxnSpPr>
+          <p:nvPr/>
+        </p:nvCxnSpPr>
+        <p:spPr>
+          <a:xfrm flipH="1" flipV="1">
+            <a:off x="1619022" y="3171742"/>
+            <a:ext cx="7446508" cy="1198"/>
+          </a:xfrm>
+          <a:prstGeom prst="line">
+            <a:avLst/>
+          </a:prstGeom>
+          <a:ln w="19050">
+            <a:solidFill>
+              <a:schemeClr val="tx1"/>
+            </a:solidFill>
+          </a:ln>
+        </p:spPr>
+        <p:style>
+          <a:lnRef idx="1">
+            <a:schemeClr val="accent1"/>
+          </a:lnRef>
+          <a:fillRef idx="0">
+            <a:schemeClr val="accent1"/>
+          </a:fillRef>
+          <a:effectRef idx="0">
+            <a:schemeClr val="accent1"/>
+          </a:effectRef>
+          <a:fontRef idx="minor">
+            <a:schemeClr val="tx1"/>
+          </a:fontRef>
+        </p:style>
+      </p:cxnSp>
+      <p:sp>
+        <p:nvSpPr>
+          <p:cNvPr id="26" name="Arc 25"/>
+          <p:cNvSpPr/>
+          <p:nvPr/>
+        </p:nvSpPr>
+        <p:spPr>
+          <a:xfrm rot="16200000">
+            <a:off x="1324824" y="3150194"/>
+            <a:ext cx="588397" cy="633889"/>
+          </a:xfrm>
+          <a:prstGeom prst="arc">
+            <a:avLst/>
+          </a:prstGeom>
+          <a:ln w="19050">
+            <a:solidFill>
+              <a:schemeClr val="tx1"/>
+            </a:solidFill>
+          </a:ln>
+        </p:spPr>
+        <p:style>
+          <a:lnRef idx="1">
+            <a:schemeClr val="accent1"/>
+          </a:lnRef>
+          <a:fillRef idx="0">
+            <a:schemeClr val="accent1"/>
+          </a:fillRef>
+          <a:effectRef idx="0">
+            <a:schemeClr val="accent1"/>
+          </a:effectRef>
+          <a:fontRef idx="minor">
+            <a:schemeClr val="tx1"/>
+          </a:fontRef>
+        </p:style>
+        <p:txBody>
+          <a:bodyPr rtlCol="0" anchor="ctr"/>
+          <a:lstStyle/>
+          <a:p>
+            <a:pPr algn="ctr"/>
+            <a:endParaRPr lang="en-US"/>
+          </a:p>
+        </p:txBody>
+      </p:sp>
+      <p:sp>
+        <p:nvSpPr>
+          <p:cNvPr id="29" name="Arc 28"/>
+          <p:cNvSpPr/>
+          <p:nvPr/>
+        </p:nvSpPr>
+        <p:spPr>
+          <a:xfrm rot="10800000">
+            <a:off x="1302078" y="4639486"/>
+            <a:ext cx="588397" cy="633889"/>
+          </a:xfrm>
+          <a:prstGeom prst="arc">
+            <a:avLst/>
+          </a:prstGeom>
+          <a:ln w="19050">
+            <a:solidFill>
+              <a:schemeClr val="tx1"/>
+            </a:solidFill>
+          </a:ln>
+        </p:spPr>
+        <p:style>
+          <a:lnRef idx="1">
+            <a:schemeClr val="accent1"/>
+          </a:lnRef>
+          <a:fillRef idx="0">
+            <a:schemeClr val="accent1"/>
+          </a:fillRef>
+          <a:effectRef idx="0">
+            <a:schemeClr val="accent1"/>
+          </a:effectRef>
+          <a:fontRef idx="minor">
+            <a:schemeClr val="tx1"/>
+          </a:fontRef>
+        </p:style>
+        <p:txBody>
+          <a:bodyPr rtlCol="0" anchor="ctr"/>
+          <a:lstStyle/>
+          <a:p>
+            <a:pPr algn="ctr"/>
+            <a:endParaRPr lang="en-US"/>
+          </a:p>
+        </p:txBody>
+      </p:sp>
+      <p:cxnSp>
+        <p:nvCxnSpPr>
+          <p:cNvPr id="34" name="Straight Connector 33"/>
+          <p:cNvCxnSpPr>
+            <a:cxnSpLocks/>
+          </p:cNvCxnSpPr>
+          <p:nvPr/>
+        </p:nvCxnSpPr>
+        <p:spPr>
+          <a:xfrm flipH="1">
+            <a:off x="1596276" y="5271701"/>
+            <a:ext cx="7806411" cy="1675"/>
+          </a:xfrm>
+          <a:prstGeom prst="line">
+            <a:avLst/>
+          </a:prstGeom>
+          <a:ln w="19050">
+            <a:solidFill>
+              <a:schemeClr val="tx1"/>
+            </a:solidFill>
+          </a:ln>
+        </p:spPr>
+        <p:style>
+          <a:lnRef idx="1">
+            <a:schemeClr val="accent1"/>
+          </a:lnRef>
+          <a:fillRef idx="0">
+            <a:schemeClr val="accent1"/>
+          </a:fillRef>
+          <a:effectRef idx="0">
+            <a:schemeClr val="accent1"/>
+          </a:effectRef>
+          <a:fontRef idx="minor">
+            <a:schemeClr val="tx1"/>
+          </a:fontRef>
+        </p:style>
+      </p:cxnSp>
+      <p:cxnSp>
+        <p:nvCxnSpPr>
+          <p:cNvPr id="16" name="Straight Connector 15"/>
+          <p:cNvCxnSpPr>
+            <a:cxnSpLocks/>
+            <a:endCxn id="29" idx="2"/>
+          </p:cNvCxnSpPr>
+          <p:nvPr/>
+        </p:nvCxnSpPr>
+        <p:spPr>
+          <a:xfrm>
+            <a:off x="1302077" y="3469394"/>
+            <a:ext cx="1" cy="1487036"/>
+          </a:xfrm>
+          <a:prstGeom prst="line">
+            <a:avLst/>
+          </a:prstGeom>
+          <a:ln w="19050">
+            <a:solidFill>
+              <a:schemeClr val="tx1"/>
+            </a:solidFill>
+          </a:ln>
+        </p:spPr>
+        <p:style>
+          <a:lnRef idx="1">
+            <a:schemeClr val="accent1"/>
+          </a:lnRef>
+          <a:fillRef idx="0">
+            <a:schemeClr val="accent1"/>
+          </a:fillRef>
+          <a:effectRef idx="0">
+            <a:schemeClr val="accent1"/>
+          </a:effectRef>
+          <a:fontRef idx="minor">
+            <a:schemeClr val="tx1"/>
+          </a:fontRef>
+        </p:style>
+      </p:cxnSp>
+      <p:pic>
+        <p:nvPicPr>
+          <p:cNvPr id="8" name="Picture 7"/>
+          <p:cNvPicPr>
+            <a:picLocks noChangeAspect="1"/>
+          </p:cNvPicPr>
+          <p:nvPr/>
+        </p:nvPicPr>
+        <p:blipFill>
+          <a:blip r:embed="rId3" cstate="print">
+            <a:extLst>
+              <a:ext uri="{28A0092B-C50C-407E-A947-70E740481C1C}">
+                <a14:useLocalDpi xmlns:a14="http://schemas.microsoft.com/office/drawing/2010/main" val="0"/>
+              </a:ext>
+            </a:extLst>
+          </a:blip>
+          <a:stretch>
+            <a:fillRect/>
+          </a:stretch>
+        </p:blipFill>
+        <p:spPr>
+          <a:xfrm>
+            <a:off x="4596939" y="431172"/>
+            <a:ext cx="590272" cy="590272"/>
+          </a:xfrm>
+          <a:prstGeom prst="rect">
+            <a:avLst/>
+          </a:prstGeom>
+        </p:spPr>
+      </p:pic>
+      <p:pic>
+        <p:nvPicPr>
+          <p:cNvPr id="22" name="Picture 21"/>
+          <p:cNvPicPr>
+            <a:picLocks noChangeAspect="1"/>
+          </p:cNvPicPr>
+          <p:nvPr/>
+        </p:nvPicPr>
+        <p:blipFill>
+          <a:blip r:embed="rId4" cstate="print">
+            <a:extLst>
+              <a:ext uri="{28A0092B-C50C-407E-A947-70E740481C1C}">
+                <a14:useLocalDpi xmlns:a14="http://schemas.microsoft.com/office/drawing/2010/main" val="0"/>
+              </a:ext>
+            </a:extLst>
+          </a:blip>
+          <a:stretch>
+            <a:fillRect/>
+          </a:stretch>
+        </p:blipFill>
+        <p:spPr>
+          <a:xfrm flipH="1">
+            <a:off x="7927829" y="4421959"/>
+            <a:ext cx="787168" cy="787168"/>
+          </a:xfrm>
+          <a:prstGeom prst="rect">
+            <a:avLst/>
+          </a:prstGeom>
+        </p:spPr>
+      </p:pic>
+      <p:pic>
+        <p:nvPicPr>
+          <p:cNvPr id="3" name="Picture 2"/>
+          <p:cNvPicPr>
+            <a:picLocks noChangeAspect="1"/>
+          </p:cNvPicPr>
+          <p:nvPr/>
+        </p:nvPicPr>
+        <p:blipFill>
+          <a:blip r:embed="rId5" cstate="print">
+            <a:extLst>
+              <a:ext uri="{28A0092B-C50C-407E-A947-70E740481C1C}">
+                <a14:useLocalDpi xmlns:a14="http://schemas.microsoft.com/office/drawing/2010/main" val="0"/>
+              </a:ext>
+            </a:extLst>
+          </a:blip>
+          <a:stretch>
+            <a:fillRect/>
+          </a:stretch>
+        </p:blipFill>
+        <p:spPr>
+          <a:xfrm>
+            <a:off x="2142329" y="2315401"/>
+            <a:ext cx="909564" cy="909564"/>
+          </a:xfrm>
+          <a:prstGeom prst="rect">
+            <a:avLst/>
+          </a:prstGeom>
+        </p:spPr>
+      </p:pic>
+      <p:sp>
+        <p:nvSpPr>
+          <p:cNvPr id="40" name="TextBox 39"/>
+          <p:cNvSpPr txBox="1"/>
+          <p:nvPr/>
+        </p:nvSpPr>
+        <p:spPr>
+          <a:xfrm>
+            <a:off x="3684335" y="1342275"/>
+            <a:ext cx="2485216" cy="600164"/>
+          </a:xfrm>
+          <a:prstGeom prst="rect">
+            <a:avLst/>
+          </a:prstGeom>
+          <a:noFill/>
+        </p:spPr>
+        <p:txBody>
+          <a:bodyPr wrap="square" rtlCol="0">
+            <a:spAutoFit/>
+          </a:bodyPr>
+          <a:lstStyle/>
+          <a:p>
+            <a:r>
+              <a:rPr lang="ja-JP" altLang="en-US" sz="1100" dirty="0" smtClean="0">
+                <a:latin typeface="メイリオ" panose="020B0604030504040204" pitchFamily="50" charset="-128"/>
+                <a:ea typeface="メイリオ" panose="020B0604030504040204" pitchFamily="50" charset="-128"/>
+                <a:cs typeface="メイリオ" panose="020B0604030504040204" pitchFamily="50" charset="-128"/>
+              </a:rPr>
+              <a:t>プロジェクトをキックオフし、すべての関係組織の窓口担当</a:t>
+            </a:r>
+            <a:r>
+              <a:rPr lang="ja-JP" altLang="en-US" sz="1100" dirty="0" smtClean="0">
+                <a:latin typeface="メイリオ" panose="020B0604030504040204" pitchFamily="50" charset="-128"/>
+                <a:ea typeface="メイリオ" panose="020B0604030504040204" pitchFamily="50" charset="-128"/>
+                <a:cs typeface="メイリオ" panose="020B0604030504040204" pitchFamily="50" charset="-128"/>
+              </a:rPr>
+              <a:t>を紹介し換算に関する詳細情報を伝えます。</a:t>
+            </a:r>
+            <a:endParaRPr lang="sv-SE" sz="1100" dirty="0">
+              <a:latin typeface="メイリオ" panose="020B0604030504040204" pitchFamily="50" charset="-128"/>
+              <a:ea typeface="メイリオ" panose="020B0604030504040204" pitchFamily="50" charset="-128"/>
+              <a:cs typeface="メイリオ" panose="020B0604030504040204" pitchFamily="50" charset="-128"/>
+            </a:endParaRPr>
+          </a:p>
+        </p:txBody>
+      </p:sp>
+      <p:sp>
+        <p:nvSpPr>
+          <p:cNvPr id="41" name="TextBox 40"/>
+          <p:cNvSpPr txBox="1"/>
+          <p:nvPr/>
+        </p:nvSpPr>
+        <p:spPr>
+          <a:xfrm>
+            <a:off x="3693883" y="1101355"/>
+            <a:ext cx="2397260" cy="276999"/>
+          </a:xfrm>
+          <a:prstGeom prst="rect">
+            <a:avLst/>
+          </a:prstGeom>
+          <a:noFill/>
+        </p:spPr>
+        <p:txBody>
+          <a:bodyPr wrap="square" rtlCol="0">
+            <a:spAutoFit/>
+          </a:bodyPr>
+          <a:lstStyle/>
+          <a:p>
+            <a:pPr algn="ctr"/>
+            <a:r>
+              <a:rPr lang="ja-JP" altLang="en-US" sz="1200" b="1" dirty="0" smtClean="0">
+                <a:latin typeface="メイリオ" panose="020B0604030504040204" pitchFamily="50" charset="-128"/>
+                <a:ea typeface="メイリオ" panose="020B0604030504040204" pitchFamily="50" charset="-128"/>
+                <a:cs typeface="メイリオ" panose="020B0604030504040204" pitchFamily="50" charset="-128"/>
+              </a:rPr>
+              <a:t>立ち上げ時招集、</a:t>
+            </a:r>
+            <a:r>
+              <a:rPr lang="ja-JP" altLang="en-US" sz="1200" b="1" dirty="0" smtClean="0">
+                <a:latin typeface="メイリオ" panose="020B0604030504040204" pitchFamily="50" charset="-128"/>
+                <a:ea typeface="メイリオ" panose="020B0604030504040204" pitchFamily="50" charset="-128"/>
+                <a:cs typeface="メイリオ" panose="020B0604030504040204" pitchFamily="50" charset="-128"/>
+              </a:rPr>
+              <a:t>ミーティング</a:t>
+            </a:r>
+            <a:endParaRPr lang="sv-SE" sz="1200" b="1" dirty="0">
+              <a:latin typeface="メイリオ" panose="020B0604030504040204" pitchFamily="50" charset="-128"/>
+              <a:ea typeface="メイリオ" panose="020B0604030504040204" pitchFamily="50" charset="-128"/>
+              <a:cs typeface="メイリオ" panose="020B0604030504040204" pitchFamily="50" charset="-128"/>
+            </a:endParaRPr>
+          </a:p>
+        </p:txBody>
+      </p:sp>
+      <p:sp>
+        <p:nvSpPr>
+          <p:cNvPr id="49" name="TextBox 48"/>
+          <p:cNvSpPr txBox="1"/>
+          <p:nvPr/>
+        </p:nvSpPr>
+        <p:spPr>
+          <a:xfrm>
+            <a:off x="6546039" y="1326556"/>
+            <a:ext cx="2712553" cy="784830"/>
+          </a:xfrm>
+          <a:prstGeom prst="rect">
+            <a:avLst/>
+          </a:prstGeom>
+          <a:noFill/>
+        </p:spPr>
+        <p:txBody>
+          <a:bodyPr wrap="square" rtlCol="0">
+            <a:spAutoFit/>
+          </a:bodyPr>
+          <a:lstStyle>
+            <a:defPPr>
+              <a:defRPr lang="sv-SE"/>
+            </a:defPPr>
+            <a:lvl1pPr>
+              <a:defRPr sz="1100">
+                <a:latin typeface="メイリオ" panose="020B0604030504040204" pitchFamily="50" charset="-128"/>
+                <a:ea typeface="メイリオ" panose="020B0604030504040204" pitchFamily="50" charset="-128"/>
+                <a:cs typeface="メイリオ" panose="020B0604030504040204" pitchFamily="50" charset="-128"/>
+              </a:defRPr>
+            </a:lvl1pPr>
+          </a:lstStyle>
+          <a:p>
+            <a:r>
+              <a:rPr lang="ja-JP" altLang="en-US" dirty="0"/>
+              <a:t>ソフトウェアの電子署名</a:t>
+            </a:r>
+            <a:r>
+              <a:rPr lang="en-US" altLang="ja-JP" dirty="0">
+                <a:solidFill>
+                  <a:srgbClr val="FF0000"/>
+                </a:solidFill>
+              </a:rPr>
+              <a:t>*</a:t>
+            </a:r>
+            <a:r>
+              <a:rPr lang="ja-JP" altLang="en-US" dirty="0"/>
+              <a:t>を収集するためにコマンドライン インターフェースがインストール方法と実行方法の説明と共</a:t>
+            </a:r>
+            <a:r>
+              <a:rPr lang="ja-JP" altLang="en-US" dirty="0" smtClean="0"/>
+              <a:t>に対象企業</a:t>
+            </a:r>
+            <a:r>
+              <a:rPr lang="ja-JP" altLang="en-US" dirty="0"/>
+              <a:t>に送られます。</a:t>
+            </a:r>
+            <a:endParaRPr lang="sv-SE" dirty="0"/>
+          </a:p>
+        </p:txBody>
+      </p:sp>
+      <p:sp>
+        <p:nvSpPr>
+          <p:cNvPr id="50" name="TextBox 49"/>
+          <p:cNvSpPr txBox="1"/>
+          <p:nvPr/>
+        </p:nvSpPr>
+        <p:spPr>
+          <a:xfrm>
+            <a:off x="6669642" y="1101355"/>
+            <a:ext cx="2397260" cy="276999"/>
+          </a:xfrm>
+          <a:prstGeom prst="rect">
+            <a:avLst/>
+          </a:prstGeom>
+          <a:noFill/>
+        </p:spPr>
+        <p:txBody>
+          <a:bodyPr wrap="square" rtlCol="0">
+            <a:spAutoFit/>
+          </a:bodyPr>
+          <a:lstStyle/>
+          <a:p>
+            <a:pPr algn="ctr"/>
+            <a:r>
+              <a:rPr lang="ja-JP" altLang="en-US" sz="1200" b="1" dirty="0" smtClean="0">
+                <a:latin typeface="メイリオ" panose="020B0604030504040204" pitchFamily="50" charset="-128"/>
+                <a:ea typeface="メイリオ" panose="020B0604030504040204" pitchFamily="50" charset="-128"/>
+                <a:cs typeface="メイリオ" panose="020B0604030504040204" pitchFamily="50" charset="-128"/>
+              </a:rPr>
+              <a:t>フィンガープリント収集ツール</a:t>
+            </a:r>
+            <a:endParaRPr lang="sv-SE" sz="1200" b="1" dirty="0">
+              <a:latin typeface="メイリオ" panose="020B0604030504040204" pitchFamily="50" charset="-128"/>
+              <a:ea typeface="メイリオ" panose="020B0604030504040204" pitchFamily="50" charset="-128"/>
+              <a:cs typeface="メイリオ" panose="020B0604030504040204" pitchFamily="50" charset="-128"/>
+            </a:endParaRPr>
+          </a:p>
+        </p:txBody>
+      </p:sp>
+      <p:sp>
+        <p:nvSpPr>
+          <p:cNvPr id="58" name="TextBox 57"/>
+          <p:cNvSpPr txBox="1"/>
+          <p:nvPr/>
+        </p:nvSpPr>
+        <p:spPr>
+          <a:xfrm>
+            <a:off x="1474789" y="3453562"/>
+            <a:ext cx="2473462" cy="769441"/>
+          </a:xfrm>
+          <a:prstGeom prst="rect">
+            <a:avLst/>
+          </a:prstGeom>
+          <a:noFill/>
+        </p:spPr>
+        <p:txBody>
+          <a:bodyPr wrap="square" rtlCol="0">
+            <a:spAutoFit/>
+          </a:bodyPr>
+          <a:lstStyle>
+            <a:defPPr>
+              <a:defRPr lang="sv-SE"/>
+            </a:defPPr>
+            <a:lvl1pPr>
+              <a:defRPr sz="1100">
+                <a:latin typeface="メイリオ" panose="020B0604030504040204" pitchFamily="50" charset="-128"/>
+                <a:ea typeface="メイリオ" panose="020B0604030504040204" pitchFamily="50" charset="-128"/>
+                <a:cs typeface="メイリオ" panose="020B0604030504040204" pitchFamily="50" charset="-128"/>
+              </a:defRPr>
+            </a:lvl1pPr>
+          </a:lstStyle>
+          <a:p>
+            <a:r>
+              <a:rPr lang="en-US" dirty="0"/>
+              <a:t>FOSSID </a:t>
+            </a:r>
+            <a:r>
+              <a:rPr lang="en-US" dirty="0" smtClean="0"/>
+              <a:t>AB</a:t>
+            </a:r>
+            <a:r>
+              <a:rPr lang="ja-JP" altLang="en-US" dirty="0" smtClean="0"/>
+              <a:t>社の</a:t>
+            </a:r>
+            <a:r>
+              <a:rPr lang="ja-JP" altLang="en-US" dirty="0"/>
+              <a:t>技術者</a:t>
+            </a:r>
+            <a:r>
+              <a:rPr lang="ja-JP" altLang="en-US" dirty="0" smtClean="0"/>
+              <a:t>がソースコードにアクセスせず、電子署名だけで</a:t>
+            </a:r>
+            <a:r>
+              <a:rPr lang="ja-JP" altLang="en-US" dirty="0"/>
+              <a:t>対象となるソフトウェア</a:t>
+            </a:r>
+            <a:r>
+              <a:rPr lang="ja-JP" altLang="en-US" dirty="0" smtClean="0"/>
+              <a:t>を監査します。</a:t>
+            </a:r>
+            <a:endParaRPr lang="sv-SE" dirty="0"/>
+          </a:p>
+        </p:txBody>
+      </p:sp>
+      <p:sp>
+        <p:nvSpPr>
+          <p:cNvPr id="59" name="TextBox 58"/>
+          <p:cNvSpPr txBox="1"/>
+          <p:nvPr/>
+        </p:nvSpPr>
+        <p:spPr>
+          <a:xfrm>
+            <a:off x="1404889" y="3188951"/>
+            <a:ext cx="2397260" cy="276999"/>
+          </a:xfrm>
+          <a:prstGeom prst="rect">
+            <a:avLst/>
+          </a:prstGeom>
+          <a:noFill/>
+        </p:spPr>
+        <p:txBody>
+          <a:bodyPr wrap="square" rtlCol="0">
+            <a:spAutoFit/>
+          </a:bodyPr>
+          <a:lstStyle>
+            <a:defPPr>
+              <a:defRPr lang="sv-SE"/>
+            </a:defPPr>
+            <a:lvl1pPr algn="ctr">
+              <a:defRPr sz="1200" b="1">
+                <a:latin typeface="メイリオ" panose="020B0604030504040204" pitchFamily="50" charset="-128"/>
+                <a:ea typeface="メイリオ" panose="020B0604030504040204" pitchFamily="50" charset="-128"/>
+                <a:cs typeface="メイリオ" panose="020B0604030504040204" pitchFamily="50" charset="-128"/>
+              </a:defRPr>
+            </a:lvl1pPr>
+          </a:lstStyle>
+          <a:p>
+            <a:r>
+              <a:rPr lang="ja-JP" altLang="en-US" dirty="0"/>
+              <a:t>ブラインド監査</a:t>
+            </a:r>
+            <a:endParaRPr lang="sv-SE" dirty="0"/>
+          </a:p>
+        </p:txBody>
+      </p:sp>
+      <p:sp>
+        <p:nvSpPr>
+          <p:cNvPr id="60" name="TextBox 59"/>
+          <p:cNvSpPr txBox="1"/>
+          <p:nvPr/>
+        </p:nvSpPr>
+        <p:spPr>
+          <a:xfrm>
+            <a:off x="4213301" y="3448107"/>
+            <a:ext cx="2593264" cy="938719"/>
+          </a:xfrm>
+          <a:prstGeom prst="rect">
+            <a:avLst/>
+          </a:prstGeom>
+          <a:noFill/>
+        </p:spPr>
+        <p:txBody>
+          <a:bodyPr wrap="square" rtlCol="0">
+            <a:spAutoFit/>
+          </a:bodyPr>
+          <a:lstStyle>
+            <a:defPPr>
+              <a:defRPr lang="sv-SE"/>
+            </a:defPPr>
+            <a:lvl1pPr>
+              <a:defRPr sz="1100">
+                <a:latin typeface="メイリオ" panose="020B0604030504040204" pitchFamily="50" charset="-128"/>
+                <a:ea typeface="メイリオ" panose="020B0604030504040204" pitchFamily="50" charset="-128"/>
+                <a:cs typeface="メイリオ" panose="020B0604030504040204" pitchFamily="50" charset="-128"/>
+              </a:defRPr>
+            </a:lvl1pPr>
+          </a:lstStyle>
+          <a:p>
+            <a:r>
+              <a:rPr lang="sv-SE" dirty="0" smtClean="0"/>
+              <a:t>FOSS</a:t>
+            </a:r>
+            <a:r>
+              <a:rPr lang="ja-JP" altLang="en-US" dirty="0" smtClean="0"/>
+              <a:t> </a:t>
+            </a:r>
+            <a:r>
+              <a:rPr lang="en-US" altLang="ja-JP" dirty="0" smtClean="0"/>
+              <a:t>AB</a:t>
+            </a:r>
+            <a:r>
+              <a:rPr lang="ja-JP" altLang="en-US" dirty="0" smtClean="0"/>
+              <a:t>社が収集した電子署名を使い彼らのオープンソースデータベースを検索し、オープンソースのファイルやスニペットとするものを探していきます。</a:t>
+            </a:r>
+            <a:endParaRPr lang="sv-SE" dirty="0"/>
+          </a:p>
+        </p:txBody>
+      </p:sp>
+      <p:sp>
+        <p:nvSpPr>
+          <p:cNvPr id="61" name="TextBox 60"/>
+          <p:cNvSpPr txBox="1"/>
+          <p:nvPr/>
+        </p:nvSpPr>
+        <p:spPr>
+          <a:xfrm>
+            <a:off x="4229032" y="3193739"/>
+            <a:ext cx="2397260" cy="276999"/>
+          </a:xfrm>
+          <a:prstGeom prst="rect">
+            <a:avLst/>
+          </a:prstGeom>
+          <a:noFill/>
+        </p:spPr>
+        <p:txBody>
+          <a:bodyPr wrap="square" rtlCol="0">
+            <a:spAutoFit/>
+          </a:bodyPr>
+          <a:lstStyle/>
+          <a:p>
+            <a:pPr algn="ctr"/>
+            <a:r>
+              <a:rPr lang="ja-JP" altLang="en-US" sz="1200" b="1" dirty="0" smtClean="0">
+                <a:latin typeface="メイリオ" panose="020B0604030504040204" pitchFamily="50" charset="-128"/>
+                <a:ea typeface="メイリオ" panose="020B0604030504040204" pitchFamily="50" charset="-128"/>
+                <a:cs typeface="メイリオ" panose="020B0604030504040204" pitchFamily="50" charset="-128"/>
+              </a:rPr>
+              <a:t>ナレッジベースの比較</a:t>
+            </a:r>
+            <a:endParaRPr lang="sv-SE" sz="1200" b="1" dirty="0">
+              <a:latin typeface="メイリオ" panose="020B0604030504040204" pitchFamily="50" charset="-128"/>
+              <a:ea typeface="メイリオ" panose="020B0604030504040204" pitchFamily="50" charset="-128"/>
+              <a:cs typeface="メイリオ" panose="020B0604030504040204" pitchFamily="50" charset="-128"/>
+            </a:endParaRPr>
+          </a:p>
+        </p:txBody>
+      </p:sp>
+      <p:sp>
+        <p:nvSpPr>
+          <p:cNvPr id="62" name="TextBox 61"/>
+          <p:cNvSpPr txBox="1"/>
+          <p:nvPr/>
+        </p:nvSpPr>
+        <p:spPr>
+          <a:xfrm>
+            <a:off x="7177825" y="3447070"/>
+            <a:ext cx="2360073" cy="600164"/>
+          </a:xfrm>
+          <a:prstGeom prst="rect">
+            <a:avLst/>
+          </a:prstGeom>
+          <a:noFill/>
+        </p:spPr>
+        <p:txBody>
+          <a:bodyPr wrap="square" rtlCol="0">
+            <a:spAutoFit/>
+          </a:bodyPr>
+          <a:lstStyle>
+            <a:defPPr>
+              <a:defRPr lang="sv-SE"/>
+            </a:defPPr>
+            <a:lvl1pPr>
+              <a:defRPr sz="1100">
+                <a:latin typeface="メイリオ" panose="020B0604030504040204" pitchFamily="50" charset="-128"/>
+                <a:ea typeface="メイリオ" panose="020B0604030504040204" pitchFamily="50" charset="-128"/>
+                <a:cs typeface="メイリオ" panose="020B0604030504040204" pitchFamily="50" charset="-128"/>
+              </a:defRPr>
+            </a:lvl1pPr>
+          </a:lstStyle>
+          <a:p>
+            <a:r>
+              <a:rPr lang="ja-JP" altLang="en-US" dirty="0"/>
+              <a:t>収集された電子署名が</a:t>
+            </a:r>
+            <a:r>
+              <a:rPr lang="en-US" altLang="ja-JP" dirty="0"/>
+              <a:t>FOSSID</a:t>
+            </a:r>
+            <a:r>
+              <a:rPr lang="ja-JP" altLang="en-US" dirty="0"/>
+              <a:t>の専用サーバーに</a:t>
+            </a:r>
+            <a:r>
+              <a:rPr lang="en-US" altLang="ja-JP" dirty="0"/>
+              <a:t>SSH</a:t>
+            </a:r>
+            <a:r>
+              <a:rPr lang="ja-JP" altLang="en-US" dirty="0"/>
+              <a:t>経由でセキュアに転送されます。</a:t>
+            </a:r>
+            <a:endParaRPr lang="sv-SE" dirty="0"/>
+          </a:p>
+        </p:txBody>
+      </p:sp>
+      <p:sp>
+        <p:nvSpPr>
+          <p:cNvPr id="63" name="TextBox 62"/>
+          <p:cNvSpPr txBox="1"/>
+          <p:nvPr/>
+        </p:nvSpPr>
+        <p:spPr>
+          <a:xfrm>
+            <a:off x="7159232" y="3189419"/>
+            <a:ext cx="2397260" cy="276999"/>
+          </a:xfrm>
+          <a:prstGeom prst="rect">
+            <a:avLst/>
+          </a:prstGeom>
+          <a:noFill/>
+        </p:spPr>
+        <p:txBody>
+          <a:bodyPr wrap="square" rtlCol="0">
+            <a:spAutoFit/>
+          </a:bodyPr>
+          <a:lstStyle/>
+          <a:p>
+            <a:pPr algn="ctr"/>
+            <a:r>
+              <a:rPr lang="ja-JP" altLang="en-US" sz="1200" b="1" dirty="0">
+                <a:latin typeface="メイリオ" panose="020B0604030504040204" pitchFamily="50" charset="-128"/>
+                <a:ea typeface="メイリオ" panose="020B0604030504040204" pitchFamily="50" charset="-128"/>
+                <a:cs typeface="メイリオ" panose="020B0604030504040204" pitchFamily="50" charset="-128"/>
+              </a:rPr>
+              <a:t>セキュア</a:t>
+            </a:r>
+            <a:r>
+              <a:rPr lang="ja-JP" altLang="en-US" sz="1200" b="1" dirty="0" smtClean="0">
+                <a:latin typeface="メイリオ" panose="020B0604030504040204" pitchFamily="50" charset="-128"/>
+                <a:ea typeface="メイリオ" panose="020B0604030504040204" pitchFamily="50" charset="-128"/>
+                <a:cs typeface="メイリオ" panose="020B0604030504040204" pitchFamily="50" charset="-128"/>
+              </a:rPr>
+              <a:t>な転送</a:t>
+            </a:r>
+            <a:endParaRPr lang="sv-SE" sz="1200" b="1" dirty="0">
+              <a:latin typeface="メイリオ" panose="020B0604030504040204" pitchFamily="50" charset="-128"/>
+              <a:ea typeface="メイリオ" panose="020B0604030504040204" pitchFamily="50" charset="-128"/>
+              <a:cs typeface="メイリオ" panose="020B0604030504040204" pitchFamily="50" charset="-128"/>
+            </a:endParaRPr>
+          </a:p>
+        </p:txBody>
+      </p:sp>
+      <p:pic>
+        <p:nvPicPr>
+          <p:cNvPr id="68" name="Picture 67"/>
+          <p:cNvPicPr>
+            <a:picLocks noChangeAspect="1"/>
+          </p:cNvPicPr>
+          <p:nvPr/>
+        </p:nvPicPr>
+        <p:blipFill>
+          <a:blip r:embed="rId6" cstate="print">
+            <a:extLst>
+              <a:ext uri="{28A0092B-C50C-407E-A947-70E740481C1C}">
+                <a14:useLocalDpi xmlns:a14="http://schemas.microsoft.com/office/drawing/2010/main" val="0"/>
+              </a:ext>
+            </a:extLst>
+          </a:blip>
+          <a:stretch>
+            <a:fillRect/>
+          </a:stretch>
+        </p:blipFill>
+        <p:spPr>
+          <a:xfrm>
+            <a:off x="8049332" y="2355201"/>
+            <a:ext cx="572429" cy="782618"/>
+          </a:xfrm>
+          <a:prstGeom prst="rect">
+            <a:avLst/>
+          </a:prstGeom>
+        </p:spPr>
+      </p:pic>
+      <p:pic>
+        <p:nvPicPr>
+          <p:cNvPr id="69" name="Picture 68"/>
+          <p:cNvPicPr>
+            <a:picLocks noChangeAspect="1"/>
+          </p:cNvPicPr>
+          <p:nvPr/>
+        </p:nvPicPr>
+        <p:blipFill>
+          <a:blip r:embed="rId7"/>
+          <a:stretch>
+            <a:fillRect/>
+          </a:stretch>
+        </p:blipFill>
+        <p:spPr>
+          <a:xfrm>
+            <a:off x="7939837" y="2528975"/>
+            <a:ext cx="395709" cy="358965"/>
+          </a:xfrm>
+          <a:prstGeom prst="rect">
+            <a:avLst/>
+          </a:prstGeom>
+        </p:spPr>
+      </p:pic>
+      <p:sp>
+        <p:nvSpPr>
+          <p:cNvPr id="71" name="TextBox 70"/>
+          <p:cNvSpPr txBox="1"/>
+          <p:nvPr/>
+        </p:nvSpPr>
+        <p:spPr>
+          <a:xfrm>
+            <a:off x="1384840" y="5477225"/>
+            <a:ext cx="2452993" cy="769441"/>
+          </a:xfrm>
+          <a:prstGeom prst="rect">
+            <a:avLst/>
+          </a:prstGeom>
+          <a:noFill/>
+        </p:spPr>
+        <p:txBody>
+          <a:bodyPr wrap="square" rtlCol="0">
+            <a:spAutoFit/>
+          </a:bodyPr>
+          <a:lstStyle>
+            <a:defPPr>
+              <a:defRPr lang="sv-SE"/>
+            </a:defPPr>
+            <a:lvl1pPr>
+              <a:defRPr sz="1100">
+                <a:latin typeface="メイリオ" panose="020B0604030504040204" pitchFamily="50" charset="-128"/>
+                <a:ea typeface="メイリオ" panose="020B0604030504040204" pitchFamily="50" charset="-128"/>
+                <a:cs typeface="メイリオ" panose="020B0604030504040204" pitchFamily="50" charset="-128"/>
+              </a:defRPr>
+            </a:lvl1pPr>
+          </a:lstStyle>
+          <a:p>
+            <a:r>
+              <a:rPr lang="ja-JP" altLang="en-US" dirty="0"/>
+              <a:t>一度監査が終わった段階で</a:t>
+            </a:r>
+            <a:r>
+              <a:rPr lang="ja-JP" altLang="en-US" dirty="0" smtClean="0"/>
+              <a:t>、将来の買収元と</a:t>
+            </a:r>
+            <a:r>
+              <a:rPr lang="ja-JP" altLang="en-US" dirty="0"/>
+              <a:t>共有する前に対象企業へレビューのためのレポートが送られます。</a:t>
+            </a:r>
+            <a:endParaRPr lang="sv-SE" dirty="0"/>
+          </a:p>
+        </p:txBody>
+      </p:sp>
+      <p:sp>
+        <p:nvSpPr>
+          <p:cNvPr id="72" name="TextBox 71"/>
+          <p:cNvSpPr txBox="1"/>
+          <p:nvPr/>
+        </p:nvSpPr>
+        <p:spPr>
+          <a:xfrm>
+            <a:off x="1398481" y="5286990"/>
+            <a:ext cx="2397260" cy="276999"/>
+          </a:xfrm>
+          <a:prstGeom prst="rect">
+            <a:avLst/>
+          </a:prstGeom>
+          <a:noFill/>
+        </p:spPr>
+        <p:txBody>
+          <a:bodyPr wrap="square" rtlCol="0">
+            <a:spAutoFit/>
+          </a:bodyPr>
+          <a:lstStyle>
+            <a:defPPr>
+              <a:defRPr lang="sv-SE"/>
+            </a:defPPr>
+            <a:lvl1pPr algn="ctr">
+              <a:defRPr sz="1200" b="1">
+                <a:latin typeface="メイリオ" panose="020B0604030504040204" pitchFamily="50" charset="-128"/>
+                <a:ea typeface="メイリオ" panose="020B0604030504040204" pitchFamily="50" charset="-128"/>
+                <a:cs typeface="メイリオ" panose="020B0604030504040204" pitchFamily="50" charset="-128"/>
+              </a:defRPr>
+            </a:lvl1pPr>
+          </a:lstStyle>
+          <a:p>
+            <a:r>
+              <a:rPr lang="ja-JP" altLang="en-US" dirty="0"/>
+              <a:t>承認依頼</a:t>
+            </a:r>
+            <a:endParaRPr lang="sv-SE" dirty="0"/>
+          </a:p>
+        </p:txBody>
+      </p:sp>
+      <p:sp>
+        <p:nvSpPr>
+          <p:cNvPr id="73" name="TextBox 72"/>
+          <p:cNvSpPr txBox="1"/>
+          <p:nvPr/>
+        </p:nvSpPr>
+        <p:spPr>
+          <a:xfrm>
+            <a:off x="7236098" y="5477224"/>
+            <a:ext cx="2277107" cy="769441"/>
+          </a:xfrm>
+          <a:prstGeom prst="rect">
+            <a:avLst/>
+          </a:prstGeom>
+          <a:noFill/>
+        </p:spPr>
+        <p:txBody>
+          <a:bodyPr wrap="square" rtlCol="0">
+            <a:spAutoFit/>
+          </a:bodyPr>
+          <a:lstStyle>
+            <a:defPPr>
+              <a:defRPr lang="sv-SE"/>
+            </a:defPPr>
+            <a:lvl1pPr>
+              <a:defRPr sz="1100">
+                <a:latin typeface="メイリオ" panose="020B0604030504040204" pitchFamily="50" charset="-128"/>
+                <a:ea typeface="メイリオ" panose="020B0604030504040204" pitchFamily="50" charset="-128"/>
+                <a:cs typeface="メイリオ" panose="020B0604030504040204" pitchFamily="50" charset="-128"/>
+              </a:defRPr>
+            </a:lvl1pPr>
+          </a:lstStyle>
+          <a:p>
+            <a:r>
+              <a:rPr lang="ja-JP" altLang="en-US" dirty="0"/>
+              <a:t>正式に監査結果が将来の買収先へと提示するための最終的な場を開催し、質疑やりとりを</a:t>
+            </a:r>
+            <a:r>
+              <a:rPr lang="ja-JP" altLang="en-US" dirty="0" smtClean="0"/>
+              <a:t>実施します。</a:t>
+            </a:r>
+            <a:endParaRPr lang="sv-SE" dirty="0"/>
+          </a:p>
+        </p:txBody>
+      </p:sp>
+      <p:sp>
+        <p:nvSpPr>
+          <p:cNvPr id="74" name="TextBox 73"/>
+          <p:cNvSpPr txBox="1"/>
+          <p:nvPr/>
+        </p:nvSpPr>
+        <p:spPr>
+          <a:xfrm>
+            <a:off x="7507587" y="5303899"/>
+            <a:ext cx="1707022" cy="276999"/>
+          </a:xfrm>
+          <a:prstGeom prst="rect">
+            <a:avLst/>
+          </a:prstGeom>
+          <a:noFill/>
+        </p:spPr>
+        <p:txBody>
+          <a:bodyPr wrap="square" rtlCol="0">
+            <a:spAutoFit/>
+          </a:bodyPr>
+          <a:lstStyle>
+            <a:defPPr>
+              <a:defRPr lang="sv-SE"/>
+            </a:defPPr>
+            <a:lvl1pPr algn="ctr">
+              <a:defRPr sz="1200" b="1">
+                <a:latin typeface="メイリオ" panose="020B0604030504040204" pitchFamily="50" charset="-128"/>
+                <a:ea typeface="メイリオ" panose="020B0604030504040204" pitchFamily="50" charset="-128"/>
+                <a:cs typeface="メイリオ" panose="020B0604030504040204" pitchFamily="50" charset="-128"/>
+              </a:defRPr>
+            </a:lvl1pPr>
+          </a:lstStyle>
+          <a:p>
+            <a:r>
+              <a:rPr lang="ja-JP" altLang="en-US" dirty="0"/>
+              <a:t>最終的</a:t>
+            </a:r>
+            <a:r>
+              <a:rPr lang="ja-JP" altLang="en-US" dirty="0" smtClean="0"/>
+              <a:t>な招集</a:t>
+            </a:r>
+            <a:endParaRPr lang="sv-SE" dirty="0"/>
+          </a:p>
+        </p:txBody>
+      </p:sp>
+      <p:pic>
+        <p:nvPicPr>
+          <p:cNvPr id="76" name="Picture 75"/>
+          <p:cNvPicPr>
+            <a:picLocks noChangeAspect="1"/>
+          </p:cNvPicPr>
+          <p:nvPr/>
+        </p:nvPicPr>
+        <p:blipFill>
+          <a:blip r:embed="rId8" cstate="print">
+            <a:extLst>
+              <a:ext uri="{28A0092B-C50C-407E-A947-70E740481C1C}">
+                <a14:useLocalDpi xmlns:a14="http://schemas.microsoft.com/office/drawing/2010/main" val="0"/>
+              </a:ext>
+            </a:extLst>
+          </a:blip>
+          <a:stretch>
+            <a:fillRect/>
+          </a:stretch>
+        </p:blipFill>
+        <p:spPr>
+          <a:xfrm>
+            <a:off x="5194020" y="4486206"/>
+            <a:ext cx="721526" cy="721526"/>
+          </a:xfrm>
+          <a:prstGeom prst="rect">
+            <a:avLst/>
+          </a:prstGeom>
+        </p:spPr>
+      </p:pic>
+      <p:pic>
+        <p:nvPicPr>
+          <p:cNvPr id="77" name="Picture 76"/>
+          <p:cNvPicPr>
+            <a:picLocks noChangeAspect="1"/>
+          </p:cNvPicPr>
+          <p:nvPr/>
+        </p:nvPicPr>
+        <p:blipFill>
+          <a:blip r:embed="rId9" cstate="print">
+            <a:extLst>
+              <a:ext uri="{28A0092B-C50C-407E-A947-70E740481C1C}">
+                <a14:useLocalDpi xmlns:a14="http://schemas.microsoft.com/office/drawing/2010/main" val="0"/>
+              </a:ext>
+            </a:extLst>
+          </a:blip>
+          <a:stretch>
+            <a:fillRect/>
+          </a:stretch>
+        </p:blipFill>
+        <p:spPr>
+          <a:xfrm>
+            <a:off x="5452827" y="4404330"/>
+            <a:ext cx="402709" cy="402709"/>
+          </a:xfrm>
+          <a:prstGeom prst="rect">
+            <a:avLst/>
+          </a:prstGeom>
+        </p:spPr>
+      </p:pic>
+      <p:sp>
+        <p:nvSpPr>
+          <p:cNvPr id="79" name="TextBox 78"/>
+          <p:cNvSpPr txBox="1"/>
+          <p:nvPr/>
+        </p:nvSpPr>
+        <p:spPr>
+          <a:xfrm>
+            <a:off x="4371940" y="5477225"/>
+            <a:ext cx="2527676" cy="969496"/>
+          </a:xfrm>
+          <a:prstGeom prst="rect">
+            <a:avLst/>
+          </a:prstGeom>
+          <a:noFill/>
+        </p:spPr>
+        <p:txBody>
+          <a:bodyPr wrap="square" rtlCol="0">
+            <a:spAutoFit/>
+          </a:bodyPr>
+          <a:lstStyle>
+            <a:defPPr>
+              <a:defRPr lang="sv-SE"/>
+            </a:defPPr>
+            <a:lvl1pPr>
+              <a:defRPr sz="1100">
+                <a:latin typeface="メイリオ" panose="020B0604030504040204" pitchFamily="50" charset="-128"/>
+                <a:ea typeface="メイリオ" panose="020B0604030504040204" pitchFamily="50" charset="-128"/>
+                <a:cs typeface="メイリオ" panose="020B0604030504040204" pitchFamily="50" charset="-128"/>
+              </a:defRPr>
+            </a:lvl1pPr>
+          </a:lstStyle>
+          <a:p>
+            <a:r>
+              <a:rPr lang="ja-JP" altLang="en-US" dirty="0"/>
+              <a:t>対象企業とのレビュー後、最終的なレポートが将来の買収企業へレポートが、部品表（</a:t>
+            </a:r>
+            <a:r>
+              <a:rPr lang="en-US" altLang="ja-JP" dirty="0"/>
+              <a:t>Bill of Materials</a:t>
+            </a:r>
+            <a:r>
+              <a:rPr lang="ja-JP" altLang="en-US" dirty="0"/>
+              <a:t>）、</a:t>
+            </a:r>
+            <a:r>
+              <a:rPr lang="en-US" altLang="ja-JP" dirty="0"/>
+              <a:t>SPDX</a:t>
+            </a:r>
+            <a:r>
+              <a:rPr lang="ja-JP" altLang="en-US" dirty="0" err="1"/>
+              <a:t>、</a:t>
+            </a:r>
+            <a:r>
+              <a:rPr lang="ja-JP" altLang="en-US" dirty="0"/>
+              <a:t>エグゼクティブサマリと併せ送付</a:t>
+            </a:r>
+            <a:r>
+              <a:rPr lang="ja-JP" altLang="en-US" dirty="0" smtClean="0"/>
+              <a:t>されます。</a:t>
+            </a:r>
+            <a:endParaRPr lang="sv-SE" dirty="0"/>
+          </a:p>
+        </p:txBody>
+      </p:sp>
+      <p:sp>
+        <p:nvSpPr>
+          <p:cNvPr id="80" name="TextBox 79"/>
+          <p:cNvSpPr txBox="1"/>
+          <p:nvPr/>
+        </p:nvSpPr>
+        <p:spPr>
+          <a:xfrm>
+            <a:off x="4317289" y="5286990"/>
+            <a:ext cx="2397260" cy="276999"/>
+          </a:xfrm>
+          <a:prstGeom prst="rect">
+            <a:avLst/>
+          </a:prstGeom>
+          <a:noFill/>
+        </p:spPr>
+        <p:txBody>
+          <a:bodyPr wrap="square" rtlCol="0">
+            <a:spAutoFit/>
+          </a:bodyPr>
+          <a:lstStyle>
+            <a:defPPr>
+              <a:defRPr lang="sv-SE"/>
+            </a:defPPr>
+            <a:lvl1pPr algn="ctr">
+              <a:defRPr sz="1200" b="1">
+                <a:latin typeface="メイリオ" panose="020B0604030504040204" pitchFamily="50" charset="-128"/>
+                <a:ea typeface="メイリオ" panose="020B0604030504040204" pitchFamily="50" charset="-128"/>
+                <a:cs typeface="メイリオ" panose="020B0604030504040204" pitchFamily="50" charset="-128"/>
+              </a:defRPr>
+            </a:lvl1pPr>
+          </a:lstStyle>
+          <a:p>
+            <a:r>
+              <a:rPr lang="ja-JP" altLang="en-US" dirty="0"/>
+              <a:t>レポートの送付</a:t>
+            </a:r>
+            <a:endParaRPr lang="sv-SE" dirty="0"/>
+          </a:p>
+        </p:txBody>
+      </p:sp>
+      <p:pic>
+        <p:nvPicPr>
+          <p:cNvPr id="9" name="Picture 8"/>
+          <p:cNvPicPr>
+            <a:picLocks noChangeAspect="1"/>
+          </p:cNvPicPr>
+          <p:nvPr/>
+        </p:nvPicPr>
+        <p:blipFill>
+          <a:blip r:embed="rId10" cstate="print">
+            <a:extLst>
+              <a:ext uri="{28A0092B-C50C-407E-A947-70E740481C1C}">
+                <a14:useLocalDpi xmlns:a14="http://schemas.microsoft.com/office/drawing/2010/main" val="0"/>
+              </a:ext>
+            </a:extLst>
+          </a:blip>
+          <a:stretch>
+            <a:fillRect/>
+          </a:stretch>
+        </p:blipFill>
+        <p:spPr>
+          <a:xfrm>
+            <a:off x="2390836" y="4613726"/>
+            <a:ext cx="435676" cy="435676"/>
+          </a:xfrm>
+          <a:prstGeom prst="rect">
+            <a:avLst/>
+          </a:prstGeom>
+        </p:spPr>
+      </p:pic>
+      <p:pic>
+        <p:nvPicPr>
+          <p:cNvPr id="46" name="Picture 45"/>
+          <p:cNvPicPr>
+            <a:picLocks noChangeAspect="1"/>
+          </p:cNvPicPr>
+          <p:nvPr/>
+        </p:nvPicPr>
+        <p:blipFill>
+          <a:blip r:embed="rId11" cstate="print">
+            <a:extLst>
+              <a:ext uri="{28A0092B-C50C-407E-A947-70E740481C1C}">
+                <a14:useLocalDpi xmlns:a14="http://schemas.microsoft.com/office/drawing/2010/main" val="0"/>
+              </a:ext>
+            </a:extLst>
+          </a:blip>
+          <a:stretch>
+            <a:fillRect/>
+          </a:stretch>
+        </p:blipFill>
+        <p:spPr>
+          <a:xfrm>
+            <a:off x="2222213" y="4486206"/>
+            <a:ext cx="738210" cy="738210"/>
+          </a:xfrm>
+          <a:prstGeom prst="rect">
+            <a:avLst/>
+          </a:prstGeom>
+        </p:spPr>
+      </p:pic>
+      <p:grpSp>
+        <p:nvGrpSpPr>
+          <p:cNvPr id="7" name="Group 6"/>
+          <p:cNvGrpSpPr/>
+          <p:nvPr/>
+        </p:nvGrpSpPr>
+        <p:grpSpPr>
+          <a:xfrm>
+            <a:off x="7507587" y="420311"/>
+            <a:ext cx="814966" cy="696565"/>
+            <a:chOff x="7738484" y="171095"/>
+            <a:chExt cx="956273" cy="804821"/>
+          </a:xfrm>
+        </p:grpSpPr>
+        <p:pic>
+          <p:nvPicPr>
+            <p:cNvPr id="19" name="Picture 18"/>
+            <p:cNvPicPr>
+              <a:picLocks noChangeAspect="1"/>
+            </p:cNvPicPr>
+            <p:nvPr/>
+          </p:nvPicPr>
+          <p:blipFill>
+            <a:blip r:embed="rId12" cstate="print">
+              <a:extLst>
+                <a:ext uri="{28A0092B-C50C-407E-A947-70E740481C1C}">
+                  <a14:useLocalDpi xmlns:a14="http://schemas.microsoft.com/office/drawing/2010/main" val="0"/>
+                </a:ext>
+              </a:extLst>
+            </a:blip>
+            <a:stretch>
+              <a:fillRect/>
+            </a:stretch>
+          </p:blipFill>
+          <p:spPr>
+            <a:xfrm>
+              <a:off x="7738484" y="177337"/>
+              <a:ext cx="798579" cy="798579"/>
+            </a:xfrm>
+            <a:prstGeom prst="rect">
+              <a:avLst/>
+            </a:prstGeom>
+          </p:spPr>
+        </p:pic>
+        <p:pic>
+          <p:nvPicPr>
+            <p:cNvPr id="25" name="Picture 24"/>
+            <p:cNvPicPr>
+              <a:picLocks noChangeAspect="1"/>
+            </p:cNvPicPr>
+            <p:nvPr/>
+          </p:nvPicPr>
+          <p:blipFill>
+            <a:blip r:embed="rId13" cstate="print">
+              <a:extLst>
+                <a:ext uri="{28A0092B-C50C-407E-A947-70E740481C1C}">
+                  <a14:useLocalDpi xmlns:a14="http://schemas.microsoft.com/office/drawing/2010/main" val="0"/>
+                </a:ext>
+              </a:extLst>
+            </a:blip>
+            <a:stretch>
+              <a:fillRect/>
+            </a:stretch>
+          </p:blipFill>
+          <p:spPr>
+            <a:xfrm>
+              <a:off x="7849616" y="263154"/>
+              <a:ext cx="566469" cy="566469"/>
+            </a:xfrm>
+            <a:prstGeom prst="rect">
+              <a:avLst/>
+            </a:prstGeom>
+          </p:spPr>
+        </p:pic>
+        <p:pic>
+          <p:nvPicPr>
+            <p:cNvPr id="48" name="Picture 47"/>
+            <p:cNvPicPr>
+              <a:picLocks noChangeAspect="1"/>
+            </p:cNvPicPr>
+            <p:nvPr/>
+          </p:nvPicPr>
+          <p:blipFill>
+            <a:blip r:embed="rId14" cstate="print">
+              <a:extLst>
+                <a:ext uri="{28A0092B-C50C-407E-A947-70E740481C1C}">
+                  <a14:useLocalDpi xmlns:a14="http://schemas.microsoft.com/office/drawing/2010/main" val="0"/>
+                </a:ext>
+              </a:extLst>
+            </a:blip>
+            <a:stretch>
+              <a:fillRect/>
+            </a:stretch>
+          </p:blipFill>
+          <p:spPr>
+            <a:xfrm>
+              <a:off x="8220291" y="171095"/>
+              <a:ext cx="474466" cy="474466"/>
+            </a:xfrm>
+            <a:prstGeom prst="rect">
+              <a:avLst/>
+            </a:prstGeom>
+          </p:spPr>
+        </p:pic>
+      </p:grpSp>
+      <p:pic>
+        <p:nvPicPr>
+          <p:cNvPr id="5" name="Picture 4"/>
+          <p:cNvPicPr>
+            <a:picLocks noChangeAspect="1"/>
+          </p:cNvPicPr>
+          <p:nvPr/>
+        </p:nvPicPr>
+        <p:blipFill>
+          <a:blip r:embed="rId15" cstate="print">
+            <a:extLst>
+              <a:ext uri="{28A0092B-C50C-407E-A947-70E740481C1C}">
+                <a14:useLocalDpi xmlns:a14="http://schemas.microsoft.com/office/drawing/2010/main" val="0"/>
+              </a:ext>
+            </a:extLst>
+          </a:blip>
+          <a:stretch>
+            <a:fillRect/>
+          </a:stretch>
+        </p:blipFill>
+        <p:spPr>
+          <a:xfrm>
+            <a:off x="5124017" y="2401022"/>
+            <a:ext cx="732067" cy="732067"/>
+          </a:xfrm>
+          <a:prstGeom prst="rect">
+            <a:avLst/>
+          </a:prstGeom>
+        </p:spPr>
+      </p:pic>
+      <p:pic>
+        <p:nvPicPr>
+          <p:cNvPr id="35" name="Picture 34"/>
+          <p:cNvPicPr>
+            <a:picLocks noChangeAspect="1"/>
+          </p:cNvPicPr>
+          <p:nvPr/>
+        </p:nvPicPr>
+        <p:blipFill>
+          <a:blip r:embed="rId16" cstate="print">
+            <a:extLst>
+              <a:ext uri="{28A0092B-C50C-407E-A947-70E740481C1C}">
+                <a14:useLocalDpi xmlns:a14="http://schemas.microsoft.com/office/drawing/2010/main" val="0"/>
+              </a:ext>
+            </a:extLst>
+          </a:blip>
+          <a:stretch>
+            <a:fillRect/>
+          </a:stretch>
+        </p:blipFill>
+        <p:spPr>
+          <a:xfrm>
+            <a:off x="4837802" y="2521541"/>
+            <a:ext cx="580645" cy="580645"/>
+          </a:xfrm>
+          <a:prstGeom prst="rect">
+            <a:avLst/>
+          </a:prstGeom>
+        </p:spPr>
+      </p:pic>
+      <p:sp>
+        <p:nvSpPr>
+          <p:cNvPr id="47" name="Rounded Rectangle 46"/>
+          <p:cNvSpPr/>
+          <p:nvPr/>
+        </p:nvSpPr>
+        <p:spPr>
+          <a:xfrm>
+            <a:off x="2892646" y="826232"/>
+            <a:ext cx="720529" cy="566057"/>
+          </a:xfrm>
+          <a:prstGeom prst="roundRect">
+            <a:avLst/>
+          </a:prstGeom>
+          <a:noFill/>
+          <a:ln w="38100">
+            <a:solidFill>
+              <a:srgbClr val="2CA4F2"/>
+            </a:solidFill>
+          </a:ln>
+        </p:spPr>
+        <p:style>
+          <a:lnRef idx="2">
+            <a:schemeClr val="accent1">
+              <a:shade val="50000"/>
+            </a:schemeClr>
+          </a:lnRef>
+          <a:fillRef idx="1">
+            <a:schemeClr val="accent1"/>
+          </a:fillRef>
+          <a:effectRef idx="0">
+            <a:schemeClr val="accent1"/>
+          </a:effectRef>
+          <a:fontRef idx="minor">
+            <a:schemeClr val="lt1"/>
+          </a:fontRef>
+        </p:style>
+        <p:txBody>
+          <a:bodyPr rtlCol="0" anchor="ctr"/>
+          <a:lstStyle/>
+          <a:p>
+            <a:pPr algn="ctr"/>
+            <a:r>
+              <a:rPr lang="ja-JP" altLang="en-US" sz="1400" b="1" i="1" dirty="0">
+                <a:solidFill>
+                  <a:schemeClr val="tx1"/>
+                </a:solidFill>
+                <a:latin typeface="メイリオ" panose="020B0604030504040204" pitchFamily="50" charset="-128"/>
+                <a:ea typeface="メイリオ" panose="020B0604030504040204" pitchFamily="50" charset="-128"/>
+                <a:cs typeface="メイリオ" panose="020B0604030504040204" pitchFamily="50" charset="-128"/>
+              </a:rPr>
+              <a:t>開始</a:t>
+            </a:r>
+            <a:endParaRPr lang="en-US" sz="1400" b="1" i="1" dirty="0">
+              <a:solidFill>
+                <a:schemeClr val="tx1"/>
+              </a:solidFill>
+              <a:latin typeface="メイリオ" panose="020B0604030504040204" pitchFamily="50" charset="-128"/>
+              <a:ea typeface="メイリオ" panose="020B0604030504040204" pitchFamily="50" charset="-128"/>
+              <a:cs typeface="メイリオ" panose="020B0604030504040204" pitchFamily="50" charset="-128"/>
+            </a:endParaRPr>
+          </a:p>
+        </p:txBody>
+      </p:sp>
+      <p:sp>
+        <p:nvSpPr>
+          <p:cNvPr id="51" name="Rounded Rectangle 50"/>
+          <p:cNvSpPr/>
+          <p:nvPr/>
+        </p:nvSpPr>
+        <p:spPr>
+          <a:xfrm>
+            <a:off x="9402688" y="4988672"/>
+            <a:ext cx="604960" cy="566057"/>
+          </a:xfrm>
+          <a:prstGeom prst="roundRect">
+            <a:avLst/>
+          </a:prstGeom>
+          <a:noFill/>
+          <a:ln w="38100">
+            <a:solidFill>
+              <a:srgbClr val="2CA4F2"/>
+            </a:solidFill>
+          </a:ln>
+        </p:spPr>
+        <p:style>
+          <a:lnRef idx="2">
+            <a:schemeClr val="accent1">
+              <a:shade val="50000"/>
+            </a:schemeClr>
+          </a:lnRef>
+          <a:fillRef idx="1">
+            <a:schemeClr val="accent1"/>
+          </a:fillRef>
+          <a:effectRef idx="0">
+            <a:schemeClr val="accent1"/>
+          </a:effectRef>
+          <a:fontRef idx="minor">
+            <a:schemeClr val="lt1"/>
+          </a:fontRef>
+        </p:style>
+        <p:txBody>
+          <a:bodyPr rtlCol="0" anchor="ctr"/>
+          <a:lstStyle/>
+          <a:p>
+            <a:pPr algn="ctr"/>
+            <a:r>
+              <a:rPr lang="ja-JP" altLang="en-US" sz="1400" b="1" i="1" dirty="0">
+                <a:solidFill>
+                  <a:schemeClr val="tx1"/>
+                </a:solidFill>
+                <a:latin typeface="メイリオ" panose="020B0604030504040204" pitchFamily="50" charset="-128"/>
+                <a:ea typeface="メイリオ" panose="020B0604030504040204" pitchFamily="50" charset="-128"/>
+                <a:cs typeface="メイリオ" panose="020B0604030504040204" pitchFamily="50" charset="-128"/>
+              </a:rPr>
+              <a:t>終了</a:t>
+            </a:r>
+            <a:endParaRPr lang="en-US" sz="1400" b="1" i="1" dirty="0">
+              <a:solidFill>
+                <a:schemeClr val="tx1"/>
+              </a:solidFill>
+              <a:latin typeface="メイリオ" panose="020B0604030504040204" pitchFamily="50" charset="-128"/>
+              <a:ea typeface="メイリオ" panose="020B0604030504040204" pitchFamily="50" charset="-128"/>
+              <a:cs typeface="メイリオ" panose="020B0604030504040204" pitchFamily="50" charset="-128"/>
+            </a:endParaRPr>
+          </a:p>
+        </p:txBody>
+      </p:sp>
+      <p:pic>
+        <p:nvPicPr>
+          <p:cNvPr id="1026" name="Picture 2" descr="http://carrot-top.com/media/catalog/product/cache/1/image/9df78eab33525d08d6e5fb8d27136e95/a/s/as150_checkered.jpg"/>
+          <p:cNvPicPr>
+            <a:picLocks noChangeAspect="1" noChangeArrowheads="1"/>
+          </p:cNvPicPr>
+          <p:nvPr/>
+        </p:nvPicPr>
+        <p:blipFill rotWithShape="1">
+          <a:blip r:embed="rId17" cstate="print">
+            <a:extLst>
+              <a:ext uri="{28A0092B-C50C-407E-A947-70E740481C1C}">
+                <a14:useLocalDpi xmlns:a14="http://schemas.microsoft.com/office/drawing/2010/main" val="0"/>
+              </a:ext>
+            </a:extLst>
+          </a:blip>
+          <a:srcRect b="9440"/>
+          <a:stretch/>
+        </p:blipFill>
+        <p:spPr bwMode="auto">
+          <a:xfrm>
+            <a:off x="9402687" y="4298626"/>
+            <a:ext cx="740229" cy="670352"/>
+          </a:xfrm>
+          <a:prstGeom prst="rect">
+            <a:avLst/>
+          </a:prstGeom>
+          <a:noFill/>
+          <a:extLst>
+            <a:ext uri="{909E8E84-426E-40DD-AFC4-6F175D3DCCD1}">
+              <a14:hiddenFill xmlns:a14="http://schemas.microsoft.com/office/drawing/2010/main">
+                <a:solidFill>
+                  <a:srgbClr val="FFFFFF"/>
+                </a:solidFill>
+              </a14:hiddenFill>
+            </a:ext>
+          </a:extLst>
+        </p:spPr>
+      </p:pic>
+      <p:sp>
+        <p:nvSpPr>
+          <p:cNvPr id="4" name="Isosceles Triangle 3"/>
+          <p:cNvSpPr/>
+          <p:nvPr/>
+        </p:nvSpPr>
+        <p:spPr>
+          <a:xfrm rot="10800000">
+            <a:off x="9187406" y="2048436"/>
+            <a:ext cx="391886" cy="393374"/>
+          </a:xfrm>
+          <a:prstGeom prst="triangle">
+            <a:avLst/>
+          </a:prstGeom>
+          <a:solidFill>
+            <a:srgbClr val="2CA4F2"/>
+          </a:solidFill>
+          <a:ln w="28575">
+            <a:solidFill>
+              <a:schemeClr val="tx1">
+                <a:lumMod val="95000"/>
+                <a:lumOff val="5000"/>
+              </a:schemeClr>
+            </a:solidFill>
+          </a:ln>
+        </p:spPr>
+        <p:style>
+          <a:lnRef idx="2">
+            <a:schemeClr val="accent1">
+              <a:shade val="50000"/>
+            </a:schemeClr>
+          </a:lnRef>
+          <a:fillRef idx="1">
+            <a:schemeClr val="accent1"/>
+          </a:fillRef>
+          <a:effectRef idx="0">
+            <a:schemeClr val="accent1"/>
+          </a:effectRef>
+          <a:fontRef idx="minor">
+            <a:schemeClr val="lt1"/>
+          </a:fontRef>
+        </p:style>
+        <p:txBody>
+          <a:bodyPr rtlCol="0" anchor="ctr"/>
+          <a:lstStyle/>
+          <a:p>
+            <a:pPr algn="ctr"/>
+            <a:endParaRPr lang="en-US"/>
+          </a:p>
+        </p:txBody>
+      </p:sp>
+      <p:sp>
+        <p:nvSpPr>
+          <p:cNvPr id="52" name="Isosceles Triangle 51"/>
+          <p:cNvSpPr/>
+          <p:nvPr/>
+        </p:nvSpPr>
+        <p:spPr>
+          <a:xfrm rot="10800000">
+            <a:off x="1103475" y="4137089"/>
+            <a:ext cx="391886" cy="393374"/>
+          </a:xfrm>
+          <a:prstGeom prst="triangle">
+            <a:avLst/>
+          </a:prstGeom>
+          <a:solidFill>
+            <a:srgbClr val="2CA4F2"/>
+          </a:solidFill>
+          <a:ln w="28575">
+            <a:solidFill>
+              <a:schemeClr val="tx1">
+                <a:lumMod val="95000"/>
+                <a:lumOff val="5000"/>
+              </a:schemeClr>
+            </a:solidFill>
+          </a:ln>
+        </p:spPr>
+        <p:style>
+          <a:lnRef idx="2">
+            <a:schemeClr val="accent1">
+              <a:shade val="50000"/>
+            </a:schemeClr>
+          </a:lnRef>
+          <a:fillRef idx="1">
+            <a:schemeClr val="accent1"/>
+          </a:fillRef>
+          <a:effectRef idx="0">
+            <a:schemeClr val="accent1"/>
+          </a:effectRef>
+          <a:fontRef idx="minor">
+            <a:schemeClr val="lt1"/>
+          </a:fontRef>
+        </p:style>
+        <p:txBody>
+          <a:bodyPr rtlCol="0" anchor="ctr"/>
+          <a:lstStyle/>
+          <a:p>
+            <a:pPr algn="ctr"/>
+            <a:endParaRPr lang="en-US"/>
+          </a:p>
+        </p:txBody>
+      </p:sp>
+      <p:sp>
+        <p:nvSpPr>
+          <p:cNvPr id="6" name="テキスト ボックス 5"/>
+          <p:cNvSpPr txBox="1"/>
+          <p:nvPr/>
+        </p:nvSpPr>
+        <p:spPr>
+          <a:xfrm>
+            <a:off x="152400" y="499987"/>
+            <a:ext cx="569387" cy="369332"/>
+          </a:xfrm>
+          <a:prstGeom prst="rect">
+            <a:avLst/>
+          </a:prstGeom>
+          <a:noFill/>
+        </p:spPr>
+        <p:txBody>
+          <a:bodyPr wrap="none" rtlCol="0">
+            <a:spAutoFit/>
+          </a:bodyPr>
+          <a:lstStyle/>
+          <a:p>
+            <a:r>
+              <a:rPr kumimoji="1" lang="en-US" altLang="ja-JP" dirty="0" smtClean="0"/>
+              <a:t>Fig7</a:t>
+            </a:r>
+            <a:endParaRPr kumimoji="1" lang="ja-JP" altLang="en-US" dirty="0"/>
+          </a:p>
+        </p:txBody>
+      </p:sp>
+      <p:sp>
+        <p:nvSpPr>
+          <p:cNvPr id="70" name="TextBox 41"/>
+          <p:cNvSpPr txBox="1"/>
+          <p:nvPr/>
+        </p:nvSpPr>
+        <p:spPr>
+          <a:xfrm>
+            <a:off x="8601040" y="355976"/>
+            <a:ext cx="1577501" cy="669414"/>
+          </a:xfrm>
+          <a:prstGeom prst="rect">
+            <a:avLst/>
+          </a:prstGeom>
+          <a:noFill/>
+          <a:ln w="12700">
+            <a:solidFill>
+              <a:schemeClr val="tx1">
+                <a:lumMod val="50000"/>
+                <a:lumOff val="50000"/>
+              </a:schemeClr>
+            </a:solidFill>
+            <a:prstDash val="sysDash"/>
+          </a:ln>
+        </p:spPr>
+        <p:txBody>
+          <a:bodyPr wrap="square" rtlCol="0">
+            <a:spAutoFit/>
+          </a:bodyPr>
+          <a:lstStyle/>
+          <a:p>
+            <a:r>
+              <a:rPr lang="en-US" sz="1050" i="1" dirty="0" smtClean="0">
+                <a:solidFill>
+                  <a:srgbClr val="FF0000"/>
+                </a:solidFill>
+                <a:latin typeface="メイリオ" panose="020B0604030504040204" pitchFamily="50" charset="-128"/>
+                <a:ea typeface="メイリオ" panose="020B0604030504040204" pitchFamily="50" charset="-128"/>
+                <a:cs typeface="メイリオ" panose="020B0604030504040204" pitchFamily="50" charset="-128"/>
+              </a:rPr>
+              <a:t>*</a:t>
+            </a:r>
+            <a:r>
+              <a:rPr lang="en-US" sz="900" i="1" dirty="0" smtClean="0">
+                <a:solidFill>
+                  <a:srgbClr val="FF0000"/>
+                </a:solidFill>
+                <a:latin typeface="メイリオ" panose="020B0604030504040204" pitchFamily="50" charset="-128"/>
+                <a:ea typeface="メイリオ" panose="020B0604030504040204" pitchFamily="50" charset="-128"/>
+                <a:cs typeface="メイリオ" panose="020B0604030504040204" pitchFamily="50" charset="-128"/>
+              </a:rPr>
+              <a:t> </a:t>
+            </a:r>
+            <a:r>
+              <a:rPr lang="ja-JP" altLang="en-US" sz="900" i="1" dirty="0" smtClean="0">
+                <a:latin typeface="メイリオ" panose="020B0604030504040204" pitchFamily="50" charset="-128"/>
+                <a:ea typeface="メイリオ" panose="020B0604030504040204" pitchFamily="50" charset="-128"/>
+                <a:cs typeface="メイリオ" panose="020B0604030504040204" pitchFamily="50" charset="-128"/>
+              </a:rPr>
+              <a:t>監査人によって対応できないものがあります。監査サービスプロバイダに確認ください。</a:t>
+            </a:r>
+            <a:endParaRPr lang="en-US" sz="900" i="1" dirty="0" smtClean="0">
+              <a:latin typeface="メイリオ" panose="020B0604030504040204" pitchFamily="50" charset="-128"/>
+              <a:ea typeface="メイリオ" panose="020B0604030504040204" pitchFamily="50" charset="-128"/>
+              <a:cs typeface="メイリオ" panose="020B0604030504040204" pitchFamily="50" charset="-128"/>
+            </a:endParaRPr>
+          </a:p>
+        </p:txBody>
+      </p:sp>
+    </p:spTree>
+    <p:extLst>
+      <p:ext uri="{BB962C8B-B14F-4D97-AF65-F5344CB8AC3E}">
+        <p14:creationId xmlns:p14="http://schemas.microsoft.com/office/powerpoint/2010/main" val="267534818"/>
+      </p:ext>
+    </p:extLst>
+  </p:cSld>
+  <p:clrMapOvr>
+    <a:masterClrMapping/>
+  </p:clrMapOvr>
+  <p:transition spd="slow">
+    <p:push dir="u"/>
+  </p:transition>
+  <p:timing>
+    <p:tnLst>
+      <p:par>
+        <p:cTn id="1" dur="indefinite" restart="never" nodeType="tmRoot"/>
+      </p:par>
+    </p:tnLst>
+  </p:timing>
+</p:sld>
+</file>
+
+<file path=ppt/slides/slide12.xml><?xml version="1.0" encoding="utf-8"?>
+<p:sld xmlns:a="http://schemas.openxmlformats.org/drawingml/2006/main" xmlns:r="http://schemas.openxmlformats.org/officeDocument/2006/relationships" xmlns:p="http://schemas.openxmlformats.org/presentationml/2006/main">
+  <p:cSld>
+    <p:spTree>
+      <p:nvGrpSpPr>
+        <p:cNvPr id="1" name=""/>
+        <p:cNvGrpSpPr/>
+        <p:nvPr/>
+      </p:nvGrpSpPr>
+      <p:grpSpPr>
+        <a:xfrm>
+          <a:off x="0" y="0"/>
+          <a:ext cx="0" cy="0"/>
+          <a:chOff x="0" y="0"/>
+          <a:chExt cx="0" cy="0"/>
+        </a:xfrm>
+      </p:grpSpPr>
+      <p:sp>
+        <p:nvSpPr>
           <p:cNvPr id="95" name="Rectangle 94"/>
           <p:cNvSpPr/>
           <p:nvPr/>
@@ -6349,7 +10332,7 @@
             <p:nvPr/>
           </p:nvPicPr>
           <p:blipFill>
-            <a:blip r:embed="rId8" cstate="print">
+            <a:blip r:embed="rId18" cstate="print">
               <a:extLst>
                 <a:ext uri="{28A0092B-C50C-407E-A947-70E740481C1C}">
                   <a14:useLocalDpi xmlns:a14="http://schemas.microsoft.com/office/drawing/2010/main" val="0"/>
@@ -7464,15 +11447,7 @@
                 <a:ea typeface="メイリオ" panose="020B0604030504040204" pitchFamily="50" charset="-128"/>
                 <a:cs typeface="メイリオ" panose="020B0604030504040204" pitchFamily="50" charset="-128"/>
               </a:rPr>
-              <a:t>コードの</a:t>
-            </a:r>
-            <a:r>
-              <a:rPr lang="ja-JP" altLang="en-US" sz="1400" b="1" smtClean="0">
-                <a:latin typeface="メイリオ" panose="020B0604030504040204" pitchFamily="50" charset="-128"/>
-                <a:ea typeface="メイリオ" panose="020B0604030504040204" pitchFamily="50" charset="-128"/>
-                <a:cs typeface="メイリオ" panose="020B0604030504040204" pitchFamily="50" charset="-128"/>
-              </a:rPr>
-              <a:t>追加</a:t>
+              <a:t>コードの追加</a:t>
             </a:r>
             <a:r>
               <a:rPr lang="ja-JP" altLang="en-US" sz="900" b="1" smtClean="0">
@@ -7526,23 +11501,7 @@
                 <a:ea typeface="メイリオ" panose="020B0604030504040204" pitchFamily="50" charset="-128"/>
                 <a:cs typeface="メイリオ" panose="020B0604030504040204" pitchFamily="50" charset="-128"/>
               </a:rPr>
-              <a:t>コード</a:t>
-            </a:r>
-            <a:r>
-              <a:rPr lang="ja-JP" altLang="en-US" sz="1400" b="1" smtClean="0">
-                <a:latin typeface="メイリオ" panose="020B0604030504040204" pitchFamily="50" charset="-128"/>
-                <a:ea typeface="メイリオ" panose="020B0604030504040204" pitchFamily="50" charset="-128"/>
-                <a:cs typeface="メイリオ" panose="020B0604030504040204" pitchFamily="50" charset="-128"/>
-              </a:rPr>
-              <a:t>の</a:t>
-            </a:r>
-            <a:r>
-              <a:rPr lang="ja-JP" altLang="en-US" sz="1400" b="1" smtClean="0">
-                <a:latin typeface="メイリオ" panose="020B0604030504040204" pitchFamily="50" charset="-128"/>
-                <a:ea typeface="メイリオ" panose="020B0604030504040204" pitchFamily="50" charset="-128"/>
-                <a:cs typeface="メイリオ" panose="020B0604030504040204" pitchFamily="50" charset="-128"/>
-              </a:rPr>
-              <a:t>除去</a:t>
+              <a:t>コードの除去</a:t>
             </a:r>
             <a:r>
               <a:rPr lang="en-US" altLang="ja-JP" sz="900" b="1" smtClean="0">
@@ -8417,8 +12376,8 @@
         </p:nvSpPr>
         <p:spPr bwMode="auto">
           <a:xfrm rot="16200000">
-            <a:off x="5293111" y="2284895"/>
-            <a:ext cx="923330" cy="1533525"/>
+            <a:off x="5339277" y="2284895"/>
+            <a:ext cx="830997" cy="1533525"/>
           </a:xfrm>
           <a:prstGeom prst="rect">
             <a:avLst/>
@@ -8439,15 +12398,83 @@
               <a:defRPr/>
             </a:pPr>
             <a:r>
-              <a:rPr lang="en-US" sz="1600" b="1" i="1" dirty="0">
+              <a:rPr lang="ja-JP" altLang="en-US" sz="1400" b="1" i="1" dirty="0" smtClean="0">
                 <a:solidFill>
                   <a:schemeClr val="bg1"/>
                 </a:solidFill>
-                <a:ea typeface="ＭＳ Ｐゴシック" charset="0"/>
-                <a:cs typeface="ＭＳ Ｐゴシック" charset="0"/>
+                <a:latin typeface="メイリオ" panose="020B0604030504040204" pitchFamily="50" charset="-128"/>
+                <a:ea typeface="メイリオ" panose="020B0604030504040204" pitchFamily="50" charset="-128"/>
+                <a:cs typeface="メイリオ" panose="020B0604030504040204" pitchFamily="50" charset="-128"/>
               </a:rPr>
-              <a:t>Source code scanning and identification</a:t>
-            </a:r>
+              <a:t>ソースコード</a:t>
+            </a:r>
+            <a:endParaRPr lang="en-US" altLang="ja-JP" sz="1400" b="1" i="1" dirty="0" smtClean="0">
+              <a:solidFill>
+                <a:schemeClr val="bg1"/>
+              </a:solidFill>
+              <a:latin typeface="メイリオ" panose="020B0604030504040204" pitchFamily="50" charset="-128"/>
+              <a:ea typeface="メイリオ" panose="020B0604030504040204" pitchFamily="50" charset="-128"/>
+              <a:cs typeface="メイリオ" panose="020B0604030504040204" pitchFamily="50" charset="-128"/>
+            </a:endParaRPr>
+          </a:p>
+          <a:p>
+            <a:pPr algn="ctr" eaLnBrk="1" hangingPunct="1">
+              <a:defRPr/>
+            </a:pPr>
+            <a:r>
+              <a:rPr lang="ja-JP" altLang="en-US" sz="1400" b="1" i="1" dirty="0" smtClean="0">
+                <a:solidFill>
+                  <a:schemeClr val="bg1"/>
+                </a:solidFill>
+                <a:latin typeface="メイリオ" panose="020B0604030504040204" pitchFamily="50" charset="-128"/>
+                <a:ea typeface="メイリオ" panose="020B0604030504040204" pitchFamily="50" charset="-128"/>
+                <a:cs typeface="メイリオ" panose="020B0604030504040204" pitchFamily="50" charset="-128"/>
+              </a:rPr>
+              <a:t>スキャンと</a:t>
+            </a:r>
+            <a:endParaRPr lang="en-US" altLang="ja-JP" sz="1400" b="1" i="1" dirty="0" smtClean="0">
+              <a:solidFill>
+                <a:schemeClr val="bg1"/>
+              </a:solidFill>
+              <a:latin typeface="メイリオ" panose="020B0604030504040204" pitchFamily="50" charset="-128"/>
+              <a:ea typeface="メイリオ" panose="020B0604030504040204" pitchFamily="50" charset="-128"/>
+              <a:cs typeface="メイリオ" panose="020B0604030504040204" pitchFamily="50" charset="-128"/>
+            </a:endParaRPr>
+          </a:p>
+          <a:p>
+            <a:pPr algn="ctr" eaLnBrk="1" hangingPunct="1">
+              <a:defRPr/>
+            </a:pPr>
+            <a:r>
+              <a:rPr lang="ja-JP" altLang="en-US" sz="1400" b="1" i="1" dirty="0">
+                <a:solidFill>
+                  <a:schemeClr val="bg1"/>
+                </a:solidFill>
+                <a:latin typeface="メイリオ" panose="020B0604030504040204" pitchFamily="50" charset="-128"/>
+                <a:ea typeface="メイリオ" panose="020B0604030504040204" pitchFamily="50" charset="-128"/>
+                <a:cs typeface="メイリオ" panose="020B0604030504040204" pitchFamily="50" charset="-128"/>
+              </a:rPr>
+              <a:t>確認</a:t>
+            </a:r>
+            <a:r>
+              <a:rPr lang="ja-JP" altLang="en-US" sz="1400" b="1" i="1" dirty="0" smtClean="0">
+                <a:solidFill>
+                  <a:schemeClr val="bg1"/>
+                </a:solidFill>
+                <a:latin typeface="メイリオ" panose="020B0604030504040204" pitchFamily="50" charset="-128"/>
+                <a:ea typeface="メイリオ" panose="020B0604030504040204" pitchFamily="50" charset="-128"/>
+                <a:cs typeface="メイリオ" panose="020B0604030504040204" pitchFamily="50" charset="-128"/>
+              </a:rPr>
+              <a:t>作業</a:t>
+            </a:r>
+            <a:endParaRPr lang="en-US" sz="1400" b="1" i="1" dirty="0">
+              <a:solidFill>
+                <a:schemeClr val="bg1"/>
+              </a:solidFill>
+              <a:latin typeface="メイリオ" panose="020B0604030504040204" pitchFamily="50" charset="-128"/>
+              <a:ea typeface="メイリオ" panose="020B0604030504040204" pitchFamily="50" charset="-128"/>
+              <a:cs typeface="メイリオ" panose="020B0604030504040204" pitchFamily="50" charset="-128"/>
+            </a:endParaRPr>
           </a:p>
         </p:txBody>
       </p:sp>
@@ -8461,8 +12488,8 @@
         </p:nvSpPr>
         <p:spPr bwMode="auto">
           <a:xfrm>
-            <a:off x="2238430" y="2595866"/>
-            <a:ext cx="2039444" cy="909911"/>
+            <a:off x="2238430" y="2255349"/>
+            <a:ext cx="2039444" cy="1590949"/>
           </a:xfrm>
           <a:prstGeom prst="roundRect">
             <a:avLst>
@@ -8487,7 +12514,7 @@
               <a:defRPr/>
             </a:pPr>
             <a:r>
-              <a:rPr lang="ja-JP" altLang="en-US" sz="900" b="1" smtClean="0">
+              <a:rPr lang="ja-JP" altLang="en-US" sz="1000" b="1" dirty="0" smtClean="0">
                 <a:solidFill>
                   <a:srgbClr val="000000"/>
                 </a:solidFill>
@@ -8495,9 +12522,9 @@
                 <a:ea typeface="メイリオ" panose="020B0604030504040204" pitchFamily="50" charset="-128"/>
                 <a:cs typeface="メイリオ" panose="020B0604030504040204" pitchFamily="50" charset="-128"/>
               </a:rPr>
-              <a:t>完全なソフトウェアスタック：</a:t>
-            </a:r>
-            <a:endParaRPr lang="en-US" sz="900" b="1" smtClean="0">
+              <a:t>全ての</a:t>
+            </a:r>
+            <a:endParaRPr lang="en-US" altLang="ja-JP" sz="1000" b="1" dirty="0" smtClean="0">
               <a:solidFill>
                 <a:srgbClr val="000000"/>
               </a:solidFill>
@@ -8507,21 +12534,86 @@
             </a:endParaRPr>
           </a:p>
           <a:p>
+            <a:pPr eaLnBrk="1" hangingPunct="1">
+              <a:defRPr/>
+            </a:pPr>
+            <a:r>
+              <a:rPr lang="ja-JP" altLang="en-US" sz="1000" b="1" dirty="0" smtClean="0">
+                <a:solidFill>
+                  <a:srgbClr val="000000"/>
+                </a:solidFill>
+                <a:latin typeface="メイリオ" panose="020B0604030504040204" pitchFamily="50" charset="-128"/>
+                <a:ea typeface="メイリオ" panose="020B0604030504040204" pitchFamily="50" charset="-128"/>
+                <a:cs typeface="メイリオ" panose="020B0604030504040204" pitchFamily="50" charset="-128"/>
+              </a:rPr>
+              <a:t>ソフトウェアスタック：</a:t>
+            </a:r>
+            <a:endParaRPr lang="en-US" sz="1000" b="1" dirty="0" smtClean="0">
+              <a:solidFill>
+                <a:srgbClr val="000000"/>
+              </a:solidFill>
+              <a:latin typeface="メイリオ" panose="020B0604030504040204" pitchFamily="50" charset="-128"/>
+              <a:ea typeface="メイリオ" panose="020B0604030504040204" pitchFamily="50" charset="-128"/>
+              <a:cs typeface="メイリオ" panose="020B0604030504040204" pitchFamily="50" charset="-128"/>
+            </a:endParaRPr>
+          </a:p>
+          <a:p>
             <a:pPr marL="171450" indent="-171450">
               <a:buFont typeface="Arial" panose="020B0604020202020204" pitchFamily="34" charset="0"/>
               <a:buChar char="•"/>
               <a:defRPr/>
             </a:pPr>
             <a:r>
-              <a:rPr lang="en-US" sz="1300" smtClean="0">
+              <a:rPr lang="ja-JP" altLang="en-US" sz="1100" dirty="0" smtClean="0">
                 <a:solidFill>
                   <a:srgbClr val="000000"/>
                 </a:solidFill>
-                <a:ea typeface="ＭＳ Ｐゴシック" charset="0"/>
-                <a:cs typeface="Arial" charset="0"/>
+                <a:latin typeface="メイリオ" panose="020B0604030504040204" pitchFamily="50" charset="-128"/>
+                <a:ea typeface="メイリオ" panose="020B0604030504040204" pitchFamily="50" charset="-128"/>
+                <a:cs typeface="メイリオ" panose="020B0604030504040204" pitchFamily="50" charset="-128"/>
               </a:rPr>
-              <a:t>Proprietary software</a:t>
-            </a:r>
+              <a:t>プロプライエタリ</a:t>
+            </a:r>
+            <a:r>
+              <a:rPr lang="en-US" altLang="ja-JP" sz="1100" dirty="0" smtClean="0">
+                <a:solidFill>
+                  <a:srgbClr val="000000"/>
+                </a:solidFill>
+                <a:latin typeface="メイリオ" panose="020B0604030504040204" pitchFamily="50" charset="-128"/>
+                <a:ea typeface="メイリオ" panose="020B0604030504040204" pitchFamily="50" charset="-128"/>
+                <a:cs typeface="メイリオ" panose="020B0604030504040204" pitchFamily="50" charset="-128"/>
+              </a:rPr>
+              <a:t/>
+            </a:r>
+            <a:br>
+              <a:rPr lang="en-US" altLang="ja-JP" sz="1100" dirty="0" smtClean="0">
+                <a:solidFill>
+                  <a:srgbClr val="000000"/>
+                </a:solidFill>
+                <a:latin typeface="メイリオ" panose="020B0604030504040204" pitchFamily="50" charset="-128"/>
+                <a:ea typeface="メイリオ" panose="020B0604030504040204" pitchFamily="50" charset="-128"/>
+                <a:cs typeface="メイリオ" panose="020B0604030504040204" pitchFamily="50" charset="-128"/>
+              </a:rPr>
+            </a:br>
+            <a:r>
+              <a:rPr lang="ja-JP" altLang="en-US" sz="1100" dirty="0" smtClean="0">
+                <a:solidFill>
+                  <a:srgbClr val="000000"/>
+                </a:solidFill>
+                <a:latin typeface="メイリオ" panose="020B0604030504040204" pitchFamily="50" charset="-128"/>
+                <a:ea typeface="メイリオ" panose="020B0604030504040204" pitchFamily="50" charset="-128"/>
+                <a:cs typeface="メイリオ" panose="020B0604030504040204" pitchFamily="50" charset="-128"/>
+              </a:rPr>
+              <a:t>ソフトウェア</a:t>
+            </a:r>
+            <a:endParaRPr lang="en-US" altLang="ja-JP" sz="1300" dirty="0" smtClean="0">
+              <a:solidFill>
+                <a:srgbClr val="000000"/>
+              </a:solidFill>
+              <a:latin typeface="メイリオ" panose="020B0604030504040204" pitchFamily="50" charset="-128"/>
+              <a:ea typeface="メイリオ" panose="020B0604030504040204" pitchFamily="50" charset="-128"/>
+              <a:cs typeface="メイリオ" panose="020B0604030504040204" pitchFamily="50" charset="-128"/>
+            </a:endParaRPr>
           </a:p>
           <a:p>
             <a:pPr marL="171450" indent="-171450">
@@ -8530,45 +12622,56 @@
               <a:defRPr/>
             </a:pPr>
             <a:r>
-              <a:rPr lang="en-US" sz="1300" smtClean="0">
+              <a:rPr lang="ja-JP" altLang="en-US" sz="1100" dirty="0" smtClean="0">
                 <a:solidFill>
                   <a:srgbClr val="000000"/>
                 </a:solidFill>
-                <a:ea typeface="ＭＳ Ｐゴシック" charset="0"/>
-                <a:cs typeface="Arial" charset="0"/>
+                <a:latin typeface="メイリオ" panose="020B0604030504040204" pitchFamily="50" charset="-128"/>
+                <a:ea typeface="メイリオ" panose="020B0604030504040204" pitchFamily="50" charset="-128"/>
+                <a:cs typeface="メイリオ" panose="020B0604030504040204" pitchFamily="50" charset="-128"/>
               </a:rPr>
-              <a:t>3</a:t>
-            </a:r>
-            <a:r>
-              <a:rPr lang="en-US" sz="1300" baseline="30000" smtClean="0">
+              <a:t>サードパーティ</a:t>
+            </a:r>
+            <a:r>
+              <a:rPr lang="en-US" altLang="ja-JP" sz="1100" dirty="0" smtClean="0">
                 <a:solidFill>
                   <a:srgbClr val="000000"/>
                 </a:solidFill>
-                <a:ea typeface="ＭＳ Ｐゴシック" charset="0"/>
-                <a:cs typeface="Arial" charset="0"/>
+                <a:latin typeface="メイリオ" panose="020B0604030504040204" pitchFamily="50" charset="-128"/>
+                <a:ea typeface="メイリオ" panose="020B0604030504040204" pitchFamily="50" charset="-128"/>
+                <a:cs typeface="メイリオ" panose="020B0604030504040204" pitchFamily="50" charset="-128"/>
               </a:rPr>
-              <a:t>rd</a:t>
-            </a:r>
-            <a:r>
-              <a:rPr lang="en-US" sz="1300" smtClean="0">
+              <a:t/>
+            </a:r>
+            <a:br>
+              <a:rPr lang="en-US" altLang="ja-JP" sz="1100" dirty="0" smtClean="0">
                 <a:solidFill>
                   <a:srgbClr val="000000"/>
                 </a:solidFill>
-                <a:ea typeface="ＭＳ Ｐゴシック" charset="0"/>
-                <a:cs typeface="Arial" charset="0"/>
+                <a:latin typeface="メイリオ" panose="020B0604030504040204" pitchFamily="50" charset="-128"/>
+                <a:ea typeface="メイリオ" panose="020B0604030504040204" pitchFamily="50" charset="-128"/>
+                <a:cs typeface="メイリオ" panose="020B0604030504040204" pitchFamily="50" charset="-128"/>
               </a:rPr>
-              <a:t>  </a:t>
-            </a:r>
-            <a:r>
-              <a:rPr lang="en-US" sz="1300" dirty="0">
+            </a:br>
+            <a:r>
+              <a:rPr lang="ja-JP" altLang="en-US" sz="1100" dirty="0" smtClean="0">
                 <a:solidFill>
                   <a:srgbClr val="000000"/>
                 </a:solidFill>
-                <a:ea typeface="ＭＳ Ｐゴシック" charset="0"/>
-                <a:cs typeface="Arial" charset="0"/>
+                <a:latin typeface="メイリオ" panose="020B0604030504040204" pitchFamily="50" charset="-128"/>
+                <a:ea typeface="メイリオ" panose="020B0604030504040204" pitchFamily="50" charset="-128"/>
+                <a:cs typeface="メイリオ" panose="020B0604030504040204" pitchFamily="50" charset="-128"/>
               </a:rPr>
-              <a:t>party software</a:t>
-            </a:r>
+              <a:t>ソフトウェア</a:t>
+            </a:r>
+            <a:endParaRPr lang="en-US" altLang="ja-JP" sz="1100" dirty="0" smtClean="0">
+              <a:solidFill>
+                <a:srgbClr val="000000"/>
+              </a:solidFill>
+              <a:latin typeface="メイリオ" panose="020B0604030504040204" pitchFamily="50" charset="-128"/>
+              <a:ea typeface="メイリオ" panose="020B0604030504040204" pitchFamily="50" charset="-128"/>
+              <a:cs typeface="メイリオ" panose="020B0604030504040204" pitchFamily="50" charset="-128"/>
+            </a:endParaRPr>
           </a:p>
           <a:p>
             <a:pPr marL="171450" indent="-171450">
@@ -8577,25 +12680,56 @@
               <a:defRPr/>
             </a:pPr>
             <a:r>
-              <a:rPr lang="en-US" sz="1300" dirty="0" smtClean="0">
+              <a:rPr lang="ja-JP" altLang="en-US" sz="1100" dirty="0" smtClean="0">
                 <a:solidFill>
                   <a:srgbClr val="000000"/>
                 </a:solidFill>
-                <a:ea typeface="ＭＳ Ｐゴシック" charset="0"/>
-                <a:cs typeface="Arial" charset="0"/>
+                <a:latin typeface="メイリオ" panose="020B0604030504040204" pitchFamily="50" charset="-128"/>
+                <a:ea typeface="メイリオ" panose="020B0604030504040204" pitchFamily="50" charset="-128"/>
+                <a:cs typeface="メイリオ" panose="020B0604030504040204" pitchFamily="50" charset="-128"/>
               </a:rPr>
-              <a:t>Open </a:t>
-            </a:r>
-            <a:r>
-              <a:rPr lang="en-US" sz="1300" dirty="0">
+              <a:t>オープンソース</a:t>
+            </a:r>
+            <a:r>
+              <a:rPr lang="en-US" altLang="ja-JP" sz="1100" dirty="0" smtClean="0">
                 <a:solidFill>
                   <a:srgbClr val="000000"/>
                 </a:solidFill>
-                <a:ea typeface="ＭＳ Ｐゴシック" charset="0"/>
-                <a:cs typeface="Arial" charset="0"/>
+                <a:latin typeface="メイリオ" panose="020B0604030504040204" pitchFamily="50" charset="-128"/>
+                <a:ea typeface="メイリオ" panose="020B0604030504040204" pitchFamily="50" charset="-128"/>
+                <a:cs typeface="メイリオ" panose="020B0604030504040204" pitchFamily="50" charset="-128"/>
               </a:rPr>
-              <a:t>source software </a:t>
-            </a:r>
+              <a:t/>
+            </a:r>
+            <a:br>
+              <a:rPr lang="en-US" altLang="ja-JP" sz="1100" dirty="0" smtClean="0">
+                <a:solidFill>
+                  <a:srgbClr val="000000"/>
+                </a:solidFill>
+                <a:latin typeface="メイリオ" panose="020B0604030504040204" pitchFamily="50" charset="-128"/>
+                <a:ea typeface="メイリオ" panose="020B0604030504040204" pitchFamily="50" charset="-128"/>
+                <a:cs typeface="メイリオ" panose="020B0604030504040204" pitchFamily="50" charset="-128"/>
+              </a:rPr>
+            </a:br>
+            <a:r>
+              <a:rPr lang="ja-JP" altLang="en-US" sz="1100" dirty="0" smtClean="0">
+                <a:solidFill>
+                  <a:srgbClr val="000000"/>
+                </a:solidFill>
+                <a:latin typeface="メイリオ" panose="020B0604030504040204" pitchFamily="50" charset="-128"/>
+                <a:ea typeface="メイリオ" panose="020B0604030504040204" pitchFamily="50" charset="-128"/>
+                <a:cs typeface="メイリオ" panose="020B0604030504040204" pitchFamily="50" charset="-128"/>
+              </a:rPr>
+              <a:t>ソフトウェア</a:t>
+            </a:r>
+            <a:endParaRPr lang="en-US" sz="1300" dirty="0">
+              <a:solidFill>
+                <a:srgbClr val="000000"/>
+              </a:solidFill>
+              <a:latin typeface="メイリオ" panose="020B0604030504040204" pitchFamily="50" charset="-128"/>
+              <a:ea typeface="メイリオ" panose="020B0604030504040204" pitchFamily="50" charset="-128"/>
+              <a:cs typeface="メイリオ" panose="020B0604030504040204" pitchFamily="50" charset="-128"/>
+            </a:endParaRPr>
           </a:p>
         </p:txBody>
       </p:sp>
@@ -8609,8 +12743,8 @@
         </p:nvSpPr>
         <p:spPr bwMode="auto">
           <a:xfrm>
-            <a:off x="7250907" y="2229809"/>
-            <a:ext cx="2302668" cy="1642027"/>
+            <a:off x="7250907" y="2255350"/>
+            <a:ext cx="2302668" cy="1590949"/>
           </a:xfrm>
           <a:prstGeom prst="roundRect">
             <a:avLst>
@@ -8637,25 +12771,92 @@
               <a:defRPr/>
             </a:pPr>
             <a:r>
-              <a:rPr lang="en-US" sz="1300" b="1" dirty="0" smtClean="0">
+              <a:rPr lang="ja-JP" altLang="en-US" sz="1000" b="1" dirty="0" smtClean="0">
                 <a:solidFill>
                   <a:srgbClr val="000000"/>
                 </a:solidFill>
-                <a:ea typeface="ＭＳ Ｐゴシック" charset="0"/>
-                <a:cs typeface="Arial" charset="0"/>
+                <a:latin typeface="メイリオ" panose="020B0604030504040204" pitchFamily="50" charset="-128"/>
+                <a:ea typeface="メイリオ" panose="020B0604030504040204" pitchFamily="50" charset="-128"/>
+                <a:cs typeface="メイリオ" panose="020B0604030504040204" pitchFamily="50" charset="-128"/>
               </a:rPr>
-              <a:t>Open Source Software </a:t>
-            </a:r>
-            <a:r>
-              <a:rPr lang="en-US" sz="1300" b="1" dirty="0">
+              <a:t>オープンソース ソフトウェアの</a:t>
+            </a:r>
+            <a:endParaRPr lang="en-US" altLang="ja-JP" sz="1000" b="1" dirty="0" smtClean="0">
+              <a:solidFill>
+                <a:srgbClr val="000000"/>
+              </a:solidFill>
+              <a:latin typeface="メイリオ" panose="020B0604030504040204" pitchFamily="50" charset="-128"/>
+              <a:ea typeface="メイリオ" panose="020B0604030504040204" pitchFamily="50" charset="-128"/>
+              <a:cs typeface="メイリオ" panose="020B0604030504040204" pitchFamily="50" charset="-128"/>
+            </a:endParaRPr>
+          </a:p>
+          <a:p>
+            <a:pPr eaLnBrk="1" hangingPunct="1">
+              <a:defRPr/>
+            </a:pPr>
+            <a:r>
+              <a:rPr lang="ja-JP" altLang="en-US" sz="1000" b="1" dirty="0" smtClean="0">
                 <a:solidFill>
                   <a:srgbClr val="000000"/>
                 </a:solidFill>
-                <a:ea typeface="ＭＳ Ｐゴシック" charset="0"/>
-                <a:cs typeface="Arial" charset="0"/>
+                <a:latin typeface="メイリオ" panose="020B0604030504040204" pitchFamily="50" charset="-128"/>
+                <a:ea typeface="メイリオ" panose="020B0604030504040204" pitchFamily="50" charset="-128"/>
+                <a:cs typeface="メイリオ" panose="020B0604030504040204" pitchFamily="50" charset="-128"/>
               </a:rPr>
-              <a:t>BoM:</a:t>
-            </a:r>
+              <a:t>部品表</a:t>
+            </a:r>
+            <a:r>
+              <a:rPr lang="ja-JP" altLang="en-US" sz="1000" b="1" dirty="0">
+                <a:solidFill>
+                  <a:srgbClr val="000000"/>
+                </a:solidFill>
+                <a:latin typeface="メイリオ" panose="020B0604030504040204" pitchFamily="50" charset="-128"/>
+                <a:ea typeface="メイリオ" panose="020B0604030504040204" pitchFamily="50" charset="-128"/>
+                <a:cs typeface="メイリオ" panose="020B0604030504040204" pitchFamily="50" charset="-128"/>
+              </a:rPr>
+              <a:t>（</a:t>
+            </a:r>
+            <a:r>
+              <a:rPr lang="en-US" altLang="ja-JP" sz="1000" b="1" dirty="0">
+                <a:solidFill>
+                  <a:srgbClr val="000000"/>
+                </a:solidFill>
+                <a:latin typeface="メイリオ" panose="020B0604030504040204" pitchFamily="50" charset="-128"/>
+                <a:ea typeface="メイリオ" panose="020B0604030504040204" pitchFamily="50" charset="-128"/>
+                <a:cs typeface="メイリオ" panose="020B0604030504040204" pitchFamily="50" charset="-128"/>
+              </a:rPr>
+              <a:t>BoM</a:t>
+            </a:r>
+            <a:r>
+              <a:rPr lang="ja-JP" altLang="en-US" sz="1000" b="1" dirty="0">
+                <a:solidFill>
+                  <a:srgbClr val="000000"/>
+                </a:solidFill>
+                <a:latin typeface="メイリオ" panose="020B0604030504040204" pitchFamily="50" charset="-128"/>
+                <a:ea typeface="メイリオ" panose="020B0604030504040204" pitchFamily="50" charset="-128"/>
+                <a:cs typeface="メイリオ" panose="020B0604030504040204" pitchFamily="50" charset="-128"/>
+              </a:rPr>
+              <a:t>）</a:t>
+            </a:r>
+            <a:r>
+              <a:rPr lang="ja-JP" altLang="en-US" sz="1000" b="1" dirty="0">
+                <a:solidFill>
+                  <a:srgbClr val="000000"/>
+                </a:solidFill>
+                <a:latin typeface="メイリオ" panose="020B0604030504040204" pitchFamily="50" charset="-128"/>
+                <a:ea typeface="メイリオ" panose="020B0604030504040204" pitchFamily="50" charset="-128"/>
+                <a:cs typeface="メイリオ" panose="020B0604030504040204" pitchFamily="50" charset="-128"/>
+              </a:rPr>
+              <a:t>：</a:t>
+            </a:r>
+            <a:endParaRPr lang="en-US" sz="1000" b="1" dirty="0">
+              <a:solidFill>
+                <a:srgbClr val="000000"/>
+              </a:solidFill>
+              <a:latin typeface="メイリオ" panose="020B0604030504040204" pitchFamily="50" charset="-128"/>
+              <a:ea typeface="メイリオ" panose="020B0604030504040204" pitchFamily="50" charset="-128"/>
+              <a:cs typeface="メイリオ" panose="020B0604030504040204" pitchFamily="50" charset="-128"/>
+            </a:endParaRPr>
           </a:p>
           <a:p>
             <a:pPr marL="171450" indent="-171450">
@@ -8664,44 +12865,51 @@
               <a:defRPr/>
             </a:pPr>
             <a:r>
-              <a:rPr lang="en-US" sz="1300" dirty="0">
+              <a:rPr lang="ja-JP" altLang="en-US" sz="1100" dirty="0" smtClean="0">
+                <a:solidFill>
+                  <a:srgbClr val="000000"/>
+                </a:solidFill>
+                <a:latin typeface="メイリオ" panose="020B0604030504040204" pitchFamily="50" charset="-128"/>
+                <a:ea typeface="メイリオ" panose="020B0604030504040204" pitchFamily="50" charset="-128"/>
+                <a:cs typeface="メイリオ" panose="020B0604030504040204" pitchFamily="50" charset="-128"/>
+              </a:rPr>
+              <a:t>オープンソース コンポーネント、その起源とライセンスを網羅したリスト</a:t>
+            </a:r>
+            <a:endParaRPr lang="en-US" altLang="ja-JP" sz="1100" dirty="0" smtClean="0">
+              <a:solidFill>
+                <a:srgbClr val="000000"/>
+              </a:solidFill>
+              <a:latin typeface="メイリオ" panose="020B0604030504040204" pitchFamily="50" charset="-128"/>
+              <a:ea typeface="メイリオ" panose="020B0604030504040204" pitchFamily="50" charset="-128"/>
+              <a:cs typeface="メイリオ" panose="020B0604030504040204" pitchFamily="50" charset="-128"/>
+            </a:endParaRPr>
+          </a:p>
+          <a:p>
+            <a:pPr marL="171450" indent="-171450">
+              <a:buFont typeface="Arial" panose="020B0604020202020204" pitchFamily="34" charset="0"/>
+              <a:buChar char="•"/>
+              <a:defRPr/>
+            </a:pPr>
+            <a:r>
+              <a:rPr lang="ja-JP" altLang="en-US" sz="1100" dirty="0" smtClean="0">
+                <a:solidFill>
+                  <a:srgbClr val="000000"/>
+                </a:solidFill>
+                <a:latin typeface="メイリオ" panose="020B0604030504040204" pitchFamily="50" charset="-128"/>
+                <a:ea typeface="メイリオ" panose="020B0604030504040204" pitchFamily="50" charset="-128"/>
+                <a:cs typeface="メイリオ" panose="020B0604030504040204" pitchFamily="50" charset="-128"/>
+              </a:rPr>
+              <a:t>オープンソースコードのスニペット、その起源とライセンスのリスト</a:t>
+            </a:r>
+            <a:r>
+              <a:rPr lang="en-US" sz="1300" dirty="0" smtClean="0">
                 <a:solidFill>
                   <a:srgbClr val="000000"/>
                 </a:solidFill>
                 <a:ea typeface="ＭＳ Ｐゴシック" charset="0"/>
                 <a:cs typeface="Arial" charset="0"/>
               </a:rPr>
-              <a:t>List of complete </a:t>
-            </a:r>
-            <a:r>
-              <a:rPr lang="en-US" sz="1300" dirty="0" smtClean="0">
-                <a:solidFill>
-                  <a:srgbClr val="000000"/>
-                </a:solidFill>
-                <a:ea typeface="ＭＳ Ｐゴシック" charset="0"/>
-                <a:cs typeface="Arial" charset="0"/>
-              </a:rPr>
-              <a:t>open source components</a:t>
-            </a:r>
-            <a:r>
-              <a:rPr lang="en-US" sz="1300" dirty="0">
-                <a:solidFill>
-                  <a:srgbClr val="000000"/>
-                </a:solidFill>
-                <a:ea typeface="ＭＳ Ｐゴシック" charset="0"/>
-                <a:cs typeface="Arial" charset="0"/>
-              </a:rPr>
-              <a:t>, their origins, and </a:t>
-            </a:r>
-            <a:r>
-              <a:rPr lang="en-US" sz="1300" dirty="0" smtClean="0">
-                <a:solidFill>
-                  <a:srgbClr val="000000"/>
-                </a:solidFill>
-                <a:ea typeface="ＭＳ Ｐゴシック" charset="0"/>
-                <a:cs typeface="Arial" charset="0"/>
-              </a:rPr>
-              <a:t>licenses</a:t>
+              <a:t>.</a:t>
             </a:r>
             <a:endParaRPr lang="en-US" sz="1300" dirty="0">
               <a:solidFill>
@@ -8710,43 +12918,6 @@
               <a:ea typeface="ＭＳ Ｐゴシック" charset="0"/>
               <a:cs typeface="Arial" charset="0"/>
             </a:endParaRPr>
-          </a:p>
-          <a:p>
-            <a:pPr marL="171450" indent="-171450">
-              <a:buFont typeface="Arial" panose="020B0604020202020204" pitchFamily="34" charset="0"/>
-              <a:buChar char="•"/>
-              <a:defRPr/>
-            </a:pPr>
-            <a:r>
-              <a:rPr lang="en-US" sz="1300" dirty="0">
-                <a:solidFill>
-                  <a:srgbClr val="000000"/>
-                </a:solidFill>
-                <a:ea typeface="ＭＳ Ｐゴシック" charset="0"/>
-                <a:cs typeface="Arial" charset="0"/>
-              </a:rPr>
-              <a:t>List of </a:t>
-            </a:r>
-            <a:r>
-              <a:rPr lang="en-US" sz="1300" dirty="0" smtClean="0">
-                <a:solidFill>
-                  <a:srgbClr val="000000"/>
-                </a:solidFill>
-                <a:ea typeface="ＭＳ Ｐゴシック" charset="0"/>
-                <a:cs typeface="Arial" charset="0"/>
-              </a:rPr>
-              <a:t>open source code </a:t>
-            </a:r>
-            <a:r>
-              <a:rPr lang="en-US" sz="1300" dirty="0">
-                <a:solidFill>
-                  <a:srgbClr val="000000"/>
-                </a:solidFill>
-                <a:ea typeface="ＭＳ Ｐゴシック" charset="0"/>
-                <a:cs typeface="Arial" charset="0"/>
-              </a:rPr>
-              <a:t>snippets, their origins and licenses. </a:t>
-            </a:r>
           </a:p>
         </p:txBody>
       </p:sp>
@@ -15643,7 +19814,7 @@
                 <a14:useLocalDpi xmlns:a14="http://schemas.microsoft.com/office/drawing/2010/main" val="0"/>
               </a:ext>
               <a:ext uri="{96DAC541-7B7A-43D3-8B79-37D633B846F1}">
-                <asvg:svgBlip xmlns="" xmlns:asvg="http://schemas.microsoft.com/office/drawing/2016/SVG/main" r:embed="rId25"/>
+                <asvg:svgBlip xmlns:asvg="http://schemas.microsoft.com/office/drawing/2016/SVG/main" xmlns="" r:embed="rId25"/>
               </a:ext>
             </a:extLst>
           </a:blip>
@@ -15814,6 +19985,36 @@
                 <a:schemeClr val="tx1"/>
               </a:solidFill>
             </a:endParaRPr>
+          </a:p>
+        </p:txBody>
+      </p:sp>
+      <p:sp>
+        <p:nvSpPr>
+          <p:cNvPr id="43" name="テキスト ボックス 42"/>
+          <p:cNvSpPr txBox="1"/>
+          <p:nvPr/>
+        </p:nvSpPr>
+        <p:spPr>
+          <a:xfrm>
+            <a:off x="152400" y="499987"/>
+            <a:ext cx="569387" cy="369332"/>
+          </a:xfrm>
+          <a:prstGeom prst="rect">
+            <a:avLst/>
+          </a:prstGeom>
+          <a:noFill/>
+        </p:spPr>
+        <p:txBody>
+          <a:bodyPr wrap="none" rtlCol="0">
+            <a:spAutoFit/>
+          </a:bodyPr>
+          <a:lstStyle/>
+          <a:p>
+            <a:r>
+              <a:rPr kumimoji="1" lang="en-US" altLang="ja-JP" dirty="0" smtClean="0"/>
+              <a:t>Fig6</a:t>
+            </a:r>
+            <a:endParaRPr kumimoji="1" lang="ja-JP" altLang="en-US" dirty="0"/>
           </a:p>
         </p:txBody>
       </p:sp>
@@ -15859,14 +20060,14 @@
       </p:grpSpPr>
       <p:sp>
         <p:nvSpPr>
-          <p:cNvPr id="65" name="Rectangle 64"/>
+          <p:cNvPr id="40" name="Rectangle 39"/>
           <p:cNvSpPr/>
           <p:nvPr/>
         </p:nvSpPr>
         <p:spPr>
           <a:xfrm>
-            <a:off x="923925" y="293739"/>
-            <a:ext cx="9334500" cy="6333203"/>
+            <a:off x="1819275" y="209550"/>
+            <a:ext cx="7458076" cy="6286500"/>
           </a:xfrm>
           <a:prstGeom prst="rect">
             <a:avLst/>
@@ -15900,370 +20101,9 @@
           </a:p>
         </p:txBody>
       </p:sp>
-      <p:sp>
-        <p:nvSpPr>
-          <p:cNvPr id="2" name="Arc 1"/>
-          <p:cNvSpPr/>
-          <p:nvPr/>
-        </p:nvSpPr>
-        <p:spPr>
-          <a:xfrm>
-            <a:off x="8794078" y="1125365"/>
-            <a:ext cx="588397" cy="633889"/>
-          </a:xfrm>
-          <a:prstGeom prst="arc">
-            <a:avLst/>
-          </a:prstGeom>
-          <a:ln w="19050">
-            <a:solidFill>
-              <a:schemeClr val="tx1"/>
-            </a:solidFill>
-          </a:ln>
-        </p:spPr>
-        <p:style>
-          <a:lnRef idx="1">
-            <a:schemeClr val="accent1"/>
-          </a:lnRef>
-          <a:fillRef idx="0">
-            <a:schemeClr val="accent1"/>
-          </a:fillRef>
-          <a:effectRef idx="0">
-            <a:schemeClr val="accent1"/>
-          </a:effectRef>
-          <a:fontRef idx="minor">
-            <a:schemeClr val="tx1"/>
-          </a:fontRef>
-        </p:style>
-        <p:txBody>
-          <a:bodyPr rtlCol="0" anchor="ctr"/>
-          <a:lstStyle/>
-          <a:p>
-            <a:pPr algn="ctr"/>
-            <a:endParaRPr lang="en-US"/>
-          </a:p>
-        </p:txBody>
-      </p:sp>
-      <p:cxnSp>
-        <p:nvCxnSpPr>
-          <p:cNvPr id="15" name="Straight Connector 14"/>
-          <p:cNvCxnSpPr>
-            <a:cxnSpLocks/>
-            <a:stCxn id="2" idx="0"/>
-            <a:endCxn id="47" idx="3"/>
-          </p:cNvCxnSpPr>
-          <p:nvPr/>
-        </p:nvCxnSpPr>
-        <p:spPr>
-          <a:xfrm flipH="1" flipV="1">
-            <a:off x="3613175" y="1109261"/>
-            <a:ext cx="5475101" cy="16104"/>
-          </a:xfrm>
-          <a:prstGeom prst="line">
-            <a:avLst/>
-          </a:prstGeom>
-          <a:ln w="19050">
-            <a:solidFill>
-              <a:schemeClr val="tx1"/>
-            </a:solidFill>
-          </a:ln>
-        </p:spPr>
-        <p:style>
-          <a:lnRef idx="1">
-            <a:schemeClr val="accent1"/>
-          </a:lnRef>
-          <a:fillRef idx="0">
-            <a:schemeClr val="accent1"/>
-          </a:fillRef>
-          <a:effectRef idx="0">
-            <a:schemeClr val="accent1"/>
-          </a:effectRef>
-          <a:fontRef idx="minor">
-            <a:schemeClr val="tx1"/>
-          </a:fontRef>
-        </p:style>
-      </p:cxnSp>
-      <p:cxnSp>
-        <p:nvCxnSpPr>
-          <p:cNvPr id="20" name="Straight Connector 19"/>
-          <p:cNvCxnSpPr>
-            <a:cxnSpLocks/>
-          </p:cNvCxnSpPr>
-          <p:nvPr/>
-        </p:nvCxnSpPr>
-        <p:spPr>
-          <a:xfrm>
-            <a:off x="9382475" y="1398742"/>
-            <a:ext cx="0" cy="1482681"/>
-          </a:xfrm>
-          <a:prstGeom prst="line">
-            <a:avLst/>
-          </a:prstGeom>
-          <a:ln w="19050">
-            <a:solidFill>
-              <a:schemeClr val="tx1"/>
-            </a:solidFill>
-          </a:ln>
-        </p:spPr>
-        <p:style>
-          <a:lnRef idx="1">
-            <a:schemeClr val="accent1"/>
-          </a:lnRef>
-          <a:fillRef idx="0">
-            <a:schemeClr val="accent1"/>
-          </a:fillRef>
-          <a:effectRef idx="0">
-            <a:schemeClr val="accent1"/>
-          </a:effectRef>
-          <a:fontRef idx="minor">
-            <a:schemeClr val="tx1"/>
-          </a:fontRef>
-        </p:style>
-      </p:cxnSp>
-      <p:sp>
-        <p:nvSpPr>
-          <p:cNvPr id="23" name="Arc 22"/>
-          <p:cNvSpPr/>
-          <p:nvPr/>
-        </p:nvSpPr>
-        <p:spPr>
-          <a:xfrm rot="5400000">
-            <a:off x="8771332" y="2561797"/>
-            <a:ext cx="588397" cy="633889"/>
-          </a:xfrm>
-          <a:prstGeom prst="arc">
-            <a:avLst/>
-          </a:prstGeom>
-          <a:ln w="19050">
-            <a:solidFill>
-              <a:schemeClr val="tx1"/>
-            </a:solidFill>
-          </a:ln>
-        </p:spPr>
-        <p:style>
-          <a:lnRef idx="1">
-            <a:schemeClr val="accent1"/>
-          </a:lnRef>
-          <a:fillRef idx="0">
-            <a:schemeClr val="accent1"/>
-          </a:fillRef>
-          <a:effectRef idx="0">
-            <a:schemeClr val="accent1"/>
-          </a:effectRef>
-          <a:fontRef idx="minor">
-            <a:schemeClr val="tx1"/>
-          </a:fontRef>
-        </p:style>
-        <p:txBody>
-          <a:bodyPr rtlCol="0" anchor="ctr"/>
-          <a:lstStyle/>
-          <a:p>
-            <a:pPr algn="ctr"/>
-            <a:endParaRPr lang="en-US"/>
-          </a:p>
-        </p:txBody>
-      </p:sp>
-      <p:cxnSp>
-        <p:nvCxnSpPr>
-          <p:cNvPr id="24" name="Straight Connector 23"/>
-          <p:cNvCxnSpPr>
-            <a:cxnSpLocks/>
-            <a:stCxn id="23" idx="2"/>
-          </p:cNvCxnSpPr>
-          <p:nvPr/>
-        </p:nvCxnSpPr>
-        <p:spPr>
-          <a:xfrm flipH="1" flipV="1">
-            <a:off x="1619022" y="3171742"/>
-            <a:ext cx="7446508" cy="1198"/>
-          </a:xfrm>
-          <a:prstGeom prst="line">
-            <a:avLst/>
-          </a:prstGeom>
-          <a:ln w="19050">
-            <a:solidFill>
-              <a:schemeClr val="tx1"/>
-            </a:solidFill>
-          </a:ln>
-        </p:spPr>
-        <p:style>
-          <a:lnRef idx="1">
-            <a:schemeClr val="accent1"/>
-          </a:lnRef>
-          <a:fillRef idx="0">
-            <a:schemeClr val="accent1"/>
-          </a:fillRef>
-          <a:effectRef idx="0">
-            <a:schemeClr val="accent1"/>
-          </a:effectRef>
-          <a:fontRef idx="minor">
-            <a:schemeClr val="tx1"/>
-          </a:fontRef>
-        </p:style>
-      </p:cxnSp>
-      <p:sp>
-        <p:nvSpPr>
-          <p:cNvPr id="26" name="Arc 25"/>
-          <p:cNvSpPr/>
-          <p:nvPr/>
-        </p:nvSpPr>
-        <p:spPr>
-          <a:xfrm rot="16200000">
-            <a:off x="1324824" y="3150194"/>
-            <a:ext cx="588397" cy="633889"/>
-          </a:xfrm>
-          <a:prstGeom prst="arc">
-            <a:avLst/>
-          </a:prstGeom>
-          <a:ln w="19050">
-            <a:solidFill>
-              <a:schemeClr val="tx1"/>
-            </a:solidFill>
-          </a:ln>
-        </p:spPr>
-        <p:style>
-          <a:lnRef idx="1">
-            <a:schemeClr val="accent1"/>
-          </a:lnRef>
-          <a:fillRef idx="0">
-            <a:schemeClr val="accent1"/>
-          </a:fillRef>
-          <a:effectRef idx="0">
-            <a:schemeClr val="accent1"/>
-          </a:effectRef>
-          <a:fontRef idx="minor">
-            <a:schemeClr val="tx1"/>
-          </a:fontRef>
-        </p:style>
-        <p:txBody>
-          <a:bodyPr rtlCol="0" anchor="ctr"/>
-          <a:lstStyle/>
-          <a:p>
-            <a:pPr algn="ctr"/>
-            <a:endParaRPr lang="en-US"/>
-          </a:p>
-        </p:txBody>
-      </p:sp>
-      <p:sp>
-        <p:nvSpPr>
-          <p:cNvPr id="29" name="Arc 28"/>
-          <p:cNvSpPr/>
-          <p:nvPr/>
-        </p:nvSpPr>
-        <p:spPr>
-          <a:xfrm rot="10800000">
-            <a:off x="1302078" y="4639486"/>
-            <a:ext cx="588397" cy="633889"/>
-          </a:xfrm>
-          <a:prstGeom prst="arc">
-            <a:avLst/>
-          </a:prstGeom>
-          <a:ln w="19050">
-            <a:solidFill>
-              <a:schemeClr val="tx1"/>
-            </a:solidFill>
-          </a:ln>
-        </p:spPr>
-        <p:style>
-          <a:lnRef idx="1">
-            <a:schemeClr val="accent1"/>
-          </a:lnRef>
-          <a:fillRef idx="0">
-            <a:schemeClr val="accent1"/>
-          </a:fillRef>
-          <a:effectRef idx="0">
-            <a:schemeClr val="accent1"/>
-          </a:effectRef>
-          <a:fontRef idx="minor">
-            <a:schemeClr val="tx1"/>
-          </a:fontRef>
-        </p:style>
-        <p:txBody>
-          <a:bodyPr rtlCol="0" anchor="ctr"/>
-          <a:lstStyle/>
-          <a:p>
-            <a:pPr algn="ctr"/>
-            <a:endParaRPr lang="en-US"/>
-          </a:p>
-        </p:txBody>
-      </p:sp>
-      <p:cxnSp>
-        <p:nvCxnSpPr>
-          <p:cNvPr id="34" name="Straight Connector 33"/>
-          <p:cNvCxnSpPr>
-            <a:cxnSpLocks/>
-          </p:cNvCxnSpPr>
-          <p:nvPr/>
-        </p:nvCxnSpPr>
-        <p:spPr>
-          <a:xfrm flipH="1">
-            <a:off x="1596276" y="5271701"/>
-            <a:ext cx="7806411" cy="1675"/>
-          </a:xfrm>
-          <a:prstGeom prst="line">
-            <a:avLst/>
-          </a:prstGeom>
-          <a:ln w="19050">
-            <a:solidFill>
-              <a:schemeClr val="tx1"/>
-            </a:solidFill>
-          </a:ln>
-        </p:spPr>
-        <p:style>
-          <a:lnRef idx="1">
-            <a:schemeClr val="accent1"/>
-          </a:lnRef>
-          <a:fillRef idx="0">
-            <a:schemeClr val="accent1"/>
-          </a:fillRef>
-          <a:effectRef idx="0">
-            <a:schemeClr val="accent1"/>
-          </a:effectRef>
-          <a:fontRef idx="minor">
-            <a:schemeClr val="tx1"/>
-          </a:fontRef>
-        </p:style>
-      </p:cxnSp>
-      <p:cxnSp>
-        <p:nvCxnSpPr>
-          <p:cNvPr id="16" name="Straight Connector 15"/>
-          <p:cNvCxnSpPr>
-            <a:cxnSpLocks/>
-            <a:endCxn id="29" idx="2"/>
-          </p:cNvCxnSpPr>
-          <p:nvPr/>
-        </p:nvCxnSpPr>
-        <p:spPr>
-          <a:xfrm>
-            <a:off x="1302077" y="3469394"/>
-            <a:ext cx="1" cy="1487036"/>
-          </a:xfrm>
-          <a:prstGeom prst="line">
-            <a:avLst/>
-          </a:prstGeom>
-          <a:ln w="19050">
-            <a:solidFill>
-              <a:schemeClr val="tx1"/>
-            </a:solidFill>
-          </a:ln>
-        </p:spPr>
-        <p:style>
-          <a:lnRef idx="1">
-            <a:schemeClr val="accent1"/>
-          </a:lnRef>
-          <a:fillRef idx="0">
-            <a:schemeClr val="accent1"/>
-          </a:fillRef>
-          <a:effectRef idx="0">
-            <a:schemeClr val="accent1"/>
-          </a:effectRef>
-          <a:fontRef idx="minor">
-            <a:schemeClr val="tx1"/>
-          </a:fontRef>
-        </p:style>
-      </p:cxnSp>
       <p:pic>
         <p:nvPicPr>
-          <p:cNvPr id="8" name="Picture 7"/>
+          <p:cNvPr id="12" name="Picture 11"/>
           <p:cNvPicPr>
             <a:picLocks noChangeAspect="1"/>
           </p:cNvPicPr>
@@ -16283,17 +20123,298 @@
         </p:blipFill>
         <p:spPr>
           <a:xfrm>
-            <a:off x="4596939" y="431172"/>
-            <a:ext cx="590272" cy="590272"/>
+            <a:off x="7004681" y="300949"/>
+            <a:ext cx="599948" cy="599948"/>
           </a:xfrm>
           <a:prstGeom prst="rect">
             <a:avLst/>
           </a:prstGeom>
         </p:spPr>
       </p:pic>
+      <p:sp>
+        <p:nvSpPr>
+          <p:cNvPr id="2" name="Arc 1"/>
+          <p:cNvSpPr/>
+          <p:nvPr/>
+        </p:nvSpPr>
+        <p:spPr>
+          <a:xfrm>
+            <a:off x="8346563" y="1160737"/>
+            <a:ext cx="588397" cy="633889"/>
+          </a:xfrm>
+          <a:prstGeom prst="arc">
+            <a:avLst/>
+          </a:prstGeom>
+          <a:ln w="19050">
+            <a:solidFill>
+              <a:schemeClr val="tx1"/>
+            </a:solidFill>
+          </a:ln>
+        </p:spPr>
+        <p:style>
+          <a:lnRef idx="1">
+            <a:schemeClr val="accent1"/>
+          </a:lnRef>
+          <a:fillRef idx="0">
+            <a:schemeClr val="accent1"/>
+          </a:fillRef>
+          <a:effectRef idx="0">
+            <a:schemeClr val="accent1"/>
+          </a:effectRef>
+          <a:fontRef idx="minor">
+            <a:schemeClr val="tx1"/>
+          </a:fontRef>
+        </p:style>
+        <p:txBody>
+          <a:bodyPr rtlCol="0" anchor="ctr"/>
+          <a:lstStyle/>
+          <a:p>
+            <a:pPr algn="ctr"/>
+            <a:endParaRPr lang="en-US"/>
+          </a:p>
+        </p:txBody>
+      </p:sp>
+      <p:cxnSp>
+        <p:nvCxnSpPr>
+          <p:cNvPr id="15" name="Straight Connector 14"/>
+          <p:cNvCxnSpPr>
+            <a:cxnSpLocks/>
+            <a:stCxn id="2" idx="0"/>
+            <a:endCxn id="21" idx="3"/>
+          </p:cNvCxnSpPr>
+          <p:nvPr/>
+        </p:nvCxnSpPr>
+        <p:spPr>
+          <a:xfrm flipH="1" flipV="1">
+            <a:off x="2760184" y="1152576"/>
+            <a:ext cx="5880577" cy="8161"/>
+          </a:xfrm>
+          <a:prstGeom prst="line">
+            <a:avLst/>
+          </a:prstGeom>
+          <a:ln w="19050">
+            <a:solidFill>
+              <a:schemeClr val="tx1"/>
+            </a:solidFill>
+          </a:ln>
+        </p:spPr>
+        <p:style>
+          <a:lnRef idx="1">
+            <a:schemeClr val="accent1"/>
+          </a:lnRef>
+          <a:fillRef idx="0">
+            <a:schemeClr val="accent1"/>
+          </a:fillRef>
+          <a:effectRef idx="0">
+            <a:schemeClr val="accent1"/>
+          </a:effectRef>
+          <a:fontRef idx="minor">
+            <a:schemeClr val="tx1"/>
+          </a:fontRef>
+        </p:style>
+      </p:cxnSp>
+      <p:cxnSp>
+        <p:nvCxnSpPr>
+          <p:cNvPr id="20" name="Straight Connector 19"/>
+          <p:cNvCxnSpPr>
+            <a:cxnSpLocks/>
+          </p:cNvCxnSpPr>
+          <p:nvPr/>
+        </p:nvCxnSpPr>
+        <p:spPr>
+          <a:xfrm>
+            <a:off x="8933023" y="1444382"/>
+            <a:ext cx="0" cy="1482681"/>
+          </a:xfrm>
+          <a:prstGeom prst="line">
+            <a:avLst/>
+          </a:prstGeom>
+          <a:ln w="19050">
+            <a:solidFill>
+              <a:schemeClr val="tx1"/>
+            </a:solidFill>
+          </a:ln>
+        </p:spPr>
+        <p:style>
+          <a:lnRef idx="1">
+            <a:schemeClr val="accent1"/>
+          </a:lnRef>
+          <a:fillRef idx="0">
+            <a:schemeClr val="accent1"/>
+          </a:fillRef>
+          <a:effectRef idx="0">
+            <a:schemeClr val="accent1"/>
+          </a:effectRef>
+          <a:fontRef idx="minor">
+            <a:schemeClr val="tx1"/>
+          </a:fontRef>
+        </p:style>
+      </p:cxnSp>
+      <p:sp>
+        <p:nvSpPr>
+          <p:cNvPr id="23" name="Arc 22"/>
+          <p:cNvSpPr/>
+          <p:nvPr/>
+        </p:nvSpPr>
+        <p:spPr>
+          <a:xfrm rot="5400000">
+            <a:off x="8321880" y="2607437"/>
+            <a:ext cx="588397" cy="633889"/>
+          </a:xfrm>
+          <a:prstGeom prst="arc">
+            <a:avLst/>
+          </a:prstGeom>
+          <a:ln w="19050">
+            <a:solidFill>
+              <a:schemeClr val="tx1"/>
+            </a:solidFill>
+          </a:ln>
+        </p:spPr>
+        <p:style>
+          <a:lnRef idx="1">
+            <a:schemeClr val="accent1"/>
+          </a:lnRef>
+          <a:fillRef idx="0">
+            <a:schemeClr val="accent1"/>
+          </a:fillRef>
+          <a:effectRef idx="0">
+            <a:schemeClr val="accent1"/>
+          </a:effectRef>
+          <a:fontRef idx="minor">
+            <a:schemeClr val="tx1"/>
+          </a:fontRef>
+        </p:style>
+        <p:txBody>
+          <a:bodyPr rtlCol="0" anchor="ctr"/>
+          <a:lstStyle/>
+          <a:p>
+            <a:pPr algn="ctr"/>
+            <a:endParaRPr lang="en-US"/>
+          </a:p>
+        </p:txBody>
+      </p:sp>
+      <p:cxnSp>
+        <p:nvCxnSpPr>
+          <p:cNvPr id="24" name="Straight Connector 23"/>
+          <p:cNvCxnSpPr>
+            <a:cxnSpLocks/>
+            <a:stCxn id="23" idx="2"/>
+          </p:cNvCxnSpPr>
+          <p:nvPr/>
+        </p:nvCxnSpPr>
+        <p:spPr>
+          <a:xfrm flipH="1">
+            <a:off x="2767674" y="3218580"/>
+            <a:ext cx="5848404" cy="0"/>
+          </a:xfrm>
+          <a:prstGeom prst="line">
+            <a:avLst/>
+          </a:prstGeom>
+          <a:ln w="19050">
+            <a:solidFill>
+              <a:schemeClr val="tx1"/>
+            </a:solidFill>
+          </a:ln>
+        </p:spPr>
+        <p:style>
+          <a:lnRef idx="1">
+            <a:schemeClr val="accent1"/>
+          </a:lnRef>
+          <a:fillRef idx="0">
+            <a:schemeClr val="accent1"/>
+          </a:fillRef>
+          <a:effectRef idx="0">
+            <a:schemeClr val="accent1"/>
+          </a:effectRef>
+          <a:fontRef idx="minor">
+            <a:schemeClr val="tx1"/>
+          </a:fontRef>
+        </p:style>
+      </p:cxnSp>
+      <p:sp>
+        <p:nvSpPr>
+          <p:cNvPr id="29" name="Arc 28"/>
+          <p:cNvSpPr/>
+          <p:nvPr/>
+        </p:nvSpPr>
+        <p:spPr>
+          <a:xfrm rot="16452913">
+            <a:off x="2473475" y="3193454"/>
+            <a:ext cx="588397" cy="633889"/>
+          </a:xfrm>
+          <a:prstGeom prst="arc">
+            <a:avLst/>
+          </a:prstGeom>
+          <a:ln w="19050">
+            <a:solidFill>
+              <a:schemeClr val="tx1"/>
+            </a:solidFill>
+          </a:ln>
+        </p:spPr>
+        <p:style>
+          <a:lnRef idx="1">
+            <a:schemeClr val="accent1"/>
+          </a:lnRef>
+          <a:fillRef idx="0">
+            <a:schemeClr val="accent1"/>
+          </a:fillRef>
+          <a:effectRef idx="0">
+            <a:schemeClr val="accent1"/>
+          </a:effectRef>
+          <a:fontRef idx="minor">
+            <a:schemeClr val="tx1"/>
+          </a:fontRef>
+        </p:style>
+        <p:txBody>
+          <a:bodyPr rtlCol="0" anchor="ctr"/>
+          <a:lstStyle/>
+          <a:p>
+            <a:pPr algn="ctr"/>
+            <a:endParaRPr lang="en-US" dirty="0"/>
+          </a:p>
+        </p:txBody>
+      </p:sp>
+      <p:cxnSp>
+        <p:nvCxnSpPr>
+          <p:cNvPr id="16" name="Straight Connector 15"/>
+          <p:cNvCxnSpPr>
+            <a:cxnSpLocks/>
+            <a:stCxn id="29" idx="0"/>
+          </p:cNvCxnSpPr>
+          <p:nvPr/>
+        </p:nvCxnSpPr>
+        <p:spPr>
+          <a:xfrm flipH="1">
+            <a:off x="2450730" y="3487103"/>
+            <a:ext cx="856" cy="1517445"/>
+          </a:xfrm>
+          <a:prstGeom prst="line">
+            <a:avLst/>
+          </a:prstGeom>
+          <a:ln w="19050">
+            <a:solidFill>
+              <a:schemeClr val="tx1"/>
+            </a:solidFill>
+          </a:ln>
+        </p:spPr>
+        <p:style>
+          <a:lnRef idx="1">
+            <a:schemeClr val="accent1"/>
+          </a:lnRef>
+          <a:fillRef idx="0">
+            <a:schemeClr val="accent1"/>
+          </a:fillRef>
+          <a:effectRef idx="0">
+            <a:schemeClr val="accent1"/>
+          </a:effectRef>
+          <a:fontRef idx="minor">
+            <a:schemeClr val="tx1"/>
+          </a:fontRef>
+        </p:style>
+      </p:cxnSp>
       <p:pic>
         <p:nvPicPr>
-          <p:cNvPr id="22" name="Picture 21"/>
+          <p:cNvPr id="8" name="Picture 7"/>
           <p:cNvPicPr>
             <a:picLocks noChangeAspect="1"/>
           </p:cNvPicPr>
@@ -16312,18 +20433,100 @@
           </a:stretch>
         </p:blipFill>
         <p:spPr>
-          <a:xfrm flipH="1">
-            <a:off x="7927829" y="4421959"/>
-            <a:ext cx="787168" cy="787168"/>
+          <a:xfrm>
+            <a:off x="3647446" y="398024"/>
+            <a:ext cx="674022" cy="674022"/>
           </a:xfrm>
           <a:prstGeom prst="rect">
             <a:avLst/>
           </a:prstGeom>
         </p:spPr>
       </p:pic>
+      <p:sp>
+        <p:nvSpPr>
+          <p:cNvPr id="58" name="TextBox 57"/>
+          <p:cNvSpPr txBox="1"/>
+          <p:nvPr/>
+        </p:nvSpPr>
+        <p:spPr>
+          <a:xfrm>
+            <a:off x="5798401" y="1445670"/>
+            <a:ext cx="2873914" cy="938719"/>
+          </a:xfrm>
+          <a:prstGeom prst="rect">
+            <a:avLst/>
+          </a:prstGeom>
+          <a:noFill/>
+        </p:spPr>
+        <p:txBody>
+          <a:bodyPr wrap="square" rtlCol="0">
+            <a:spAutoFit/>
+          </a:bodyPr>
+          <a:lstStyle>
+            <a:defPPr>
+              <a:defRPr lang="sv-SE"/>
+            </a:defPPr>
+            <a:lvl1pPr>
+              <a:defRPr sz="1100">
+                <a:latin typeface="メイリオ" panose="020B0604030504040204" pitchFamily="50" charset="-128"/>
+                <a:ea typeface="メイリオ" panose="020B0604030504040204" pitchFamily="50" charset="-128"/>
+                <a:cs typeface="メイリオ" panose="020B0604030504040204" pitchFamily="50" charset="-128"/>
+              </a:defRPr>
+            </a:lvl1pPr>
+          </a:lstStyle>
+          <a:p>
+            <a:r>
+              <a:rPr lang="ja-JP" altLang="en-US" dirty="0" smtClean="0"/>
+              <a:t>クラウドサーバーへのアップロードもしくは、監査人を招き実地作業によりソースコードを監査人に渡します（実地の場合、スキャン実施にローカルサーバの準備が必要となります）。</a:t>
+            </a:r>
+            <a:endParaRPr lang="sv-SE" dirty="0"/>
+          </a:p>
+        </p:txBody>
+      </p:sp>
+      <p:sp>
+        <p:nvSpPr>
+          <p:cNvPr id="59" name="TextBox 58"/>
+          <p:cNvSpPr txBox="1"/>
+          <p:nvPr/>
+        </p:nvSpPr>
+        <p:spPr>
+          <a:xfrm>
+            <a:off x="5998816" y="1224552"/>
+            <a:ext cx="2617261" cy="276999"/>
+          </a:xfrm>
+          <a:prstGeom prst="rect">
+            <a:avLst/>
+          </a:prstGeom>
+          <a:noFill/>
+        </p:spPr>
+        <p:txBody>
+          <a:bodyPr wrap="square" rtlCol="0">
+            <a:spAutoFit/>
+          </a:bodyPr>
+          <a:lstStyle>
+            <a:defPPr>
+              <a:defRPr lang="sv-SE"/>
+            </a:defPPr>
+            <a:lvl1pPr algn="ctr">
+              <a:defRPr sz="1200" b="1">
+                <a:latin typeface="メイリオ" panose="020B0604030504040204" pitchFamily="50" charset="-128"/>
+                <a:ea typeface="メイリオ" panose="020B0604030504040204" pitchFamily="50" charset="-128"/>
+                <a:cs typeface="メイリオ" panose="020B0604030504040204" pitchFamily="50" charset="-128"/>
+              </a:defRPr>
+            </a:lvl1pPr>
+          </a:lstStyle>
+          <a:p>
+            <a:r>
+              <a:rPr lang="ja-JP" altLang="en-US" dirty="0" smtClean="0"/>
+              <a:t>監査人へのコードの送付</a:t>
+            </a:r>
+            <a:endParaRPr lang="sv-SE" dirty="0"/>
+          </a:p>
+        </p:txBody>
+      </p:sp>
       <p:pic>
         <p:nvPicPr>
-          <p:cNvPr id="3" name="Picture 2"/>
+          <p:cNvPr id="65" name="Picture 64"/>
           <p:cNvPicPr>
             <a:picLocks noChangeAspect="1"/>
           </p:cNvPicPr>
@@ -16343,394 +20546,17 @@
         </p:blipFill>
         <p:spPr>
           <a:xfrm>
-            <a:off x="2142329" y="2315401"/>
-            <a:ext cx="909564" cy="909564"/>
+            <a:off x="6601603" y="539323"/>
+            <a:ext cx="569047" cy="569047"/>
           </a:xfrm>
           <a:prstGeom prst="rect">
             <a:avLst/>
           </a:prstGeom>
         </p:spPr>
       </p:pic>
-      <p:sp>
-        <p:nvSpPr>
-          <p:cNvPr id="40" name="TextBox 39"/>
-          <p:cNvSpPr txBox="1"/>
-          <p:nvPr/>
-        </p:nvSpPr>
-        <p:spPr>
-          <a:xfrm>
-            <a:off x="3684335" y="1291475"/>
-            <a:ext cx="2485216" cy="830997"/>
-          </a:xfrm>
-          <a:prstGeom prst="rect">
-            <a:avLst/>
-          </a:prstGeom>
-          <a:noFill/>
-        </p:spPr>
-        <p:txBody>
-          <a:bodyPr wrap="square" rtlCol="0">
-            <a:spAutoFit/>
-          </a:bodyPr>
-          <a:lstStyle/>
-          <a:p>
-            <a:r>
-              <a:rPr lang="en-US" sz="1200" dirty="0"/>
-              <a:t>A </a:t>
-            </a:r>
-            <a:r>
-              <a:rPr lang="en-US" sz="1200" dirty="0" smtClean="0"/>
-              <a:t>call kicks off </a:t>
-            </a:r>
-            <a:r>
-              <a:rPr lang="en-US" sz="1200" dirty="0"/>
-              <a:t>the project, introduce contact persons from all parties and communicate relevant details of the </a:t>
-            </a:r>
-            <a:r>
-              <a:rPr lang="en-US" sz="1200" dirty="0" smtClean="0"/>
-              <a:t>audit.</a:t>
-            </a:r>
-            <a:endParaRPr lang="sv-SE" sz="1200" dirty="0"/>
-          </a:p>
-        </p:txBody>
-      </p:sp>
-      <p:sp>
-        <p:nvSpPr>
-          <p:cNvPr id="41" name="TextBox 40"/>
-          <p:cNvSpPr txBox="1"/>
-          <p:nvPr/>
-        </p:nvSpPr>
-        <p:spPr>
-          <a:xfrm>
-            <a:off x="3693883" y="1101355"/>
-            <a:ext cx="2397260" cy="292388"/>
-          </a:xfrm>
-          <a:prstGeom prst="rect">
-            <a:avLst/>
-          </a:prstGeom>
-          <a:noFill/>
-        </p:spPr>
-        <p:txBody>
-          <a:bodyPr wrap="square" rtlCol="0">
-            <a:spAutoFit/>
-          </a:bodyPr>
-          <a:lstStyle/>
-          <a:p>
-            <a:pPr algn="ctr"/>
-            <a:r>
-              <a:rPr lang="sv-SE" sz="1300" b="1" dirty="0"/>
-              <a:t>Initial </a:t>
-            </a:r>
-            <a:r>
-              <a:rPr lang="sv-SE" sz="1300" b="1" dirty="0" smtClean="0"/>
-              <a:t>Meeting or Call</a:t>
-            </a:r>
-            <a:endParaRPr lang="sv-SE" sz="1300" b="1" dirty="0"/>
-          </a:p>
-        </p:txBody>
-      </p:sp>
-      <p:sp>
-        <p:nvSpPr>
-          <p:cNvPr id="49" name="TextBox 48"/>
-          <p:cNvSpPr txBox="1"/>
-          <p:nvPr/>
-        </p:nvSpPr>
-        <p:spPr>
-          <a:xfrm>
-            <a:off x="6546039" y="1275756"/>
-            <a:ext cx="2712553" cy="830997"/>
-          </a:xfrm>
-          <a:prstGeom prst="rect">
-            <a:avLst/>
-          </a:prstGeom>
-          <a:noFill/>
-        </p:spPr>
-        <p:txBody>
-          <a:bodyPr wrap="square" rtlCol="0">
-            <a:spAutoFit/>
-          </a:bodyPr>
-          <a:lstStyle/>
-          <a:p>
-            <a:r>
-              <a:rPr lang="en-US" sz="1200" dirty="0" smtClean="0"/>
-              <a:t>The </a:t>
-            </a:r>
-            <a:r>
-              <a:rPr lang="en-US" sz="1200" dirty="0"/>
-              <a:t>Command Line Interface </a:t>
-            </a:r>
-            <a:r>
-              <a:rPr lang="en-US" sz="1200" dirty="0" smtClean="0"/>
-              <a:t>is </a:t>
-            </a:r>
-            <a:r>
-              <a:rPr lang="en-US" sz="1200" dirty="0"/>
-              <a:t>sent to the target company </a:t>
-            </a:r>
-            <a:r>
-              <a:rPr lang="en-US" sz="1200" dirty="0" smtClean="0"/>
-              <a:t>with </a:t>
-            </a:r>
-            <a:r>
-              <a:rPr lang="en-US" sz="1200" dirty="0"/>
-              <a:t>installation and execution instructions to collect digital </a:t>
-            </a:r>
-            <a:r>
-              <a:rPr lang="en-US" sz="1200" dirty="0" smtClean="0"/>
-              <a:t>signatures</a:t>
-            </a:r>
-            <a:r>
-              <a:rPr lang="en-US" sz="1200" i="1" dirty="0" smtClean="0">
-                <a:solidFill>
-                  <a:srgbClr val="FF0000"/>
-                </a:solidFill>
-              </a:rPr>
-              <a:t>*</a:t>
-            </a:r>
-            <a:r>
-              <a:rPr lang="en-US" sz="1200" dirty="0" smtClean="0"/>
-              <a:t> </a:t>
-            </a:r>
-            <a:r>
-              <a:rPr lang="en-US" sz="1200" dirty="0"/>
-              <a:t>of their software.</a:t>
-            </a:r>
-            <a:endParaRPr lang="sv-SE" sz="1200" dirty="0"/>
-          </a:p>
-        </p:txBody>
-      </p:sp>
-      <p:sp>
-        <p:nvSpPr>
-          <p:cNvPr id="50" name="TextBox 49"/>
-          <p:cNvSpPr txBox="1"/>
-          <p:nvPr/>
-        </p:nvSpPr>
-        <p:spPr>
-          <a:xfrm>
-            <a:off x="6669642" y="1101355"/>
-            <a:ext cx="2397260" cy="292388"/>
-          </a:xfrm>
-          <a:prstGeom prst="rect">
-            <a:avLst/>
-          </a:prstGeom>
-          <a:noFill/>
-        </p:spPr>
-        <p:txBody>
-          <a:bodyPr wrap="square" rtlCol="0">
-            <a:spAutoFit/>
-          </a:bodyPr>
-          <a:lstStyle/>
-          <a:p>
-            <a:pPr algn="ctr"/>
-            <a:r>
-              <a:rPr lang="sv-SE" sz="1300" b="1" dirty="0"/>
-              <a:t>Fingerprint Collector Tool</a:t>
-            </a:r>
-          </a:p>
-        </p:txBody>
-      </p:sp>
-      <p:sp>
-        <p:nvSpPr>
-          <p:cNvPr id="58" name="TextBox 57"/>
-          <p:cNvSpPr txBox="1"/>
-          <p:nvPr/>
-        </p:nvSpPr>
-        <p:spPr>
-          <a:xfrm>
-            <a:off x="1474789" y="3402762"/>
-            <a:ext cx="2473462" cy="830997"/>
-          </a:xfrm>
-          <a:prstGeom prst="rect">
-            <a:avLst/>
-          </a:prstGeom>
-          <a:noFill/>
-        </p:spPr>
-        <p:txBody>
-          <a:bodyPr wrap="square" rtlCol="0">
-            <a:spAutoFit/>
-          </a:bodyPr>
-          <a:lstStyle/>
-          <a:p>
-            <a:r>
-              <a:rPr lang="en-US" sz="1200" dirty="0" smtClean="0"/>
-              <a:t>FOSSID AB engineers </a:t>
-            </a:r>
-            <a:r>
-              <a:rPr lang="en-US" sz="1200" dirty="0"/>
-              <a:t>audit the target software without having access to the </a:t>
-            </a:r>
-            <a:r>
-              <a:rPr lang="en-US" sz="1200" dirty="0" smtClean="0"/>
-              <a:t>source code and using only the digital signatures.</a:t>
-            </a:r>
-            <a:endParaRPr lang="sv-SE" sz="1200" dirty="0"/>
-          </a:p>
-        </p:txBody>
-      </p:sp>
-      <p:sp>
-        <p:nvSpPr>
-          <p:cNvPr id="59" name="TextBox 58"/>
-          <p:cNvSpPr txBox="1"/>
-          <p:nvPr/>
-        </p:nvSpPr>
-        <p:spPr>
-          <a:xfrm>
-            <a:off x="1404889" y="3188951"/>
-            <a:ext cx="2397260" cy="292388"/>
-          </a:xfrm>
-          <a:prstGeom prst="rect">
-            <a:avLst/>
-          </a:prstGeom>
-          <a:noFill/>
-        </p:spPr>
-        <p:txBody>
-          <a:bodyPr wrap="square" rtlCol="0">
-            <a:spAutoFit/>
-          </a:bodyPr>
-          <a:lstStyle/>
-          <a:p>
-            <a:pPr algn="ctr"/>
-            <a:r>
-              <a:rPr lang="sv-SE" sz="1300" b="1" dirty="0"/>
-              <a:t>Blind Audit</a:t>
-            </a:r>
-          </a:p>
-        </p:txBody>
-      </p:sp>
-      <p:sp>
-        <p:nvSpPr>
-          <p:cNvPr id="60" name="TextBox 59"/>
-          <p:cNvSpPr txBox="1"/>
-          <p:nvPr/>
-        </p:nvSpPr>
-        <p:spPr>
-          <a:xfrm>
-            <a:off x="4213301" y="3397307"/>
-            <a:ext cx="2593264" cy="830997"/>
-          </a:xfrm>
-          <a:prstGeom prst="rect">
-            <a:avLst/>
-          </a:prstGeom>
-          <a:noFill/>
-        </p:spPr>
-        <p:txBody>
-          <a:bodyPr wrap="square" rtlCol="0">
-            <a:spAutoFit/>
-          </a:bodyPr>
-          <a:lstStyle/>
-          <a:p>
-            <a:r>
-              <a:rPr lang="en-US" sz="1200" dirty="0" smtClean="0"/>
-              <a:t>FOSSID AB will use the collection of digital signature to search their open source database looking for matches to </a:t>
-            </a:r>
-            <a:r>
-              <a:rPr lang="en-US" sz="1200" dirty="0"/>
-              <a:t>open source files and snippets.</a:t>
-            </a:r>
-            <a:endParaRPr lang="sv-SE" sz="1200" dirty="0"/>
-          </a:p>
-        </p:txBody>
-      </p:sp>
-      <p:sp>
-        <p:nvSpPr>
-          <p:cNvPr id="61" name="TextBox 60"/>
-          <p:cNvSpPr txBox="1"/>
-          <p:nvPr/>
-        </p:nvSpPr>
-        <p:spPr>
-          <a:xfrm>
-            <a:off x="4229032" y="3193739"/>
-            <a:ext cx="2397260" cy="292388"/>
-          </a:xfrm>
-          <a:prstGeom prst="rect">
-            <a:avLst/>
-          </a:prstGeom>
-          <a:noFill/>
-        </p:spPr>
-        <p:txBody>
-          <a:bodyPr wrap="square" rtlCol="0">
-            <a:spAutoFit/>
-          </a:bodyPr>
-          <a:lstStyle/>
-          <a:p>
-            <a:pPr algn="ctr"/>
-            <a:r>
-              <a:rPr lang="sv-SE" sz="1300" b="1" dirty="0"/>
-              <a:t>Knowledge Base Comparison</a:t>
-            </a:r>
-          </a:p>
-        </p:txBody>
-      </p:sp>
-      <p:sp>
-        <p:nvSpPr>
-          <p:cNvPr id="62" name="TextBox 61"/>
-          <p:cNvSpPr txBox="1"/>
-          <p:nvPr/>
-        </p:nvSpPr>
-        <p:spPr>
-          <a:xfrm>
-            <a:off x="7177825" y="3396270"/>
-            <a:ext cx="2360073" cy="830997"/>
-          </a:xfrm>
-          <a:prstGeom prst="rect">
-            <a:avLst/>
-          </a:prstGeom>
-          <a:noFill/>
-        </p:spPr>
-        <p:txBody>
-          <a:bodyPr wrap="square" rtlCol="0">
-            <a:spAutoFit/>
-          </a:bodyPr>
-          <a:lstStyle/>
-          <a:p>
-            <a:r>
-              <a:rPr lang="en-US" sz="1200" dirty="0"/>
-              <a:t>The collection of digital signatures is transferred securely over SSH to a dedicated server in FOSSID’s </a:t>
-            </a:r>
-            <a:r>
-              <a:rPr lang="en-US" sz="1200" dirty="0" smtClean="0"/>
-              <a:t>datacenter</a:t>
-            </a:r>
-            <a:r>
-              <a:rPr lang="en-US" sz="1200" dirty="0"/>
-              <a:t>.</a:t>
-            </a:r>
-            <a:endParaRPr lang="sv-SE" sz="1200" dirty="0"/>
-          </a:p>
-        </p:txBody>
-      </p:sp>
-      <p:sp>
-        <p:nvSpPr>
-          <p:cNvPr id="63" name="TextBox 62"/>
-          <p:cNvSpPr txBox="1"/>
-          <p:nvPr/>
-        </p:nvSpPr>
-        <p:spPr>
-          <a:xfrm>
-            <a:off x="7159232" y="3189419"/>
-            <a:ext cx="2397260" cy="292388"/>
-          </a:xfrm>
-          <a:prstGeom prst="rect">
-            <a:avLst/>
-          </a:prstGeom>
-          <a:noFill/>
-        </p:spPr>
-        <p:txBody>
-          <a:bodyPr wrap="square" rtlCol="0">
-            <a:spAutoFit/>
-          </a:bodyPr>
-          <a:lstStyle/>
-          <a:p>
-            <a:pPr algn="ctr"/>
-            <a:r>
-              <a:rPr lang="sv-SE" sz="1300" b="1" dirty="0"/>
-              <a:t>Secure Transfer</a:t>
-            </a:r>
-          </a:p>
-        </p:txBody>
-      </p:sp>
       <p:pic>
         <p:nvPicPr>
-          <p:cNvPr id="68" name="Picture 67"/>
+          <p:cNvPr id="94" name="Picture 93"/>
           <p:cNvPicPr>
             <a:picLocks noChangeAspect="1"/>
           </p:cNvPicPr>
@@ -16750,8 +20576,8 @@
         </p:blipFill>
         <p:spPr>
           <a:xfrm>
-            <a:off x="8049332" y="2355201"/>
-            <a:ext cx="572429" cy="782618"/>
+            <a:off x="7210738" y="465346"/>
+            <a:ext cx="325707" cy="325707"/>
           </a:xfrm>
           <a:prstGeom prst="rect">
             <a:avLst/>
@@ -16760,7 +20586,7 @@
       </p:pic>
       <p:pic>
         <p:nvPicPr>
-          <p:cNvPr id="69" name="Picture 68"/>
+          <p:cNvPr id="88" name="Picture 87"/>
           <p:cNvPicPr>
             <a:picLocks noChangeAspect="1"/>
           </p:cNvPicPr>
@@ -16773,171 +20599,18 @@
           </a:stretch>
         </p:blipFill>
         <p:spPr>
-          <a:xfrm>
-            <a:off x="7939837" y="2528975"/>
-            <a:ext cx="395709" cy="358965"/>
+          <a:xfrm rot="2749760">
+            <a:off x="6912477" y="596873"/>
+            <a:ext cx="377309" cy="342273"/>
           </a:xfrm>
           <a:prstGeom prst="rect">
             <a:avLst/>
           </a:prstGeom>
         </p:spPr>
       </p:pic>
-      <p:sp>
-        <p:nvSpPr>
-          <p:cNvPr id="71" name="TextBox 70"/>
-          <p:cNvSpPr txBox="1"/>
-          <p:nvPr/>
-        </p:nvSpPr>
-        <p:spPr>
-          <a:xfrm>
-            <a:off x="1384840" y="5540725"/>
-            <a:ext cx="2452993" cy="830997"/>
-          </a:xfrm>
-          <a:prstGeom prst="rect">
-            <a:avLst/>
-          </a:prstGeom>
-          <a:noFill/>
-        </p:spPr>
-        <p:txBody>
-          <a:bodyPr wrap="square" rtlCol="0">
-            <a:spAutoFit/>
-          </a:bodyPr>
-          <a:lstStyle/>
-          <a:p>
-            <a:r>
-              <a:rPr lang="en-US" sz="1200" dirty="0"/>
-              <a:t>Once the audit is </a:t>
-            </a:r>
-            <a:r>
-              <a:rPr lang="en-US" sz="1200" dirty="0" smtClean="0"/>
-              <a:t>completed, reports </a:t>
-            </a:r>
-            <a:r>
-              <a:rPr lang="en-US" sz="1200" dirty="0"/>
-              <a:t>are sent to the target company for </a:t>
-            </a:r>
-            <a:r>
-              <a:rPr lang="en-US" sz="1200" dirty="0" smtClean="0"/>
-              <a:t>review before </a:t>
-            </a:r>
-            <a:r>
-              <a:rPr lang="en-US" sz="1200" dirty="0"/>
-              <a:t>they are shared with the </a:t>
-            </a:r>
-            <a:r>
-              <a:rPr lang="en-US" sz="1200" dirty="0" smtClean="0"/>
-              <a:t>potential acquirer.</a:t>
-            </a:r>
-            <a:endParaRPr lang="sv-SE" sz="1200" dirty="0"/>
-          </a:p>
-        </p:txBody>
-      </p:sp>
-      <p:sp>
-        <p:nvSpPr>
-          <p:cNvPr id="72" name="TextBox 71"/>
-          <p:cNvSpPr txBox="1"/>
-          <p:nvPr/>
-        </p:nvSpPr>
-        <p:spPr>
-          <a:xfrm>
-            <a:off x="1398481" y="5286990"/>
-            <a:ext cx="2397260" cy="292388"/>
-          </a:xfrm>
-          <a:prstGeom prst="rect">
-            <a:avLst/>
-          </a:prstGeom>
-          <a:noFill/>
-        </p:spPr>
-        <p:txBody>
-          <a:bodyPr wrap="square" rtlCol="0">
-            <a:spAutoFit/>
-          </a:bodyPr>
-          <a:lstStyle/>
-          <a:p>
-            <a:pPr algn="ctr"/>
-            <a:r>
-              <a:rPr lang="sv-SE" sz="1300" b="1" dirty="0"/>
-              <a:t>Approval Request</a:t>
-            </a:r>
-          </a:p>
-        </p:txBody>
-      </p:sp>
-      <p:sp>
-        <p:nvSpPr>
-          <p:cNvPr id="73" name="TextBox 72"/>
-          <p:cNvSpPr txBox="1"/>
-          <p:nvPr/>
-        </p:nvSpPr>
-        <p:spPr>
-          <a:xfrm>
-            <a:off x="7236098" y="5540724"/>
-            <a:ext cx="2277107" cy="646331"/>
-          </a:xfrm>
-          <a:prstGeom prst="rect">
-            <a:avLst/>
-          </a:prstGeom>
-          <a:noFill/>
-        </p:spPr>
-        <p:txBody>
-          <a:bodyPr wrap="square" rtlCol="0">
-            <a:spAutoFit/>
-          </a:bodyPr>
-          <a:lstStyle/>
-          <a:p>
-            <a:r>
-              <a:rPr lang="en-US" sz="1200" dirty="0" smtClean="0"/>
-              <a:t>A final call </a:t>
-            </a:r>
-            <a:r>
-              <a:rPr lang="en-US" sz="1200" dirty="0"/>
-              <a:t>takes place to present </a:t>
-            </a:r>
-            <a:r>
-              <a:rPr lang="en-US" sz="1200" dirty="0" smtClean="0"/>
-              <a:t>the audit results to the potential buyer and address any questions.</a:t>
-            </a:r>
-            <a:endParaRPr lang="sv-SE" sz="1200" dirty="0"/>
-          </a:p>
-        </p:txBody>
-      </p:sp>
-      <p:sp>
-        <p:nvSpPr>
-          <p:cNvPr id="74" name="TextBox 73"/>
-          <p:cNvSpPr txBox="1"/>
-          <p:nvPr/>
-        </p:nvSpPr>
-        <p:spPr>
-          <a:xfrm>
-            <a:off x="7507587" y="5303899"/>
-            <a:ext cx="1707022" cy="292388"/>
-          </a:xfrm>
-          <a:prstGeom prst="rect">
-            <a:avLst/>
-          </a:prstGeom>
-          <a:noFill/>
-        </p:spPr>
-        <p:txBody>
-          <a:bodyPr wrap="square" rtlCol="0">
-            <a:spAutoFit/>
-          </a:bodyPr>
-          <a:lstStyle/>
-          <a:p>
-            <a:pPr algn="ctr"/>
-            <a:r>
-              <a:rPr lang="sv-SE" sz="1300" b="1" dirty="0"/>
-              <a:t>Final </a:t>
-            </a:r>
-            <a:r>
-              <a:rPr lang="sv-SE" sz="1300" b="1" dirty="0" smtClean="0"/>
-              <a:t>call</a:t>
-            </a:r>
-            <a:endParaRPr lang="sv-SE" sz="1300" b="1" dirty="0"/>
-          </a:p>
-        </p:txBody>
-      </p:sp>
       <p:pic>
         <p:nvPicPr>
-          <p:cNvPr id="76" name="Picture 75"/>
+          <p:cNvPr id="48" name="Picture 47"/>
           <p:cNvPicPr>
             <a:picLocks noChangeAspect="1"/>
           </p:cNvPicPr>
@@ -16957,54 +20630,24 @@
         </p:blipFill>
         <p:spPr>
           <a:xfrm>
-            <a:off x="5194020" y="4486206"/>
-            <a:ext cx="721526" cy="721526"/>
+            <a:off x="6816845" y="2456549"/>
+            <a:ext cx="761204" cy="761204"/>
           </a:xfrm>
           <a:prstGeom prst="rect">
             <a:avLst/>
           </a:prstGeom>
         </p:spPr>
       </p:pic>
-      <p:pic>
-        <p:nvPicPr>
-          <p:cNvPr id="77" name="Picture 76"/>
-          <p:cNvPicPr>
-            <a:picLocks noChangeAspect="1"/>
-          </p:cNvPicPr>
-          <p:nvPr/>
-        </p:nvPicPr>
-        <p:blipFill>
-          <a:blip r:embed="rId9" cstate="print">
-            <a:extLst>
-              <a:ext uri="{28A0092B-C50C-407E-A947-70E740481C1C}">
-                <a14:useLocalDpi xmlns:a14="http://schemas.microsoft.com/office/drawing/2010/main" val="0"/>
-              </a:ext>
-            </a:extLst>
-          </a:blip>
-          <a:stretch>
-            <a:fillRect/>
-          </a:stretch>
-        </p:blipFill>
-        <p:spPr>
-          <a:xfrm>
-            <a:off x="5452827" y="4404330"/>
-            <a:ext cx="402709" cy="402709"/>
-          </a:xfrm>
-          <a:prstGeom prst="rect">
-            <a:avLst/>
-          </a:prstGeom>
-        </p:spPr>
-      </p:pic>
-      <p:sp>
-        <p:nvSpPr>
-          <p:cNvPr id="79" name="TextBox 78"/>
+      <p:sp>
+        <p:nvSpPr>
+          <p:cNvPr id="53" name="TextBox 52"/>
           <p:cNvSpPr txBox="1"/>
           <p:nvPr/>
         </p:nvSpPr>
         <p:spPr>
           <a:xfrm>
-            <a:off x="4371940" y="5540725"/>
-            <a:ext cx="2527676" cy="1015663"/>
+            <a:off x="6336386" y="3241240"/>
+            <a:ext cx="1797945" cy="276999"/>
           </a:xfrm>
           <a:prstGeom prst="rect">
             <a:avLst/>
@@ -17015,54 +20658,37 @@
           <a:bodyPr wrap="square" rtlCol="0">
             <a:spAutoFit/>
           </a:bodyPr>
-          <a:lstStyle/>
-          <a:p>
-            <a:r>
-              <a:rPr lang="en-US" sz="1200" dirty="0"/>
-              <a:t>After the </a:t>
-            </a:r>
-            <a:r>
-              <a:rPr lang="en-US" sz="1200" dirty="0" smtClean="0"/>
-              <a:t>review with target company, final </a:t>
-            </a:r>
-            <a:r>
-              <a:rPr lang="en-US" sz="1200" dirty="0"/>
-              <a:t>reports </a:t>
-            </a:r>
-            <a:r>
-              <a:rPr lang="en-US" sz="1200" dirty="0" smtClean="0"/>
-              <a:t>are delivered to </a:t>
-            </a:r>
-            <a:r>
-              <a:rPr lang="en-US" sz="1200" dirty="0"/>
-              <a:t>the potential </a:t>
-            </a:r>
-            <a:r>
-              <a:rPr lang="en-US" sz="1200" dirty="0" smtClean="0"/>
-              <a:t>buyer, including the </a:t>
-            </a:r>
-            <a:r>
-              <a:rPr lang="en-US" sz="1200" dirty="0"/>
-              <a:t>Bill of Materials, SPDX, </a:t>
-            </a:r>
-            <a:r>
-              <a:rPr lang="en-US" sz="1200" dirty="0" smtClean="0"/>
-              <a:t>and the executive summary.</a:t>
-            </a:r>
-            <a:endParaRPr lang="sv-SE" sz="1200" dirty="0"/>
-          </a:p>
-        </p:txBody>
-      </p:sp>
-      <p:sp>
-        <p:nvSpPr>
-          <p:cNvPr id="80" name="TextBox 79"/>
+          <a:lstStyle>
+            <a:defPPr>
+              <a:defRPr lang="sv-SE"/>
+            </a:defPPr>
+            <a:lvl1pPr algn="ctr">
+              <a:defRPr sz="1200" b="1">
+                <a:latin typeface="メイリオ" panose="020B0604030504040204" pitchFamily="50" charset="-128"/>
+                <a:ea typeface="メイリオ" panose="020B0604030504040204" pitchFamily="50" charset="-128"/>
+                <a:cs typeface="メイリオ" panose="020B0604030504040204" pitchFamily="50" charset="-128"/>
+              </a:defRPr>
+            </a:lvl1pPr>
+          </a:lstStyle>
+          <a:p>
+            <a:r>
+              <a:rPr lang="ja-JP" altLang="en-US" dirty="0" smtClean="0"/>
+              <a:t>監査の実行</a:t>
+            </a:r>
+            <a:endParaRPr lang="sv-SE" dirty="0"/>
+          </a:p>
+        </p:txBody>
+      </p:sp>
+      <p:sp>
+        <p:nvSpPr>
+          <p:cNvPr id="64" name="TextBox 63"/>
           <p:cNvSpPr txBox="1"/>
           <p:nvPr/>
         </p:nvSpPr>
         <p:spPr>
           <a:xfrm>
-            <a:off x="4317289" y="5286990"/>
-            <a:ext cx="2397260" cy="292388"/>
+            <a:off x="5759364" y="3467762"/>
+            <a:ext cx="3173660" cy="784830"/>
           </a:xfrm>
           <a:prstGeom prst="rect">
             <a:avLst/>
@@ -17073,101 +20699,106 @@
           <a:bodyPr wrap="square" rtlCol="0">
             <a:spAutoFit/>
           </a:bodyPr>
+          <a:lstStyle>
+            <a:defPPr>
+              <a:defRPr lang="sv-SE"/>
+            </a:defPPr>
+            <a:lvl1pPr>
+              <a:defRPr sz="1100">
+                <a:latin typeface="メイリオ" panose="020B0604030504040204" pitchFamily="50" charset="-128"/>
+                <a:ea typeface="メイリオ" panose="020B0604030504040204" pitchFamily="50" charset="-128"/>
+                <a:cs typeface="メイリオ" panose="020B0604030504040204" pitchFamily="50" charset="-128"/>
+              </a:defRPr>
+            </a:lvl1pPr>
+          </a:lstStyle>
+          <a:p>
+            <a:r>
+              <a:rPr lang="ja-JP" altLang="en-US" dirty="0"/>
+              <a:t>監査人はコードベースに対し監査を実施します。彼らは、オープンソースでない、コンポーネントから、オープンソースのコンポーネント、スニペットの起源やライセンスを特定します</a:t>
+            </a:r>
+            <a:r>
+              <a:rPr lang="en-US" altLang="ja-JP" dirty="0">
+                <a:solidFill>
+                  <a:srgbClr val="FF0000"/>
+                </a:solidFill>
+              </a:rPr>
+              <a:t>* </a:t>
+            </a:r>
+            <a:r>
+              <a:rPr lang="ja-JP" altLang="en-US" dirty="0" err="1"/>
+              <a:t>。</a:t>
+            </a:r>
+            <a:endParaRPr lang="sv-SE" dirty="0"/>
+          </a:p>
+        </p:txBody>
+      </p:sp>
+      <p:sp>
+        <p:nvSpPr>
+          <p:cNvPr id="66" name="Arc 65"/>
+          <p:cNvSpPr/>
+          <p:nvPr/>
+        </p:nvSpPr>
+        <p:spPr>
+          <a:xfrm rot="10800000">
+            <a:off x="2451029" y="4433911"/>
+            <a:ext cx="590769" cy="1057212"/>
+          </a:xfrm>
+          <a:prstGeom prst="arc">
+            <a:avLst/>
+          </a:prstGeom>
+          <a:ln w="19050">
+            <a:solidFill>
+              <a:schemeClr val="tx1"/>
+            </a:solidFill>
+          </a:ln>
+        </p:spPr>
+        <p:style>
+          <a:lnRef idx="1">
+            <a:schemeClr val="accent1"/>
+          </a:lnRef>
+          <a:fillRef idx="0">
+            <a:schemeClr val="accent1"/>
+          </a:fillRef>
+          <a:effectRef idx="0">
+            <a:schemeClr val="accent1"/>
+          </a:effectRef>
+          <a:fontRef idx="minor">
+            <a:schemeClr val="tx1"/>
+          </a:fontRef>
+        </p:style>
+        <p:txBody>
+          <a:bodyPr rtlCol="0" anchor="ctr"/>
           <a:lstStyle/>
           <a:p>
             <a:pPr algn="ctr"/>
-            <a:r>
-              <a:rPr lang="sv-SE" sz="1300" b="1" dirty="0" smtClean="0"/>
-              <a:t>Delivery of Reports</a:t>
-            </a:r>
-            <a:endParaRPr lang="sv-SE" sz="1300" b="1" dirty="0"/>
-          </a:p>
-        </p:txBody>
-      </p:sp>
-      <p:pic>
-        <p:nvPicPr>
-          <p:cNvPr id="9" name="Picture 8"/>
-          <p:cNvPicPr>
-            <a:picLocks noChangeAspect="1"/>
-          </p:cNvPicPr>
-          <p:nvPr/>
-        </p:nvPicPr>
-        <p:blipFill>
-          <a:blip r:embed="rId8" cstate="print">
-            <a:extLst>
-              <a:ext uri="{28A0092B-C50C-407E-A947-70E740481C1C}">
-                <a14:useLocalDpi xmlns:a14="http://schemas.microsoft.com/office/drawing/2010/main" val="0"/>
-              </a:ext>
-            </a:extLst>
-          </a:blip>
-          <a:stretch>
-            <a:fillRect/>
-          </a:stretch>
-        </p:blipFill>
-        <p:spPr>
-          <a:xfrm>
-            <a:off x="2390836" y="4613726"/>
-            <a:ext cx="435676" cy="435676"/>
-          </a:xfrm>
-          <a:prstGeom prst="rect">
-            <a:avLst/>
-          </a:prstGeom>
-        </p:spPr>
-      </p:pic>
-      <p:pic>
-        <p:nvPicPr>
-          <p:cNvPr id="46" name="Picture 45"/>
-          <p:cNvPicPr>
-            <a:picLocks noChangeAspect="1"/>
-          </p:cNvPicPr>
-          <p:nvPr/>
-        </p:nvPicPr>
-        <p:blipFill>
-          <a:blip r:embed="rId10" cstate="print">
-            <a:extLst>
-              <a:ext uri="{28A0092B-C50C-407E-A947-70E740481C1C}">
-                <a14:useLocalDpi xmlns:a14="http://schemas.microsoft.com/office/drawing/2010/main" val="0"/>
-              </a:ext>
-            </a:extLst>
-          </a:blip>
-          <a:stretch>
-            <a:fillRect/>
-          </a:stretch>
-        </p:blipFill>
-        <p:spPr>
-          <a:xfrm>
-            <a:off x="2222213" y="4486206"/>
-            <a:ext cx="738210" cy="738210"/>
-          </a:xfrm>
-          <a:prstGeom prst="rect">
-            <a:avLst/>
-          </a:prstGeom>
-        </p:spPr>
-      </p:pic>
+            <a:endParaRPr lang="en-US"/>
+          </a:p>
+        </p:txBody>
+      </p:sp>
       <p:grpSp>
         <p:nvGrpSpPr>
-          <p:cNvPr id="7" name="Group 6"/>
+          <p:cNvPr id="4" name="Group 3"/>
           <p:cNvGrpSpPr/>
           <p:nvPr/>
         </p:nvGrpSpPr>
         <p:grpSpPr>
           <a:xfrm>
-            <a:off x="7507587" y="420311"/>
-            <a:ext cx="814966" cy="696565"/>
-            <a:chOff x="7738484" y="171095"/>
-            <a:chExt cx="956273" cy="804821"/>
+            <a:off x="3573261" y="2455321"/>
+            <a:ext cx="711813" cy="657309"/>
+            <a:chOff x="4552630" y="2268979"/>
+            <a:chExt cx="788638" cy="798292"/>
           </a:xfrm>
         </p:grpSpPr>
         <p:pic>
           <p:nvPicPr>
-            <p:cNvPr id="19" name="Picture 18"/>
+            <p:cNvPr id="67" name="Picture 66"/>
             <p:cNvPicPr>
               <a:picLocks noChangeAspect="1"/>
             </p:cNvPicPr>
             <p:nvPr/>
           </p:nvPicPr>
           <p:blipFill>
-            <a:blip r:embed="rId11" cstate="print">
+            <a:blip r:embed="rId9" cstate="print">
               <a:extLst>
                 <a:ext uri="{28A0092B-C50C-407E-A947-70E740481C1C}">
                   <a14:useLocalDpi xmlns:a14="http://schemas.microsoft.com/office/drawing/2010/main" val="0"/>
@@ -17180,8 +20811,8 @@
           </p:blipFill>
           <p:spPr>
             <a:xfrm>
-              <a:off x="7738484" y="177337"/>
-              <a:ext cx="798579" cy="798579"/>
+              <a:off x="4552630" y="2345745"/>
+              <a:ext cx="721526" cy="721526"/>
             </a:xfrm>
             <a:prstGeom prst="rect">
               <a:avLst/>
@@ -17190,14 +20821,14 @@
         </p:pic>
         <p:pic>
           <p:nvPicPr>
-            <p:cNvPr id="25" name="Picture 24"/>
+            <p:cNvPr id="68" name="Picture 67"/>
             <p:cNvPicPr>
               <a:picLocks noChangeAspect="1"/>
             </p:cNvPicPr>
             <p:nvPr/>
           </p:nvPicPr>
           <p:blipFill>
-            <a:blip r:embed="rId12" cstate="print">
+            <a:blip r:embed="rId10" cstate="print">
               <a:extLst>
                 <a:ext uri="{28A0092B-C50C-407E-A947-70E740481C1C}">
                   <a14:useLocalDpi xmlns:a14="http://schemas.microsoft.com/office/drawing/2010/main" val="0"/>
@@ -17210,38 +20841,8 @@
           </p:blipFill>
           <p:spPr>
             <a:xfrm>
-              <a:off x="7849616" y="263154"/>
-              <a:ext cx="566469" cy="566469"/>
-            </a:xfrm>
-            <a:prstGeom prst="rect">
-              <a:avLst/>
-            </a:prstGeom>
-          </p:spPr>
-        </p:pic>
-        <p:pic>
-          <p:nvPicPr>
-            <p:cNvPr id="48" name="Picture 47"/>
-            <p:cNvPicPr>
-              <a:picLocks noChangeAspect="1"/>
-            </p:cNvPicPr>
-            <p:nvPr/>
-          </p:nvPicPr>
-          <p:blipFill>
-            <a:blip r:embed="rId13" cstate="print">
-              <a:extLst>
-                <a:ext uri="{28A0092B-C50C-407E-A947-70E740481C1C}">
-                  <a14:useLocalDpi xmlns:a14="http://schemas.microsoft.com/office/drawing/2010/main" val="0"/>
-                </a:ext>
-              </a:extLst>
-            </a:blip>
-            <a:stretch>
-              <a:fillRect/>
-            </a:stretch>
-          </p:blipFill>
-          <p:spPr>
-            <a:xfrm>
-              <a:off x="8220291" y="171095"/>
-              <a:ext cx="474466" cy="474466"/>
+              <a:off x="4938559" y="2268979"/>
+              <a:ext cx="402709" cy="402709"/>
             </a:xfrm>
             <a:prstGeom prst="rect">
               <a:avLst/>
@@ -17251,14 +20852,14 @@
       </p:grpSp>
       <p:pic>
         <p:nvPicPr>
-          <p:cNvPr id="5" name="Picture 4"/>
+          <p:cNvPr id="74" name="Picture 73"/>
           <p:cNvPicPr>
             <a:picLocks noChangeAspect="1"/>
           </p:cNvPicPr>
           <p:nvPr/>
         </p:nvPicPr>
         <p:blipFill>
-          <a:blip r:embed="rId14" cstate="print">
+          <a:blip r:embed="rId11" cstate="print">
             <a:extLst>
               <a:ext uri="{28A0092B-C50C-407E-A947-70E740481C1C}">
                 <a14:useLocalDpi xmlns:a14="http://schemas.microsoft.com/office/drawing/2010/main" val="0"/>
@@ -17271,17 +20872,215 @@
         </p:blipFill>
         <p:spPr>
           <a:xfrm>
-            <a:off x="5124017" y="2401022"/>
-            <a:ext cx="732067" cy="732067"/>
+            <a:off x="3680976" y="4821479"/>
+            <a:ext cx="570655" cy="570655"/>
           </a:xfrm>
           <a:prstGeom prst="rect">
             <a:avLst/>
           </a:prstGeom>
         </p:spPr>
       </p:pic>
+      <p:sp>
+        <p:nvSpPr>
+          <p:cNvPr id="21" name="Rounded Rectangle 20"/>
+          <p:cNvSpPr/>
+          <p:nvPr/>
+        </p:nvSpPr>
+        <p:spPr>
+          <a:xfrm>
+            <a:off x="2021718" y="869547"/>
+            <a:ext cx="738466" cy="566057"/>
+          </a:xfrm>
+          <a:prstGeom prst="roundRect">
+            <a:avLst/>
+          </a:prstGeom>
+          <a:ln w="28575">
+            <a:solidFill>
+              <a:srgbClr val="2CA4F2"/>
+            </a:solidFill>
+          </a:ln>
+        </p:spPr>
+        <p:style>
+          <a:lnRef idx="2">
+            <a:schemeClr val="accent1"/>
+          </a:lnRef>
+          <a:fillRef idx="1">
+            <a:schemeClr val="lt1"/>
+          </a:fillRef>
+          <a:effectRef idx="0">
+            <a:schemeClr val="accent1"/>
+          </a:effectRef>
+          <a:fontRef idx="minor">
+            <a:schemeClr val="dk1"/>
+          </a:fontRef>
+        </p:style>
+        <p:txBody>
+          <a:bodyPr rtlCol="0" anchor="ctr"/>
+          <a:lstStyle/>
+          <a:p>
+            <a:pPr algn="ctr"/>
+            <a:r>
+              <a:rPr lang="ja-JP" altLang="en-US" sz="1400" b="1" dirty="0">
+                <a:solidFill>
+                  <a:schemeClr val="dk1"/>
+                </a:solidFill>
+                <a:latin typeface="メイリオ" panose="020B0604030504040204" pitchFamily="50" charset="-128"/>
+                <a:ea typeface="メイリオ" panose="020B0604030504040204" pitchFamily="50" charset="-128"/>
+                <a:cs typeface="メイリオ" panose="020B0604030504040204" pitchFamily="50" charset="-128"/>
+              </a:rPr>
+              <a:t>開始</a:t>
+            </a:r>
+            <a:endParaRPr lang="en-US" sz="1400" b="1" dirty="0">
+              <a:solidFill>
+                <a:schemeClr val="dk1"/>
+              </a:solidFill>
+              <a:latin typeface="メイリオ" panose="020B0604030504040204" pitchFamily="50" charset="-128"/>
+              <a:ea typeface="メイリオ" panose="020B0604030504040204" pitchFamily="50" charset="-128"/>
+              <a:cs typeface="メイリオ" panose="020B0604030504040204" pitchFamily="50" charset="-128"/>
+            </a:endParaRPr>
+          </a:p>
+        </p:txBody>
+      </p:sp>
       <p:pic>
         <p:nvPicPr>
-          <p:cNvPr id="35" name="Picture 34"/>
+          <p:cNvPr id="32" name="Picture 2" descr="http://carrot-top.com/media/catalog/product/cache/1/image/9df78eab33525d08d6e5fb8d27136e95/a/s/as150_checkered.jpg"/>
+          <p:cNvPicPr>
+            <a:picLocks noChangeAspect="1" noChangeArrowheads="1"/>
+          </p:cNvPicPr>
+          <p:nvPr/>
+        </p:nvPicPr>
+        <p:blipFill>
+          <a:blip r:embed="rId12" cstate="print">
+            <a:extLst>
+              <a:ext uri="{28A0092B-C50C-407E-A947-70E740481C1C}">
+                <a14:useLocalDpi xmlns:a14="http://schemas.microsoft.com/office/drawing/2010/main" val="0"/>
+              </a:ext>
+            </a:extLst>
+          </a:blip>
+          <a:srcRect/>
+          <a:stretch>
+            <a:fillRect/>
+          </a:stretch>
+        </p:blipFill>
+        <p:spPr bwMode="auto">
+          <a:xfrm>
+            <a:off x="5523415" y="4535578"/>
+            <a:ext cx="740229" cy="740229"/>
+          </a:xfrm>
+          <a:prstGeom prst="rect">
+            <a:avLst/>
+          </a:prstGeom>
+          <a:noFill/>
+          <a:extLst>
+            <a:ext uri="{909E8E84-426E-40DD-AFC4-6F175D3DCCD1}">
+              <a14:hiddenFill xmlns:a14="http://schemas.microsoft.com/office/drawing/2010/main">
+                <a:solidFill>
+                  <a:srgbClr val="FFFFFF"/>
+                </a:solidFill>
+              </a14:hiddenFill>
+            </a:ext>
+          </a:extLst>
+        </p:spPr>
+      </p:pic>
+      <p:sp>
+        <p:nvSpPr>
+          <p:cNvPr id="33" name="Isosceles Triangle 32"/>
+          <p:cNvSpPr/>
+          <p:nvPr/>
+        </p:nvSpPr>
+        <p:spPr>
+          <a:xfrm rot="10800000">
+            <a:off x="8737080" y="2018970"/>
+            <a:ext cx="391886" cy="393374"/>
+          </a:xfrm>
+          <a:prstGeom prst="triangle">
+            <a:avLst/>
+          </a:prstGeom>
+          <a:solidFill>
+            <a:srgbClr val="2CA4F2"/>
+          </a:solidFill>
+          <a:ln w="28575">
+            <a:solidFill>
+              <a:schemeClr val="tx1"/>
+            </a:solidFill>
+          </a:ln>
+        </p:spPr>
+        <p:style>
+          <a:lnRef idx="2">
+            <a:schemeClr val="accent1">
+              <a:shade val="50000"/>
+            </a:schemeClr>
+          </a:lnRef>
+          <a:fillRef idx="1">
+            <a:schemeClr val="accent1"/>
+          </a:fillRef>
+          <a:effectRef idx="0">
+            <a:schemeClr val="accent1"/>
+          </a:effectRef>
+          <a:fontRef idx="minor">
+            <a:schemeClr val="lt1"/>
+          </a:fontRef>
+        </p:style>
+        <p:txBody>
+          <a:bodyPr rtlCol="0" anchor="ctr"/>
+          <a:lstStyle/>
+          <a:p>
+            <a:pPr algn="ctr"/>
+            <a:endParaRPr lang="en-US"/>
+          </a:p>
+        </p:txBody>
+      </p:sp>
+      <p:sp>
+        <p:nvSpPr>
+          <p:cNvPr id="35" name="Isosceles Triangle 34"/>
+          <p:cNvSpPr/>
+          <p:nvPr/>
+        </p:nvSpPr>
+        <p:spPr>
+          <a:xfrm rot="10800000">
+            <a:off x="2264017" y="4332186"/>
+            <a:ext cx="391886" cy="393374"/>
+          </a:xfrm>
+          <a:prstGeom prst="triangle">
+            <a:avLst/>
+          </a:prstGeom>
+          <a:solidFill>
+            <a:srgbClr val="2CA4F2"/>
+          </a:solidFill>
+          <a:ln w="28575">
+            <a:solidFill>
+              <a:schemeClr val="tx1"/>
+            </a:solidFill>
+          </a:ln>
+        </p:spPr>
+        <p:style>
+          <a:lnRef idx="2">
+            <a:schemeClr val="accent1">
+              <a:shade val="50000"/>
+            </a:schemeClr>
+          </a:lnRef>
+          <a:fillRef idx="1">
+            <a:schemeClr val="accent1"/>
+          </a:fillRef>
+          <a:effectRef idx="0">
+            <a:schemeClr val="accent1"/>
+          </a:effectRef>
+          <a:fontRef idx="minor">
+            <a:schemeClr val="lt1"/>
+          </a:fontRef>
+        </p:style>
+        <p:txBody>
+          <a:bodyPr rtlCol="0" anchor="ctr"/>
+          <a:lstStyle/>
+          <a:p>
+            <a:pPr algn="ctr"/>
+            <a:endParaRPr lang="en-US"/>
+          </a:p>
+        </p:txBody>
+      </p:sp>
+      <p:pic>
+        <p:nvPicPr>
+          <p:cNvPr id="36" name="Graphic 46"/>
           <p:cNvPicPr>
             <a:picLocks noChangeAspect="1"/>
           </p:cNvPicPr>
@@ -17293,6 +21092,9 @@
               <a:ext uri="{28A0092B-C50C-407E-A947-70E740481C1C}">
                 <a14:useLocalDpi xmlns:a14="http://schemas.microsoft.com/office/drawing/2010/main" val="0"/>
               </a:ext>
+              <a:ext uri="{96DAC541-7B7A-43D3-8B79-37D633B846F1}">
+                <asvg:svgBlip xmlns:asvg="http://schemas.microsoft.com/office/drawing/2016/SVG/main" xmlns="" r:embed="rId25"/>
+              </a:ext>
             </a:extLst>
           </a:blip>
           <a:stretch>
@@ -17301,30 +21103,136 @@
         </p:blipFill>
         <p:spPr>
           <a:xfrm>
-            <a:off x="4837802" y="2521541"/>
-            <a:ext cx="580645" cy="580645"/>
+            <a:off x="7061566" y="2890048"/>
+            <a:ext cx="271762" cy="271762"/>
           </a:xfrm>
           <a:prstGeom prst="rect">
             <a:avLst/>
           </a:prstGeom>
         </p:spPr>
       </p:pic>
-      <p:sp>
-        <p:nvSpPr>
-          <p:cNvPr id="47" name="Rounded Rectangle 46"/>
+      <p:cxnSp>
+        <p:nvCxnSpPr>
+          <p:cNvPr id="39" name="Straight Connector 38"/>
+          <p:cNvCxnSpPr>
+            <a:cxnSpLocks/>
+            <a:stCxn id="49" idx="1"/>
+          </p:cNvCxnSpPr>
+          <p:nvPr/>
+        </p:nvCxnSpPr>
+        <p:spPr>
+          <a:xfrm flipH="1">
+            <a:off x="2725707" y="5490410"/>
+            <a:ext cx="2797708" cy="0"/>
+          </a:xfrm>
+          <a:prstGeom prst="line">
+            <a:avLst/>
+          </a:prstGeom>
+          <a:ln w="19050">
+            <a:solidFill>
+              <a:schemeClr val="tx1"/>
+            </a:solidFill>
+          </a:ln>
+        </p:spPr>
+        <p:style>
+          <a:lnRef idx="1">
+            <a:schemeClr val="accent1"/>
+          </a:lnRef>
+          <a:fillRef idx="0">
+            <a:schemeClr val="accent1"/>
+          </a:fillRef>
+          <a:effectRef idx="0">
+            <a:schemeClr val="accent1"/>
+          </a:effectRef>
+          <a:fontRef idx="minor">
+            <a:schemeClr val="tx1"/>
+          </a:fontRef>
+        </p:style>
+      </p:cxnSp>
+      <p:sp>
+        <p:nvSpPr>
+          <p:cNvPr id="42" name="TextBox 41"/>
+          <p:cNvSpPr txBox="1"/>
+          <p:nvPr/>
+        </p:nvSpPr>
+        <p:spPr>
+          <a:xfrm>
+            <a:off x="6816845" y="5833683"/>
+            <a:ext cx="2116178" cy="530915"/>
+          </a:xfrm>
+          <a:prstGeom prst="rect">
+            <a:avLst/>
+          </a:prstGeom>
+          <a:noFill/>
+          <a:ln w="12700">
+            <a:solidFill>
+              <a:schemeClr val="tx1">
+                <a:lumMod val="50000"/>
+                <a:lumOff val="50000"/>
+              </a:schemeClr>
+            </a:solidFill>
+            <a:prstDash val="sysDash"/>
+          </a:ln>
+        </p:spPr>
+        <p:txBody>
+          <a:bodyPr wrap="square" rtlCol="0">
+            <a:spAutoFit/>
+          </a:bodyPr>
+          <a:lstStyle/>
+          <a:p>
+            <a:r>
+              <a:rPr lang="en-US" sz="1050" i="1" dirty="0" smtClean="0">
+                <a:solidFill>
+                  <a:srgbClr val="FF0000"/>
+                </a:solidFill>
+                <a:latin typeface="メイリオ" panose="020B0604030504040204" pitchFamily="50" charset="-128"/>
+                <a:ea typeface="メイリオ" panose="020B0604030504040204" pitchFamily="50" charset="-128"/>
+                <a:cs typeface="メイリオ" panose="020B0604030504040204" pitchFamily="50" charset="-128"/>
+              </a:rPr>
+              <a:t>*</a:t>
+            </a:r>
+            <a:r>
+              <a:rPr lang="en-US" sz="900" i="1" dirty="0" smtClean="0">
+                <a:solidFill>
+                  <a:srgbClr val="FF0000"/>
+                </a:solidFill>
+                <a:latin typeface="メイリオ" panose="020B0604030504040204" pitchFamily="50" charset="-128"/>
+                <a:ea typeface="メイリオ" panose="020B0604030504040204" pitchFamily="50" charset="-128"/>
+                <a:cs typeface="メイリオ" panose="020B0604030504040204" pitchFamily="50" charset="-128"/>
+              </a:rPr>
+              <a:t> </a:t>
+            </a:r>
+            <a:r>
+              <a:rPr lang="ja-JP" altLang="en-US" sz="900" i="1" dirty="0" smtClean="0">
+                <a:latin typeface="メイリオ" panose="020B0604030504040204" pitchFamily="50" charset="-128"/>
+                <a:ea typeface="メイリオ" panose="020B0604030504040204" pitchFamily="50" charset="-128"/>
+                <a:cs typeface="メイリオ" panose="020B0604030504040204" pitchFamily="50" charset="-128"/>
+              </a:rPr>
+              <a:t>監査人によって対応できないものがあります。監査サービスプロバイダに確認ください。</a:t>
+            </a:r>
+            <a:endParaRPr lang="en-US" sz="900" i="1" dirty="0" smtClean="0">
+              <a:latin typeface="メイリオ" panose="020B0604030504040204" pitchFamily="50" charset="-128"/>
+              <a:ea typeface="メイリオ" panose="020B0604030504040204" pitchFamily="50" charset="-128"/>
+              <a:cs typeface="メイリオ" panose="020B0604030504040204" pitchFamily="50" charset="-128"/>
+            </a:endParaRPr>
+          </a:p>
+        </p:txBody>
+      </p:sp>
+      <p:sp>
+        <p:nvSpPr>
+          <p:cNvPr id="49" name="Rounded Rectangle 48"/>
           <p:cNvSpPr/>
           <p:nvPr/>
         </p:nvSpPr>
         <p:spPr>
           <a:xfrm>
-            <a:off x="2892646" y="826232"/>
-            <a:ext cx="720529" cy="566057"/>
+            <a:off x="5523415" y="5207381"/>
+            <a:ext cx="602067" cy="566057"/>
           </a:xfrm>
           <a:prstGeom prst="roundRect">
             <a:avLst/>
           </a:prstGeom>
-          <a:noFill/>
-          <a:ln w="38100">
+          <a:ln w="28575">
             <a:solidFill>
               <a:srgbClr val="2CA4F2"/>
             </a:solidFill>
@@ -17332,18 +21240,16 @@
         </p:spPr>
         <p:style>
           <a:lnRef idx="2">
-            <a:schemeClr val="accent1">
-              <a:shade val="50000"/>
-            </a:schemeClr>
+            <a:schemeClr val="accent1"/>
           </a:lnRef>
           <a:fillRef idx="1">
-            <a:schemeClr val="accent1"/>
+            <a:schemeClr val="lt1"/>
           </a:fillRef>
           <a:effectRef idx="0">
             <a:schemeClr val="accent1"/>
           </a:effectRef>
           <a:fontRef idx="minor">
-            <a:schemeClr val="lt1"/>
+            <a:schemeClr val="dk1"/>
           </a:fontRef>
         </p:style>
         <p:txBody>
@@ -17352,224 +21258,355 @@
           <a:p>
             <a:pPr algn="ctr"/>
             <a:r>
-              <a:rPr lang="en-US" b="1" i="1" dirty="0" smtClean="0">
-                <a:solidFill>
-                  <a:schemeClr val="tx1"/>
-                </a:solidFill>
+              <a:rPr lang="ja-JP" altLang="en-US" sz="1400" b="1" dirty="0">
+                <a:latin typeface="メイリオ" panose="020B0604030504040204" pitchFamily="50" charset="-128"/>
+                <a:ea typeface="メイリオ" panose="020B0604030504040204" pitchFamily="50" charset="-128"/>
+                <a:cs typeface="メイリオ" panose="020B0604030504040204" pitchFamily="50" charset="-128"/>
               </a:rPr>
-              <a:t>Start</a:t>
-            </a:r>
-            <a:endParaRPr lang="en-US" b="1" i="1" dirty="0">
+              <a:t>終了</a:t>
+            </a:r>
+            <a:endParaRPr lang="en-US" sz="1400" b="1" dirty="0">
               <a:solidFill>
-                <a:schemeClr val="tx1"/>
+                <a:schemeClr val="dk1"/>
               </a:solidFill>
+              <a:latin typeface="メイリオ" panose="020B0604030504040204" pitchFamily="50" charset="-128"/>
+              <a:ea typeface="メイリオ" panose="020B0604030504040204" pitchFamily="50" charset="-128"/>
+              <a:cs typeface="メイリオ" panose="020B0604030504040204" pitchFamily="50" charset="-128"/>
             </a:endParaRPr>
           </a:p>
         </p:txBody>
       </p:sp>
       <p:sp>
         <p:nvSpPr>
-          <p:cNvPr id="51" name="Rounded Rectangle 50"/>
-          <p:cNvSpPr/>
-          <p:nvPr/>
-        </p:nvSpPr>
-        <p:spPr>
-          <a:xfrm>
-            <a:off x="9402688" y="4988672"/>
-            <a:ext cx="604960" cy="566057"/>
-          </a:xfrm>
-          <a:prstGeom prst="roundRect">
+          <p:cNvPr id="43" name="TextBox 39"/>
+          <p:cNvSpPr txBox="1"/>
+          <p:nvPr/>
+        </p:nvSpPr>
+        <p:spPr>
+          <a:xfrm>
+            <a:off x="2896935" y="1445670"/>
+            <a:ext cx="2485216" cy="600164"/>
+          </a:xfrm>
+          <a:prstGeom prst="rect">
             <a:avLst/>
           </a:prstGeom>
           <a:noFill/>
-          <a:ln w="38100">
-            <a:solidFill>
-              <a:srgbClr val="2CA4F2"/>
-            </a:solidFill>
-          </a:ln>
-        </p:spPr>
-        <p:style>
-          <a:lnRef idx="2">
-            <a:schemeClr val="accent1">
-              <a:shade val="50000"/>
-            </a:schemeClr>
-          </a:lnRef>
-          <a:fillRef idx="1">
-            <a:schemeClr val="accent1"/>
-          </a:fillRef>
-          <a:effectRef idx="0">
-            <a:schemeClr val="accent1"/>
-          </a:effectRef>
-          <a:fontRef idx="minor">
-            <a:schemeClr val="lt1"/>
-          </a:fontRef>
-        </p:style>
-        <p:txBody>
-          <a:bodyPr rtlCol="0" anchor="ctr"/>
+        </p:spPr>
+        <p:txBody>
+          <a:bodyPr wrap="square" rtlCol="0">
+            <a:spAutoFit/>
+          </a:bodyPr>
           <a:lstStyle/>
           <a:p>
+            <a:r>
+              <a:rPr lang="ja-JP" altLang="en-US" sz="1100" dirty="0" smtClean="0">
+                <a:latin typeface="メイリオ" panose="020B0604030504040204" pitchFamily="50" charset="-128"/>
+                <a:ea typeface="メイリオ" panose="020B0604030504040204" pitchFamily="50" charset="-128"/>
+                <a:cs typeface="メイリオ" panose="020B0604030504040204" pitchFamily="50" charset="-128"/>
+              </a:rPr>
+              <a:t>プロジェクトをキックオフし、すべての関係組織の窓口担当</a:t>
+            </a:r>
+            <a:r>
+              <a:rPr lang="ja-JP" altLang="en-US" sz="1100" dirty="0" smtClean="0">
+                <a:latin typeface="メイリオ" panose="020B0604030504040204" pitchFamily="50" charset="-128"/>
+                <a:ea typeface="メイリオ" panose="020B0604030504040204" pitchFamily="50" charset="-128"/>
+                <a:cs typeface="メイリオ" panose="020B0604030504040204" pitchFamily="50" charset="-128"/>
+              </a:rPr>
+              <a:t>を紹介し換算に関する詳細情報を伝えます。</a:t>
+            </a:r>
+            <a:endParaRPr lang="sv-SE" sz="1100" dirty="0">
+              <a:latin typeface="メイリオ" panose="020B0604030504040204" pitchFamily="50" charset="-128"/>
+              <a:ea typeface="メイリオ" panose="020B0604030504040204" pitchFamily="50" charset="-128"/>
+              <a:cs typeface="メイリオ" panose="020B0604030504040204" pitchFamily="50" charset="-128"/>
+            </a:endParaRPr>
+          </a:p>
+        </p:txBody>
+      </p:sp>
+      <p:sp>
+        <p:nvSpPr>
+          <p:cNvPr id="44" name="TextBox 40"/>
+          <p:cNvSpPr txBox="1"/>
+          <p:nvPr/>
+        </p:nvSpPr>
+        <p:spPr>
+          <a:xfrm>
+            <a:off x="2906483" y="1224552"/>
+            <a:ext cx="2397260" cy="276999"/>
+          </a:xfrm>
+          <a:prstGeom prst="rect">
+            <a:avLst/>
+          </a:prstGeom>
+          <a:noFill/>
+        </p:spPr>
+        <p:txBody>
+          <a:bodyPr wrap="square" rtlCol="0">
+            <a:spAutoFit/>
+          </a:bodyPr>
+          <a:lstStyle/>
+          <a:p>
             <a:pPr algn="ctr"/>
             <a:r>
-              <a:rPr lang="en-US" b="1" i="1" dirty="0" smtClean="0">
-                <a:solidFill>
-                  <a:schemeClr val="tx1"/>
-                </a:solidFill>
+              <a:rPr lang="ja-JP" altLang="en-US" sz="1200" b="1" dirty="0" smtClean="0">
+                <a:latin typeface="メイリオ" panose="020B0604030504040204" pitchFamily="50" charset="-128"/>
+                <a:ea typeface="メイリオ" panose="020B0604030504040204" pitchFamily="50" charset="-128"/>
+                <a:cs typeface="メイリオ" panose="020B0604030504040204" pitchFamily="50" charset="-128"/>
               </a:rPr>
-              <a:t>End</a:t>
-            </a:r>
-            <a:endParaRPr lang="en-US" b="1" i="1" dirty="0">
-              <a:solidFill>
-                <a:schemeClr val="tx1"/>
-              </a:solidFill>
+              <a:t>立ち上げ時招集、</a:t>
+            </a:r>
+            <a:r>
+              <a:rPr lang="ja-JP" altLang="en-US" sz="1200" b="1" dirty="0" smtClean="0">
+                <a:latin typeface="メイリオ" panose="020B0604030504040204" pitchFamily="50" charset="-128"/>
+                <a:ea typeface="メイリオ" panose="020B0604030504040204" pitchFamily="50" charset="-128"/>
+                <a:cs typeface="メイリオ" panose="020B0604030504040204" pitchFamily="50" charset="-128"/>
+              </a:rPr>
+              <a:t>ミーティング</a:t>
+            </a:r>
+            <a:endParaRPr lang="sv-SE" sz="1200" b="1" dirty="0">
+              <a:latin typeface="メイリオ" panose="020B0604030504040204" pitchFamily="50" charset="-128"/>
+              <a:ea typeface="メイリオ" panose="020B0604030504040204" pitchFamily="50" charset="-128"/>
+              <a:cs typeface="メイリオ" panose="020B0604030504040204" pitchFamily="50" charset="-128"/>
             </a:endParaRPr>
           </a:p>
         </p:txBody>
       </p:sp>
-      <p:pic>
-        <p:nvPicPr>
-          <p:cNvPr id="1026" name="Picture 2" descr="http://carrot-top.com/media/catalog/product/cache/1/image/9df78eab33525d08d6e5fb8d27136e95/a/s/as150_checkered.jpg"/>
-          <p:cNvPicPr>
-            <a:picLocks noChangeAspect="1" noChangeArrowheads="1"/>
-          </p:cNvPicPr>
-          <p:nvPr/>
-        </p:nvPicPr>
-        <p:blipFill rotWithShape="1">
-          <a:blip r:embed="rId15" cstate="print">
-            <a:extLst>
-              <a:ext uri="{28A0092B-C50C-407E-A947-70E740481C1C}">
-                <a14:useLocalDpi xmlns:a14="http://schemas.microsoft.com/office/drawing/2010/main" val="0"/>
-              </a:ext>
-            </a:extLst>
-          </a:blip>
-          <a:srcRect b="9440"/>
-          <a:stretch/>
-        </p:blipFill>
-        <p:spPr bwMode="auto">
-          <a:xfrm>
-            <a:off x="9402687" y="4298626"/>
-            <a:ext cx="740229" cy="670352"/>
+      <p:sp>
+        <p:nvSpPr>
+          <p:cNvPr id="45" name="テキスト ボックス 44"/>
+          <p:cNvSpPr txBox="1"/>
+          <p:nvPr/>
+        </p:nvSpPr>
+        <p:spPr>
+          <a:xfrm>
+            <a:off x="152400" y="499987"/>
+            <a:ext cx="569387" cy="369332"/>
           </a:xfrm>
           <a:prstGeom prst="rect">
             <a:avLst/>
           </a:prstGeom>
           <a:noFill/>
-          <a:extLst>
-            <a:ext uri="{909E8E84-426E-40DD-AFC4-6F175D3DCCD1}">
-              <a14:hiddenFill xmlns:a14="http://schemas.microsoft.com/office/drawing/2010/main">
-                <a:solidFill>
-                  <a:srgbClr val="FFFFFF"/>
-                </a:solidFill>
-              </a14:hiddenFill>
-            </a:ext>
-          </a:extLst>
-        </p:spPr>
-      </p:pic>
-      <p:sp>
-        <p:nvSpPr>
-          <p:cNvPr id="4" name="Isosceles Triangle 3"/>
-          <p:cNvSpPr/>
-          <p:nvPr/>
-        </p:nvSpPr>
-        <p:spPr>
-          <a:xfrm rot="10800000">
-            <a:off x="9187406" y="2048436"/>
-            <a:ext cx="391886" cy="393374"/>
-          </a:xfrm>
-          <a:prstGeom prst="triangle">
-            <a:avLst/>
-          </a:prstGeom>
-          <a:solidFill>
-            <a:srgbClr val="2CA4F2"/>
-          </a:solidFill>
-          <a:ln w="28575">
-            <a:solidFill>
-              <a:schemeClr val="tx1">
-                <a:lumMod val="95000"/>
-                <a:lumOff val="5000"/>
-              </a:schemeClr>
-            </a:solidFill>
-          </a:ln>
-        </p:spPr>
-        <p:style>
-          <a:lnRef idx="2">
-            <a:schemeClr val="accent1">
-              <a:shade val="50000"/>
-            </a:schemeClr>
-          </a:lnRef>
-          <a:fillRef idx="1">
-            <a:schemeClr val="accent1"/>
-          </a:fillRef>
-          <a:effectRef idx="0">
-            <a:schemeClr val="accent1"/>
-          </a:effectRef>
-          <a:fontRef idx="minor">
-            <a:schemeClr val="lt1"/>
-          </a:fontRef>
-        </p:style>
-        <p:txBody>
-          <a:bodyPr rtlCol="0" anchor="ctr"/>
+        </p:spPr>
+        <p:txBody>
+          <a:bodyPr wrap="none" rtlCol="0">
+            <a:spAutoFit/>
+          </a:bodyPr>
           <a:lstStyle/>
           <a:p>
-            <a:pPr algn="ctr"/>
-            <a:endParaRPr lang="en-US"/>
-          </a:p>
-        </p:txBody>
-      </p:sp>
-      <p:sp>
-        <p:nvSpPr>
-          <p:cNvPr id="52" name="Isosceles Triangle 51"/>
-          <p:cNvSpPr/>
-          <p:nvPr/>
-        </p:nvSpPr>
-        <p:spPr>
-          <a:xfrm rot="10800000">
-            <a:off x="1103475" y="4137089"/>
-            <a:ext cx="391886" cy="393374"/>
-          </a:xfrm>
-          <a:prstGeom prst="triangle">
-            <a:avLst/>
-          </a:prstGeom>
-          <a:solidFill>
-            <a:srgbClr val="2CA4F2"/>
-          </a:solidFill>
-          <a:ln w="28575">
-            <a:solidFill>
-              <a:schemeClr val="tx1">
-                <a:lumMod val="95000"/>
-                <a:lumOff val="5000"/>
-              </a:schemeClr>
-            </a:solidFill>
-          </a:ln>
-        </p:spPr>
-        <p:style>
-          <a:lnRef idx="2">
-            <a:schemeClr val="accent1">
-              <a:shade val="50000"/>
-            </a:schemeClr>
-          </a:lnRef>
-          <a:fillRef idx="1">
-            <a:schemeClr val="accent1"/>
-          </a:fillRef>
-          <a:effectRef idx="0">
-            <a:schemeClr val="accent1"/>
-          </a:effectRef>
-          <a:fontRef idx="minor">
-            <a:schemeClr val="lt1"/>
-          </a:fontRef>
-        </p:style>
-        <p:txBody>
-          <a:bodyPr rtlCol="0" anchor="ctr"/>
-          <a:lstStyle/>
-          <a:p>
-            <a:pPr algn="ctr"/>
-            <a:endParaRPr lang="en-US"/>
+            <a:r>
+              <a:rPr kumimoji="1" lang="en-US" altLang="ja-JP" dirty="0" smtClean="0"/>
+              <a:t>Fig6</a:t>
+            </a:r>
+            <a:endParaRPr kumimoji="1" lang="ja-JP" altLang="en-US" dirty="0"/>
+          </a:p>
+        </p:txBody>
+      </p:sp>
+      <p:sp>
+        <p:nvSpPr>
+          <p:cNvPr id="46" name="TextBox 72"/>
+          <p:cNvSpPr txBox="1"/>
+          <p:nvPr/>
+        </p:nvSpPr>
+        <p:spPr>
+          <a:xfrm>
+            <a:off x="2859457" y="5698487"/>
+            <a:ext cx="2277107" cy="769441"/>
+          </a:xfrm>
+          <a:prstGeom prst="rect">
+            <a:avLst/>
+          </a:prstGeom>
+          <a:noFill/>
+        </p:spPr>
+        <p:txBody>
+          <a:bodyPr wrap="square" rtlCol="0">
+            <a:spAutoFit/>
+          </a:bodyPr>
+          <a:lstStyle>
+            <a:defPPr>
+              <a:defRPr lang="sv-SE"/>
+            </a:defPPr>
+            <a:lvl1pPr>
+              <a:defRPr sz="1100">
+                <a:latin typeface="メイリオ" panose="020B0604030504040204" pitchFamily="50" charset="-128"/>
+                <a:ea typeface="メイリオ" panose="020B0604030504040204" pitchFamily="50" charset="-128"/>
+                <a:cs typeface="メイリオ" panose="020B0604030504040204" pitchFamily="50" charset="-128"/>
+              </a:defRPr>
+            </a:lvl1pPr>
+          </a:lstStyle>
+          <a:p>
+            <a:r>
+              <a:rPr lang="ja-JP" altLang="en-US" dirty="0"/>
+              <a:t>正式に監査結果が将来の買収先へと提示するための最終的な場を開催し、質疑やりとりを</a:t>
+            </a:r>
+            <a:r>
+              <a:rPr lang="ja-JP" altLang="en-US" dirty="0" smtClean="0"/>
+              <a:t>実施</a:t>
+            </a:r>
+            <a:r>
+              <a:rPr lang="ja-JP" altLang="en-US" dirty="0"/>
+              <a:t>します</a:t>
+            </a:r>
+            <a:r>
+              <a:rPr lang="ja-JP" altLang="en-US" dirty="0" smtClean="0"/>
+              <a:t>。</a:t>
+            </a:r>
+            <a:endParaRPr lang="sv-SE" dirty="0"/>
+          </a:p>
+        </p:txBody>
+      </p:sp>
+      <p:sp>
+        <p:nvSpPr>
+          <p:cNvPr id="50" name="TextBox 73"/>
+          <p:cNvSpPr txBox="1"/>
+          <p:nvPr/>
+        </p:nvSpPr>
+        <p:spPr>
+          <a:xfrm>
+            <a:off x="3130946" y="5525162"/>
+            <a:ext cx="1707022" cy="276999"/>
+          </a:xfrm>
+          <a:prstGeom prst="rect">
+            <a:avLst/>
+          </a:prstGeom>
+          <a:noFill/>
+        </p:spPr>
+        <p:txBody>
+          <a:bodyPr wrap="square" rtlCol="0">
+            <a:spAutoFit/>
+          </a:bodyPr>
+          <a:lstStyle>
+            <a:defPPr>
+              <a:defRPr lang="sv-SE"/>
+            </a:defPPr>
+            <a:lvl1pPr algn="ctr">
+              <a:defRPr sz="1200" b="1">
+                <a:latin typeface="メイリオ" panose="020B0604030504040204" pitchFamily="50" charset="-128"/>
+                <a:ea typeface="メイリオ" panose="020B0604030504040204" pitchFamily="50" charset="-128"/>
+                <a:cs typeface="メイリオ" panose="020B0604030504040204" pitchFamily="50" charset="-128"/>
+              </a:defRPr>
+            </a:lvl1pPr>
+          </a:lstStyle>
+          <a:p>
+            <a:r>
+              <a:rPr lang="ja-JP" altLang="en-US" dirty="0"/>
+              <a:t>最終的</a:t>
+            </a:r>
+            <a:r>
+              <a:rPr lang="ja-JP" altLang="en-US" dirty="0" smtClean="0"/>
+              <a:t>な招集</a:t>
+            </a:r>
+            <a:endParaRPr lang="sv-SE" dirty="0"/>
+          </a:p>
+        </p:txBody>
+      </p:sp>
+      <p:sp>
+        <p:nvSpPr>
+          <p:cNvPr id="55" name="TextBox 78"/>
+          <p:cNvSpPr txBox="1"/>
+          <p:nvPr/>
+        </p:nvSpPr>
+        <p:spPr>
+          <a:xfrm>
+            <a:off x="2866861" y="3467762"/>
+            <a:ext cx="2527676" cy="969496"/>
+          </a:xfrm>
+          <a:prstGeom prst="rect">
+            <a:avLst/>
+          </a:prstGeom>
+          <a:noFill/>
+        </p:spPr>
+        <p:txBody>
+          <a:bodyPr wrap="square" rtlCol="0">
+            <a:spAutoFit/>
+          </a:bodyPr>
+          <a:lstStyle>
+            <a:defPPr>
+              <a:defRPr lang="sv-SE"/>
+            </a:defPPr>
+            <a:lvl1pPr>
+              <a:defRPr sz="1100">
+                <a:latin typeface="メイリオ" panose="020B0604030504040204" pitchFamily="50" charset="-128"/>
+                <a:ea typeface="メイリオ" panose="020B0604030504040204" pitchFamily="50" charset="-128"/>
+                <a:cs typeface="メイリオ" panose="020B0604030504040204" pitchFamily="50" charset="-128"/>
+              </a:defRPr>
+            </a:lvl1pPr>
+          </a:lstStyle>
+          <a:p>
+            <a:r>
+              <a:rPr lang="ja-JP" altLang="en-US" dirty="0"/>
+              <a:t>対象企業とのレビュー後、最終的なレポートが将来の買収企業へレポートが、部品表（</a:t>
+            </a:r>
+            <a:r>
+              <a:rPr lang="en-US" altLang="ja-JP" dirty="0"/>
+              <a:t>Bill of Materials</a:t>
+            </a:r>
+            <a:r>
+              <a:rPr lang="ja-JP" altLang="en-US" dirty="0"/>
+              <a:t>）、</a:t>
+            </a:r>
+            <a:r>
+              <a:rPr lang="en-US" altLang="ja-JP" dirty="0"/>
+              <a:t>SPDX</a:t>
+            </a:r>
+            <a:r>
+              <a:rPr lang="ja-JP" altLang="en-US" dirty="0" err="1"/>
+              <a:t>、</a:t>
+            </a:r>
+            <a:r>
+              <a:rPr lang="ja-JP" altLang="en-US" dirty="0"/>
+              <a:t>エグゼクティブサマリと併せ送付</a:t>
+            </a:r>
+            <a:r>
+              <a:rPr lang="ja-JP" altLang="en-US" dirty="0" smtClean="0"/>
+              <a:t>されます。</a:t>
+            </a:r>
+            <a:endParaRPr lang="sv-SE" dirty="0"/>
+          </a:p>
+        </p:txBody>
+      </p:sp>
+      <p:sp>
+        <p:nvSpPr>
+          <p:cNvPr id="56" name="TextBox 79"/>
+          <p:cNvSpPr txBox="1"/>
+          <p:nvPr/>
+        </p:nvSpPr>
+        <p:spPr>
+          <a:xfrm>
+            <a:off x="2800335" y="3241240"/>
+            <a:ext cx="2397260" cy="276999"/>
+          </a:xfrm>
+          <a:prstGeom prst="rect">
+            <a:avLst/>
+          </a:prstGeom>
+          <a:noFill/>
+        </p:spPr>
+        <p:txBody>
+          <a:bodyPr wrap="square" rtlCol="0">
+            <a:spAutoFit/>
+          </a:bodyPr>
+          <a:lstStyle>
+            <a:defPPr>
+              <a:defRPr lang="sv-SE"/>
+            </a:defPPr>
+            <a:lvl1pPr algn="ctr">
+              <a:defRPr sz="1200" b="1">
+                <a:latin typeface="メイリオ" panose="020B0604030504040204" pitchFamily="50" charset="-128"/>
+                <a:ea typeface="メイリオ" panose="020B0604030504040204" pitchFamily="50" charset="-128"/>
+                <a:cs typeface="メイリオ" panose="020B0604030504040204" pitchFamily="50" charset="-128"/>
+              </a:defRPr>
+            </a:lvl1pPr>
+          </a:lstStyle>
+          <a:p>
+            <a:r>
+              <a:rPr lang="ja-JP" altLang="en-US" dirty="0"/>
+              <a:t>レポートの送付</a:t>
+            </a:r>
+            <a:endParaRPr lang="sv-SE" dirty="0"/>
           </a:p>
         </p:txBody>
       </p:sp>
     </p:spTree>
     <p:extLst>
       <p:ext uri="{BB962C8B-B14F-4D97-AF65-F5344CB8AC3E}">
-        <p14:creationId xmlns:p14="http://schemas.microsoft.com/office/powerpoint/2010/main" val="2846938063"/>
+        <p14:creationId xmlns:p14="http://schemas.microsoft.com/office/powerpoint/2010/main" val="830407156"/>
       </p:ext>
     </p:extLst>
   </p:cSld>
@@ -17844,7 +21881,7 @@
   <a:extraClrSchemeLst/>
   <a:extLst>
     <a:ext uri="{05A4C25C-085E-4340-85A3-A5531E510DB2}">
-      <thm15:themeFamily xmlns:thm15="http://schemas.microsoft.com/office/thememl/2012/main" name="Office Theme" id="{62F939B6-93AF-4DB8-9C6B-D6C7DFDC589F}" vid="{4A3C46E8-61CC-4603-A589-7422A47A8E4A}"/>
+      <thm15:themeFamily xmlns:thm15="http://schemas.microsoft.com/office/thememl/2012/main" xmlns="" name="Office Theme" id="{62F939B6-93AF-4DB8-9C6B-D6C7DFDC589F}" vid="{4A3C46E8-61CC-4603-A589-7422A47A8E4A}"/>
     </a:ext>
   </a:extLst>
 </a:theme>
@@ -18105,7 +22142,7 @@
   <a:extraClrSchemeLst/>
   <a:extLst>
     <a:ext uri="{05A4C25C-085E-4340-85A3-A5531E510DB2}">
-      <thm15:themeFamily xmlns:thm15="http://schemas.microsoft.com/office/thememl/2012/main" name="Office Theme" id="{62F939B6-93AF-4DB8-9C6B-D6C7DFDC589F}" vid="{4A3C46E8-61CC-4603-A589-7422A47A8E4A}"/>
+      <thm15:themeFamily xmlns:thm15="http://schemas.microsoft.com/office/thememl/2012/main" xmlns="" name="Office Theme" id="{62F939B6-93AF-4DB8-9C6B-D6C7DFDC589F}" vid="{4A3C46E8-61CC-4603-A589-7422A47A8E4A}"/>
     </a:ext>
   </a:extLst>
 </a:theme>
@@ -18366,7 +22403,7 @@
   <a:extraClrSchemeLst/>
   <a:extLst>
     <a:ext uri="{05A4C25C-085E-4340-85A3-A5531E510DB2}">
-      <thm15:themeFamily xmlns:thm15="http://schemas.microsoft.com/office/thememl/2012/main" name="Office Theme" id="{62F939B6-93AF-4DB8-9C6B-D6C7DFDC589F}" vid="{4A3C46E8-61CC-4603-A589-7422A47A8E4A}"/>
+      <thm15:themeFamily xmlns:thm15="http://schemas.microsoft.com/office/thememl/2012/main" xmlns="" name="Office Theme" id="{62F939B6-93AF-4DB8-9C6B-D6C7DFDC589F}" vid="{4A3C46E8-61CC-4603-A589-7422A47A8E4A}"/>
     </a:ext>
   </a:extLst>
 </a:theme>

--- a/Figures_M&A_paper_JP.pptx
+++ b/Figures_M&A_paper_JP.pptx
@@ -5,10 +5,10 @@
     <p:sldMasterId id="2147483659" r:id="rId1"/>
   </p:sldMasterIdLst>
   <p:notesMasterIdLst>
-    <p:notesMasterId r:id="rId14"/>
+    <p:notesMasterId r:id="rId15"/>
   </p:notesMasterIdLst>
   <p:handoutMasterIdLst>
-    <p:handoutMasterId r:id="rId15"/>
+    <p:handoutMasterId r:id="rId16"/>
   </p:handoutMasterIdLst>
   <p:sldIdLst>
     <p:sldId id="538" r:id="rId2"/>
@@ -23,6 +23,7 @@
     <p:sldId id="529" r:id="rId11"/>
     <p:sldId id="540" r:id="rId12"/>
     <p:sldId id="530" r:id="rId13"/>
+    <p:sldId id="542" r:id="rId14"/>
   </p:sldIdLst>
   <p:sldSz cx="12192000" cy="6858000"/>
   <p:notesSz cx="6858000" cy="9144000"/>
@@ -123,7 +124,7 @@
   </p:defaultTextStyle>
   <p:extLst>
     <p:ext uri="{EFAFB233-063F-42B5-8137-9DF3F51BA10A}">
-      <p15:sldGuideLst xmlns:p15="http://schemas.microsoft.com/office/powerpoint/2012/main" xmlns="">
+      <p15:sldGuideLst xmlns="" xmlns:p15="http://schemas.microsoft.com/office/powerpoint/2012/main">
         <p15:guide id="1" orient="horz" pos="2296" userDrawn="1">
           <p15:clr>
             <a:srgbClr val="A4A3A4"/>
@@ -137,7 +138,7 @@
       </p15:sldGuideLst>
     </p:ext>
     <p:ext uri="{2D200454-40CA-4A62-9FC3-DE9A4176ACB9}">
-      <p15:notesGuideLst xmlns:p15="http://schemas.microsoft.com/office/powerpoint/2012/main" xmlns=""/>
+      <p15:notesGuideLst xmlns="" xmlns:p15="http://schemas.microsoft.com/office/powerpoint/2012/main"/>
     </p:ext>
   </p:extLst>
 </p:presentation>
@@ -225,7 +226,7 @@
           <a:p>
             <a:fld id="{E6FDABA1-4B5D-4D1A-B9E0-E772E7058171}" type="datetimeFigureOut">
               <a:rPr lang="sv-SE" smtClean="0"/>
-              <a:t>2017-11-18</a:t>
+              <a:t>2017-11-19</a:t>
             </a:fld>
             <a:endParaRPr lang="sv-SE"/>
           </a:p>
@@ -390,7 +391,7 @@
           <a:p>
             <a:fld id="{DE46D2F7-F797-442B-A22D-84CBF0D5BA4F}" type="datetimeFigureOut">
               <a:rPr lang="sv-SE" smtClean="0"/>
-              <a:t>2017-11-18</a:t>
+              <a:t>2017-11-19</a:t>
             </a:fld>
             <a:endParaRPr lang="sv-SE"/>
           </a:p>
@@ -1881,6 +1882,96 @@
 </p:notes>
 </file>
 
+<file path=ppt/notesSlides/notesSlide9.xml><?xml version="1.0" encoding="utf-8"?>
+<p:notes xmlns:a="http://schemas.openxmlformats.org/drawingml/2006/main" xmlns:r="http://schemas.openxmlformats.org/officeDocument/2006/relationships" xmlns:p="http://schemas.openxmlformats.org/presentationml/2006/main">
+  <p:cSld>
+    <p:spTree>
+      <p:nvGrpSpPr>
+        <p:cNvPr id="1" name=""/>
+        <p:cNvGrpSpPr/>
+        <p:nvPr/>
+      </p:nvGrpSpPr>
+      <p:grpSpPr>
+        <a:xfrm>
+          <a:off x="0" y="0"/>
+          <a:ext cx="0" cy="0"/>
+          <a:chOff x="0" y="0"/>
+          <a:chExt cx="0" cy="0"/>
+        </a:xfrm>
+      </p:grpSpPr>
+      <p:sp>
+        <p:nvSpPr>
+          <p:cNvPr id="2" name="Slide Image Placeholder 1"/>
+          <p:cNvSpPr>
+            <a:spLocks noGrp="1" noRot="1" noChangeAspect="1"/>
+          </p:cNvSpPr>
+          <p:nvPr>
+            <p:ph type="sldImg"/>
+          </p:nvPr>
+        </p:nvSpPr>
+        <p:spPr/>
+      </p:sp>
+      <p:sp>
+        <p:nvSpPr>
+          <p:cNvPr id="3" name="Notes Placeholder 2"/>
+          <p:cNvSpPr>
+            <a:spLocks noGrp="1"/>
+          </p:cNvSpPr>
+          <p:nvPr>
+            <p:ph type="body" idx="1"/>
+          </p:nvPr>
+        </p:nvSpPr>
+        <p:spPr/>
+        <p:txBody>
+          <a:bodyPr/>
+          <a:lstStyle/>
+          <a:p>
+            <a:r>
+              <a:rPr lang="en-US" dirty="0"/>
+              <a:t>http://www.flaticon.com/packs/management-2</a:t>
+            </a:r>
+          </a:p>
+          <a:p>
+            <a:endParaRPr lang="en-US" dirty="0"/>
+          </a:p>
+        </p:txBody>
+      </p:sp>
+      <p:sp>
+        <p:nvSpPr>
+          <p:cNvPr id="4" name="Slide Number Placeholder 3"/>
+          <p:cNvSpPr>
+            <a:spLocks noGrp="1"/>
+          </p:cNvSpPr>
+          <p:nvPr>
+            <p:ph type="sldNum" sz="quarter" idx="10"/>
+          </p:nvPr>
+        </p:nvSpPr>
+        <p:spPr/>
+        <p:txBody>
+          <a:bodyPr/>
+          <a:lstStyle/>
+          <a:p>
+            <a:fld id="{89949FCC-B783-48EB-A7FB-879B9C32ECE4}" type="slidenum">
+              <a:rPr lang="sv-SE" smtClean="0"/>
+              <a:t>13</a:t>
+            </a:fld>
+            <a:endParaRPr lang="sv-SE"/>
+          </a:p>
+        </p:txBody>
+      </p:sp>
+    </p:spTree>
+    <p:extLst>
+      <p:ext uri="{BB962C8B-B14F-4D97-AF65-F5344CB8AC3E}">
+        <p14:creationId xmlns:p14="http://schemas.microsoft.com/office/powerpoint/2010/main" val="3844812179"/>
+      </p:ext>
+    </p:extLst>
+  </p:cSld>
+  <p:clrMapOvr>
+    <a:masterClrMapping/>
+  </p:clrMapOvr>
+</p:notes>
+</file>
+
 <file path=ppt/slideLayouts/slideLayout1.xml><?xml version="1.0" encoding="utf-8"?>
 <p:sldLayout xmlns:a="http://schemas.openxmlformats.org/drawingml/2006/main" xmlns:r="http://schemas.openxmlformats.org/officeDocument/2006/relationships" xmlns:p="http://schemas.openxmlformats.org/presentationml/2006/main" type="title" preserve="1">
   <p:cSld name="Title Slide">
@@ -2012,7 +2103,7 @@
           <a:p>
             <a:fld id="{644446D9-CA4E-47F7-ADA0-1C514647DC66}" type="datetimeFigureOut">
               <a:rPr lang="en-US" smtClean="0"/>
-              <a:t>11/18/2017</a:t>
+              <a:t>11/19/2017</a:t>
             </a:fld>
             <a:endParaRPr lang="en-US"/>
           </a:p>
@@ -2182,7 +2273,7 @@
           <a:p>
             <a:fld id="{644446D9-CA4E-47F7-ADA0-1C514647DC66}" type="datetimeFigureOut">
               <a:rPr lang="en-US" smtClean="0"/>
-              <a:t>11/18/2017</a:t>
+              <a:t>11/19/2017</a:t>
             </a:fld>
             <a:endParaRPr lang="en-US"/>
           </a:p>
@@ -2362,7 +2453,7 @@
           <a:p>
             <a:fld id="{644446D9-CA4E-47F7-ADA0-1C514647DC66}" type="datetimeFigureOut">
               <a:rPr lang="en-US" smtClean="0"/>
-              <a:t>11/18/2017</a:t>
+              <a:t>11/19/2017</a:t>
             </a:fld>
             <a:endParaRPr lang="en-US"/>
           </a:p>
@@ -2532,7 +2623,7 @@
           <a:p>
             <a:fld id="{644446D9-CA4E-47F7-ADA0-1C514647DC66}" type="datetimeFigureOut">
               <a:rPr lang="en-US" smtClean="0"/>
-              <a:t>11/18/2017</a:t>
+              <a:t>11/19/2017</a:t>
             </a:fld>
             <a:endParaRPr lang="en-US"/>
           </a:p>
@@ -2778,7 +2869,7 @@
           <a:p>
             <a:fld id="{644446D9-CA4E-47F7-ADA0-1C514647DC66}" type="datetimeFigureOut">
               <a:rPr lang="en-US" smtClean="0"/>
-              <a:t>11/18/2017</a:t>
+              <a:t>11/19/2017</a:t>
             </a:fld>
             <a:endParaRPr lang="en-US"/>
           </a:p>
@@ -3010,7 +3101,7 @@
           <a:p>
             <a:fld id="{644446D9-CA4E-47F7-ADA0-1C514647DC66}" type="datetimeFigureOut">
               <a:rPr lang="en-US" smtClean="0"/>
-              <a:t>11/18/2017</a:t>
+              <a:t>11/19/2017</a:t>
             </a:fld>
             <a:endParaRPr lang="en-US"/>
           </a:p>
@@ -3377,7 +3468,7 @@
           <a:p>
             <a:fld id="{644446D9-CA4E-47F7-ADA0-1C514647DC66}" type="datetimeFigureOut">
               <a:rPr lang="en-US" smtClean="0"/>
-              <a:t>11/18/2017</a:t>
+              <a:t>11/19/2017</a:t>
             </a:fld>
             <a:endParaRPr lang="en-US"/>
           </a:p>
@@ -3495,7 +3586,7 @@
           <a:p>
             <a:fld id="{644446D9-CA4E-47F7-ADA0-1C514647DC66}" type="datetimeFigureOut">
               <a:rPr lang="en-US" smtClean="0"/>
-              <a:t>11/18/2017</a:t>
+              <a:t>11/19/2017</a:t>
             </a:fld>
             <a:endParaRPr lang="en-US"/>
           </a:p>
@@ -3590,7 +3681,7 @@
           <a:p>
             <a:fld id="{644446D9-CA4E-47F7-ADA0-1C514647DC66}" type="datetimeFigureOut">
               <a:rPr lang="en-US" smtClean="0"/>
-              <a:t>11/18/2017</a:t>
+              <a:t>11/19/2017</a:t>
             </a:fld>
             <a:endParaRPr lang="en-US"/>
           </a:p>
@@ -3867,7 +3958,7 @@
           <a:p>
             <a:fld id="{644446D9-CA4E-47F7-ADA0-1C514647DC66}" type="datetimeFigureOut">
               <a:rPr lang="en-US" smtClean="0"/>
-              <a:t>11/18/2017</a:t>
+              <a:t>11/19/2017</a:t>
             </a:fld>
             <a:endParaRPr lang="en-US"/>
           </a:p>
@@ -4120,7 +4211,7 @@
           <a:p>
             <a:fld id="{644446D9-CA4E-47F7-ADA0-1C514647DC66}" type="datetimeFigureOut">
               <a:rPr lang="en-US" smtClean="0"/>
-              <a:t>11/18/2017</a:t>
+              <a:t>11/19/2017</a:t>
             </a:fld>
             <a:endParaRPr lang="en-US"/>
           </a:p>
@@ -4333,7 +4424,7 @@
           <a:p>
             <a:fld id="{644446D9-CA4E-47F7-ADA0-1C514647DC66}" type="datetimeFigureOut">
               <a:rPr lang="en-US" smtClean="0"/>
-              <a:t>11/18/2017</a:t>
+              <a:t>11/19/2017</a:t>
             </a:fld>
             <a:endParaRPr lang="en-US"/>
           </a:p>
@@ -4885,7 +4976,7 @@
         </p:nvSpPr>
         <p:spPr>
           <a:xfrm>
-            <a:off x="8794078" y="1125365"/>
+            <a:off x="8794078" y="1113490"/>
             <a:ext cx="588397" cy="633889"/>
           </a:xfrm>
           <a:prstGeom prst="arc">
@@ -4925,15 +5016,13 @@
           <p:cNvPr id="15" name="Straight Connector 14"/>
           <p:cNvCxnSpPr>
             <a:cxnSpLocks/>
-            <a:stCxn id="2" idx="0"/>
-            <a:endCxn id="47" idx="3"/>
           </p:cNvCxnSpPr>
           <p:nvPr/>
         </p:nvCxnSpPr>
         <p:spPr>
           <a:xfrm flipH="1" flipV="1">
-            <a:off x="3613175" y="1109261"/>
-            <a:ext cx="5475101" cy="16104"/>
+            <a:off x="3613175" y="1121136"/>
+            <a:ext cx="5475101" cy="0"/>
           </a:xfrm>
           <a:prstGeom prst="line">
             <a:avLst/>
@@ -5128,7 +5217,7 @@
         </p:nvSpPr>
         <p:spPr>
           <a:xfrm rot="10800000">
-            <a:off x="1302078" y="4639486"/>
+            <a:off x="1302078" y="4651361"/>
             <a:ext cx="588397" cy="633889"/>
           </a:xfrm>
           <a:prstGeom prst="arc">
@@ -5173,8 +5262,8 @@
         </p:nvCxnSpPr>
         <p:spPr>
           <a:xfrm flipH="1">
-            <a:off x="1596276" y="5271701"/>
-            <a:ext cx="7806411" cy="1675"/>
+            <a:off x="1596276" y="5283576"/>
+            <a:ext cx="7806411" cy="0"/>
           </a:xfrm>
           <a:prstGeom prst="line">
             <a:avLst/>
@@ -5211,7 +5300,7 @@
         </p:nvCxnSpPr>
         <p:spPr>
           <a:xfrm>
-            <a:off x="1302077" y="3469394"/>
+            <a:off x="1302077" y="3481269"/>
             <a:ext cx="1" cy="1487036"/>
           </a:xfrm>
           <a:prstGeom prst="line">
@@ -6664,7 +6753,7 @@
         </p:nvSpPr>
         <p:spPr>
           <a:xfrm>
-            <a:off x="8794078" y="1125365"/>
+            <a:off x="8794078" y="1113490"/>
             <a:ext cx="588397" cy="633889"/>
           </a:xfrm>
           <a:prstGeom prst="arc">
@@ -6704,15 +6793,13 @@
           <p:cNvPr id="15" name="Straight Connector 14"/>
           <p:cNvCxnSpPr>
             <a:cxnSpLocks/>
-            <a:stCxn id="2" idx="0"/>
-            <a:endCxn id="47" idx="3"/>
           </p:cNvCxnSpPr>
           <p:nvPr/>
         </p:nvCxnSpPr>
         <p:spPr>
           <a:xfrm flipH="1" flipV="1">
-            <a:off x="3613175" y="1109261"/>
-            <a:ext cx="5475101" cy="16104"/>
+            <a:off x="3613175" y="1121136"/>
+            <a:ext cx="5475101" cy="0"/>
           </a:xfrm>
           <a:prstGeom prst="line">
             <a:avLst/>
@@ -6953,7 +7040,7 @@
         <p:spPr>
           <a:xfrm flipH="1">
             <a:off x="1596276" y="5271701"/>
-            <a:ext cx="7806411" cy="1675"/>
+            <a:ext cx="7806411" cy="0"/>
           </a:xfrm>
           <a:prstGeom prst="line">
             <a:avLst/>
@@ -7115,7 +7202,7 @@
         </p:nvSpPr>
         <p:spPr>
           <a:xfrm>
-            <a:off x="3684335" y="1342275"/>
+            <a:off x="3684335" y="1377900"/>
             <a:ext cx="2485216" cy="600164"/>
           </a:xfrm>
           <a:prstGeom prst="rect">
@@ -7135,15 +7222,7 @@
                 <a:ea typeface="メイリオ" panose="020B0604030504040204" pitchFamily="50" charset="-128"/>
                 <a:cs typeface="メイリオ" panose="020B0604030504040204" pitchFamily="50" charset="-128"/>
               </a:rPr>
-              <a:t>プロジェクトをキックオフし、すべての関係組織の窓口担当</a:t>
-            </a:r>
-            <a:r>
-              <a:rPr lang="ja-JP" altLang="en-US" sz="1100" dirty="0" smtClean="0">
-                <a:latin typeface="メイリオ" panose="020B0604030504040204" pitchFamily="50" charset="-128"/>
-                <a:ea typeface="メイリオ" panose="020B0604030504040204" pitchFamily="50" charset="-128"/>
-                <a:cs typeface="メイリオ" panose="020B0604030504040204" pitchFamily="50" charset="-128"/>
-              </a:rPr>
-              <a:t>を紹介し換算に関する詳細情報を伝えます。</a:t>
+              <a:t>プロジェクトをキックオフし、すべての関係組織の窓口担当を紹介し換算に関する詳細情報を伝えます。</a:t>
             </a:r>
             <a:endParaRPr lang="sv-SE" sz="1100" dirty="0">
               <a:latin typeface="メイリオ" panose="020B0604030504040204" pitchFamily="50" charset="-128"/>
@@ -7161,7 +7240,7 @@
         </p:nvSpPr>
         <p:spPr>
           <a:xfrm>
-            <a:off x="3693883" y="1101355"/>
+            <a:off x="3693883" y="1136980"/>
             <a:ext cx="2397260" cy="276999"/>
           </a:xfrm>
           <a:prstGeom prst="rect">
@@ -7182,15 +7261,7 @@
                 <a:ea typeface="メイリオ" panose="020B0604030504040204" pitchFamily="50" charset="-128"/>
                 <a:cs typeface="メイリオ" panose="020B0604030504040204" pitchFamily="50" charset="-128"/>
               </a:rPr>
-              <a:t>立ち上げ時招集、</a:t>
-            </a:r>
-            <a:r>
-              <a:rPr lang="ja-JP" altLang="en-US" sz="1200" b="1" dirty="0" smtClean="0">
-                <a:latin typeface="メイリオ" panose="020B0604030504040204" pitchFamily="50" charset="-128"/>
-                <a:ea typeface="メイリオ" panose="020B0604030504040204" pitchFamily="50" charset="-128"/>
-                <a:cs typeface="メイリオ" panose="020B0604030504040204" pitchFamily="50" charset="-128"/>
-              </a:rPr>
-              <a:t>ミーティング</a:t>
+              <a:t>立ち上げ時招集、ミーティング</a:t>
             </a:r>
             <a:endParaRPr lang="sv-SE" sz="1200" b="1" dirty="0">
               <a:latin typeface="メイリオ" panose="020B0604030504040204" pitchFamily="50" charset="-128"/>
@@ -7208,7 +7279,7 @@
         </p:nvSpPr>
         <p:spPr>
           <a:xfrm>
-            <a:off x="6546039" y="1326556"/>
+            <a:off x="6546039" y="1362181"/>
             <a:ext cx="2712553" cy="784830"/>
           </a:xfrm>
           <a:prstGeom prst="rect">
@@ -7269,7 +7340,7 @@
         </p:nvSpPr>
         <p:spPr>
           <a:xfrm>
-            <a:off x="6669642" y="1101355"/>
+            <a:off x="6669642" y="1136980"/>
             <a:ext cx="2397260" cy="276999"/>
           </a:xfrm>
           <a:prstGeom prst="rect">
@@ -7308,7 +7379,7 @@
         </p:nvSpPr>
         <p:spPr>
           <a:xfrm>
-            <a:off x="1474789" y="3453562"/>
+            <a:off x="1474789" y="3477312"/>
             <a:ext cx="2473462" cy="769441"/>
           </a:xfrm>
           <a:prstGeom prst="rect">
@@ -7373,7 +7444,7 @@
         </p:nvSpPr>
         <p:spPr>
           <a:xfrm>
-            <a:off x="1404889" y="3188951"/>
+            <a:off x="1404889" y="3212701"/>
             <a:ext cx="2397260" cy="276999"/>
           </a:xfrm>
           <a:prstGeom prst="rect">
@@ -7414,7 +7485,7 @@
         </p:nvSpPr>
         <p:spPr>
           <a:xfrm>
-            <a:off x="4213301" y="3448107"/>
+            <a:off x="4213301" y="3471857"/>
             <a:ext cx="2593264" cy="938719"/>
           </a:xfrm>
           <a:prstGeom prst="rect">
@@ -7467,7 +7538,7 @@
         </p:nvSpPr>
         <p:spPr>
           <a:xfrm>
-            <a:off x="4229032" y="3193739"/>
+            <a:off x="4229032" y="3217489"/>
             <a:ext cx="2397260" cy="276999"/>
           </a:xfrm>
           <a:prstGeom prst="rect">
@@ -7506,7 +7577,7 @@
         </p:nvSpPr>
         <p:spPr>
           <a:xfrm>
-            <a:off x="7177825" y="3447070"/>
+            <a:off x="7177825" y="3470820"/>
             <a:ext cx="2360073" cy="600164"/>
           </a:xfrm>
           <a:prstGeom prst="rect">
@@ -7563,7 +7634,7 @@
         </p:nvSpPr>
         <p:spPr>
           <a:xfrm>
-            <a:off x="7159232" y="3189419"/>
+            <a:off x="7159232" y="3213169"/>
             <a:ext cx="2397260" cy="276999"/>
           </a:xfrm>
           <a:prstGeom prst="rect">
@@ -7664,7 +7735,7 @@
         </p:nvSpPr>
         <p:spPr>
           <a:xfrm>
-            <a:off x="1384840" y="5477225"/>
+            <a:off x="1384840" y="5536599"/>
             <a:ext cx="2452993" cy="769441"/>
           </a:xfrm>
           <a:prstGeom prst="rect">
@@ -7713,7 +7784,7 @@
         </p:nvSpPr>
         <p:spPr>
           <a:xfrm>
-            <a:off x="1398481" y="5286990"/>
+            <a:off x="1398481" y="5310740"/>
             <a:ext cx="2397260" cy="276999"/>
           </a:xfrm>
           <a:prstGeom prst="rect">
@@ -7754,7 +7825,7 @@
         </p:nvSpPr>
         <p:spPr>
           <a:xfrm>
-            <a:off x="7236098" y="5477224"/>
+            <a:off x="7236098" y="5536599"/>
             <a:ext cx="2277107" cy="769441"/>
           </a:xfrm>
           <a:prstGeom prst="rect">
@@ -7799,7 +7870,7 @@
         </p:nvSpPr>
         <p:spPr>
           <a:xfrm>
-            <a:off x="7507587" y="5303899"/>
+            <a:off x="7507587" y="5327649"/>
             <a:ext cx="1707022" cy="276999"/>
           </a:xfrm>
           <a:prstGeom prst="rect">
@@ -7904,7 +7975,7 @@
         </p:nvSpPr>
         <p:spPr>
           <a:xfrm>
-            <a:off x="4371940" y="5477225"/>
+            <a:off x="4371940" y="5536599"/>
             <a:ext cx="2527676" cy="969496"/>
           </a:xfrm>
           <a:prstGeom prst="rect">
@@ -7969,7 +8040,7 @@
         </p:nvSpPr>
         <p:spPr>
           <a:xfrm>
-            <a:off x="4317289" y="5286990"/>
+            <a:off x="4317289" y="5310740"/>
             <a:ext cx="2397260" cy="276999"/>
           </a:xfrm>
           <a:prstGeom prst="rect">
@@ -8848,7 +8919,7 @@
         </p:nvSpPr>
         <p:spPr>
           <a:xfrm rot="10800000">
-            <a:off x="1581879" y="4419938"/>
+            <a:off x="1581879" y="4431813"/>
             <a:ext cx="588397" cy="633889"/>
           </a:xfrm>
           <a:prstGeom prst="arc">
@@ -8893,8 +8964,8 @@
         </p:nvCxnSpPr>
         <p:spPr>
           <a:xfrm flipH="1" flipV="1">
-            <a:off x="1876077" y="5050448"/>
-            <a:ext cx="7789580" cy="33183"/>
+            <a:off x="1876077" y="5074198"/>
+            <a:ext cx="7789580" cy="0"/>
           </a:xfrm>
           <a:prstGeom prst="line">
             <a:avLst/>
@@ -9968,7 +10039,7 @@
         </p:nvSpPr>
         <p:spPr>
           <a:xfrm>
-            <a:off x="9164496" y="900178"/>
+            <a:off x="9164496" y="888303"/>
             <a:ext cx="588397" cy="633889"/>
           </a:xfrm>
           <a:prstGeom prst="arc">
@@ -10008,15 +10079,13 @@
           <p:cNvPr id="76" name="Straight Connector 75"/>
           <p:cNvCxnSpPr>
             <a:cxnSpLocks/>
-            <a:stCxn id="57" idx="0"/>
-            <a:endCxn id="92" idx="3"/>
           </p:cNvCxnSpPr>
           <p:nvPr/>
         </p:nvCxnSpPr>
         <p:spPr>
-          <a:xfrm flipH="1" flipV="1">
-            <a:off x="4050268" y="893599"/>
-            <a:ext cx="5408426" cy="6579"/>
+          <a:xfrm flipH="1">
+            <a:off x="4050268" y="888303"/>
+            <a:ext cx="5408426" cy="0"/>
           </a:xfrm>
           <a:prstGeom prst="line">
             <a:avLst/>
@@ -10486,6 +10555,2101 @@
 </p:sld>
 </file>
 
+<file path=ppt/slides/slide13.xml><?xml version="1.0" encoding="utf-8"?>
+<p:sld xmlns:a="http://schemas.openxmlformats.org/drawingml/2006/main" xmlns:r="http://schemas.openxmlformats.org/officeDocument/2006/relationships" xmlns:p="http://schemas.openxmlformats.org/presentationml/2006/main">
+  <p:cSld>
+    <p:spTree>
+      <p:nvGrpSpPr>
+        <p:cNvPr id="1" name=""/>
+        <p:cNvGrpSpPr/>
+        <p:nvPr/>
+      </p:nvGrpSpPr>
+      <p:grpSpPr>
+        <a:xfrm>
+          <a:off x="0" y="0"/>
+          <a:ext cx="0" cy="0"/>
+          <a:chOff x="0" y="0"/>
+          <a:chExt cx="0" cy="0"/>
+        </a:xfrm>
+      </p:grpSpPr>
+      <p:sp>
+        <p:nvSpPr>
+          <p:cNvPr id="95" name="Rectangle 94"/>
+          <p:cNvSpPr/>
+          <p:nvPr/>
+        </p:nvSpPr>
+        <p:spPr>
+          <a:xfrm>
+            <a:off x="1272047" y="156087"/>
+            <a:ext cx="9210675" cy="6451190"/>
+          </a:xfrm>
+          <a:prstGeom prst="rect">
+            <a:avLst/>
+          </a:prstGeom>
+          <a:noFill/>
+          <a:ln w="38100">
+            <a:solidFill>
+              <a:srgbClr val="2CA4F2"/>
+            </a:solidFill>
+          </a:ln>
+        </p:spPr>
+        <p:style>
+          <a:lnRef idx="2">
+            <a:schemeClr val="accent1">
+              <a:shade val="50000"/>
+            </a:schemeClr>
+          </a:lnRef>
+          <a:fillRef idx="1">
+            <a:schemeClr val="accent1"/>
+          </a:fillRef>
+          <a:effectRef idx="0">
+            <a:schemeClr val="accent1"/>
+          </a:effectRef>
+          <a:fontRef idx="minor">
+            <a:schemeClr val="lt1"/>
+          </a:fontRef>
+        </p:style>
+        <p:txBody>
+          <a:bodyPr rtlCol="0" anchor="ctr"/>
+          <a:lstStyle/>
+          <a:p>
+            <a:pPr algn="ctr"/>
+            <a:endParaRPr lang="en-US" sz="1400" b="1" i="1">
+              <a:solidFill>
+                <a:schemeClr val="tx1"/>
+              </a:solidFill>
+              <a:latin typeface="メイリオ" panose="020B0604030504040204" pitchFamily="50" charset="-128"/>
+              <a:ea typeface="メイリオ" panose="020B0604030504040204" pitchFamily="50" charset="-128"/>
+              <a:cs typeface="メイリオ" panose="020B0604030504040204" pitchFamily="50" charset="-128"/>
+            </a:endParaRPr>
+          </a:p>
+        </p:txBody>
+      </p:sp>
+      <p:cxnSp>
+        <p:nvCxnSpPr>
+          <p:cNvPr id="20" name="Straight Connector 19"/>
+          <p:cNvCxnSpPr>
+            <a:cxnSpLocks/>
+          </p:cNvCxnSpPr>
+          <p:nvPr/>
+        </p:nvCxnSpPr>
+        <p:spPr>
+          <a:xfrm>
+            <a:off x="9752893" y="1275479"/>
+            <a:ext cx="874" cy="1406716"/>
+          </a:xfrm>
+          <a:prstGeom prst="line">
+            <a:avLst/>
+          </a:prstGeom>
+          <a:ln w="19050">
+            <a:solidFill>
+              <a:schemeClr val="tx1"/>
+            </a:solidFill>
+          </a:ln>
+        </p:spPr>
+        <p:style>
+          <a:lnRef idx="1">
+            <a:schemeClr val="accent1"/>
+          </a:lnRef>
+          <a:fillRef idx="0">
+            <a:schemeClr val="accent1"/>
+          </a:fillRef>
+          <a:effectRef idx="0">
+            <a:schemeClr val="accent1"/>
+          </a:effectRef>
+          <a:fontRef idx="minor">
+            <a:schemeClr val="tx1"/>
+          </a:fontRef>
+        </p:style>
+      </p:cxnSp>
+      <p:sp>
+        <p:nvSpPr>
+          <p:cNvPr id="23" name="Arc 22"/>
+          <p:cNvSpPr/>
+          <p:nvPr/>
+        </p:nvSpPr>
+        <p:spPr>
+          <a:xfrm rot="5400000">
+            <a:off x="9142624" y="2362569"/>
+            <a:ext cx="588397" cy="633889"/>
+          </a:xfrm>
+          <a:prstGeom prst="arc">
+            <a:avLst/>
+          </a:prstGeom>
+          <a:ln w="19050">
+            <a:solidFill>
+              <a:schemeClr val="tx1"/>
+            </a:solidFill>
+          </a:ln>
+        </p:spPr>
+        <p:style>
+          <a:lnRef idx="1">
+            <a:schemeClr val="accent1"/>
+          </a:lnRef>
+          <a:fillRef idx="0">
+            <a:schemeClr val="accent1"/>
+          </a:fillRef>
+          <a:effectRef idx="0">
+            <a:schemeClr val="accent1"/>
+          </a:effectRef>
+          <a:fontRef idx="minor">
+            <a:schemeClr val="tx1"/>
+          </a:fontRef>
+        </p:style>
+        <p:txBody>
+          <a:bodyPr rtlCol="0" anchor="ctr"/>
+          <a:lstStyle/>
+          <a:p>
+            <a:pPr algn="ctr"/>
+            <a:endParaRPr lang="en-US"/>
+          </a:p>
+        </p:txBody>
+      </p:sp>
+      <p:cxnSp>
+        <p:nvCxnSpPr>
+          <p:cNvPr id="24" name="Straight Connector 23"/>
+          <p:cNvCxnSpPr>
+            <a:cxnSpLocks/>
+            <a:stCxn id="23" idx="2"/>
+            <a:endCxn id="26" idx="2"/>
+          </p:cNvCxnSpPr>
+          <p:nvPr/>
+        </p:nvCxnSpPr>
+        <p:spPr>
+          <a:xfrm flipH="1" flipV="1">
+            <a:off x="1898824" y="2973711"/>
+            <a:ext cx="7537998" cy="1"/>
+          </a:xfrm>
+          <a:prstGeom prst="line">
+            <a:avLst/>
+          </a:prstGeom>
+          <a:ln w="19050">
+            <a:solidFill>
+              <a:schemeClr val="tx1"/>
+            </a:solidFill>
+          </a:ln>
+        </p:spPr>
+        <p:style>
+          <a:lnRef idx="1">
+            <a:schemeClr val="accent1"/>
+          </a:lnRef>
+          <a:fillRef idx="0">
+            <a:schemeClr val="accent1"/>
+          </a:fillRef>
+          <a:effectRef idx="0">
+            <a:schemeClr val="accent1"/>
+          </a:effectRef>
+          <a:fontRef idx="minor">
+            <a:schemeClr val="tx1"/>
+          </a:fontRef>
+        </p:style>
+      </p:cxnSp>
+      <p:sp>
+        <p:nvSpPr>
+          <p:cNvPr id="26" name="Arc 25"/>
+          <p:cNvSpPr/>
+          <p:nvPr/>
+        </p:nvSpPr>
+        <p:spPr>
+          <a:xfrm rot="16200000">
+            <a:off x="1604625" y="2950965"/>
+            <a:ext cx="588397" cy="633889"/>
+          </a:xfrm>
+          <a:prstGeom prst="arc">
+            <a:avLst/>
+          </a:prstGeom>
+          <a:ln w="19050">
+            <a:solidFill>
+              <a:schemeClr val="tx1"/>
+            </a:solidFill>
+          </a:ln>
+        </p:spPr>
+        <p:style>
+          <a:lnRef idx="1">
+            <a:schemeClr val="accent1"/>
+          </a:lnRef>
+          <a:fillRef idx="0">
+            <a:schemeClr val="accent1"/>
+          </a:fillRef>
+          <a:effectRef idx="0">
+            <a:schemeClr val="accent1"/>
+          </a:effectRef>
+          <a:fontRef idx="minor">
+            <a:schemeClr val="tx1"/>
+          </a:fontRef>
+        </p:style>
+        <p:txBody>
+          <a:bodyPr rtlCol="0" anchor="ctr"/>
+          <a:lstStyle/>
+          <a:p>
+            <a:pPr algn="ctr"/>
+            <a:endParaRPr lang="en-US"/>
+          </a:p>
+        </p:txBody>
+      </p:sp>
+      <p:sp>
+        <p:nvSpPr>
+          <p:cNvPr id="29" name="Arc 28"/>
+          <p:cNvSpPr/>
+          <p:nvPr/>
+        </p:nvSpPr>
+        <p:spPr>
+          <a:xfrm rot="10800000">
+            <a:off x="1581879" y="4431813"/>
+            <a:ext cx="588397" cy="633889"/>
+          </a:xfrm>
+          <a:prstGeom prst="arc">
+            <a:avLst/>
+          </a:prstGeom>
+          <a:ln w="19050">
+            <a:solidFill>
+              <a:schemeClr val="tx1"/>
+            </a:solidFill>
+          </a:ln>
+        </p:spPr>
+        <p:style>
+          <a:lnRef idx="1">
+            <a:schemeClr val="accent1"/>
+          </a:lnRef>
+          <a:fillRef idx="0">
+            <a:schemeClr val="accent1"/>
+          </a:fillRef>
+          <a:effectRef idx="0">
+            <a:schemeClr val="accent1"/>
+          </a:effectRef>
+          <a:fontRef idx="minor">
+            <a:schemeClr val="tx1"/>
+          </a:fontRef>
+        </p:style>
+        <p:txBody>
+          <a:bodyPr rtlCol="0" anchor="ctr"/>
+          <a:lstStyle/>
+          <a:p>
+            <a:pPr algn="ctr"/>
+            <a:endParaRPr lang="en-US"/>
+          </a:p>
+        </p:txBody>
+      </p:sp>
+      <p:cxnSp>
+        <p:nvCxnSpPr>
+          <p:cNvPr id="34" name="Straight Connector 33"/>
+          <p:cNvCxnSpPr>
+            <a:cxnSpLocks/>
+          </p:cNvCxnSpPr>
+          <p:nvPr/>
+        </p:nvCxnSpPr>
+        <p:spPr>
+          <a:xfrm flipH="1" flipV="1">
+            <a:off x="1876077" y="5074198"/>
+            <a:ext cx="7789580" cy="0"/>
+          </a:xfrm>
+          <a:prstGeom prst="line">
+            <a:avLst/>
+          </a:prstGeom>
+          <a:ln w="19050">
+            <a:solidFill>
+              <a:schemeClr val="tx1"/>
+            </a:solidFill>
+          </a:ln>
+        </p:spPr>
+        <p:style>
+          <a:lnRef idx="1">
+            <a:schemeClr val="accent1"/>
+          </a:lnRef>
+          <a:fillRef idx="0">
+            <a:schemeClr val="accent1"/>
+          </a:fillRef>
+          <a:effectRef idx="0">
+            <a:schemeClr val="accent1"/>
+          </a:effectRef>
+          <a:fontRef idx="minor">
+            <a:schemeClr val="tx1"/>
+          </a:fontRef>
+        </p:style>
+      </p:cxnSp>
+      <p:cxnSp>
+        <p:nvCxnSpPr>
+          <p:cNvPr id="16" name="Straight Connector 15"/>
+          <p:cNvCxnSpPr>
+            <a:cxnSpLocks/>
+          </p:cNvCxnSpPr>
+          <p:nvPr/>
+        </p:nvCxnSpPr>
+        <p:spPr>
+          <a:xfrm>
+            <a:off x="1584692" y="3270166"/>
+            <a:ext cx="1" cy="1487036"/>
+          </a:xfrm>
+          <a:prstGeom prst="line">
+            <a:avLst/>
+          </a:prstGeom>
+          <a:ln w="19050">
+            <a:solidFill>
+              <a:schemeClr val="tx1"/>
+            </a:solidFill>
+          </a:ln>
+        </p:spPr>
+        <p:style>
+          <a:lnRef idx="1">
+            <a:schemeClr val="accent1"/>
+          </a:lnRef>
+          <a:fillRef idx="0">
+            <a:schemeClr val="accent1"/>
+          </a:fillRef>
+          <a:effectRef idx="0">
+            <a:schemeClr val="accent1"/>
+          </a:effectRef>
+          <a:fontRef idx="minor">
+            <a:schemeClr val="tx1"/>
+          </a:fontRef>
+        </p:style>
+      </p:cxnSp>
+      <p:sp>
+        <p:nvSpPr>
+          <p:cNvPr id="58" name="TextBox 57"/>
+          <p:cNvSpPr txBox="1"/>
+          <p:nvPr/>
+        </p:nvSpPr>
+        <p:spPr>
+          <a:xfrm>
+            <a:off x="2238567" y="3266396"/>
+            <a:ext cx="1947804" cy="769441"/>
+          </a:xfrm>
+          <a:prstGeom prst="rect">
+            <a:avLst/>
+          </a:prstGeom>
+          <a:noFill/>
+        </p:spPr>
+        <p:txBody>
+          <a:bodyPr wrap="square" rtlCol="0">
+            <a:spAutoFit/>
+          </a:bodyPr>
+          <a:lstStyle>
+            <a:defPPr>
+              <a:defRPr lang="sv-SE"/>
+            </a:defPPr>
+            <a:lvl1pPr>
+              <a:defRPr sz="1100">
+                <a:latin typeface="メイリオ" panose="020B0604030504040204" pitchFamily="50" charset="-128"/>
+                <a:ea typeface="メイリオ" panose="020B0604030504040204" pitchFamily="50" charset="-128"/>
+                <a:cs typeface="メイリオ" panose="020B0604030504040204" pitchFamily="50" charset="-128"/>
+              </a:defRPr>
+            </a:lvl1pPr>
+          </a:lstStyle>
+          <a:p>
+            <a:r>
+              <a:rPr lang="ja-JP" altLang="en-US" dirty="0" smtClean="0"/>
+              <a:t>対象企業が</a:t>
+            </a:r>
+            <a:r>
+              <a:rPr lang="en-US" altLang="ja-JP" dirty="0" smtClean="0"/>
+              <a:t>Web</a:t>
+            </a:r>
+            <a:r>
+              <a:rPr lang="ja-JP" altLang="en-US" dirty="0" smtClean="0"/>
+              <a:t>アプリケーションへ電子署名をアップロードし、スキャンを実施します。</a:t>
+            </a:r>
+            <a:endParaRPr lang="sv-SE" dirty="0"/>
+          </a:p>
+        </p:txBody>
+      </p:sp>
+      <p:sp>
+        <p:nvSpPr>
+          <p:cNvPr id="59" name="TextBox 58"/>
+          <p:cNvSpPr txBox="1"/>
+          <p:nvPr/>
+        </p:nvSpPr>
+        <p:spPr>
+          <a:xfrm>
+            <a:off x="2274950" y="3015825"/>
+            <a:ext cx="1917040" cy="276999"/>
+          </a:xfrm>
+          <a:prstGeom prst="rect">
+            <a:avLst/>
+          </a:prstGeom>
+          <a:noFill/>
+        </p:spPr>
+        <p:txBody>
+          <a:bodyPr wrap="square" rtlCol="0">
+            <a:spAutoFit/>
+          </a:bodyPr>
+          <a:lstStyle>
+            <a:defPPr>
+              <a:defRPr lang="sv-SE"/>
+            </a:defPPr>
+            <a:lvl1pPr algn="ctr">
+              <a:defRPr sz="1200" b="1">
+                <a:latin typeface="メイリオ" panose="020B0604030504040204" pitchFamily="50" charset="-128"/>
+                <a:ea typeface="メイリオ" panose="020B0604030504040204" pitchFamily="50" charset="-128"/>
+                <a:cs typeface="メイリオ" panose="020B0604030504040204" pitchFamily="50" charset="-128"/>
+              </a:defRPr>
+            </a:lvl1pPr>
+          </a:lstStyle>
+          <a:p>
+            <a:r>
+              <a:rPr lang="ja-JP" altLang="en-US" dirty="0" smtClean="0"/>
+              <a:t>アップロードとスキャン</a:t>
+            </a:r>
+            <a:endParaRPr lang="sv-SE" dirty="0"/>
+          </a:p>
+        </p:txBody>
+      </p:sp>
+      <p:sp>
+        <p:nvSpPr>
+          <p:cNvPr id="60" name="TextBox 59"/>
+          <p:cNvSpPr txBox="1"/>
+          <p:nvPr/>
+        </p:nvSpPr>
+        <p:spPr>
+          <a:xfrm>
+            <a:off x="4603405" y="3259834"/>
+            <a:ext cx="2394428" cy="938719"/>
+          </a:xfrm>
+          <a:prstGeom prst="rect">
+            <a:avLst/>
+          </a:prstGeom>
+          <a:noFill/>
+        </p:spPr>
+        <p:txBody>
+          <a:bodyPr wrap="square" rtlCol="0">
+            <a:spAutoFit/>
+          </a:bodyPr>
+          <a:lstStyle>
+            <a:defPPr>
+              <a:defRPr lang="sv-SE"/>
+            </a:defPPr>
+            <a:lvl1pPr>
+              <a:defRPr sz="1100">
+                <a:latin typeface="メイリオ" panose="020B0604030504040204" pitchFamily="50" charset="-128"/>
+                <a:ea typeface="メイリオ" panose="020B0604030504040204" pitchFamily="50" charset="-128"/>
+                <a:cs typeface="メイリオ" panose="020B0604030504040204" pitchFamily="50" charset="-128"/>
+              </a:defRPr>
+            </a:lvl1pPr>
+          </a:lstStyle>
+          <a:p>
+            <a:r>
+              <a:rPr lang="en-US" dirty="0"/>
+              <a:t>FOSSID </a:t>
+            </a:r>
+            <a:r>
+              <a:rPr lang="en-US" dirty="0" smtClean="0"/>
+              <a:t>AB</a:t>
+            </a:r>
+            <a:r>
+              <a:rPr lang="ja-JP" altLang="en-US" dirty="0" smtClean="0"/>
+              <a:t>が対象企業向けに、ツールの操作方法（スキャン実行、レビュー結果、レポート生成）を説明する、最初のセッションを実施します。</a:t>
+            </a:r>
+            <a:endParaRPr lang="sv-SE" dirty="0"/>
+          </a:p>
+        </p:txBody>
+      </p:sp>
+      <p:sp>
+        <p:nvSpPr>
+          <p:cNvPr id="61" name="TextBox 60"/>
+          <p:cNvSpPr txBox="1"/>
+          <p:nvPr/>
+        </p:nvSpPr>
+        <p:spPr>
+          <a:xfrm>
+            <a:off x="4565949" y="3018152"/>
+            <a:ext cx="2388409" cy="276999"/>
+          </a:xfrm>
+          <a:prstGeom prst="rect">
+            <a:avLst/>
+          </a:prstGeom>
+          <a:noFill/>
+        </p:spPr>
+        <p:txBody>
+          <a:bodyPr wrap="square" rtlCol="0">
+            <a:spAutoFit/>
+          </a:bodyPr>
+          <a:lstStyle>
+            <a:defPPr>
+              <a:defRPr lang="sv-SE"/>
+            </a:defPPr>
+            <a:lvl1pPr algn="ctr">
+              <a:defRPr sz="1200" b="1">
+                <a:latin typeface="メイリオ" panose="020B0604030504040204" pitchFamily="50" charset="-128"/>
+                <a:ea typeface="メイリオ" panose="020B0604030504040204" pitchFamily="50" charset="-128"/>
+                <a:cs typeface="メイリオ" panose="020B0604030504040204" pitchFamily="50" charset="-128"/>
+              </a:defRPr>
+            </a:lvl1pPr>
+          </a:lstStyle>
+          <a:p>
+            <a:r>
+              <a:rPr lang="ja-JP" altLang="en-US" dirty="0" smtClean="0"/>
+              <a:t>オンラインでの初期設定</a:t>
+            </a:r>
+            <a:endParaRPr lang="sv-SE" dirty="0"/>
+          </a:p>
+        </p:txBody>
+      </p:sp>
+      <p:sp>
+        <p:nvSpPr>
+          <p:cNvPr id="51" name="TextBox 50"/>
+          <p:cNvSpPr txBox="1"/>
+          <p:nvPr/>
+        </p:nvSpPr>
+        <p:spPr>
+          <a:xfrm>
+            <a:off x="7356856" y="3259834"/>
+            <a:ext cx="2118486" cy="769441"/>
+          </a:xfrm>
+          <a:prstGeom prst="rect">
+            <a:avLst/>
+          </a:prstGeom>
+          <a:noFill/>
+        </p:spPr>
+        <p:txBody>
+          <a:bodyPr wrap="square" rtlCol="0">
+            <a:spAutoFit/>
+          </a:bodyPr>
+          <a:lstStyle>
+            <a:defPPr>
+              <a:defRPr lang="sv-SE"/>
+            </a:defPPr>
+            <a:lvl1pPr>
+              <a:defRPr sz="1100">
+                <a:latin typeface="メイリオ" panose="020B0604030504040204" pitchFamily="50" charset="-128"/>
+                <a:ea typeface="メイリオ" panose="020B0604030504040204" pitchFamily="50" charset="-128"/>
+                <a:cs typeface="メイリオ" panose="020B0604030504040204" pitchFamily="50" charset="-128"/>
+              </a:defRPr>
+            </a:lvl1pPr>
+          </a:lstStyle>
+          <a:p>
+            <a:r>
+              <a:rPr lang="en-US" dirty="0"/>
+              <a:t>FOSSID </a:t>
+            </a:r>
+            <a:r>
+              <a:rPr lang="en-US" dirty="0" smtClean="0"/>
+              <a:t>AB</a:t>
+            </a:r>
+            <a:r>
+              <a:rPr lang="ja-JP" altLang="en-US" dirty="0"/>
+              <a:t>が</a:t>
+            </a:r>
+            <a:r>
+              <a:rPr lang="ja-JP" altLang="en-US" dirty="0" smtClean="0"/>
+              <a:t>対象企業に対し、期間限定で</a:t>
+            </a:r>
+            <a:r>
+              <a:rPr lang="ja-JP" altLang="en-US" dirty="0"/>
+              <a:t>彼らの</a:t>
+            </a:r>
+            <a:r>
+              <a:rPr lang="en-US" altLang="ja-JP" dirty="0"/>
+              <a:t>Web</a:t>
+            </a:r>
+            <a:r>
+              <a:rPr lang="ja-JP" altLang="en-US" dirty="0" smtClean="0"/>
+              <a:t>アプリケーションインスタンスへのアクセスを提供します。</a:t>
+            </a:r>
+            <a:endParaRPr lang="sv-SE" dirty="0"/>
+          </a:p>
+        </p:txBody>
+      </p:sp>
+      <p:sp>
+        <p:nvSpPr>
+          <p:cNvPr id="52" name="TextBox 51"/>
+          <p:cNvSpPr txBox="1"/>
+          <p:nvPr/>
+        </p:nvSpPr>
+        <p:spPr>
+          <a:xfrm>
+            <a:off x="7284570" y="3022902"/>
+            <a:ext cx="2212061" cy="276999"/>
+          </a:xfrm>
+          <a:prstGeom prst="rect">
+            <a:avLst/>
+          </a:prstGeom>
+          <a:noFill/>
+        </p:spPr>
+        <p:txBody>
+          <a:bodyPr wrap="square" rtlCol="0">
+            <a:spAutoFit/>
+          </a:bodyPr>
+          <a:lstStyle>
+            <a:defPPr>
+              <a:defRPr lang="sv-SE"/>
+            </a:defPPr>
+            <a:lvl1pPr algn="ctr">
+              <a:defRPr sz="1200" b="1">
+                <a:latin typeface="メイリオ" panose="020B0604030504040204" pitchFamily="50" charset="-128"/>
+                <a:ea typeface="メイリオ" panose="020B0604030504040204" pitchFamily="50" charset="-128"/>
+                <a:cs typeface="メイリオ" panose="020B0604030504040204" pitchFamily="50" charset="-128"/>
+              </a:defRPr>
+            </a:lvl1pPr>
+          </a:lstStyle>
+          <a:p>
+            <a:r>
+              <a:rPr lang="ja-JP" altLang="en-US" dirty="0" smtClean="0"/>
+              <a:t>専用</a:t>
+            </a:r>
+            <a:r>
+              <a:rPr lang="en-US" altLang="ja-JP" dirty="0" smtClean="0"/>
+              <a:t>Web</a:t>
+            </a:r>
+            <a:r>
+              <a:rPr lang="ja-JP" altLang="en-US" dirty="0" smtClean="0"/>
+              <a:t>アプリケーション</a:t>
+            </a:r>
+            <a:endParaRPr lang="sv-SE" dirty="0"/>
+          </a:p>
+        </p:txBody>
+      </p:sp>
+      <p:pic>
+        <p:nvPicPr>
+          <p:cNvPr id="4" name="Picture 3"/>
+          <p:cNvPicPr>
+            <a:picLocks noChangeAspect="1"/>
+          </p:cNvPicPr>
+          <p:nvPr/>
+        </p:nvPicPr>
+        <p:blipFill>
+          <a:blip r:embed="rId3" cstate="print">
+            <a:extLst>
+              <a:ext uri="{28A0092B-C50C-407E-A947-70E740481C1C}">
+                <a14:useLocalDpi xmlns:a14="http://schemas.microsoft.com/office/drawing/2010/main" val="0"/>
+              </a:ext>
+            </a:extLst>
+          </a:blip>
+          <a:stretch>
+            <a:fillRect/>
+          </a:stretch>
+        </p:blipFill>
+        <p:spPr>
+          <a:xfrm>
+            <a:off x="5497308" y="2393073"/>
+            <a:ext cx="525689" cy="525689"/>
+          </a:xfrm>
+          <a:prstGeom prst="rect">
+            <a:avLst/>
+          </a:prstGeom>
+        </p:spPr>
+      </p:pic>
+      <p:pic>
+        <p:nvPicPr>
+          <p:cNvPr id="7" name="Picture 6"/>
+          <p:cNvPicPr>
+            <a:picLocks noChangeAspect="1"/>
+          </p:cNvPicPr>
+          <p:nvPr/>
+        </p:nvPicPr>
+        <p:blipFill>
+          <a:blip r:embed="rId4" cstate="print">
+            <a:extLst>
+              <a:ext uri="{28A0092B-C50C-407E-A947-70E740481C1C}">
+                <a14:useLocalDpi xmlns:a14="http://schemas.microsoft.com/office/drawing/2010/main" val="0"/>
+              </a:ext>
+            </a:extLst>
+          </a:blip>
+          <a:stretch>
+            <a:fillRect/>
+          </a:stretch>
+        </p:blipFill>
+        <p:spPr>
+          <a:xfrm>
+            <a:off x="7961572" y="4369011"/>
+            <a:ext cx="660640" cy="660640"/>
+          </a:xfrm>
+          <a:prstGeom prst="rect">
+            <a:avLst/>
+          </a:prstGeom>
+        </p:spPr>
+      </p:pic>
+      <p:sp>
+        <p:nvSpPr>
+          <p:cNvPr id="70" name="TextBox 69"/>
+          <p:cNvSpPr txBox="1"/>
+          <p:nvPr/>
+        </p:nvSpPr>
+        <p:spPr>
+          <a:xfrm>
+            <a:off x="1624606" y="5311492"/>
+            <a:ext cx="2445505" cy="1277273"/>
+          </a:xfrm>
+          <a:prstGeom prst="rect">
+            <a:avLst/>
+          </a:prstGeom>
+          <a:noFill/>
+        </p:spPr>
+        <p:txBody>
+          <a:bodyPr wrap="square" rtlCol="0">
+            <a:spAutoFit/>
+          </a:bodyPr>
+          <a:lstStyle>
+            <a:defPPr>
+              <a:defRPr lang="sv-SE"/>
+            </a:defPPr>
+            <a:lvl1pPr>
+              <a:defRPr sz="1100">
+                <a:latin typeface="メイリオ" panose="020B0604030504040204" pitchFamily="50" charset="-128"/>
+                <a:ea typeface="メイリオ" panose="020B0604030504040204" pitchFamily="50" charset="-128"/>
+                <a:cs typeface="メイリオ" panose="020B0604030504040204" pitchFamily="50" charset="-128"/>
+              </a:defRPr>
+            </a:lvl1pPr>
+          </a:lstStyle>
+          <a:p>
+            <a:r>
+              <a:rPr lang="ja-JP" altLang="en-US" dirty="0" smtClean="0"/>
+              <a:t>ターゲット企業がコードを監査できるようになり、すべてのファイルやスニペットについて</a:t>
+            </a:r>
+            <a:r>
+              <a:rPr lang="en-US" altLang="ja-JP" dirty="0" smtClean="0"/>
+              <a:t>FOSSID</a:t>
+            </a:r>
+            <a:r>
+              <a:rPr lang="ja-JP" altLang="en-US" dirty="0" smtClean="0"/>
+              <a:t>社のオープンソース データベースとの適合を調査し、部品表（</a:t>
+            </a:r>
+            <a:r>
+              <a:rPr lang="en-US" altLang="ja-JP" dirty="0" smtClean="0"/>
+              <a:t>Bill of </a:t>
+            </a:r>
+            <a:r>
+              <a:rPr lang="en-US" altLang="ja-JP" dirty="0" err="1" smtClean="0"/>
+              <a:t>Matrials</a:t>
+            </a:r>
+            <a:r>
+              <a:rPr lang="ja-JP" altLang="en-US" dirty="0" smtClean="0"/>
+              <a:t>）と</a:t>
+            </a:r>
+            <a:r>
+              <a:rPr lang="en-US" altLang="ja-JP" dirty="0" smtClean="0"/>
+              <a:t>SPDX</a:t>
+            </a:r>
+            <a:r>
+              <a:rPr lang="ja-JP" altLang="en-US" dirty="0" smtClean="0"/>
+              <a:t>対応のレポートを生成します。</a:t>
+            </a:r>
+            <a:endParaRPr lang="sv-SE" dirty="0"/>
+          </a:p>
+        </p:txBody>
+      </p:sp>
+      <p:sp>
+        <p:nvSpPr>
+          <p:cNvPr id="75" name="TextBox 74"/>
+          <p:cNvSpPr txBox="1"/>
+          <p:nvPr/>
+        </p:nvSpPr>
+        <p:spPr>
+          <a:xfrm>
+            <a:off x="1532769" y="5097125"/>
+            <a:ext cx="2539130" cy="276999"/>
+          </a:xfrm>
+          <a:prstGeom prst="rect">
+            <a:avLst/>
+          </a:prstGeom>
+          <a:noFill/>
+        </p:spPr>
+        <p:txBody>
+          <a:bodyPr wrap="square" rtlCol="0">
+            <a:spAutoFit/>
+          </a:bodyPr>
+          <a:lstStyle>
+            <a:defPPr>
+              <a:defRPr lang="sv-SE"/>
+            </a:defPPr>
+            <a:lvl1pPr algn="ctr">
+              <a:defRPr sz="1200" b="1">
+                <a:latin typeface="メイリオ" panose="020B0604030504040204" pitchFamily="50" charset="-128"/>
+                <a:ea typeface="メイリオ" panose="020B0604030504040204" pitchFamily="50" charset="-128"/>
+                <a:cs typeface="メイリオ" panose="020B0604030504040204" pitchFamily="50" charset="-128"/>
+              </a:defRPr>
+            </a:lvl1pPr>
+          </a:lstStyle>
+          <a:p>
+            <a:r>
+              <a:rPr lang="ja-JP" altLang="en-US" dirty="0" smtClean="0"/>
+              <a:t>自身のソフトウェアの監査</a:t>
+            </a:r>
+            <a:endParaRPr lang="sv-SE" dirty="0"/>
+          </a:p>
+        </p:txBody>
+      </p:sp>
+      <p:sp>
+        <p:nvSpPr>
+          <p:cNvPr id="82" name="TextBox 81"/>
+          <p:cNvSpPr txBox="1"/>
+          <p:nvPr/>
+        </p:nvSpPr>
+        <p:spPr>
+          <a:xfrm>
+            <a:off x="7041618" y="5323080"/>
+            <a:ext cx="2697964" cy="938719"/>
+          </a:xfrm>
+          <a:prstGeom prst="rect">
+            <a:avLst/>
+          </a:prstGeom>
+          <a:noFill/>
+        </p:spPr>
+        <p:txBody>
+          <a:bodyPr wrap="square" rtlCol="0">
+            <a:spAutoFit/>
+          </a:bodyPr>
+          <a:lstStyle>
+            <a:defPPr>
+              <a:defRPr lang="sv-SE"/>
+            </a:defPPr>
+            <a:lvl1pPr>
+              <a:defRPr sz="1100">
+                <a:latin typeface="メイリオ" panose="020B0604030504040204" pitchFamily="50" charset="-128"/>
+                <a:ea typeface="メイリオ" panose="020B0604030504040204" pitchFamily="50" charset="-128"/>
+                <a:cs typeface="メイリオ" panose="020B0604030504040204" pitchFamily="50" charset="-128"/>
+              </a:defRPr>
+            </a:lvl1pPr>
+          </a:lstStyle>
+          <a:p>
+            <a:r>
+              <a:rPr lang="en-US" dirty="0" smtClean="0"/>
+              <a:t>DIY</a:t>
+            </a:r>
+            <a:r>
+              <a:rPr lang="ja-JP" altLang="en-US" dirty="0" smtClean="0"/>
+              <a:t>監査の期間が満了と</a:t>
+            </a:r>
+            <a:r>
+              <a:rPr lang="ja-JP" altLang="en-US" dirty="0"/>
+              <a:t>なる</a:t>
+            </a:r>
+            <a:r>
+              <a:rPr lang="ja-JP" altLang="en-US" dirty="0" smtClean="0"/>
+              <a:t>と</a:t>
+            </a:r>
+            <a:r>
+              <a:rPr lang="en-US" altLang="ja-JP" dirty="0" smtClean="0"/>
+              <a:t>Web</a:t>
+            </a:r>
+            <a:r>
+              <a:rPr lang="ja-JP" altLang="en-US" dirty="0" smtClean="0"/>
+              <a:t>アプリケーションのインスタンスと、関連情報が</a:t>
+            </a:r>
+            <a:r>
+              <a:rPr lang="en-US" altLang="ja-JP" dirty="0" smtClean="0"/>
+              <a:t>FOSSID</a:t>
+            </a:r>
+            <a:r>
+              <a:rPr lang="ja-JP" altLang="en-US" dirty="0" smtClean="0"/>
+              <a:t>のシステムから消去されます。対象企業には</a:t>
+            </a:r>
+            <a:r>
+              <a:rPr lang="ja-JP" altLang="en-US" dirty="0"/>
+              <a:t>公式な消去確認が</a:t>
+            </a:r>
+            <a:r>
+              <a:rPr lang="ja-JP" altLang="en-US" dirty="0" smtClean="0"/>
+              <a:t>送付されます。</a:t>
+            </a:r>
+            <a:endParaRPr lang="sv-SE" dirty="0"/>
+          </a:p>
+        </p:txBody>
+      </p:sp>
+      <p:sp>
+        <p:nvSpPr>
+          <p:cNvPr id="83" name="TextBox 82"/>
+          <p:cNvSpPr txBox="1"/>
+          <p:nvPr/>
+        </p:nvSpPr>
+        <p:spPr>
+          <a:xfrm>
+            <a:off x="7297706" y="5103539"/>
+            <a:ext cx="2133240" cy="276999"/>
+          </a:xfrm>
+          <a:prstGeom prst="rect">
+            <a:avLst/>
+          </a:prstGeom>
+          <a:noFill/>
+        </p:spPr>
+        <p:txBody>
+          <a:bodyPr wrap="square" rtlCol="0">
+            <a:spAutoFit/>
+          </a:bodyPr>
+          <a:lstStyle>
+            <a:defPPr>
+              <a:defRPr lang="sv-SE"/>
+            </a:defPPr>
+            <a:lvl1pPr algn="ctr">
+              <a:defRPr sz="1200" b="1">
+                <a:latin typeface="メイリオ" panose="020B0604030504040204" pitchFamily="50" charset="-128"/>
+                <a:ea typeface="メイリオ" panose="020B0604030504040204" pitchFamily="50" charset="-128"/>
+                <a:cs typeface="メイリオ" panose="020B0604030504040204" pitchFamily="50" charset="-128"/>
+              </a:defRPr>
+            </a:lvl1pPr>
+          </a:lstStyle>
+          <a:p>
+            <a:r>
+              <a:rPr lang="ja-JP" altLang="en-US" dirty="0" smtClean="0"/>
+              <a:t>監査終了とデータ削除</a:t>
+            </a:r>
+            <a:endParaRPr lang="sv-SE" dirty="0"/>
+          </a:p>
+        </p:txBody>
+      </p:sp>
+      <p:grpSp>
+        <p:nvGrpSpPr>
+          <p:cNvPr id="3" name="Group 2"/>
+          <p:cNvGrpSpPr/>
+          <p:nvPr/>
+        </p:nvGrpSpPr>
+        <p:grpSpPr>
+          <a:xfrm>
+            <a:off x="7915633" y="2361915"/>
+            <a:ext cx="780798" cy="641776"/>
+            <a:chOff x="8501211" y="2333971"/>
+            <a:chExt cx="1068985" cy="818980"/>
+          </a:xfrm>
+        </p:grpSpPr>
+        <p:pic>
+          <p:nvPicPr>
+            <p:cNvPr id="11" name="Picture 10"/>
+            <p:cNvPicPr>
+              <a:picLocks noChangeAspect="1"/>
+            </p:cNvPicPr>
+            <p:nvPr/>
+          </p:nvPicPr>
+          <p:blipFill>
+            <a:blip r:embed="rId5" cstate="print">
+              <a:extLst>
+                <a:ext uri="{28A0092B-C50C-407E-A947-70E740481C1C}">
+                  <a14:useLocalDpi xmlns:a14="http://schemas.microsoft.com/office/drawing/2010/main" val="0"/>
+                </a:ext>
+              </a:extLst>
+            </a:blip>
+            <a:stretch>
+              <a:fillRect/>
+            </a:stretch>
+          </p:blipFill>
+          <p:spPr>
+            <a:xfrm>
+              <a:off x="8501211" y="2333971"/>
+              <a:ext cx="818980" cy="818980"/>
+            </a:xfrm>
+            <a:prstGeom prst="rect">
+              <a:avLst/>
+            </a:prstGeom>
+          </p:spPr>
+        </p:pic>
+        <p:pic>
+          <p:nvPicPr>
+            <p:cNvPr id="14" name="Picture 13"/>
+            <p:cNvPicPr>
+              <a:picLocks noChangeAspect="1"/>
+            </p:cNvPicPr>
+            <p:nvPr/>
+          </p:nvPicPr>
+          <p:blipFill>
+            <a:blip r:embed="rId6" cstate="print">
+              <a:extLst>
+                <a:ext uri="{28A0092B-C50C-407E-A947-70E740481C1C}">
+                  <a14:useLocalDpi xmlns:a14="http://schemas.microsoft.com/office/drawing/2010/main" val="0"/>
+                </a:ext>
+              </a:extLst>
+            </a:blip>
+            <a:stretch>
+              <a:fillRect/>
+            </a:stretch>
+          </p:blipFill>
+          <p:spPr>
+            <a:xfrm flipH="1">
+              <a:off x="9086175" y="2500826"/>
+              <a:ext cx="484021" cy="484021"/>
+            </a:xfrm>
+            <a:prstGeom prst="rect">
+              <a:avLst/>
+            </a:prstGeom>
+          </p:spPr>
+        </p:pic>
+      </p:grpSp>
+      <p:grpSp>
+        <p:nvGrpSpPr>
+          <p:cNvPr id="9" name="Group 8"/>
+          <p:cNvGrpSpPr/>
+          <p:nvPr/>
+        </p:nvGrpSpPr>
+        <p:grpSpPr>
+          <a:xfrm>
+            <a:off x="2833820" y="2382478"/>
+            <a:ext cx="770852" cy="559230"/>
+            <a:chOff x="3239173" y="2291037"/>
+            <a:chExt cx="974185" cy="778581"/>
+          </a:xfrm>
+        </p:grpSpPr>
+        <p:pic>
+          <p:nvPicPr>
+            <p:cNvPr id="12" name="Picture 11"/>
+            <p:cNvPicPr>
+              <a:picLocks noChangeAspect="1"/>
+            </p:cNvPicPr>
+            <p:nvPr/>
+          </p:nvPicPr>
+          <p:blipFill>
+            <a:blip r:embed="rId7" cstate="print">
+              <a:extLst>
+                <a:ext uri="{28A0092B-C50C-407E-A947-70E740481C1C}">
+                  <a14:useLocalDpi xmlns:a14="http://schemas.microsoft.com/office/drawing/2010/main" val="0"/>
+                </a:ext>
+              </a:extLst>
+            </a:blip>
+            <a:stretch>
+              <a:fillRect/>
+            </a:stretch>
+          </p:blipFill>
+          <p:spPr>
+            <a:xfrm>
+              <a:off x="3642250" y="2291037"/>
+              <a:ext cx="571108" cy="571108"/>
+            </a:xfrm>
+            <a:prstGeom prst="rect">
+              <a:avLst/>
+            </a:prstGeom>
+          </p:spPr>
+        </p:pic>
+        <p:pic>
+          <p:nvPicPr>
+            <p:cNvPr id="65" name="Picture 64"/>
+            <p:cNvPicPr>
+              <a:picLocks noChangeAspect="1"/>
+            </p:cNvPicPr>
+            <p:nvPr/>
+          </p:nvPicPr>
+          <p:blipFill>
+            <a:blip r:embed="rId8" cstate="print">
+              <a:extLst>
+                <a:ext uri="{28A0092B-C50C-407E-A947-70E740481C1C}">
+                  <a14:useLocalDpi xmlns:a14="http://schemas.microsoft.com/office/drawing/2010/main" val="0"/>
+                </a:ext>
+              </a:extLst>
+            </a:blip>
+            <a:stretch>
+              <a:fillRect/>
+            </a:stretch>
+          </p:blipFill>
+          <p:spPr>
+            <a:xfrm>
+              <a:off x="3239173" y="2527926"/>
+              <a:ext cx="541692" cy="541692"/>
+            </a:xfrm>
+            <a:prstGeom prst="rect">
+              <a:avLst/>
+            </a:prstGeom>
+          </p:spPr>
+        </p:pic>
+        <p:pic>
+          <p:nvPicPr>
+            <p:cNvPr id="94" name="Picture 93"/>
+            <p:cNvPicPr>
+              <a:picLocks noChangeAspect="1"/>
+            </p:cNvPicPr>
+            <p:nvPr/>
+          </p:nvPicPr>
+          <p:blipFill>
+            <a:blip r:embed="rId9" cstate="print">
+              <a:extLst>
+                <a:ext uri="{28A0092B-C50C-407E-A947-70E740481C1C}">
+                  <a14:useLocalDpi xmlns:a14="http://schemas.microsoft.com/office/drawing/2010/main" val="0"/>
+                </a:ext>
+              </a:extLst>
+            </a:blip>
+            <a:stretch>
+              <a:fillRect/>
+            </a:stretch>
+          </p:blipFill>
+          <p:spPr>
+            <a:xfrm>
+              <a:off x="3848308" y="2442251"/>
+              <a:ext cx="310050" cy="310050"/>
+            </a:xfrm>
+            <a:prstGeom prst="rect">
+              <a:avLst/>
+            </a:prstGeom>
+          </p:spPr>
+        </p:pic>
+        <p:pic>
+          <p:nvPicPr>
+            <p:cNvPr id="88" name="Picture 87"/>
+            <p:cNvPicPr>
+              <a:picLocks noChangeAspect="1"/>
+            </p:cNvPicPr>
+            <p:nvPr/>
+          </p:nvPicPr>
+          <p:blipFill>
+            <a:blip r:embed="rId10"/>
+            <a:stretch>
+              <a:fillRect/>
+            </a:stretch>
+          </p:blipFill>
+          <p:spPr>
+            <a:xfrm rot="2749760">
+              <a:off x="3559532" y="2578585"/>
+              <a:ext cx="359171" cy="325819"/>
+            </a:xfrm>
+            <a:prstGeom prst="rect">
+              <a:avLst/>
+            </a:prstGeom>
+          </p:spPr>
+        </p:pic>
+      </p:grpSp>
+      <p:sp>
+        <p:nvSpPr>
+          <p:cNvPr id="62" name="TextBox 61"/>
+          <p:cNvSpPr txBox="1"/>
+          <p:nvPr/>
+        </p:nvSpPr>
+        <p:spPr>
+          <a:xfrm>
+            <a:off x="4280301" y="5097125"/>
+            <a:ext cx="2397260" cy="276999"/>
+          </a:xfrm>
+          <a:prstGeom prst="rect">
+            <a:avLst/>
+          </a:prstGeom>
+          <a:noFill/>
+        </p:spPr>
+        <p:txBody>
+          <a:bodyPr wrap="square" rtlCol="0">
+            <a:spAutoFit/>
+          </a:bodyPr>
+          <a:lstStyle>
+            <a:defPPr>
+              <a:defRPr lang="sv-SE"/>
+            </a:defPPr>
+            <a:lvl1pPr algn="ctr">
+              <a:defRPr sz="1200" b="1">
+                <a:latin typeface="メイリオ" panose="020B0604030504040204" pitchFamily="50" charset="-128"/>
+                <a:ea typeface="メイリオ" panose="020B0604030504040204" pitchFamily="50" charset="-128"/>
+                <a:cs typeface="メイリオ" panose="020B0604030504040204" pitchFamily="50" charset="-128"/>
+              </a:defRPr>
+            </a:lvl1pPr>
+          </a:lstStyle>
+          <a:p>
+            <a:r>
+              <a:rPr lang="ja-JP" altLang="en-US" dirty="0"/>
+              <a:t>独自</a:t>
+            </a:r>
+            <a:r>
+              <a:rPr lang="ja-JP" altLang="en-US" dirty="0" smtClean="0"/>
+              <a:t>検証</a:t>
+            </a:r>
+            <a:endParaRPr lang="en-US" dirty="0"/>
+          </a:p>
+        </p:txBody>
+      </p:sp>
+      <p:sp>
+        <p:nvSpPr>
+          <p:cNvPr id="63" name="TextBox 62"/>
+          <p:cNvSpPr txBox="1"/>
+          <p:nvPr/>
+        </p:nvSpPr>
+        <p:spPr>
+          <a:xfrm>
+            <a:off x="4340407" y="5323080"/>
+            <a:ext cx="2474998" cy="769441"/>
+          </a:xfrm>
+          <a:prstGeom prst="rect">
+            <a:avLst/>
+          </a:prstGeom>
+          <a:noFill/>
+        </p:spPr>
+        <p:txBody>
+          <a:bodyPr wrap="square" rtlCol="0">
+            <a:spAutoFit/>
+          </a:bodyPr>
+          <a:lstStyle>
+            <a:defPPr>
+              <a:defRPr lang="sv-SE"/>
+            </a:defPPr>
+            <a:lvl1pPr>
+              <a:defRPr sz="1100">
+                <a:latin typeface="メイリオ" panose="020B0604030504040204" pitchFamily="50" charset="-128"/>
+                <a:ea typeface="メイリオ" panose="020B0604030504040204" pitchFamily="50" charset="-128"/>
+                <a:cs typeface="メイリオ" panose="020B0604030504040204" pitchFamily="50" charset="-128"/>
+              </a:defRPr>
+            </a:lvl1pPr>
+          </a:lstStyle>
+          <a:p>
+            <a:r>
+              <a:rPr lang="en-US" dirty="0"/>
+              <a:t>FOSSID </a:t>
+            </a:r>
+            <a:r>
+              <a:rPr lang="en-US" dirty="0" smtClean="0"/>
+              <a:t>AB</a:t>
+            </a:r>
+            <a:r>
+              <a:rPr lang="ja-JP" altLang="en-US" dirty="0" smtClean="0"/>
+              <a:t>社のコンプライアンスエンジニアが監査対象のファイルから</a:t>
+            </a:r>
+            <a:r>
+              <a:rPr lang="en-US" altLang="ja-JP" dirty="0" smtClean="0"/>
+              <a:t>1%</a:t>
+            </a:r>
+            <a:r>
+              <a:rPr lang="ja-JP" altLang="en-US" dirty="0" smtClean="0"/>
+              <a:t>を無作為に抽出し、検証します。</a:t>
+            </a:r>
+            <a:endParaRPr lang="sv-SE" dirty="0"/>
+          </a:p>
+        </p:txBody>
+      </p:sp>
+      <p:grpSp>
+        <p:nvGrpSpPr>
+          <p:cNvPr id="10" name="Group 9"/>
+          <p:cNvGrpSpPr/>
+          <p:nvPr/>
+        </p:nvGrpSpPr>
+        <p:grpSpPr>
+          <a:xfrm>
+            <a:off x="5042860" y="4294625"/>
+            <a:ext cx="721526" cy="744916"/>
+            <a:chOff x="4856662" y="4176638"/>
+            <a:chExt cx="721526" cy="744916"/>
+          </a:xfrm>
+        </p:grpSpPr>
+        <p:pic>
+          <p:nvPicPr>
+            <p:cNvPr id="72" name="Picture 71"/>
+            <p:cNvPicPr>
+              <a:picLocks noChangeAspect="1"/>
+            </p:cNvPicPr>
+            <p:nvPr/>
+          </p:nvPicPr>
+          <p:blipFill>
+            <a:blip r:embed="rId11" cstate="print">
+              <a:extLst>
+                <a:ext uri="{28A0092B-C50C-407E-A947-70E740481C1C}">
+                  <a14:useLocalDpi xmlns:a14="http://schemas.microsoft.com/office/drawing/2010/main" val="0"/>
+                </a:ext>
+              </a:extLst>
+            </a:blip>
+            <a:stretch>
+              <a:fillRect/>
+            </a:stretch>
+          </p:blipFill>
+          <p:spPr>
+            <a:xfrm>
+              <a:off x="4856662" y="4176638"/>
+              <a:ext cx="721526" cy="721526"/>
+            </a:xfrm>
+            <a:prstGeom prst="rect">
+              <a:avLst/>
+            </a:prstGeom>
+          </p:spPr>
+        </p:pic>
+        <p:pic>
+          <p:nvPicPr>
+            <p:cNvPr id="73" name="Picture 72"/>
+            <p:cNvPicPr>
+              <a:picLocks noChangeAspect="1"/>
+            </p:cNvPicPr>
+            <p:nvPr/>
+          </p:nvPicPr>
+          <p:blipFill>
+            <a:blip r:embed="rId12" cstate="print">
+              <a:extLst>
+                <a:ext uri="{28A0092B-C50C-407E-A947-70E740481C1C}">
+                  <a14:useLocalDpi xmlns:a14="http://schemas.microsoft.com/office/drawing/2010/main" val="0"/>
+                </a:ext>
+              </a:extLst>
+            </a:blip>
+            <a:stretch>
+              <a:fillRect/>
+            </a:stretch>
+          </p:blipFill>
+          <p:spPr>
+            <a:xfrm rot="2390679">
+              <a:off x="5249921" y="4265722"/>
+              <a:ext cx="283575" cy="655832"/>
+            </a:xfrm>
+            <a:prstGeom prst="rect">
+              <a:avLst/>
+            </a:prstGeom>
+          </p:spPr>
+        </p:pic>
+      </p:grpSp>
+      <p:sp>
+        <p:nvSpPr>
+          <p:cNvPr id="53" name="Rounded Rectangle 52"/>
+          <p:cNvSpPr/>
+          <p:nvPr/>
+        </p:nvSpPr>
+        <p:spPr>
+          <a:xfrm>
+            <a:off x="9678541" y="4791118"/>
+            <a:ext cx="651058" cy="566057"/>
+          </a:xfrm>
+          <a:prstGeom prst="roundRect">
+            <a:avLst/>
+          </a:prstGeom>
+          <a:noFill/>
+          <a:ln w="38100">
+            <a:solidFill>
+              <a:srgbClr val="2CA4F2"/>
+            </a:solidFill>
+          </a:ln>
+        </p:spPr>
+        <p:style>
+          <a:lnRef idx="2">
+            <a:schemeClr val="accent1">
+              <a:shade val="50000"/>
+            </a:schemeClr>
+          </a:lnRef>
+          <a:fillRef idx="1">
+            <a:schemeClr val="accent1"/>
+          </a:fillRef>
+          <a:effectRef idx="0">
+            <a:schemeClr val="accent1"/>
+          </a:effectRef>
+          <a:fontRef idx="minor">
+            <a:schemeClr val="lt1"/>
+          </a:fontRef>
+        </p:style>
+        <p:txBody>
+          <a:bodyPr rtlCol="0" anchor="ctr"/>
+          <a:lstStyle/>
+          <a:p>
+            <a:pPr algn="ctr"/>
+            <a:r>
+              <a:rPr lang="ja-JP" altLang="en-US" sz="1400" b="1" i="1" dirty="0">
+                <a:solidFill>
+                  <a:schemeClr val="tx1"/>
+                </a:solidFill>
+                <a:latin typeface="メイリオ" panose="020B0604030504040204" pitchFamily="50" charset="-128"/>
+                <a:ea typeface="メイリオ" panose="020B0604030504040204" pitchFamily="50" charset="-128"/>
+                <a:cs typeface="メイリオ" panose="020B0604030504040204" pitchFamily="50" charset="-128"/>
+              </a:rPr>
+              <a:t>終了</a:t>
+            </a:r>
+            <a:endParaRPr lang="en-US" sz="1400" b="1" i="1" dirty="0">
+              <a:solidFill>
+                <a:schemeClr val="tx1"/>
+              </a:solidFill>
+              <a:latin typeface="メイリオ" panose="020B0604030504040204" pitchFamily="50" charset="-128"/>
+              <a:ea typeface="メイリオ" panose="020B0604030504040204" pitchFamily="50" charset="-128"/>
+              <a:cs typeface="メイリオ" panose="020B0604030504040204" pitchFamily="50" charset="-128"/>
+            </a:endParaRPr>
+          </a:p>
+        </p:txBody>
+      </p:sp>
+      <p:sp>
+        <p:nvSpPr>
+          <p:cNvPr id="66" name="Isosceles Triangle 65"/>
+          <p:cNvSpPr/>
+          <p:nvPr/>
+        </p:nvSpPr>
+        <p:spPr>
+          <a:xfrm rot="10800000">
+            <a:off x="1396006" y="3871065"/>
+            <a:ext cx="391886" cy="393374"/>
+          </a:xfrm>
+          <a:prstGeom prst="triangle">
+            <a:avLst/>
+          </a:prstGeom>
+          <a:solidFill>
+            <a:srgbClr val="2CA4F2"/>
+          </a:solidFill>
+          <a:ln w="28575">
+            <a:solidFill>
+              <a:schemeClr val="tx1">
+                <a:lumMod val="95000"/>
+                <a:lumOff val="5000"/>
+              </a:schemeClr>
+            </a:solidFill>
+          </a:ln>
+        </p:spPr>
+        <p:style>
+          <a:lnRef idx="2">
+            <a:schemeClr val="accent1">
+              <a:shade val="50000"/>
+            </a:schemeClr>
+          </a:lnRef>
+          <a:fillRef idx="1">
+            <a:schemeClr val="accent1"/>
+          </a:fillRef>
+          <a:effectRef idx="0">
+            <a:schemeClr val="accent1"/>
+          </a:effectRef>
+          <a:fontRef idx="minor">
+            <a:schemeClr val="lt1"/>
+          </a:fontRef>
+        </p:style>
+        <p:txBody>
+          <a:bodyPr rtlCol="0" anchor="ctr"/>
+          <a:lstStyle/>
+          <a:p>
+            <a:pPr algn="ctr"/>
+            <a:endParaRPr lang="en-US"/>
+          </a:p>
+        </p:txBody>
+      </p:sp>
+      <p:pic>
+        <p:nvPicPr>
+          <p:cNvPr id="68" name="Picture 67"/>
+          <p:cNvPicPr>
+            <a:picLocks noChangeAspect="1"/>
+          </p:cNvPicPr>
+          <p:nvPr/>
+        </p:nvPicPr>
+        <p:blipFill>
+          <a:blip r:embed="rId13" cstate="print">
+            <a:extLst>
+              <a:ext uri="{28A0092B-C50C-407E-A947-70E740481C1C}">
+                <a14:useLocalDpi xmlns:a14="http://schemas.microsoft.com/office/drawing/2010/main" val="0"/>
+              </a:ext>
+            </a:extLst>
+          </a:blip>
+          <a:stretch>
+            <a:fillRect/>
+          </a:stretch>
+        </p:blipFill>
+        <p:spPr>
+          <a:xfrm>
+            <a:off x="2355101" y="4294625"/>
+            <a:ext cx="663211" cy="712937"/>
+          </a:xfrm>
+          <a:prstGeom prst="rect">
+            <a:avLst/>
+          </a:prstGeom>
+        </p:spPr>
+      </p:pic>
+      <p:pic>
+        <p:nvPicPr>
+          <p:cNvPr id="67" name="Picture 2" descr="http://carrot-top.com/media/catalog/product/cache/1/image/9df78eab33525d08d6e5fb8d27136e95/a/s/as150_checkered.jpg"/>
+          <p:cNvPicPr>
+            <a:picLocks noChangeAspect="1" noChangeArrowheads="1"/>
+          </p:cNvPicPr>
+          <p:nvPr/>
+        </p:nvPicPr>
+        <p:blipFill rotWithShape="1">
+          <a:blip r:embed="rId14" cstate="print">
+            <a:extLst>
+              <a:ext uri="{28A0092B-C50C-407E-A947-70E740481C1C}">
+                <a14:useLocalDpi xmlns:a14="http://schemas.microsoft.com/office/drawing/2010/main" val="0"/>
+              </a:ext>
+            </a:extLst>
+          </a:blip>
+          <a:srcRect b="9440"/>
+          <a:stretch/>
+        </p:blipFill>
+        <p:spPr bwMode="auto">
+          <a:xfrm>
+            <a:off x="9678541" y="4092161"/>
+            <a:ext cx="740229" cy="670352"/>
+          </a:xfrm>
+          <a:prstGeom prst="rect">
+            <a:avLst/>
+          </a:prstGeom>
+          <a:noFill/>
+          <a:extLst>
+            <a:ext uri="{909E8E84-426E-40DD-AFC4-6F175D3DCCD1}">
+              <a14:hiddenFill xmlns:a14="http://schemas.microsoft.com/office/drawing/2010/main">
+                <a:solidFill>
+                  <a:srgbClr val="FFFFFF"/>
+                </a:solidFill>
+              </a14:hiddenFill>
+            </a:ext>
+          </a:extLst>
+        </p:spPr>
+      </p:pic>
+      <p:sp>
+        <p:nvSpPr>
+          <p:cNvPr id="57" name="Arc 56"/>
+          <p:cNvSpPr/>
+          <p:nvPr/>
+        </p:nvSpPr>
+        <p:spPr>
+          <a:xfrm>
+            <a:off x="9164496" y="947678"/>
+            <a:ext cx="588397" cy="633889"/>
+          </a:xfrm>
+          <a:prstGeom prst="arc">
+            <a:avLst/>
+          </a:prstGeom>
+          <a:ln w="19050">
+            <a:solidFill>
+              <a:schemeClr val="tx1"/>
+            </a:solidFill>
+          </a:ln>
+        </p:spPr>
+        <p:style>
+          <a:lnRef idx="1">
+            <a:schemeClr val="accent1"/>
+          </a:lnRef>
+          <a:fillRef idx="0">
+            <a:schemeClr val="accent1"/>
+          </a:fillRef>
+          <a:effectRef idx="0">
+            <a:schemeClr val="accent1"/>
+          </a:effectRef>
+          <a:fontRef idx="minor">
+            <a:schemeClr val="tx1"/>
+          </a:fontRef>
+        </p:style>
+        <p:txBody>
+          <a:bodyPr rtlCol="0" anchor="ctr"/>
+          <a:lstStyle/>
+          <a:p>
+            <a:pPr algn="ctr"/>
+            <a:endParaRPr lang="en-US"/>
+          </a:p>
+        </p:txBody>
+      </p:sp>
+      <p:cxnSp>
+        <p:nvCxnSpPr>
+          <p:cNvPr id="76" name="Straight Connector 75"/>
+          <p:cNvCxnSpPr>
+            <a:cxnSpLocks/>
+          </p:cNvCxnSpPr>
+          <p:nvPr/>
+        </p:nvCxnSpPr>
+        <p:spPr>
+          <a:xfrm flipH="1">
+            <a:off x="4050268" y="947678"/>
+            <a:ext cx="5408426" cy="0"/>
+          </a:xfrm>
+          <a:prstGeom prst="line">
+            <a:avLst/>
+          </a:prstGeom>
+          <a:ln w="19050">
+            <a:solidFill>
+              <a:schemeClr val="tx1"/>
+            </a:solidFill>
+          </a:ln>
+        </p:spPr>
+        <p:style>
+          <a:lnRef idx="1">
+            <a:schemeClr val="accent1"/>
+          </a:lnRef>
+          <a:fillRef idx="0">
+            <a:schemeClr val="accent1"/>
+          </a:fillRef>
+          <a:effectRef idx="0">
+            <a:schemeClr val="accent1"/>
+          </a:effectRef>
+          <a:fontRef idx="minor">
+            <a:schemeClr val="tx1"/>
+          </a:fontRef>
+        </p:style>
+      </p:cxnSp>
+      <p:pic>
+        <p:nvPicPr>
+          <p:cNvPr id="79" name="Picture 78"/>
+          <p:cNvPicPr>
+            <a:picLocks noChangeAspect="1"/>
+          </p:cNvPicPr>
+          <p:nvPr/>
+        </p:nvPicPr>
+        <p:blipFill>
+          <a:blip r:embed="rId15" cstate="print">
+            <a:extLst>
+              <a:ext uri="{28A0092B-C50C-407E-A947-70E740481C1C}">
+                <a14:useLocalDpi xmlns:a14="http://schemas.microsoft.com/office/drawing/2010/main" val="0"/>
+              </a:ext>
+            </a:extLst>
+          </a:blip>
+          <a:stretch>
+            <a:fillRect/>
+          </a:stretch>
+        </p:blipFill>
+        <p:spPr>
+          <a:xfrm>
+            <a:off x="5034032" y="263010"/>
+            <a:ext cx="590272" cy="590272"/>
+          </a:xfrm>
+          <a:prstGeom prst="rect">
+            <a:avLst/>
+          </a:prstGeom>
+        </p:spPr>
+      </p:pic>
+      <p:grpSp>
+        <p:nvGrpSpPr>
+          <p:cNvPr id="87" name="Group 86"/>
+          <p:cNvGrpSpPr/>
+          <p:nvPr/>
+        </p:nvGrpSpPr>
+        <p:grpSpPr>
+          <a:xfrm>
+            <a:off x="7807246" y="269656"/>
+            <a:ext cx="814966" cy="696565"/>
+            <a:chOff x="7738484" y="171095"/>
+            <a:chExt cx="956273" cy="804821"/>
+          </a:xfrm>
+        </p:grpSpPr>
+        <p:pic>
+          <p:nvPicPr>
+            <p:cNvPr id="89" name="Picture 88"/>
+            <p:cNvPicPr>
+              <a:picLocks noChangeAspect="1"/>
+            </p:cNvPicPr>
+            <p:nvPr/>
+          </p:nvPicPr>
+          <p:blipFill>
+            <a:blip r:embed="rId16" cstate="print">
+              <a:extLst>
+                <a:ext uri="{28A0092B-C50C-407E-A947-70E740481C1C}">
+                  <a14:useLocalDpi xmlns:a14="http://schemas.microsoft.com/office/drawing/2010/main" val="0"/>
+                </a:ext>
+              </a:extLst>
+            </a:blip>
+            <a:stretch>
+              <a:fillRect/>
+            </a:stretch>
+          </p:blipFill>
+          <p:spPr>
+            <a:xfrm>
+              <a:off x="7738484" y="177337"/>
+              <a:ext cx="798579" cy="798579"/>
+            </a:xfrm>
+            <a:prstGeom prst="rect">
+              <a:avLst/>
+            </a:prstGeom>
+          </p:spPr>
+        </p:pic>
+        <p:pic>
+          <p:nvPicPr>
+            <p:cNvPr id="90" name="Picture 89"/>
+            <p:cNvPicPr>
+              <a:picLocks noChangeAspect="1"/>
+            </p:cNvPicPr>
+            <p:nvPr/>
+          </p:nvPicPr>
+          <p:blipFill>
+            <a:blip r:embed="rId17" cstate="print">
+              <a:extLst>
+                <a:ext uri="{28A0092B-C50C-407E-A947-70E740481C1C}">
+                  <a14:useLocalDpi xmlns:a14="http://schemas.microsoft.com/office/drawing/2010/main" val="0"/>
+                </a:ext>
+              </a:extLst>
+            </a:blip>
+            <a:stretch>
+              <a:fillRect/>
+            </a:stretch>
+          </p:blipFill>
+          <p:spPr>
+            <a:xfrm>
+              <a:off x="7849616" y="263154"/>
+              <a:ext cx="566469" cy="566469"/>
+            </a:xfrm>
+            <a:prstGeom prst="rect">
+              <a:avLst/>
+            </a:prstGeom>
+          </p:spPr>
+        </p:pic>
+        <p:pic>
+          <p:nvPicPr>
+            <p:cNvPr id="91" name="Picture 90"/>
+            <p:cNvPicPr>
+              <a:picLocks noChangeAspect="1"/>
+            </p:cNvPicPr>
+            <p:nvPr/>
+          </p:nvPicPr>
+          <p:blipFill>
+            <a:blip r:embed="rId18" cstate="print">
+              <a:extLst>
+                <a:ext uri="{28A0092B-C50C-407E-A947-70E740481C1C}">
+                  <a14:useLocalDpi xmlns:a14="http://schemas.microsoft.com/office/drawing/2010/main" val="0"/>
+                </a:ext>
+              </a:extLst>
+            </a:blip>
+            <a:stretch>
+              <a:fillRect/>
+            </a:stretch>
+          </p:blipFill>
+          <p:spPr>
+            <a:xfrm>
+              <a:off x="8220291" y="171095"/>
+              <a:ext cx="474466" cy="474466"/>
+            </a:xfrm>
+            <a:prstGeom prst="rect">
+              <a:avLst/>
+            </a:prstGeom>
+          </p:spPr>
+        </p:pic>
+      </p:grpSp>
+      <p:sp>
+        <p:nvSpPr>
+          <p:cNvPr id="92" name="Rounded Rectangle 91"/>
+          <p:cNvSpPr/>
+          <p:nvPr/>
+        </p:nvSpPr>
+        <p:spPr>
+          <a:xfrm>
+            <a:off x="3329739" y="610570"/>
+            <a:ext cx="720529" cy="566057"/>
+          </a:xfrm>
+          <a:prstGeom prst="roundRect">
+            <a:avLst/>
+          </a:prstGeom>
+          <a:noFill/>
+          <a:ln w="38100">
+            <a:solidFill>
+              <a:srgbClr val="2CA4F2"/>
+            </a:solidFill>
+          </a:ln>
+        </p:spPr>
+        <p:style>
+          <a:lnRef idx="2">
+            <a:schemeClr val="accent1">
+              <a:shade val="50000"/>
+            </a:schemeClr>
+          </a:lnRef>
+          <a:fillRef idx="1">
+            <a:schemeClr val="accent1"/>
+          </a:fillRef>
+          <a:effectRef idx="0">
+            <a:schemeClr val="accent1"/>
+          </a:effectRef>
+          <a:fontRef idx="minor">
+            <a:schemeClr val="lt1"/>
+          </a:fontRef>
+        </p:style>
+        <p:txBody>
+          <a:bodyPr rtlCol="0" anchor="ctr"/>
+          <a:lstStyle/>
+          <a:p>
+            <a:pPr algn="ctr"/>
+            <a:r>
+              <a:rPr lang="ja-JP" altLang="en-US" sz="1400" b="1" i="1" dirty="0" smtClean="0">
+                <a:solidFill>
+                  <a:schemeClr val="tx1"/>
+                </a:solidFill>
+                <a:latin typeface="メイリオ" panose="020B0604030504040204" pitchFamily="50" charset="-128"/>
+                <a:ea typeface="メイリオ" panose="020B0604030504040204" pitchFamily="50" charset="-128"/>
+                <a:cs typeface="メイリオ" panose="020B0604030504040204" pitchFamily="50" charset="-128"/>
+              </a:rPr>
+              <a:t>開始</a:t>
+            </a:r>
+            <a:endParaRPr lang="en-US" sz="1400" b="1" i="1" dirty="0">
+              <a:solidFill>
+                <a:schemeClr val="tx1"/>
+              </a:solidFill>
+              <a:latin typeface="メイリオ" panose="020B0604030504040204" pitchFamily="50" charset="-128"/>
+              <a:ea typeface="メイリオ" panose="020B0604030504040204" pitchFamily="50" charset="-128"/>
+              <a:cs typeface="メイリオ" panose="020B0604030504040204" pitchFamily="50" charset="-128"/>
+            </a:endParaRPr>
+          </a:p>
+        </p:txBody>
+      </p:sp>
+      <p:sp>
+        <p:nvSpPr>
+          <p:cNvPr id="93" name="Isosceles Triangle 92"/>
+          <p:cNvSpPr/>
+          <p:nvPr/>
+        </p:nvSpPr>
+        <p:spPr>
+          <a:xfrm rot="10800000">
+            <a:off x="9556950" y="1759083"/>
+            <a:ext cx="391886" cy="393374"/>
+          </a:xfrm>
+          <a:prstGeom prst="triangle">
+            <a:avLst/>
+          </a:prstGeom>
+          <a:solidFill>
+            <a:srgbClr val="2CA4F2"/>
+          </a:solidFill>
+          <a:ln w="28575">
+            <a:solidFill>
+              <a:schemeClr val="tx1">
+                <a:lumMod val="95000"/>
+                <a:lumOff val="5000"/>
+              </a:schemeClr>
+            </a:solidFill>
+          </a:ln>
+        </p:spPr>
+        <p:style>
+          <a:lnRef idx="2">
+            <a:schemeClr val="accent1">
+              <a:shade val="50000"/>
+            </a:schemeClr>
+          </a:lnRef>
+          <a:fillRef idx="1">
+            <a:schemeClr val="accent1"/>
+          </a:fillRef>
+          <a:effectRef idx="0">
+            <a:schemeClr val="accent1"/>
+          </a:effectRef>
+          <a:fontRef idx="minor">
+            <a:schemeClr val="lt1"/>
+          </a:fontRef>
+        </p:style>
+        <p:txBody>
+          <a:bodyPr rtlCol="0" anchor="ctr"/>
+          <a:lstStyle/>
+          <a:p>
+            <a:pPr algn="ctr"/>
+            <a:endParaRPr lang="en-US"/>
+          </a:p>
+        </p:txBody>
+      </p:sp>
+      <p:sp>
+        <p:nvSpPr>
+          <p:cNvPr id="54" name="TextBox 39"/>
+          <p:cNvSpPr txBox="1"/>
+          <p:nvPr/>
+        </p:nvSpPr>
+        <p:spPr>
+          <a:xfrm>
+            <a:off x="4076210" y="1247275"/>
+            <a:ext cx="2485216" cy="600164"/>
+          </a:xfrm>
+          <a:prstGeom prst="rect">
+            <a:avLst/>
+          </a:prstGeom>
+          <a:noFill/>
+        </p:spPr>
+        <p:txBody>
+          <a:bodyPr wrap="square" rtlCol="0">
+            <a:spAutoFit/>
+          </a:bodyPr>
+          <a:lstStyle/>
+          <a:p>
+            <a:r>
+              <a:rPr lang="ja-JP" altLang="en-US" sz="1100" dirty="0" smtClean="0">
+                <a:latin typeface="メイリオ" panose="020B0604030504040204" pitchFamily="50" charset="-128"/>
+                <a:ea typeface="メイリオ" panose="020B0604030504040204" pitchFamily="50" charset="-128"/>
+                <a:cs typeface="メイリオ" panose="020B0604030504040204" pitchFamily="50" charset="-128"/>
+              </a:rPr>
+              <a:t>プロジェクトをキックオフし、すべての関係組織の窓口担当を紹介し換算に関する詳細情報を伝えます。</a:t>
+            </a:r>
+            <a:endParaRPr lang="sv-SE" sz="1100" dirty="0">
+              <a:latin typeface="メイリオ" panose="020B0604030504040204" pitchFamily="50" charset="-128"/>
+              <a:ea typeface="メイリオ" panose="020B0604030504040204" pitchFamily="50" charset="-128"/>
+              <a:cs typeface="メイリオ" panose="020B0604030504040204" pitchFamily="50" charset="-128"/>
+            </a:endParaRPr>
+          </a:p>
+        </p:txBody>
+      </p:sp>
+      <p:sp>
+        <p:nvSpPr>
+          <p:cNvPr id="55" name="TextBox 40"/>
+          <p:cNvSpPr txBox="1"/>
+          <p:nvPr/>
+        </p:nvSpPr>
+        <p:spPr>
+          <a:xfrm>
+            <a:off x="4097633" y="1006355"/>
+            <a:ext cx="2397260" cy="276999"/>
+          </a:xfrm>
+          <a:prstGeom prst="rect">
+            <a:avLst/>
+          </a:prstGeom>
+          <a:noFill/>
+        </p:spPr>
+        <p:txBody>
+          <a:bodyPr wrap="square" rtlCol="0">
+            <a:spAutoFit/>
+          </a:bodyPr>
+          <a:lstStyle/>
+          <a:p>
+            <a:pPr algn="ctr"/>
+            <a:r>
+              <a:rPr lang="ja-JP" altLang="en-US" sz="1200" b="1" dirty="0" smtClean="0">
+                <a:latin typeface="メイリオ" panose="020B0604030504040204" pitchFamily="50" charset="-128"/>
+                <a:ea typeface="メイリオ" panose="020B0604030504040204" pitchFamily="50" charset="-128"/>
+                <a:cs typeface="メイリオ" panose="020B0604030504040204" pitchFamily="50" charset="-128"/>
+              </a:rPr>
+              <a:t>立ち上げ時招集、ミーティング</a:t>
+            </a:r>
+            <a:endParaRPr lang="sv-SE" sz="1200" b="1" dirty="0">
+              <a:latin typeface="メイリオ" panose="020B0604030504040204" pitchFamily="50" charset="-128"/>
+              <a:ea typeface="メイリオ" panose="020B0604030504040204" pitchFamily="50" charset="-128"/>
+              <a:cs typeface="メイリオ" panose="020B0604030504040204" pitchFamily="50" charset="-128"/>
+            </a:endParaRPr>
+          </a:p>
+        </p:txBody>
+      </p:sp>
+      <p:sp>
+        <p:nvSpPr>
+          <p:cNvPr id="56" name="TextBox 48"/>
+          <p:cNvSpPr txBox="1"/>
+          <p:nvPr/>
+        </p:nvSpPr>
+        <p:spPr>
+          <a:xfrm>
+            <a:off x="6807289" y="1231556"/>
+            <a:ext cx="2712553" cy="784830"/>
+          </a:xfrm>
+          <a:prstGeom prst="rect">
+            <a:avLst/>
+          </a:prstGeom>
+          <a:noFill/>
+        </p:spPr>
+        <p:txBody>
+          <a:bodyPr wrap="square" rtlCol="0">
+            <a:spAutoFit/>
+          </a:bodyPr>
+          <a:lstStyle>
+            <a:defPPr>
+              <a:defRPr lang="sv-SE"/>
+            </a:defPPr>
+            <a:lvl1pPr>
+              <a:defRPr sz="1100">
+                <a:latin typeface="メイリオ" panose="020B0604030504040204" pitchFamily="50" charset="-128"/>
+                <a:ea typeface="メイリオ" panose="020B0604030504040204" pitchFamily="50" charset="-128"/>
+                <a:cs typeface="メイリオ" panose="020B0604030504040204" pitchFamily="50" charset="-128"/>
+              </a:defRPr>
+            </a:lvl1pPr>
+          </a:lstStyle>
+          <a:p>
+            <a:r>
+              <a:rPr lang="ja-JP" altLang="en-US" dirty="0"/>
+              <a:t>ソフトウェアの電子署名</a:t>
+            </a:r>
+            <a:r>
+              <a:rPr lang="en-US" altLang="ja-JP" dirty="0">
+                <a:solidFill>
+                  <a:srgbClr val="FF0000"/>
+                </a:solidFill>
+              </a:rPr>
+              <a:t>*</a:t>
+            </a:r>
+            <a:r>
+              <a:rPr lang="ja-JP" altLang="en-US" dirty="0"/>
+              <a:t>を収集するためにコマンドライン インターフェースがインストール方法と実行方法の説明と共</a:t>
+            </a:r>
+            <a:r>
+              <a:rPr lang="ja-JP" altLang="en-US" dirty="0" smtClean="0"/>
+              <a:t>に対象企業</a:t>
+            </a:r>
+            <a:r>
+              <a:rPr lang="ja-JP" altLang="en-US" dirty="0"/>
+              <a:t>に送られます。</a:t>
+            </a:r>
+            <a:endParaRPr lang="sv-SE" dirty="0"/>
+          </a:p>
+        </p:txBody>
+      </p:sp>
+      <p:sp>
+        <p:nvSpPr>
+          <p:cNvPr id="64" name="TextBox 49"/>
+          <p:cNvSpPr txBox="1"/>
+          <p:nvPr/>
+        </p:nvSpPr>
+        <p:spPr>
+          <a:xfrm>
+            <a:off x="6930892" y="1006355"/>
+            <a:ext cx="2397260" cy="276999"/>
+          </a:xfrm>
+          <a:prstGeom prst="rect">
+            <a:avLst/>
+          </a:prstGeom>
+          <a:noFill/>
+        </p:spPr>
+        <p:txBody>
+          <a:bodyPr wrap="square" rtlCol="0">
+            <a:spAutoFit/>
+          </a:bodyPr>
+          <a:lstStyle/>
+          <a:p>
+            <a:pPr algn="ctr"/>
+            <a:r>
+              <a:rPr lang="ja-JP" altLang="en-US" sz="1200" b="1" dirty="0" smtClean="0">
+                <a:latin typeface="メイリオ" panose="020B0604030504040204" pitchFamily="50" charset="-128"/>
+                <a:ea typeface="メイリオ" panose="020B0604030504040204" pitchFamily="50" charset="-128"/>
+                <a:cs typeface="メイリオ" panose="020B0604030504040204" pitchFamily="50" charset="-128"/>
+              </a:rPr>
+              <a:t>フィンガープリント収集ツール</a:t>
+            </a:r>
+            <a:endParaRPr lang="sv-SE" sz="1200" b="1" dirty="0">
+              <a:latin typeface="メイリオ" panose="020B0604030504040204" pitchFamily="50" charset="-128"/>
+              <a:ea typeface="メイリオ" panose="020B0604030504040204" pitchFamily="50" charset="-128"/>
+              <a:cs typeface="メイリオ" panose="020B0604030504040204" pitchFamily="50" charset="-128"/>
+            </a:endParaRPr>
+          </a:p>
+        </p:txBody>
+      </p:sp>
+      <p:sp>
+        <p:nvSpPr>
+          <p:cNvPr id="69" name="TextBox 41"/>
+          <p:cNvSpPr txBox="1"/>
+          <p:nvPr/>
+        </p:nvSpPr>
+        <p:spPr>
+          <a:xfrm>
+            <a:off x="8862290" y="213476"/>
+            <a:ext cx="1577501" cy="669414"/>
+          </a:xfrm>
+          <a:prstGeom prst="rect">
+            <a:avLst/>
+          </a:prstGeom>
+          <a:noFill/>
+          <a:ln w="12700">
+            <a:solidFill>
+              <a:schemeClr val="tx1">
+                <a:lumMod val="50000"/>
+                <a:lumOff val="50000"/>
+              </a:schemeClr>
+            </a:solidFill>
+            <a:prstDash val="sysDash"/>
+          </a:ln>
+        </p:spPr>
+        <p:txBody>
+          <a:bodyPr wrap="square" rtlCol="0">
+            <a:spAutoFit/>
+          </a:bodyPr>
+          <a:lstStyle/>
+          <a:p>
+            <a:r>
+              <a:rPr lang="en-US" sz="1050" i="1" dirty="0" smtClean="0">
+                <a:solidFill>
+                  <a:srgbClr val="FF0000"/>
+                </a:solidFill>
+                <a:latin typeface="メイリオ" panose="020B0604030504040204" pitchFamily="50" charset="-128"/>
+                <a:ea typeface="メイリオ" panose="020B0604030504040204" pitchFamily="50" charset="-128"/>
+                <a:cs typeface="メイリオ" panose="020B0604030504040204" pitchFamily="50" charset="-128"/>
+              </a:rPr>
+              <a:t>*</a:t>
+            </a:r>
+            <a:r>
+              <a:rPr lang="en-US" sz="900" i="1" dirty="0" smtClean="0">
+                <a:solidFill>
+                  <a:srgbClr val="FF0000"/>
+                </a:solidFill>
+                <a:latin typeface="メイリオ" panose="020B0604030504040204" pitchFamily="50" charset="-128"/>
+                <a:ea typeface="メイリオ" panose="020B0604030504040204" pitchFamily="50" charset="-128"/>
+                <a:cs typeface="メイリオ" panose="020B0604030504040204" pitchFamily="50" charset="-128"/>
+              </a:rPr>
+              <a:t> </a:t>
+            </a:r>
+            <a:r>
+              <a:rPr lang="ja-JP" altLang="en-US" sz="900" i="1" dirty="0" smtClean="0">
+                <a:latin typeface="メイリオ" panose="020B0604030504040204" pitchFamily="50" charset="-128"/>
+                <a:ea typeface="メイリオ" panose="020B0604030504040204" pitchFamily="50" charset="-128"/>
+                <a:cs typeface="メイリオ" panose="020B0604030504040204" pitchFamily="50" charset="-128"/>
+              </a:rPr>
+              <a:t>監査人によって対応できないものがあります。監査サービスプロバイダに確認ください。</a:t>
+            </a:r>
+            <a:endParaRPr lang="en-US" sz="900" i="1" dirty="0" smtClean="0">
+              <a:latin typeface="メイリオ" panose="020B0604030504040204" pitchFamily="50" charset="-128"/>
+              <a:ea typeface="メイリオ" panose="020B0604030504040204" pitchFamily="50" charset="-128"/>
+              <a:cs typeface="メイリオ" panose="020B0604030504040204" pitchFamily="50" charset="-128"/>
+            </a:endParaRPr>
+          </a:p>
+        </p:txBody>
+      </p:sp>
+    </p:spTree>
+    <p:extLst>
+      <p:ext uri="{BB962C8B-B14F-4D97-AF65-F5344CB8AC3E}">
+        <p14:creationId xmlns:p14="http://schemas.microsoft.com/office/powerpoint/2010/main" val="3673389830"/>
+      </p:ext>
+    </p:extLst>
+  </p:cSld>
+  <p:clrMapOvr>
+    <a:masterClrMapping/>
+  </p:clrMapOvr>
+  <p:transition spd="slow">
+    <p:push dir="u"/>
+  </p:transition>
+  <p:timing>
+    <p:tnLst>
+      <p:par>
+        <p:cTn id="1" dur="indefinite" restart="never" nodeType="tmRoot"/>
+      </p:par>
+    </p:tnLst>
+  </p:timing>
+</p:sld>
+</file>
+
 <file path=ppt/slides/slide2.xml><?xml version="1.0" encoding="utf-8"?>
 <p:sld xmlns:a="http://schemas.openxmlformats.org/drawingml/2006/main" xmlns:r="http://schemas.openxmlformats.org/officeDocument/2006/relationships" xmlns:p="http://schemas.openxmlformats.org/presentationml/2006/main">
   <p:cSld>
@@ -10578,177 +12742,258 @@
           </a:p>
         </p:txBody>
       </p:sp>
-      <p:grpSp>
-        <p:nvGrpSpPr>
-          <p:cNvPr id="7" name="Group 6"/>
-          <p:cNvGrpSpPr/>
-          <p:nvPr/>
-        </p:nvGrpSpPr>
-        <p:grpSpPr>
+      <p:sp>
+        <p:nvSpPr>
+          <p:cNvPr id="2" name="Rectangle 1"/>
+          <p:cNvSpPr/>
+          <p:nvPr/>
+        </p:nvSpPr>
+        <p:spPr>
+          <a:xfrm>
+            <a:off x="4352925" y="3914775"/>
+            <a:ext cx="2438400" cy="1485900"/>
+          </a:xfrm>
+          <a:prstGeom prst="rect">
+            <a:avLst/>
+          </a:prstGeom>
+        </p:spPr>
+        <p:style>
+          <a:lnRef idx="0">
+            <a:schemeClr val="accent1"/>
+          </a:lnRef>
+          <a:fillRef idx="3">
+            <a:schemeClr val="accent1"/>
+          </a:fillRef>
+          <a:effectRef idx="3">
+            <a:schemeClr val="accent1"/>
+          </a:effectRef>
+          <a:fontRef idx="minor">
+            <a:schemeClr val="lt1"/>
+          </a:fontRef>
+        </p:style>
+        <p:txBody>
+          <a:bodyPr rtlCol="0" anchor="ctr"/>
+          <a:lstStyle/>
+          <a:p>
+            <a:pPr algn="ctr"/>
+            <a:endParaRPr lang="en-US"/>
+          </a:p>
+        </p:txBody>
+      </p:sp>
+      <p:sp>
+        <p:nvSpPr>
+          <p:cNvPr id="3" name="Rounded Rectangle 2"/>
+          <p:cNvSpPr/>
+          <p:nvPr/>
+        </p:nvSpPr>
+        <p:spPr>
           <a:xfrm>
             <a:off x="3448050" y="2286000"/>
-            <a:ext cx="3343275" cy="3114675"/>
-            <a:chOff x="3267075" y="2505075"/>
-            <a:chExt cx="3343275" cy="3114675"/>
-          </a:xfrm>
-        </p:grpSpPr>
-        <p:sp>
-          <p:nvSpPr>
-            <p:cNvPr id="2" name="Rectangle 1"/>
-            <p:cNvSpPr/>
-            <p:nvPr/>
-          </p:nvSpPr>
-          <p:spPr>
-            <a:xfrm>
-              <a:off x="4171950" y="4133850"/>
-              <a:ext cx="2438400" cy="1485900"/>
-            </a:xfrm>
-            <a:prstGeom prst="rect">
-              <a:avLst/>
-            </a:prstGeom>
-          </p:spPr>
-          <p:style>
-            <a:lnRef idx="0">
-              <a:schemeClr val="accent1"/>
-            </a:lnRef>
-            <a:fillRef idx="3">
-              <a:schemeClr val="accent1"/>
-            </a:fillRef>
-            <a:effectRef idx="3">
-              <a:schemeClr val="accent1"/>
-            </a:effectRef>
-            <a:fontRef idx="minor">
-              <a:schemeClr val="lt1"/>
-            </a:fontRef>
-          </p:style>
-          <p:txBody>
-            <a:bodyPr rtlCol="0" anchor="ctr"/>
-            <a:lstStyle/>
-            <a:p>
-              <a:pPr algn="ctr"/>
-              <a:endParaRPr lang="en-US"/>
-            </a:p>
-          </p:txBody>
-        </p:sp>
-        <p:sp>
-          <p:nvSpPr>
-            <p:cNvPr id="3" name="Rounded Rectangle 2"/>
-            <p:cNvSpPr/>
-            <p:nvPr/>
-          </p:nvSpPr>
-          <p:spPr>
-            <a:xfrm>
-              <a:off x="3267075" y="2505075"/>
-              <a:ext cx="1390650" cy="723900"/>
-            </a:xfrm>
-            <a:prstGeom prst="roundRect">
-              <a:avLst/>
-            </a:prstGeom>
-          </p:spPr>
-          <p:style>
-            <a:lnRef idx="0">
-              <a:schemeClr val="accent6"/>
-            </a:lnRef>
-            <a:fillRef idx="3">
-              <a:schemeClr val="accent6"/>
-            </a:fillRef>
-            <a:effectRef idx="3">
-              <a:schemeClr val="accent6"/>
-            </a:effectRef>
-            <a:fontRef idx="minor">
-              <a:schemeClr val="lt1"/>
-            </a:fontRef>
-          </p:style>
-          <p:txBody>
-            <a:bodyPr rtlCol="0" anchor="ctr"/>
-            <a:lstStyle/>
-            <a:p>
-              <a:pPr algn="ctr"/>
-              <a:endParaRPr lang="en-US"/>
-            </a:p>
-          </p:txBody>
-        </p:sp>
-        <p:sp>
-          <p:nvSpPr>
-            <p:cNvPr id="6" name="Rounded Rectangle 5"/>
-            <p:cNvSpPr/>
-            <p:nvPr/>
-          </p:nvSpPr>
-          <p:spPr>
-            <a:xfrm>
-              <a:off x="4695825" y="4514850"/>
-              <a:ext cx="1390650" cy="723900"/>
-            </a:xfrm>
-            <a:prstGeom prst="roundRect">
-              <a:avLst/>
-            </a:prstGeom>
-          </p:spPr>
-          <p:style>
-            <a:lnRef idx="0">
-              <a:schemeClr val="accent6"/>
-            </a:lnRef>
-            <a:fillRef idx="3">
-              <a:schemeClr val="accent6"/>
-            </a:fillRef>
-            <a:effectRef idx="3">
-              <a:schemeClr val="accent6"/>
-            </a:effectRef>
-            <a:fontRef idx="minor">
-              <a:schemeClr val="lt1"/>
-            </a:fontRef>
-          </p:style>
-          <p:txBody>
-            <a:bodyPr rtlCol="0" anchor="ctr"/>
-            <a:lstStyle/>
-            <a:p>
-              <a:pPr algn="ctr"/>
-              <a:endParaRPr lang="en-US"/>
-            </a:p>
-          </p:txBody>
-        </p:sp>
-        <p:sp>
-          <p:nvSpPr>
-            <p:cNvPr id="5" name="Bent Arrow 4"/>
-            <p:cNvSpPr/>
-            <p:nvPr/>
-          </p:nvSpPr>
-          <p:spPr>
-            <a:xfrm rot="5400000">
-              <a:off x="4619625" y="3019425"/>
-              <a:ext cx="1171575" cy="733425"/>
-            </a:xfrm>
-            <a:prstGeom prst="bentArrow">
-              <a:avLst/>
-            </a:prstGeom>
-          </p:spPr>
-          <p:style>
-            <a:lnRef idx="0">
-              <a:schemeClr val="accent3"/>
-            </a:lnRef>
-            <a:fillRef idx="3">
-              <a:schemeClr val="accent3"/>
-            </a:fillRef>
-            <a:effectRef idx="3">
-              <a:schemeClr val="accent3"/>
-            </a:effectRef>
-            <a:fontRef idx="minor">
-              <a:schemeClr val="lt1"/>
-            </a:fontRef>
-          </p:style>
-          <p:txBody>
-            <a:bodyPr rtlCol="0" anchor="ctr"/>
-            <a:lstStyle/>
-            <a:p>
-              <a:pPr algn="ctr"/>
-              <a:endParaRPr lang="en-US">
-                <a:solidFill>
-                  <a:schemeClr val="tx1"/>
-                </a:solidFill>
-              </a:endParaRPr>
-            </a:p>
-          </p:txBody>
-        </p:sp>
-      </p:grpSp>
+            <a:ext cx="1390650" cy="723900"/>
+          </a:xfrm>
+          <a:prstGeom prst="roundRect">
+            <a:avLst/>
+          </a:prstGeom>
+        </p:spPr>
+        <p:style>
+          <a:lnRef idx="0">
+            <a:schemeClr val="accent6"/>
+          </a:lnRef>
+          <a:fillRef idx="3">
+            <a:schemeClr val="accent6"/>
+          </a:fillRef>
+          <a:effectRef idx="3">
+            <a:schemeClr val="accent6"/>
+          </a:effectRef>
+          <a:fontRef idx="minor">
+            <a:schemeClr val="lt1"/>
+          </a:fontRef>
+        </p:style>
+        <p:txBody>
+          <a:bodyPr rtlCol="0" anchor="ctr"/>
+          <a:lstStyle/>
+          <a:p>
+            <a:pPr algn="ctr"/>
+            <a:endParaRPr lang="en-US"/>
+          </a:p>
+        </p:txBody>
+      </p:sp>
+      <p:sp>
+        <p:nvSpPr>
+          <p:cNvPr id="6" name="Rounded Rectangle 5"/>
+          <p:cNvSpPr/>
+          <p:nvPr/>
+        </p:nvSpPr>
+        <p:spPr>
+          <a:xfrm>
+            <a:off x="4876800" y="4295775"/>
+            <a:ext cx="1390650" cy="723900"/>
+          </a:xfrm>
+          <a:prstGeom prst="roundRect">
+            <a:avLst/>
+          </a:prstGeom>
+        </p:spPr>
+        <p:style>
+          <a:lnRef idx="0">
+            <a:schemeClr val="accent6"/>
+          </a:lnRef>
+          <a:fillRef idx="3">
+            <a:schemeClr val="accent6"/>
+          </a:fillRef>
+          <a:effectRef idx="3">
+            <a:schemeClr val="accent6"/>
+          </a:effectRef>
+          <a:fontRef idx="minor">
+            <a:schemeClr val="lt1"/>
+          </a:fontRef>
+        </p:style>
+        <p:txBody>
+          <a:bodyPr rtlCol="0" anchor="ctr"/>
+          <a:lstStyle/>
+          <a:p>
+            <a:pPr algn="ctr"/>
+            <a:endParaRPr lang="en-US"/>
+          </a:p>
+        </p:txBody>
+      </p:sp>
+      <p:sp>
+        <p:nvSpPr>
+          <p:cNvPr id="5" name="Bent Arrow 4"/>
+          <p:cNvSpPr/>
+          <p:nvPr/>
+        </p:nvSpPr>
+        <p:spPr>
+          <a:xfrm rot="5400000">
+            <a:off x="4800600" y="2800350"/>
+            <a:ext cx="1171575" cy="733425"/>
+          </a:xfrm>
+          <a:prstGeom prst="bentArrow">
+            <a:avLst/>
+          </a:prstGeom>
+        </p:spPr>
+        <p:style>
+          <a:lnRef idx="0">
+            <a:schemeClr val="accent3"/>
+          </a:lnRef>
+          <a:fillRef idx="3">
+            <a:schemeClr val="accent3"/>
+          </a:fillRef>
+          <a:effectRef idx="3">
+            <a:schemeClr val="accent3"/>
+          </a:effectRef>
+          <a:fontRef idx="minor">
+            <a:schemeClr val="lt1"/>
+          </a:fontRef>
+        </p:style>
+        <p:txBody>
+          <a:bodyPr rtlCol="0" anchor="ctr"/>
+          <a:lstStyle/>
+          <a:p>
+            <a:pPr algn="ctr"/>
+            <a:endParaRPr lang="en-US">
+              <a:solidFill>
+                <a:schemeClr val="tx1"/>
+              </a:solidFill>
+            </a:endParaRPr>
+          </a:p>
+        </p:txBody>
+      </p:sp>
+      <p:sp>
+        <p:nvSpPr>
+          <p:cNvPr id="10" name="Rounded Rectangle 2"/>
+          <p:cNvSpPr/>
+          <p:nvPr/>
+        </p:nvSpPr>
+        <p:spPr>
+          <a:xfrm>
+            <a:off x="3448050" y="2286000"/>
+            <a:ext cx="1390650" cy="723900"/>
+          </a:xfrm>
+          <a:prstGeom prst="roundRect">
+            <a:avLst/>
+          </a:prstGeom>
+          <a:pattFill prst="pct5">
+            <a:fgClr>
+              <a:srgbClr val="FFFFFF"/>
+            </a:fgClr>
+            <a:bgClr>
+              <a:schemeClr val="accent6">
+                <a:lumMod val="75000"/>
+              </a:schemeClr>
+            </a:bgClr>
+          </a:pattFill>
+        </p:spPr>
+        <p:style>
+          <a:lnRef idx="0">
+            <a:schemeClr val="accent6"/>
+          </a:lnRef>
+          <a:fillRef idx="3">
+            <a:schemeClr val="accent6"/>
+          </a:fillRef>
+          <a:effectRef idx="3">
+            <a:schemeClr val="accent6"/>
+          </a:effectRef>
+          <a:fontRef idx="minor">
+            <a:schemeClr val="lt1"/>
+          </a:fontRef>
+        </p:style>
+        <p:txBody>
+          <a:bodyPr rtlCol="0" anchor="ctr"/>
+          <a:lstStyle/>
+          <a:p>
+            <a:pPr algn="ctr"/>
+            <a:endParaRPr lang="en-US"/>
+          </a:p>
+        </p:txBody>
+      </p:sp>
+      <p:sp>
+        <p:nvSpPr>
+          <p:cNvPr id="11" name="Rounded Rectangle 2"/>
+          <p:cNvSpPr/>
+          <p:nvPr/>
+        </p:nvSpPr>
+        <p:spPr>
+          <a:xfrm>
+            <a:off x="4876800" y="4305424"/>
+            <a:ext cx="1390650" cy="723900"/>
+          </a:xfrm>
+          <a:prstGeom prst="roundRect">
+            <a:avLst/>
+          </a:prstGeom>
+          <a:pattFill prst="pct5">
+            <a:fgClr>
+              <a:srgbClr val="FFFFFF"/>
+            </a:fgClr>
+            <a:bgClr>
+              <a:schemeClr val="accent6">
+                <a:lumMod val="75000"/>
+              </a:schemeClr>
+            </a:bgClr>
+          </a:pattFill>
+        </p:spPr>
+        <p:style>
+          <a:lnRef idx="0">
+            <a:schemeClr val="accent6"/>
+          </a:lnRef>
+          <a:fillRef idx="3">
+            <a:schemeClr val="accent6"/>
+          </a:fillRef>
+          <a:effectRef idx="3">
+            <a:schemeClr val="accent6"/>
+          </a:effectRef>
+          <a:fontRef idx="minor">
+            <a:schemeClr val="lt1"/>
+          </a:fontRef>
+        </p:style>
+        <p:txBody>
+          <a:bodyPr rtlCol="0" anchor="ctr"/>
+          <a:lstStyle/>
+          <a:p>
+            <a:pPr algn="ctr"/>
+            <a:endParaRPr lang="en-US"/>
+          </a:p>
+        </p:txBody>
+      </p:sp>
     </p:spTree>
     <p:extLst>
       <p:ext uri="{BB962C8B-B14F-4D97-AF65-F5344CB8AC3E}">
@@ -11016,6 +13261,102 @@
           </a:p>
         </p:txBody>
       </p:sp>
+      <p:sp>
+        <p:nvSpPr>
+          <p:cNvPr id="10" name="Rounded Rectangle 2"/>
+          <p:cNvSpPr/>
+          <p:nvPr/>
+        </p:nvSpPr>
+        <p:spPr>
+          <a:xfrm>
+            <a:off x="2134791" y="2432191"/>
+            <a:ext cx="1390650" cy="723900"/>
+          </a:xfrm>
+          <a:prstGeom prst="roundRect">
+            <a:avLst/>
+          </a:prstGeom>
+          <a:pattFill prst="pct5">
+            <a:fgClr>
+              <a:srgbClr val="FFFFFF"/>
+            </a:fgClr>
+            <a:bgClr>
+              <a:schemeClr val="accent6">
+                <a:lumMod val="75000"/>
+              </a:schemeClr>
+            </a:bgClr>
+          </a:pattFill>
+        </p:spPr>
+        <p:style>
+          <a:lnRef idx="0">
+            <a:schemeClr val="accent6"/>
+          </a:lnRef>
+          <a:fillRef idx="3">
+            <a:schemeClr val="accent6"/>
+          </a:fillRef>
+          <a:effectRef idx="3">
+            <a:schemeClr val="accent6"/>
+          </a:effectRef>
+          <a:fontRef idx="minor">
+            <a:schemeClr val="lt1"/>
+          </a:fontRef>
+        </p:style>
+        <p:txBody>
+          <a:bodyPr rtlCol="0" anchor="ctr"/>
+          <a:lstStyle/>
+          <a:p>
+            <a:pPr algn="ctr"/>
+            <a:endParaRPr lang="en-US"/>
+          </a:p>
+        </p:txBody>
+      </p:sp>
+      <p:sp>
+        <p:nvSpPr>
+          <p:cNvPr id="11" name="Rectangle 7"/>
+          <p:cNvSpPr/>
+          <p:nvPr/>
+        </p:nvSpPr>
+        <p:spPr>
+          <a:xfrm>
+            <a:off x="3362700" y="4143750"/>
+            <a:ext cx="819150" cy="1485900"/>
+          </a:xfrm>
+          <a:prstGeom prst="rect">
+            <a:avLst/>
+          </a:prstGeom>
+          <a:pattFill prst="pct5">
+            <a:fgClr>
+              <a:srgbClr val="FFFFFF"/>
+            </a:fgClr>
+            <a:bgClr>
+              <a:schemeClr val="accent6">
+                <a:lumMod val="75000"/>
+              </a:schemeClr>
+            </a:bgClr>
+          </a:pattFill>
+        </p:spPr>
+        <p:style>
+          <a:lnRef idx="0">
+            <a:schemeClr val="accent6"/>
+          </a:lnRef>
+          <a:fillRef idx="3">
+            <a:schemeClr val="accent6"/>
+          </a:fillRef>
+          <a:effectRef idx="3">
+            <a:schemeClr val="accent6"/>
+          </a:effectRef>
+          <a:fontRef idx="minor">
+            <a:schemeClr val="lt1"/>
+          </a:fontRef>
+        </p:style>
+        <p:txBody>
+          <a:bodyPr rtlCol="0" anchor="ctr"/>
+          <a:lstStyle/>
+          <a:p>
+            <a:pPr algn="ctr"/>
+            <a:endParaRPr lang="en-US"/>
+          </a:p>
+        </p:txBody>
+      </p:sp>
     </p:spTree>
     <p:extLst>
       <p:ext uri="{BB962C8B-B14F-4D97-AF65-F5344CB8AC3E}">
@@ -11232,6 +13573,16 @@
           <a:prstGeom prst="roundRect">
             <a:avLst/>
           </a:prstGeom>
+          <a:pattFill prst="pct5">
+            <a:fgClr>
+              <a:srgbClr val="FFFFFF"/>
+            </a:fgClr>
+            <a:bgClr>
+              <a:schemeClr val="accent6">
+                <a:lumMod val="75000"/>
+              </a:schemeClr>
+            </a:bgClr>
+          </a:pattFill>
         </p:spPr>
         <p:style>
           <a:lnRef idx="0">
@@ -11270,6 +13621,16 @@
           <a:prstGeom prst="roundRect">
             <a:avLst/>
           </a:prstGeom>
+          <a:pattFill prst="pct5">
+            <a:fgClr>
+              <a:srgbClr val="FFFFFF"/>
+            </a:fgClr>
+            <a:bgClr>
+              <a:schemeClr val="accent6">
+                <a:lumMod val="75000"/>
+              </a:schemeClr>
+            </a:bgClr>
+          </a:pattFill>
         </p:spPr>
         <p:style>
           <a:lnRef idx="0">
@@ -12836,18 +15197,7 @@
                 <a:ea typeface="メイリオ" panose="020B0604030504040204" pitchFamily="50" charset="-128"/>
                 <a:cs typeface="メイリオ" panose="020B0604030504040204" pitchFamily="50" charset="-128"/>
               </a:rPr>
-              <a:t>）</a:t>
-            </a:r>
-            <a:r>
-              <a:rPr lang="ja-JP" altLang="en-US" sz="1000" b="1" dirty="0">
-                <a:solidFill>
-                  <a:srgbClr val="000000"/>
-                </a:solidFill>
-                <a:latin typeface="メイリオ" panose="020B0604030504040204" pitchFamily="50" charset="-128"/>
-                <a:ea typeface="メイリオ" panose="020B0604030504040204" pitchFamily="50" charset="-128"/>
-                <a:cs typeface="メイリオ" panose="020B0604030504040204" pitchFamily="50" charset="-128"/>
-              </a:rPr>
-              <a:t>：</a:t>
+              <a:t>）：</a:t>
             </a:r>
             <a:endParaRPr lang="en-US" sz="1000" b="1" dirty="0">
               <a:solidFill>
@@ -18651,7 +21001,7 @@
         </p:nvSpPr>
         <p:spPr>
           <a:xfrm>
-            <a:off x="8346563" y="1160737"/>
+            <a:off x="8346563" y="1148862"/>
             <a:ext cx="588397" cy="633889"/>
           </a:xfrm>
           <a:prstGeom prst="arc">
@@ -18697,9 +21047,9 @@
           <p:nvPr/>
         </p:nvCxnSpPr>
         <p:spPr>
-          <a:xfrm flipH="1" flipV="1">
-            <a:off x="2760184" y="1152576"/>
-            <a:ext cx="5880577" cy="8161"/>
+          <a:xfrm flipH="1">
+            <a:off x="2760184" y="1148862"/>
+            <a:ext cx="5880577" cy="3714"/>
           </a:xfrm>
           <a:prstGeom prst="line">
             <a:avLst/>
@@ -19814,7 +22164,7 @@
                 <a14:useLocalDpi xmlns:a14="http://schemas.microsoft.com/office/drawing/2010/main" val="0"/>
               </a:ext>
               <a:ext uri="{96DAC541-7B7A-43D3-8B79-37D633B846F1}">
-                <asvg:svgBlip xmlns:asvg="http://schemas.microsoft.com/office/drawing/2016/SVG/main" xmlns="" r:embed="rId25"/>
+                <asvg:svgBlip xmlns="" xmlns:asvg="http://schemas.microsoft.com/office/drawing/2016/SVG/main" r:embed="rId25"/>
               </a:ext>
             </a:extLst>
           </a:blip>
@@ -20139,7 +22489,7 @@
         </p:nvSpPr>
         <p:spPr>
           <a:xfrm>
-            <a:off x="8346563" y="1160737"/>
+            <a:off x="8346563" y="1148862"/>
             <a:ext cx="588397" cy="633889"/>
           </a:xfrm>
           <a:prstGeom prst="arc">
@@ -20185,9 +22535,9 @@
           <p:nvPr/>
         </p:nvCxnSpPr>
         <p:spPr>
-          <a:xfrm flipH="1" flipV="1">
-            <a:off x="2760184" y="1152576"/>
-            <a:ext cx="5880577" cy="8161"/>
+          <a:xfrm flipH="1">
+            <a:off x="2760184" y="1148862"/>
+            <a:ext cx="5880577" cy="3714"/>
           </a:xfrm>
           <a:prstGeom prst="line">
             <a:avLst/>
@@ -20379,14 +22729,13 @@
           <p:cNvPr id="16" name="Straight Connector 15"/>
           <p:cNvCxnSpPr>
             <a:cxnSpLocks/>
-            <a:stCxn id="29" idx="0"/>
           </p:cNvCxnSpPr>
           <p:nvPr/>
         </p:nvCxnSpPr>
         <p:spPr>
-          <a:xfrm flipH="1">
-            <a:off x="2450730" y="3487103"/>
-            <a:ext cx="856" cy="1517445"/>
+          <a:xfrm>
+            <a:off x="2463461" y="3487103"/>
+            <a:ext cx="0" cy="1720278"/>
           </a:xfrm>
           <a:prstGeom prst="line">
             <a:avLst/>
@@ -20729,49 +23078,6 @@
               <a:t>。</a:t>
             </a:r>
             <a:endParaRPr lang="sv-SE" dirty="0"/>
-          </a:p>
-        </p:txBody>
-      </p:sp>
-      <p:sp>
-        <p:nvSpPr>
-          <p:cNvPr id="66" name="Arc 65"/>
-          <p:cNvSpPr/>
-          <p:nvPr/>
-        </p:nvSpPr>
-        <p:spPr>
-          <a:xfrm rot="10800000">
-            <a:off x="2451029" y="4433911"/>
-            <a:ext cx="590769" cy="1057212"/>
-          </a:xfrm>
-          <a:prstGeom prst="arc">
-            <a:avLst/>
-          </a:prstGeom>
-          <a:ln w="19050">
-            <a:solidFill>
-              <a:schemeClr val="tx1"/>
-            </a:solidFill>
-          </a:ln>
-        </p:spPr>
-        <p:style>
-          <a:lnRef idx="1">
-            <a:schemeClr val="accent1"/>
-          </a:lnRef>
-          <a:fillRef idx="0">
-            <a:schemeClr val="accent1"/>
-          </a:fillRef>
-          <a:effectRef idx="0">
-            <a:schemeClr val="accent1"/>
-          </a:effectRef>
-          <a:fontRef idx="minor">
-            <a:schemeClr val="tx1"/>
-          </a:fontRef>
-        </p:style>
-        <p:txBody>
-          <a:bodyPr rtlCol="0" anchor="ctr"/>
-          <a:lstStyle/>
-          <a:p>
-            <a:pPr algn="ctr"/>
-            <a:endParaRPr lang="en-US"/>
           </a:p>
         </p:txBody>
       </p:sp>
@@ -21093,7 +23399,7 @@
                 <a14:useLocalDpi xmlns:a14="http://schemas.microsoft.com/office/drawing/2010/main" val="0"/>
               </a:ext>
               <a:ext uri="{96DAC541-7B7A-43D3-8B79-37D633B846F1}">
-                <asvg:svgBlip xmlns:asvg="http://schemas.microsoft.com/office/drawing/2016/SVG/main" xmlns="" r:embed="rId25"/>
+                <asvg:svgBlip xmlns="" xmlns:asvg="http://schemas.microsoft.com/office/drawing/2016/SVG/main" r:embed="rId25"/>
               </a:ext>
             </a:extLst>
           </a:blip>
@@ -21116,13 +23422,12 @@
           <p:cNvPr id="39" name="Straight Connector 38"/>
           <p:cNvCxnSpPr>
             <a:cxnSpLocks/>
-            <a:stCxn id="49" idx="1"/>
           </p:cNvCxnSpPr>
           <p:nvPr/>
         </p:nvCxnSpPr>
         <p:spPr>
           <a:xfrm flipH="1">
-            <a:off x="2725707" y="5490410"/>
+            <a:off x="2725707" y="5502285"/>
             <a:ext cx="2797708" cy="0"/>
           </a:xfrm>
           <a:prstGeom prst="line">
@@ -21304,15 +23609,7 @@
                 <a:ea typeface="メイリオ" panose="020B0604030504040204" pitchFamily="50" charset="-128"/>
                 <a:cs typeface="メイリオ" panose="020B0604030504040204" pitchFamily="50" charset="-128"/>
               </a:rPr>
-              <a:t>プロジェクトをキックオフし、すべての関係組織の窓口担当</a:t>
-            </a:r>
-            <a:r>
-              <a:rPr lang="ja-JP" altLang="en-US" sz="1100" dirty="0" smtClean="0">
-                <a:latin typeface="メイリオ" panose="020B0604030504040204" pitchFamily="50" charset="-128"/>
-                <a:ea typeface="メイリオ" panose="020B0604030504040204" pitchFamily="50" charset="-128"/>
-                <a:cs typeface="メイリオ" panose="020B0604030504040204" pitchFamily="50" charset="-128"/>
-              </a:rPr>
-              <a:t>を紹介し換算に関する詳細情報を伝えます。</a:t>
+              <a:t>プロジェクトをキックオフし、すべての関係組織の窓口担当を紹介し換算に関する詳細情報を伝えます。</a:t>
             </a:r>
             <a:endParaRPr lang="sv-SE" sz="1100" dirty="0">
               <a:latin typeface="メイリオ" panose="020B0604030504040204" pitchFamily="50" charset="-128"/>
@@ -21351,15 +23648,7 @@
                 <a:ea typeface="メイリオ" panose="020B0604030504040204" pitchFamily="50" charset="-128"/>
                 <a:cs typeface="メイリオ" panose="020B0604030504040204" pitchFamily="50" charset="-128"/>
               </a:rPr>
-              <a:t>立ち上げ時招集、</a:t>
-            </a:r>
-            <a:r>
-              <a:rPr lang="ja-JP" altLang="en-US" sz="1200" b="1" dirty="0" smtClean="0">
-                <a:latin typeface="メイリオ" panose="020B0604030504040204" pitchFamily="50" charset="-128"/>
-                <a:ea typeface="メイリオ" panose="020B0604030504040204" pitchFamily="50" charset="-128"/>
-                <a:cs typeface="メイリオ" panose="020B0604030504040204" pitchFamily="50" charset="-128"/>
-              </a:rPr>
-              <a:t>ミーティング</a:t>
+              <a:t>立ち上げ時招集、ミーティング</a:t>
             </a:r>
             <a:endParaRPr lang="sv-SE" sz="1200" b="1" dirty="0">
               <a:latin typeface="メイリオ" panose="020B0604030504040204" pitchFamily="50" charset="-128"/>
@@ -21600,6 +23889,51 @@
               <a:t>レポートの送付</a:t>
             </a:r>
             <a:endParaRPr lang="sv-SE" dirty="0"/>
+          </a:p>
+        </p:txBody>
+      </p:sp>
+      <p:sp>
+        <p:nvSpPr>
+          <p:cNvPr id="51" name="Arc 22"/>
+          <p:cNvSpPr>
+            <a:spLocks noChangeAspect="1"/>
+          </p:cNvSpPr>
+          <p:nvPr/>
+        </p:nvSpPr>
+        <p:spPr>
+          <a:xfrm rot="16200000" flipH="1">
+            <a:off x="2453711" y="4925415"/>
+            <a:ext cx="576000" cy="576000"/>
+          </a:xfrm>
+          <a:prstGeom prst="arc">
+            <a:avLst/>
+          </a:prstGeom>
+          <a:ln w="19050">
+            <a:solidFill>
+              <a:schemeClr val="tx1"/>
+            </a:solidFill>
+          </a:ln>
+        </p:spPr>
+        <p:style>
+          <a:lnRef idx="1">
+            <a:schemeClr val="accent1"/>
+          </a:lnRef>
+          <a:fillRef idx="0">
+            <a:schemeClr val="accent1"/>
+          </a:fillRef>
+          <a:effectRef idx="0">
+            <a:schemeClr val="accent1"/>
+          </a:effectRef>
+          <a:fontRef idx="minor">
+            <a:schemeClr val="tx1"/>
+          </a:fontRef>
+        </p:style>
+        <p:txBody>
+          <a:bodyPr rtlCol="0" anchor="ctr"/>
+          <a:lstStyle/>
+          <a:p>
+            <a:pPr algn="ctr"/>
+            <a:endParaRPr lang="en-US"/>
           </a:p>
         </p:txBody>
       </p:sp>
@@ -21881,7 +24215,7 @@
   <a:extraClrSchemeLst/>
   <a:extLst>
     <a:ext uri="{05A4C25C-085E-4340-85A3-A5531E510DB2}">
-      <thm15:themeFamily xmlns:thm15="http://schemas.microsoft.com/office/thememl/2012/main" xmlns="" name="Office Theme" id="{62F939B6-93AF-4DB8-9C6B-D6C7DFDC589F}" vid="{4A3C46E8-61CC-4603-A589-7422A47A8E4A}"/>
+      <thm15:themeFamily xmlns="" xmlns:thm15="http://schemas.microsoft.com/office/thememl/2012/main" name="Office Theme" id="{62F939B6-93AF-4DB8-9C6B-D6C7DFDC589F}" vid="{4A3C46E8-61CC-4603-A589-7422A47A8E4A}"/>
     </a:ext>
   </a:extLst>
 </a:theme>
@@ -22142,7 +24476,7 @@
   <a:extraClrSchemeLst/>
   <a:extLst>
     <a:ext uri="{05A4C25C-085E-4340-85A3-A5531E510DB2}">
-      <thm15:themeFamily xmlns:thm15="http://schemas.microsoft.com/office/thememl/2012/main" xmlns="" name="Office Theme" id="{62F939B6-93AF-4DB8-9C6B-D6C7DFDC589F}" vid="{4A3C46E8-61CC-4603-A589-7422A47A8E4A}"/>
+      <thm15:themeFamily xmlns="" xmlns:thm15="http://schemas.microsoft.com/office/thememl/2012/main" name="Office Theme" id="{62F939B6-93AF-4DB8-9C6B-D6C7DFDC589F}" vid="{4A3C46E8-61CC-4603-A589-7422A47A8E4A}"/>
     </a:ext>
   </a:extLst>
 </a:theme>
@@ -22403,7 +24737,7 @@
   <a:extraClrSchemeLst/>
   <a:extLst>
     <a:ext uri="{05A4C25C-085E-4340-85A3-A5531E510DB2}">
-      <thm15:themeFamily xmlns:thm15="http://schemas.microsoft.com/office/thememl/2012/main" xmlns="" name="Office Theme" id="{62F939B6-93AF-4DB8-9C6B-D6C7DFDC589F}" vid="{4A3C46E8-61CC-4603-A589-7422A47A8E4A}"/>
+      <thm15:themeFamily xmlns="" xmlns:thm15="http://schemas.microsoft.com/office/thememl/2012/main" name="Office Theme" id="{62F939B6-93AF-4DB8-9C6B-D6C7DFDC589F}" vid="{4A3C46E8-61CC-4603-A589-7422A47A8E4A}"/>
     </a:ext>
   </a:extLst>
 </a:theme>

--- a/Figures_M&A_paper_JP.pptx
+++ b/Figures_M&A_paper_JP.pptx
@@ -5,10 +5,10 @@
     <p:sldMasterId id="2147483659" r:id="rId1"/>
   </p:sldMasterIdLst>
   <p:notesMasterIdLst>
-    <p:notesMasterId r:id="rId15"/>
+    <p:notesMasterId r:id="rId16"/>
   </p:notesMasterIdLst>
   <p:handoutMasterIdLst>
-    <p:handoutMasterId r:id="rId16"/>
+    <p:handoutMasterId r:id="rId17"/>
   </p:handoutMasterIdLst>
   <p:sldIdLst>
     <p:sldId id="538" r:id="rId2"/>
@@ -18,12 +18,13 @@
     <p:sldId id="532" r:id="rId6"/>
     <p:sldId id="539" r:id="rId7"/>
     <p:sldId id="537" r:id="rId8"/>
-    <p:sldId id="531" r:id="rId9"/>
-    <p:sldId id="541" r:id="rId10"/>
-    <p:sldId id="529" r:id="rId11"/>
-    <p:sldId id="540" r:id="rId12"/>
-    <p:sldId id="530" r:id="rId13"/>
-    <p:sldId id="542" r:id="rId14"/>
+    <p:sldId id="543" r:id="rId9"/>
+    <p:sldId id="531" r:id="rId10"/>
+    <p:sldId id="541" r:id="rId11"/>
+    <p:sldId id="529" r:id="rId12"/>
+    <p:sldId id="540" r:id="rId13"/>
+    <p:sldId id="530" r:id="rId14"/>
+    <p:sldId id="542" r:id="rId15"/>
   </p:sldIdLst>
   <p:sldSz cx="12192000" cy="6858000"/>
   <p:notesSz cx="6858000" cy="9144000"/>
@@ -124,7 +125,7 @@
   </p:defaultTextStyle>
   <p:extLst>
     <p:ext uri="{EFAFB233-063F-42B5-8137-9DF3F51BA10A}">
-      <p15:sldGuideLst xmlns="" xmlns:p15="http://schemas.microsoft.com/office/powerpoint/2012/main">
+      <p15:sldGuideLst xmlns:p15="http://schemas.microsoft.com/office/powerpoint/2012/main" xmlns="">
         <p15:guide id="1" orient="horz" pos="2296" userDrawn="1">
           <p15:clr>
             <a:srgbClr val="A4A3A4"/>
@@ -138,7 +139,7 @@
       </p15:sldGuideLst>
     </p:ext>
     <p:ext uri="{2D200454-40CA-4A62-9FC3-DE9A4176ACB9}">
-      <p15:notesGuideLst xmlns="" xmlns:p15="http://schemas.microsoft.com/office/powerpoint/2012/main"/>
+      <p15:notesGuideLst xmlns:p15="http://schemas.microsoft.com/office/powerpoint/2012/main" xmlns=""/>
     </p:ext>
   </p:extLst>
 </p:presentation>
@@ -226,7 +227,7 @@
           <a:p>
             <a:fld id="{E6FDABA1-4B5D-4D1A-B9E0-E772E7058171}" type="datetimeFigureOut">
               <a:rPr lang="sv-SE" smtClean="0"/>
-              <a:t>2017-11-19</a:t>
+              <a:t>2017-11-23</a:t>
             </a:fld>
             <a:endParaRPr lang="sv-SE"/>
           </a:p>
@@ -391,7 +392,7 @@
           <a:p>
             <a:fld id="{DE46D2F7-F797-442B-A22D-84CBF0D5BA4F}" type="datetimeFigureOut">
               <a:rPr lang="sv-SE" smtClean="0"/>
-              <a:t>2017-11-19</a:t>
+              <a:t>2017-11-23</a:t>
             </a:fld>
             <a:endParaRPr lang="sv-SE"/>
           </a:p>
@@ -1503,7 +1504,7 @@
           <a:p>
             <a:fld id="{89949FCC-B783-48EB-A7FB-879B9C32ECE4}" type="slidenum">
               <a:rPr lang="sv-SE" smtClean="0"/>
-              <a:t>8</a:t>
+              <a:t>9</a:t>
             </a:fld>
             <a:endParaRPr lang="sv-SE"/>
           </a:p>
@@ -1593,7 +1594,7 @@
           <a:p>
             <a:fld id="{89949FCC-B783-48EB-A7FB-879B9C32ECE4}" type="slidenum">
               <a:rPr lang="sv-SE" smtClean="0"/>
-              <a:t>9</a:t>
+              <a:t>10</a:t>
             </a:fld>
             <a:endParaRPr lang="sv-SE"/>
           </a:p>
@@ -1683,7 +1684,7 @@
           <a:p>
             <a:fld id="{89949FCC-B783-48EB-A7FB-879B9C32ECE4}" type="slidenum">
               <a:rPr lang="sv-SE" smtClean="0"/>
-              <a:t>10</a:t>
+              <a:t>11</a:t>
             </a:fld>
             <a:endParaRPr lang="sv-SE"/>
           </a:p>
@@ -1773,7 +1774,7 @@
           <a:p>
             <a:fld id="{89949FCC-B783-48EB-A7FB-879B9C32ECE4}" type="slidenum">
               <a:rPr lang="sv-SE" smtClean="0"/>
-              <a:t>11</a:t>
+              <a:t>12</a:t>
             </a:fld>
             <a:endParaRPr lang="sv-SE"/>
           </a:p>
@@ -1863,7 +1864,7 @@
           <a:p>
             <a:fld id="{89949FCC-B783-48EB-A7FB-879B9C32ECE4}" type="slidenum">
               <a:rPr lang="sv-SE" smtClean="0"/>
-              <a:t>12</a:t>
+              <a:t>13</a:t>
             </a:fld>
             <a:endParaRPr lang="sv-SE"/>
           </a:p>
@@ -1953,7 +1954,7 @@
           <a:p>
             <a:fld id="{89949FCC-B783-48EB-A7FB-879B9C32ECE4}" type="slidenum">
               <a:rPr lang="sv-SE" smtClean="0"/>
-              <a:t>13</a:t>
+              <a:t>14</a:t>
             </a:fld>
             <a:endParaRPr lang="sv-SE"/>
           </a:p>
@@ -2103,7 +2104,7 @@
           <a:p>
             <a:fld id="{644446D9-CA4E-47F7-ADA0-1C514647DC66}" type="datetimeFigureOut">
               <a:rPr lang="en-US" smtClean="0"/>
-              <a:t>11/19/2017</a:t>
+              <a:t>11/23/2017</a:t>
             </a:fld>
             <a:endParaRPr lang="en-US"/>
           </a:p>
@@ -2273,7 +2274,7 @@
           <a:p>
             <a:fld id="{644446D9-CA4E-47F7-ADA0-1C514647DC66}" type="datetimeFigureOut">
               <a:rPr lang="en-US" smtClean="0"/>
-              <a:t>11/19/2017</a:t>
+              <a:t>11/23/2017</a:t>
             </a:fld>
             <a:endParaRPr lang="en-US"/>
           </a:p>
@@ -2453,7 +2454,7 @@
           <a:p>
             <a:fld id="{644446D9-CA4E-47F7-ADA0-1C514647DC66}" type="datetimeFigureOut">
               <a:rPr lang="en-US" smtClean="0"/>
-              <a:t>11/19/2017</a:t>
+              <a:t>11/23/2017</a:t>
             </a:fld>
             <a:endParaRPr lang="en-US"/>
           </a:p>
@@ -2623,7 +2624,7 @@
           <a:p>
             <a:fld id="{644446D9-CA4E-47F7-ADA0-1C514647DC66}" type="datetimeFigureOut">
               <a:rPr lang="en-US" smtClean="0"/>
-              <a:t>11/19/2017</a:t>
+              <a:t>11/23/2017</a:t>
             </a:fld>
             <a:endParaRPr lang="en-US"/>
           </a:p>
@@ -2869,7 +2870,7 @@
           <a:p>
             <a:fld id="{644446D9-CA4E-47F7-ADA0-1C514647DC66}" type="datetimeFigureOut">
               <a:rPr lang="en-US" smtClean="0"/>
-              <a:t>11/19/2017</a:t>
+              <a:t>11/23/2017</a:t>
             </a:fld>
             <a:endParaRPr lang="en-US"/>
           </a:p>
@@ -3101,7 +3102,7 @@
           <a:p>
             <a:fld id="{644446D9-CA4E-47F7-ADA0-1C514647DC66}" type="datetimeFigureOut">
               <a:rPr lang="en-US" smtClean="0"/>
-              <a:t>11/19/2017</a:t>
+              <a:t>11/23/2017</a:t>
             </a:fld>
             <a:endParaRPr lang="en-US"/>
           </a:p>
@@ -3468,7 +3469,7 @@
           <a:p>
             <a:fld id="{644446D9-CA4E-47F7-ADA0-1C514647DC66}" type="datetimeFigureOut">
               <a:rPr lang="en-US" smtClean="0"/>
-              <a:t>11/19/2017</a:t>
+              <a:t>11/23/2017</a:t>
             </a:fld>
             <a:endParaRPr lang="en-US"/>
           </a:p>
@@ -3586,7 +3587,7 @@
           <a:p>
             <a:fld id="{644446D9-CA4E-47F7-ADA0-1C514647DC66}" type="datetimeFigureOut">
               <a:rPr lang="en-US" smtClean="0"/>
-              <a:t>11/19/2017</a:t>
+              <a:t>11/23/2017</a:t>
             </a:fld>
             <a:endParaRPr lang="en-US"/>
           </a:p>
@@ -3681,7 +3682,7 @@
           <a:p>
             <a:fld id="{644446D9-CA4E-47F7-ADA0-1C514647DC66}" type="datetimeFigureOut">
               <a:rPr lang="en-US" smtClean="0"/>
-              <a:t>11/19/2017</a:t>
+              <a:t>11/23/2017</a:t>
             </a:fld>
             <a:endParaRPr lang="en-US"/>
           </a:p>
@@ -3958,7 +3959,7 @@
           <a:p>
             <a:fld id="{644446D9-CA4E-47F7-ADA0-1C514647DC66}" type="datetimeFigureOut">
               <a:rPr lang="en-US" smtClean="0"/>
-              <a:t>11/19/2017</a:t>
+              <a:t>11/23/2017</a:t>
             </a:fld>
             <a:endParaRPr lang="en-US"/>
           </a:p>
@@ -4211,7 +4212,7 @@
           <a:p>
             <a:fld id="{644446D9-CA4E-47F7-ADA0-1C514647DC66}" type="datetimeFigureOut">
               <a:rPr lang="en-US" smtClean="0"/>
-              <a:t>11/19/2017</a:t>
+              <a:t>11/23/2017</a:t>
             </a:fld>
             <a:endParaRPr lang="en-US"/>
           </a:p>
@@ -4424,7 +4425,7 @@
           <a:p>
             <a:fld id="{644446D9-CA4E-47F7-ADA0-1C514647DC66}" type="datetimeFigureOut">
               <a:rPr lang="en-US" smtClean="0"/>
-              <a:t>11/19/2017</a:t>
+              <a:t>11/23/2017</a:t>
             </a:fld>
             <a:endParaRPr lang="en-US"/>
           </a:p>
@@ -4927,6 +4928,1575 @@
       </p:grpSpPr>
       <p:sp>
         <p:nvSpPr>
+          <p:cNvPr id="40" name="Rectangle 39"/>
+          <p:cNvSpPr/>
+          <p:nvPr/>
+        </p:nvSpPr>
+        <p:spPr>
+          <a:xfrm>
+            <a:off x="1819275" y="209550"/>
+            <a:ext cx="7458076" cy="6286500"/>
+          </a:xfrm>
+          <a:prstGeom prst="rect">
+            <a:avLst/>
+          </a:prstGeom>
+          <a:ln w="28575">
+            <a:solidFill>
+              <a:srgbClr val="2CA4F2"/>
+            </a:solidFill>
+          </a:ln>
+        </p:spPr>
+        <p:style>
+          <a:lnRef idx="2">
+            <a:schemeClr val="accent1"/>
+          </a:lnRef>
+          <a:fillRef idx="1">
+            <a:schemeClr val="lt1"/>
+          </a:fillRef>
+          <a:effectRef idx="0">
+            <a:schemeClr val="accent1"/>
+          </a:effectRef>
+          <a:fontRef idx="minor">
+            <a:schemeClr val="dk1"/>
+          </a:fontRef>
+        </p:style>
+        <p:txBody>
+          <a:bodyPr rtlCol="0" anchor="ctr"/>
+          <a:lstStyle/>
+          <a:p>
+            <a:pPr algn="ctr"/>
+            <a:endParaRPr lang="en-US"/>
+          </a:p>
+        </p:txBody>
+      </p:sp>
+      <p:pic>
+        <p:nvPicPr>
+          <p:cNvPr id="12" name="Picture 11"/>
+          <p:cNvPicPr>
+            <a:picLocks noChangeAspect="1"/>
+          </p:cNvPicPr>
+          <p:nvPr/>
+        </p:nvPicPr>
+        <p:blipFill>
+          <a:blip r:embed="rId3" cstate="print">
+            <a:extLst>
+              <a:ext uri="{28A0092B-C50C-407E-A947-70E740481C1C}">
+                <a14:useLocalDpi xmlns:a14="http://schemas.microsoft.com/office/drawing/2010/main" val="0"/>
+              </a:ext>
+            </a:extLst>
+          </a:blip>
+          <a:stretch>
+            <a:fillRect/>
+          </a:stretch>
+        </p:blipFill>
+        <p:spPr>
+          <a:xfrm>
+            <a:off x="7004681" y="300949"/>
+            <a:ext cx="599948" cy="599948"/>
+          </a:xfrm>
+          <a:prstGeom prst="rect">
+            <a:avLst/>
+          </a:prstGeom>
+        </p:spPr>
+      </p:pic>
+      <p:sp>
+        <p:nvSpPr>
+          <p:cNvPr id="2" name="Arc 1"/>
+          <p:cNvSpPr/>
+          <p:nvPr/>
+        </p:nvSpPr>
+        <p:spPr>
+          <a:xfrm>
+            <a:off x="8346563" y="1148862"/>
+            <a:ext cx="588397" cy="633889"/>
+          </a:xfrm>
+          <a:prstGeom prst="arc">
+            <a:avLst/>
+          </a:prstGeom>
+          <a:ln w="19050">
+            <a:solidFill>
+              <a:schemeClr val="tx1"/>
+            </a:solidFill>
+          </a:ln>
+        </p:spPr>
+        <p:style>
+          <a:lnRef idx="1">
+            <a:schemeClr val="accent1"/>
+          </a:lnRef>
+          <a:fillRef idx="0">
+            <a:schemeClr val="accent1"/>
+          </a:fillRef>
+          <a:effectRef idx="0">
+            <a:schemeClr val="accent1"/>
+          </a:effectRef>
+          <a:fontRef idx="minor">
+            <a:schemeClr val="tx1"/>
+          </a:fontRef>
+        </p:style>
+        <p:txBody>
+          <a:bodyPr rtlCol="0" anchor="ctr"/>
+          <a:lstStyle/>
+          <a:p>
+            <a:pPr algn="ctr"/>
+            <a:endParaRPr lang="en-US"/>
+          </a:p>
+        </p:txBody>
+      </p:sp>
+      <p:cxnSp>
+        <p:nvCxnSpPr>
+          <p:cNvPr id="15" name="Straight Connector 14"/>
+          <p:cNvCxnSpPr>
+            <a:cxnSpLocks/>
+            <a:stCxn id="2" idx="0"/>
+            <a:endCxn id="21" idx="3"/>
+          </p:cNvCxnSpPr>
+          <p:nvPr/>
+        </p:nvCxnSpPr>
+        <p:spPr>
+          <a:xfrm flipH="1">
+            <a:off x="2760184" y="1148862"/>
+            <a:ext cx="5880577" cy="3714"/>
+          </a:xfrm>
+          <a:prstGeom prst="line">
+            <a:avLst/>
+          </a:prstGeom>
+          <a:ln w="19050">
+            <a:solidFill>
+              <a:schemeClr val="tx1"/>
+            </a:solidFill>
+          </a:ln>
+        </p:spPr>
+        <p:style>
+          <a:lnRef idx="1">
+            <a:schemeClr val="accent1"/>
+          </a:lnRef>
+          <a:fillRef idx="0">
+            <a:schemeClr val="accent1"/>
+          </a:fillRef>
+          <a:effectRef idx="0">
+            <a:schemeClr val="accent1"/>
+          </a:effectRef>
+          <a:fontRef idx="minor">
+            <a:schemeClr val="tx1"/>
+          </a:fontRef>
+        </p:style>
+      </p:cxnSp>
+      <p:cxnSp>
+        <p:nvCxnSpPr>
+          <p:cNvPr id="20" name="Straight Connector 19"/>
+          <p:cNvCxnSpPr>
+            <a:cxnSpLocks/>
+          </p:cNvCxnSpPr>
+          <p:nvPr/>
+        </p:nvCxnSpPr>
+        <p:spPr>
+          <a:xfrm>
+            <a:off x="8933023" y="1444382"/>
+            <a:ext cx="0" cy="1482681"/>
+          </a:xfrm>
+          <a:prstGeom prst="line">
+            <a:avLst/>
+          </a:prstGeom>
+          <a:ln w="19050">
+            <a:solidFill>
+              <a:schemeClr val="tx1"/>
+            </a:solidFill>
+          </a:ln>
+        </p:spPr>
+        <p:style>
+          <a:lnRef idx="1">
+            <a:schemeClr val="accent1"/>
+          </a:lnRef>
+          <a:fillRef idx="0">
+            <a:schemeClr val="accent1"/>
+          </a:fillRef>
+          <a:effectRef idx="0">
+            <a:schemeClr val="accent1"/>
+          </a:effectRef>
+          <a:fontRef idx="minor">
+            <a:schemeClr val="tx1"/>
+          </a:fontRef>
+        </p:style>
+      </p:cxnSp>
+      <p:sp>
+        <p:nvSpPr>
+          <p:cNvPr id="23" name="Arc 22"/>
+          <p:cNvSpPr/>
+          <p:nvPr/>
+        </p:nvSpPr>
+        <p:spPr>
+          <a:xfrm rot="5400000">
+            <a:off x="8321880" y="2607437"/>
+            <a:ext cx="588397" cy="633889"/>
+          </a:xfrm>
+          <a:prstGeom prst="arc">
+            <a:avLst/>
+          </a:prstGeom>
+          <a:ln w="19050">
+            <a:solidFill>
+              <a:schemeClr val="tx1"/>
+            </a:solidFill>
+          </a:ln>
+        </p:spPr>
+        <p:style>
+          <a:lnRef idx="1">
+            <a:schemeClr val="accent1"/>
+          </a:lnRef>
+          <a:fillRef idx="0">
+            <a:schemeClr val="accent1"/>
+          </a:fillRef>
+          <a:effectRef idx="0">
+            <a:schemeClr val="accent1"/>
+          </a:effectRef>
+          <a:fontRef idx="minor">
+            <a:schemeClr val="tx1"/>
+          </a:fontRef>
+        </p:style>
+        <p:txBody>
+          <a:bodyPr rtlCol="0" anchor="ctr"/>
+          <a:lstStyle/>
+          <a:p>
+            <a:pPr algn="ctr"/>
+            <a:endParaRPr lang="en-US"/>
+          </a:p>
+        </p:txBody>
+      </p:sp>
+      <p:cxnSp>
+        <p:nvCxnSpPr>
+          <p:cNvPr id="24" name="Straight Connector 23"/>
+          <p:cNvCxnSpPr>
+            <a:cxnSpLocks/>
+            <a:stCxn id="23" idx="2"/>
+          </p:cNvCxnSpPr>
+          <p:nvPr/>
+        </p:nvCxnSpPr>
+        <p:spPr>
+          <a:xfrm flipH="1">
+            <a:off x="2767674" y="3218580"/>
+            <a:ext cx="5848404" cy="0"/>
+          </a:xfrm>
+          <a:prstGeom prst="line">
+            <a:avLst/>
+          </a:prstGeom>
+          <a:ln w="19050">
+            <a:solidFill>
+              <a:schemeClr val="tx1"/>
+            </a:solidFill>
+          </a:ln>
+        </p:spPr>
+        <p:style>
+          <a:lnRef idx="1">
+            <a:schemeClr val="accent1"/>
+          </a:lnRef>
+          <a:fillRef idx="0">
+            <a:schemeClr val="accent1"/>
+          </a:fillRef>
+          <a:effectRef idx="0">
+            <a:schemeClr val="accent1"/>
+          </a:effectRef>
+          <a:fontRef idx="minor">
+            <a:schemeClr val="tx1"/>
+          </a:fontRef>
+        </p:style>
+      </p:cxnSp>
+      <p:sp>
+        <p:nvSpPr>
+          <p:cNvPr id="29" name="Arc 28"/>
+          <p:cNvSpPr/>
+          <p:nvPr/>
+        </p:nvSpPr>
+        <p:spPr>
+          <a:xfrm rot="16452913">
+            <a:off x="2473475" y="3193454"/>
+            <a:ext cx="588397" cy="633889"/>
+          </a:xfrm>
+          <a:prstGeom prst="arc">
+            <a:avLst/>
+          </a:prstGeom>
+          <a:ln w="19050">
+            <a:solidFill>
+              <a:schemeClr val="tx1"/>
+            </a:solidFill>
+          </a:ln>
+        </p:spPr>
+        <p:style>
+          <a:lnRef idx="1">
+            <a:schemeClr val="accent1"/>
+          </a:lnRef>
+          <a:fillRef idx="0">
+            <a:schemeClr val="accent1"/>
+          </a:fillRef>
+          <a:effectRef idx="0">
+            <a:schemeClr val="accent1"/>
+          </a:effectRef>
+          <a:fontRef idx="minor">
+            <a:schemeClr val="tx1"/>
+          </a:fontRef>
+        </p:style>
+        <p:txBody>
+          <a:bodyPr rtlCol="0" anchor="ctr"/>
+          <a:lstStyle/>
+          <a:p>
+            <a:pPr algn="ctr"/>
+            <a:endParaRPr lang="en-US" dirty="0"/>
+          </a:p>
+        </p:txBody>
+      </p:sp>
+      <p:cxnSp>
+        <p:nvCxnSpPr>
+          <p:cNvPr id="16" name="Straight Connector 15"/>
+          <p:cNvCxnSpPr>
+            <a:cxnSpLocks/>
+          </p:cNvCxnSpPr>
+          <p:nvPr/>
+        </p:nvCxnSpPr>
+        <p:spPr>
+          <a:xfrm>
+            <a:off x="2463461" y="3487103"/>
+            <a:ext cx="0" cy="1720278"/>
+          </a:xfrm>
+          <a:prstGeom prst="line">
+            <a:avLst/>
+          </a:prstGeom>
+          <a:ln w="19050">
+            <a:solidFill>
+              <a:schemeClr val="tx1"/>
+            </a:solidFill>
+          </a:ln>
+        </p:spPr>
+        <p:style>
+          <a:lnRef idx="1">
+            <a:schemeClr val="accent1"/>
+          </a:lnRef>
+          <a:fillRef idx="0">
+            <a:schemeClr val="accent1"/>
+          </a:fillRef>
+          <a:effectRef idx="0">
+            <a:schemeClr val="accent1"/>
+          </a:effectRef>
+          <a:fontRef idx="minor">
+            <a:schemeClr val="tx1"/>
+          </a:fontRef>
+        </p:style>
+      </p:cxnSp>
+      <p:pic>
+        <p:nvPicPr>
+          <p:cNvPr id="8" name="Picture 7"/>
+          <p:cNvPicPr>
+            <a:picLocks noChangeAspect="1"/>
+          </p:cNvPicPr>
+          <p:nvPr/>
+        </p:nvPicPr>
+        <p:blipFill>
+          <a:blip r:embed="rId4" cstate="print">
+            <a:extLst>
+              <a:ext uri="{28A0092B-C50C-407E-A947-70E740481C1C}">
+                <a14:useLocalDpi xmlns:a14="http://schemas.microsoft.com/office/drawing/2010/main" val="0"/>
+              </a:ext>
+            </a:extLst>
+          </a:blip>
+          <a:stretch>
+            <a:fillRect/>
+          </a:stretch>
+        </p:blipFill>
+        <p:spPr>
+          <a:xfrm>
+            <a:off x="3647446" y="398024"/>
+            <a:ext cx="674022" cy="674022"/>
+          </a:xfrm>
+          <a:prstGeom prst="rect">
+            <a:avLst/>
+          </a:prstGeom>
+        </p:spPr>
+      </p:pic>
+      <p:sp>
+        <p:nvSpPr>
+          <p:cNvPr id="58" name="TextBox 57"/>
+          <p:cNvSpPr txBox="1"/>
+          <p:nvPr/>
+        </p:nvSpPr>
+        <p:spPr>
+          <a:xfrm>
+            <a:off x="5798401" y="1445670"/>
+            <a:ext cx="2873914" cy="938719"/>
+          </a:xfrm>
+          <a:prstGeom prst="rect">
+            <a:avLst/>
+          </a:prstGeom>
+          <a:noFill/>
+        </p:spPr>
+        <p:txBody>
+          <a:bodyPr wrap="square" rtlCol="0">
+            <a:spAutoFit/>
+          </a:bodyPr>
+          <a:lstStyle>
+            <a:defPPr>
+              <a:defRPr lang="sv-SE"/>
+            </a:defPPr>
+            <a:lvl1pPr>
+              <a:defRPr sz="1100">
+                <a:latin typeface="メイリオ" panose="020B0604030504040204" pitchFamily="50" charset="-128"/>
+                <a:ea typeface="メイリオ" panose="020B0604030504040204" pitchFamily="50" charset="-128"/>
+                <a:cs typeface="メイリオ" panose="020B0604030504040204" pitchFamily="50" charset="-128"/>
+              </a:defRPr>
+            </a:lvl1pPr>
+          </a:lstStyle>
+          <a:p>
+            <a:r>
+              <a:rPr lang="ja-JP" altLang="en-US" dirty="0" smtClean="0"/>
+              <a:t>クラウドサーバーへのアップロードもしくは、監査人を招き実地作業によりソースコードを監査人に渡します（実地の場合、スキャン実施にローカルサーバの準備が必要となります）。</a:t>
+            </a:r>
+            <a:endParaRPr lang="sv-SE" dirty="0"/>
+          </a:p>
+        </p:txBody>
+      </p:sp>
+      <p:sp>
+        <p:nvSpPr>
+          <p:cNvPr id="59" name="TextBox 58"/>
+          <p:cNvSpPr txBox="1"/>
+          <p:nvPr/>
+        </p:nvSpPr>
+        <p:spPr>
+          <a:xfrm>
+            <a:off x="5998816" y="1224552"/>
+            <a:ext cx="2617261" cy="276999"/>
+          </a:xfrm>
+          <a:prstGeom prst="rect">
+            <a:avLst/>
+          </a:prstGeom>
+          <a:noFill/>
+        </p:spPr>
+        <p:txBody>
+          <a:bodyPr wrap="square" rtlCol="0">
+            <a:spAutoFit/>
+          </a:bodyPr>
+          <a:lstStyle>
+            <a:defPPr>
+              <a:defRPr lang="sv-SE"/>
+            </a:defPPr>
+            <a:lvl1pPr algn="ctr">
+              <a:defRPr sz="1200" b="1">
+                <a:latin typeface="メイリオ" panose="020B0604030504040204" pitchFamily="50" charset="-128"/>
+                <a:ea typeface="メイリオ" panose="020B0604030504040204" pitchFamily="50" charset="-128"/>
+                <a:cs typeface="メイリオ" panose="020B0604030504040204" pitchFamily="50" charset="-128"/>
+              </a:defRPr>
+            </a:lvl1pPr>
+          </a:lstStyle>
+          <a:p>
+            <a:r>
+              <a:rPr lang="ja-JP" altLang="en-US" dirty="0" smtClean="0"/>
+              <a:t>監査人へのコードの送付</a:t>
+            </a:r>
+            <a:endParaRPr lang="sv-SE" dirty="0"/>
+          </a:p>
+        </p:txBody>
+      </p:sp>
+      <p:pic>
+        <p:nvPicPr>
+          <p:cNvPr id="65" name="Picture 64"/>
+          <p:cNvPicPr>
+            <a:picLocks noChangeAspect="1"/>
+          </p:cNvPicPr>
+          <p:nvPr/>
+        </p:nvPicPr>
+        <p:blipFill>
+          <a:blip r:embed="rId5" cstate="print">
+            <a:extLst>
+              <a:ext uri="{28A0092B-C50C-407E-A947-70E740481C1C}">
+                <a14:useLocalDpi xmlns:a14="http://schemas.microsoft.com/office/drawing/2010/main" val="0"/>
+              </a:ext>
+            </a:extLst>
+          </a:blip>
+          <a:stretch>
+            <a:fillRect/>
+          </a:stretch>
+        </p:blipFill>
+        <p:spPr>
+          <a:xfrm>
+            <a:off x="6601603" y="539323"/>
+            <a:ext cx="569047" cy="569047"/>
+          </a:xfrm>
+          <a:prstGeom prst="rect">
+            <a:avLst/>
+          </a:prstGeom>
+        </p:spPr>
+      </p:pic>
+      <p:pic>
+        <p:nvPicPr>
+          <p:cNvPr id="94" name="Picture 93"/>
+          <p:cNvPicPr>
+            <a:picLocks noChangeAspect="1"/>
+          </p:cNvPicPr>
+          <p:nvPr/>
+        </p:nvPicPr>
+        <p:blipFill>
+          <a:blip r:embed="rId6" cstate="print">
+            <a:extLst>
+              <a:ext uri="{28A0092B-C50C-407E-A947-70E740481C1C}">
+                <a14:useLocalDpi xmlns:a14="http://schemas.microsoft.com/office/drawing/2010/main" val="0"/>
+              </a:ext>
+            </a:extLst>
+          </a:blip>
+          <a:stretch>
+            <a:fillRect/>
+          </a:stretch>
+        </p:blipFill>
+        <p:spPr>
+          <a:xfrm>
+            <a:off x="7210738" y="465346"/>
+            <a:ext cx="325707" cy="325707"/>
+          </a:xfrm>
+          <a:prstGeom prst="rect">
+            <a:avLst/>
+          </a:prstGeom>
+        </p:spPr>
+      </p:pic>
+      <p:pic>
+        <p:nvPicPr>
+          <p:cNvPr id="88" name="Picture 87"/>
+          <p:cNvPicPr>
+            <a:picLocks noChangeAspect="1"/>
+          </p:cNvPicPr>
+          <p:nvPr/>
+        </p:nvPicPr>
+        <p:blipFill>
+          <a:blip r:embed="rId7"/>
+          <a:stretch>
+            <a:fillRect/>
+          </a:stretch>
+        </p:blipFill>
+        <p:spPr>
+          <a:xfrm rot="2749760">
+            <a:off x="6912477" y="596873"/>
+            <a:ext cx="377309" cy="342273"/>
+          </a:xfrm>
+          <a:prstGeom prst="rect">
+            <a:avLst/>
+          </a:prstGeom>
+        </p:spPr>
+      </p:pic>
+      <p:pic>
+        <p:nvPicPr>
+          <p:cNvPr id="48" name="Picture 47"/>
+          <p:cNvPicPr>
+            <a:picLocks noChangeAspect="1"/>
+          </p:cNvPicPr>
+          <p:nvPr/>
+        </p:nvPicPr>
+        <p:blipFill>
+          <a:blip r:embed="rId8" cstate="print">
+            <a:extLst>
+              <a:ext uri="{28A0092B-C50C-407E-A947-70E740481C1C}">
+                <a14:useLocalDpi xmlns:a14="http://schemas.microsoft.com/office/drawing/2010/main" val="0"/>
+              </a:ext>
+            </a:extLst>
+          </a:blip>
+          <a:stretch>
+            <a:fillRect/>
+          </a:stretch>
+        </p:blipFill>
+        <p:spPr>
+          <a:xfrm>
+            <a:off x="6816845" y="2456549"/>
+            <a:ext cx="761204" cy="761204"/>
+          </a:xfrm>
+          <a:prstGeom prst="rect">
+            <a:avLst/>
+          </a:prstGeom>
+        </p:spPr>
+      </p:pic>
+      <p:sp>
+        <p:nvSpPr>
+          <p:cNvPr id="53" name="TextBox 52"/>
+          <p:cNvSpPr txBox="1"/>
+          <p:nvPr/>
+        </p:nvSpPr>
+        <p:spPr>
+          <a:xfrm>
+            <a:off x="6336386" y="3241240"/>
+            <a:ext cx="1797945" cy="276999"/>
+          </a:xfrm>
+          <a:prstGeom prst="rect">
+            <a:avLst/>
+          </a:prstGeom>
+          <a:noFill/>
+        </p:spPr>
+        <p:txBody>
+          <a:bodyPr wrap="square" rtlCol="0">
+            <a:spAutoFit/>
+          </a:bodyPr>
+          <a:lstStyle>
+            <a:defPPr>
+              <a:defRPr lang="sv-SE"/>
+            </a:defPPr>
+            <a:lvl1pPr algn="ctr">
+              <a:defRPr sz="1200" b="1">
+                <a:latin typeface="メイリオ" panose="020B0604030504040204" pitchFamily="50" charset="-128"/>
+                <a:ea typeface="メイリオ" panose="020B0604030504040204" pitchFamily="50" charset="-128"/>
+                <a:cs typeface="メイリオ" panose="020B0604030504040204" pitchFamily="50" charset="-128"/>
+              </a:defRPr>
+            </a:lvl1pPr>
+          </a:lstStyle>
+          <a:p>
+            <a:r>
+              <a:rPr lang="ja-JP" altLang="en-US" dirty="0" smtClean="0"/>
+              <a:t>監査の実行</a:t>
+            </a:r>
+            <a:endParaRPr lang="sv-SE" dirty="0"/>
+          </a:p>
+        </p:txBody>
+      </p:sp>
+      <p:sp>
+        <p:nvSpPr>
+          <p:cNvPr id="64" name="TextBox 63"/>
+          <p:cNvSpPr txBox="1"/>
+          <p:nvPr/>
+        </p:nvSpPr>
+        <p:spPr>
+          <a:xfrm>
+            <a:off x="5759364" y="3467762"/>
+            <a:ext cx="3173660" cy="784830"/>
+          </a:xfrm>
+          <a:prstGeom prst="rect">
+            <a:avLst/>
+          </a:prstGeom>
+          <a:noFill/>
+        </p:spPr>
+        <p:txBody>
+          <a:bodyPr wrap="square" rtlCol="0">
+            <a:spAutoFit/>
+          </a:bodyPr>
+          <a:lstStyle>
+            <a:defPPr>
+              <a:defRPr lang="sv-SE"/>
+            </a:defPPr>
+            <a:lvl1pPr>
+              <a:defRPr sz="1100">
+                <a:latin typeface="メイリオ" panose="020B0604030504040204" pitchFamily="50" charset="-128"/>
+                <a:ea typeface="メイリオ" panose="020B0604030504040204" pitchFamily="50" charset="-128"/>
+                <a:cs typeface="メイリオ" panose="020B0604030504040204" pitchFamily="50" charset="-128"/>
+              </a:defRPr>
+            </a:lvl1pPr>
+          </a:lstStyle>
+          <a:p>
+            <a:r>
+              <a:rPr lang="ja-JP" altLang="en-US" dirty="0"/>
+              <a:t>監査人はコードベースに対し監査を実施します。彼らは、オープンソースでない、コンポーネントから、オープンソースのコンポーネント、スニペットの起源やライセンスを特定します</a:t>
+            </a:r>
+            <a:r>
+              <a:rPr lang="en-US" altLang="ja-JP" dirty="0">
+                <a:solidFill>
+                  <a:srgbClr val="FF0000"/>
+                </a:solidFill>
+              </a:rPr>
+              <a:t>* </a:t>
+            </a:r>
+            <a:r>
+              <a:rPr lang="ja-JP" altLang="en-US" dirty="0" err="1"/>
+              <a:t>。</a:t>
+            </a:r>
+            <a:endParaRPr lang="sv-SE" dirty="0"/>
+          </a:p>
+        </p:txBody>
+      </p:sp>
+      <p:grpSp>
+        <p:nvGrpSpPr>
+          <p:cNvPr id="4" name="Group 3"/>
+          <p:cNvGrpSpPr/>
+          <p:nvPr/>
+        </p:nvGrpSpPr>
+        <p:grpSpPr>
+          <a:xfrm>
+            <a:off x="3573261" y="2455321"/>
+            <a:ext cx="711813" cy="657309"/>
+            <a:chOff x="4552630" y="2268979"/>
+            <a:chExt cx="788638" cy="798292"/>
+          </a:xfrm>
+        </p:grpSpPr>
+        <p:pic>
+          <p:nvPicPr>
+            <p:cNvPr id="67" name="Picture 66"/>
+            <p:cNvPicPr>
+              <a:picLocks noChangeAspect="1"/>
+            </p:cNvPicPr>
+            <p:nvPr/>
+          </p:nvPicPr>
+          <p:blipFill>
+            <a:blip r:embed="rId9" cstate="print">
+              <a:extLst>
+                <a:ext uri="{28A0092B-C50C-407E-A947-70E740481C1C}">
+                  <a14:useLocalDpi xmlns:a14="http://schemas.microsoft.com/office/drawing/2010/main" val="0"/>
+                </a:ext>
+              </a:extLst>
+            </a:blip>
+            <a:stretch>
+              <a:fillRect/>
+            </a:stretch>
+          </p:blipFill>
+          <p:spPr>
+            <a:xfrm>
+              <a:off x="4552630" y="2345745"/>
+              <a:ext cx="721526" cy="721526"/>
+            </a:xfrm>
+            <a:prstGeom prst="rect">
+              <a:avLst/>
+            </a:prstGeom>
+          </p:spPr>
+        </p:pic>
+        <p:pic>
+          <p:nvPicPr>
+            <p:cNvPr id="68" name="Picture 67"/>
+            <p:cNvPicPr>
+              <a:picLocks noChangeAspect="1"/>
+            </p:cNvPicPr>
+            <p:nvPr/>
+          </p:nvPicPr>
+          <p:blipFill>
+            <a:blip r:embed="rId10" cstate="print">
+              <a:extLst>
+                <a:ext uri="{28A0092B-C50C-407E-A947-70E740481C1C}">
+                  <a14:useLocalDpi xmlns:a14="http://schemas.microsoft.com/office/drawing/2010/main" val="0"/>
+                </a:ext>
+              </a:extLst>
+            </a:blip>
+            <a:stretch>
+              <a:fillRect/>
+            </a:stretch>
+          </p:blipFill>
+          <p:spPr>
+            <a:xfrm>
+              <a:off x="4938559" y="2268979"/>
+              <a:ext cx="402709" cy="402709"/>
+            </a:xfrm>
+            <a:prstGeom prst="rect">
+              <a:avLst/>
+            </a:prstGeom>
+          </p:spPr>
+        </p:pic>
+      </p:grpSp>
+      <p:pic>
+        <p:nvPicPr>
+          <p:cNvPr id="74" name="Picture 73"/>
+          <p:cNvPicPr>
+            <a:picLocks noChangeAspect="1"/>
+          </p:cNvPicPr>
+          <p:nvPr/>
+        </p:nvPicPr>
+        <p:blipFill>
+          <a:blip r:embed="rId11" cstate="print">
+            <a:extLst>
+              <a:ext uri="{28A0092B-C50C-407E-A947-70E740481C1C}">
+                <a14:useLocalDpi xmlns:a14="http://schemas.microsoft.com/office/drawing/2010/main" val="0"/>
+              </a:ext>
+            </a:extLst>
+          </a:blip>
+          <a:stretch>
+            <a:fillRect/>
+          </a:stretch>
+        </p:blipFill>
+        <p:spPr>
+          <a:xfrm>
+            <a:off x="3680976" y="4821479"/>
+            <a:ext cx="570655" cy="570655"/>
+          </a:xfrm>
+          <a:prstGeom prst="rect">
+            <a:avLst/>
+          </a:prstGeom>
+        </p:spPr>
+      </p:pic>
+      <p:sp>
+        <p:nvSpPr>
+          <p:cNvPr id="21" name="Rounded Rectangle 20"/>
+          <p:cNvSpPr/>
+          <p:nvPr/>
+        </p:nvSpPr>
+        <p:spPr>
+          <a:xfrm>
+            <a:off x="2021718" y="869547"/>
+            <a:ext cx="738466" cy="566057"/>
+          </a:xfrm>
+          <a:prstGeom prst="roundRect">
+            <a:avLst/>
+          </a:prstGeom>
+          <a:ln w="28575">
+            <a:solidFill>
+              <a:srgbClr val="2CA4F2"/>
+            </a:solidFill>
+          </a:ln>
+        </p:spPr>
+        <p:style>
+          <a:lnRef idx="2">
+            <a:schemeClr val="accent1"/>
+          </a:lnRef>
+          <a:fillRef idx="1">
+            <a:schemeClr val="lt1"/>
+          </a:fillRef>
+          <a:effectRef idx="0">
+            <a:schemeClr val="accent1"/>
+          </a:effectRef>
+          <a:fontRef idx="minor">
+            <a:schemeClr val="dk1"/>
+          </a:fontRef>
+        </p:style>
+        <p:txBody>
+          <a:bodyPr rtlCol="0" anchor="ctr"/>
+          <a:lstStyle/>
+          <a:p>
+            <a:pPr algn="ctr"/>
+            <a:r>
+              <a:rPr lang="ja-JP" altLang="en-US" sz="1400" b="1" dirty="0">
+                <a:solidFill>
+                  <a:schemeClr val="dk1"/>
+                </a:solidFill>
+                <a:latin typeface="メイリオ" panose="020B0604030504040204" pitchFamily="50" charset="-128"/>
+                <a:ea typeface="メイリオ" panose="020B0604030504040204" pitchFamily="50" charset="-128"/>
+                <a:cs typeface="メイリオ" panose="020B0604030504040204" pitchFamily="50" charset="-128"/>
+              </a:rPr>
+              <a:t>開始</a:t>
+            </a:r>
+            <a:endParaRPr lang="en-US" sz="1400" b="1" dirty="0">
+              <a:solidFill>
+                <a:schemeClr val="dk1"/>
+              </a:solidFill>
+              <a:latin typeface="メイリオ" panose="020B0604030504040204" pitchFamily="50" charset="-128"/>
+              <a:ea typeface="メイリオ" panose="020B0604030504040204" pitchFamily="50" charset="-128"/>
+              <a:cs typeface="メイリオ" panose="020B0604030504040204" pitchFamily="50" charset="-128"/>
+            </a:endParaRPr>
+          </a:p>
+        </p:txBody>
+      </p:sp>
+      <p:pic>
+        <p:nvPicPr>
+          <p:cNvPr id="32" name="Picture 2" descr="http://carrot-top.com/media/catalog/product/cache/1/image/9df78eab33525d08d6e5fb8d27136e95/a/s/as150_checkered.jpg"/>
+          <p:cNvPicPr>
+            <a:picLocks noChangeAspect="1" noChangeArrowheads="1"/>
+          </p:cNvPicPr>
+          <p:nvPr/>
+        </p:nvPicPr>
+        <p:blipFill>
+          <a:blip r:embed="rId12" cstate="print">
+            <a:extLst>
+              <a:ext uri="{28A0092B-C50C-407E-A947-70E740481C1C}">
+                <a14:useLocalDpi xmlns:a14="http://schemas.microsoft.com/office/drawing/2010/main" val="0"/>
+              </a:ext>
+            </a:extLst>
+          </a:blip>
+          <a:srcRect/>
+          <a:stretch>
+            <a:fillRect/>
+          </a:stretch>
+        </p:blipFill>
+        <p:spPr bwMode="auto">
+          <a:xfrm>
+            <a:off x="5523415" y="4535578"/>
+            <a:ext cx="740229" cy="740229"/>
+          </a:xfrm>
+          <a:prstGeom prst="rect">
+            <a:avLst/>
+          </a:prstGeom>
+          <a:noFill/>
+          <a:extLst>
+            <a:ext uri="{909E8E84-426E-40DD-AFC4-6F175D3DCCD1}">
+              <a14:hiddenFill xmlns:a14="http://schemas.microsoft.com/office/drawing/2010/main">
+                <a:solidFill>
+                  <a:srgbClr val="FFFFFF"/>
+                </a:solidFill>
+              </a14:hiddenFill>
+            </a:ext>
+          </a:extLst>
+        </p:spPr>
+      </p:pic>
+      <p:sp>
+        <p:nvSpPr>
+          <p:cNvPr id="33" name="Isosceles Triangle 32"/>
+          <p:cNvSpPr/>
+          <p:nvPr/>
+        </p:nvSpPr>
+        <p:spPr>
+          <a:xfrm rot="10800000">
+            <a:off x="8737080" y="2018970"/>
+            <a:ext cx="391886" cy="393374"/>
+          </a:xfrm>
+          <a:prstGeom prst="triangle">
+            <a:avLst/>
+          </a:prstGeom>
+          <a:solidFill>
+            <a:srgbClr val="2CA4F2"/>
+          </a:solidFill>
+          <a:ln w="28575">
+            <a:solidFill>
+              <a:schemeClr val="tx1"/>
+            </a:solidFill>
+          </a:ln>
+        </p:spPr>
+        <p:style>
+          <a:lnRef idx="2">
+            <a:schemeClr val="accent1">
+              <a:shade val="50000"/>
+            </a:schemeClr>
+          </a:lnRef>
+          <a:fillRef idx="1">
+            <a:schemeClr val="accent1"/>
+          </a:fillRef>
+          <a:effectRef idx="0">
+            <a:schemeClr val="accent1"/>
+          </a:effectRef>
+          <a:fontRef idx="minor">
+            <a:schemeClr val="lt1"/>
+          </a:fontRef>
+        </p:style>
+        <p:txBody>
+          <a:bodyPr rtlCol="0" anchor="ctr"/>
+          <a:lstStyle/>
+          <a:p>
+            <a:pPr algn="ctr"/>
+            <a:endParaRPr lang="en-US"/>
+          </a:p>
+        </p:txBody>
+      </p:sp>
+      <p:sp>
+        <p:nvSpPr>
+          <p:cNvPr id="35" name="Isosceles Triangle 34"/>
+          <p:cNvSpPr/>
+          <p:nvPr/>
+        </p:nvSpPr>
+        <p:spPr>
+          <a:xfrm rot="10800000">
+            <a:off x="2264017" y="4332186"/>
+            <a:ext cx="391886" cy="393374"/>
+          </a:xfrm>
+          <a:prstGeom prst="triangle">
+            <a:avLst/>
+          </a:prstGeom>
+          <a:solidFill>
+            <a:srgbClr val="2CA4F2"/>
+          </a:solidFill>
+          <a:ln w="28575">
+            <a:solidFill>
+              <a:schemeClr val="tx1"/>
+            </a:solidFill>
+          </a:ln>
+        </p:spPr>
+        <p:style>
+          <a:lnRef idx="2">
+            <a:schemeClr val="accent1">
+              <a:shade val="50000"/>
+            </a:schemeClr>
+          </a:lnRef>
+          <a:fillRef idx="1">
+            <a:schemeClr val="accent1"/>
+          </a:fillRef>
+          <a:effectRef idx="0">
+            <a:schemeClr val="accent1"/>
+          </a:effectRef>
+          <a:fontRef idx="minor">
+            <a:schemeClr val="lt1"/>
+          </a:fontRef>
+        </p:style>
+        <p:txBody>
+          <a:bodyPr rtlCol="0" anchor="ctr"/>
+          <a:lstStyle/>
+          <a:p>
+            <a:pPr algn="ctr"/>
+            <a:endParaRPr lang="en-US"/>
+          </a:p>
+        </p:txBody>
+      </p:sp>
+      <p:pic>
+        <p:nvPicPr>
+          <p:cNvPr id="36" name="Graphic 46"/>
+          <p:cNvPicPr>
+            <a:picLocks noChangeAspect="1"/>
+          </p:cNvPicPr>
+          <p:nvPr/>
+        </p:nvPicPr>
+        <p:blipFill>
+          <a:blip r:embed="rId13" cstate="print">
+            <a:extLst>
+              <a:ext uri="{28A0092B-C50C-407E-A947-70E740481C1C}">
+                <a14:useLocalDpi xmlns:a14="http://schemas.microsoft.com/office/drawing/2010/main" val="0"/>
+              </a:ext>
+              <a:ext uri="{96DAC541-7B7A-43D3-8B79-37D633B846F1}">
+                <asvg:svgBlip xmlns:asvg="http://schemas.microsoft.com/office/drawing/2016/SVG/main" xmlns="" r:embed="rId25"/>
+              </a:ext>
+            </a:extLst>
+          </a:blip>
+          <a:stretch>
+            <a:fillRect/>
+          </a:stretch>
+        </p:blipFill>
+        <p:spPr>
+          <a:xfrm>
+            <a:off x="7061566" y="2890048"/>
+            <a:ext cx="271762" cy="271762"/>
+          </a:xfrm>
+          <a:prstGeom prst="rect">
+            <a:avLst/>
+          </a:prstGeom>
+        </p:spPr>
+      </p:pic>
+      <p:cxnSp>
+        <p:nvCxnSpPr>
+          <p:cNvPr id="39" name="Straight Connector 38"/>
+          <p:cNvCxnSpPr>
+            <a:cxnSpLocks/>
+          </p:cNvCxnSpPr>
+          <p:nvPr/>
+        </p:nvCxnSpPr>
+        <p:spPr>
+          <a:xfrm flipH="1">
+            <a:off x="2725707" y="5502285"/>
+            <a:ext cx="2797708" cy="0"/>
+          </a:xfrm>
+          <a:prstGeom prst="line">
+            <a:avLst/>
+          </a:prstGeom>
+          <a:ln w="19050">
+            <a:solidFill>
+              <a:schemeClr val="tx1"/>
+            </a:solidFill>
+          </a:ln>
+        </p:spPr>
+        <p:style>
+          <a:lnRef idx="1">
+            <a:schemeClr val="accent1"/>
+          </a:lnRef>
+          <a:fillRef idx="0">
+            <a:schemeClr val="accent1"/>
+          </a:fillRef>
+          <a:effectRef idx="0">
+            <a:schemeClr val="accent1"/>
+          </a:effectRef>
+          <a:fontRef idx="minor">
+            <a:schemeClr val="tx1"/>
+          </a:fontRef>
+        </p:style>
+      </p:cxnSp>
+      <p:sp>
+        <p:nvSpPr>
+          <p:cNvPr id="42" name="TextBox 41"/>
+          <p:cNvSpPr txBox="1"/>
+          <p:nvPr/>
+        </p:nvSpPr>
+        <p:spPr>
+          <a:xfrm>
+            <a:off x="6816845" y="5833683"/>
+            <a:ext cx="2116178" cy="530915"/>
+          </a:xfrm>
+          <a:prstGeom prst="rect">
+            <a:avLst/>
+          </a:prstGeom>
+          <a:noFill/>
+          <a:ln w="12700">
+            <a:solidFill>
+              <a:schemeClr val="tx1">
+                <a:lumMod val="50000"/>
+                <a:lumOff val="50000"/>
+              </a:schemeClr>
+            </a:solidFill>
+            <a:prstDash val="sysDash"/>
+          </a:ln>
+        </p:spPr>
+        <p:txBody>
+          <a:bodyPr wrap="square" rtlCol="0">
+            <a:spAutoFit/>
+          </a:bodyPr>
+          <a:lstStyle/>
+          <a:p>
+            <a:r>
+              <a:rPr lang="en-US" sz="1050" i="1" dirty="0" smtClean="0">
+                <a:solidFill>
+                  <a:srgbClr val="FF0000"/>
+                </a:solidFill>
+                <a:latin typeface="メイリオ" panose="020B0604030504040204" pitchFamily="50" charset="-128"/>
+                <a:ea typeface="メイリオ" panose="020B0604030504040204" pitchFamily="50" charset="-128"/>
+                <a:cs typeface="メイリオ" panose="020B0604030504040204" pitchFamily="50" charset="-128"/>
+              </a:rPr>
+              <a:t>*</a:t>
+            </a:r>
+            <a:r>
+              <a:rPr lang="en-US" sz="900" i="1" dirty="0" smtClean="0">
+                <a:solidFill>
+                  <a:srgbClr val="FF0000"/>
+                </a:solidFill>
+                <a:latin typeface="メイリオ" panose="020B0604030504040204" pitchFamily="50" charset="-128"/>
+                <a:ea typeface="メイリオ" panose="020B0604030504040204" pitchFamily="50" charset="-128"/>
+                <a:cs typeface="メイリオ" panose="020B0604030504040204" pitchFamily="50" charset="-128"/>
+              </a:rPr>
+              <a:t> </a:t>
+            </a:r>
+            <a:r>
+              <a:rPr lang="ja-JP" altLang="en-US" sz="900" i="1" dirty="0" smtClean="0">
+                <a:latin typeface="メイリオ" panose="020B0604030504040204" pitchFamily="50" charset="-128"/>
+                <a:ea typeface="メイリオ" panose="020B0604030504040204" pitchFamily="50" charset="-128"/>
+                <a:cs typeface="メイリオ" panose="020B0604030504040204" pitchFamily="50" charset="-128"/>
+              </a:rPr>
+              <a:t>監査人によって対応できないものがあります。監査サービスプロバイダに確認ください。</a:t>
+            </a:r>
+            <a:endParaRPr lang="en-US" sz="900" i="1" dirty="0" smtClean="0">
+              <a:latin typeface="メイリオ" panose="020B0604030504040204" pitchFamily="50" charset="-128"/>
+              <a:ea typeface="メイリオ" panose="020B0604030504040204" pitchFamily="50" charset="-128"/>
+              <a:cs typeface="メイリオ" panose="020B0604030504040204" pitchFamily="50" charset="-128"/>
+            </a:endParaRPr>
+          </a:p>
+        </p:txBody>
+      </p:sp>
+      <p:sp>
+        <p:nvSpPr>
+          <p:cNvPr id="49" name="Rounded Rectangle 48"/>
+          <p:cNvSpPr/>
+          <p:nvPr/>
+        </p:nvSpPr>
+        <p:spPr>
+          <a:xfrm>
+            <a:off x="5523415" y="5207381"/>
+            <a:ext cx="602067" cy="566057"/>
+          </a:xfrm>
+          <a:prstGeom prst="roundRect">
+            <a:avLst/>
+          </a:prstGeom>
+          <a:ln w="28575">
+            <a:solidFill>
+              <a:srgbClr val="2CA4F2"/>
+            </a:solidFill>
+          </a:ln>
+        </p:spPr>
+        <p:style>
+          <a:lnRef idx="2">
+            <a:schemeClr val="accent1"/>
+          </a:lnRef>
+          <a:fillRef idx="1">
+            <a:schemeClr val="lt1"/>
+          </a:fillRef>
+          <a:effectRef idx="0">
+            <a:schemeClr val="accent1"/>
+          </a:effectRef>
+          <a:fontRef idx="minor">
+            <a:schemeClr val="dk1"/>
+          </a:fontRef>
+        </p:style>
+        <p:txBody>
+          <a:bodyPr rtlCol="0" anchor="ctr"/>
+          <a:lstStyle/>
+          <a:p>
+            <a:pPr algn="ctr"/>
+            <a:r>
+              <a:rPr lang="ja-JP" altLang="en-US" sz="1400" b="1" dirty="0">
+                <a:latin typeface="メイリオ" panose="020B0604030504040204" pitchFamily="50" charset="-128"/>
+                <a:ea typeface="メイリオ" panose="020B0604030504040204" pitchFamily="50" charset="-128"/>
+                <a:cs typeface="メイリオ" panose="020B0604030504040204" pitchFamily="50" charset="-128"/>
+              </a:rPr>
+              <a:t>終了</a:t>
+            </a:r>
+            <a:endParaRPr lang="en-US" sz="1400" b="1" dirty="0">
+              <a:solidFill>
+                <a:schemeClr val="dk1"/>
+              </a:solidFill>
+              <a:latin typeface="メイリオ" panose="020B0604030504040204" pitchFamily="50" charset="-128"/>
+              <a:ea typeface="メイリオ" panose="020B0604030504040204" pitchFamily="50" charset="-128"/>
+              <a:cs typeface="メイリオ" panose="020B0604030504040204" pitchFamily="50" charset="-128"/>
+            </a:endParaRPr>
+          </a:p>
+        </p:txBody>
+      </p:sp>
+      <p:sp>
+        <p:nvSpPr>
+          <p:cNvPr id="43" name="TextBox 39"/>
+          <p:cNvSpPr txBox="1"/>
+          <p:nvPr/>
+        </p:nvSpPr>
+        <p:spPr>
+          <a:xfrm>
+            <a:off x="2896935" y="1445670"/>
+            <a:ext cx="2485216" cy="600164"/>
+          </a:xfrm>
+          <a:prstGeom prst="rect">
+            <a:avLst/>
+          </a:prstGeom>
+          <a:noFill/>
+        </p:spPr>
+        <p:txBody>
+          <a:bodyPr wrap="square" rtlCol="0">
+            <a:spAutoFit/>
+          </a:bodyPr>
+          <a:lstStyle/>
+          <a:p>
+            <a:r>
+              <a:rPr lang="ja-JP" altLang="en-US" sz="1100" dirty="0" smtClean="0">
+                <a:latin typeface="メイリオ" panose="020B0604030504040204" pitchFamily="50" charset="-128"/>
+                <a:ea typeface="メイリオ" panose="020B0604030504040204" pitchFamily="50" charset="-128"/>
+                <a:cs typeface="メイリオ" panose="020B0604030504040204" pitchFamily="50" charset="-128"/>
+              </a:rPr>
+              <a:t>プロジェクトをキックオフし、すべての関係組織の窓口担当を紹介し換算に関する詳細情報を伝えます。</a:t>
+            </a:r>
+            <a:endParaRPr lang="sv-SE" sz="1100" dirty="0">
+              <a:latin typeface="メイリオ" panose="020B0604030504040204" pitchFamily="50" charset="-128"/>
+              <a:ea typeface="メイリオ" panose="020B0604030504040204" pitchFamily="50" charset="-128"/>
+              <a:cs typeface="メイリオ" panose="020B0604030504040204" pitchFamily="50" charset="-128"/>
+            </a:endParaRPr>
+          </a:p>
+        </p:txBody>
+      </p:sp>
+      <p:sp>
+        <p:nvSpPr>
+          <p:cNvPr id="44" name="TextBox 40"/>
+          <p:cNvSpPr txBox="1"/>
+          <p:nvPr/>
+        </p:nvSpPr>
+        <p:spPr>
+          <a:xfrm>
+            <a:off x="2906483" y="1224552"/>
+            <a:ext cx="2397260" cy="276999"/>
+          </a:xfrm>
+          <a:prstGeom prst="rect">
+            <a:avLst/>
+          </a:prstGeom>
+          <a:noFill/>
+        </p:spPr>
+        <p:txBody>
+          <a:bodyPr wrap="square" rtlCol="0">
+            <a:spAutoFit/>
+          </a:bodyPr>
+          <a:lstStyle/>
+          <a:p>
+            <a:pPr algn="ctr"/>
+            <a:r>
+              <a:rPr lang="ja-JP" altLang="en-US" sz="1200" b="1" dirty="0" smtClean="0">
+                <a:latin typeface="メイリオ" panose="020B0604030504040204" pitchFamily="50" charset="-128"/>
+                <a:ea typeface="メイリオ" panose="020B0604030504040204" pitchFamily="50" charset="-128"/>
+                <a:cs typeface="メイリオ" panose="020B0604030504040204" pitchFamily="50" charset="-128"/>
+              </a:rPr>
+              <a:t>立ち上げ時招集、ミーティング</a:t>
+            </a:r>
+            <a:endParaRPr lang="sv-SE" sz="1200" b="1" dirty="0">
+              <a:latin typeface="メイリオ" panose="020B0604030504040204" pitchFamily="50" charset="-128"/>
+              <a:ea typeface="メイリオ" panose="020B0604030504040204" pitchFamily="50" charset="-128"/>
+              <a:cs typeface="メイリオ" panose="020B0604030504040204" pitchFamily="50" charset="-128"/>
+            </a:endParaRPr>
+          </a:p>
+        </p:txBody>
+      </p:sp>
+      <p:sp>
+        <p:nvSpPr>
+          <p:cNvPr id="45" name="テキスト ボックス 44"/>
+          <p:cNvSpPr txBox="1"/>
+          <p:nvPr/>
+        </p:nvSpPr>
+        <p:spPr>
+          <a:xfrm>
+            <a:off x="152400" y="499987"/>
+            <a:ext cx="569387" cy="369332"/>
+          </a:xfrm>
+          <a:prstGeom prst="rect">
+            <a:avLst/>
+          </a:prstGeom>
+          <a:noFill/>
+        </p:spPr>
+        <p:txBody>
+          <a:bodyPr wrap="none" rtlCol="0">
+            <a:spAutoFit/>
+          </a:bodyPr>
+          <a:lstStyle/>
+          <a:p>
+            <a:r>
+              <a:rPr kumimoji="1" lang="en-US" altLang="ja-JP" dirty="0" smtClean="0"/>
+              <a:t>Fig6</a:t>
+            </a:r>
+            <a:endParaRPr kumimoji="1" lang="ja-JP" altLang="en-US" dirty="0"/>
+          </a:p>
+        </p:txBody>
+      </p:sp>
+      <p:sp>
+        <p:nvSpPr>
+          <p:cNvPr id="46" name="TextBox 72"/>
+          <p:cNvSpPr txBox="1"/>
+          <p:nvPr/>
+        </p:nvSpPr>
+        <p:spPr>
+          <a:xfrm>
+            <a:off x="2859457" y="5698487"/>
+            <a:ext cx="2277107" cy="769441"/>
+          </a:xfrm>
+          <a:prstGeom prst="rect">
+            <a:avLst/>
+          </a:prstGeom>
+          <a:noFill/>
+        </p:spPr>
+        <p:txBody>
+          <a:bodyPr wrap="square" rtlCol="0">
+            <a:spAutoFit/>
+          </a:bodyPr>
+          <a:lstStyle>
+            <a:defPPr>
+              <a:defRPr lang="sv-SE"/>
+            </a:defPPr>
+            <a:lvl1pPr>
+              <a:defRPr sz="1100">
+                <a:latin typeface="メイリオ" panose="020B0604030504040204" pitchFamily="50" charset="-128"/>
+                <a:ea typeface="メイリオ" panose="020B0604030504040204" pitchFamily="50" charset="-128"/>
+                <a:cs typeface="メイリオ" panose="020B0604030504040204" pitchFamily="50" charset="-128"/>
+              </a:defRPr>
+            </a:lvl1pPr>
+          </a:lstStyle>
+          <a:p>
+            <a:r>
+              <a:rPr lang="ja-JP" altLang="en-US" dirty="0"/>
+              <a:t>正式に監査結果が将来の買収先へと提示するための最終的な場を開催し、質疑やりとりを</a:t>
+            </a:r>
+            <a:r>
+              <a:rPr lang="ja-JP" altLang="en-US" dirty="0" smtClean="0"/>
+              <a:t>実施</a:t>
+            </a:r>
+            <a:r>
+              <a:rPr lang="ja-JP" altLang="en-US" dirty="0"/>
+              <a:t>します</a:t>
+            </a:r>
+            <a:r>
+              <a:rPr lang="ja-JP" altLang="en-US" dirty="0" smtClean="0"/>
+              <a:t>。</a:t>
+            </a:r>
+            <a:endParaRPr lang="sv-SE" dirty="0"/>
+          </a:p>
+        </p:txBody>
+      </p:sp>
+      <p:sp>
+        <p:nvSpPr>
+          <p:cNvPr id="50" name="TextBox 73"/>
+          <p:cNvSpPr txBox="1"/>
+          <p:nvPr/>
+        </p:nvSpPr>
+        <p:spPr>
+          <a:xfrm>
+            <a:off x="3130946" y="5525162"/>
+            <a:ext cx="1707022" cy="276999"/>
+          </a:xfrm>
+          <a:prstGeom prst="rect">
+            <a:avLst/>
+          </a:prstGeom>
+          <a:noFill/>
+        </p:spPr>
+        <p:txBody>
+          <a:bodyPr wrap="square" rtlCol="0">
+            <a:spAutoFit/>
+          </a:bodyPr>
+          <a:lstStyle>
+            <a:defPPr>
+              <a:defRPr lang="sv-SE"/>
+            </a:defPPr>
+            <a:lvl1pPr algn="ctr">
+              <a:defRPr sz="1200" b="1">
+                <a:latin typeface="メイリオ" panose="020B0604030504040204" pitchFamily="50" charset="-128"/>
+                <a:ea typeface="メイリオ" panose="020B0604030504040204" pitchFamily="50" charset="-128"/>
+                <a:cs typeface="メイリオ" panose="020B0604030504040204" pitchFamily="50" charset="-128"/>
+              </a:defRPr>
+            </a:lvl1pPr>
+          </a:lstStyle>
+          <a:p>
+            <a:r>
+              <a:rPr lang="ja-JP" altLang="en-US" dirty="0"/>
+              <a:t>最終的</a:t>
+            </a:r>
+            <a:r>
+              <a:rPr lang="ja-JP" altLang="en-US" dirty="0" smtClean="0"/>
+              <a:t>な招集</a:t>
+            </a:r>
+            <a:endParaRPr lang="sv-SE" dirty="0"/>
+          </a:p>
+        </p:txBody>
+      </p:sp>
+      <p:sp>
+        <p:nvSpPr>
+          <p:cNvPr id="55" name="TextBox 78"/>
+          <p:cNvSpPr txBox="1"/>
+          <p:nvPr/>
+        </p:nvSpPr>
+        <p:spPr>
+          <a:xfrm>
+            <a:off x="2866861" y="3467762"/>
+            <a:ext cx="2527676" cy="969496"/>
+          </a:xfrm>
+          <a:prstGeom prst="rect">
+            <a:avLst/>
+          </a:prstGeom>
+          <a:noFill/>
+        </p:spPr>
+        <p:txBody>
+          <a:bodyPr wrap="square" rtlCol="0">
+            <a:spAutoFit/>
+          </a:bodyPr>
+          <a:lstStyle>
+            <a:defPPr>
+              <a:defRPr lang="sv-SE"/>
+            </a:defPPr>
+            <a:lvl1pPr>
+              <a:defRPr sz="1100">
+                <a:latin typeface="メイリオ" panose="020B0604030504040204" pitchFamily="50" charset="-128"/>
+                <a:ea typeface="メイリオ" panose="020B0604030504040204" pitchFamily="50" charset="-128"/>
+                <a:cs typeface="メイリオ" panose="020B0604030504040204" pitchFamily="50" charset="-128"/>
+              </a:defRPr>
+            </a:lvl1pPr>
+          </a:lstStyle>
+          <a:p>
+            <a:r>
+              <a:rPr lang="ja-JP" altLang="en-US" dirty="0"/>
+              <a:t>対象企業とのレビュー後、最終的なレポートが将来の買収企業へレポートが、部品表（</a:t>
+            </a:r>
+            <a:r>
+              <a:rPr lang="en-US" altLang="ja-JP" dirty="0"/>
+              <a:t>Bill of Materials</a:t>
+            </a:r>
+            <a:r>
+              <a:rPr lang="ja-JP" altLang="en-US" dirty="0"/>
+              <a:t>）、</a:t>
+            </a:r>
+            <a:r>
+              <a:rPr lang="en-US" altLang="ja-JP" dirty="0"/>
+              <a:t>SPDX</a:t>
+            </a:r>
+            <a:r>
+              <a:rPr lang="ja-JP" altLang="en-US" dirty="0" err="1"/>
+              <a:t>、</a:t>
+            </a:r>
+            <a:r>
+              <a:rPr lang="ja-JP" altLang="en-US" dirty="0"/>
+              <a:t>エグゼクティブサマリと併せ送付</a:t>
+            </a:r>
+            <a:r>
+              <a:rPr lang="ja-JP" altLang="en-US" dirty="0" smtClean="0"/>
+              <a:t>されます。</a:t>
+            </a:r>
+            <a:endParaRPr lang="sv-SE" dirty="0"/>
+          </a:p>
+        </p:txBody>
+      </p:sp>
+      <p:sp>
+        <p:nvSpPr>
+          <p:cNvPr id="56" name="TextBox 79"/>
+          <p:cNvSpPr txBox="1"/>
+          <p:nvPr/>
+        </p:nvSpPr>
+        <p:spPr>
+          <a:xfrm>
+            <a:off x="2800335" y="3241240"/>
+            <a:ext cx="2397260" cy="276999"/>
+          </a:xfrm>
+          <a:prstGeom prst="rect">
+            <a:avLst/>
+          </a:prstGeom>
+          <a:noFill/>
+        </p:spPr>
+        <p:txBody>
+          <a:bodyPr wrap="square" rtlCol="0">
+            <a:spAutoFit/>
+          </a:bodyPr>
+          <a:lstStyle>
+            <a:defPPr>
+              <a:defRPr lang="sv-SE"/>
+            </a:defPPr>
+            <a:lvl1pPr algn="ctr">
+              <a:defRPr sz="1200" b="1">
+                <a:latin typeface="メイリオ" panose="020B0604030504040204" pitchFamily="50" charset="-128"/>
+                <a:ea typeface="メイリオ" panose="020B0604030504040204" pitchFamily="50" charset="-128"/>
+                <a:cs typeface="メイリオ" panose="020B0604030504040204" pitchFamily="50" charset="-128"/>
+              </a:defRPr>
+            </a:lvl1pPr>
+          </a:lstStyle>
+          <a:p>
+            <a:r>
+              <a:rPr lang="ja-JP" altLang="en-US" dirty="0"/>
+              <a:t>レポートの送付</a:t>
+            </a:r>
+            <a:endParaRPr lang="sv-SE" dirty="0"/>
+          </a:p>
+        </p:txBody>
+      </p:sp>
+      <p:sp>
+        <p:nvSpPr>
+          <p:cNvPr id="51" name="Arc 22"/>
+          <p:cNvSpPr>
+            <a:spLocks noChangeAspect="1"/>
+          </p:cNvSpPr>
+          <p:nvPr/>
+        </p:nvSpPr>
+        <p:spPr>
+          <a:xfrm rot="16200000" flipH="1">
+            <a:off x="2453711" y="4925415"/>
+            <a:ext cx="576000" cy="576000"/>
+          </a:xfrm>
+          <a:prstGeom prst="arc">
+            <a:avLst/>
+          </a:prstGeom>
+          <a:ln w="19050">
+            <a:solidFill>
+              <a:schemeClr val="tx1"/>
+            </a:solidFill>
+          </a:ln>
+        </p:spPr>
+        <p:style>
+          <a:lnRef idx="1">
+            <a:schemeClr val="accent1"/>
+          </a:lnRef>
+          <a:fillRef idx="0">
+            <a:schemeClr val="accent1"/>
+          </a:fillRef>
+          <a:effectRef idx="0">
+            <a:schemeClr val="accent1"/>
+          </a:effectRef>
+          <a:fontRef idx="minor">
+            <a:schemeClr val="tx1"/>
+          </a:fontRef>
+        </p:style>
+        <p:txBody>
+          <a:bodyPr rtlCol="0" anchor="ctr"/>
+          <a:lstStyle/>
+          <a:p>
+            <a:pPr algn="ctr"/>
+            <a:endParaRPr lang="en-US"/>
+          </a:p>
+        </p:txBody>
+      </p:sp>
+    </p:spTree>
+    <p:extLst>
+      <p:ext uri="{BB962C8B-B14F-4D97-AF65-F5344CB8AC3E}">
+        <p14:creationId xmlns:p14="http://schemas.microsoft.com/office/powerpoint/2010/main" val="830407156"/>
+      </p:ext>
+    </p:extLst>
+  </p:cSld>
+  <p:clrMapOvr>
+    <a:masterClrMapping/>
+  </p:clrMapOvr>
+  <p:transition spd="slow">
+    <p:push dir="u"/>
+  </p:transition>
+  <p:timing>
+    <p:tnLst>
+      <p:par>
+        <p:cTn id="1" dur="indefinite" restart="never" nodeType="tmRoot"/>
+      </p:par>
+    </p:tnLst>
+  </p:timing>
+</p:sld>
+</file>
+
+<file path=ppt/slides/slide11.xml><?xml version="1.0" encoding="utf-8"?>
+<p:sld xmlns:a="http://schemas.openxmlformats.org/drawingml/2006/main" xmlns:r="http://schemas.openxmlformats.org/officeDocument/2006/relationships" xmlns:p="http://schemas.openxmlformats.org/presentationml/2006/main">
+  <p:cSld>
+    <p:spTree>
+      <p:nvGrpSpPr>
+        <p:cNvPr id="1" name=""/>
+        <p:cNvGrpSpPr/>
+        <p:nvPr/>
+      </p:nvGrpSpPr>
+      <p:grpSpPr>
+        <a:xfrm>
+          <a:off x="0" y="0"/>
+          <a:ext cx="0" cy="0"/>
+          <a:chOff x="0" y="0"/>
+          <a:chExt cx="0" cy="0"/>
+        </a:xfrm>
+      </p:grpSpPr>
+      <p:sp>
+        <p:nvSpPr>
           <p:cNvPr id="65" name="Rectangle 64"/>
           <p:cNvSpPr/>
           <p:nvPr/>
@@ -6685,7 +8255,7 @@
 </p:sld>
 </file>
 
-<file path=ppt/slides/slide11.xml><?xml version="1.0" encoding="utf-8"?>
+<file path=ppt/slides/slide12.xml><?xml version="1.0" encoding="utf-8"?>
 <p:sld xmlns:a="http://schemas.openxmlformats.org/drawingml/2006/main" xmlns:r="http://schemas.openxmlformats.org/officeDocument/2006/relationships" xmlns:p="http://schemas.openxmlformats.org/presentationml/2006/main">
   <p:cSld>
     <p:spTree>
@@ -8689,7 +10259,7 @@
 </p:sld>
 </file>
 
-<file path=ppt/slides/slide12.xml><?xml version="1.0" encoding="utf-8"?>
+<file path=ppt/slides/slide13.xml><?xml version="1.0" encoding="utf-8"?>
 <p:sld xmlns:a="http://schemas.openxmlformats.org/drawingml/2006/main" xmlns:r="http://schemas.openxmlformats.org/officeDocument/2006/relationships" xmlns:p="http://schemas.openxmlformats.org/presentationml/2006/main">
   <p:cSld>
     <p:spTree>
@@ -10555,7 +12125,7 @@
 </p:sld>
 </file>
 
-<file path=ppt/slides/slide13.xml><?xml version="1.0" encoding="utf-8"?>
+<file path=ppt/slides/slide14.xml><?xml version="1.0" encoding="utf-8"?>
 <p:sld xmlns:a="http://schemas.openxmlformats.org/drawingml/2006/main" xmlns:r="http://schemas.openxmlformats.org/officeDocument/2006/relationships" xmlns:p="http://schemas.openxmlformats.org/presentationml/2006/main">
   <p:cSld>
     <p:spTree>
@@ -20922,6 +22492,5586 @@
       </p:grpSpPr>
       <p:sp>
         <p:nvSpPr>
+          <p:cNvPr id="108" name="Rectangle 107"/>
+          <p:cNvSpPr/>
+          <p:nvPr/>
+        </p:nvSpPr>
+        <p:spPr>
+          <a:xfrm>
+            <a:off x="2047874" y="1649651"/>
+            <a:ext cx="7867651" cy="2865200"/>
+          </a:xfrm>
+          <a:prstGeom prst="rect">
+            <a:avLst/>
+          </a:prstGeom>
+          <a:ln w="28575"/>
+        </p:spPr>
+        <p:style>
+          <a:lnRef idx="2">
+            <a:schemeClr val="accent1"/>
+          </a:lnRef>
+          <a:fillRef idx="1">
+            <a:schemeClr val="lt1"/>
+          </a:fillRef>
+          <a:effectRef idx="0">
+            <a:schemeClr val="accent1"/>
+          </a:effectRef>
+          <a:fontRef idx="minor">
+            <a:schemeClr val="dk1"/>
+          </a:fontRef>
+        </p:style>
+        <p:txBody>
+          <a:bodyPr rtlCol="0" anchor="ctr"/>
+          <a:lstStyle/>
+          <a:p>
+            <a:pPr algn="ctr"/>
+            <a:endParaRPr lang="en-US">
+              <a:solidFill>
+                <a:schemeClr val="tx1">
+                  <a:lumMod val="75000"/>
+                  <a:lumOff val="25000"/>
+                </a:schemeClr>
+              </a:solidFill>
+            </a:endParaRPr>
+          </a:p>
+        </p:txBody>
+      </p:sp>
+      <p:sp>
+        <p:nvSpPr>
+          <p:cNvPr id="64" name="Oval 63"/>
+          <p:cNvSpPr/>
+          <p:nvPr/>
+        </p:nvSpPr>
+        <p:spPr bwMode="auto">
+          <a:xfrm>
+            <a:off x="7265989" y="2300288"/>
+            <a:ext cx="536575" cy="538162"/>
+          </a:xfrm>
+          <a:prstGeom prst="ellipse">
+            <a:avLst/>
+          </a:prstGeom>
+          <a:noFill/>
+          <a:ln w="76200">
+            <a:solidFill>
+              <a:srgbClr val="E64C40"/>
+            </a:solidFill>
+          </a:ln>
+        </p:spPr>
+        <p:style>
+          <a:lnRef idx="2">
+            <a:schemeClr val="accent1">
+              <a:shade val="50000"/>
+            </a:schemeClr>
+          </a:lnRef>
+          <a:fillRef idx="1">
+            <a:schemeClr val="accent1"/>
+          </a:fillRef>
+          <a:effectRef idx="0">
+            <a:schemeClr val="accent1"/>
+          </a:effectRef>
+          <a:fontRef idx="minor">
+            <a:schemeClr val="lt1"/>
+          </a:fontRef>
+        </p:style>
+        <p:txBody>
+          <a:bodyPr anchor="ctr"/>
+          <a:lstStyle/>
+          <a:p>
+            <a:pPr algn="ctr">
+              <a:defRPr/>
+            </a:pPr>
+            <a:endParaRPr lang="sv-SE" b="1">
+              <a:solidFill>
+                <a:srgbClr val="0070C0"/>
+              </a:solidFill>
+            </a:endParaRPr>
+          </a:p>
+        </p:txBody>
+      </p:sp>
+      <p:sp>
+        <p:nvSpPr>
+          <p:cNvPr id="65" name="Oval 64"/>
+          <p:cNvSpPr/>
+          <p:nvPr/>
+        </p:nvSpPr>
+        <p:spPr bwMode="auto">
+          <a:xfrm rot="922161">
+            <a:off x="3738564" y="2300288"/>
+            <a:ext cx="536575" cy="538162"/>
+          </a:xfrm>
+          <a:prstGeom prst="ellipse">
+            <a:avLst/>
+          </a:prstGeom>
+          <a:noFill/>
+          <a:ln w="76200">
+            <a:solidFill>
+              <a:srgbClr val="E64C40"/>
+            </a:solidFill>
+          </a:ln>
+        </p:spPr>
+        <p:style>
+          <a:lnRef idx="2">
+            <a:schemeClr val="accent1">
+              <a:shade val="50000"/>
+            </a:schemeClr>
+          </a:lnRef>
+          <a:fillRef idx="1">
+            <a:schemeClr val="accent1"/>
+          </a:fillRef>
+          <a:effectRef idx="0">
+            <a:schemeClr val="accent1"/>
+          </a:effectRef>
+          <a:fontRef idx="minor">
+            <a:schemeClr val="lt1"/>
+          </a:fontRef>
+        </p:style>
+        <p:txBody>
+          <a:bodyPr anchor="ctr"/>
+          <a:lstStyle/>
+          <a:p>
+            <a:pPr algn="ctr">
+              <a:defRPr/>
+            </a:pPr>
+            <a:endParaRPr lang="sv-SE" b="1">
+              <a:solidFill>
+                <a:srgbClr val="0070C0"/>
+              </a:solidFill>
+            </a:endParaRPr>
+          </a:p>
+        </p:txBody>
+      </p:sp>
+      <p:sp>
+        <p:nvSpPr>
+          <p:cNvPr id="66" name="Oval 65"/>
+          <p:cNvSpPr/>
+          <p:nvPr/>
+        </p:nvSpPr>
+        <p:spPr bwMode="auto">
+          <a:xfrm rot="922161">
+            <a:off x="4146551" y="3194051"/>
+            <a:ext cx="536575" cy="538163"/>
+          </a:xfrm>
+          <a:prstGeom prst="ellipse">
+            <a:avLst/>
+          </a:prstGeom>
+          <a:noFill/>
+          <a:ln w="76200">
+            <a:solidFill>
+              <a:srgbClr val="E64C40"/>
+            </a:solidFill>
+          </a:ln>
+        </p:spPr>
+        <p:style>
+          <a:lnRef idx="2">
+            <a:schemeClr val="accent1">
+              <a:shade val="50000"/>
+            </a:schemeClr>
+          </a:lnRef>
+          <a:fillRef idx="1">
+            <a:schemeClr val="accent1"/>
+          </a:fillRef>
+          <a:effectRef idx="0">
+            <a:schemeClr val="accent1"/>
+          </a:effectRef>
+          <a:fontRef idx="minor">
+            <a:schemeClr val="lt1"/>
+          </a:fontRef>
+        </p:style>
+        <p:txBody>
+          <a:bodyPr anchor="ctr"/>
+          <a:lstStyle/>
+          <a:p>
+            <a:pPr algn="ctr">
+              <a:defRPr/>
+            </a:pPr>
+            <a:endParaRPr lang="sv-SE" b="1">
+              <a:solidFill>
+                <a:srgbClr val="0070C0"/>
+              </a:solidFill>
+            </a:endParaRPr>
+          </a:p>
+        </p:txBody>
+      </p:sp>
+      <p:grpSp>
+        <p:nvGrpSpPr>
+          <p:cNvPr id="15367" name="Group 66"/>
+          <p:cNvGrpSpPr>
+            <a:grpSpLocks/>
+          </p:cNvGrpSpPr>
+          <p:nvPr/>
+        </p:nvGrpSpPr>
+        <p:grpSpPr bwMode="auto">
+          <a:xfrm rot="3881581">
+            <a:off x="3950494" y="2836069"/>
+            <a:ext cx="522288" cy="368300"/>
+            <a:chOff x="1631950" y="1183958"/>
+            <a:chExt cx="695960" cy="490646"/>
+          </a:xfrm>
+        </p:grpSpPr>
+        <p:sp>
+          <p:nvSpPr>
+            <p:cNvPr id="68" name="Block Arc 67"/>
+            <p:cNvSpPr/>
+            <p:nvPr/>
+          </p:nvSpPr>
+          <p:spPr>
+            <a:xfrm>
+              <a:off x="1626164" y="1468296"/>
+              <a:ext cx="695959" cy="213600"/>
+            </a:xfrm>
+            <a:prstGeom prst="blockArc">
+              <a:avLst/>
+            </a:prstGeom>
+            <a:solidFill>
+              <a:srgbClr val="E64C40"/>
+            </a:solidFill>
+            <a:ln>
+              <a:solidFill>
+                <a:srgbClr val="E64C40"/>
+              </a:solidFill>
+            </a:ln>
+          </p:spPr>
+          <p:style>
+            <a:lnRef idx="2">
+              <a:schemeClr val="accent1">
+                <a:shade val="50000"/>
+              </a:schemeClr>
+            </a:lnRef>
+            <a:fillRef idx="1">
+              <a:schemeClr val="accent1"/>
+            </a:fillRef>
+            <a:effectRef idx="0">
+              <a:schemeClr val="accent1"/>
+            </a:effectRef>
+            <a:fontRef idx="minor">
+              <a:schemeClr val="lt1"/>
+            </a:fontRef>
+          </p:style>
+          <p:txBody>
+            <a:bodyPr anchor="ctr"/>
+            <a:lstStyle/>
+            <a:p>
+              <a:pPr algn="ctr">
+                <a:defRPr/>
+              </a:pPr>
+              <a:endParaRPr lang="sv-SE" b="1">
+                <a:solidFill>
+                  <a:srgbClr val="0070C0"/>
+                </a:solidFill>
+              </a:endParaRPr>
+            </a:p>
+          </p:txBody>
+        </p:sp>
+        <p:sp>
+          <p:nvSpPr>
+            <p:cNvPr id="69" name="Block Arc 68"/>
+            <p:cNvSpPr/>
+            <p:nvPr/>
+          </p:nvSpPr>
+          <p:spPr>
+            <a:xfrm rot="10800000">
+              <a:off x="1625774" y="1192066"/>
+              <a:ext cx="695959" cy="213600"/>
+            </a:xfrm>
+            <a:prstGeom prst="blockArc">
+              <a:avLst/>
+            </a:prstGeom>
+            <a:solidFill>
+              <a:srgbClr val="E64C40"/>
+            </a:solidFill>
+            <a:ln>
+              <a:solidFill>
+                <a:srgbClr val="E64C40"/>
+              </a:solidFill>
+            </a:ln>
+          </p:spPr>
+          <p:style>
+            <a:lnRef idx="2">
+              <a:schemeClr val="accent1">
+                <a:shade val="50000"/>
+              </a:schemeClr>
+            </a:lnRef>
+            <a:fillRef idx="1">
+              <a:schemeClr val="accent1"/>
+            </a:fillRef>
+            <a:effectRef idx="0">
+              <a:schemeClr val="accent1"/>
+            </a:effectRef>
+            <a:fontRef idx="minor">
+              <a:schemeClr val="lt1"/>
+            </a:fontRef>
+          </p:style>
+          <p:txBody>
+            <a:bodyPr anchor="ctr"/>
+            <a:lstStyle/>
+            <a:p>
+              <a:pPr algn="ctr">
+                <a:defRPr/>
+              </a:pPr>
+              <a:endParaRPr lang="sv-SE" b="1">
+                <a:solidFill>
+                  <a:srgbClr val="0070C0"/>
+                </a:solidFill>
+              </a:endParaRPr>
+            </a:p>
+          </p:txBody>
+        </p:sp>
+        <p:sp>
+          <p:nvSpPr>
+            <p:cNvPr id="70" name="Rectangle 69"/>
+            <p:cNvSpPr/>
+            <p:nvPr/>
+          </p:nvSpPr>
+          <p:spPr>
+            <a:xfrm>
+              <a:off x="1680960" y="1368289"/>
+              <a:ext cx="604998" cy="141696"/>
+            </a:xfrm>
+            <a:prstGeom prst="rect">
+              <a:avLst/>
+            </a:prstGeom>
+            <a:solidFill>
+              <a:srgbClr val="E64C40"/>
+            </a:solidFill>
+            <a:ln>
+              <a:solidFill>
+                <a:srgbClr val="E64C40"/>
+              </a:solidFill>
+            </a:ln>
+          </p:spPr>
+          <p:style>
+            <a:lnRef idx="2">
+              <a:schemeClr val="accent1">
+                <a:shade val="50000"/>
+              </a:schemeClr>
+            </a:lnRef>
+            <a:fillRef idx="1">
+              <a:schemeClr val="accent1"/>
+            </a:fillRef>
+            <a:effectRef idx="0">
+              <a:schemeClr val="accent1"/>
+            </a:effectRef>
+            <a:fontRef idx="minor">
+              <a:schemeClr val="lt1"/>
+            </a:fontRef>
+          </p:style>
+          <p:txBody>
+            <a:bodyPr anchor="ctr"/>
+            <a:lstStyle/>
+            <a:p>
+              <a:pPr algn="ctr">
+                <a:defRPr/>
+              </a:pPr>
+              <a:endParaRPr lang="sv-SE" b="1">
+                <a:solidFill>
+                  <a:srgbClr val="0070C0"/>
+                </a:solidFill>
+              </a:endParaRPr>
+            </a:p>
+          </p:txBody>
+        </p:sp>
+      </p:grpSp>
+      <p:grpSp>
+        <p:nvGrpSpPr>
+          <p:cNvPr id="15368" name="Group 70"/>
+          <p:cNvGrpSpPr>
+            <a:grpSpLocks/>
+          </p:cNvGrpSpPr>
+          <p:nvPr/>
+        </p:nvGrpSpPr>
+        <p:grpSpPr bwMode="auto">
+          <a:xfrm rot="922161">
+            <a:off x="4497389" y="2384425"/>
+            <a:ext cx="1184275" cy="1276350"/>
+            <a:chOff x="3779620" y="3970183"/>
+            <a:chExt cx="1580266" cy="1702647"/>
+          </a:xfrm>
+        </p:grpSpPr>
+        <p:sp>
+          <p:nvSpPr>
+            <p:cNvPr id="72" name="Oval 71"/>
+            <p:cNvSpPr/>
+            <p:nvPr/>
+          </p:nvSpPr>
+          <p:spPr>
+            <a:xfrm>
+              <a:off x="3774442" y="3966672"/>
+              <a:ext cx="715992" cy="717908"/>
+            </a:xfrm>
+            <a:prstGeom prst="ellipse">
+              <a:avLst/>
+            </a:prstGeom>
+            <a:noFill/>
+            <a:ln w="76200">
+              <a:solidFill>
+                <a:srgbClr val="E64C40"/>
+              </a:solidFill>
+            </a:ln>
+          </p:spPr>
+          <p:style>
+            <a:lnRef idx="2">
+              <a:schemeClr val="accent1">
+                <a:shade val="50000"/>
+              </a:schemeClr>
+            </a:lnRef>
+            <a:fillRef idx="1">
+              <a:schemeClr val="accent1"/>
+            </a:fillRef>
+            <a:effectRef idx="0">
+              <a:schemeClr val="accent1"/>
+            </a:effectRef>
+            <a:fontRef idx="minor">
+              <a:schemeClr val="lt1"/>
+            </a:fontRef>
+          </p:style>
+          <p:txBody>
+            <a:bodyPr anchor="ctr"/>
+            <a:lstStyle/>
+            <a:p>
+              <a:pPr algn="ctr">
+                <a:defRPr/>
+              </a:pPr>
+              <a:endParaRPr lang="sv-SE" b="1">
+                <a:solidFill>
+                  <a:srgbClr val="0070C0"/>
+                </a:solidFill>
+              </a:endParaRPr>
+            </a:p>
+          </p:txBody>
+        </p:sp>
+        <p:sp>
+          <p:nvSpPr>
+            <p:cNvPr id="73" name="Oval 72"/>
+            <p:cNvSpPr/>
+            <p:nvPr/>
+          </p:nvSpPr>
+          <p:spPr>
+            <a:xfrm>
+              <a:off x="4639217" y="4954553"/>
+              <a:ext cx="715992" cy="717908"/>
+            </a:xfrm>
+            <a:prstGeom prst="ellipse">
+              <a:avLst/>
+            </a:prstGeom>
+            <a:noFill/>
+            <a:ln w="76200">
+              <a:solidFill>
+                <a:srgbClr val="E64C40"/>
+              </a:solidFill>
+            </a:ln>
+          </p:spPr>
+          <p:style>
+            <a:lnRef idx="2">
+              <a:schemeClr val="accent1">
+                <a:shade val="50000"/>
+              </a:schemeClr>
+            </a:lnRef>
+            <a:fillRef idx="1">
+              <a:schemeClr val="accent1"/>
+            </a:fillRef>
+            <a:effectRef idx="0">
+              <a:schemeClr val="accent1"/>
+            </a:effectRef>
+            <a:fontRef idx="minor">
+              <a:schemeClr val="lt1"/>
+            </a:fontRef>
+          </p:style>
+          <p:txBody>
+            <a:bodyPr anchor="ctr"/>
+            <a:lstStyle/>
+            <a:p>
+              <a:pPr algn="ctr">
+                <a:defRPr/>
+              </a:pPr>
+              <a:endParaRPr lang="sv-SE" b="1">
+                <a:solidFill>
+                  <a:srgbClr val="0070C0"/>
+                </a:solidFill>
+              </a:endParaRPr>
+            </a:p>
+          </p:txBody>
+        </p:sp>
+        <p:grpSp>
+          <p:nvGrpSpPr>
+            <p:cNvPr id="15414" name="Group 73"/>
+            <p:cNvGrpSpPr>
+              <a:grpSpLocks/>
+            </p:cNvGrpSpPr>
+            <p:nvPr/>
+          </p:nvGrpSpPr>
+          <p:grpSpPr bwMode="auto">
+            <a:xfrm rot="2959420">
+              <a:off x="4238250" y="4572266"/>
+              <a:ext cx="695960" cy="490646"/>
+              <a:chOff x="1631950" y="1183958"/>
+              <a:chExt cx="695960" cy="490646"/>
+            </a:xfrm>
+          </p:grpSpPr>
+          <p:sp>
+            <p:nvSpPr>
+              <p:cNvPr id="75" name="Block Arc 74"/>
+              <p:cNvSpPr/>
+              <p:nvPr/>
+            </p:nvSpPr>
+            <p:spPr>
+              <a:xfrm>
+                <a:off x="1629230" y="1466627"/>
+                <a:ext cx="692496" cy="213950"/>
+              </a:xfrm>
+              <a:prstGeom prst="blockArc">
+                <a:avLst/>
+              </a:prstGeom>
+              <a:solidFill>
+                <a:srgbClr val="E64C40"/>
+              </a:solidFill>
+              <a:ln>
+                <a:solidFill>
+                  <a:srgbClr val="E64C40"/>
+                </a:solidFill>
+              </a:ln>
+            </p:spPr>
+            <p:style>
+              <a:lnRef idx="2">
+                <a:schemeClr val="accent1">
+                  <a:shade val="50000"/>
+                </a:schemeClr>
+              </a:lnRef>
+              <a:fillRef idx="1">
+                <a:schemeClr val="accent1"/>
+              </a:fillRef>
+              <a:effectRef idx="0">
+                <a:schemeClr val="accent1"/>
+              </a:effectRef>
+              <a:fontRef idx="minor">
+                <a:schemeClr val="lt1"/>
+              </a:fontRef>
+            </p:style>
+            <p:txBody>
+              <a:bodyPr anchor="ctr"/>
+              <a:lstStyle/>
+              <a:p>
+                <a:pPr algn="ctr">
+                  <a:defRPr/>
+                </a:pPr>
+                <a:endParaRPr lang="sv-SE" b="1">
+                  <a:solidFill>
+                    <a:srgbClr val="0070C0"/>
+                  </a:solidFill>
+                </a:endParaRPr>
+              </a:p>
+            </p:txBody>
+          </p:sp>
+          <p:sp>
+            <p:nvSpPr>
+              <p:cNvPr id="76" name="Block Arc 75"/>
+              <p:cNvSpPr/>
+              <p:nvPr/>
+            </p:nvSpPr>
+            <p:spPr>
+              <a:xfrm rot="10800000">
+                <a:off x="1626925" y="1189039"/>
+                <a:ext cx="692494" cy="213950"/>
+              </a:xfrm>
+              <a:prstGeom prst="blockArc">
+                <a:avLst/>
+              </a:prstGeom>
+              <a:solidFill>
+                <a:srgbClr val="E64C40"/>
+              </a:solidFill>
+              <a:ln>
+                <a:solidFill>
+                  <a:srgbClr val="E64C40"/>
+                </a:solidFill>
+              </a:ln>
+            </p:spPr>
+            <p:style>
+              <a:lnRef idx="2">
+                <a:schemeClr val="accent1">
+                  <a:shade val="50000"/>
+                </a:schemeClr>
+              </a:lnRef>
+              <a:fillRef idx="1">
+                <a:schemeClr val="accent1"/>
+              </a:fillRef>
+              <a:effectRef idx="0">
+                <a:schemeClr val="accent1"/>
+              </a:effectRef>
+              <a:fontRef idx="minor">
+                <a:schemeClr val="lt1"/>
+              </a:fontRef>
+            </p:style>
+            <p:txBody>
+              <a:bodyPr anchor="ctr"/>
+              <a:lstStyle/>
+              <a:p>
+                <a:pPr algn="ctr">
+                  <a:defRPr/>
+                </a:pPr>
+                <a:endParaRPr lang="sv-SE" b="1">
+                  <a:solidFill>
+                    <a:srgbClr val="0070C0"/>
+                  </a:solidFill>
+                </a:endParaRPr>
+              </a:p>
+            </p:txBody>
+          </p:sp>
+          <p:sp>
+            <p:nvSpPr>
+              <p:cNvPr id="77" name="Rectangle 76"/>
+              <p:cNvSpPr/>
+              <p:nvPr/>
+            </p:nvSpPr>
+            <p:spPr>
+              <a:xfrm>
+                <a:off x="1683179" y="1363184"/>
+                <a:ext cx="599315" cy="141927"/>
+              </a:xfrm>
+              <a:prstGeom prst="rect">
+                <a:avLst/>
+              </a:prstGeom>
+              <a:solidFill>
+                <a:srgbClr val="E64C40"/>
+              </a:solidFill>
+              <a:ln>
+                <a:solidFill>
+                  <a:srgbClr val="E64C40"/>
+                </a:solidFill>
+              </a:ln>
+            </p:spPr>
+            <p:style>
+              <a:lnRef idx="2">
+                <a:schemeClr val="accent1">
+                  <a:shade val="50000"/>
+                </a:schemeClr>
+              </a:lnRef>
+              <a:fillRef idx="1">
+                <a:schemeClr val="accent1"/>
+              </a:fillRef>
+              <a:effectRef idx="0">
+                <a:schemeClr val="accent1"/>
+              </a:effectRef>
+              <a:fontRef idx="minor">
+                <a:schemeClr val="lt1"/>
+              </a:fontRef>
+            </p:style>
+            <p:txBody>
+              <a:bodyPr anchor="ctr"/>
+              <a:lstStyle/>
+              <a:p>
+                <a:pPr algn="ctr">
+                  <a:defRPr/>
+                </a:pPr>
+                <a:endParaRPr lang="sv-SE" b="1">
+                  <a:solidFill>
+                    <a:srgbClr val="0070C0"/>
+                  </a:solidFill>
+                </a:endParaRPr>
+              </a:p>
+            </p:txBody>
+          </p:sp>
+        </p:grpSp>
+      </p:grpSp>
+      <p:grpSp>
+        <p:nvGrpSpPr>
+          <p:cNvPr id="15369" name="Group 77"/>
+          <p:cNvGrpSpPr>
+            <a:grpSpLocks/>
+          </p:cNvGrpSpPr>
+          <p:nvPr/>
+        </p:nvGrpSpPr>
+        <p:grpSpPr bwMode="auto">
+          <a:xfrm rot="7110064">
+            <a:off x="4385469" y="2836069"/>
+            <a:ext cx="522288" cy="368300"/>
+            <a:chOff x="1631950" y="1183958"/>
+            <a:chExt cx="695960" cy="490646"/>
+          </a:xfrm>
+        </p:grpSpPr>
+        <p:sp>
+          <p:nvSpPr>
+            <p:cNvPr id="79" name="Block Arc 78"/>
+            <p:cNvSpPr/>
+            <p:nvPr/>
+          </p:nvSpPr>
+          <p:spPr>
+            <a:xfrm>
+              <a:off x="1632682" y="1470085"/>
+              <a:ext cx="695959" cy="213600"/>
+            </a:xfrm>
+            <a:prstGeom prst="blockArc">
+              <a:avLst/>
+            </a:prstGeom>
+            <a:solidFill>
+              <a:srgbClr val="E64C40"/>
+            </a:solidFill>
+            <a:ln>
+              <a:solidFill>
+                <a:srgbClr val="E64C40"/>
+              </a:solidFill>
+            </a:ln>
+          </p:spPr>
+          <p:style>
+            <a:lnRef idx="2">
+              <a:schemeClr val="accent1">
+                <a:shade val="50000"/>
+              </a:schemeClr>
+            </a:lnRef>
+            <a:fillRef idx="1">
+              <a:schemeClr val="accent1"/>
+            </a:fillRef>
+            <a:effectRef idx="0">
+              <a:schemeClr val="accent1"/>
+            </a:effectRef>
+            <a:fontRef idx="minor">
+              <a:schemeClr val="lt1"/>
+            </a:fontRef>
+          </p:style>
+          <p:txBody>
+            <a:bodyPr anchor="ctr"/>
+            <a:lstStyle/>
+            <a:p>
+              <a:pPr algn="ctr">
+                <a:defRPr/>
+              </a:pPr>
+              <a:endParaRPr lang="sv-SE" b="1">
+                <a:solidFill>
+                  <a:srgbClr val="0070C0"/>
+                </a:solidFill>
+              </a:endParaRPr>
+            </a:p>
+          </p:txBody>
+        </p:sp>
+        <p:sp>
+          <p:nvSpPr>
+            <p:cNvPr id="80" name="Block Arc 79"/>
+            <p:cNvSpPr/>
+            <p:nvPr/>
+          </p:nvSpPr>
+          <p:spPr>
+            <a:xfrm rot="10800000">
+              <a:off x="1632707" y="1190916"/>
+              <a:ext cx="695960" cy="213600"/>
+            </a:xfrm>
+            <a:prstGeom prst="blockArc">
+              <a:avLst/>
+            </a:prstGeom>
+            <a:solidFill>
+              <a:srgbClr val="E64C40"/>
+            </a:solidFill>
+            <a:ln>
+              <a:solidFill>
+                <a:srgbClr val="E64C40"/>
+              </a:solidFill>
+            </a:ln>
+          </p:spPr>
+          <p:style>
+            <a:lnRef idx="2">
+              <a:schemeClr val="accent1">
+                <a:shade val="50000"/>
+              </a:schemeClr>
+            </a:lnRef>
+            <a:fillRef idx="1">
+              <a:schemeClr val="accent1"/>
+            </a:fillRef>
+            <a:effectRef idx="0">
+              <a:schemeClr val="accent1"/>
+            </a:effectRef>
+            <a:fontRef idx="minor">
+              <a:schemeClr val="lt1"/>
+            </a:fontRef>
+          </p:style>
+          <p:txBody>
+            <a:bodyPr anchor="ctr"/>
+            <a:lstStyle/>
+            <a:p>
+              <a:pPr algn="ctr">
+                <a:defRPr/>
+              </a:pPr>
+              <a:endParaRPr lang="sv-SE" b="1">
+                <a:solidFill>
+                  <a:srgbClr val="0070C0"/>
+                </a:solidFill>
+              </a:endParaRPr>
+            </a:p>
+          </p:txBody>
+        </p:sp>
+        <p:sp>
+          <p:nvSpPr>
+            <p:cNvPr id="81" name="Rectangle 80"/>
+            <p:cNvSpPr/>
+            <p:nvPr/>
+          </p:nvSpPr>
+          <p:spPr>
+            <a:xfrm>
+              <a:off x="1687630" y="1366133"/>
+              <a:ext cx="604998" cy="141696"/>
+            </a:xfrm>
+            <a:prstGeom prst="rect">
+              <a:avLst/>
+            </a:prstGeom>
+            <a:solidFill>
+              <a:srgbClr val="E64C40"/>
+            </a:solidFill>
+            <a:ln>
+              <a:solidFill>
+                <a:srgbClr val="E64C40"/>
+              </a:solidFill>
+            </a:ln>
+          </p:spPr>
+          <p:style>
+            <a:lnRef idx="2">
+              <a:schemeClr val="accent1">
+                <a:shade val="50000"/>
+              </a:schemeClr>
+            </a:lnRef>
+            <a:fillRef idx="1">
+              <a:schemeClr val="accent1"/>
+            </a:fillRef>
+            <a:effectRef idx="0">
+              <a:schemeClr val="accent1"/>
+            </a:effectRef>
+            <a:fontRef idx="minor">
+              <a:schemeClr val="lt1"/>
+            </a:fontRef>
+          </p:style>
+          <p:txBody>
+            <a:bodyPr anchor="ctr"/>
+            <a:lstStyle/>
+            <a:p>
+              <a:pPr algn="ctr">
+                <a:defRPr/>
+              </a:pPr>
+              <a:endParaRPr lang="sv-SE" b="1">
+                <a:solidFill>
+                  <a:srgbClr val="0070C0"/>
+                </a:solidFill>
+              </a:endParaRPr>
+            </a:p>
+          </p:txBody>
+        </p:sp>
+      </p:grpSp>
+      <p:grpSp>
+        <p:nvGrpSpPr>
+          <p:cNvPr id="15370" name="Group 81"/>
+          <p:cNvGrpSpPr>
+            <a:grpSpLocks/>
+          </p:cNvGrpSpPr>
+          <p:nvPr/>
+        </p:nvGrpSpPr>
+        <p:grpSpPr bwMode="auto">
+          <a:xfrm rot="922161">
+            <a:off x="5378451" y="2373313"/>
+            <a:ext cx="1185863" cy="1276350"/>
+            <a:chOff x="2044796" y="3970184"/>
+            <a:chExt cx="1580266" cy="1702647"/>
+          </a:xfrm>
+        </p:grpSpPr>
+        <p:sp>
+          <p:nvSpPr>
+            <p:cNvPr id="83" name="Oval 82"/>
+            <p:cNvSpPr/>
+            <p:nvPr/>
+          </p:nvSpPr>
+          <p:spPr>
+            <a:xfrm>
+              <a:off x="2039626" y="3966673"/>
+              <a:ext cx="717148" cy="717906"/>
+            </a:xfrm>
+            <a:prstGeom prst="ellipse">
+              <a:avLst/>
+            </a:prstGeom>
+            <a:noFill/>
+            <a:ln w="76200">
+              <a:solidFill>
+                <a:srgbClr val="E64C40"/>
+              </a:solidFill>
+            </a:ln>
+          </p:spPr>
+          <p:style>
+            <a:lnRef idx="2">
+              <a:schemeClr val="accent1">
+                <a:shade val="50000"/>
+              </a:schemeClr>
+            </a:lnRef>
+            <a:fillRef idx="1">
+              <a:schemeClr val="accent1"/>
+            </a:fillRef>
+            <a:effectRef idx="0">
+              <a:schemeClr val="accent1"/>
+            </a:effectRef>
+            <a:fontRef idx="minor">
+              <a:schemeClr val="lt1"/>
+            </a:fontRef>
+          </p:style>
+          <p:txBody>
+            <a:bodyPr anchor="ctr"/>
+            <a:lstStyle/>
+            <a:p>
+              <a:pPr algn="ctr">
+                <a:defRPr/>
+              </a:pPr>
+              <a:endParaRPr lang="sv-SE" b="1">
+                <a:solidFill>
+                  <a:srgbClr val="0070C0"/>
+                </a:solidFill>
+              </a:endParaRPr>
+            </a:p>
+          </p:txBody>
+        </p:sp>
+        <p:sp>
+          <p:nvSpPr>
+            <p:cNvPr id="84" name="Oval 83"/>
+            <p:cNvSpPr/>
+            <p:nvPr/>
+          </p:nvSpPr>
+          <p:spPr>
+            <a:xfrm>
+              <a:off x="2903243" y="4954554"/>
+              <a:ext cx="717148" cy="717906"/>
+            </a:xfrm>
+            <a:prstGeom prst="ellipse">
+              <a:avLst/>
+            </a:prstGeom>
+            <a:noFill/>
+            <a:ln w="76200">
+              <a:solidFill>
+                <a:srgbClr val="E64C40"/>
+              </a:solidFill>
+            </a:ln>
+          </p:spPr>
+          <p:style>
+            <a:lnRef idx="2">
+              <a:schemeClr val="accent1">
+                <a:shade val="50000"/>
+              </a:schemeClr>
+            </a:lnRef>
+            <a:fillRef idx="1">
+              <a:schemeClr val="accent1"/>
+            </a:fillRef>
+            <a:effectRef idx="0">
+              <a:schemeClr val="accent1"/>
+            </a:effectRef>
+            <a:fontRef idx="minor">
+              <a:schemeClr val="lt1"/>
+            </a:fontRef>
+          </p:style>
+          <p:txBody>
+            <a:bodyPr anchor="ctr"/>
+            <a:lstStyle/>
+            <a:p>
+              <a:pPr algn="ctr">
+                <a:defRPr/>
+              </a:pPr>
+              <a:endParaRPr lang="sv-SE" b="1">
+                <a:solidFill>
+                  <a:srgbClr val="0070C0"/>
+                </a:solidFill>
+              </a:endParaRPr>
+            </a:p>
+          </p:txBody>
+        </p:sp>
+        <p:grpSp>
+          <p:nvGrpSpPr>
+            <p:cNvPr id="15405" name="Group 84"/>
+            <p:cNvGrpSpPr>
+              <a:grpSpLocks/>
+            </p:cNvGrpSpPr>
+            <p:nvPr/>
+          </p:nvGrpSpPr>
+          <p:grpSpPr bwMode="auto">
+            <a:xfrm rot="2959420">
+              <a:off x="2500886" y="4572056"/>
+              <a:ext cx="695960" cy="490646"/>
+              <a:chOff x="1631950" y="1183958"/>
+              <a:chExt cx="695960" cy="490646"/>
+            </a:xfrm>
+          </p:grpSpPr>
+          <p:sp>
+            <p:nvSpPr>
+              <p:cNvPr id="86" name="Block Arc 85"/>
+              <p:cNvSpPr/>
+              <p:nvPr/>
+            </p:nvSpPr>
+            <p:spPr>
+              <a:xfrm>
+                <a:off x="1624031" y="1464507"/>
+                <a:ext cx="690377" cy="213663"/>
+              </a:xfrm>
+              <a:prstGeom prst="blockArc">
+                <a:avLst/>
+              </a:prstGeom>
+              <a:solidFill>
+                <a:srgbClr val="E64C40"/>
+              </a:solidFill>
+              <a:ln>
+                <a:solidFill>
+                  <a:srgbClr val="E64C40"/>
+                </a:solidFill>
+              </a:ln>
+            </p:spPr>
+            <p:style>
+              <a:lnRef idx="2">
+                <a:schemeClr val="accent1">
+                  <a:shade val="50000"/>
+                </a:schemeClr>
+              </a:lnRef>
+              <a:fillRef idx="1">
+                <a:schemeClr val="accent1"/>
+              </a:fillRef>
+              <a:effectRef idx="0">
+                <a:schemeClr val="accent1"/>
+              </a:effectRef>
+              <a:fontRef idx="minor">
+                <a:schemeClr val="lt1"/>
+              </a:fontRef>
+            </p:style>
+            <p:txBody>
+              <a:bodyPr anchor="ctr"/>
+              <a:lstStyle/>
+              <a:p>
+                <a:pPr algn="ctr">
+                  <a:defRPr/>
+                </a:pPr>
+                <a:endParaRPr lang="sv-SE" b="1">
+                  <a:solidFill>
+                    <a:srgbClr val="0070C0"/>
+                  </a:solidFill>
+                </a:endParaRPr>
+              </a:p>
+            </p:txBody>
+          </p:sp>
+          <p:sp>
+            <p:nvSpPr>
+              <p:cNvPr id="87" name="Block Arc 86"/>
+              <p:cNvSpPr/>
+              <p:nvPr/>
+            </p:nvSpPr>
+            <p:spPr>
+              <a:xfrm rot="10800000">
+                <a:off x="1624093" y="1186182"/>
+                <a:ext cx="690377" cy="215779"/>
+              </a:xfrm>
+              <a:prstGeom prst="blockArc">
+                <a:avLst/>
+              </a:prstGeom>
+              <a:solidFill>
+                <a:srgbClr val="E64C40"/>
+              </a:solidFill>
+              <a:ln>
+                <a:solidFill>
+                  <a:srgbClr val="E64C40"/>
+                </a:solidFill>
+              </a:ln>
+            </p:spPr>
+            <p:style>
+              <a:lnRef idx="2">
+                <a:schemeClr val="accent1">
+                  <a:shade val="50000"/>
+                </a:schemeClr>
+              </a:lnRef>
+              <a:fillRef idx="1">
+                <a:schemeClr val="accent1"/>
+              </a:fillRef>
+              <a:effectRef idx="0">
+                <a:schemeClr val="accent1"/>
+              </a:effectRef>
+              <a:fontRef idx="minor">
+                <a:schemeClr val="lt1"/>
+              </a:fontRef>
+            </p:style>
+            <p:txBody>
+              <a:bodyPr anchor="ctr"/>
+              <a:lstStyle/>
+              <a:p>
+                <a:pPr algn="ctr">
+                  <a:defRPr/>
+                </a:pPr>
+                <a:endParaRPr lang="sv-SE" b="1">
+                  <a:solidFill>
+                    <a:srgbClr val="0070C0"/>
+                  </a:solidFill>
+                </a:endParaRPr>
+              </a:p>
+            </p:txBody>
+          </p:sp>
+          <p:sp>
+            <p:nvSpPr>
+              <p:cNvPr id="88" name="Rectangle 87"/>
+              <p:cNvSpPr/>
+              <p:nvPr/>
+            </p:nvSpPr>
+            <p:spPr>
+              <a:xfrm>
+                <a:off x="1678128" y="1360546"/>
+                <a:ext cx="603550" cy="143853"/>
+              </a:xfrm>
+              <a:prstGeom prst="rect">
+                <a:avLst/>
+              </a:prstGeom>
+              <a:solidFill>
+                <a:srgbClr val="E64C40"/>
+              </a:solidFill>
+              <a:ln>
+                <a:solidFill>
+                  <a:srgbClr val="E64C40"/>
+                </a:solidFill>
+              </a:ln>
+            </p:spPr>
+            <p:style>
+              <a:lnRef idx="2">
+                <a:schemeClr val="accent1">
+                  <a:shade val="50000"/>
+                </a:schemeClr>
+              </a:lnRef>
+              <a:fillRef idx="1">
+                <a:schemeClr val="accent1"/>
+              </a:fillRef>
+              <a:effectRef idx="0">
+                <a:schemeClr val="accent1"/>
+              </a:effectRef>
+              <a:fontRef idx="minor">
+                <a:schemeClr val="lt1"/>
+              </a:fontRef>
+            </p:style>
+            <p:txBody>
+              <a:bodyPr anchor="ctr"/>
+              <a:lstStyle/>
+              <a:p>
+                <a:pPr algn="ctr">
+                  <a:defRPr/>
+                </a:pPr>
+                <a:endParaRPr lang="sv-SE" b="1">
+                  <a:solidFill>
+                    <a:srgbClr val="0070C0"/>
+                  </a:solidFill>
+                </a:endParaRPr>
+              </a:p>
+            </p:txBody>
+          </p:sp>
+        </p:grpSp>
+      </p:grpSp>
+      <p:grpSp>
+        <p:nvGrpSpPr>
+          <p:cNvPr id="15371" name="Group 88"/>
+          <p:cNvGrpSpPr>
+            <a:grpSpLocks/>
+          </p:cNvGrpSpPr>
+          <p:nvPr/>
+        </p:nvGrpSpPr>
+        <p:grpSpPr bwMode="auto">
+          <a:xfrm rot="922161">
+            <a:off x="6269039" y="2374900"/>
+            <a:ext cx="1184275" cy="1276350"/>
+            <a:chOff x="3779620" y="3970183"/>
+            <a:chExt cx="1580266" cy="1702647"/>
+          </a:xfrm>
+        </p:grpSpPr>
+        <p:sp>
+          <p:nvSpPr>
+            <p:cNvPr id="90" name="Oval 89"/>
+            <p:cNvSpPr/>
+            <p:nvPr/>
+          </p:nvSpPr>
+          <p:spPr>
+            <a:xfrm>
+              <a:off x="3774442" y="3966672"/>
+              <a:ext cx="715992" cy="717908"/>
+            </a:xfrm>
+            <a:prstGeom prst="ellipse">
+              <a:avLst/>
+            </a:prstGeom>
+            <a:noFill/>
+            <a:ln w="76200">
+              <a:solidFill>
+                <a:srgbClr val="E64C40"/>
+              </a:solidFill>
+            </a:ln>
+          </p:spPr>
+          <p:style>
+            <a:lnRef idx="2">
+              <a:schemeClr val="accent1">
+                <a:shade val="50000"/>
+              </a:schemeClr>
+            </a:lnRef>
+            <a:fillRef idx="1">
+              <a:schemeClr val="accent1"/>
+            </a:fillRef>
+            <a:effectRef idx="0">
+              <a:schemeClr val="accent1"/>
+            </a:effectRef>
+            <a:fontRef idx="minor">
+              <a:schemeClr val="lt1"/>
+            </a:fontRef>
+          </p:style>
+          <p:txBody>
+            <a:bodyPr anchor="ctr"/>
+            <a:lstStyle/>
+            <a:p>
+              <a:pPr algn="ctr">
+                <a:defRPr/>
+              </a:pPr>
+              <a:endParaRPr lang="sv-SE" b="1">
+                <a:solidFill>
+                  <a:srgbClr val="0070C0"/>
+                </a:solidFill>
+              </a:endParaRPr>
+            </a:p>
+          </p:txBody>
+        </p:sp>
+        <p:sp>
+          <p:nvSpPr>
+            <p:cNvPr id="91" name="Oval 90"/>
+            <p:cNvSpPr/>
+            <p:nvPr/>
+          </p:nvSpPr>
+          <p:spPr>
+            <a:xfrm>
+              <a:off x="4639217" y="4954553"/>
+              <a:ext cx="715992" cy="717908"/>
+            </a:xfrm>
+            <a:prstGeom prst="ellipse">
+              <a:avLst/>
+            </a:prstGeom>
+            <a:noFill/>
+            <a:ln w="76200">
+              <a:solidFill>
+                <a:srgbClr val="E64C40"/>
+              </a:solidFill>
+            </a:ln>
+          </p:spPr>
+          <p:style>
+            <a:lnRef idx="2">
+              <a:schemeClr val="accent1">
+                <a:shade val="50000"/>
+              </a:schemeClr>
+            </a:lnRef>
+            <a:fillRef idx="1">
+              <a:schemeClr val="accent1"/>
+            </a:fillRef>
+            <a:effectRef idx="0">
+              <a:schemeClr val="accent1"/>
+            </a:effectRef>
+            <a:fontRef idx="minor">
+              <a:schemeClr val="lt1"/>
+            </a:fontRef>
+          </p:style>
+          <p:txBody>
+            <a:bodyPr anchor="ctr"/>
+            <a:lstStyle/>
+            <a:p>
+              <a:pPr algn="ctr">
+                <a:defRPr/>
+              </a:pPr>
+              <a:endParaRPr lang="sv-SE" b="1">
+                <a:solidFill>
+                  <a:srgbClr val="0070C0"/>
+                </a:solidFill>
+              </a:endParaRPr>
+            </a:p>
+          </p:txBody>
+        </p:sp>
+        <p:grpSp>
+          <p:nvGrpSpPr>
+            <p:cNvPr id="15399" name="Group 91"/>
+            <p:cNvGrpSpPr>
+              <a:grpSpLocks/>
+            </p:cNvGrpSpPr>
+            <p:nvPr/>
+          </p:nvGrpSpPr>
+          <p:grpSpPr bwMode="auto">
+            <a:xfrm rot="2959420">
+              <a:off x="4238250" y="4572266"/>
+              <a:ext cx="695960" cy="490646"/>
+              <a:chOff x="1631950" y="1183958"/>
+              <a:chExt cx="695960" cy="490646"/>
+            </a:xfrm>
+          </p:grpSpPr>
+          <p:sp>
+            <p:nvSpPr>
+              <p:cNvPr id="93" name="Block Arc 92"/>
+              <p:cNvSpPr/>
+              <p:nvPr/>
+            </p:nvSpPr>
+            <p:spPr>
+              <a:xfrm>
+                <a:off x="1629230" y="1466627"/>
+                <a:ext cx="692496" cy="213950"/>
+              </a:xfrm>
+              <a:prstGeom prst="blockArc">
+                <a:avLst/>
+              </a:prstGeom>
+              <a:solidFill>
+                <a:srgbClr val="E64C40"/>
+              </a:solidFill>
+              <a:ln>
+                <a:solidFill>
+                  <a:srgbClr val="E64C40"/>
+                </a:solidFill>
+              </a:ln>
+            </p:spPr>
+            <p:style>
+              <a:lnRef idx="2">
+                <a:schemeClr val="accent1">
+                  <a:shade val="50000"/>
+                </a:schemeClr>
+              </a:lnRef>
+              <a:fillRef idx="1">
+                <a:schemeClr val="accent1"/>
+              </a:fillRef>
+              <a:effectRef idx="0">
+                <a:schemeClr val="accent1"/>
+              </a:effectRef>
+              <a:fontRef idx="minor">
+                <a:schemeClr val="lt1"/>
+              </a:fontRef>
+            </p:style>
+            <p:txBody>
+              <a:bodyPr anchor="ctr"/>
+              <a:lstStyle/>
+              <a:p>
+                <a:pPr algn="ctr">
+                  <a:defRPr/>
+                </a:pPr>
+                <a:endParaRPr lang="sv-SE" b="1">
+                  <a:solidFill>
+                    <a:srgbClr val="0070C0"/>
+                  </a:solidFill>
+                </a:endParaRPr>
+              </a:p>
+            </p:txBody>
+          </p:sp>
+          <p:sp>
+            <p:nvSpPr>
+              <p:cNvPr id="94" name="Block Arc 93"/>
+              <p:cNvSpPr/>
+              <p:nvPr/>
+            </p:nvSpPr>
+            <p:spPr>
+              <a:xfrm rot="10800000">
+                <a:off x="1626925" y="1189039"/>
+                <a:ext cx="692494" cy="213950"/>
+              </a:xfrm>
+              <a:prstGeom prst="blockArc">
+                <a:avLst/>
+              </a:prstGeom>
+              <a:solidFill>
+                <a:srgbClr val="E64C40"/>
+              </a:solidFill>
+              <a:ln>
+                <a:solidFill>
+                  <a:srgbClr val="E64C40"/>
+                </a:solidFill>
+              </a:ln>
+            </p:spPr>
+            <p:style>
+              <a:lnRef idx="2">
+                <a:schemeClr val="accent1">
+                  <a:shade val="50000"/>
+                </a:schemeClr>
+              </a:lnRef>
+              <a:fillRef idx="1">
+                <a:schemeClr val="accent1"/>
+              </a:fillRef>
+              <a:effectRef idx="0">
+                <a:schemeClr val="accent1"/>
+              </a:effectRef>
+              <a:fontRef idx="minor">
+                <a:schemeClr val="lt1"/>
+              </a:fontRef>
+            </p:style>
+            <p:txBody>
+              <a:bodyPr anchor="ctr"/>
+              <a:lstStyle/>
+              <a:p>
+                <a:pPr algn="ctr">
+                  <a:defRPr/>
+                </a:pPr>
+                <a:endParaRPr lang="sv-SE" b="1">
+                  <a:solidFill>
+                    <a:srgbClr val="0070C0"/>
+                  </a:solidFill>
+                </a:endParaRPr>
+              </a:p>
+            </p:txBody>
+          </p:sp>
+          <p:sp>
+            <p:nvSpPr>
+              <p:cNvPr id="95" name="Rectangle 94"/>
+              <p:cNvSpPr/>
+              <p:nvPr/>
+            </p:nvSpPr>
+            <p:spPr>
+              <a:xfrm>
+                <a:off x="1683179" y="1363184"/>
+                <a:ext cx="599315" cy="141927"/>
+              </a:xfrm>
+              <a:prstGeom prst="rect">
+                <a:avLst/>
+              </a:prstGeom>
+              <a:solidFill>
+                <a:srgbClr val="E64C40"/>
+              </a:solidFill>
+              <a:ln>
+                <a:solidFill>
+                  <a:srgbClr val="E64C40"/>
+                </a:solidFill>
+              </a:ln>
+            </p:spPr>
+            <p:style>
+              <a:lnRef idx="2">
+                <a:schemeClr val="accent1">
+                  <a:shade val="50000"/>
+                </a:schemeClr>
+              </a:lnRef>
+              <a:fillRef idx="1">
+                <a:schemeClr val="accent1"/>
+              </a:fillRef>
+              <a:effectRef idx="0">
+                <a:schemeClr val="accent1"/>
+              </a:effectRef>
+              <a:fontRef idx="minor">
+                <a:schemeClr val="lt1"/>
+              </a:fontRef>
+            </p:style>
+            <p:txBody>
+              <a:bodyPr anchor="ctr"/>
+              <a:lstStyle/>
+              <a:p>
+                <a:pPr algn="ctr">
+                  <a:defRPr/>
+                </a:pPr>
+                <a:endParaRPr lang="sv-SE" b="1">
+                  <a:solidFill>
+                    <a:srgbClr val="0070C0"/>
+                  </a:solidFill>
+                </a:endParaRPr>
+              </a:p>
+            </p:txBody>
+          </p:sp>
+        </p:grpSp>
+      </p:grpSp>
+      <p:grpSp>
+        <p:nvGrpSpPr>
+          <p:cNvPr id="15372" name="Group 95"/>
+          <p:cNvGrpSpPr>
+            <a:grpSpLocks/>
+          </p:cNvGrpSpPr>
+          <p:nvPr/>
+        </p:nvGrpSpPr>
+        <p:grpSpPr bwMode="auto">
+          <a:xfrm rot="7110064">
+            <a:off x="6157119" y="2826544"/>
+            <a:ext cx="522288" cy="368300"/>
+            <a:chOff x="1631950" y="1183958"/>
+            <a:chExt cx="695960" cy="490646"/>
+          </a:xfrm>
+        </p:grpSpPr>
+        <p:sp>
+          <p:nvSpPr>
+            <p:cNvPr id="97" name="Block Arc 96"/>
+            <p:cNvSpPr/>
+            <p:nvPr/>
+          </p:nvSpPr>
+          <p:spPr>
+            <a:xfrm>
+              <a:off x="1632682" y="1470085"/>
+              <a:ext cx="695959" cy="213600"/>
+            </a:xfrm>
+            <a:prstGeom prst="blockArc">
+              <a:avLst/>
+            </a:prstGeom>
+            <a:solidFill>
+              <a:srgbClr val="E64C40"/>
+            </a:solidFill>
+            <a:ln>
+              <a:solidFill>
+                <a:srgbClr val="E64C40"/>
+              </a:solidFill>
+            </a:ln>
+          </p:spPr>
+          <p:style>
+            <a:lnRef idx="2">
+              <a:schemeClr val="accent1">
+                <a:shade val="50000"/>
+              </a:schemeClr>
+            </a:lnRef>
+            <a:fillRef idx="1">
+              <a:schemeClr val="accent1"/>
+            </a:fillRef>
+            <a:effectRef idx="0">
+              <a:schemeClr val="accent1"/>
+            </a:effectRef>
+            <a:fontRef idx="minor">
+              <a:schemeClr val="lt1"/>
+            </a:fontRef>
+          </p:style>
+          <p:txBody>
+            <a:bodyPr anchor="ctr"/>
+            <a:lstStyle/>
+            <a:p>
+              <a:pPr algn="ctr">
+                <a:defRPr/>
+              </a:pPr>
+              <a:endParaRPr lang="sv-SE" b="1">
+                <a:solidFill>
+                  <a:srgbClr val="0070C0"/>
+                </a:solidFill>
+              </a:endParaRPr>
+            </a:p>
+          </p:txBody>
+        </p:sp>
+        <p:sp>
+          <p:nvSpPr>
+            <p:cNvPr id="98" name="Block Arc 97"/>
+            <p:cNvSpPr/>
+            <p:nvPr/>
+          </p:nvSpPr>
+          <p:spPr>
+            <a:xfrm rot="10800000">
+              <a:off x="1632707" y="1190916"/>
+              <a:ext cx="695960" cy="213600"/>
+            </a:xfrm>
+            <a:prstGeom prst="blockArc">
+              <a:avLst/>
+            </a:prstGeom>
+            <a:solidFill>
+              <a:srgbClr val="E64C40"/>
+            </a:solidFill>
+            <a:ln>
+              <a:solidFill>
+                <a:srgbClr val="E64C40"/>
+              </a:solidFill>
+            </a:ln>
+          </p:spPr>
+          <p:style>
+            <a:lnRef idx="2">
+              <a:schemeClr val="accent1">
+                <a:shade val="50000"/>
+              </a:schemeClr>
+            </a:lnRef>
+            <a:fillRef idx="1">
+              <a:schemeClr val="accent1"/>
+            </a:fillRef>
+            <a:effectRef idx="0">
+              <a:schemeClr val="accent1"/>
+            </a:effectRef>
+            <a:fontRef idx="minor">
+              <a:schemeClr val="lt1"/>
+            </a:fontRef>
+          </p:style>
+          <p:txBody>
+            <a:bodyPr anchor="ctr"/>
+            <a:lstStyle/>
+            <a:p>
+              <a:pPr algn="ctr">
+                <a:defRPr/>
+              </a:pPr>
+              <a:endParaRPr lang="sv-SE" b="1">
+                <a:solidFill>
+                  <a:srgbClr val="0070C0"/>
+                </a:solidFill>
+              </a:endParaRPr>
+            </a:p>
+          </p:txBody>
+        </p:sp>
+        <p:sp>
+          <p:nvSpPr>
+            <p:cNvPr id="99" name="Rectangle 98"/>
+            <p:cNvSpPr/>
+            <p:nvPr/>
+          </p:nvSpPr>
+          <p:spPr>
+            <a:xfrm>
+              <a:off x="1687630" y="1366133"/>
+              <a:ext cx="604998" cy="141696"/>
+            </a:xfrm>
+            <a:prstGeom prst="rect">
+              <a:avLst/>
+            </a:prstGeom>
+            <a:solidFill>
+              <a:srgbClr val="E64C40"/>
+            </a:solidFill>
+            <a:ln>
+              <a:solidFill>
+                <a:srgbClr val="E64C40"/>
+              </a:solidFill>
+            </a:ln>
+          </p:spPr>
+          <p:style>
+            <a:lnRef idx="2">
+              <a:schemeClr val="accent1">
+                <a:shade val="50000"/>
+              </a:schemeClr>
+            </a:lnRef>
+            <a:fillRef idx="1">
+              <a:schemeClr val="accent1"/>
+            </a:fillRef>
+            <a:effectRef idx="0">
+              <a:schemeClr val="accent1"/>
+            </a:effectRef>
+            <a:fontRef idx="minor">
+              <a:schemeClr val="lt1"/>
+            </a:fontRef>
+          </p:style>
+          <p:txBody>
+            <a:bodyPr anchor="ctr"/>
+            <a:lstStyle/>
+            <a:p>
+              <a:pPr algn="ctr">
+                <a:defRPr/>
+              </a:pPr>
+              <a:endParaRPr lang="sv-SE" b="1">
+                <a:solidFill>
+                  <a:srgbClr val="0070C0"/>
+                </a:solidFill>
+              </a:endParaRPr>
+            </a:p>
+          </p:txBody>
+        </p:sp>
+      </p:grpSp>
+      <p:grpSp>
+        <p:nvGrpSpPr>
+          <p:cNvPr id="15373" name="Group 99"/>
+          <p:cNvGrpSpPr>
+            <a:grpSpLocks/>
+          </p:cNvGrpSpPr>
+          <p:nvPr/>
+        </p:nvGrpSpPr>
+        <p:grpSpPr bwMode="auto">
+          <a:xfrm rot="7038937">
+            <a:off x="5267325" y="2832100"/>
+            <a:ext cx="520700" cy="368300"/>
+            <a:chOff x="1631950" y="1183958"/>
+            <a:chExt cx="695960" cy="490646"/>
+          </a:xfrm>
+        </p:grpSpPr>
+        <p:sp>
+          <p:nvSpPr>
+            <p:cNvPr id="101" name="Block Arc 100"/>
+            <p:cNvSpPr/>
+            <p:nvPr/>
+          </p:nvSpPr>
+          <p:spPr>
+            <a:xfrm>
+              <a:off x="1631567" y="1473825"/>
+              <a:ext cx="695960" cy="213601"/>
+            </a:xfrm>
+            <a:prstGeom prst="blockArc">
+              <a:avLst/>
+            </a:prstGeom>
+            <a:solidFill>
+              <a:srgbClr val="E64C40"/>
+            </a:solidFill>
+            <a:ln>
+              <a:solidFill>
+                <a:srgbClr val="E64C40"/>
+              </a:solidFill>
+            </a:ln>
+          </p:spPr>
+          <p:style>
+            <a:lnRef idx="2">
+              <a:schemeClr val="accent1">
+                <a:shade val="50000"/>
+              </a:schemeClr>
+            </a:lnRef>
+            <a:fillRef idx="1">
+              <a:schemeClr val="accent1"/>
+            </a:fillRef>
+            <a:effectRef idx="0">
+              <a:schemeClr val="accent1"/>
+            </a:effectRef>
+            <a:fontRef idx="minor">
+              <a:schemeClr val="lt1"/>
+            </a:fontRef>
+          </p:style>
+          <p:txBody>
+            <a:bodyPr anchor="ctr"/>
+            <a:lstStyle/>
+            <a:p>
+              <a:pPr algn="ctr">
+                <a:defRPr/>
+              </a:pPr>
+              <a:endParaRPr lang="sv-SE" b="1">
+                <a:solidFill>
+                  <a:srgbClr val="0070C0"/>
+                </a:solidFill>
+              </a:endParaRPr>
+            </a:p>
+          </p:txBody>
+        </p:sp>
+        <p:sp>
+          <p:nvSpPr>
+            <p:cNvPr id="102" name="Block Arc 101"/>
+            <p:cNvSpPr/>
+            <p:nvPr/>
+          </p:nvSpPr>
+          <p:spPr>
+            <a:xfrm rot="10800000">
+              <a:off x="1630758" y="1195749"/>
+              <a:ext cx="695960" cy="213600"/>
+            </a:xfrm>
+            <a:prstGeom prst="blockArc">
+              <a:avLst/>
+            </a:prstGeom>
+            <a:solidFill>
+              <a:srgbClr val="E64C40"/>
+            </a:solidFill>
+            <a:ln>
+              <a:solidFill>
+                <a:srgbClr val="E64C40"/>
+              </a:solidFill>
+            </a:ln>
+          </p:spPr>
+          <p:style>
+            <a:lnRef idx="2">
+              <a:schemeClr val="accent1">
+                <a:shade val="50000"/>
+              </a:schemeClr>
+            </a:lnRef>
+            <a:fillRef idx="1">
+              <a:schemeClr val="accent1"/>
+            </a:fillRef>
+            <a:effectRef idx="0">
+              <a:schemeClr val="accent1"/>
+            </a:effectRef>
+            <a:fontRef idx="minor">
+              <a:schemeClr val="lt1"/>
+            </a:fontRef>
+          </p:style>
+          <p:txBody>
+            <a:bodyPr anchor="ctr"/>
+            <a:lstStyle/>
+            <a:p>
+              <a:pPr algn="ctr">
+                <a:defRPr/>
+              </a:pPr>
+              <a:endParaRPr lang="sv-SE" b="1">
+                <a:solidFill>
+                  <a:srgbClr val="0070C0"/>
+                </a:solidFill>
+              </a:endParaRPr>
+            </a:p>
+          </p:txBody>
+        </p:sp>
+        <p:sp>
+          <p:nvSpPr>
+            <p:cNvPr id="103" name="Rectangle 102"/>
+            <p:cNvSpPr/>
+            <p:nvPr/>
+          </p:nvSpPr>
+          <p:spPr>
+            <a:xfrm>
+              <a:off x="1686727" y="1369191"/>
+              <a:ext cx="604721" cy="141696"/>
+            </a:xfrm>
+            <a:prstGeom prst="rect">
+              <a:avLst/>
+            </a:prstGeom>
+            <a:solidFill>
+              <a:srgbClr val="E64C40"/>
+            </a:solidFill>
+            <a:ln>
+              <a:solidFill>
+                <a:srgbClr val="E64C40"/>
+              </a:solidFill>
+            </a:ln>
+          </p:spPr>
+          <p:style>
+            <a:lnRef idx="2">
+              <a:schemeClr val="accent1">
+                <a:shade val="50000"/>
+              </a:schemeClr>
+            </a:lnRef>
+            <a:fillRef idx="1">
+              <a:schemeClr val="accent1"/>
+            </a:fillRef>
+            <a:effectRef idx="0">
+              <a:schemeClr val="accent1"/>
+            </a:effectRef>
+            <a:fontRef idx="minor">
+              <a:schemeClr val="lt1"/>
+            </a:fontRef>
+          </p:style>
+          <p:txBody>
+            <a:bodyPr anchor="ctr"/>
+            <a:lstStyle/>
+            <a:p>
+              <a:pPr algn="ctr">
+                <a:defRPr/>
+              </a:pPr>
+              <a:endParaRPr lang="sv-SE" b="1">
+                <a:solidFill>
+                  <a:srgbClr val="0070C0"/>
+                </a:solidFill>
+              </a:endParaRPr>
+            </a:p>
+          </p:txBody>
+        </p:sp>
+      </p:grpSp>
+      <p:grpSp>
+        <p:nvGrpSpPr>
+          <p:cNvPr id="15374" name="Group 103"/>
+          <p:cNvGrpSpPr>
+            <a:grpSpLocks/>
+          </p:cNvGrpSpPr>
+          <p:nvPr/>
+        </p:nvGrpSpPr>
+        <p:grpSpPr bwMode="auto">
+          <a:xfrm rot="7038937">
+            <a:off x="7050088" y="2832100"/>
+            <a:ext cx="520700" cy="368300"/>
+            <a:chOff x="1631950" y="1183958"/>
+            <a:chExt cx="695960" cy="490646"/>
+          </a:xfrm>
+        </p:grpSpPr>
+        <p:sp>
+          <p:nvSpPr>
+            <p:cNvPr id="105" name="Block Arc 104"/>
+            <p:cNvSpPr/>
+            <p:nvPr/>
+          </p:nvSpPr>
+          <p:spPr>
+            <a:xfrm>
+              <a:off x="1631567" y="1473826"/>
+              <a:ext cx="695960" cy="213600"/>
+            </a:xfrm>
+            <a:prstGeom prst="blockArc">
+              <a:avLst/>
+            </a:prstGeom>
+            <a:solidFill>
+              <a:srgbClr val="E64C40"/>
+            </a:solidFill>
+            <a:ln>
+              <a:solidFill>
+                <a:srgbClr val="E64C40"/>
+              </a:solidFill>
+            </a:ln>
+          </p:spPr>
+          <p:style>
+            <a:lnRef idx="2">
+              <a:schemeClr val="accent1">
+                <a:shade val="50000"/>
+              </a:schemeClr>
+            </a:lnRef>
+            <a:fillRef idx="1">
+              <a:schemeClr val="accent1"/>
+            </a:fillRef>
+            <a:effectRef idx="0">
+              <a:schemeClr val="accent1"/>
+            </a:effectRef>
+            <a:fontRef idx="minor">
+              <a:schemeClr val="lt1"/>
+            </a:fontRef>
+          </p:style>
+          <p:txBody>
+            <a:bodyPr anchor="ctr"/>
+            <a:lstStyle/>
+            <a:p>
+              <a:pPr algn="ctr">
+                <a:defRPr/>
+              </a:pPr>
+              <a:endParaRPr lang="sv-SE" b="1">
+                <a:solidFill>
+                  <a:srgbClr val="0070C0"/>
+                </a:solidFill>
+              </a:endParaRPr>
+            </a:p>
+          </p:txBody>
+        </p:sp>
+        <p:sp>
+          <p:nvSpPr>
+            <p:cNvPr id="106" name="Block Arc 105"/>
+            <p:cNvSpPr/>
+            <p:nvPr/>
+          </p:nvSpPr>
+          <p:spPr>
+            <a:xfrm rot="10800000">
+              <a:off x="1630760" y="1195749"/>
+              <a:ext cx="695960" cy="213601"/>
+            </a:xfrm>
+            <a:prstGeom prst="blockArc">
+              <a:avLst/>
+            </a:prstGeom>
+            <a:solidFill>
+              <a:srgbClr val="E64C40"/>
+            </a:solidFill>
+            <a:ln>
+              <a:solidFill>
+                <a:srgbClr val="E64C40"/>
+              </a:solidFill>
+            </a:ln>
+          </p:spPr>
+          <p:style>
+            <a:lnRef idx="2">
+              <a:schemeClr val="accent1">
+                <a:shade val="50000"/>
+              </a:schemeClr>
+            </a:lnRef>
+            <a:fillRef idx="1">
+              <a:schemeClr val="accent1"/>
+            </a:fillRef>
+            <a:effectRef idx="0">
+              <a:schemeClr val="accent1"/>
+            </a:effectRef>
+            <a:fontRef idx="minor">
+              <a:schemeClr val="lt1"/>
+            </a:fontRef>
+          </p:style>
+          <p:txBody>
+            <a:bodyPr anchor="ctr"/>
+            <a:lstStyle/>
+            <a:p>
+              <a:pPr algn="ctr">
+                <a:defRPr/>
+              </a:pPr>
+              <a:endParaRPr lang="sv-SE" b="1">
+                <a:solidFill>
+                  <a:srgbClr val="0070C0"/>
+                </a:solidFill>
+              </a:endParaRPr>
+            </a:p>
+          </p:txBody>
+        </p:sp>
+        <p:sp>
+          <p:nvSpPr>
+            <p:cNvPr id="107" name="Rectangle 106"/>
+            <p:cNvSpPr/>
+            <p:nvPr/>
+          </p:nvSpPr>
+          <p:spPr>
+            <a:xfrm>
+              <a:off x="1686728" y="1369192"/>
+              <a:ext cx="604721" cy="141695"/>
+            </a:xfrm>
+            <a:prstGeom prst="rect">
+              <a:avLst/>
+            </a:prstGeom>
+            <a:solidFill>
+              <a:srgbClr val="E64C40"/>
+            </a:solidFill>
+            <a:ln>
+              <a:solidFill>
+                <a:srgbClr val="E64C40"/>
+              </a:solidFill>
+            </a:ln>
+          </p:spPr>
+          <p:style>
+            <a:lnRef idx="2">
+              <a:schemeClr val="accent1">
+                <a:shade val="50000"/>
+              </a:schemeClr>
+            </a:lnRef>
+            <a:fillRef idx="1">
+              <a:schemeClr val="accent1"/>
+            </a:fillRef>
+            <a:effectRef idx="0">
+              <a:schemeClr val="accent1"/>
+            </a:effectRef>
+            <a:fontRef idx="minor">
+              <a:schemeClr val="lt1"/>
+            </a:fontRef>
+          </p:style>
+          <p:txBody>
+            <a:bodyPr anchor="ctr"/>
+            <a:lstStyle/>
+            <a:p>
+              <a:pPr algn="ctr">
+                <a:defRPr/>
+              </a:pPr>
+              <a:endParaRPr lang="sv-SE" b="1">
+                <a:solidFill>
+                  <a:srgbClr val="0070C0"/>
+                </a:solidFill>
+              </a:endParaRPr>
+            </a:p>
+          </p:txBody>
+        </p:sp>
+      </p:grpSp>
+      <p:sp>
+        <p:nvSpPr>
+          <p:cNvPr id="110" name="Content Placeholder 2"/>
+          <p:cNvSpPr txBox="1">
+            <a:spLocks/>
+          </p:cNvSpPr>
+          <p:nvPr/>
+        </p:nvSpPr>
+        <p:spPr bwMode="auto">
+          <a:xfrm>
+            <a:off x="2339212" y="3271738"/>
+            <a:ext cx="2040634" cy="1243113"/>
+          </a:xfrm>
+          <a:prstGeom prst="rect">
+            <a:avLst/>
+          </a:prstGeom>
+        </p:spPr>
+        <p:txBody>
+          <a:bodyPr lIns="68580" tIns="34290" rIns="68580" bIns="34290">
+            <a:noAutofit/>
+          </a:bodyPr>
+          <a:lstStyle>
+            <a:lvl1pPr marL="228600" indent="-228600" algn="l" defTabSz="914400" rtl="0" eaLnBrk="1" latinLnBrk="0" hangingPunct="1">
+              <a:lnSpc>
+                <a:spcPct val="90000"/>
+              </a:lnSpc>
+              <a:spcBef>
+                <a:spcPts val="1000"/>
+              </a:spcBef>
+              <a:buClr>
+                <a:srgbClr val="27A0F2"/>
+              </a:buClr>
+              <a:buFont typeface="Arial" panose="020B0604020202020204" pitchFamily="34" charset="0"/>
+              <a:buChar char="•"/>
+              <a:defRPr sz="2800" kern="1200">
+                <a:solidFill>
+                  <a:srgbClr val="3A3A3A"/>
+                </a:solidFill>
+                <a:latin typeface="Segoe UI" panose="020B0502040204020203" pitchFamily="34" charset="0"/>
+                <a:ea typeface="+mn-ea"/>
+                <a:cs typeface="Segoe UI" panose="020B0502040204020203" pitchFamily="34" charset="0"/>
+              </a:defRPr>
+            </a:lvl1pPr>
+            <a:lvl2pPr marL="685800" indent="-228600" algn="l" defTabSz="914400" rtl="0" eaLnBrk="1" latinLnBrk="0" hangingPunct="1">
+              <a:lnSpc>
+                <a:spcPct val="90000"/>
+              </a:lnSpc>
+              <a:spcBef>
+                <a:spcPts val="500"/>
+              </a:spcBef>
+              <a:buClr>
+                <a:srgbClr val="27A0F2"/>
+              </a:buClr>
+              <a:buFont typeface="Arial" panose="020B0604020202020204" pitchFamily="34" charset="0"/>
+              <a:buChar char="•"/>
+              <a:defRPr sz="2400" kern="1200">
+                <a:solidFill>
+                  <a:srgbClr val="3A3A3A"/>
+                </a:solidFill>
+                <a:latin typeface="Segoe UI" panose="020B0502040204020203" pitchFamily="34" charset="0"/>
+                <a:ea typeface="+mn-ea"/>
+                <a:cs typeface="Segoe UI" panose="020B0502040204020203" pitchFamily="34" charset="0"/>
+              </a:defRPr>
+            </a:lvl2pPr>
+            <a:lvl3pPr marL="1143000" indent="-228600" algn="l" defTabSz="914400" rtl="0" eaLnBrk="1" latinLnBrk="0" hangingPunct="1">
+              <a:lnSpc>
+                <a:spcPct val="90000"/>
+              </a:lnSpc>
+              <a:spcBef>
+                <a:spcPts val="500"/>
+              </a:spcBef>
+              <a:buClr>
+                <a:srgbClr val="27A0F2"/>
+              </a:buClr>
+              <a:buFont typeface="Arial" panose="020B0604020202020204" pitchFamily="34" charset="0"/>
+              <a:buChar char="•"/>
+              <a:defRPr sz="2000" kern="1200">
+                <a:solidFill>
+                  <a:srgbClr val="3A3A3A"/>
+                </a:solidFill>
+                <a:latin typeface="Segoe UI" panose="020B0502040204020203" pitchFamily="34" charset="0"/>
+                <a:ea typeface="+mn-ea"/>
+                <a:cs typeface="Segoe UI" panose="020B0502040204020203" pitchFamily="34" charset="0"/>
+              </a:defRPr>
+            </a:lvl3pPr>
+            <a:lvl4pPr marL="1600200" indent="-228600" algn="l" defTabSz="914400" rtl="0" eaLnBrk="1" latinLnBrk="0" hangingPunct="1">
+              <a:lnSpc>
+                <a:spcPct val="90000"/>
+              </a:lnSpc>
+              <a:spcBef>
+                <a:spcPts val="500"/>
+              </a:spcBef>
+              <a:buClr>
+                <a:srgbClr val="27A0F2"/>
+              </a:buClr>
+              <a:buFont typeface="Arial" panose="020B0604020202020204" pitchFamily="34" charset="0"/>
+              <a:buChar char="•"/>
+              <a:defRPr sz="1800" kern="1200">
+                <a:solidFill>
+                  <a:srgbClr val="3A3A3A"/>
+                </a:solidFill>
+                <a:latin typeface="Segoe UI" panose="020B0502040204020203" pitchFamily="34" charset="0"/>
+                <a:ea typeface="+mn-ea"/>
+                <a:cs typeface="Segoe UI" panose="020B0502040204020203" pitchFamily="34" charset="0"/>
+              </a:defRPr>
+            </a:lvl4pPr>
+            <a:lvl5pPr marL="2057400" indent="-228600" algn="l" defTabSz="914400" rtl="0" eaLnBrk="1" latinLnBrk="0" hangingPunct="1">
+              <a:lnSpc>
+                <a:spcPct val="90000"/>
+              </a:lnSpc>
+              <a:spcBef>
+                <a:spcPts val="500"/>
+              </a:spcBef>
+              <a:buClr>
+                <a:srgbClr val="27A0F2"/>
+              </a:buClr>
+              <a:buFont typeface="Arial" panose="020B0604020202020204" pitchFamily="34" charset="0"/>
+              <a:buChar char="•"/>
+              <a:defRPr sz="1800" kern="1200">
+                <a:solidFill>
+                  <a:srgbClr val="3A3A3A"/>
+                </a:solidFill>
+                <a:latin typeface="Segoe UI" panose="020B0502040204020203" pitchFamily="34" charset="0"/>
+                <a:ea typeface="+mn-ea"/>
+                <a:cs typeface="Segoe UI" panose="020B0502040204020203" pitchFamily="34" charset="0"/>
+              </a:defRPr>
+            </a:lvl5pPr>
+            <a:lvl6pPr marL="2514600" indent="-228600" algn="l" defTabSz="914400" rtl="0" eaLnBrk="1" latinLnBrk="0" hangingPunct="1">
+              <a:lnSpc>
+                <a:spcPct val="90000"/>
+              </a:lnSpc>
+              <a:spcBef>
+                <a:spcPts val="500"/>
+              </a:spcBef>
+              <a:buFont typeface="Arial" panose="020B0604020202020204" pitchFamily="34" charset="0"/>
+              <a:buChar char="•"/>
+              <a:defRPr sz="1800" kern="1200">
+                <a:solidFill>
+                  <a:schemeClr val="tx1"/>
+                </a:solidFill>
+                <a:latin typeface="+mn-lt"/>
+                <a:ea typeface="+mn-ea"/>
+                <a:cs typeface="+mn-cs"/>
+              </a:defRPr>
+            </a:lvl6pPr>
+            <a:lvl7pPr marL="2971800" indent="-228600" algn="l" defTabSz="914400" rtl="0" eaLnBrk="1" latinLnBrk="0" hangingPunct="1">
+              <a:lnSpc>
+                <a:spcPct val="90000"/>
+              </a:lnSpc>
+              <a:spcBef>
+                <a:spcPts val="500"/>
+              </a:spcBef>
+              <a:buFont typeface="Arial" panose="020B0604020202020204" pitchFamily="34" charset="0"/>
+              <a:buChar char="•"/>
+              <a:defRPr sz="1800" kern="1200">
+                <a:solidFill>
+                  <a:schemeClr val="tx1"/>
+                </a:solidFill>
+                <a:latin typeface="+mn-lt"/>
+                <a:ea typeface="+mn-ea"/>
+                <a:cs typeface="+mn-cs"/>
+              </a:defRPr>
+            </a:lvl7pPr>
+            <a:lvl8pPr marL="3429000" indent="-228600" algn="l" defTabSz="914400" rtl="0" eaLnBrk="1" latinLnBrk="0" hangingPunct="1">
+              <a:lnSpc>
+                <a:spcPct val="90000"/>
+              </a:lnSpc>
+              <a:spcBef>
+                <a:spcPts val="500"/>
+              </a:spcBef>
+              <a:buFont typeface="Arial" panose="020B0604020202020204" pitchFamily="34" charset="0"/>
+              <a:buChar char="•"/>
+              <a:defRPr sz="1800" kern="1200">
+                <a:solidFill>
+                  <a:schemeClr val="tx1"/>
+                </a:solidFill>
+                <a:latin typeface="+mn-lt"/>
+                <a:ea typeface="+mn-ea"/>
+                <a:cs typeface="+mn-cs"/>
+              </a:defRPr>
+            </a:lvl8pPr>
+            <a:lvl9pPr marL="3886200" indent="-228600" algn="l" defTabSz="914400" rtl="0" eaLnBrk="1" latinLnBrk="0" hangingPunct="1">
+              <a:lnSpc>
+                <a:spcPct val="90000"/>
+              </a:lnSpc>
+              <a:spcBef>
+                <a:spcPts val="500"/>
+              </a:spcBef>
+              <a:buFont typeface="Arial" panose="020B0604020202020204" pitchFamily="34" charset="0"/>
+              <a:buChar char="•"/>
+              <a:defRPr sz="1800" kern="1200">
+                <a:solidFill>
+                  <a:schemeClr val="tx1"/>
+                </a:solidFill>
+                <a:latin typeface="+mn-lt"/>
+                <a:ea typeface="+mn-ea"/>
+                <a:cs typeface="+mn-cs"/>
+              </a:defRPr>
+            </a:lvl9pPr>
+          </a:lstStyle>
+          <a:p>
+            <a:pPr marL="0" indent="0">
+              <a:lnSpc>
+                <a:spcPct val="100000"/>
+              </a:lnSpc>
+              <a:buNone/>
+              <a:defRPr/>
+            </a:pPr>
+            <a:r>
+              <a:rPr lang="ja-JP" altLang="en-US" sz="1200" b="1" u="sng" dirty="0" smtClean="0">
+                <a:latin typeface="メイリオ" panose="020B0604030504040204" pitchFamily="50" charset="-128"/>
+                <a:ea typeface="メイリオ" panose="020B0604030504040204" pitchFamily="50" charset="-128"/>
+                <a:cs typeface="メイリオ" panose="020B0604030504040204" pitchFamily="50" charset="-128"/>
+              </a:rPr>
+              <a:t>入力：</a:t>
+            </a:r>
+            <a:endParaRPr lang="sv-SE" sz="1200" b="1" u="sng" dirty="0">
+              <a:latin typeface="メイリオ" panose="020B0604030504040204" pitchFamily="50" charset="-128"/>
+              <a:ea typeface="メイリオ" panose="020B0604030504040204" pitchFamily="50" charset="-128"/>
+              <a:cs typeface="メイリオ" panose="020B0604030504040204" pitchFamily="50" charset="-128"/>
+            </a:endParaRPr>
+          </a:p>
+          <a:p>
+            <a:pPr marL="144000" indent="-144000">
+              <a:lnSpc>
+                <a:spcPct val="100000"/>
+              </a:lnSpc>
+              <a:spcBef>
+                <a:spcPts val="0"/>
+              </a:spcBef>
+              <a:buClr>
+                <a:srgbClr val="FF0000"/>
+              </a:buClr>
+              <a:defRPr/>
+            </a:pPr>
+            <a:r>
+              <a:rPr lang="ja-JP" altLang="en-US" sz="1050" dirty="0" smtClean="0">
+                <a:latin typeface="メイリオ" panose="020B0604030504040204" pitchFamily="50" charset="-128"/>
+                <a:ea typeface="メイリオ" panose="020B0604030504040204" pitchFamily="50" charset="-128"/>
+                <a:cs typeface="メイリオ" panose="020B0604030504040204" pitchFamily="50" charset="-128"/>
+              </a:rPr>
+              <a:t>プロプライエタリ</a:t>
+            </a:r>
+            <a:r>
+              <a:rPr lang="en-US" altLang="ja-JP" sz="1050" dirty="0" smtClean="0">
+                <a:latin typeface="メイリオ" panose="020B0604030504040204" pitchFamily="50" charset="-128"/>
+                <a:ea typeface="メイリオ" panose="020B0604030504040204" pitchFamily="50" charset="-128"/>
+                <a:cs typeface="メイリオ" panose="020B0604030504040204" pitchFamily="50" charset="-128"/>
+              </a:rPr>
+              <a:t/>
+            </a:r>
+            <a:br>
+              <a:rPr lang="en-US" altLang="ja-JP" sz="1050" dirty="0" smtClean="0">
+                <a:latin typeface="メイリオ" panose="020B0604030504040204" pitchFamily="50" charset="-128"/>
+                <a:ea typeface="メイリオ" panose="020B0604030504040204" pitchFamily="50" charset="-128"/>
+                <a:cs typeface="メイリオ" panose="020B0604030504040204" pitchFamily="50" charset="-128"/>
+              </a:rPr>
+            </a:br>
+            <a:r>
+              <a:rPr lang="ja-JP" altLang="en-US" sz="1050" dirty="0" smtClean="0">
+                <a:latin typeface="メイリオ" panose="020B0604030504040204" pitchFamily="50" charset="-128"/>
+                <a:ea typeface="メイリオ" panose="020B0604030504040204" pitchFamily="50" charset="-128"/>
+                <a:cs typeface="メイリオ" panose="020B0604030504040204" pitchFamily="50" charset="-128"/>
+              </a:rPr>
+              <a:t>ソフトウェア</a:t>
+            </a:r>
+            <a:endParaRPr lang="en-US" altLang="ja-JP" sz="1050" dirty="0" smtClean="0">
+              <a:latin typeface="メイリオ" panose="020B0604030504040204" pitchFamily="50" charset="-128"/>
+              <a:ea typeface="メイリオ" panose="020B0604030504040204" pitchFamily="50" charset="-128"/>
+              <a:cs typeface="メイリオ" panose="020B0604030504040204" pitchFamily="50" charset="-128"/>
+            </a:endParaRPr>
+          </a:p>
+          <a:p>
+            <a:pPr marL="144000" indent="-144000">
+              <a:lnSpc>
+                <a:spcPct val="100000"/>
+              </a:lnSpc>
+              <a:spcBef>
+                <a:spcPts val="0"/>
+              </a:spcBef>
+              <a:buClr>
+                <a:srgbClr val="FF0000"/>
+              </a:buClr>
+              <a:defRPr/>
+            </a:pPr>
+            <a:r>
+              <a:rPr lang="ja-JP" altLang="en-US" sz="1050" dirty="0" smtClean="0">
+                <a:latin typeface="メイリオ" panose="020B0604030504040204" pitchFamily="50" charset="-128"/>
+                <a:ea typeface="メイリオ" panose="020B0604030504040204" pitchFamily="50" charset="-128"/>
+                <a:cs typeface="メイリオ" panose="020B0604030504040204" pitchFamily="50" charset="-128"/>
+              </a:rPr>
+              <a:t>サードパーティ</a:t>
+            </a:r>
+            <a:r>
+              <a:rPr lang="en-US" altLang="ja-JP" sz="1050" dirty="0" smtClean="0">
+                <a:latin typeface="メイリオ" panose="020B0604030504040204" pitchFamily="50" charset="-128"/>
+                <a:ea typeface="メイリオ" panose="020B0604030504040204" pitchFamily="50" charset="-128"/>
+                <a:cs typeface="メイリオ" panose="020B0604030504040204" pitchFamily="50" charset="-128"/>
+              </a:rPr>
+              <a:t/>
+            </a:r>
+            <a:br>
+              <a:rPr lang="en-US" altLang="ja-JP" sz="1050" dirty="0" smtClean="0">
+                <a:latin typeface="メイリオ" panose="020B0604030504040204" pitchFamily="50" charset="-128"/>
+                <a:ea typeface="メイリオ" panose="020B0604030504040204" pitchFamily="50" charset="-128"/>
+                <a:cs typeface="メイリオ" panose="020B0604030504040204" pitchFamily="50" charset="-128"/>
+              </a:rPr>
+            </a:br>
+            <a:r>
+              <a:rPr lang="ja-JP" altLang="en-US" sz="1050" dirty="0" smtClean="0">
+                <a:latin typeface="メイリオ" panose="020B0604030504040204" pitchFamily="50" charset="-128"/>
+                <a:ea typeface="メイリオ" panose="020B0604030504040204" pitchFamily="50" charset="-128"/>
+                <a:cs typeface="メイリオ" panose="020B0604030504040204" pitchFamily="50" charset="-128"/>
+              </a:rPr>
+              <a:t>ソフトウェア</a:t>
+            </a:r>
+            <a:endParaRPr lang="en-US" altLang="ja-JP" sz="1050" dirty="0" smtClean="0">
+              <a:latin typeface="メイリオ" panose="020B0604030504040204" pitchFamily="50" charset="-128"/>
+              <a:ea typeface="メイリオ" panose="020B0604030504040204" pitchFamily="50" charset="-128"/>
+              <a:cs typeface="メイリオ" panose="020B0604030504040204" pitchFamily="50" charset="-128"/>
+            </a:endParaRPr>
+          </a:p>
+          <a:p>
+            <a:pPr marL="144000" indent="-144000">
+              <a:lnSpc>
+                <a:spcPct val="100000"/>
+              </a:lnSpc>
+              <a:spcBef>
+                <a:spcPts val="0"/>
+              </a:spcBef>
+              <a:buClr>
+                <a:srgbClr val="FF0000"/>
+              </a:buClr>
+              <a:defRPr/>
+            </a:pPr>
+            <a:r>
+              <a:rPr lang="ja-JP" altLang="en-US" sz="1050" dirty="0" smtClean="0">
+                <a:latin typeface="メイリオ" panose="020B0604030504040204" pitchFamily="50" charset="-128"/>
+                <a:ea typeface="メイリオ" panose="020B0604030504040204" pitchFamily="50" charset="-128"/>
+                <a:cs typeface="メイリオ" panose="020B0604030504040204" pitchFamily="50" charset="-128"/>
+              </a:rPr>
+              <a:t>オープンソース </a:t>
+            </a:r>
+            <a:r>
+              <a:rPr lang="en-US" altLang="ja-JP" sz="1050" dirty="0" smtClean="0">
+                <a:latin typeface="メイリオ" panose="020B0604030504040204" pitchFamily="50" charset="-128"/>
+                <a:ea typeface="メイリオ" panose="020B0604030504040204" pitchFamily="50" charset="-128"/>
+                <a:cs typeface="メイリオ" panose="020B0604030504040204" pitchFamily="50" charset="-128"/>
+              </a:rPr>
+              <a:t/>
+            </a:r>
+            <a:br>
+              <a:rPr lang="en-US" altLang="ja-JP" sz="1050" dirty="0" smtClean="0">
+                <a:latin typeface="メイリオ" panose="020B0604030504040204" pitchFamily="50" charset="-128"/>
+                <a:ea typeface="メイリオ" panose="020B0604030504040204" pitchFamily="50" charset="-128"/>
+                <a:cs typeface="メイリオ" panose="020B0604030504040204" pitchFamily="50" charset="-128"/>
+              </a:rPr>
+            </a:br>
+            <a:r>
+              <a:rPr lang="ja-JP" altLang="en-US" sz="1050" dirty="0" smtClean="0">
+                <a:latin typeface="メイリオ" panose="020B0604030504040204" pitchFamily="50" charset="-128"/>
+                <a:ea typeface="メイリオ" panose="020B0604030504040204" pitchFamily="50" charset="-128"/>
+                <a:cs typeface="メイリオ" panose="020B0604030504040204" pitchFamily="50" charset="-128"/>
+              </a:rPr>
+              <a:t>ソフトウェア</a:t>
+            </a:r>
+            <a:endParaRPr lang="sv-SE" sz="1050" dirty="0">
+              <a:latin typeface="メイリオ" panose="020B0604030504040204" pitchFamily="50" charset="-128"/>
+              <a:ea typeface="メイリオ" panose="020B0604030504040204" pitchFamily="50" charset="-128"/>
+              <a:cs typeface="メイリオ" panose="020B0604030504040204" pitchFamily="50" charset="-128"/>
+            </a:endParaRPr>
+          </a:p>
+        </p:txBody>
+      </p:sp>
+      <p:sp>
+        <p:nvSpPr>
+          <p:cNvPr id="2" name="Arrow: Right 1"/>
+          <p:cNvSpPr/>
+          <p:nvPr/>
+        </p:nvSpPr>
+        <p:spPr bwMode="auto">
+          <a:xfrm>
+            <a:off x="3082941" y="2782094"/>
+            <a:ext cx="522288" cy="460375"/>
+          </a:xfrm>
+          <a:prstGeom prst="rightArrow">
+            <a:avLst/>
+          </a:prstGeom>
+          <a:solidFill>
+            <a:srgbClr val="7F7F7F"/>
+          </a:solidFill>
+          <a:ln>
+            <a:noFill/>
+          </a:ln>
+        </p:spPr>
+        <p:style>
+          <a:lnRef idx="2">
+            <a:schemeClr val="accent1">
+              <a:shade val="50000"/>
+            </a:schemeClr>
+          </a:lnRef>
+          <a:fillRef idx="1">
+            <a:schemeClr val="accent1"/>
+          </a:fillRef>
+          <a:effectRef idx="0">
+            <a:schemeClr val="accent1"/>
+          </a:effectRef>
+          <a:fontRef idx="minor">
+            <a:schemeClr val="lt1"/>
+          </a:fontRef>
+        </p:style>
+        <p:txBody>
+          <a:bodyPr anchor="ctr"/>
+          <a:lstStyle/>
+          <a:p>
+            <a:pPr algn="ctr">
+              <a:defRPr/>
+            </a:pPr>
+            <a:endParaRPr lang="sv-SE" b="1"/>
+          </a:p>
+        </p:txBody>
+      </p:sp>
+      <p:sp>
+        <p:nvSpPr>
+          <p:cNvPr id="113" name="Arrow: Right 112"/>
+          <p:cNvSpPr/>
+          <p:nvPr/>
+        </p:nvSpPr>
+        <p:spPr bwMode="auto">
+          <a:xfrm>
+            <a:off x="7881348" y="2787815"/>
+            <a:ext cx="522288" cy="460375"/>
+          </a:xfrm>
+          <a:prstGeom prst="rightArrow">
+            <a:avLst/>
+          </a:prstGeom>
+          <a:solidFill>
+            <a:srgbClr val="7F7F7F"/>
+          </a:solidFill>
+          <a:ln>
+            <a:noFill/>
+          </a:ln>
+        </p:spPr>
+        <p:style>
+          <a:lnRef idx="2">
+            <a:schemeClr val="accent1">
+              <a:shade val="50000"/>
+            </a:schemeClr>
+          </a:lnRef>
+          <a:fillRef idx="1">
+            <a:schemeClr val="accent1"/>
+          </a:fillRef>
+          <a:effectRef idx="0">
+            <a:schemeClr val="accent1"/>
+          </a:effectRef>
+          <a:fontRef idx="minor">
+            <a:schemeClr val="lt1"/>
+          </a:fontRef>
+        </p:style>
+        <p:txBody>
+          <a:bodyPr anchor="ctr"/>
+          <a:lstStyle/>
+          <a:p>
+            <a:pPr algn="ctr">
+              <a:defRPr/>
+            </a:pPr>
+            <a:endParaRPr lang="sv-SE"/>
+          </a:p>
+        </p:txBody>
+      </p:sp>
+      <p:pic>
+        <p:nvPicPr>
+          <p:cNvPr id="15379" name="Picture 113"/>
+          <p:cNvPicPr>
+            <a:picLocks noChangeAspect="1"/>
+          </p:cNvPicPr>
+          <p:nvPr/>
+        </p:nvPicPr>
+        <p:blipFill>
+          <a:blip r:embed="rId2">
+            <a:extLst>
+              <a:ext uri="{28A0092B-C50C-407E-A947-70E740481C1C}">
+                <a14:useLocalDpi xmlns:a14="http://schemas.microsoft.com/office/drawing/2010/main" val="0"/>
+              </a:ext>
+            </a:extLst>
+          </a:blip>
+          <a:srcRect/>
+          <a:stretch>
+            <a:fillRect/>
+          </a:stretch>
+        </p:blipFill>
+        <p:spPr bwMode="auto">
+          <a:xfrm>
+            <a:off x="4175126" y="3224214"/>
+            <a:ext cx="466725" cy="458787"/>
+          </a:xfrm>
+          <a:prstGeom prst="rect">
+            <a:avLst/>
+          </a:prstGeom>
+          <a:noFill/>
+          <a:ln>
+            <a:noFill/>
+          </a:ln>
+          <a:extLst>
+            <a:ext uri="{909E8E84-426E-40DD-AFC4-6F175D3DCCD1}">
+              <a14:hiddenFill xmlns:a14="http://schemas.microsoft.com/office/drawing/2010/main">
+                <a:solidFill>
+                  <a:srgbClr val="FFFFFF"/>
+                </a:solidFill>
+              </a14:hiddenFill>
+            </a:ext>
+            <a:ext uri="{91240B29-F687-4F45-9708-019B960494DF}">
+              <a14:hiddenLine xmlns:a14="http://schemas.microsoft.com/office/drawing/2010/main" w="9525">
+                <a:solidFill>
+                  <a:srgbClr val="000000"/>
+                </a:solidFill>
+                <a:miter lim="800000"/>
+                <a:headEnd/>
+                <a:tailEnd/>
+              </a14:hiddenLine>
+            </a:ext>
+          </a:extLst>
+        </p:spPr>
+      </p:pic>
+      <p:pic>
+        <p:nvPicPr>
+          <p:cNvPr id="15380" name="Picture 114"/>
+          <p:cNvPicPr>
+            <a:picLocks noChangeAspect="1"/>
+          </p:cNvPicPr>
+          <p:nvPr/>
+        </p:nvPicPr>
+        <p:blipFill>
+          <a:blip r:embed="rId3" cstate="print">
+            <a:extLst>
+              <a:ext uri="{28A0092B-C50C-407E-A947-70E740481C1C}">
+                <a14:useLocalDpi xmlns:a14="http://schemas.microsoft.com/office/drawing/2010/main" val="0"/>
+              </a:ext>
+            </a:extLst>
+          </a:blip>
+          <a:srcRect/>
+          <a:stretch>
+            <a:fillRect/>
+          </a:stretch>
+        </p:blipFill>
+        <p:spPr bwMode="auto">
+          <a:xfrm>
+            <a:off x="6919914" y="3254376"/>
+            <a:ext cx="384175" cy="404813"/>
+          </a:xfrm>
+          <a:prstGeom prst="rect">
+            <a:avLst/>
+          </a:prstGeom>
+          <a:noFill/>
+          <a:ln>
+            <a:noFill/>
+          </a:ln>
+          <a:extLst>
+            <a:ext uri="{909E8E84-426E-40DD-AFC4-6F175D3DCCD1}">
+              <a14:hiddenFill xmlns:a14="http://schemas.microsoft.com/office/drawing/2010/main">
+                <a:solidFill>
+                  <a:srgbClr val="FFFFFF"/>
+                </a:solidFill>
+              </a14:hiddenFill>
+            </a:ext>
+            <a:ext uri="{91240B29-F687-4F45-9708-019B960494DF}">
+              <a14:hiddenLine xmlns:a14="http://schemas.microsoft.com/office/drawing/2010/main" w="9525">
+                <a:solidFill>
+                  <a:srgbClr val="000000"/>
+                </a:solidFill>
+                <a:miter lim="800000"/>
+                <a:headEnd/>
+                <a:tailEnd/>
+              </a14:hiddenLine>
+            </a:ext>
+          </a:extLst>
+        </p:spPr>
+      </p:pic>
+      <p:pic>
+        <p:nvPicPr>
+          <p:cNvPr id="15381" name="Picture 115"/>
+          <p:cNvPicPr>
+            <a:picLocks noChangeAspect="1"/>
+          </p:cNvPicPr>
+          <p:nvPr/>
+        </p:nvPicPr>
+        <p:blipFill>
+          <a:blip r:embed="rId4" cstate="print">
+            <a:extLst>
+              <a:ext uri="{28A0092B-C50C-407E-A947-70E740481C1C}">
+                <a14:useLocalDpi xmlns:a14="http://schemas.microsoft.com/office/drawing/2010/main" val="0"/>
+              </a:ext>
+            </a:extLst>
+          </a:blip>
+          <a:srcRect/>
+          <a:stretch>
+            <a:fillRect/>
+          </a:stretch>
+        </p:blipFill>
+        <p:spPr bwMode="auto">
+          <a:xfrm>
+            <a:off x="4618039" y="2327276"/>
+            <a:ext cx="504825" cy="481013"/>
+          </a:xfrm>
+          <a:prstGeom prst="rect">
+            <a:avLst/>
+          </a:prstGeom>
+          <a:noFill/>
+          <a:ln>
+            <a:noFill/>
+          </a:ln>
+          <a:extLst>
+            <a:ext uri="{909E8E84-426E-40DD-AFC4-6F175D3DCCD1}">
+              <a14:hiddenFill xmlns:a14="http://schemas.microsoft.com/office/drawing/2010/main">
+                <a:solidFill>
+                  <a:srgbClr val="FFFFFF"/>
+                </a:solidFill>
+              </a14:hiddenFill>
+            </a:ext>
+            <a:ext uri="{91240B29-F687-4F45-9708-019B960494DF}">
+              <a14:hiddenLine xmlns:a14="http://schemas.microsoft.com/office/drawing/2010/main" w="9525">
+                <a:solidFill>
+                  <a:srgbClr val="000000"/>
+                </a:solidFill>
+                <a:miter lim="800000"/>
+                <a:headEnd/>
+                <a:tailEnd/>
+              </a14:hiddenLine>
+            </a:ext>
+          </a:extLst>
+        </p:spPr>
+      </p:pic>
+      <p:pic>
+        <p:nvPicPr>
+          <p:cNvPr id="15382" name="Picture 116"/>
+          <p:cNvPicPr>
+            <a:picLocks noChangeAspect="1"/>
+          </p:cNvPicPr>
+          <p:nvPr/>
+        </p:nvPicPr>
+        <p:blipFill>
+          <a:blip r:embed="rId5">
+            <a:extLst>
+              <a:ext uri="{28A0092B-C50C-407E-A947-70E740481C1C}">
+                <a14:useLocalDpi xmlns:a14="http://schemas.microsoft.com/office/drawing/2010/main" val="0"/>
+              </a:ext>
+            </a:extLst>
+          </a:blip>
+          <a:srcRect/>
+          <a:stretch>
+            <a:fillRect/>
+          </a:stretch>
+        </p:blipFill>
+        <p:spPr bwMode="auto">
+          <a:xfrm>
+            <a:off x="5057775" y="3300413"/>
+            <a:ext cx="503238" cy="322262"/>
+          </a:xfrm>
+          <a:prstGeom prst="rect">
+            <a:avLst/>
+          </a:prstGeom>
+          <a:noFill/>
+          <a:ln>
+            <a:noFill/>
+          </a:ln>
+          <a:extLst>
+            <a:ext uri="{909E8E84-426E-40DD-AFC4-6F175D3DCCD1}">
+              <a14:hiddenFill xmlns:a14="http://schemas.microsoft.com/office/drawing/2010/main">
+                <a:solidFill>
+                  <a:srgbClr val="FFFFFF"/>
+                </a:solidFill>
+              </a14:hiddenFill>
+            </a:ext>
+            <a:ext uri="{91240B29-F687-4F45-9708-019B960494DF}">
+              <a14:hiddenLine xmlns:a14="http://schemas.microsoft.com/office/drawing/2010/main" w="9525">
+                <a:solidFill>
+                  <a:srgbClr val="000000"/>
+                </a:solidFill>
+                <a:miter lim="800000"/>
+                <a:headEnd/>
+                <a:tailEnd/>
+              </a14:hiddenLine>
+            </a:ext>
+          </a:extLst>
+        </p:spPr>
+      </p:pic>
+      <p:pic>
+        <p:nvPicPr>
+          <p:cNvPr id="15383" name="Picture 117"/>
+          <p:cNvPicPr>
+            <a:picLocks noChangeAspect="1"/>
+          </p:cNvPicPr>
+          <p:nvPr/>
+        </p:nvPicPr>
+        <p:blipFill>
+          <a:blip r:embed="rId6" cstate="print">
+            <a:extLst>
+              <a:ext uri="{28A0092B-C50C-407E-A947-70E740481C1C}">
+                <a14:useLocalDpi xmlns:a14="http://schemas.microsoft.com/office/drawing/2010/main" val="0"/>
+              </a:ext>
+            </a:extLst>
+          </a:blip>
+          <a:srcRect/>
+          <a:stretch>
+            <a:fillRect/>
+          </a:stretch>
+        </p:blipFill>
+        <p:spPr bwMode="auto">
+          <a:xfrm>
+            <a:off x="6457950" y="2362201"/>
+            <a:ext cx="412750" cy="417513"/>
+          </a:xfrm>
+          <a:prstGeom prst="rect">
+            <a:avLst/>
+          </a:prstGeom>
+          <a:noFill/>
+          <a:ln>
+            <a:noFill/>
+          </a:ln>
+          <a:extLst>
+            <a:ext uri="{909E8E84-426E-40DD-AFC4-6F175D3DCCD1}">
+              <a14:hiddenFill xmlns:a14="http://schemas.microsoft.com/office/drawing/2010/main">
+                <a:solidFill>
+                  <a:srgbClr val="FFFFFF"/>
+                </a:solidFill>
+              </a14:hiddenFill>
+            </a:ext>
+            <a:ext uri="{91240B29-F687-4F45-9708-019B960494DF}">
+              <a14:hiddenLine xmlns:a14="http://schemas.microsoft.com/office/drawing/2010/main" w="9525">
+                <a:solidFill>
+                  <a:srgbClr val="000000"/>
+                </a:solidFill>
+                <a:miter lim="800000"/>
+                <a:headEnd/>
+                <a:tailEnd/>
+              </a14:hiddenLine>
+            </a:ext>
+          </a:extLst>
+        </p:spPr>
+      </p:pic>
+      <p:pic>
+        <p:nvPicPr>
+          <p:cNvPr id="15384" name="Picture 118"/>
+          <p:cNvPicPr>
+            <a:picLocks noChangeAspect="1"/>
+          </p:cNvPicPr>
+          <p:nvPr/>
+        </p:nvPicPr>
+        <p:blipFill>
+          <a:blip r:embed="rId7" cstate="print">
+            <a:extLst>
+              <a:ext uri="{28A0092B-C50C-407E-A947-70E740481C1C}">
+                <a14:useLocalDpi xmlns:a14="http://schemas.microsoft.com/office/drawing/2010/main" val="0"/>
+              </a:ext>
+            </a:extLst>
+          </a:blip>
+          <a:srcRect/>
+          <a:stretch>
+            <a:fillRect/>
+          </a:stretch>
+        </p:blipFill>
+        <p:spPr bwMode="auto">
+          <a:xfrm>
+            <a:off x="5997575" y="3260725"/>
+            <a:ext cx="382588" cy="344488"/>
+          </a:xfrm>
+          <a:prstGeom prst="rect">
+            <a:avLst/>
+          </a:prstGeom>
+          <a:noFill/>
+          <a:ln>
+            <a:noFill/>
+          </a:ln>
+          <a:extLst>
+            <a:ext uri="{909E8E84-426E-40DD-AFC4-6F175D3DCCD1}">
+              <a14:hiddenFill xmlns:a14="http://schemas.microsoft.com/office/drawing/2010/main">
+                <a:solidFill>
+                  <a:srgbClr val="FFFFFF"/>
+                </a:solidFill>
+              </a14:hiddenFill>
+            </a:ext>
+            <a:ext uri="{91240B29-F687-4F45-9708-019B960494DF}">
+              <a14:hiddenLine xmlns:a14="http://schemas.microsoft.com/office/drawing/2010/main" w="9525">
+                <a:solidFill>
+                  <a:srgbClr val="000000"/>
+                </a:solidFill>
+                <a:miter lim="800000"/>
+                <a:headEnd/>
+                <a:tailEnd/>
+              </a14:hiddenLine>
+            </a:ext>
+          </a:extLst>
+        </p:spPr>
+      </p:pic>
+      <p:pic>
+        <p:nvPicPr>
+          <p:cNvPr id="15385" name="Picture 119"/>
+          <p:cNvPicPr>
+            <a:picLocks noChangeAspect="1"/>
+          </p:cNvPicPr>
+          <p:nvPr/>
+        </p:nvPicPr>
+        <p:blipFill>
+          <a:blip r:embed="rId8">
+            <a:extLst>
+              <a:ext uri="{28A0092B-C50C-407E-A947-70E740481C1C}">
+                <a14:useLocalDpi xmlns:a14="http://schemas.microsoft.com/office/drawing/2010/main" val="0"/>
+              </a:ext>
+            </a:extLst>
+          </a:blip>
+          <a:srcRect/>
+          <a:stretch>
+            <a:fillRect/>
+          </a:stretch>
+        </p:blipFill>
+        <p:spPr bwMode="auto">
+          <a:xfrm>
+            <a:off x="7321551" y="2335213"/>
+            <a:ext cx="449263" cy="436562"/>
+          </a:xfrm>
+          <a:prstGeom prst="rect">
+            <a:avLst/>
+          </a:prstGeom>
+          <a:noFill/>
+          <a:ln>
+            <a:noFill/>
+          </a:ln>
+          <a:extLst>
+            <a:ext uri="{909E8E84-426E-40DD-AFC4-6F175D3DCCD1}">
+              <a14:hiddenFill xmlns:a14="http://schemas.microsoft.com/office/drawing/2010/main">
+                <a:solidFill>
+                  <a:srgbClr val="FFFFFF"/>
+                </a:solidFill>
+              </a14:hiddenFill>
+            </a:ext>
+            <a:ext uri="{91240B29-F687-4F45-9708-019B960494DF}">
+              <a14:hiddenLine xmlns:a14="http://schemas.microsoft.com/office/drawing/2010/main" w="9525">
+                <a:solidFill>
+                  <a:srgbClr val="000000"/>
+                </a:solidFill>
+                <a:miter lim="800000"/>
+                <a:headEnd/>
+                <a:tailEnd/>
+              </a14:hiddenLine>
+            </a:ext>
+          </a:extLst>
+        </p:spPr>
+      </p:pic>
+      <p:pic>
+        <p:nvPicPr>
+          <p:cNvPr id="15386" name="Picture 120"/>
+          <p:cNvPicPr>
+            <a:picLocks noChangeAspect="1"/>
+          </p:cNvPicPr>
+          <p:nvPr/>
+        </p:nvPicPr>
+        <p:blipFill>
+          <a:blip r:embed="rId9">
+            <a:extLst>
+              <a:ext uri="{28A0092B-C50C-407E-A947-70E740481C1C}">
+                <a14:useLocalDpi xmlns:a14="http://schemas.microsoft.com/office/drawing/2010/main" val="0"/>
+              </a:ext>
+            </a:extLst>
+          </a:blip>
+          <a:srcRect/>
+          <a:stretch>
+            <a:fillRect/>
+          </a:stretch>
+        </p:blipFill>
+        <p:spPr bwMode="auto">
+          <a:xfrm>
+            <a:off x="3787775" y="2339975"/>
+            <a:ext cx="433388" cy="446088"/>
+          </a:xfrm>
+          <a:prstGeom prst="rect">
+            <a:avLst/>
+          </a:prstGeom>
+          <a:noFill/>
+          <a:ln>
+            <a:noFill/>
+          </a:ln>
+          <a:extLst>
+            <a:ext uri="{909E8E84-426E-40DD-AFC4-6F175D3DCCD1}">
+              <a14:hiddenFill xmlns:a14="http://schemas.microsoft.com/office/drawing/2010/main">
+                <a:solidFill>
+                  <a:srgbClr val="FFFFFF"/>
+                </a:solidFill>
+              </a14:hiddenFill>
+            </a:ext>
+            <a:ext uri="{91240B29-F687-4F45-9708-019B960494DF}">
+              <a14:hiddenLine xmlns:a14="http://schemas.microsoft.com/office/drawing/2010/main" w="9525">
+                <a:solidFill>
+                  <a:srgbClr val="000000"/>
+                </a:solidFill>
+                <a:miter lim="800000"/>
+                <a:headEnd/>
+                <a:tailEnd/>
+              </a14:hiddenLine>
+            </a:ext>
+          </a:extLst>
+        </p:spPr>
+      </p:pic>
+      <p:pic>
+        <p:nvPicPr>
+          <p:cNvPr id="15387" name="Picture 121"/>
+          <p:cNvPicPr>
+            <a:picLocks noChangeAspect="1"/>
+          </p:cNvPicPr>
+          <p:nvPr/>
+        </p:nvPicPr>
+        <p:blipFill>
+          <a:blip r:embed="rId10">
+            <a:extLst>
+              <a:ext uri="{28A0092B-C50C-407E-A947-70E740481C1C}">
+                <a14:useLocalDpi xmlns:a14="http://schemas.microsoft.com/office/drawing/2010/main" val="0"/>
+              </a:ext>
+            </a:extLst>
+          </a:blip>
+          <a:srcRect/>
+          <a:stretch>
+            <a:fillRect/>
+          </a:stretch>
+        </p:blipFill>
+        <p:spPr bwMode="auto">
+          <a:xfrm>
+            <a:off x="5562600" y="2349500"/>
+            <a:ext cx="369888" cy="420688"/>
+          </a:xfrm>
+          <a:prstGeom prst="rect">
+            <a:avLst/>
+          </a:prstGeom>
+          <a:noFill/>
+          <a:ln>
+            <a:noFill/>
+          </a:ln>
+          <a:extLst>
+            <a:ext uri="{909E8E84-426E-40DD-AFC4-6F175D3DCCD1}">
+              <a14:hiddenFill xmlns:a14="http://schemas.microsoft.com/office/drawing/2010/main">
+                <a:solidFill>
+                  <a:srgbClr val="FFFFFF"/>
+                </a:solidFill>
+              </a14:hiddenFill>
+            </a:ext>
+            <a:ext uri="{91240B29-F687-4F45-9708-019B960494DF}">
+              <a14:hiddenLine xmlns:a14="http://schemas.microsoft.com/office/drawing/2010/main" w="9525">
+                <a:solidFill>
+                  <a:srgbClr val="000000"/>
+                </a:solidFill>
+                <a:miter lim="800000"/>
+                <a:headEnd/>
+                <a:tailEnd/>
+              </a14:hiddenLine>
+            </a:ext>
+          </a:extLst>
+        </p:spPr>
+      </p:pic>
+      <p:sp>
+        <p:nvSpPr>
+          <p:cNvPr id="61" name="Rounded Rectangle 60"/>
+          <p:cNvSpPr/>
+          <p:nvPr/>
+        </p:nvSpPr>
+        <p:spPr>
+          <a:xfrm>
+            <a:off x="2222105" y="2804297"/>
+            <a:ext cx="760258" cy="383304"/>
+          </a:xfrm>
+          <a:prstGeom prst="roundRect">
+            <a:avLst/>
+          </a:prstGeom>
+          <a:noFill/>
+          <a:ln w="38100">
+            <a:solidFill>
+              <a:srgbClr val="2CA4F2"/>
+            </a:solidFill>
+          </a:ln>
+        </p:spPr>
+        <p:style>
+          <a:lnRef idx="2">
+            <a:schemeClr val="accent1">
+              <a:shade val="50000"/>
+            </a:schemeClr>
+          </a:lnRef>
+          <a:fillRef idx="1">
+            <a:schemeClr val="accent1"/>
+          </a:fillRef>
+          <a:effectRef idx="0">
+            <a:schemeClr val="accent1"/>
+          </a:effectRef>
+          <a:fontRef idx="minor">
+            <a:schemeClr val="lt1"/>
+          </a:fontRef>
+        </p:style>
+        <p:txBody>
+          <a:bodyPr rtlCol="0" anchor="ctr"/>
+          <a:lstStyle/>
+          <a:p>
+            <a:pPr algn="ctr"/>
+            <a:r>
+              <a:rPr lang="ja-JP" altLang="en-US" sz="1600" b="1" i="1" dirty="0">
+                <a:solidFill>
+                  <a:schemeClr val="tx1"/>
+                </a:solidFill>
+                <a:latin typeface="メイリオ" panose="020B0604030504040204" pitchFamily="50" charset="-128"/>
+                <a:ea typeface="メイリオ" panose="020B0604030504040204" pitchFamily="50" charset="-128"/>
+                <a:cs typeface="メイリオ" panose="020B0604030504040204" pitchFamily="50" charset="-128"/>
+              </a:rPr>
+              <a:t>開始</a:t>
+            </a:r>
+            <a:endParaRPr lang="en-US" sz="1600" b="1" i="1" dirty="0">
+              <a:solidFill>
+                <a:schemeClr val="tx1"/>
+              </a:solidFill>
+              <a:latin typeface="メイリオ" panose="020B0604030504040204" pitchFamily="50" charset="-128"/>
+              <a:ea typeface="メイリオ" panose="020B0604030504040204" pitchFamily="50" charset="-128"/>
+              <a:cs typeface="メイリオ" panose="020B0604030504040204" pitchFamily="50" charset="-128"/>
+            </a:endParaRPr>
+          </a:p>
+        </p:txBody>
+      </p:sp>
+      <p:sp>
+        <p:nvSpPr>
+          <p:cNvPr id="63" name="Content Placeholder 2"/>
+          <p:cNvSpPr txBox="1">
+            <a:spLocks/>
+          </p:cNvSpPr>
+          <p:nvPr/>
+        </p:nvSpPr>
+        <p:spPr bwMode="auto">
+          <a:xfrm>
+            <a:off x="8448241" y="3271738"/>
+            <a:ext cx="1393975" cy="859533"/>
+          </a:xfrm>
+          <a:prstGeom prst="rect">
+            <a:avLst/>
+          </a:prstGeom>
+        </p:spPr>
+        <p:txBody>
+          <a:bodyPr lIns="68580" tIns="34290" rIns="68580" bIns="34290">
+            <a:noAutofit/>
+          </a:bodyPr>
+          <a:lstStyle>
+            <a:lvl1pPr marL="228600" indent="-228600" algn="l" defTabSz="914400" rtl="0" eaLnBrk="1" latinLnBrk="0" hangingPunct="1">
+              <a:lnSpc>
+                <a:spcPct val="90000"/>
+              </a:lnSpc>
+              <a:spcBef>
+                <a:spcPts val="1000"/>
+              </a:spcBef>
+              <a:buClr>
+                <a:srgbClr val="27A0F2"/>
+              </a:buClr>
+              <a:buFont typeface="Arial" panose="020B0604020202020204" pitchFamily="34" charset="0"/>
+              <a:buChar char="•"/>
+              <a:defRPr sz="2800" kern="1200">
+                <a:solidFill>
+                  <a:srgbClr val="3A3A3A"/>
+                </a:solidFill>
+                <a:latin typeface="Segoe UI" panose="020B0502040204020203" pitchFamily="34" charset="0"/>
+                <a:ea typeface="+mn-ea"/>
+                <a:cs typeface="Segoe UI" panose="020B0502040204020203" pitchFamily="34" charset="0"/>
+              </a:defRPr>
+            </a:lvl1pPr>
+            <a:lvl2pPr marL="685800" indent="-228600" algn="l" defTabSz="914400" rtl="0" eaLnBrk="1" latinLnBrk="0" hangingPunct="1">
+              <a:lnSpc>
+                <a:spcPct val="90000"/>
+              </a:lnSpc>
+              <a:spcBef>
+                <a:spcPts val="500"/>
+              </a:spcBef>
+              <a:buClr>
+                <a:srgbClr val="27A0F2"/>
+              </a:buClr>
+              <a:buFont typeface="Arial" panose="020B0604020202020204" pitchFamily="34" charset="0"/>
+              <a:buChar char="•"/>
+              <a:defRPr sz="2400" kern="1200">
+                <a:solidFill>
+                  <a:srgbClr val="3A3A3A"/>
+                </a:solidFill>
+                <a:latin typeface="Segoe UI" panose="020B0502040204020203" pitchFamily="34" charset="0"/>
+                <a:ea typeface="+mn-ea"/>
+                <a:cs typeface="Segoe UI" panose="020B0502040204020203" pitchFamily="34" charset="0"/>
+              </a:defRPr>
+            </a:lvl2pPr>
+            <a:lvl3pPr marL="1143000" indent="-228600" algn="l" defTabSz="914400" rtl="0" eaLnBrk="1" latinLnBrk="0" hangingPunct="1">
+              <a:lnSpc>
+                <a:spcPct val="90000"/>
+              </a:lnSpc>
+              <a:spcBef>
+                <a:spcPts val="500"/>
+              </a:spcBef>
+              <a:buClr>
+                <a:srgbClr val="27A0F2"/>
+              </a:buClr>
+              <a:buFont typeface="Arial" panose="020B0604020202020204" pitchFamily="34" charset="0"/>
+              <a:buChar char="•"/>
+              <a:defRPr sz="2000" kern="1200">
+                <a:solidFill>
+                  <a:srgbClr val="3A3A3A"/>
+                </a:solidFill>
+                <a:latin typeface="Segoe UI" panose="020B0502040204020203" pitchFamily="34" charset="0"/>
+                <a:ea typeface="+mn-ea"/>
+                <a:cs typeface="Segoe UI" panose="020B0502040204020203" pitchFamily="34" charset="0"/>
+              </a:defRPr>
+            </a:lvl3pPr>
+            <a:lvl4pPr marL="1600200" indent="-228600" algn="l" defTabSz="914400" rtl="0" eaLnBrk="1" latinLnBrk="0" hangingPunct="1">
+              <a:lnSpc>
+                <a:spcPct val="90000"/>
+              </a:lnSpc>
+              <a:spcBef>
+                <a:spcPts val="500"/>
+              </a:spcBef>
+              <a:buClr>
+                <a:srgbClr val="27A0F2"/>
+              </a:buClr>
+              <a:buFont typeface="Arial" panose="020B0604020202020204" pitchFamily="34" charset="0"/>
+              <a:buChar char="•"/>
+              <a:defRPr sz="1800" kern="1200">
+                <a:solidFill>
+                  <a:srgbClr val="3A3A3A"/>
+                </a:solidFill>
+                <a:latin typeface="Segoe UI" panose="020B0502040204020203" pitchFamily="34" charset="0"/>
+                <a:ea typeface="+mn-ea"/>
+                <a:cs typeface="Segoe UI" panose="020B0502040204020203" pitchFamily="34" charset="0"/>
+              </a:defRPr>
+            </a:lvl4pPr>
+            <a:lvl5pPr marL="2057400" indent="-228600" algn="l" defTabSz="914400" rtl="0" eaLnBrk="1" latinLnBrk="0" hangingPunct="1">
+              <a:lnSpc>
+                <a:spcPct val="90000"/>
+              </a:lnSpc>
+              <a:spcBef>
+                <a:spcPts val="500"/>
+              </a:spcBef>
+              <a:buClr>
+                <a:srgbClr val="27A0F2"/>
+              </a:buClr>
+              <a:buFont typeface="Arial" panose="020B0604020202020204" pitchFamily="34" charset="0"/>
+              <a:buChar char="•"/>
+              <a:defRPr sz="1800" kern="1200">
+                <a:solidFill>
+                  <a:srgbClr val="3A3A3A"/>
+                </a:solidFill>
+                <a:latin typeface="Segoe UI" panose="020B0502040204020203" pitchFamily="34" charset="0"/>
+                <a:ea typeface="+mn-ea"/>
+                <a:cs typeface="Segoe UI" panose="020B0502040204020203" pitchFamily="34" charset="0"/>
+              </a:defRPr>
+            </a:lvl5pPr>
+            <a:lvl6pPr marL="2514600" indent="-228600" algn="l" defTabSz="914400" rtl="0" eaLnBrk="1" latinLnBrk="0" hangingPunct="1">
+              <a:lnSpc>
+                <a:spcPct val="90000"/>
+              </a:lnSpc>
+              <a:spcBef>
+                <a:spcPts val="500"/>
+              </a:spcBef>
+              <a:buFont typeface="Arial" panose="020B0604020202020204" pitchFamily="34" charset="0"/>
+              <a:buChar char="•"/>
+              <a:defRPr sz="1800" kern="1200">
+                <a:solidFill>
+                  <a:schemeClr val="tx1"/>
+                </a:solidFill>
+                <a:latin typeface="+mn-lt"/>
+                <a:ea typeface="+mn-ea"/>
+                <a:cs typeface="+mn-cs"/>
+              </a:defRPr>
+            </a:lvl6pPr>
+            <a:lvl7pPr marL="2971800" indent="-228600" algn="l" defTabSz="914400" rtl="0" eaLnBrk="1" latinLnBrk="0" hangingPunct="1">
+              <a:lnSpc>
+                <a:spcPct val="90000"/>
+              </a:lnSpc>
+              <a:spcBef>
+                <a:spcPts val="500"/>
+              </a:spcBef>
+              <a:buFont typeface="Arial" panose="020B0604020202020204" pitchFamily="34" charset="0"/>
+              <a:buChar char="•"/>
+              <a:defRPr sz="1800" kern="1200">
+                <a:solidFill>
+                  <a:schemeClr val="tx1"/>
+                </a:solidFill>
+                <a:latin typeface="+mn-lt"/>
+                <a:ea typeface="+mn-ea"/>
+                <a:cs typeface="+mn-cs"/>
+              </a:defRPr>
+            </a:lvl7pPr>
+            <a:lvl8pPr marL="3429000" indent="-228600" algn="l" defTabSz="914400" rtl="0" eaLnBrk="1" latinLnBrk="0" hangingPunct="1">
+              <a:lnSpc>
+                <a:spcPct val="90000"/>
+              </a:lnSpc>
+              <a:spcBef>
+                <a:spcPts val="500"/>
+              </a:spcBef>
+              <a:buFont typeface="Arial" panose="020B0604020202020204" pitchFamily="34" charset="0"/>
+              <a:buChar char="•"/>
+              <a:defRPr sz="1800" kern="1200">
+                <a:solidFill>
+                  <a:schemeClr val="tx1"/>
+                </a:solidFill>
+                <a:latin typeface="+mn-lt"/>
+                <a:ea typeface="+mn-ea"/>
+                <a:cs typeface="+mn-cs"/>
+              </a:defRPr>
+            </a:lvl8pPr>
+            <a:lvl9pPr marL="3886200" indent="-228600" algn="l" defTabSz="914400" rtl="0" eaLnBrk="1" latinLnBrk="0" hangingPunct="1">
+              <a:lnSpc>
+                <a:spcPct val="90000"/>
+              </a:lnSpc>
+              <a:spcBef>
+                <a:spcPts val="500"/>
+              </a:spcBef>
+              <a:buFont typeface="Arial" panose="020B0604020202020204" pitchFamily="34" charset="0"/>
+              <a:buChar char="•"/>
+              <a:defRPr sz="1800" kern="1200">
+                <a:solidFill>
+                  <a:schemeClr val="tx1"/>
+                </a:solidFill>
+                <a:latin typeface="+mn-lt"/>
+                <a:ea typeface="+mn-ea"/>
+                <a:cs typeface="+mn-cs"/>
+              </a:defRPr>
+            </a:lvl9pPr>
+          </a:lstStyle>
+          <a:p>
+            <a:pPr marL="0" indent="0">
+              <a:lnSpc>
+                <a:spcPct val="100000"/>
+              </a:lnSpc>
+              <a:buNone/>
+              <a:defRPr/>
+            </a:pPr>
+            <a:r>
+              <a:rPr lang="ja-JP" altLang="en-US" sz="1200" b="1" u="sng" dirty="0" smtClean="0">
+                <a:latin typeface="メイリオ" panose="020B0604030504040204" pitchFamily="50" charset="-128"/>
+                <a:ea typeface="メイリオ" panose="020B0604030504040204" pitchFamily="50" charset="-128"/>
+                <a:cs typeface="メイリオ" panose="020B0604030504040204" pitchFamily="50" charset="-128"/>
+              </a:rPr>
+              <a:t>出力：</a:t>
+            </a:r>
+            <a:endParaRPr lang="sv-SE" sz="1200" b="1" u="sng" dirty="0">
+              <a:latin typeface="メイリオ" panose="020B0604030504040204" pitchFamily="50" charset="-128"/>
+              <a:ea typeface="メイリオ" panose="020B0604030504040204" pitchFamily="50" charset="-128"/>
+              <a:cs typeface="メイリオ" panose="020B0604030504040204" pitchFamily="50" charset="-128"/>
+            </a:endParaRPr>
+          </a:p>
+          <a:p>
+            <a:pPr marL="144000" indent="-144000">
+              <a:lnSpc>
+                <a:spcPct val="100000"/>
+              </a:lnSpc>
+              <a:spcBef>
+                <a:spcPts val="0"/>
+              </a:spcBef>
+              <a:buClr>
+                <a:srgbClr val="FF0000"/>
+              </a:buClr>
+              <a:defRPr/>
+            </a:pPr>
+            <a:r>
+              <a:rPr lang="ja-JP" altLang="en-US" sz="1050" dirty="0" smtClean="0">
+                <a:latin typeface="メイリオ" panose="020B0604030504040204" pitchFamily="50" charset="-128"/>
+                <a:ea typeface="メイリオ" panose="020B0604030504040204" pitchFamily="50" charset="-128"/>
+                <a:cs typeface="メイリオ" panose="020B0604030504040204" pitchFamily="50" charset="-128"/>
+              </a:rPr>
+              <a:t>書面による申し入れ（</a:t>
+            </a:r>
+            <a:r>
+              <a:rPr lang="sv-SE" sz="1050" dirty="0" smtClean="0">
+                <a:latin typeface="メイリオ" panose="020B0604030504040204" pitchFamily="50" charset="-128"/>
+                <a:ea typeface="メイリオ" panose="020B0604030504040204" pitchFamily="50" charset="-128"/>
+                <a:cs typeface="メイリオ" panose="020B0604030504040204" pitchFamily="50" charset="-128"/>
+              </a:rPr>
+              <a:t>Written offer</a:t>
+            </a:r>
+            <a:r>
+              <a:rPr lang="ja-JP" altLang="en-US" sz="1050" dirty="0" smtClean="0">
+                <a:latin typeface="メイリオ" panose="020B0604030504040204" pitchFamily="50" charset="-128"/>
+                <a:ea typeface="メイリオ" panose="020B0604030504040204" pitchFamily="50" charset="-128"/>
+                <a:cs typeface="メイリオ" panose="020B0604030504040204" pitchFamily="50" charset="-128"/>
+              </a:rPr>
+              <a:t>）</a:t>
+            </a:r>
+            <a:r>
+              <a:rPr lang="sv-SE" sz="1050" dirty="0" smtClean="0">
+                <a:latin typeface="メイリオ" panose="020B0604030504040204" pitchFamily="50" charset="-128"/>
+                <a:ea typeface="メイリオ" panose="020B0604030504040204" pitchFamily="50" charset="-128"/>
+                <a:cs typeface="メイリオ" panose="020B0604030504040204" pitchFamily="50" charset="-128"/>
+              </a:rPr>
+              <a:t> </a:t>
+            </a:r>
+          </a:p>
+          <a:p>
+            <a:pPr marL="144000" indent="-144000">
+              <a:lnSpc>
+                <a:spcPct val="100000"/>
+              </a:lnSpc>
+              <a:spcBef>
+                <a:spcPts val="0"/>
+              </a:spcBef>
+              <a:buClr>
+                <a:srgbClr val="FF0000"/>
+              </a:buClr>
+              <a:defRPr/>
+            </a:pPr>
+            <a:r>
+              <a:rPr lang="ja-JP" altLang="en-US" sz="1050" dirty="0" smtClean="0">
+                <a:latin typeface="メイリオ" panose="020B0604030504040204" pitchFamily="50" charset="-128"/>
+                <a:ea typeface="メイリオ" panose="020B0604030504040204" pitchFamily="50" charset="-128"/>
+                <a:cs typeface="メイリオ" panose="020B0604030504040204" pitchFamily="50" charset="-128"/>
+              </a:rPr>
+              <a:t>告知</a:t>
+            </a:r>
+            <a:r>
+              <a:rPr lang="en-US" altLang="ja-JP" sz="1050" dirty="0" smtClean="0">
+                <a:latin typeface="メイリオ" panose="020B0604030504040204" pitchFamily="50" charset="-128"/>
+                <a:ea typeface="メイリオ" panose="020B0604030504040204" pitchFamily="50" charset="-128"/>
+                <a:cs typeface="メイリオ" panose="020B0604030504040204" pitchFamily="50" charset="-128"/>
+              </a:rPr>
+              <a:t>/</a:t>
+            </a:r>
+            <a:r>
+              <a:rPr lang="ja-JP" altLang="en-US" sz="1050" dirty="0" smtClean="0">
+                <a:latin typeface="メイリオ" panose="020B0604030504040204" pitchFamily="50" charset="-128"/>
+                <a:ea typeface="メイリオ" panose="020B0604030504040204" pitchFamily="50" charset="-128"/>
+                <a:cs typeface="メイリオ" panose="020B0604030504040204" pitchFamily="50" charset="-128"/>
+              </a:rPr>
+              <a:t>通知</a:t>
+            </a:r>
+            <a:r>
+              <a:rPr lang="en-US" altLang="ja-JP" sz="1050" dirty="0" smtClean="0">
+                <a:latin typeface="メイリオ" panose="020B0604030504040204" pitchFamily="50" charset="-128"/>
+                <a:ea typeface="メイリオ" panose="020B0604030504040204" pitchFamily="50" charset="-128"/>
+                <a:cs typeface="メイリオ" panose="020B0604030504040204" pitchFamily="50" charset="-128"/>
+              </a:rPr>
+              <a:t>/</a:t>
+            </a:r>
+            <a:r>
+              <a:rPr lang="ja-JP" altLang="en-US" sz="1050" dirty="0" smtClean="0">
+                <a:latin typeface="メイリオ" panose="020B0604030504040204" pitchFamily="50" charset="-128"/>
+                <a:ea typeface="メイリオ" panose="020B0604030504040204" pitchFamily="50" charset="-128"/>
+                <a:cs typeface="メイリオ" panose="020B0604030504040204" pitchFamily="50" charset="-128"/>
+              </a:rPr>
+              <a:t>表示</a:t>
+            </a:r>
+            <a:endParaRPr lang="en-US" altLang="ja-JP" sz="1050" dirty="0" smtClean="0">
+              <a:latin typeface="メイリオ" panose="020B0604030504040204" pitchFamily="50" charset="-128"/>
+              <a:ea typeface="メイリオ" panose="020B0604030504040204" pitchFamily="50" charset="-128"/>
+              <a:cs typeface="メイリオ" panose="020B0604030504040204" pitchFamily="50" charset="-128"/>
+            </a:endParaRPr>
+          </a:p>
+          <a:p>
+            <a:pPr marL="144000" indent="-144000">
+              <a:lnSpc>
+                <a:spcPct val="100000"/>
+              </a:lnSpc>
+              <a:spcBef>
+                <a:spcPts val="0"/>
+              </a:spcBef>
+              <a:buClr>
+                <a:srgbClr val="FF0000"/>
+              </a:buClr>
+              <a:defRPr/>
+            </a:pPr>
+            <a:r>
+              <a:rPr lang="ja-JP" altLang="en-US" sz="1050" dirty="0" smtClean="0">
+                <a:latin typeface="メイリオ" panose="020B0604030504040204" pitchFamily="50" charset="-128"/>
+                <a:ea typeface="メイリオ" panose="020B0604030504040204" pitchFamily="50" charset="-128"/>
+                <a:cs typeface="メイリオ" panose="020B0604030504040204" pitchFamily="50" charset="-128"/>
+              </a:rPr>
+              <a:t>ソースコード</a:t>
+            </a:r>
+            <a:endParaRPr lang="sv-SE" sz="1050" dirty="0">
+              <a:latin typeface="メイリオ" panose="020B0604030504040204" pitchFamily="50" charset="-128"/>
+              <a:ea typeface="メイリオ" panose="020B0604030504040204" pitchFamily="50" charset="-128"/>
+              <a:cs typeface="メイリオ" panose="020B0604030504040204" pitchFamily="50" charset="-128"/>
+            </a:endParaRPr>
+          </a:p>
+        </p:txBody>
+      </p:sp>
+      <p:sp>
+        <p:nvSpPr>
+          <p:cNvPr id="67" name="Rounded Rectangle 66"/>
+          <p:cNvSpPr/>
+          <p:nvPr/>
+        </p:nvSpPr>
+        <p:spPr>
+          <a:xfrm>
+            <a:off x="8448241" y="2806144"/>
+            <a:ext cx="760258" cy="385038"/>
+          </a:xfrm>
+          <a:prstGeom prst="roundRect">
+            <a:avLst/>
+          </a:prstGeom>
+          <a:noFill/>
+          <a:ln w="38100">
+            <a:solidFill>
+              <a:srgbClr val="2CA4F2"/>
+            </a:solidFill>
+          </a:ln>
+        </p:spPr>
+        <p:style>
+          <a:lnRef idx="2">
+            <a:schemeClr val="accent1">
+              <a:shade val="50000"/>
+            </a:schemeClr>
+          </a:lnRef>
+          <a:fillRef idx="1">
+            <a:schemeClr val="accent1"/>
+          </a:fillRef>
+          <a:effectRef idx="0">
+            <a:schemeClr val="accent1"/>
+          </a:effectRef>
+          <a:fontRef idx="minor">
+            <a:schemeClr val="lt1"/>
+          </a:fontRef>
+        </p:style>
+        <p:txBody>
+          <a:bodyPr rtlCol="0" anchor="ctr"/>
+          <a:lstStyle/>
+          <a:p>
+            <a:pPr algn="ctr"/>
+            <a:r>
+              <a:rPr lang="ja-JP" altLang="en-US" sz="1600" b="1" i="1" dirty="0">
+                <a:solidFill>
+                  <a:schemeClr val="tx1"/>
+                </a:solidFill>
+                <a:latin typeface="メイリオ" panose="020B0604030504040204" pitchFamily="50" charset="-128"/>
+                <a:ea typeface="メイリオ" panose="020B0604030504040204" pitchFamily="50" charset="-128"/>
+                <a:cs typeface="メイリオ" panose="020B0604030504040204" pitchFamily="50" charset="-128"/>
+              </a:rPr>
+              <a:t>終了</a:t>
+            </a:r>
+            <a:endParaRPr lang="en-US" sz="1600" b="1" i="1" dirty="0">
+              <a:solidFill>
+                <a:schemeClr val="tx1"/>
+              </a:solidFill>
+              <a:latin typeface="メイリオ" panose="020B0604030504040204" pitchFamily="50" charset="-128"/>
+              <a:ea typeface="メイリオ" panose="020B0604030504040204" pitchFamily="50" charset="-128"/>
+              <a:cs typeface="メイリオ" panose="020B0604030504040204" pitchFamily="50" charset="-128"/>
+            </a:endParaRPr>
+          </a:p>
+        </p:txBody>
+      </p:sp>
+      <p:pic>
+        <p:nvPicPr>
+          <p:cNvPr id="71" name="Picture 2" descr="http://carrot-top.com/media/catalog/product/cache/1/image/9df78eab33525d08d6e5fb8d27136e95/a/s/as150_checkered.jpg"/>
+          <p:cNvPicPr>
+            <a:picLocks noChangeAspect="1" noChangeArrowheads="1"/>
+          </p:cNvPicPr>
+          <p:nvPr/>
+        </p:nvPicPr>
+        <p:blipFill>
+          <a:blip r:embed="rId11" cstate="print">
+            <a:extLst>
+              <a:ext uri="{28A0092B-C50C-407E-A947-70E740481C1C}">
+                <a14:useLocalDpi xmlns:a14="http://schemas.microsoft.com/office/drawing/2010/main" val="0"/>
+              </a:ext>
+            </a:extLst>
+          </a:blip>
+          <a:srcRect/>
+          <a:stretch>
+            <a:fillRect/>
+          </a:stretch>
+        </p:blipFill>
+        <p:spPr bwMode="auto">
+          <a:xfrm>
+            <a:off x="8681294" y="2173462"/>
+            <a:ext cx="527204" cy="527204"/>
+          </a:xfrm>
+          <a:prstGeom prst="rect">
+            <a:avLst/>
+          </a:prstGeom>
+          <a:noFill/>
+          <a:extLst>
+            <a:ext uri="{909E8E84-426E-40DD-AFC4-6F175D3DCCD1}">
+              <a14:hiddenFill xmlns:a14="http://schemas.microsoft.com/office/drawing/2010/main">
+                <a:solidFill>
+                  <a:srgbClr val="FFFFFF"/>
+                </a:solidFill>
+              </a14:hiddenFill>
+            </a:ext>
+          </a:extLst>
+        </p:spPr>
+      </p:pic>
+      <p:sp>
+        <p:nvSpPr>
+          <p:cNvPr id="74" name="Content Placeholder 2"/>
+          <p:cNvSpPr txBox="1">
+            <a:spLocks/>
+          </p:cNvSpPr>
+          <p:nvPr/>
+        </p:nvSpPr>
+        <p:spPr bwMode="auto">
+          <a:xfrm rot="20161803">
+            <a:off x="3336267" y="2053628"/>
+            <a:ext cx="967767" cy="294481"/>
+          </a:xfrm>
+          <a:prstGeom prst="rect">
+            <a:avLst/>
+          </a:prstGeom>
+        </p:spPr>
+        <p:txBody>
+          <a:bodyPr lIns="68580" tIns="34290" rIns="68580" bIns="34290">
+            <a:noAutofit/>
+          </a:bodyPr>
+          <a:lstStyle>
+            <a:lvl1pPr marL="228600" indent="-228600" algn="l" defTabSz="914400" rtl="0" eaLnBrk="1" latinLnBrk="0" hangingPunct="1">
+              <a:lnSpc>
+                <a:spcPct val="90000"/>
+              </a:lnSpc>
+              <a:spcBef>
+                <a:spcPts val="1000"/>
+              </a:spcBef>
+              <a:buClr>
+                <a:srgbClr val="27A0F2"/>
+              </a:buClr>
+              <a:buFont typeface="Arial" panose="020B0604020202020204" pitchFamily="34" charset="0"/>
+              <a:buChar char="•"/>
+              <a:defRPr sz="2800" kern="1200">
+                <a:solidFill>
+                  <a:srgbClr val="3A3A3A"/>
+                </a:solidFill>
+                <a:latin typeface="Segoe UI" panose="020B0502040204020203" pitchFamily="34" charset="0"/>
+                <a:ea typeface="+mn-ea"/>
+                <a:cs typeface="Segoe UI" panose="020B0502040204020203" pitchFamily="34" charset="0"/>
+              </a:defRPr>
+            </a:lvl1pPr>
+            <a:lvl2pPr marL="685800" indent="-228600" algn="l" defTabSz="914400" rtl="0" eaLnBrk="1" latinLnBrk="0" hangingPunct="1">
+              <a:lnSpc>
+                <a:spcPct val="90000"/>
+              </a:lnSpc>
+              <a:spcBef>
+                <a:spcPts val="500"/>
+              </a:spcBef>
+              <a:buClr>
+                <a:srgbClr val="27A0F2"/>
+              </a:buClr>
+              <a:buFont typeface="Arial" panose="020B0604020202020204" pitchFamily="34" charset="0"/>
+              <a:buChar char="•"/>
+              <a:defRPr sz="2400" kern="1200">
+                <a:solidFill>
+                  <a:srgbClr val="3A3A3A"/>
+                </a:solidFill>
+                <a:latin typeface="Segoe UI" panose="020B0502040204020203" pitchFamily="34" charset="0"/>
+                <a:ea typeface="+mn-ea"/>
+                <a:cs typeface="Segoe UI" panose="020B0502040204020203" pitchFamily="34" charset="0"/>
+              </a:defRPr>
+            </a:lvl2pPr>
+            <a:lvl3pPr marL="1143000" indent="-228600" algn="l" defTabSz="914400" rtl="0" eaLnBrk="1" latinLnBrk="0" hangingPunct="1">
+              <a:lnSpc>
+                <a:spcPct val="90000"/>
+              </a:lnSpc>
+              <a:spcBef>
+                <a:spcPts val="500"/>
+              </a:spcBef>
+              <a:buClr>
+                <a:srgbClr val="27A0F2"/>
+              </a:buClr>
+              <a:buFont typeface="Arial" panose="020B0604020202020204" pitchFamily="34" charset="0"/>
+              <a:buChar char="•"/>
+              <a:defRPr sz="2000" kern="1200">
+                <a:solidFill>
+                  <a:srgbClr val="3A3A3A"/>
+                </a:solidFill>
+                <a:latin typeface="Segoe UI" panose="020B0502040204020203" pitchFamily="34" charset="0"/>
+                <a:ea typeface="+mn-ea"/>
+                <a:cs typeface="Segoe UI" panose="020B0502040204020203" pitchFamily="34" charset="0"/>
+              </a:defRPr>
+            </a:lvl3pPr>
+            <a:lvl4pPr marL="1600200" indent="-228600" algn="l" defTabSz="914400" rtl="0" eaLnBrk="1" latinLnBrk="0" hangingPunct="1">
+              <a:lnSpc>
+                <a:spcPct val="90000"/>
+              </a:lnSpc>
+              <a:spcBef>
+                <a:spcPts val="500"/>
+              </a:spcBef>
+              <a:buClr>
+                <a:srgbClr val="27A0F2"/>
+              </a:buClr>
+              <a:buFont typeface="Arial" panose="020B0604020202020204" pitchFamily="34" charset="0"/>
+              <a:buChar char="•"/>
+              <a:defRPr sz="1800" kern="1200">
+                <a:solidFill>
+                  <a:srgbClr val="3A3A3A"/>
+                </a:solidFill>
+                <a:latin typeface="Segoe UI" panose="020B0502040204020203" pitchFamily="34" charset="0"/>
+                <a:ea typeface="+mn-ea"/>
+                <a:cs typeface="Segoe UI" panose="020B0502040204020203" pitchFamily="34" charset="0"/>
+              </a:defRPr>
+            </a:lvl4pPr>
+            <a:lvl5pPr marL="2057400" indent="-228600" algn="l" defTabSz="914400" rtl="0" eaLnBrk="1" latinLnBrk="0" hangingPunct="1">
+              <a:lnSpc>
+                <a:spcPct val="90000"/>
+              </a:lnSpc>
+              <a:spcBef>
+                <a:spcPts val="500"/>
+              </a:spcBef>
+              <a:buClr>
+                <a:srgbClr val="27A0F2"/>
+              </a:buClr>
+              <a:buFont typeface="Arial" panose="020B0604020202020204" pitchFamily="34" charset="0"/>
+              <a:buChar char="•"/>
+              <a:defRPr sz="1800" kern="1200">
+                <a:solidFill>
+                  <a:srgbClr val="3A3A3A"/>
+                </a:solidFill>
+                <a:latin typeface="Segoe UI" panose="020B0502040204020203" pitchFamily="34" charset="0"/>
+                <a:ea typeface="+mn-ea"/>
+                <a:cs typeface="Segoe UI" panose="020B0502040204020203" pitchFamily="34" charset="0"/>
+              </a:defRPr>
+            </a:lvl5pPr>
+            <a:lvl6pPr marL="2514600" indent="-228600" algn="l" defTabSz="914400" rtl="0" eaLnBrk="1" latinLnBrk="0" hangingPunct="1">
+              <a:lnSpc>
+                <a:spcPct val="90000"/>
+              </a:lnSpc>
+              <a:spcBef>
+                <a:spcPts val="500"/>
+              </a:spcBef>
+              <a:buFont typeface="Arial" panose="020B0604020202020204" pitchFamily="34" charset="0"/>
+              <a:buChar char="•"/>
+              <a:defRPr sz="1800" kern="1200">
+                <a:solidFill>
+                  <a:schemeClr val="tx1"/>
+                </a:solidFill>
+                <a:latin typeface="+mn-lt"/>
+                <a:ea typeface="+mn-ea"/>
+                <a:cs typeface="+mn-cs"/>
+              </a:defRPr>
+            </a:lvl6pPr>
+            <a:lvl7pPr marL="2971800" indent="-228600" algn="l" defTabSz="914400" rtl="0" eaLnBrk="1" latinLnBrk="0" hangingPunct="1">
+              <a:lnSpc>
+                <a:spcPct val="90000"/>
+              </a:lnSpc>
+              <a:spcBef>
+                <a:spcPts val="500"/>
+              </a:spcBef>
+              <a:buFont typeface="Arial" panose="020B0604020202020204" pitchFamily="34" charset="0"/>
+              <a:buChar char="•"/>
+              <a:defRPr sz="1800" kern="1200">
+                <a:solidFill>
+                  <a:schemeClr val="tx1"/>
+                </a:solidFill>
+                <a:latin typeface="+mn-lt"/>
+                <a:ea typeface="+mn-ea"/>
+                <a:cs typeface="+mn-cs"/>
+              </a:defRPr>
+            </a:lvl7pPr>
+            <a:lvl8pPr marL="3429000" indent="-228600" algn="l" defTabSz="914400" rtl="0" eaLnBrk="1" latinLnBrk="0" hangingPunct="1">
+              <a:lnSpc>
+                <a:spcPct val="90000"/>
+              </a:lnSpc>
+              <a:spcBef>
+                <a:spcPts val="500"/>
+              </a:spcBef>
+              <a:buFont typeface="Arial" panose="020B0604020202020204" pitchFamily="34" charset="0"/>
+              <a:buChar char="•"/>
+              <a:defRPr sz="1800" kern="1200">
+                <a:solidFill>
+                  <a:schemeClr val="tx1"/>
+                </a:solidFill>
+                <a:latin typeface="+mn-lt"/>
+                <a:ea typeface="+mn-ea"/>
+                <a:cs typeface="+mn-cs"/>
+              </a:defRPr>
+            </a:lvl8pPr>
+            <a:lvl9pPr marL="3886200" indent="-228600" algn="l" defTabSz="914400" rtl="0" eaLnBrk="1" latinLnBrk="0" hangingPunct="1">
+              <a:lnSpc>
+                <a:spcPct val="90000"/>
+              </a:lnSpc>
+              <a:spcBef>
+                <a:spcPts val="500"/>
+              </a:spcBef>
+              <a:buFont typeface="Arial" panose="020B0604020202020204" pitchFamily="34" charset="0"/>
+              <a:buChar char="•"/>
+              <a:defRPr sz="1800" kern="1200">
+                <a:solidFill>
+                  <a:schemeClr val="tx1"/>
+                </a:solidFill>
+                <a:latin typeface="+mn-lt"/>
+                <a:ea typeface="+mn-ea"/>
+                <a:cs typeface="+mn-cs"/>
+              </a:defRPr>
+            </a:lvl9pPr>
+          </a:lstStyle>
+          <a:p>
+            <a:pPr marL="0" indent="0" algn="ctr">
+              <a:lnSpc>
+                <a:spcPct val="100000"/>
+              </a:lnSpc>
+              <a:buNone/>
+              <a:defRPr/>
+            </a:pPr>
+            <a:r>
+              <a:rPr lang="ja-JP" altLang="en-US" sz="1200" b="1" dirty="0">
+                <a:solidFill>
+                  <a:schemeClr val="tx1"/>
+                </a:solidFill>
+                <a:latin typeface="ゴシック" panose="020B0609070205080204" pitchFamily="49" charset="-128"/>
+                <a:ea typeface="ゴシック" panose="020B0609070205080204" pitchFamily="49" charset="-128"/>
+              </a:rPr>
+              <a:t>確認</a:t>
+            </a:r>
+            <a:endParaRPr lang="sv-SE" sz="1200" b="1" dirty="0">
+              <a:solidFill>
+                <a:schemeClr val="tx1"/>
+              </a:solidFill>
+              <a:latin typeface="ゴシック" panose="020B0609070205080204" pitchFamily="49" charset="-128"/>
+              <a:ea typeface="ゴシック" panose="020B0609070205080204" pitchFamily="49" charset="-128"/>
+            </a:endParaRPr>
+          </a:p>
+        </p:txBody>
+      </p:sp>
+      <p:sp>
+        <p:nvSpPr>
+          <p:cNvPr id="78" name="Content Placeholder 2"/>
+          <p:cNvSpPr txBox="1">
+            <a:spLocks/>
+          </p:cNvSpPr>
+          <p:nvPr/>
+        </p:nvSpPr>
+        <p:spPr bwMode="auto">
+          <a:xfrm rot="20161803">
+            <a:off x="4128271" y="3712579"/>
+            <a:ext cx="967767" cy="294481"/>
+          </a:xfrm>
+          <a:prstGeom prst="rect">
+            <a:avLst/>
+          </a:prstGeom>
+        </p:spPr>
+        <p:txBody>
+          <a:bodyPr lIns="68580" tIns="34290" rIns="68580" bIns="34290">
+            <a:noAutofit/>
+          </a:bodyPr>
+          <a:lstStyle>
+            <a:lvl1pPr marL="228600" indent="-228600" algn="l" defTabSz="914400" rtl="0" eaLnBrk="1" latinLnBrk="0" hangingPunct="1">
+              <a:lnSpc>
+                <a:spcPct val="90000"/>
+              </a:lnSpc>
+              <a:spcBef>
+                <a:spcPts val="1000"/>
+              </a:spcBef>
+              <a:buClr>
+                <a:srgbClr val="27A0F2"/>
+              </a:buClr>
+              <a:buFont typeface="Arial" panose="020B0604020202020204" pitchFamily="34" charset="0"/>
+              <a:buChar char="•"/>
+              <a:defRPr sz="2800" kern="1200">
+                <a:solidFill>
+                  <a:srgbClr val="3A3A3A"/>
+                </a:solidFill>
+                <a:latin typeface="Segoe UI" panose="020B0502040204020203" pitchFamily="34" charset="0"/>
+                <a:ea typeface="+mn-ea"/>
+                <a:cs typeface="Segoe UI" panose="020B0502040204020203" pitchFamily="34" charset="0"/>
+              </a:defRPr>
+            </a:lvl1pPr>
+            <a:lvl2pPr marL="685800" indent="-228600" algn="l" defTabSz="914400" rtl="0" eaLnBrk="1" latinLnBrk="0" hangingPunct="1">
+              <a:lnSpc>
+                <a:spcPct val="90000"/>
+              </a:lnSpc>
+              <a:spcBef>
+                <a:spcPts val="500"/>
+              </a:spcBef>
+              <a:buClr>
+                <a:srgbClr val="27A0F2"/>
+              </a:buClr>
+              <a:buFont typeface="Arial" panose="020B0604020202020204" pitchFamily="34" charset="0"/>
+              <a:buChar char="•"/>
+              <a:defRPr sz="2400" kern="1200">
+                <a:solidFill>
+                  <a:srgbClr val="3A3A3A"/>
+                </a:solidFill>
+                <a:latin typeface="Segoe UI" panose="020B0502040204020203" pitchFamily="34" charset="0"/>
+                <a:ea typeface="+mn-ea"/>
+                <a:cs typeface="Segoe UI" panose="020B0502040204020203" pitchFamily="34" charset="0"/>
+              </a:defRPr>
+            </a:lvl2pPr>
+            <a:lvl3pPr marL="1143000" indent="-228600" algn="l" defTabSz="914400" rtl="0" eaLnBrk="1" latinLnBrk="0" hangingPunct="1">
+              <a:lnSpc>
+                <a:spcPct val="90000"/>
+              </a:lnSpc>
+              <a:spcBef>
+                <a:spcPts val="500"/>
+              </a:spcBef>
+              <a:buClr>
+                <a:srgbClr val="27A0F2"/>
+              </a:buClr>
+              <a:buFont typeface="Arial" panose="020B0604020202020204" pitchFamily="34" charset="0"/>
+              <a:buChar char="•"/>
+              <a:defRPr sz="2000" kern="1200">
+                <a:solidFill>
+                  <a:srgbClr val="3A3A3A"/>
+                </a:solidFill>
+                <a:latin typeface="Segoe UI" panose="020B0502040204020203" pitchFamily="34" charset="0"/>
+                <a:ea typeface="+mn-ea"/>
+                <a:cs typeface="Segoe UI" panose="020B0502040204020203" pitchFamily="34" charset="0"/>
+              </a:defRPr>
+            </a:lvl3pPr>
+            <a:lvl4pPr marL="1600200" indent="-228600" algn="l" defTabSz="914400" rtl="0" eaLnBrk="1" latinLnBrk="0" hangingPunct="1">
+              <a:lnSpc>
+                <a:spcPct val="90000"/>
+              </a:lnSpc>
+              <a:spcBef>
+                <a:spcPts val="500"/>
+              </a:spcBef>
+              <a:buClr>
+                <a:srgbClr val="27A0F2"/>
+              </a:buClr>
+              <a:buFont typeface="Arial" panose="020B0604020202020204" pitchFamily="34" charset="0"/>
+              <a:buChar char="•"/>
+              <a:defRPr sz="1800" kern="1200">
+                <a:solidFill>
+                  <a:srgbClr val="3A3A3A"/>
+                </a:solidFill>
+                <a:latin typeface="Segoe UI" panose="020B0502040204020203" pitchFamily="34" charset="0"/>
+                <a:ea typeface="+mn-ea"/>
+                <a:cs typeface="Segoe UI" panose="020B0502040204020203" pitchFamily="34" charset="0"/>
+              </a:defRPr>
+            </a:lvl4pPr>
+            <a:lvl5pPr marL="2057400" indent="-228600" algn="l" defTabSz="914400" rtl="0" eaLnBrk="1" latinLnBrk="0" hangingPunct="1">
+              <a:lnSpc>
+                <a:spcPct val="90000"/>
+              </a:lnSpc>
+              <a:spcBef>
+                <a:spcPts val="500"/>
+              </a:spcBef>
+              <a:buClr>
+                <a:srgbClr val="27A0F2"/>
+              </a:buClr>
+              <a:buFont typeface="Arial" panose="020B0604020202020204" pitchFamily="34" charset="0"/>
+              <a:buChar char="•"/>
+              <a:defRPr sz="1800" kern="1200">
+                <a:solidFill>
+                  <a:srgbClr val="3A3A3A"/>
+                </a:solidFill>
+                <a:latin typeface="Segoe UI" panose="020B0502040204020203" pitchFamily="34" charset="0"/>
+                <a:ea typeface="+mn-ea"/>
+                <a:cs typeface="Segoe UI" panose="020B0502040204020203" pitchFamily="34" charset="0"/>
+              </a:defRPr>
+            </a:lvl5pPr>
+            <a:lvl6pPr marL="2514600" indent="-228600" algn="l" defTabSz="914400" rtl="0" eaLnBrk="1" latinLnBrk="0" hangingPunct="1">
+              <a:lnSpc>
+                <a:spcPct val="90000"/>
+              </a:lnSpc>
+              <a:spcBef>
+                <a:spcPts val="500"/>
+              </a:spcBef>
+              <a:buFont typeface="Arial" panose="020B0604020202020204" pitchFamily="34" charset="0"/>
+              <a:buChar char="•"/>
+              <a:defRPr sz="1800" kern="1200">
+                <a:solidFill>
+                  <a:schemeClr val="tx1"/>
+                </a:solidFill>
+                <a:latin typeface="+mn-lt"/>
+                <a:ea typeface="+mn-ea"/>
+                <a:cs typeface="+mn-cs"/>
+              </a:defRPr>
+            </a:lvl6pPr>
+            <a:lvl7pPr marL="2971800" indent="-228600" algn="l" defTabSz="914400" rtl="0" eaLnBrk="1" latinLnBrk="0" hangingPunct="1">
+              <a:lnSpc>
+                <a:spcPct val="90000"/>
+              </a:lnSpc>
+              <a:spcBef>
+                <a:spcPts val="500"/>
+              </a:spcBef>
+              <a:buFont typeface="Arial" panose="020B0604020202020204" pitchFamily="34" charset="0"/>
+              <a:buChar char="•"/>
+              <a:defRPr sz="1800" kern="1200">
+                <a:solidFill>
+                  <a:schemeClr val="tx1"/>
+                </a:solidFill>
+                <a:latin typeface="+mn-lt"/>
+                <a:ea typeface="+mn-ea"/>
+                <a:cs typeface="+mn-cs"/>
+              </a:defRPr>
+            </a:lvl7pPr>
+            <a:lvl8pPr marL="3429000" indent="-228600" algn="l" defTabSz="914400" rtl="0" eaLnBrk="1" latinLnBrk="0" hangingPunct="1">
+              <a:lnSpc>
+                <a:spcPct val="90000"/>
+              </a:lnSpc>
+              <a:spcBef>
+                <a:spcPts val="500"/>
+              </a:spcBef>
+              <a:buFont typeface="Arial" panose="020B0604020202020204" pitchFamily="34" charset="0"/>
+              <a:buChar char="•"/>
+              <a:defRPr sz="1800" kern="1200">
+                <a:solidFill>
+                  <a:schemeClr val="tx1"/>
+                </a:solidFill>
+                <a:latin typeface="+mn-lt"/>
+                <a:ea typeface="+mn-ea"/>
+                <a:cs typeface="+mn-cs"/>
+              </a:defRPr>
+            </a:lvl8pPr>
+            <a:lvl9pPr marL="3886200" indent="-228600" algn="l" defTabSz="914400" rtl="0" eaLnBrk="1" latinLnBrk="0" hangingPunct="1">
+              <a:lnSpc>
+                <a:spcPct val="90000"/>
+              </a:lnSpc>
+              <a:spcBef>
+                <a:spcPts val="500"/>
+              </a:spcBef>
+              <a:buFont typeface="Arial" panose="020B0604020202020204" pitchFamily="34" charset="0"/>
+              <a:buChar char="•"/>
+              <a:defRPr sz="1800" kern="1200">
+                <a:solidFill>
+                  <a:schemeClr val="tx1"/>
+                </a:solidFill>
+                <a:latin typeface="+mn-lt"/>
+                <a:ea typeface="+mn-ea"/>
+                <a:cs typeface="+mn-cs"/>
+              </a:defRPr>
+            </a:lvl9pPr>
+          </a:lstStyle>
+          <a:p>
+            <a:pPr marL="0" indent="0" algn="ctr">
+              <a:lnSpc>
+                <a:spcPct val="100000"/>
+              </a:lnSpc>
+              <a:buNone/>
+              <a:defRPr/>
+            </a:pPr>
+            <a:r>
+              <a:rPr lang="ja-JP" altLang="en-US" sz="1200" b="1" dirty="0">
+                <a:solidFill>
+                  <a:schemeClr val="tx1"/>
+                </a:solidFill>
+                <a:latin typeface="ゴシック" panose="020B0609070205080204" pitchFamily="49" charset="-128"/>
+                <a:ea typeface="ゴシック" panose="020B0609070205080204" pitchFamily="49" charset="-128"/>
+              </a:rPr>
+              <a:t>監査</a:t>
+            </a:r>
+            <a:endParaRPr lang="sv-SE" sz="1200" b="1" dirty="0">
+              <a:solidFill>
+                <a:schemeClr val="tx1"/>
+              </a:solidFill>
+              <a:latin typeface="ゴシック" panose="020B0609070205080204" pitchFamily="49" charset="-128"/>
+              <a:ea typeface="ゴシック" panose="020B0609070205080204" pitchFamily="49" charset="-128"/>
+            </a:endParaRPr>
+          </a:p>
+        </p:txBody>
+      </p:sp>
+      <p:sp>
+        <p:nvSpPr>
+          <p:cNvPr id="82" name="Content Placeholder 2"/>
+          <p:cNvSpPr txBox="1">
+            <a:spLocks/>
+          </p:cNvSpPr>
+          <p:nvPr/>
+        </p:nvSpPr>
+        <p:spPr bwMode="auto">
+          <a:xfrm rot="20161803">
+            <a:off x="4319578" y="1996707"/>
+            <a:ext cx="967767" cy="294481"/>
+          </a:xfrm>
+          <a:prstGeom prst="rect">
+            <a:avLst/>
+          </a:prstGeom>
+        </p:spPr>
+        <p:txBody>
+          <a:bodyPr lIns="68580" tIns="34290" rIns="68580" bIns="34290">
+            <a:noAutofit/>
+          </a:bodyPr>
+          <a:lstStyle>
+            <a:lvl1pPr marL="228600" indent="-228600" algn="l" defTabSz="914400" rtl="0" eaLnBrk="1" latinLnBrk="0" hangingPunct="1">
+              <a:lnSpc>
+                <a:spcPct val="90000"/>
+              </a:lnSpc>
+              <a:spcBef>
+                <a:spcPts val="1000"/>
+              </a:spcBef>
+              <a:buClr>
+                <a:srgbClr val="27A0F2"/>
+              </a:buClr>
+              <a:buFont typeface="Arial" panose="020B0604020202020204" pitchFamily="34" charset="0"/>
+              <a:buChar char="•"/>
+              <a:defRPr sz="2800" kern="1200">
+                <a:solidFill>
+                  <a:srgbClr val="3A3A3A"/>
+                </a:solidFill>
+                <a:latin typeface="Segoe UI" panose="020B0502040204020203" pitchFamily="34" charset="0"/>
+                <a:ea typeface="+mn-ea"/>
+                <a:cs typeface="Segoe UI" panose="020B0502040204020203" pitchFamily="34" charset="0"/>
+              </a:defRPr>
+            </a:lvl1pPr>
+            <a:lvl2pPr marL="685800" indent="-228600" algn="l" defTabSz="914400" rtl="0" eaLnBrk="1" latinLnBrk="0" hangingPunct="1">
+              <a:lnSpc>
+                <a:spcPct val="90000"/>
+              </a:lnSpc>
+              <a:spcBef>
+                <a:spcPts val="500"/>
+              </a:spcBef>
+              <a:buClr>
+                <a:srgbClr val="27A0F2"/>
+              </a:buClr>
+              <a:buFont typeface="Arial" panose="020B0604020202020204" pitchFamily="34" charset="0"/>
+              <a:buChar char="•"/>
+              <a:defRPr sz="2400" kern="1200">
+                <a:solidFill>
+                  <a:srgbClr val="3A3A3A"/>
+                </a:solidFill>
+                <a:latin typeface="Segoe UI" panose="020B0502040204020203" pitchFamily="34" charset="0"/>
+                <a:ea typeface="+mn-ea"/>
+                <a:cs typeface="Segoe UI" panose="020B0502040204020203" pitchFamily="34" charset="0"/>
+              </a:defRPr>
+            </a:lvl2pPr>
+            <a:lvl3pPr marL="1143000" indent="-228600" algn="l" defTabSz="914400" rtl="0" eaLnBrk="1" latinLnBrk="0" hangingPunct="1">
+              <a:lnSpc>
+                <a:spcPct val="90000"/>
+              </a:lnSpc>
+              <a:spcBef>
+                <a:spcPts val="500"/>
+              </a:spcBef>
+              <a:buClr>
+                <a:srgbClr val="27A0F2"/>
+              </a:buClr>
+              <a:buFont typeface="Arial" panose="020B0604020202020204" pitchFamily="34" charset="0"/>
+              <a:buChar char="•"/>
+              <a:defRPr sz="2000" kern="1200">
+                <a:solidFill>
+                  <a:srgbClr val="3A3A3A"/>
+                </a:solidFill>
+                <a:latin typeface="Segoe UI" panose="020B0502040204020203" pitchFamily="34" charset="0"/>
+                <a:ea typeface="+mn-ea"/>
+                <a:cs typeface="Segoe UI" panose="020B0502040204020203" pitchFamily="34" charset="0"/>
+              </a:defRPr>
+            </a:lvl3pPr>
+            <a:lvl4pPr marL="1600200" indent="-228600" algn="l" defTabSz="914400" rtl="0" eaLnBrk="1" latinLnBrk="0" hangingPunct="1">
+              <a:lnSpc>
+                <a:spcPct val="90000"/>
+              </a:lnSpc>
+              <a:spcBef>
+                <a:spcPts val="500"/>
+              </a:spcBef>
+              <a:buClr>
+                <a:srgbClr val="27A0F2"/>
+              </a:buClr>
+              <a:buFont typeface="Arial" panose="020B0604020202020204" pitchFamily="34" charset="0"/>
+              <a:buChar char="•"/>
+              <a:defRPr sz="1800" kern="1200">
+                <a:solidFill>
+                  <a:srgbClr val="3A3A3A"/>
+                </a:solidFill>
+                <a:latin typeface="Segoe UI" panose="020B0502040204020203" pitchFamily="34" charset="0"/>
+                <a:ea typeface="+mn-ea"/>
+                <a:cs typeface="Segoe UI" panose="020B0502040204020203" pitchFamily="34" charset="0"/>
+              </a:defRPr>
+            </a:lvl4pPr>
+            <a:lvl5pPr marL="2057400" indent="-228600" algn="l" defTabSz="914400" rtl="0" eaLnBrk="1" latinLnBrk="0" hangingPunct="1">
+              <a:lnSpc>
+                <a:spcPct val="90000"/>
+              </a:lnSpc>
+              <a:spcBef>
+                <a:spcPts val="500"/>
+              </a:spcBef>
+              <a:buClr>
+                <a:srgbClr val="27A0F2"/>
+              </a:buClr>
+              <a:buFont typeface="Arial" panose="020B0604020202020204" pitchFamily="34" charset="0"/>
+              <a:buChar char="•"/>
+              <a:defRPr sz="1800" kern="1200">
+                <a:solidFill>
+                  <a:srgbClr val="3A3A3A"/>
+                </a:solidFill>
+                <a:latin typeface="Segoe UI" panose="020B0502040204020203" pitchFamily="34" charset="0"/>
+                <a:ea typeface="+mn-ea"/>
+                <a:cs typeface="Segoe UI" panose="020B0502040204020203" pitchFamily="34" charset="0"/>
+              </a:defRPr>
+            </a:lvl5pPr>
+            <a:lvl6pPr marL="2514600" indent="-228600" algn="l" defTabSz="914400" rtl="0" eaLnBrk="1" latinLnBrk="0" hangingPunct="1">
+              <a:lnSpc>
+                <a:spcPct val="90000"/>
+              </a:lnSpc>
+              <a:spcBef>
+                <a:spcPts val="500"/>
+              </a:spcBef>
+              <a:buFont typeface="Arial" panose="020B0604020202020204" pitchFamily="34" charset="0"/>
+              <a:buChar char="•"/>
+              <a:defRPr sz="1800" kern="1200">
+                <a:solidFill>
+                  <a:schemeClr val="tx1"/>
+                </a:solidFill>
+                <a:latin typeface="+mn-lt"/>
+                <a:ea typeface="+mn-ea"/>
+                <a:cs typeface="+mn-cs"/>
+              </a:defRPr>
+            </a:lvl6pPr>
+            <a:lvl7pPr marL="2971800" indent="-228600" algn="l" defTabSz="914400" rtl="0" eaLnBrk="1" latinLnBrk="0" hangingPunct="1">
+              <a:lnSpc>
+                <a:spcPct val="90000"/>
+              </a:lnSpc>
+              <a:spcBef>
+                <a:spcPts val="500"/>
+              </a:spcBef>
+              <a:buFont typeface="Arial" panose="020B0604020202020204" pitchFamily="34" charset="0"/>
+              <a:buChar char="•"/>
+              <a:defRPr sz="1800" kern="1200">
+                <a:solidFill>
+                  <a:schemeClr val="tx1"/>
+                </a:solidFill>
+                <a:latin typeface="+mn-lt"/>
+                <a:ea typeface="+mn-ea"/>
+                <a:cs typeface="+mn-cs"/>
+              </a:defRPr>
+            </a:lvl7pPr>
+            <a:lvl8pPr marL="3429000" indent="-228600" algn="l" defTabSz="914400" rtl="0" eaLnBrk="1" latinLnBrk="0" hangingPunct="1">
+              <a:lnSpc>
+                <a:spcPct val="90000"/>
+              </a:lnSpc>
+              <a:spcBef>
+                <a:spcPts val="500"/>
+              </a:spcBef>
+              <a:buFont typeface="Arial" panose="020B0604020202020204" pitchFamily="34" charset="0"/>
+              <a:buChar char="•"/>
+              <a:defRPr sz="1800" kern="1200">
+                <a:solidFill>
+                  <a:schemeClr val="tx1"/>
+                </a:solidFill>
+                <a:latin typeface="+mn-lt"/>
+                <a:ea typeface="+mn-ea"/>
+                <a:cs typeface="+mn-cs"/>
+              </a:defRPr>
+            </a:lvl8pPr>
+            <a:lvl9pPr marL="3886200" indent="-228600" algn="l" defTabSz="914400" rtl="0" eaLnBrk="1" latinLnBrk="0" hangingPunct="1">
+              <a:lnSpc>
+                <a:spcPct val="90000"/>
+              </a:lnSpc>
+              <a:spcBef>
+                <a:spcPts val="500"/>
+              </a:spcBef>
+              <a:buFont typeface="Arial" panose="020B0604020202020204" pitchFamily="34" charset="0"/>
+              <a:buChar char="•"/>
+              <a:defRPr sz="1800" kern="1200">
+                <a:solidFill>
+                  <a:schemeClr val="tx1"/>
+                </a:solidFill>
+                <a:latin typeface="+mn-lt"/>
+                <a:ea typeface="+mn-ea"/>
+                <a:cs typeface="+mn-cs"/>
+              </a:defRPr>
+            </a:lvl9pPr>
+          </a:lstStyle>
+          <a:p>
+            <a:pPr marL="0" indent="0" algn="ctr">
+              <a:lnSpc>
+                <a:spcPct val="100000"/>
+              </a:lnSpc>
+              <a:buNone/>
+              <a:defRPr/>
+            </a:pPr>
+            <a:r>
+              <a:rPr lang="ja-JP" altLang="en-US" sz="1200" b="1" dirty="0">
+                <a:solidFill>
+                  <a:schemeClr val="tx1"/>
+                </a:solidFill>
+                <a:latin typeface="ゴシック" panose="020B0609070205080204" pitchFamily="49" charset="-128"/>
+                <a:ea typeface="ゴシック" panose="020B0609070205080204" pitchFamily="49" charset="-128"/>
+              </a:rPr>
+              <a:t>問題</a:t>
+            </a:r>
+            <a:r>
+              <a:rPr lang="ja-JP" altLang="en-US" sz="1200" b="1" dirty="0" smtClean="0">
+                <a:solidFill>
+                  <a:schemeClr val="tx1"/>
+                </a:solidFill>
+                <a:latin typeface="ゴシック" panose="020B0609070205080204" pitchFamily="49" charset="-128"/>
+                <a:ea typeface="ゴシック" panose="020B0609070205080204" pitchFamily="49" charset="-128"/>
+              </a:rPr>
+              <a:t>の解決</a:t>
+            </a:r>
+            <a:endParaRPr lang="sv-SE" sz="1200" b="1" dirty="0">
+              <a:solidFill>
+                <a:schemeClr val="tx1"/>
+              </a:solidFill>
+              <a:latin typeface="ゴシック" panose="020B0609070205080204" pitchFamily="49" charset="-128"/>
+              <a:ea typeface="ゴシック" panose="020B0609070205080204" pitchFamily="49" charset="-128"/>
+            </a:endParaRPr>
+          </a:p>
+        </p:txBody>
+      </p:sp>
+      <p:sp>
+        <p:nvSpPr>
+          <p:cNvPr id="85" name="Content Placeholder 2"/>
+          <p:cNvSpPr txBox="1">
+            <a:spLocks/>
+          </p:cNvSpPr>
+          <p:nvPr/>
+        </p:nvSpPr>
+        <p:spPr bwMode="auto">
+          <a:xfrm rot="20161803">
+            <a:off x="4936186" y="3730146"/>
+            <a:ext cx="967767" cy="294481"/>
+          </a:xfrm>
+          <a:prstGeom prst="rect">
+            <a:avLst/>
+          </a:prstGeom>
+        </p:spPr>
+        <p:txBody>
+          <a:bodyPr lIns="68580" tIns="34290" rIns="68580" bIns="34290">
+            <a:noAutofit/>
+          </a:bodyPr>
+          <a:lstStyle>
+            <a:lvl1pPr marL="228600" indent="-228600" algn="l" defTabSz="914400" rtl="0" eaLnBrk="1" latinLnBrk="0" hangingPunct="1">
+              <a:lnSpc>
+                <a:spcPct val="90000"/>
+              </a:lnSpc>
+              <a:spcBef>
+                <a:spcPts val="1000"/>
+              </a:spcBef>
+              <a:buClr>
+                <a:srgbClr val="27A0F2"/>
+              </a:buClr>
+              <a:buFont typeface="Arial" panose="020B0604020202020204" pitchFamily="34" charset="0"/>
+              <a:buChar char="•"/>
+              <a:defRPr sz="2800" kern="1200">
+                <a:solidFill>
+                  <a:srgbClr val="3A3A3A"/>
+                </a:solidFill>
+                <a:latin typeface="Segoe UI" panose="020B0502040204020203" pitchFamily="34" charset="0"/>
+                <a:ea typeface="+mn-ea"/>
+                <a:cs typeface="Segoe UI" panose="020B0502040204020203" pitchFamily="34" charset="0"/>
+              </a:defRPr>
+            </a:lvl1pPr>
+            <a:lvl2pPr marL="685800" indent="-228600" algn="l" defTabSz="914400" rtl="0" eaLnBrk="1" latinLnBrk="0" hangingPunct="1">
+              <a:lnSpc>
+                <a:spcPct val="90000"/>
+              </a:lnSpc>
+              <a:spcBef>
+                <a:spcPts val="500"/>
+              </a:spcBef>
+              <a:buClr>
+                <a:srgbClr val="27A0F2"/>
+              </a:buClr>
+              <a:buFont typeface="Arial" panose="020B0604020202020204" pitchFamily="34" charset="0"/>
+              <a:buChar char="•"/>
+              <a:defRPr sz="2400" kern="1200">
+                <a:solidFill>
+                  <a:srgbClr val="3A3A3A"/>
+                </a:solidFill>
+                <a:latin typeface="Segoe UI" panose="020B0502040204020203" pitchFamily="34" charset="0"/>
+                <a:ea typeface="+mn-ea"/>
+                <a:cs typeface="Segoe UI" panose="020B0502040204020203" pitchFamily="34" charset="0"/>
+              </a:defRPr>
+            </a:lvl2pPr>
+            <a:lvl3pPr marL="1143000" indent="-228600" algn="l" defTabSz="914400" rtl="0" eaLnBrk="1" latinLnBrk="0" hangingPunct="1">
+              <a:lnSpc>
+                <a:spcPct val="90000"/>
+              </a:lnSpc>
+              <a:spcBef>
+                <a:spcPts val="500"/>
+              </a:spcBef>
+              <a:buClr>
+                <a:srgbClr val="27A0F2"/>
+              </a:buClr>
+              <a:buFont typeface="Arial" panose="020B0604020202020204" pitchFamily="34" charset="0"/>
+              <a:buChar char="•"/>
+              <a:defRPr sz="2000" kern="1200">
+                <a:solidFill>
+                  <a:srgbClr val="3A3A3A"/>
+                </a:solidFill>
+                <a:latin typeface="Segoe UI" panose="020B0502040204020203" pitchFamily="34" charset="0"/>
+                <a:ea typeface="+mn-ea"/>
+                <a:cs typeface="Segoe UI" panose="020B0502040204020203" pitchFamily="34" charset="0"/>
+              </a:defRPr>
+            </a:lvl3pPr>
+            <a:lvl4pPr marL="1600200" indent="-228600" algn="l" defTabSz="914400" rtl="0" eaLnBrk="1" latinLnBrk="0" hangingPunct="1">
+              <a:lnSpc>
+                <a:spcPct val="90000"/>
+              </a:lnSpc>
+              <a:spcBef>
+                <a:spcPts val="500"/>
+              </a:spcBef>
+              <a:buClr>
+                <a:srgbClr val="27A0F2"/>
+              </a:buClr>
+              <a:buFont typeface="Arial" panose="020B0604020202020204" pitchFamily="34" charset="0"/>
+              <a:buChar char="•"/>
+              <a:defRPr sz="1800" kern="1200">
+                <a:solidFill>
+                  <a:srgbClr val="3A3A3A"/>
+                </a:solidFill>
+                <a:latin typeface="Segoe UI" panose="020B0502040204020203" pitchFamily="34" charset="0"/>
+                <a:ea typeface="+mn-ea"/>
+                <a:cs typeface="Segoe UI" panose="020B0502040204020203" pitchFamily="34" charset="0"/>
+              </a:defRPr>
+            </a:lvl4pPr>
+            <a:lvl5pPr marL="2057400" indent="-228600" algn="l" defTabSz="914400" rtl="0" eaLnBrk="1" latinLnBrk="0" hangingPunct="1">
+              <a:lnSpc>
+                <a:spcPct val="90000"/>
+              </a:lnSpc>
+              <a:spcBef>
+                <a:spcPts val="500"/>
+              </a:spcBef>
+              <a:buClr>
+                <a:srgbClr val="27A0F2"/>
+              </a:buClr>
+              <a:buFont typeface="Arial" panose="020B0604020202020204" pitchFamily="34" charset="0"/>
+              <a:buChar char="•"/>
+              <a:defRPr sz="1800" kern="1200">
+                <a:solidFill>
+                  <a:srgbClr val="3A3A3A"/>
+                </a:solidFill>
+                <a:latin typeface="Segoe UI" panose="020B0502040204020203" pitchFamily="34" charset="0"/>
+                <a:ea typeface="+mn-ea"/>
+                <a:cs typeface="Segoe UI" panose="020B0502040204020203" pitchFamily="34" charset="0"/>
+              </a:defRPr>
+            </a:lvl5pPr>
+            <a:lvl6pPr marL="2514600" indent="-228600" algn="l" defTabSz="914400" rtl="0" eaLnBrk="1" latinLnBrk="0" hangingPunct="1">
+              <a:lnSpc>
+                <a:spcPct val="90000"/>
+              </a:lnSpc>
+              <a:spcBef>
+                <a:spcPts val="500"/>
+              </a:spcBef>
+              <a:buFont typeface="Arial" panose="020B0604020202020204" pitchFamily="34" charset="0"/>
+              <a:buChar char="•"/>
+              <a:defRPr sz="1800" kern="1200">
+                <a:solidFill>
+                  <a:schemeClr val="tx1"/>
+                </a:solidFill>
+                <a:latin typeface="+mn-lt"/>
+                <a:ea typeface="+mn-ea"/>
+                <a:cs typeface="+mn-cs"/>
+              </a:defRPr>
+            </a:lvl6pPr>
+            <a:lvl7pPr marL="2971800" indent="-228600" algn="l" defTabSz="914400" rtl="0" eaLnBrk="1" latinLnBrk="0" hangingPunct="1">
+              <a:lnSpc>
+                <a:spcPct val="90000"/>
+              </a:lnSpc>
+              <a:spcBef>
+                <a:spcPts val="500"/>
+              </a:spcBef>
+              <a:buFont typeface="Arial" panose="020B0604020202020204" pitchFamily="34" charset="0"/>
+              <a:buChar char="•"/>
+              <a:defRPr sz="1800" kern="1200">
+                <a:solidFill>
+                  <a:schemeClr val="tx1"/>
+                </a:solidFill>
+                <a:latin typeface="+mn-lt"/>
+                <a:ea typeface="+mn-ea"/>
+                <a:cs typeface="+mn-cs"/>
+              </a:defRPr>
+            </a:lvl7pPr>
+            <a:lvl8pPr marL="3429000" indent="-228600" algn="l" defTabSz="914400" rtl="0" eaLnBrk="1" latinLnBrk="0" hangingPunct="1">
+              <a:lnSpc>
+                <a:spcPct val="90000"/>
+              </a:lnSpc>
+              <a:spcBef>
+                <a:spcPts val="500"/>
+              </a:spcBef>
+              <a:buFont typeface="Arial" panose="020B0604020202020204" pitchFamily="34" charset="0"/>
+              <a:buChar char="•"/>
+              <a:defRPr sz="1800" kern="1200">
+                <a:solidFill>
+                  <a:schemeClr val="tx1"/>
+                </a:solidFill>
+                <a:latin typeface="+mn-lt"/>
+                <a:ea typeface="+mn-ea"/>
+                <a:cs typeface="+mn-cs"/>
+              </a:defRPr>
+            </a:lvl8pPr>
+            <a:lvl9pPr marL="3886200" indent="-228600" algn="l" defTabSz="914400" rtl="0" eaLnBrk="1" latinLnBrk="0" hangingPunct="1">
+              <a:lnSpc>
+                <a:spcPct val="90000"/>
+              </a:lnSpc>
+              <a:spcBef>
+                <a:spcPts val="500"/>
+              </a:spcBef>
+              <a:buFont typeface="Arial" panose="020B0604020202020204" pitchFamily="34" charset="0"/>
+              <a:buChar char="•"/>
+              <a:defRPr sz="1800" kern="1200">
+                <a:solidFill>
+                  <a:schemeClr val="tx1"/>
+                </a:solidFill>
+                <a:latin typeface="+mn-lt"/>
+                <a:ea typeface="+mn-ea"/>
+                <a:cs typeface="+mn-cs"/>
+              </a:defRPr>
+            </a:lvl9pPr>
+          </a:lstStyle>
+          <a:p>
+            <a:pPr marL="0" indent="0" algn="ctr">
+              <a:lnSpc>
+                <a:spcPct val="100000"/>
+              </a:lnSpc>
+              <a:buNone/>
+              <a:defRPr/>
+            </a:pPr>
+            <a:r>
+              <a:rPr lang="ja-JP" altLang="en-US" sz="1200" b="1" dirty="0">
+                <a:solidFill>
+                  <a:schemeClr val="tx1"/>
+                </a:solidFill>
+                <a:latin typeface="ゴシック" panose="020B0609070205080204" pitchFamily="49" charset="-128"/>
+                <a:ea typeface="ゴシック" panose="020B0609070205080204" pitchFamily="49" charset="-128"/>
+              </a:rPr>
+              <a:t>レビュー</a:t>
+            </a:r>
+            <a:endParaRPr lang="sv-SE" sz="1200" b="1" dirty="0">
+              <a:solidFill>
+                <a:schemeClr val="tx1"/>
+              </a:solidFill>
+              <a:latin typeface="ゴシック" panose="020B0609070205080204" pitchFamily="49" charset="-128"/>
+              <a:ea typeface="ゴシック" panose="020B0609070205080204" pitchFamily="49" charset="-128"/>
+            </a:endParaRPr>
+          </a:p>
+        </p:txBody>
+      </p:sp>
+      <p:sp>
+        <p:nvSpPr>
+          <p:cNvPr id="89" name="Content Placeholder 2"/>
+          <p:cNvSpPr txBox="1">
+            <a:spLocks/>
+          </p:cNvSpPr>
+          <p:nvPr/>
+        </p:nvSpPr>
+        <p:spPr bwMode="auto">
+          <a:xfrm rot="20161803">
+            <a:off x="5165327" y="2006302"/>
+            <a:ext cx="967767" cy="294481"/>
+          </a:xfrm>
+          <a:prstGeom prst="rect">
+            <a:avLst/>
+          </a:prstGeom>
+        </p:spPr>
+        <p:txBody>
+          <a:bodyPr lIns="68580" tIns="34290" rIns="68580" bIns="34290">
+            <a:noAutofit/>
+          </a:bodyPr>
+          <a:lstStyle>
+            <a:lvl1pPr marL="228600" indent="-228600" algn="l" defTabSz="914400" rtl="0" eaLnBrk="1" latinLnBrk="0" hangingPunct="1">
+              <a:lnSpc>
+                <a:spcPct val="90000"/>
+              </a:lnSpc>
+              <a:spcBef>
+                <a:spcPts val="1000"/>
+              </a:spcBef>
+              <a:buClr>
+                <a:srgbClr val="27A0F2"/>
+              </a:buClr>
+              <a:buFont typeface="Arial" panose="020B0604020202020204" pitchFamily="34" charset="0"/>
+              <a:buChar char="•"/>
+              <a:defRPr sz="2800" kern="1200">
+                <a:solidFill>
+                  <a:srgbClr val="3A3A3A"/>
+                </a:solidFill>
+                <a:latin typeface="Segoe UI" panose="020B0502040204020203" pitchFamily="34" charset="0"/>
+                <a:ea typeface="+mn-ea"/>
+                <a:cs typeface="Segoe UI" panose="020B0502040204020203" pitchFamily="34" charset="0"/>
+              </a:defRPr>
+            </a:lvl1pPr>
+            <a:lvl2pPr marL="685800" indent="-228600" algn="l" defTabSz="914400" rtl="0" eaLnBrk="1" latinLnBrk="0" hangingPunct="1">
+              <a:lnSpc>
+                <a:spcPct val="90000"/>
+              </a:lnSpc>
+              <a:spcBef>
+                <a:spcPts val="500"/>
+              </a:spcBef>
+              <a:buClr>
+                <a:srgbClr val="27A0F2"/>
+              </a:buClr>
+              <a:buFont typeface="Arial" panose="020B0604020202020204" pitchFamily="34" charset="0"/>
+              <a:buChar char="•"/>
+              <a:defRPr sz="2400" kern="1200">
+                <a:solidFill>
+                  <a:srgbClr val="3A3A3A"/>
+                </a:solidFill>
+                <a:latin typeface="Segoe UI" panose="020B0502040204020203" pitchFamily="34" charset="0"/>
+                <a:ea typeface="+mn-ea"/>
+                <a:cs typeface="Segoe UI" panose="020B0502040204020203" pitchFamily="34" charset="0"/>
+              </a:defRPr>
+            </a:lvl2pPr>
+            <a:lvl3pPr marL="1143000" indent="-228600" algn="l" defTabSz="914400" rtl="0" eaLnBrk="1" latinLnBrk="0" hangingPunct="1">
+              <a:lnSpc>
+                <a:spcPct val="90000"/>
+              </a:lnSpc>
+              <a:spcBef>
+                <a:spcPts val="500"/>
+              </a:spcBef>
+              <a:buClr>
+                <a:srgbClr val="27A0F2"/>
+              </a:buClr>
+              <a:buFont typeface="Arial" panose="020B0604020202020204" pitchFamily="34" charset="0"/>
+              <a:buChar char="•"/>
+              <a:defRPr sz="2000" kern="1200">
+                <a:solidFill>
+                  <a:srgbClr val="3A3A3A"/>
+                </a:solidFill>
+                <a:latin typeface="Segoe UI" panose="020B0502040204020203" pitchFamily="34" charset="0"/>
+                <a:ea typeface="+mn-ea"/>
+                <a:cs typeface="Segoe UI" panose="020B0502040204020203" pitchFamily="34" charset="0"/>
+              </a:defRPr>
+            </a:lvl3pPr>
+            <a:lvl4pPr marL="1600200" indent="-228600" algn="l" defTabSz="914400" rtl="0" eaLnBrk="1" latinLnBrk="0" hangingPunct="1">
+              <a:lnSpc>
+                <a:spcPct val="90000"/>
+              </a:lnSpc>
+              <a:spcBef>
+                <a:spcPts val="500"/>
+              </a:spcBef>
+              <a:buClr>
+                <a:srgbClr val="27A0F2"/>
+              </a:buClr>
+              <a:buFont typeface="Arial" panose="020B0604020202020204" pitchFamily="34" charset="0"/>
+              <a:buChar char="•"/>
+              <a:defRPr sz="1800" kern="1200">
+                <a:solidFill>
+                  <a:srgbClr val="3A3A3A"/>
+                </a:solidFill>
+                <a:latin typeface="Segoe UI" panose="020B0502040204020203" pitchFamily="34" charset="0"/>
+                <a:ea typeface="+mn-ea"/>
+                <a:cs typeface="Segoe UI" panose="020B0502040204020203" pitchFamily="34" charset="0"/>
+              </a:defRPr>
+            </a:lvl4pPr>
+            <a:lvl5pPr marL="2057400" indent="-228600" algn="l" defTabSz="914400" rtl="0" eaLnBrk="1" latinLnBrk="0" hangingPunct="1">
+              <a:lnSpc>
+                <a:spcPct val="90000"/>
+              </a:lnSpc>
+              <a:spcBef>
+                <a:spcPts val="500"/>
+              </a:spcBef>
+              <a:buClr>
+                <a:srgbClr val="27A0F2"/>
+              </a:buClr>
+              <a:buFont typeface="Arial" panose="020B0604020202020204" pitchFamily="34" charset="0"/>
+              <a:buChar char="•"/>
+              <a:defRPr sz="1800" kern="1200">
+                <a:solidFill>
+                  <a:srgbClr val="3A3A3A"/>
+                </a:solidFill>
+                <a:latin typeface="Segoe UI" panose="020B0502040204020203" pitchFamily="34" charset="0"/>
+                <a:ea typeface="+mn-ea"/>
+                <a:cs typeface="Segoe UI" panose="020B0502040204020203" pitchFamily="34" charset="0"/>
+              </a:defRPr>
+            </a:lvl5pPr>
+            <a:lvl6pPr marL="2514600" indent="-228600" algn="l" defTabSz="914400" rtl="0" eaLnBrk="1" latinLnBrk="0" hangingPunct="1">
+              <a:lnSpc>
+                <a:spcPct val="90000"/>
+              </a:lnSpc>
+              <a:spcBef>
+                <a:spcPts val="500"/>
+              </a:spcBef>
+              <a:buFont typeface="Arial" panose="020B0604020202020204" pitchFamily="34" charset="0"/>
+              <a:buChar char="•"/>
+              <a:defRPr sz="1800" kern="1200">
+                <a:solidFill>
+                  <a:schemeClr val="tx1"/>
+                </a:solidFill>
+                <a:latin typeface="+mn-lt"/>
+                <a:ea typeface="+mn-ea"/>
+                <a:cs typeface="+mn-cs"/>
+              </a:defRPr>
+            </a:lvl6pPr>
+            <a:lvl7pPr marL="2971800" indent="-228600" algn="l" defTabSz="914400" rtl="0" eaLnBrk="1" latinLnBrk="0" hangingPunct="1">
+              <a:lnSpc>
+                <a:spcPct val="90000"/>
+              </a:lnSpc>
+              <a:spcBef>
+                <a:spcPts val="500"/>
+              </a:spcBef>
+              <a:buFont typeface="Arial" panose="020B0604020202020204" pitchFamily="34" charset="0"/>
+              <a:buChar char="•"/>
+              <a:defRPr sz="1800" kern="1200">
+                <a:solidFill>
+                  <a:schemeClr val="tx1"/>
+                </a:solidFill>
+                <a:latin typeface="+mn-lt"/>
+                <a:ea typeface="+mn-ea"/>
+                <a:cs typeface="+mn-cs"/>
+              </a:defRPr>
+            </a:lvl7pPr>
+            <a:lvl8pPr marL="3429000" indent="-228600" algn="l" defTabSz="914400" rtl="0" eaLnBrk="1" latinLnBrk="0" hangingPunct="1">
+              <a:lnSpc>
+                <a:spcPct val="90000"/>
+              </a:lnSpc>
+              <a:spcBef>
+                <a:spcPts val="500"/>
+              </a:spcBef>
+              <a:buFont typeface="Arial" panose="020B0604020202020204" pitchFamily="34" charset="0"/>
+              <a:buChar char="•"/>
+              <a:defRPr sz="1800" kern="1200">
+                <a:solidFill>
+                  <a:schemeClr val="tx1"/>
+                </a:solidFill>
+                <a:latin typeface="+mn-lt"/>
+                <a:ea typeface="+mn-ea"/>
+                <a:cs typeface="+mn-cs"/>
+              </a:defRPr>
+            </a:lvl8pPr>
+            <a:lvl9pPr marL="3886200" indent="-228600" algn="l" defTabSz="914400" rtl="0" eaLnBrk="1" latinLnBrk="0" hangingPunct="1">
+              <a:lnSpc>
+                <a:spcPct val="90000"/>
+              </a:lnSpc>
+              <a:spcBef>
+                <a:spcPts val="500"/>
+              </a:spcBef>
+              <a:buFont typeface="Arial" panose="020B0604020202020204" pitchFamily="34" charset="0"/>
+              <a:buChar char="•"/>
+              <a:defRPr sz="1800" kern="1200">
+                <a:solidFill>
+                  <a:schemeClr val="tx1"/>
+                </a:solidFill>
+                <a:latin typeface="+mn-lt"/>
+                <a:ea typeface="+mn-ea"/>
+                <a:cs typeface="+mn-cs"/>
+              </a:defRPr>
+            </a:lvl9pPr>
+          </a:lstStyle>
+          <a:p>
+            <a:pPr marL="0" indent="0" algn="ctr">
+              <a:lnSpc>
+                <a:spcPct val="100000"/>
+              </a:lnSpc>
+              <a:buNone/>
+              <a:defRPr/>
+            </a:pPr>
+            <a:r>
+              <a:rPr lang="ja-JP" altLang="en-US" sz="1200" b="1" dirty="0">
+                <a:solidFill>
+                  <a:schemeClr val="tx1"/>
+                </a:solidFill>
+                <a:latin typeface="ゴシック" panose="020B0609070205080204" pitchFamily="49" charset="-128"/>
+                <a:ea typeface="ゴシック" panose="020B0609070205080204" pitchFamily="49" charset="-128"/>
+              </a:rPr>
+              <a:t>承認</a:t>
+            </a:r>
+            <a:endParaRPr lang="sv-SE" sz="1200" b="1" dirty="0">
+              <a:solidFill>
+                <a:schemeClr val="tx1"/>
+              </a:solidFill>
+              <a:latin typeface="ゴシック" panose="020B0609070205080204" pitchFamily="49" charset="-128"/>
+              <a:ea typeface="ゴシック" panose="020B0609070205080204" pitchFamily="49" charset="-128"/>
+            </a:endParaRPr>
+          </a:p>
+        </p:txBody>
+      </p:sp>
+      <p:sp>
+        <p:nvSpPr>
+          <p:cNvPr id="92" name="Content Placeholder 2"/>
+          <p:cNvSpPr txBox="1">
+            <a:spLocks/>
+          </p:cNvSpPr>
+          <p:nvPr/>
+        </p:nvSpPr>
+        <p:spPr bwMode="auto">
+          <a:xfrm rot="20161803">
+            <a:off x="5858523" y="3694529"/>
+            <a:ext cx="967767" cy="294481"/>
+          </a:xfrm>
+          <a:prstGeom prst="rect">
+            <a:avLst/>
+          </a:prstGeom>
+        </p:spPr>
+        <p:txBody>
+          <a:bodyPr lIns="68580" tIns="34290" rIns="68580" bIns="34290">
+            <a:noAutofit/>
+          </a:bodyPr>
+          <a:lstStyle>
+            <a:lvl1pPr marL="228600" indent="-228600" algn="l" defTabSz="914400" rtl="0" eaLnBrk="1" latinLnBrk="0" hangingPunct="1">
+              <a:lnSpc>
+                <a:spcPct val="90000"/>
+              </a:lnSpc>
+              <a:spcBef>
+                <a:spcPts val="1000"/>
+              </a:spcBef>
+              <a:buClr>
+                <a:srgbClr val="27A0F2"/>
+              </a:buClr>
+              <a:buFont typeface="Arial" panose="020B0604020202020204" pitchFamily="34" charset="0"/>
+              <a:buChar char="•"/>
+              <a:defRPr sz="2800" kern="1200">
+                <a:solidFill>
+                  <a:srgbClr val="3A3A3A"/>
+                </a:solidFill>
+                <a:latin typeface="Segoe UI" panose="020B0502040204020203" pitchFamily="34" charset="0"/>
+                <a:ea typeface="+mn-ea"/>
+                <a:cs typeface="Segoe UI" panose="020B0502040204020203" pitchFamily="34" charset="0"/>
+              </a:defRPr>
+            </a:lvl1pPr>
+            <a:lvl2pPr marL="685800" indent="-228600" algn="l" defTabSz="914400" rtl="0" eaLnBrk="1" latinLnBrk="0" hangingPunct="1">
+              <a:lnSpc>
+                <a:spcPct val="90000"/>
+              </a:lnSpc>
+              <a:spcBef>
+                <a:spcPts val="500"/>
+              </a:spcBef>
+              <a:buClr>
+                <a:srgbClr val="27A0F2"/>
+              </a:buClr>
+              <a:buFont typeface="Arial" panose="020B0604020202020204" pitchFamily="34" charset="0"/>
+              <a:buChar char="•"/>
+              <a:defRPr sz="2400" kern="1200">
+                <a:solidFill>
+                  <a:srgbClr val="3A3A3A"/>
+                </a:solidFill>
+                <a:latin typeface="Segoe UI" panose="020B0502040204020203" pitchFamily="34" charset="0"/>
+                <a:ea typeface="+mn-ea"/>
+                <a:cs typeface="Segoe UI" panose="020B0502040204020203" pitchFamily="34" charset="0"/>
+              </a:defRPr>
+            </a:lvl2pPr>
+            <a:lvl3pPr marL="1143000" indent="-228600" algn="l" defTabSz="914400" rtl="0" eaLnBrk="1" latinLnBrk="0" hangingPunct="1">
+              <a:lnSpc>
+                <a:spcPct val="90000"/>
+              </a:lnSpc>
+              <a:spcBef>
+                <a:spcPts val="500"/>
+              </a:spcBef>
+              <a:buClr>
+                <a:srgbClr val="27A0F2"/>
+              </a:buClr>
+              <a:buFont typeface="Arial" panose="020B0604020202020204" pitchFamily="34" charset="0"/>
+              <a:buChar char="•"/>
+              <a:defRPr sz="2000" kern="1200">
+                <a:solidFill>
+                  <a:srgbClr val="3A3A3A"/>
+                </a:solidFill>
+                <a:latin typeface="Segoe UI" panose="020B0502040204020203" pitchFamily="34" charset="0"/>
+                <a:ea typeface="+mn-ea"/>
+                <a:cs typeface="Segoe UI" panose="020B0502040204020203" pitchFamily="34" charset="0"/>
+              </a:defRPr>
+            </a:lvl3pPr>
+            <a:lvl4pPr marL="1600200" indent="-228600" algn="l" defTabSz="914400" rtl="0" eaLnBrk="1" latinLnBrk="0" hangingPunct="1">
+              <a:lnSpc>
+                <a:spcPct val="90000"/>
+              </a:lnSpc>
+              <a:spcBef>
+                <a:spcPts val="500"/>
+              </a:spcBef>
+              <a:buClr>
+                <a:srgbClr val="27A0F2"/>
+              </a:buClr>
+              <a:buFont typeface="Arial" panose="020B0604020202020204" pitchFamily="34" charset="0"/>
+              <a:buChar char="•"/>
+              <a:defRPr sz="1800" kern="1200">
+                <a:solidFill>
+                  <a:srgbClr val="3A3A3A"/>
+                </a:solidFill>
+                <a:latin typeface="Segoe UI" panose="020B0502040204020203" pitchFamily="34" charset="0"/>
+                <a:ea typeface="+mn-ea"/>
+                <a:cs typeface="Segoe UI" panose="020B0502040204020203" pitchFamily="34" charset="0"/>
+              </a:defRPr>
+            </a:lvl4pPr>
+            <a:lvl5pPr marL="2057400" indent="-228600" algn="l" defTabSz="914400" rtl="0" eaLnBrk="1" latinLnBrk="0" hangingPunct="1">
+              <a:lnSpc>
+                <a:spcPct val="90000"/>
+              </a:lnSpc>
+              <a:spcBef>
+                <a:spcPts val="500"/>
+              </a:spcBef>
+              <a:buClr>
+                <a:srgbClr val="27A0F2"/>
+              </a:buClr>
+              <a:buFont typeface="Arial" panose="020B0604020202020204" pitchFamily="34" charset="0"/>
+              <a:buChar char="•"/>
+              <a:defRPr sz="1800" kern="1200">
+                <a:solidFill>
+                  <a:srgbClr val="3A3A3A"/>
+                </a:solidFill>
+                <a:latin typeface="Segoe UI" panose="020B0502040204020203" pitchFamily="34" charset="0"/>
+                <a:ea typeface="+mn-ea"/>
+                <a:cs typeface="Segoe UI" panose="020B0502040204020203" pitchFamily="34" charset="0"/>
+              </a:defRPr>
+            </a:lvl5pPr>
+            <a:lvl6pPr marL="2514600" indent="-228600" algn="l" defTabSz="914400" rtl="0" eaLnBrk="1" latinLnBrk="0" hangingPunct="1">
+              <a:lnSpc>
+                <a:spcPct val="90000"/>
+              </a:lnSpc>
+              <a:spcBef>
+                <a:spcPts val="500"/>
+              </a:spcBef>
+              <a:buFont typeface="Arial" panose="020B0604020202020204" pitchFamily="34" charset="0"/>
+              <a:buChar char="•"/>
+              <a:defRPr sz="1800" kern="1200">
+                <a:solidFill>
+                  <a:schemeClr val="tx1"/>
+                </a:solidFill>
+                <a:latin typeface="+mn-lt"/>
+                <a:ea typeface="+mn-ea"/>
+                <a:cs typeface="+mn-cs"/>
+              </a:defRPr>
+            </a:lvl6pPr>
+            <a:lvl7pPr marL="2971800" indent="-228600" algn="l" defTabSz="914400" rtl="0" eaLnBrk="1" latinLnBrk="0" hangingPunct="1">
+              <a:lnSpc>
+                <a:spcPct val="90000"/>
+              </a:lnSpc>
+              <a:spcBef>
+                <a:spcPts val="500"/>
+              </a:spcBef>
+              <a:buFont typeface="Arial" panose="020B0604020202020204" pitchFamily="34" charset="0"/>
+              <a:buChar char="•"/>
+              <a:defRPr sz="1800" kern="1200">
+                <a:solidFill>
+                  <a:schemeClr val="tx1"/>
+                </a:solidFill>
+                <a:latin typeface="+mn-lt"/>
+                <a:ea typeface="+mn-ea"/>
+                <a:cs typeface="+mn-cs"/>
+              </a:defRPr>
+            </a:lvl7pPr>
+            <a:lvl8pPr marL="3429000" indent="-228600" algn="l" defTabSz="914400" rtl="0" eaLnBrk="1" latinLnBrk="0" hangingPunct="1">
+              <a:lnSpc>
+                <a:spcPct val="90000"/>
+              </a:lnSpc>
+              <a:spcBef>
+                <a:spcPts val="500"/>
+              </a:spcBef>
+              <a:buFont typeface="Arial" panose="020B0604020202020204" pitchFamily="34" charset="0"/>
+              <a:buChar char="•"/>
+              <a:defRPr sz="1800" kern="1200">
+                <a:solidFill>
+                  <a:schemeClr val="tx1"/>
+                </a:solidFill>
+                <a:latin typeface="+mn-lt"/>
+                <a:ea typeface="+mn-ea"/>
+                <a:cs typeface="+mn-cs"/>
+              </a:defRPr>
+            </a:lvl8pPr>
+            <a:lvl9pPr marL="3886200" indent="-228600" algn="l" defTabSz="914400" rtl="0" eaLnBrk="1" latinLnBrk="0" hangingPunct="1">
+              <a:lnSpc>
+                <a:spcPct val="90000"/>
+              </a:lnSpc>
+              <a:spcBef>
+                <a:spcPts val="500"/>
+              </a:spcBef>
+              <a:buFont typeface="Arial" panose="020B0604020202020204" pitchFamily="34" charset="0"/>
+              <a:buChar char="•"/>
+              <a:defRPr sz="1800" kern="1200">
+                <a:solidFill>
+                  <a:schemeClr val="tx1"/>
+                </a:solidFill>
+                <a:latin typeface="+mn-lt"/>
+                <a:ea typeface="+mn-ea"/>
+                <a:cs typeface="+mn-cs"/>
+              </a:defRPr>
+            </a:lvl9pPr>
+          </a:lstStyle>
+          <a:p>
+            <a:pPr marL="0" indent="0" algn="ctr">
+              <a:lnSpc>
+                <a:spcPct val="100000"/>
+              </a:lnSpc>
+              <a:buNone/>
+              <a:defRPr/>
+            </a:pPr>
+            <a:r>
+              <a:rPr lang="ja-JP" altLang="en-US" sz="1200" b="1" dirty="0">
+                <a:solidFill>
+                  <a:schemeClr val="tx1"/>
+                </a:solidFill>
+                <a:latin typeface="ゴシック" panose="020B0609070205080204" pitchFamily="49" charset="-128"/>
+                <a:ea typeface="ゴシック" panose="020B0609070205080204" pitchFamily="49" charset="-128"/>
+              </a:rPr>
+              <a:t>登録</a:t>
+            </a:r>
+            <a:endParaRPr lang="sv-SE" sz="1200" b="1" dirty="0">
+              <a:solidFill>
+                <a:schemeClr val="tx1"/>
+              </a:solidFill>
+              <a:latin typeface="ゴシック" panose="020B0609070205080204" pitchFamily="49" charset="-128"/>
+              <a:ea typeface="ゴシック" panose="020B0609070205080204" pitchFamily="49" charset="-128"/>
+            </a:endParaRPr>
+          </a:p>
+        </p:txBody>
+      </p:sp>
+      <p:sp>
+        <p:nvSpPr>
+          <p:cNvPr id="96" name="Content Placeholder 2"/>
+          <p:cNvSpPr txBox="1">
+            <a:spLocks/>
+          </p:cNvSpPr>
+          <p:nvPr/>
+        </p:nvSpPr>
+        <p:spPr bwMode="auto">
+          <a:xfrm rot="20161803">
+            <a:off x="6036056" y="1982868"/>
+            <a:ext cx="1119245" cy="294481"/>
+          </a:xfrm>
+          <a:prstGeom prst="rect">
+            <a:avLst/>
+          </a:prstGeom>
+        </p:spPr>
+        <p:txBody>
+          <a:bodyPr lIns="68580" tIns="34290" rIns="68580" bIns="34290">
+            <a:noAutofit/>
+          </a:bodyPr>
+          <a:lstStyle>
+            <a:lvl1pPr marL="228600" indent="-228600" algn="l" defTabSz="914400" rtl="0" eaLnBrk="1" latinLnBrk="0" hangingPunct="1">
+              <a:lnSpc>
+                <a:spcPct val="90000"/>
+              </a:lnSpc>
+              <a:spcBef>
+                <a:spcPts val="1000"/>
+              </a:spcBef>
+              <a:buClr>
+                <a:srgbClr val="27A0F2"/>
+              </a:buClr>
+              <a:buFont typeface="Arial" panose="020B0604020202020204" pitchFamily="34" charset="0"/>
+              <a:buChar char="•"/>
+              <a:defRPr sz="2800" kern="1200">
+                <a:solidFill>
+                  <a:srgbClr val="3A3A3A"/>
+                </a:solidFill>
+                <a:latin typeface="Segoe UI" panose="020B0502040204020203" pitchFamily="34" charset="0"/>
+                <a:ea typeface="+mn-ea"/>
+                <a:cs typeface="Segoe UI" panose="020B0502040204020203" pitchFamily="34" charset="0"/>
+              </a:defRPr>
+            </a:lvl1pPr>
+            <a:lvl2pPr marL="685800" indent="-228600" algn="l" defTabSz="914400" rtl="0" eaLnBrk="1" latinLnBrk="0" hangingPunct="1">
+              <a:lnSpc>
+                <a:spcPct val="90000"/>
+              </a:lnSpc>
+              <a:spcBef>
+                <a:spcPts val="500"/>
+              </a:spcBef>
+              <a:buClr>
+                <a:srgbClr val="27A0F2"/>
+              </a:buClr>
+              <a:buFont typeface="Arial" panose="020B0604020202020204" pitchFamily="34" charset="0"/>
+              <a:buChar char="•"/>
+              <a:defRPr sz="2400" kern="1200">
+                <a:solidFill>
+                  <a:srgbClr val="3A3A3A"/>
+                </a:solidFill>
+                <a:latin typeface="Segoe UI" panose="020B0502040204020203" pitchFamily="34" charset="0"/>
+                <a:ea typeface="+mn-ea"/>
+                <a:cs typeface="Segoe UI" panose="020B0502040204020203" pitchFamily="34" charset="0"/>
+              </a:defRPr>
+            </a:lvl2pPr>
+            <a:lvl3pPr marL="1143000" indent="-228600" algn="l" defTabSz="914400" rtl="0" eaLnBrk="1" latinLnBrk="0" hangingPunct="1">
+              <a:lnSpc>
+                <a:spcPct val="90000"/>
+              </a:lnSpc>
+              <a:spcBef>
+                <a:spcPts val="500"/>
+              </a:spcBef>
+              <a:buClr>
+                <a:srgbClr val="27A0F2"/>
+              </a:buClr>
+              <a:buFont typeface="Arial" panose="020B0604020202020204" pitchFamily="34" charset="0"/>
+              <a:buChar char="•"/>
+              <a:defRPr sz="2000" kern="1200">
+                <a:solidFill>
+                  <a:srgbClr val="3A3A3A"/>
+                </a:solidFill>
+                <a:latin typeface="Segoe UI" panose="020B0502040204020203" pitchFamily="34" charset="0"/>
+                <a:ea typeface="+mn-ea"/>
+                <a:cs typeface="Segoe UI" panose="020B0502040204020203" pitchFamily="34" charset="0"/>
+              </a:defRPr>
+            </a:lvl3pPr>
+            <a:lvl4pPr marL="1600200" indent="-228600" algn="l" defTabSz="914400" rtl="0" eaLnBrk="1" latinLnBrk="0" hangingPunct="1">
+              <a:lnSpc>
+                <a:spcPct val="90000"/>
+              </a:lnSpc>
+              <a:spcBef>
+                <a:spcPts val="500"/>
+              </a:spcBef>
+              <a:buClr>
+                <a:srgbClr val="27A0F2"/>
+              </a:buClr>
+              <a:buFont typeface="Arial" panose="020B0604020202020204" pitchFamily="34" charset="0"/>
+              <a:buChar char="•"/>
+              <a:defRPr sz="1800" kern="1200">
+                <a:solidFill>
+                  <a:srgbClr val="3A3A3A"/>
+                </a:solidFill>
+                <a:latin typeface="Segoe UI" panose="020B0502040204020203" pitchFamily="34" charset="0"/>
+                <a:ea typeface="+mn-ea"/>
+                <a:cs typeface="Segoe UI" panose="020B0502040204020203" pitchFamily="34" charset="0"/>
+              </a:defRPr>
+            </a:lvl4pPr>
+            <a:lvl5pPr marL="2057400" indent="-228600" algn="l" defTabSz="914400" rtl="0" eaLnBrk="1" latinLnBrk="0" hangingPunct="1">
+              <a:lnSpc>
+                <a:spcPct val="90000"/>
+              </a:lnSpc>
+              <a:spcBef>
+                <a:spcPts val="500"/>
+              </a:spcBef>
+              <a:buClr>
+                <a:srgbClr val="27A0F2"/>
+              </a:buClr>
+              <a:buFont typeface="Arial" panose="020B0604020202020204" pitchFamily="34" charset="0"/>
+              <a:buChar char="•"/>
+              <a:defRPr sz="1800" kern="1200">
+                <a:solidFill>
+                  <a:srgbClr val="3A3A3A"/>
+                </a:solidFill>
+                <a:latin typeface="Segoe UI" panose="020B0502040204020203" pitchFamily="34" charset="0"/>
+                <a:ea typeface="+mn-ea"/>
+                <a:cs typeface="Segoe UI" panose="020B0502040204020203" pitchFamily="34" charset="0"/>
+              </a:defRPr>
+            </a:lvl5pPr>
+            <a:lvl6pPr marL="2514600" indent="-228600" algn="l" defTabSz="914400" rtl="0" eaLnBrk="1" latinLnBrk="0" hangingPunct="1">
+              <a:lnSpc>
+                <a:spcPct val="90000"/>
+              </a:lnSpc>
+              <a:spcBef>
+                <a:spcPts val="500"/>
+              </a:spcBef>
+              <a:buFont typeface="Arial" panose="020B0604020202020204" pitchFamily="34" charset="0"/>
+              <a:buChar char="•"/>
+              <a:defRPr sz="1800" kern="1200">
+                <a:solidFill>
+                  <a:schemeClr val="tx1"/>
+                </a:solidFill>
+                <a:latin typeface="+mn-lt"/>
+                <a:ea typeface="+mn-ea"/>
+                <a:cs typeface="+mn-cs"/>
+              </a:defRPr>
+            </a:lvl6pPr>
+            <a:lvl7pPr marL="2971800" indent="-228600" algn="l" defTabSz="914400" rtl="0" eaLnBrk="1" latinLnBrk="0" hangingPunct="1">
+              <a:lnSpc>
+                <a:spcPct val="90000"/>
+              </a:lnSpc>
+              <a:spcBef>
+                <a:spcPts val="500"/>
+              </a:spcBef>
+              <a:buFont typeface="Arial" panose="020B0604020202020204" pitchFamily="34" charset="0"/>
+              <a:buChar char="•"/>
+              <a:defRPr sz="1800" kern="1200">
+                <a:solidFill>
+                  <a:schemeClr val="tx1"/>
+                </a:solidFill>
+                <a:latin typeface="+mn-lt"/>
+                <a:ea typeface="+mn-ea"/>
+                <a:cs typeface="+mn-cs"/>
+              </a:defRPr>
+            </a:lvl7pPr>
+            <a:lvl8pPr marL="3429000" indent="-228600" algn="l" defTabSz="914400" rtl="0" eaLnBrk="1" latinLnBrk="0" hangingPunct="1">
+              <a:lnSpc>
+                <a:spcPct val="90000"/>
+              </a:lnSpc>
+              <a:spcBef>
+                <a:spcPts val="500"/>
+              </a:spcBef>
+              <a:buFont typeface="Arial" panose="020B0604020202020204" pitchFamily="34" charset="0"/>
+              <a:buChar char="•"/>
+              <a:defRPr sz="1800" kern="1200">
+                <a:solidFill>
+                  <a:schemeClr val="tx1"/>
+                </a:solidFill>
+                <a:latin typeface="+mn-lt"/>
+                <a:ea typeface="+mn-ea"/>
+                <a:cs typeface="+mn-cs"/>
+              </a:defRPr>
+            </a:lvl8pPr>
+            <a:lvl9pPr marL="3886200" indent="-228600" algn="l" defTabSz="914400" rtl="0" eaLnBrk="1" latinLnBrk="0" hangingPunct="1">
+              <a:lnSpc>
+                <a:spcPct val="90000"/>
+              </a:lnSpc>
+              <a:spcBef>
+                <a:spcPts val="500"/>
+              </a:spcBef>
+              <a:buFont typeface="Arial" panose="020B0604020202020204" pitchFamily="34" charset="0"/>
+              <a:buChar char="•"/>
+              <a:defRPr sz="1800" kern="1200">
+                <a:solidFill>
+                  <a:schemeClr val="tx1"/>
+                </a:solidFill>
+                <a:latin typeface="+mn-lt"/>
+                <a:ea typeface="+mn-ea"/>
+                <a:cs typeface="+mn-cs"/>
+              </a:defRPr>
+            </a:lvl9pPr>
+          </a:lstStyle>
+          <a:p>
+            <a:pPr marL="0" indent="0" algn="ctr">
+              <a:lnSpc>
+                <a:spcPct val="100000"/>
+              </a:lnSpc>
+              <a:buNone/>
+              <a:defRPr/>
+            </a:pPr>
+            <a:r>
+              <a:rPr lang="ja-JP" altLang="en-US" sz="1200" b="1" dirty="0">
+                <a:solidFill>
+                  <a:schemeClr val="tx1"/>
+                </a:solidFill>
+                <a:latin typeface="ゴシック" panose="020B0609070205080204" pitchFamily="49" charset="-128"/>
+                <a:ea typeface="ゴシック" panose="020B0609070205080204" pitchFamily="49" charset="-128"/>
+              </a:rPr>
+              <a:t>文書化</a:t>
+            </a:r>
+            <a:endParaRPr lang="sv-SE" sz="1200" b="1" dirty="0">
+              <a:solidFill>
+                <a:schemeClr val="tx1"/>
+              </a:solidFill>
+              <a:latin typeface="ゴシック" panose="020B0609070205080204" pitchFamily="49" charset="-128"/>
+              <a:ea typeface="ゴシック" panose="020B0609070205080204" pitchFamily="49" charset="-128"/>
+            </a:endParaRPr>
+          </a:p>
+        </p:txBody>
+      </p:sp>
+      <p:sp>
+        <p:nvSpPr>
+          <p:cNvPr id="100" name="Content Placeholder 2"/>
+          <p:cNvSpPr txBox="1">
+            <a:spLocks/>
+          </p:cNvSpPr>
+          <p:nvPr/>
+        </p:nvSpPr>
+        <p:spPr bwMode="auto">
+          <a:xfrm rot="20161803">
+            <a:off x="6707720" y="3732921"/>
+            <a:ext cx="967767" cy="230166"/>
+          </a:xfrm>
+          <a:prstGeom prst="rect">
+            <a:avLst/>
+          </a:prstGeom>
+        </p:spPr>
+        <p:txBody>
+          <a:bodyPr lIns="68580" tIns="34290" rIns="68580" bIns="34290">
+            <a:noAutofit/>
+          </a:bodyPr>
+          <a:lstStyle>
+            <a:lvl1pPr marL="228600" indent="-228600" algn="l" defTabSz="914400" rtl="0" eaLnBrk="1" latinLnBrk="0" hangingPunct="1">
+              <a:lnSpc>
+                <a:spcPct val="90000"/>
+              </a:lnSpc>
+              <a:spcBef>
+                <a:spcPts val="1000"/>
+              </a:spcBef>
+              <a:buClr>
+                <a:srgbClr val="27A0F2"/>
+              </a:buClr>
+              <a:buFont typeface="Arial" panose="020B0604020202020204" pitchFamily="34" charset="0"/>
+              <a:buChar char="•"/>
+              <a:defRPr sz="2800" kern="1200">
+                <a:solidFill>
+                  <a:srgbClr val="3A3A3A"/>
+                </a:solidFill>
+                <a:latin typeface="Segoe UI" panose="020B0502040204020203" pitchFamily="34" charset="0"/>
+                <a:ea typeface="+mn-ea"/>
+                <a:cs typeface="Segoe UI" panose="020B0502040204020203" pitchFamily="34" charset="0"/>
+              </a:defRPr>
+            </a:lvl1pPr>
+            <a:lvl2pPr marL="685800" indent="-228600" algn="l" defTabSz="914400" rtl="0" eaLnBrk="1" latinLnBrk="0" hangingPunct="1">
+              <a:lnSpc>
+                <a:spcPct val="90000"/>
+              </a:lnSpc>
+              <a:spcBef>
+                <a:spcPts val="500"/>
+              </a:spcBef>
+              <a:buClr>
+                <a:srgbClr val="27A0F2"/>
+              </a:buClr>
+              <a:buFont typeface="Arial" panose="020B0604020202020204" pitchFamily="34" charset="0"/>
+              <a:buChar char="•"/>
+              <a:defRPr sz="2400" kern="1200">
+                <a:solidFill>
+                  <a:srgbClr val="3A3A3A"/>
+                </a:solidFill>
+                <a:latin typeface="Segoe UI" panose="020B0502040204020203" pitchFamily="34" charset="0"/>
+                <a:ea typeface="+mn-ea"/>
+                <a:cs typeface="Segoe UI" panose="020B0502040204020203" pitchFamily="34" charset="0"/>
+              </a:defRPr>
+            </a:lvl2pPr>
+            <a:lvl3pPr marL="1143000" indent="-228600" algn="l" defTabSz="914400" rtl="0" eaLnBrk="1" latinLnBrk="0" hangingPunct="1">
+              <a:lnSpc>
+                <a:spcPct val="90000"/>
+              </a:lnSpc>
+              <a:spcBef>
+                <a:spcPts val="500"/>
+              </a:spcBef>
+              <a:buClr>
+                <a:srgbClr val="27A0F2"/>
+              </a:buClr>
+              <a:buFont typeface="Arial" panose="020B0604020202020204" pitchFamily="34" charset="0"/>
+              <a:buChar char="•"/>
+              <a:defRPr sz="2000" kern="1200">
+                <a:solidFill>
+                  <a:srgbClr val="3A3A3A"/>
+                </a:solidFill>
+                <a:latin typeface="Segoe UI" panose="020B0502040204020203" pitchFamily="34" charset="0"/>
+                <a:ea typeface="+mn-ea"/>
+                <a:cs typeface="Segoe UI" panose="020B0502040204020203" pitchFamily="34" charset="0"/>
+              </a:defRPr>
+            </a:lvl3pPr>
+            <a:lvl4pPr marL="1600200" indent="-228600" algn="l" defTabSz="914400" rtl="0" eaLnBrk="1" latinLnBrk="0" hangingPunct="1">
+              <a:lnSpc>
+                <a:spcPct val="90000"/>
+              </a:lnSpc>
+              <a:spcBef>
+                <a:spcPts val="500"/>
+              </a:spcBef>
+              <a:buClr>
+                <a:srgbClr val="27A0F2"/>
+              </a:buClr>
+              <a:buFont typeface="Arial" panose="020B0604020202020204" pitchFamily="34" charset="0"/>
+              <a:buChar char="•"/>
+              <a:defRPr sz="1800" kern="1200">
+                <a:solidFill>
+                  <a:srgbClr val="3A3A3A"/>
+                </a:solidFill>
+                <a:latin typeface="Segoe UI" panose="020B0502040204020203" pitchFamily="34" charset="0"/>
+                <a:ea typeface="+mn-ea"/>
+                <a:cs typeface="Segoe UI" panose="020B0502040204020203" pitchFamily="34" charset="0"/>
+              </a:defRPr>
+            </a:lvl4pPr>
+            <a:lvl5pPr marL="2057400" indent="-228600" algn="l" defTabSz="914400" rtl="0" eaLnBrk="1" latinLnBrk="0" hangingPunct="1">
+              <a:lnSpc>
+                <a:spcPct val="90000"/>
+              </a:lnSpc>
+              <a:spcBef>
+                <a:spcPts val="500"/>
+              </a:spcBef>
+              <a:buClr>
+                <a:srgbClr val="27A0F2"/>
+              </a:buClr>
+              <a:buFont typeface="Arial" panose="020B0604020202020204" pitchFamily="34" charset="0"/>
+              <a:buChar char="•"/>
+              <a:defRPr sz="1800" kern="1200">
+                <a:solidFill>
+                  <a:srgbClr val="3A3A3A"/>
+                </a:solidFill>
+                <a:latin typeface="Segoe UI" panose="020B0502040204020203" pitchFamily="34" charset="0"/>
+                <a:ea typeface="+mn-ea"/>
+                <a:cs typeface="Segoe UI" panose="020B0502040204020203" pitchFamily="34" charset="0"/>
+              </a:defRPr>
+            </a:lvl5pPr>
+            <a:lvl6pPr marL="2514600" indent="-228600" algn="l" defTabSz="914400" rtl="0" eaLnBrk="1" latinLnBrk="0" hangingPunct="1">
+              <a:lnSpc>
+                <a:spcPct val="90000"/>
+              </a:lnSpc>
+              <a:spcBef>
+                <a:spcPts val="500"/>
+              </a:spcBef>
+              <a:buFont typeface="Arial" panose="020B0604020202020204" pitchFamily="34" charset="0"/>
+              <a:buChar char="•"/>
+              <a:defRPr sz="1800" kern="1200">
+                <a:solidFill>
+                  <a:schemeClr val="tx1"/>
+                </a:solidFill>
+                <a:latin typeface="+mn-lt"/>
+                <a:ea typeface="+mn-ea"/>
+                <a:cs typeface="+mn-cs"/>
+              </a:defRPr>
+            </a:lvl6pPr>
+            <a:lvl7pPr marL="2971800" indent="-228600" algn="l" defTabSz="914400" rtl="0" eaLnBrk="1" latinLnBrk="0" hangingPunct="1">
+              <a:lnSpc>
+                <a:spcPct val="90000"/>
+              </a:lnSpc>
+              <a:spcBef>
+                <a:spcPts val="500"/>
+              </a:spcBef>
+              <a:buFont typeface="Arial" panose="020B0604020202020204" pitchFamily="34" charset="0"/>
+              <a:buChar char="•"/>
+              <a:defRPr sz="1800" kern="1200">
+                <a:solidFill>
+                  <a:schemeClr val="tx1"/>
+                </a:solidFill>
+                <a:latin typeface="+mn-lt"/>
+                <a:ea typeface="+mn-ea"/>
+                <a:cs typeface="+mn-cs"/>
+              </a:defRPr>
+            </a:lvl7pPr>
+            <a:lvl8pPr marL="3429000" indent="-228600" algn="l" defTabSz="914400" rtl="0" eaLnBrk="1" latinLnBrk="0" hangingPunct="1">
+              <a:lnSpc>
+                <a:spcPct val="90000"/>
+              </a:lnSpc>
+              <a:spcBef>
+                <a:spcPts val="500"/>
+              </a:spcBef>
+              <a:buFont typeface="Arial" panose="020B0604020202020204" pitchFamily="34" charset="0"/>
+              <a:buChar char="•"/>
+              <a:defRPr sz="1800" kern="1200">
+                <a:solidFill>
+                  <a:schemeClr val="tx1"/>
+                </a:solidFill>
+                <a:latin typeface="+mn-lt"/>
+                <a:ea typeface="+mn-ea"/>
+                <a:cs typeface="+mn-cs"/>
+              </a:defRPr>
+            </a:lvl8pPr>
+            <a:lvl9pPr marL="3886200" indent="-228600" algn="l" defTabSz="914400" rtl="0" eaLnBrk="1" latinLnBrk="0" hangingPunct="1">
+              <a:lnSpc>
+                <a:spcPct val="90000"/>
+              </a:lnSpc>
+              <a:spcBef>
+                <a:spcPts val="500"/>
+              </a:spcBef>
+              <a:buFont typeface="Arial" panose="020B0604020202020204" pitchFamily="34" charset="0"/>
+              <a:buChar char="•"/>
+              <a:defRPr sz="1800" kern="1200">
+                <a:solidFill>
+                  <a:schemeClr val="tx1"/>
+                </a:solidFill>
+                <a:latin typeface="+mn-lt"/>
+                <a:ea typeface="+mn-ea"/>
+                <a:cs typeface="+mn-cs"/>
+              </a:defRPr>
+            </a:lvl9pPr>
+          </a:lstStyle>
+          <a:p>
+            <a:pPr marL="0" indent="0" algn="ctr">
+              <a:lnSpc>
+                <a:spcPct val="100000"/>
+              </a:lnSpc>
+              <a:buNone/>
+              <a:defRPr/>
+            </a:pPr>
+            <a:r>
+              <a:rPr lang="ja-JP" altLang="en-US" sz="1200" b="1" dirty="0">
+                <a:solidFill>
+                  <a:schemeClr val="tx1"/>
+                </a:solidFill>
+                <a:latin typeface="ゴシック" panose="020B0609070205080204" pitchFamily="49" charset="-128"/>
+                <a:ea typeface="ゴシック" panose="020B0609070205080204" pitchFamily="49" charset="-128"/>
+              </a:rPr>
+              <a:t>検証</a:t>
+            </a:r>
+            <a:endParaRPr lang="sv-SE" sz="1200" b="1" dirty="0">
+              <a:solidFill>
+                <a:schemeClr val="tx1"/>
+              </a:solidFill>
+              <a:latin typeface="ゴシック" panose="020B0609070205080204" pitchFamily="49" charset="-128"/>
+              <a:ea typeface="ゴシック" panose="020B0609070205080204" pitchFamily="49" charset="-128"/>
+            </a:endParaRPr>
+          </a:p>
+        </p:txBody>
+      </p:sp>
+      <p:sp>
+        <p:nvSpPr>
+          <p:cNvPr id="104" name="Content Placeholder 2"/>
+          <p:cNvSpPr txBox="1">
+            <a:spLocks/>
+          </p:cNvSpPr>
+          <p:nvPr/>
+        </p:nvSpPr>
+        <p:spPr bwMode="auto">
+          <a:xfrm rot="20161803">
+            <a:off x="7061153" y="1962921"/>
+            <a:ext cx="967767" cy="230166"/>
+          </a:xfrm>
+          <a:prstGeom prst="rect">
+            <a:avLst/>
+          </a:prstGeom>
+        </p:spPr>
+        <p:txBody>
+          <a:bodyPr lIns="68580" tIns="34290" rIns="68580" bIns="34290">
+            <a:noAutofit/>
+          </a:bodyPr>
+          <a:lstStyle>
+            <a:lvl1pPr marL="228600" indent="-228600" algn="l" defTabSz="914400" rtl="0" eaLnBrk="1" latinLnBrk="0" hangingPunct="1">
+              <a:lnSpc>
+                <a:spcPct val="90000"/>
+              </a:lnSpc>
+              <a:spcBef>
+                <a:spcPts val="1000"/>
+              </a:spcBef>
+              <a:buClr>
+                <a:srgbClr val="27A0F2"/>
+              </a:buClr>
+              <a:buFont typeface="Arial" panose="020B0604020202020204" pitchFamily="34" charset="0"/>
+              <a:buChar char="•"/>
+              <a:defRPr sz="2800" kern="1200">
+                <a:solidFill>
+                  <a:srgbClr val="3A3A3A"/>
+                </a:solidFill>
+                <a:latin typeface="Segoe UI" panose="020B0502040204020203" pitchFamily="34" charset="0"/>
+                <a:ea typeface="+mn-ea"/>
+                <a:cs typeface="Segoe UI" panose="020B0502040204020203" pitchFamily="34" charset="0"/>
+              </a:defRPr>
+            </a:lvl1pPr>
+            <a:lvl2pPr marL="685800" indent="-228600" algn="l" defTabSz="914400" rtl="0" eaLnBrk="1" latinLnBrk="0" hangingPunct="1">
+              <a:lnSpc>
+                <a:spcPct val="90000"/>
+              </a:lnSpc>
+              <a:spcBef>
+                <a:spcPts val="500"/>
+              </a:spcBef>
+              <a:buClr>
+                <a:srgbClr val="27A0F2"/>
+              </a:buClr>
+              <a:buFont typeface="Arial" panose="020B0604020202020204" pitchFamily="34" charset="0"/>
+              <a:buChar char="•"/>
+              <a:defRPr sz="2400" kern="1200">
+                <a:solidFill>
+                  <a:srgbClr val="3A3A3A"/>
+                </a:solidFill>
+                <a:latin typeface="Segoe UI" panose="020B0502040204020203" pitchFamily="34" charset="0"/>
+                <a:ea typeface="+mn-ea"/>
+                <a:cs typeface="Segoe UI" panose="020B0502040204020203" pitchFamily="34" charset="0"/>
+              </a:defRPr>
+            </a:lvl2pPr>
+            <a:lvl3pPr marL="1143000" indent="-228600" algn="l" defTabSz="914400" rtl="0" eaLnBrk="1" latinLnBrk="0" hangingPunct="1">
+              <a:lnSpc>
+                <a:spcPct val="90000"/>
+              </a:lnSpc>
+              <a:spcBef>
+                <a:spcPts val="500"/>
+              </a:spcBef>
+              <a:buClr>
+                <a:srgbClr val="27A0F2"/>
+              </a:buClr>
+              <a:buFont typeface="Arial" panose="020B0604020202020204" pitchFamily="34" charset="0"/>
+              <a:buChar char="•"/>
+              <a:defRPr sz="2000" kern="1200">
+                <a:solidFill>
+                  <a:srgbClr val="3A3A3A"/>
+                </a:solidFill>
+                <a:latin typeface="Segoe UI" panose="020B0502040204020203" pitchFamily="34" charset="0"/>
+                <a:ea typeface="+mn-ea"/>
+                <a:cs typeface="Segoe UI" panose="020B0502040204020203" pitchFamily="34" charset="0"/>
+              </a:defRPr>
+            </a:lvl3pPr>
+            <a:lvl4pPr marL="1600200" indent="-228600" algn="l" defTabSz="914400" rtl="0" eaLnBrk="1" latinLnBrk="0" hangingPunct="1">
+              <a:lnSpc>
+                <a:spcPct val="90000"/>
+              </a:lnSpc>
+              <a:spcBef>
+                <a:spcPts val="500"/>
+              </a:spcBef>
+              <a:buClr>
+                <a:srgbClr val="27A0F2"/>
+              </a:buClr>
+              <a:buFont typeface="Arial" panose="020B0604020202020204" pitchFamily="34" charset="0"/>
+              <a:buChar char="•"/>
+              <a:defRPr sz="1800" kern="1200">
+                <a:solidFill>
+                  <a:srgbClr val="3A3A3A"/>
+                </a:solidFill>
+                <a:latin typeface="Segoe UI" panose="020B0502040204020203" pitchFamily="34" charset="0"/>
+                <a:ea typeface="+mn-ea"/>
+                <a:cs typeface="Segoe UI" panose="020B0502040204020203" pitchFamily="34" charset="0"/>
+              </a:defRPr>
+            </a:lvl4pPr>
+            <a:lvl5pPr marL="2057400" indent="-228600" algn="l" defTabSz="914400" rtl="0" eaLnBrk="1" latinLnBrk="0" hangingPunct="1">
+              <a:lnSpc>
+                <a:spcPct val="90000"/>
+              </a:lnSpc>
+              <a:spcBef>
+                <a:spcPts val="500"/>
+              </a:spcBef>
+              <a:buClr>
+                <a:srgbClr val="27A0F2"/>
+              </a:buClr>
+              <a:buFont typeface="Arial" panose="020B0604020202020204" pitchFamily="34" charset="0"/>
+              <a:buChar char="•"/>
+              <a:defRPr sz="1800" kern="1200">
+                <a:solidFill>
+                  <a:srgbClr val="3A3A3A"/>
+                </a:solidFill>
+                <a:latin typeface="Segoe UI" panose="020B0502040204020203" pitchFamily="34" charset="0"/>
+                <a:ea typeface="+mn-ea"/>
+                <a:cs typeface="Segoe UI" panose="020B0502040204020203" pitchFamily="34" charset="0"/>
+              </a:defRPr>
+            </a:lvl5pPr>
+            <a:lvl6pPr marL="2514600" indent="-228600" algn="l" defTabSz="914400" rtl="0" eaLnBrk="1" latinLnBrk="0" hangingPunct="1">
+              <a:lnSpc>
+                <a:spcPct val="90000"/>
+              </a:lnSpc>
+              <a:spcBef>
+                <a:spcPts val="500"/>
+              </a:spcBef>
+              <a:buFont typeface="Arial" panose="020B0604020202020204" pitchFamily="34" charset="0"/>
+              <a:buChar char="•"/>
+              <a:defRPr sz="1800" kern="1200">
+                <a:solidFill>
+                  <a:schemeClr val="tx1"/>
+                </a:solidFill>
+                <a:latin typeface="+mn-lt"/>
+                <a:ea typeface="+mn-ea"/>
+                <a:cs typeface="+mn-cs"/>
+              </a:defRPr>
+            </a:lvl6pPr>
+            <a:lvl7pPr marL="2971800" indent="-228600" algn="l" defTabSz="914400" rtl="0" eaLnBrk="1" latinLnBrk="0" hangingPunct="1">
+              <a:lnSpc>
+                <a:spcPct val="90000"/>
+              </a:lnSpc>
+              <a:spcBef>
+                <a:spcPts val="500"/>
+              </a:spcBef>
+              <a:buFont typeface="Arial" panose="020B0604020202020204" pitchFamily="34" charset="0"/>
+              <a:buChar char="•"/>
+              <a:defRPr sz="1800" kern="1200">
+                <a:solidFill>
+                  <a:schemeClr val="tx1"/>
+                </a:solidFill>
+                <a:latin typeface="+mn-lt"/>
+                <a:ea typeface="+mn-ea"/>
+                <a:cs typeface="+mn-cs"/>
+              </a:defRPr>
+            </a:lvl7pPr>
+            <a:lvl8pPr marL="3429000" indent="-228600" algn="l" defTabSz="914400" rtl="0" eaLnBrk="1" latinLnBrk="0" hangingPunct="1">
+              <a:lnSpc>
+                <a:spcPct val="90000"/>
+              </a:lnSpc>
+              <a:spcBef>
+                <a:spcPts val="500"/>
+              </a:spcBef>
+              <a:buFont typeface="Arial" panose="020B0604020202020204" pitchFamily="34" charset="0"/>
+              <a:buChar char="•"/>
+              <a:defRPr sz="1800" kern="1200">
+                <a:solidFill>
+                  <a:schemeClr val="tx1"/>
+                </a:solidFill>
+                <a:latin typeface="+mn-lt"/>
+                <a:ea typeface="+mn-ea"/>
+                <a:cs typeface="+mn-cs"/>
+              </a:defRPr>
+            </a:lvl8pPr>
+            <a:lvl9pPr marL="3886200" indent="-228600" algn="l" defTabSz="914400" rtl="0" eaLnBrk="1" latinLnBrk="0" hangingPunct="1">
+              <a:lnSpc>
+                <a:spcPct val="90000"/>
+              </a:lnSpc>
+              <a:spcBef>
+                <a:spcPts val="500"/>
+              </a:spcBef>
+              <a:buFont typeface="Arial" panose="020B0604020202020204" pitchFamily="34" charset="0"/>
+              <a:buChar char="•"/>
+              <a:defRPr sz="1800" kern="1200">
+                <a:solidFill>
+                  <a:schemeClr val="tx1"/>
+                </a:solidFill>
+                <a:latin typeface="+mn-lt"/>
+                <a:ea typeface="+mn-ea"/>
+                <a:cs typeface="+mn-cs"/>
+              </a:defRPr>
+            </a:lvl9pPr>
+          </a:lstStyle>
+          <a:p>
+            <a:pPr marL="0" indent="0" algn="ctr">
+              <a:lnSpc>
+                <a:spcPct val="100000"/>
+              </a:lnSpc>
+              <a:buNone/>
+              <a:defRPr/>
+            </a:pPr>
+            <a:r>
+              <a:rPr lang="ja-JP" altLang="en-US" sz="1200" b="1" dirty="0" smtClean="0">
+                <a:solidFill>
+                  <a:schemeClr val="tx1"/>
+                </a:solidFill>
+                <a:latin typeface="ゴシック" panose="020B0609070205080204" pitchFamily="49" charset="-128"/>
+                <a:ea typeface="ゴシック" panose="020B0609070205080204" pitchFamily="49" charset="-128"/>
+              </a:rPr>
+              <a:t>公開</a:t>
+            </a:r>
+            <a:endParaRPr lang="sv-SE" sz="1200" b="1" dirty="0">
+              <a:solidFill>
+                <a:schemeClr val="tx1"/>
+              </a:solidFill>
+              <a:latin typeface="ゴシック" panose="020B0609070205080204" pitchFamily="49" charset="-128"/>
+              <a:ea typeface="ゴシック" panose="020B0609070205080204" pitchFamily="49" charset="-128"/>
+            </a:endParaRPr>
+          </a:p>
+        </p:txBody>
+      </p:sp>
+    </p:spTree>
+    <p:extLst>
+      <p:ext uri="{BB962C8B-B14F-4D97-AF65-F5344CB8AC3E}">
+        <p14:creationId xmlns:p14="http://schemas.microsoft.com/office/powerpoint/2010/main" val="2548084594"/>
+      </p:ext>
+    </p:extLst>
+  </p:cSld>
+  <p:clrMapOvr>
+    <a:masterClrMapping/>
+  </p:clrMapOvr>
+  <p:transition spd="slow">
+    <p:push dir="u"/>
+  </p:transition>
+  <p:timing>
+    <p:tnLst>
+      <p:par>
+        <p:cTn id="1" dur="indefinite" restart="never" nodeType="tmRoot"/>
+      </p:par>
+    </p:tnLst>
+  </p:timing>
+</p:sld>
+</file>
+
+<file path=ppt/slides/slide9.xml><?xml version="1.0" encoding="utf-8"?>
+<p:sld xmlns:a="http://schemas.openxmlformats.org/drawingml/2006/main" xmlns:r="http://schemas.openxmlformats.org/officeDocument/2006/relationships" xmlns:p="http://schemas.openxmlformats.org/presentationml/2006/main">
+  <p:cSld>
+    <p:spTree>
+      <p:nvGrpSpPr>
+        <p:cNvPr id="1" name=""/>
+        <p:cNvGrpSpPr/>
+        <p:nvPr/>
+      </p:nvGrpSpPr>
+      <p:grpSpPr>
+        <a:xfrm>
+          <a:off x="0" y="0"/>
+          <a:ext cx="0" cy="0"/>
+          <a:chOff x="0" y="0"/>
+          <a:chExt cx="0" cy="0"/>
+        </a:xfrm>
+      </p:grpSpPr>
+      <p:sp>
+        <p:nvSpPr>
           <p:cNvPr id="40" name="Rectangle 39"/>
           <p:cNvSpPr/>
           <p:nvPr/>
@@ -22164,7 +29314,7 @@
                 <a14:useLocalDpi xmlns:a14="http://schemas.microsoft.com/office/drawing/2010/main" val="0"/>
               </a:ext>
               <a:ext uri="{96DAC541-7B7A-43D3-8B79-37D633B846F1}">
-                <asvg:svgBlip xmlns="" xmlns:asvg="http://schemas.microsoft.com/office/drawing/2016/SVG/main" r:embed="rId25"/>
+                <asvg:svgBlip xmlns:asvg="http://schemas.microsoft.com/office/drawing/2016/SVG/main" xmlns="" r:embed="rId25"/>
               </a:ext>
             </a:extLst>
           </a:blip>
@@ -22372,1575 +29522,6 @@
     <p:extLst>
       <p:ext uri="{BB962C8B-B14F-4D97-AF65-F5344CB8AC3E}">
         <p14:creationId xmlns:p14="http://schemas.microsoft.com/office/powerpoint/2010/main" val="232843534"/>
-      </p:ext>
-    </p:extLst>
-  </p:cSld>
-  <p:clrMapOvr>
-    <a:masterClrMapping/>
-  </p:clrMapOvr>
-  <p:transition spd="slow">
-    <p:push dir="u"/>
-  </p:transition>
-  <p:timing>
-    <p:tnLst>
-      <p:par>
-        <p:cTn id="1" dur="indefinite" restart="never" nodeType="tmRoot"/>
-      </p:par>
-    </p:tnLst>
-  </p:timing>
-</p:sld>
-</file>
-
-<file path=ppt/slides/slide9.xml><?xml version="1.0" encoding="utf-8"?>
-<p:sld xmlns:a="http://schemas.openxmlformats.org/drawingml/2006/main" xmlns:r="http://schemas.openxmlformats.org/officeDocument/2006/relationships" xmlns:p="http://schemas.openxmlformats.org/presentationml/2006/main">
-  <p:cSld>
-    <p:spTree>
-      <p:nvGrpSpPr>
-        <p:cNvPr id="1" name=""/>
-        <p:cNvGrpSpPr/>
-        <p:nvPr/>
-      </p:nvGrpSpPr>
-      <p:grpSpPr>
-        <a:xfrm>
-          <a:off x="0" y="0"/>
-          <a:ext cx="0" cy="0"/>
-          <a:chOff x="0" y="0"/>
-          <a:chExt cx="0" cy="0"/>
-        </a:xfrm>
-      </p:grpSpPr>
-      <p:sp>
-        <p:nvSpPr>
-          <p:cNvPr id="40" name="Rectangle 39"/>
-          <p:cNvSpPr/>
-          <p:nvPr/>
-        </p:nvSpPr>
-        <p:spPr>
-          <a:xfrm>
-            <a:off x="1819275" y="209550"/>
-            <a:ext cx="7458076" cy="6286500"/>
-          </a:xfrm>
-          <a:prstGeom prst="rect">
-            <a:avLst/>
-          </a:prstGeom>
-          <a:ln w="28575">
-            <a:solidFill>
-              <a:srgbClr val="2CA4F2"/>
-            </a:solidFill>
-          </a:ln>
-        </p:spPr>
-        <p:style>
-          <a:lnRef idx="2">
-            <a:schemeClr val="accent1"/>
-          </a:lnRef>
-          <a:fillRef idx="1">
-            <a:schemeClr val="lt1"/>
-          </a:fillRef>
-          <a:effectRef idx="0">
-            <a:schemeClr val="accent1"/>
-          </a:effectRef>
-          <a:fontRef idx="minor">
-            <a:schemeClr val="dk1"/>
-          </a:fontRef>
-        </p:style>
-        <p:txBody>
-          <a:bodyPr rtlCol="0" anchor="ctr"/>
-          <a:lstStyle/>
-          <a:p>
-            <a:pPr algn="ctr"/>
-            <a:endParaRPr lang="en-US"/>
-          </a:p>
-        </p:txBody>
-      </p:sp>
-      <p:pic>
-        <p:nvPicPr>
-          <p:cNvPr id="12" name="Picture 11"/>
-          <p:cNvPicPr>
-            <a:picLocks noChangeAspect="1"/>
-          </p:cNvPicPr>
-          <p:nvPr/>
-        </p:nvPicPr>
-        <p:blipFill>
-          <a:blip r:embed="rId3" cstate="print">
-            <a:extLst>
-              <a:ext uri="{28A0092B-C50C-407E-A947-70E740481C1C}">
-                <a14:useLocalDpi xmlns:a14="http://schemas.microsoft.com/office/drawing/2010/main" val="0"/>
-              </a:ext>
-            </a:extLst>
-          </a:blip>
-          <a:stretch>
-            <a:fillRect/>
-          </a:stretch>
-        </p:blipFill>
-        <p:spPr>
-          <a:xfrm>
-            <a:off x="7004681" y="300949"/>
-            <a:ext cx="599948" cy="599948"/>
-          </a:xfrm>
-          <a:prstGeom prst="rect">
-            <a:avLst/>
-          </a:prstGeom>
-        </p:spPr>
-      </p:pic>
-      <p:sp>
-        <p:nvSpPr>
-          <p:cNvPr id="2" name="Arc 1"/>
-          <p:cNvSpPr/>
-          <p:nvPr/>
-        </p:nvSpPr>
-        <p:spPr>
-          <a:xfrm>
-            <a:off x="8346563" y="1148862"/>
-            <a:ext cx="588397" cy="633889"/>
-          </a:xfrm>
-          <a:prstGeom prst="arc">
-            <a:avLst/>
-          </a:prstGeom>
-          <a:ln w="19050">
-            <a:solidFill>
-              <a:schemeClr val="tx1"/>
-            </a:solidFill>
-          </a:ln>
-        </p:spPr>
-        <p:style>
-          <a:lnRef idx="1">
-            <a:schemeClr val="accent1"/>
-          </a:lnRef>
-          <a:fillRef idx="0">
-            <a:schemeClr val="accent1"/>
-          </a:fillRef>
-          <a:effectRef idx="0">
-            <a:schemeClr val="accent1"/>
-          </a:effectRef>
-          <a:fontRef idx="minor">
-            <a:schemeClr val="tx1"/>
-          </a:fontRef>
-        </p:style>
-        <p:txBody>
-          <a:bodyPr rtlCol="0" anchor="ctr"/>
-          <a:lstStyle/>
-          <a:p>
-            <a:pPr algn="ctr"/>
-            <a:endParaRPr lang="en-US"/>
-          </a:p>
-        </p:txBody>
-      </p:sp>
-      <p:cxnSp>
-        <p:nvCxnSpPr>
-          <p:cNvPr id="15" name="Straight Connector 14"/>
-          <p:cNvCxnSpPr>
-            <a:cxnSpLocks/>
-            <a:stCxn id="2" idx="0"/>
-            <a:endCxn id="21" idx="3"/>
-          </p:cNvCxnSpPr>
-          <p:nvPr/>
-        </p:nvCxnSpPr>
-        <p:spPr>
-          <a:xfrm flipH="1">
-            <a:off x="2760184" y="1148862"/>
-            <a:ext cx="5880577" cy="3714"/>
-          </a:xfrm>
-          <a:prstGeom prst="line">
-            <a:avLst/>
-          </a:prstGeom>
-          <a:ln w="19050">
-            <a:solidFill>
-              <a:schemeClr val="tx1"/>
-            </a:solidFill>
-          </a:ln>
-        </p:spPr>
-        <p:style>
-          <a:lnRef idx="1">
-            <a:schemeClr val="accent1"/>
-          </a:lnRef>
-          <a:fillRef idx="0">
-            <a:schemeClr val="accent1"/>
-          </a:fillRef>
-          <a:effectRef idx="0">
-            <a:schemeClr val="accent1"/>
-          </a:effectRef>
-          <a:fontRef idx="minor">
-            <a:schemeClr val="tx1"/>
-          </a:fontRef>
-        </p:style>
-      </p:cxnSp>
-      <p:cxnSp>
-        <p:nvCxnSpPr>
-          <p:cNvPr id="20" name="Straight Connector 19"/>
-          <p:cNvCxnSpPr>
-            <a:cxnSpLocks/>
-          </p:cNvCxnSpPr>
-          <p:nvPr/>
-        </p:nvCxnSpPr>
-        <p:spPr>
-          <a:xfrm>
-            <a:off x="8933023" y="1444382"/>
-            <a:ext cx="0" cy="1482681"/>
-          </a:xfrm>
-          <a:prstGeom prst="line">
-            <a:avLst/>
-          </a:prstGeom>
-          <a:ln w="19050">
-            <a:solidFill>
-              <a:schemeClr val="tx1"/>
-            </a:solidFill>
-          </a:ln>
-        </p:spPr>
-        <p:style>
-          <a:lnRef idx="1">
-            <a:schemeClr val="accent1"/>
-          </a:lnRef>
-          <a:fillRef idx="0">
-            <a:schemeClr val="accent1"/>
-          </a:fillRef>
-          <a:effectRef idx="0">
-            <a:schemeClr val="accent1"/>
-          </a:effectRef>
-          <a:fontRef idx="minor">
-            <a:schemeClr val="tx1"/>
-          </a:fontRef>
-        </p:style>
-      </p:cxnSp>
-      <p:sp>
-        <p:nvSpPr>
-          <p:cNvPr id="23" name="Arc 22"/>
-          <p:cNvSpPr/>
-          <p:nvPr/>
-        </p:nvSpPr>
-        <p:spPr>
-          <a:xfrm rot="5400000">
-            <a:off x="8321880" y="2607437"/>
-            <a:ext cx="588397" cy="633889"/>
-          </a:xfrm>
-          <a:prstGeom prst="arc">
-            <a:avLst/>
-          </a:prstGeom>
-          <a:ln w="19050">
-            <a:solidFill>
-              <a:schemeClr val="tx1"/>
-            </a:solidFill>
-          </a:ln>
-        </p:spPr>
-        <p:style>
-          <a:lnRef idx="1">
-            <a:schemeClr val="accent1"/>
-          </a:lnRef>
-          <a:fillRef idx="0">
-            <a:schemeClr val="accent1"/>
-          </a:fillRef>
-          <a:effectRef idx="0">
-            <a:schemeClr val="accent1"/>
-          </a:effectRef>
-          <a:fontRef idx="minor">
-            <a:schemeClr val="tx1"/>
-          </a:fontRef>
-        </p:style>
-        <p:txBody>
-          <a:bodyPr rtlCol="0" anchor="ctr"/>
-          <a:lstStyle/>
-          <a:p>
-            <a:pPr algn="ctr"/>
-            <a:endParaRPr lang="en-US"/>
-          </a:p>
-        </p:txBody>
-      </p:sp>
-      <p:cxnSp>
-        <p:nvCxnSpPr>
-          <p:cNvPr id="24" name="Straight Connector 23"/>
-          <p:cNvCxnSpPr>
-            <a:cxnSpLocks/>
-            <a:stCxn id="23" idx="2"/>
-          </p:cNvCxnSpPr>
-          <p:nvPr/>
-        </p:nvCxnSpPr>
-        <p:spPr>
-          <a:xfrm flipH="1">
-            <a:off x="2767674" y="3218580"/>
-            <a:ext cx="5848404" cy="0"/>
-          </a:xfrm>
-          <a:prstGeom prst="line">
-            <a:avLst/>
-          </a:prstGeom>
-          <a:ln w="19050">
-            <a:solidFill>
-              <a:schemeClr val="tx1"/>
-            </a:solidFill>
-          </a:ln>
-        </p:spPr>
-        <p:style>
-          <a:lnRef idx="1">
-            <a:schemeClr val="accent1"/>
-          </a:lnRef>
-          <a:fillRef idx="0">
-            <a:schemeClr val="accent1"/>
-          </a:fillRef>
-          <a:effectRef idx="0">
-            <a:schemeClr val="accent1"/>
-          </a:effectRef>
-          <a:fontRef idx="minor">
-            <a:schemeClr val="tx1"/>
-          </a:fontRef>
-        </p:style>
-      </p:cxnSp>
-      <p:sp>
-        <p:nvSpPr>
-          <p:cNvPr id="29" name="Arc 28"/>
-          <p:cNvSpPr/>
-          <p:nvPr/>
-        </p:nvSpPr>
-        <p:spPr>
-          <a:xfrm rot="16452913">
-            <a:off x="2473475" y="3193454"/>
-            <a:ext cx="588397" cy="633889"/>
-          </a:xfrm>
-          <a:prstGeom prst="arc">
-            <a:avLst/>
-          </a:prstGeom>
-          <a:ln w="19050">
-            <a:solidFill>
-              <a:schemeClr val="tx1"/>
-            </a:solidFill>
-          </a:ln>
-        </p:spPr>
-        <p:style>
-          <a:lnRef idx="1">
-            <a:schemeClr val="accent1"/>
-          </a:lnRef>
-          <a:fillRef idx="0">
-            <a:schemeClr val="accent1"/>
-          </a:fillRef>
-          <a:effectRef idx="0">
-            <a:schemeClr val="accent1"/>
-          </a:effectRef>
-          <a:fontRef idx="minor">
-            <a:schemeClr val="tx1"/>
-          </a:fontRef>
-        </p:style>
-        <p:txBody>
-          <a:bodyPr rtlCol="0" anchor="ctr"/>
-          <a:lstStyle/>
-          <a:p>
-            <a:pPr algn="ctr"/>
-            <a:endParaRPr lang="en-US" dirty="0"/>
-          </a:p>
-        </p:txBody>
-      </p:sp>
-      <p:cxnSp>
-        <p:nvCxnSpPr>
-          <p:cNvPr id="16" name="Straight Connector 15"/>
-          <p:cNvCxnSpPr>
-            <a:cxnSpLocks/>
-          </p:cNvCxnSpPr>
-          <p:nvPr/>
-        </p:nvCxnSpPr>
-        <p:spPr>
-          <a:xfrm>
-            <a:off x="2463461" y="3487103"/>
-            <a:ext cx="0" cy="1720278"/>
-          </a:xfrm>
-          <a:prstGeom prst="line">
-            <a:avLst/>
-          </a:prstGeom>
-          <a:ln w="19050">
-            <a:solidFill>
-              <a:schemeClr val="tx1"/>
-            </a:solidFill>
-          </a:ln>
-        </p:spPr>
-        <p:style>
-          <a:lnRef idx="1">
-            <a:schemeClr val="accent1"/>
-          </a:lnRef>
-          <a:fillRef idx="0">
-            <a:schemeClr val="accent1"/>
-          </a:fillRef>
-          <a:effectRef idx="0">
-            <a:schemeClr val="accent1"/>
-          </a:effectRef>
-          <a:fontRef idx="minor">
-            <a:schemeClr val="tx1"/>
-          </a:fontRef>
-        </p:style>
-      </p:cxnSp>
-      <p:pic>
-        <p:nvPicPr>
-          <p:cNvPr id="8" name="Picture 7"/>
-          <p:cNvPicPr>
-            <a:picLocks noChangeAspect="1"/>
-          </p:cNvPicPr>
-          <p:nvPr/>
-        </p:nvPicPr>
-        <p:blipFill>
-          <a:blip r:embed="rId4" cstate="print">
-            <a:extLst>
-              <a:ext uri="{28A0092B-C50C-407E-A947-70E740481C1C}">
-                <a14:useLocalDpi xmlns:a14="http://schemas.microsoft.com/office/drawing/2010/main" val="0"/>
-              </a:ext>
-            </a:extLst>
-          </a:blip>
-          <a:stretch>
-            <a:fillRect/>
-          </a:stretch>
-        </p:blipFill>
-        <p:spPr>
-          <a:xfrm>
-            <a:off x="3647446" y="398024"/>
-            <a:ext cx="674022" cy="674022"/>
-          </a:xfrm>
-          <a:prstGeom prst="rect">
-            <a:avLst/>
-          </a:prstGeom>
-        </p:spPr>
-      </p:pic>
-      <p:sp>
-        <p:nvSpPr>
-          <p:cNvPr id="58" name="TextBox 57"/>
-          <p:cNvSpPr txBox="1"/>
-          <p:nvPr/>
-        </p:nvSpPr>
-        <p:spPr>
-          <a:xfrm>
-            <a:off x="5798401" y="1445670"/>
-            <a:ext cx="2873914" cy="938719"/>
-          </a:xfrm>
-          <a:prstGeom prst="rect">
-            <a:avLst/>
-          </a:prstGeom>
-          <a:noFill/>
-        </p:spPr>
-        <p:txBody>
-          <a:bodyPr wrap="square" rtlCol="0">
-            <a:spAutoFit/>
-          </a:bodyPr>
-          <a:lstStyle>
-            <a:defPPr>
-              <a:defRPr lang="sv-SE"/>
-            </a:defPPr>
-            <a:lvl1pPr>
-              <a:defRPr sz="1100">
-                <a:latin typeface="メイリオ" panose="020B0604030504040204" pitchFamily="50" charset="-128"/>
-                <a:ea typeface="メイリオ" panose="020B0604030504040204" pitchFamily="50" charset="-128"/>
-                <a:cs typeface="メイリオ" panose="020B0604030504040204" pitchFamily="50" charset="-128"/>
-              </a:defRPr>
-            </a:lvl1pPr>
-          </a:lstStyle>
-          <a:p>
-            <a:r>
-              <a:rPr lang="ja-JP" altLang="en-US" dirty="0" smtClean="0"/>
-              <a:t>クラウドサーバーへのアップロードもしくは、監査人を招き実地作業によりソースコードを監査人に渡します（実地の場合、スキャン実施にローカルサーバの準備が必要となります）。</a:t>
-            </a:r>
-            <a:endParaRPr lang="sv-SE" dirty="0"/>
-          </a:p>
-        </p:txBody>
-      </p:sp>
-      <p:sp>
-        <p:nvSpPr>
-          <p:cNvPr id="59" name="TextBox 58"/>
-          <p:cNvSpPr txBox="1"/>
-          <p:nvPr/>
-        </p:nvSpPr>
-        <p:spPr>
-          <a:xfrm>
-            <a:off x="5998816" y="1224552"/>
-            <a:ext cx="2617261" cy="276999"/>
-          </a:xfrm>
-          <a:prstGeom prst="rect">
-            <a:avLst/>
-          </a:prstGeom>
-          <a:noFill/>
-        </p:spPr>
-        <p:txBody>
-          <a:bodyPr wrap="square" rtlCol="0">
-            <a:spAutoFit/>
-          </a:bodyPr>
-          <a:lstStyle>
-            <a:defPPr>
-              <a:defRPr lang="sv-SE"/>
-            </a:defPPr>
-            <a:lvl1pPr algn="ctr">
-              <a:defRPr sz="1200" b="1">
-                <a:latin typeface="メイリオ" panose="020B0604030504040204" pitchFamily="50" charset="-128"/>
-                <a:ea typeface="メイリオ" panose="020B0604030504040204" pitchFamily="50" charset="-128"/>
-                <a:cs typeface="メイリオ" panose="020B0604030504040204" pitchFamily="50" charset="-128"/>
-              </a:defRPr>
-            </a:lvl1pPr>
-          </a:lstStyle>
-          <a:p>
-            <a:r>
-              <a:rPr lang="ja-JP" altLang="en-US" dirty="0" smtClean="0"/>
-              <a:t>監査人へのコードの送付</a:t>
-            </a:r>
-            <a:endParaRPr lang="sv-SE" dirty="0"/>
-          </a:p>
-        </p:txBody>
-      </p:sp>
-      <p:pic>
-        <p:nvPicPr>
-          <p:cNvPr id="65" name="Picture 64"/>
-          <p:cNvPicPr>
-            <a:picLocks noChangeAspect="1"/>
-          </p:cNvPicPr>
-          <p:nvPr/>
-        </p:nvPicPr>
-        <p:blipFill>
-          <a:blip r:embed="rId5" cstate="print">
-            <a:extLst>
-              <a:ext uri="{28A0092B-C50C-407E-A947-70E740481C1C}">
-                <a14:useLocalDpi xmlns:a14="http://schemas.microsoft.com/office/drawing/2010/main" val="0"/>
-              </a:ext>
-            </a:extLst>
-          </a:blip>
-          <a:stretch>
-            <a:fillRect/>
-          </a:stretch>
-        </p:blipFill>
-        <p:spPr>
-          <a:xfrm>
-            <a:off x="6601603" y="539323"/>
-            <a:ext cx="569047" cy="569047"/>
-          </a:xfrm>
-          <a:prstGeom prst="rect">
-            <a:avLst/>
-          </a:prstGeom>
-        </p:spPr>
-      </p:pic>
-      <p:pic>
-        <p:nvPicPr>
-          <p:cNvPr id="94" name="Picture 93"/>
-          <p:cNvPicPr>
-            <a:picLocks noChangeAspect="1"/>
-          </p:cNvPicPr>
-          <p:nvPr/>
-        </p:nvPicPr>
-        <p:blipFill>
-          <a:blip r:embed="rId6" cstate="print">
-            <a:extLst>
-              <a:ext uri="{28A0092B-C50C-407E-A947-70E740481C1C}">
-                <a14:useLocalDpi xmlns:a14="http://schemas.microsoft.com/office/drawing/2010/main" val="0"/>
-              </a:ext>
-            </a:extLst>
-          </a:blip>
-          <a:stretch>
-            <a:fillRect/>
-          </a:stretch>
-        </p:blipFill>
-        <p:spPr>
-          <a:xfrm>
-            <a:off x="7210738" y="465346"/>
-            <a:ext cx="325707" cy="325707"/>
-          </a:xfrm>
-          <a:prstGeom prst="rect">
-            <a:avLst/>
-          </a:prstGeom>
-        </p:spPr>
-      </p:pic>
-      <p:pic>
-        <p:nvPicPr>
-          <p:cNvPr id="88" name="Picture 87"/>
-          <p:cNvPicPr>
-            <a:picLocks noChangeAspect="1"/>
-          </p:cNvPicPr>
-          <p:nvPr/>
-        </p:nvPicPr>
-        <p:blipFill>
-          <a:blip r:embed="rId7"/>
-          <a:stretch>
-            <a:fillRect/>
-          </a:stretch>
-        </p:blipFill>
-        <p:spPr>
-          <a:xfrm rot="2749760">
-            <a:off x="6912477" y="596873"/>
-            <a:ext cx="377309" cy="342273"/>
-          </a:xfrm>
-          <a:prstGeom prst="rect">
-            <a:avLst/>
-          </a:prstGeom>
-        </p:spPr>
-      </p:pic>
-      <p:pic>
-        <p:nvPicPr>
-          <p:cNvPr id="48" name="Picture 47"/>
-          <p:cNvPicPr>
-            <a:picLocks noChangeAspect="1"/>
-          </p:cNvPicPr>
-          <p:nvPr/>
-        </p:nvPicPr>
-        <p:blipFill>
-          <a:blip r:embed="rId8" cstate="print">
-            <a:extLst>
-              <a:ext uri="{28A0092B-C50C-407E-A947-70E740481C1C}">
-                <a14:useLocalDpi xmlns:a14="http://schemas.microsoft.com/office/drawing/2010/main" val="0"/>
-              </a:ext>
-            </a:extLst>
-          </a:blip>
-          <a:stretch>
-            <a:fillRect/>
-          </a:stretch>
-        </p:blipFill>
-        <p:spPr>
-          <a:xfrm>
-            <a:off x="6816845" y="2456549"/>
-            <a:ext cx="761204" cy="761204"/>
-          </a:xfrm>
-          <a:prstGeom prst="rect">
-            <a:avLst/>
-          </a:prstGeom>
-        </p:spPr>
-      </p:pic>
-      <p:sp>
-        <p:nvSpPr>
-          <p:cNvPr id="53" name="TextBox 52"/>
-          <p:cNvSpPr txBox="1"/>
-          <p:nvPr/>
-        </p:nvSpPr>
-        <p:spPr>
-          <a:xfrm>
-            <a:off x="6336386" y="3241240"/>
-            <a:ext cx="1797945" cy="276999"/>
-          </a:xfrm>
-          <a:prstGeom prst="rect">
-            <a:avLst/>
-          </a:prstGeom>
-          <a:noFill/>
-        </p:spPr>
-        <p:txBody>
-          <a:bodyPr wrap="square" rtlCol="0">
-            <a:spAutoFit/>
-          </a:bodyPr>
-          <a:lstStyle>
-            <a:defPPr>
-              <a:defRPr lang="sv-SE"/>
-            </a:defPPr>
-            <a:lvl1pPr algn="ctr">
-              <a:defRPr sz="1200" b="1">
-                <a:latin typeface="メイリオ" panose="020B0604030504040204" pitchFamily="50" charset="-128"/>
-                <a:ea typeface="メイリオ" panose="020B0604030504040204" pitchFamily="50" charset="-128"/>
-                <a:cs typeface="メイリオ" panose="020B0604030504040204" pitchFamily="50" charset="-128"/>
-              </a:defRPr>
-            </a:lvl1pPr>
-          </a:lstStyle>
-          <a:p>
-            <a:r>
-              <a:rPr lang="ja-JP" altLang="en-US" dirty="0" smtClean="0"/>
-              <a:t>監査の実行</a:t>
-            </a:r>
-            <a:endParaRPr lang="sv-SE" dirty="0"/>
-          </a:p>
-        </p:txBody>
-      </p:sp>
-      <p:sp>
-        <p:nvSpPr>
-          <p:cNvPr id="64" name="TextBox 63"/>
-          <p:cNvSpPr txBox="1"/>
-          <p:nvPr/>
-        </p:nvSpPr>
-        <p:spPr>
-          <a:xfrm>
-            <a:off x="5759364" y="3467762"/>
-            <a:ext cx="3173660" cy="784830"/>
-          </a:xfrm>
-          <a:prstGeom prst="rect">
-            <a:avLst/>
-          </a:prstGeom>
-          <a:noFill/>
-        </p:spPr>
-        <p:txBody>
-          <a:bodyPr wrap="square" rtlCol="0">
-            <a:spAutoFit/>
-          </a:bodyPr>
-          <a:lstStyle>
-            <a:defPPr>
-              <a:defRPr lang="sv-SE"/>
-            </a:defPPr>
-            <a:lvl1pPr>
-              <a:defRPr sz="1100">
-                <a:latin typeface="メイリオ" panose="020B0604030504040204" pitchFamily="50" charset="-128"/>
-                <a:ea typeface="メイリオ" panose="020B0604030504040204" pitchFamily="50" charset="-128"/>
-                <a:cs typeface="メイリオ" panose="020B0604030504040204" pitchFamily="50" charset="-128"/>
-              </a:defRPr>
-            </a:lvl1pPr>
-          </a:lstStyle>
-          <a:p>
-            <a:r>
-              <a:rPr lang="ja-JP" altLang="en-US" dirty="0"/>
-              <a:t>監査人はコードベースに対し監査を実施します。彼らは、オープンソースでない、コンポーネントから、オープンソースのコンポーネント、スニペットの起源やライセンスを特定します</a:t>
-            </a:r>
-            <a:r>
-              <a:rPr lang="en-US" altLang="ja-JP" dirty="0">
-                <a:solidFill>
-                  <a:srgbClr val="FF0000"/>
-                </a:solidFill>
-              </a:rPr>
-              <a:t>* </a:t>
-            </a:r>
-            <a:r>
-              <a:rPr lang="ja-JP" altLang="en-US" dirty="0" err="1"/>
-              <a:t>。</a:t>
-            </a:r>
-            <a:endParaRPr lang="sv-SE" dirty="0"/>
-          </a:p>
-        </p:txBody>
-      </p:sp>
-      <p:grpSp>
-        <p:nvGrpSpPr>
-          <p:cNvPr id="4" name="Group 3"/>
-          <p:cNvGrpSpPr/>
-          <p:nvPr/>
-        </p:nvGrpSpPr>
-        <p:grpSpPr>
-          <a:xfrm>
-            <a:off x="3573261" y="2455321"/>
-            <a:ext cx="711813" cy="657309"/>
-            <a:chOff x="4552630" y="2268979"/>
-            <a:chExt cx="788638" cy="798292"/>
-          </a:xfrm>
-        </p:grpSpPr>
-        <p:pic>
-          <p:nvPicPr>
-            <p:cNvPr id="67" name="Picture 66"/>
-            <p:cNvPicPr>
-              <a:picLocks noChangeAspect="1"/>
-            </p:cNvPicPr>
-            <p:nvPr/>
-          </p:nvPicPr>
-          <p:blipFill>
-            <a:blip r:embed="rId9" cstate="print">
-              <a:extLst>
-                <a:ext uri="{28A0092B-C50C-407E-A947-70E740481C1C}">
-                  <a14:useLocalDpi xmlns:a14="http://schemas.microsoft.com/office/drawing/2010/main" val="0"/>
-                </a:ext>
-              </a:extLst>
-            </a:blip>
-            <a:stretch>
-              <a:fillRect/>
-            </a:stretch>
-          </p:blipFill>
-          <p:spPr>
-            <a:xfrm>
-              <a:off x="4552630" y="2345745"/>
-              <a:ext cx="721526" cy="721526"/>
-            </a:xfrm>
-            <a:prstGeom prst="rect">
-              <a:avLst/>
-            </a:prstGeom>
-          </p:spPr>
-        </p:pic>
-        <p:pic>
-          <p:nvPicPr>
-            <p:cNvPr id="68" name="Picture 67"/>
-            <p:cNvPicPr>
-              <a:picLocks noChangeAspect="1"/>
-            </p:cNvPicPr>
-            <p:nvPr/>
-          </p:nvPicPr>
-          <p:blipFill>
-            <a:blip r:embed="rId10" cstate="print">
-              <a:extLst>
-                <a:ext uri="{28A0092B-C50C-407E-A947-70E740481C1C}">
-                  <a14:useLocalDpi xmlns:a14="http://schemas.microsoft.com/office/drawing/2010/main" val="0"/>
-                </a:ext>
-              </a:extLst>
-            </a:blip>
-            <a:stretch>
-              <a:fillRect/>
-            </a:stretch>
-          </p:blipFill>
-          <p:spPr>
-            <a:xfrm>
-              <a:off x="4938559" y="2268979"/>
-              <a:ext cx="402709" cy="402709"/>
-            </a:xfrm>
-            <a:prstGeom prst="rect">
-              <a:avLst/>
-            </a:prstGeom>
-          </p:spPr>
-        </p:pic>
-      </p:grpSp>
-      <p:pic>
-        <p:nvPicPr>
-          <p:cNvPr id="74" name="Picture 73"/>
-          <p:cNvPicPr>
-            <a:picLocks noChangeAspect="1"/>
-          </p:cNvPicPr>
-          <p:nvPr/>
-        </p:nvPicPr>
-        <p:blipFill>
-          <a:blip r:embed="rId11" cstate="print">
-            <a:extLst>
-              <a:ext uri="{28A0092B-C50C-407E-A947-70E740481C1C}">
-                <a14:useLocalDpi xmlns:a14="http://schemas.microsoft.com/office/drawing/2010/main" val="0"/>
-              </a:ext>
-            </a:extLst>
-          </a:blip>
-          <a:stretch>
-            <a:fillRect/>
-          </a:stretch>
-        </p:blipFill>
-        <p:spPr>
-          <a:xfrm>
-            <a:off x="3680976" y="4821479"/>
-            <a:ext cx="570655" cy="570655"/>
-          </a:xfrm>
-          <a:prstGeom prst="rect">
-            <a:avLst/>
-          </a:prstGeom>
-        </p:spPr>
-      </p:pic>
-      <p:sp>
-        <p:nvSpPr>
-          <p:cNvPr id="21" name="Rounded Rectangle 20"/>
-          <p:cNvSpPr/>
-          <p:nvPr/>
-        </p:nvSpPr>
-        <p:spPr>
-          <a:xfrm>
-            <a:off x="2021718" y="869547"/>
-            <a:ext cx="738466" cy="566057"/>
-          </a:xfrm>
-          <a:prstGeom prst="roundRect">
-            <a:avLst/>
-          </a:prstGeom>
-          <a:ln w="28575">
-            <a:solidFill>
-              <a:srgbClr val="2CA4F2"/>
-            </a:solidFill>
-          </a:ln>
-        </p:spPr>
-        <p:style>
-          <a:lnRef idx="2">
-            <a:schemeClr val="accent1"/>
-          </a:lnRef>
-          <a:fillRef idx="1">
-            <a:schemeClr val="lt1"/>
-          </a:fillRef>
-          <a:effectRef idx="0">
-            <a:schemeClr val="accent1"/>
-          </a:effectRef>
-          <a:fontRef idx="minor">
-            <a:schemeClr val="dk1"/>
-          </a:fontRef>
-        </p:style>
-        <p:txBody>
-          <a:bodyPr rtlCol="0" anchor="ctr"/>
-          <a:lstStyle/>
-          <a:p>
-            <a:pPr algn="ctr"/>
-            <a:r>
-              <a:rPr lang="ja-JP" altLang="en-US" sz="1400" b="1" dirty="0">
-                <a:solidFill>
-                  <a:schemeClr val="dk1"/>
-                </a:solidFill>
-                <a:latin typeface="メイリオ" panose="020B0604030504040204" pitchFamily="50" charset="-128"/>
-                <a:ea typeface="メイリオ" panose="020B0604030504040204" pitchFamily="50" charset="-128"/>
-                <a:cs typeface="メイリオ" panose="020B0604030504040204" pitchFamily="50" charset="-128"/>
-              </a:rPr>
-              <a:t>開始</a:t>
-            </a:r>
-            <a:endParaRPr lang="en-US" sz="1400" b="1" dirty="0">
-              <a:solidFill>
-                <a:schemeClr val="dk1"/>
-              </a:solidFill>
-              <a:latin typeface="メイリオ" panose="020B0604030504040204" pitchFamily="50" charset="-128"/>
-              <a:ea typeface="メイリオ" panose="020B0604030504040204" pitchFamily="50" charset="-128"/>
-              <a:cs typeface="メイリオ" panose="020B0604030504040204" pitchFamily="50" charset="-128"/>
-            </a:endParaRPr>
-          </a:p>
-        </p:txBody>
-      </p:sp>
-      <p:pic>
-        <p:nvPicPr>
-          <p:cNvPr id="32" name="Picture 2" descr="http://carrot-top.com/media/catalog/product/cache/1/image/9df78eab33525d08d6e5fb8d27136e95/a/s/as150_checkered.jpg"/>
-          <p:cNvPicPr>
-            <a:picLocks noChangeAspect="1" noChangeArrowheads="1"/>
-          </p:cNvPicPr>
-          <p:nvPr/>
-        </p:nvPicPr>
-        <p:blipFill>
-          <a:blip r:embed="rId12" cstate="print">
-            <a:extLst>
-              <a:ext uri="{28A0092B-C50C-407E-A947-70E740481C1C}">
-                <a14:useLocalDpi xmlns:a14="http://schemas.microsoft.com/office/drawing/2010/main" val="0"/>
-              </a:ext>
-            </a:extLst>
-          </a:blip>
-          <a:srcRect/>
-          <a:stretch>
-            <a:fillRect/>
-          </a:stretch>
-        </p:blipFill>
-        <p:spPr bwMode="auto">
-          <a:xfrm>
-            <a:off x="5523415" y="4535578"/>
-            <a:ext cx="740229" cy="740229"/>
-          </a:xfrm>
-          <a:prstGeom prst="rect">
-            <a:avLst/>
-          </a:prstGeom>
-          <a:noFill/>
-          <a:extLst>
-            <a:ext uri="{909E8E84-426E-40DD-AFC4-6F175D3DCCD1}">
-              <a14:hiddenFill xmlns:a14="http://schemas.microsoft.com/office/drawing/2010/main">
-                <a:solidFill>
-                  <a:srgbClr val="FFFFFF"/>
-                </a:solidFill>
-              </a14:hiddenFill>
-            </a:ext>
-          </a:extLst>
-        </p:spPr>
-      </p:pic>
-      <p:sp>
-        <p:nvSpPr>
-          <p:cNvPr id="33" name="Isosceles Triangle 32"/>
-          <p:cNvSpPr/>
-          <p:nvPr/>
-        </p:nvSpPr>
-        <p:spPr>
-          <a:xfrm rot="10800000">
-            <a:off x="8737080" y="2018970"/>
-            <a:ext cx="391886" cy="393374"/>
-          </a:xfrm>
-          <a:prstGeom prst="triangle">
-            <a:avLst/>
-          </a:prstGeom>
-          <a:solidFill>
-            <a:srgbClr val="2CA4F2"/>
-          </a:solidFill>
-          <a:ln w="28575">
-            <a:solidFill>
-              <a:schemeClr val="tx1"/>
-            </a:solidFill>
-          </a:ln>
-        </p:spPr>
-        <p:style>
-          <a:lnRef idx="2">
-            <a:schemeClr val="accent1">
-              <a:shade val="50000"/>
-            </a:schemeClr>
-          </a:lnRef>
-          <a:fillRef idx="1">
-            <a:schemeClr val="accent1"/>
-          </a:fillRef>
-          <a:effectRef idx="0">
-            <a:schemeClr val="accent1"/>
-          </a:effectRef>
-          <a:fontRef idx="minor">
-            <a:schemeClr val="lt1"/>
-          </a:fontRef>
-        </p:style>
-        <p:txBody>
-          <a:bodyPr rtlCol="0" anchor="ctr"/>
-          <a:lstStyle/>
-          <a:p>
-            <a:pPr algn="ctr"/>
-            <a:endParaRPr lang="en-US"/>
-          </a:p>
-        </p:txBody>
-      </p:sp>
-      <p:sp>
-        <p:nvSpPr>
-          <p:cNvPr id="35" name="Isosceles Triangle 34"/>
-          <p:cNvSpPr/>
-          <p:nvPr/>
-        </p:nvSpPr>
-        <p:spPr>
-          <a:xfrm rot="10800000">
-            <a:off x="2264017" y="4332186"/>
-            <a:ext cx="391886" cy="393374"/>
-          </a:xfrm>
-          <a:prstGeom prst="triangle">
-            <a:avLst/>
-          </a:prstGeom>
-          <a:solidFill>
-            <a:srgbClr val="2CA4F2"/>
-          </a:solidFill>
-          <a:ln w="28575">
-            <a:solidFill>
-              <a:schemeClr val="tx1"/>
-            </a:solidFill>
-          </a:ln>
-        </p:spPr>
-        <p:style>
-          <a:lnRef idx="2">
-            <a:schemeClr val="accent1">
-              <a:shade val="50000"/>
-            </a:schemeClr>
-          </a:lnRef>
-          <a:fillRef idx="1">
-            <a:schemeClr val="accent1"/>
-          </a:fillRef>
-          <a:effectRef idx="0">
-            <a:schemeClr val="accent1"/>
-          </a:effectRef>
-          <a:fontRef idx="minor">
-            <a:schemeClr val="lt1"/>
-          </a:fontRef>
-        </p:style>
-        <p:txBody>
-          <a:bodyPr rtlCol="0" anchor="ctr"/>
-          <a:lstStyle/>
-          <a:p>
-            <a:pPr algn="ctr"/>
-            <a:endParaRPr lang="en-US"/>
-          </a:p>
-        </p:txBody>
-      </p:sp>
-      <p:pic>
-        <p:nvPicPr>
-          <p:cNvPr id="36" name="Graphic 46"/>
-          <p:cNvPicPr>
-            <a:picLocks noChangeAspect="1"/>
-          </p:cNvPicPr>
-          <p:nvPr/>
-        </p:nvPicPr>
-        <p:blipFill>
-          <a:blip r:embed="rId13" cstate="print">
-            <a:extLst>
-              <a:ext uri="{28A0092B-C50C-407E-A947-70E740481C1C}">
-                <a14:useLocalDpi xmlns:a14="http://schemas.microsoft.com/office/drawing/2010/main" val="0"/>
-              </a:ext>
-              <a:ext uri="{96DAC541-7B7A-43D3-8B79-37D633B846F1}">
-                <asvg:svgBlip xmlns="" xmlns:asvg="http://schemas.microsoft.com/office/drawing/2016/SVG/main" r:embed="rId25"/>
-              </a:ext>
-            </a:extLst>
-          </a:blip>
-          <a:stretch>
-            <a:fillRect/>
-          </a:stretch>
-        </p:blipFill>
-        <p:spPr>
-          <a:xfrm>
-            <a:off x="7061566" y="2890048"/>
-            <a:ext cx="271762" cy="271762"/>
-          </a:xfrm>
-          <a:prstGeom prst="rect">
-            <a:avLst/>
-          </a:prstGeom>
-        </p:spPr>
-      </p:pic>
-      <p:cxnSp>
-        <p:nvCxnSpPr>
-          <p:cNvPr id="39" name="Straight Connector 38"/>
-          <p:cNvCxnSpPr>
-            <a:cxnSpLocks/>
-          </p:cNvCxnSpPr>
-          <p:nvPr/>
-        </p:nvCxnSpPr>
-        <p:spPr>
-          <a:xfrm flipH="1">
-            <a:off x="2725707" y="5502285"/>
-            <a:ext cx="2797708" cy="0"/>
-          </a:xfrm>
-          <a:prstGeom prst="line">
-            <a:avLst/>
-          </a:prstGeom>
-          <a:ln w="19050">
-            <a:solidFill>
-              <a:schemeClr val="tx1"/>
-            </a:solidFill>
-          </a:ln>
-        </p:spPr>
-        <p:style>
-          <a:lnRef idx="1">
-            <a:schemeClr val="accent1"/>
-          </a:lnRef>
-          <a:fillRef idx="0">
-            <a:schemeClr val="accent1"/>
-          </a:fillRef>
-          <a:effectRef idx="0">
-            <a:schemeClr val="accent1"/>
-          </a:effectRef>
-          <a:fontRef idx="minor">
-            <a:schemeClr val="tx1"/>
-          </a:fontRef>
-        </p:style>
-      </p:cxnSp>
-      <p:sp>
-        <p:nvSpPr>
-          <p:cNvPr id="42" name="TextBox 41"/>
-          <p:cNvSpPr txBox="1"/>
-          <p:nvPr/>
-        </p:nvSpPr>
-        <p:spPr>
-          <a:xfrm>
-            <a:off x="6816845" y="5833683"/>
-            <a:ext cx="2116178" cy="530915"/>
-          </a:xfrm>
-          <a:prstGeom prst="rect">
-            <a:avLst/>
-          </a:prstGeom>
-          <a:noFill/>
-          <a:ln w="12700">
-            <a:solidFill>
-              <a:schemeClr val="tx1">
-                <a:lumMod val="50000"/>
-                <a:lumOff val="50000"/>
-              </a:schemeClr>
-            </a:solidFill>
-            <a:prstDash val="sysDash"/>
-          </a:ln>
-        </p:spPr>
-        <p:txBody>
-          <a:bodyPr wrap="square" rtlCol="0">
-            <a:spAutoFit/>
-          </a:bodyPr>
-          <a:lstStyle/>
-          <a:p>
-            <a:r>
-              <a:rPr lang="en-US" sz="1050" i="1" dirty="0" smtClean="0">
-                <a:solidFill>
-                  <a:srgbClr val="FF0000"/>
-                </a:solidFill>
-                <a:latin typeface="メイリオ" panose="020B0604030504040204" pitchFamily="50" charset="-128"/>
-                <a:ea typeface="メイリオ" panose="020B0604030504040204" pitchFamily="50" charset="-128"/>
-                <a:cs typeface="メイリオ" panose="020B0604030504040204" pitchFamily="50" charset="-128"/>
-              </a:rPr>
-              <a:t>*</a:t>
-            </a:r>
-            <a:r>
-              <a:rPr lang="en-US" sz="900" i="1" dirty="0" smtClean="0">
-                <a:solidFill>
-                  <a:srgbClr val="FF0000"/>
-                </a:solidFill>
-                <a:latin typeface="メイリオ" panose="020B0604030504040204" pitchFamily="50" charset="-128"/>
-                <a:ea typeface="メイリオ" panose="020B0604030504040204" pitchFamily="50" charset="-128"/>
-                <a:cs typeface="メイリオ" panose="020B0604030504040204" pitchFamily="50" charset="-128"/>
-              </a:rPr>
-              <a:t> </a:t>
-            </a:r>
-            <a:r>
-              <a:rPr lang="ja-JP" altLang="en-US" sz="900" i="1" dirty="0" smtClean="0">
-                <a:latin typeface="メイリオ" panose="020B0604030504040204" pitchFamily="50" charset="-128"/>
-                <a:ea typeface="メイリオ" panose="020B0604030504040204" pitchFamily="50" charset="-128"/>
-                <a:cs typeface="メイリオ" panose="020B0604030504040204" pitchFamily="50" charset="-128"/>
-              </a:rPr>
-              <a:t>監査人によって対応できないものがあります。監査サービスプロバイダに確認ください。</a:t>
-            </a:r>
-            <a:endParaRPr lang="en-US" sz="900" i="1" dirty="0" smtClean="0">
-              <a:latin typeface="メイリオ" panose="020B0604030504040204" pitchFamily="50" charset="-128"/>
-              <a:ea typeface="メイリオ" panose="020B0604030504040204" pitchFamily="50" charset="-128"/>
-              <a:cs typeface="メイリオ" panose="020B0604030504040204" pitchFamily="50" charset="-128"/>
-            </a:endParaRPr>
-          </a:p>
-        </p:txBody>
-      </p:sp>
-      <p:sp>
-        <p:nvSpPr>
-          <p:cNvPr id="49" name="Rounded Rectangle 48"/>
-          <p:cNvSpPr/>
-          <p:nvPr/>
-        </p:nvSpPr>
-        <p:spPr>
-          <a:xfrm>
-            <a:off x="5523415" y="5207381"/>
-            <a:ext cx="602067" cy="566057"/>
-          </a:xfrm>
-          <a:prstGeom prst="roundRect">
-            <a:avLst/>
-          </a:prstGeom>
-          <a:ln w="28575">
-            <a:solidFill>
-              <a:srgbClr val="2CA4F2"/>
-            </a:solidFill>
-          </a:ln>
-        </p:spPr>
-        <p:style>
-          <a:lnRef idx="2">
-            <a:schemeClr val="accent1"/>
-          </a:lnRef>
-          <a:fillRef idx="1">
-            <a:schemeClr val="lt1"/>
-          </a:fillRef>
-          <a:effectRef idx="0">
-            <a:schemeClr val="accent1"/>
-          </a:effectRef>
-          <a:fontRef idx="minor">
-            <a:schemeClr val="dk1"/>
-          </a:fontRef>
-        </p:style>
-        <p:txBody>
-          <a:bodyPr rtlCol="0" anchor="ctr"/>
-          <a:lstStyle/>
-          <a:p>
-            <a:pPr algn="ctr"/>
-            <a:r>
-              <a:rPr lang="ja-JP" altLang="en-US" sz="1400" b="1" dirty="0">
-                <a:latin typeface="メイリオ" panose="020B0604030504040204" pitchFamily="50" charset="-128"/>
-                <a:ea typeface="メイリオ" panose="020B0604030504040204" pitchFamily="50" charset="-128"/>
-                <a:cs typeface="メイリオ" panose="020B0604030504040204" pitchFamily="50" charset="-128"/>
-              </a:rPr>
-              <a:t>終了</a:t>
-            </a:r>
-            <a:endParaRPr lang="en-US" sz="1400" b="1" dirty="0">
-              <a:solidFill>
-                <a:schemeClr val="dk1"/>
-              </a:solidFill>
-              <a:latin typeface="メイリオ" panose="020B0604030504040204" pitchFamily="50" charset="-128"/>
-              <a:ea typeface="メイリオ" panose="020B0604030504040204" pitchFamily="50" charset="-128"/>
-              <a:cs typeface="メイリオ" panose="020B0604030504040204" pitchFamily="50" charset="-128"/>
-            </a:endParaRPr>
-          </a:p>
-        </p:txBody>
-      </p:sp>
-      <p:sp>
-        <p:nvSpPr>
-          <p:cNvPr id="43" name="TextBox 39"/>
-          <p:cNvSpPr txBox="1"/>
-          <p:nvPr/>
-        </p:nvSpPr>
-        <p:spPr>
-          <a:xfrm>
-            <a:off x="2896935" y="1445670"/>
-            <a:ext cx="2485216" cy="600164"/>
-          </a:xfrm>
-          <a:prstGeom prst="rect">
-            <a:avLst/>
-          </a:prstGeom>
-          <a:noFill/>
-        </p:spPr>
-        <p:txBody>
-          <a:bodyPr wrap="square" rtlCol="0">
-            <a:spAutoFit/>
-          </a:bodyPr>
-          <a:lstStyle/>
-          <a:p>
-            <a:r>
-              <a:rPr lang="ja-JP" altLang="en-US" sz="1100" dirty="0" smtClean="0">
-                <a:latin typeface="メイリオ" panose="020B0604030504040204" pitchFamily="50" charset="-128"/>
-                <a:ea typeface="メイリオ" panose="020B0604030504040204" pitchFamily="50" charset="-128"/>
-                <a:cs typeface="メイリオ" panose="020B0604030504040204" pitchFamily="50" charset="-128"/>
-              </a:rPr>
-              <a:t>プロジェクトをキックオフし、すべての関係組織の窓口担当を紹介し換算に関する詳細情報を伝えます。</a:t>
-            </a:r>
-            <a:endParaRPr lang="sv-SE" sz="1100" dirty="0">
-              <a:latin typeface="メイリオ" panose="020B0604030504040204" pitchFamily="50" charset="-128"/>
-              <a:ea typeface="メイリオ" panose="020B0604030504040204" pitchFamily="50" charset="-128"/>
-              <a:cs typeface="メイリオ" panose="020B0604030504040204" pitchFamily="50" charset="-128"/>
-            </a:endParaRPr>
-          </a:p>
-        </p:txBody>
-      </p:sp>
-      <p:sp>
-        <p:nvSpPr>
-          <p:cNvPr id="44" name="TextBox 40"/>
-          <p:cNvSpPr txBox="1"/>
-          <p:nvPr/>
-        </p:nvSpPr>
-        <p:spPr>
-          <a:xfrm>
-            <a:off x="2906483" y="1224552"/>
-            <a:ext cx="2397260" cy="276999"/>
-          </a:xfrm>
-          <a:prstGeom prst="rect">
-            <a:avLst/>
-          </a:prstGeom>
-          <a:noFill/>
-        </p:spPr>
-        <p:txBody>
-          <a:bodyPr wrap="square" rtlCol="0">
-            <a:spAutoFit/>
-          </a:bodyPr>
-          <a:lstStyle/>
-          <a:p>
-            <a:pPr algn="ctr"/>
-            <a:r>
-              <a:rPr lang="ja-JP" altLang="en-US" sz="1200" b="1" dirty="0" smtClean="0">
-                <a:latin typeface="メイリオ" panose="020B0604030504040204" pitchFamily="50" charset="-128"/>
-                <a:ea typeface="メイリオ" panose="020B0604030504040204" pitchFamily="50" charset="-128"/>
-                <a:cs typeface="メイリオ" panose="020B0604030504040204" pitchFamily="50" charset="-128"/>
-              </a:rPr>
-              <a:t>立ち上げ時招集、ミーティング</a:t>
-            </a:r>
-            <a:endParaRPr lang="sv-SE" sz="1200" b="1" dirty="0">
-              <a:latin typeface="メイリオ" panose="020B0604030504040204" pitchFamily="50" charset="-128"/>
-              <a:ea typeface="メイリオ" panose="020B0604030504040204" pitchFamily="50" charset="-128"/>
-              <a:cs typeface="メイリオ" panose="020B0604030504040204" pitchFamily="50" charset="-128"/>
-            </a:endParaRPr>
-          </a:p>
-        </p:txBody>
-      </p:sp>
-      <p:sp>
-        <p:nvSpPr>
-          <p:cNvPr id="45" name="テキスト ボックス 44"/>
-          <p:cNvSpPr txBox="1"/>
-          <p:nvPr/>
-        </p:nvSpPr>
-        <p:spPr>
-          <a:xfrm>
-            <a:off x="152400" y="499987"/>
-            <a:ext cx="569387" cy="369332"/>
-          </a:xfrm>
-          <a:prstGeom prst="rect">
-            <a:avLst/>
-          </a:prstGeom>
-          <a:noFill/>
-        </p:spPr>
-        <p:txBody>
-          <a:bodyPr wrap="none" rtlCol="0">
-            <a:spAutoFit/>
-          </a:bodyPr>
-          <a:lstStyle/>
-          <a:p>
-            <a:r>
-              <a:rPr kumimoji="1" lang="en-US" altLang="ja-JP" dirty="0" smtClean="0"/>
-              <a:t>Fig6</a:t>
-            </a:r>
-            <a:endParaRPr kumimoji="1" lang="ja-JP" altLang="en-US" dirty="0"/>
-          </a:p>
-        </p:txBody>
-      </p:sp>
-      <p:sp>
-        <p:nvSpPr>
-          <p:cNvPr id="46" name="TextBox 72"/>
-          <p:cNvSpPr txBox="1"/>
-          <p:nvPr/>
-        </p:nvSpPr>
-        <p:spPr>
-          <a:xfrm>
-            <a:off x="2859457" y="5698487"/>
-            <a:ext cx="2277107" cy="769441"/>
-          </a:xfrm>
-          <a:prstGeom prst="rect">
-            <a:avLst/>
-          </a:prstGeom>
-          <a:noFill/>
-        </p:spPr>
-        <p:txBody>
-          <a:bodyPr wrap="square" rtlCol="0">
-            <a:spAutoFit/>
-          </a:bodyPr>
-          <a:lstStyle>
-            <a:defPPr>
-              <a:defRPr lang="sv-SE"/>
-            </a:defPPr>
-            <a:lvl1pPr>
-              <a:defRPr sz="1100">
-                <a:latin typeface="メイリオ" panose="020B0604030504040204" pitchFamily="50" charset="-128"/>
-                <a:ea typeface="メイリオ" panose="020B0604030504040204" pitchFamily="50" charset="-128"/>
-                <a:cs typeface="メイリオ" panose="020B0604030504040204" pitchFamily="50" charset="-128"/>
-              </a:defRPr>
-            </a:lvl1pPr>
-          </a:lstStyle>
-          <a:p>
-            <a:r>
-              <a:rPr lang="ja-JP" altLang="en-US" dirty="0"/>
-              <a:t>正式に監査結果が将来の買収先へと提示するための最終的な場を開催し、質疑やりとりを</a:t>
-            </a:r>
-            <a:r>
-              <a:rPr lang="ja-JP" altLang="en-US" dirty="0" smtClean="0"/>
-              <a:t>実施</a:t>
-            </a:r>
-            <a:r>
-              <a:rPr lang="ja-JP" altLang="en-US" dirty="0"/>
-              <a:t>します</a:t>
-            </a:r>
-            <a:r>
-              <a:rPr lang="ja-JP" altLang="en-US" dirty="0" smtClean="0"/>
-              <a:t>。</a:t>
-            </a:r>
-            <a:endParaRPr lang="sv-SE" dirty="0"/>
-          </a:p>
-        </p:txBody>
-      </p:sp>
-      <p:sp>
-        <p:nvSpPr>
-          <p:cNvPr id="50" name="TextBox 73"/>
-          <p:cNvSpPr txBox="1"/>
-          <p:nvPr/>
-        </p:nvSpPr>
-        <p:spPr>
-          <a:xfrm>
-            <a:off x="3130946" y="5525162"/>
-            <a:ext cx="1707022" cy="276999"/>
-          </a:xfrm>
-          <a:prstGeom prst="rect">
-            <a:avLst/>
-          </a:prstGeom>
-          <a:noFill/>
-        </p:spPr>
-        <p:txBody>
-          <a:bodyPr wrap="square" rtlCol="0">
-            <a:spAutoFit/>
-          </a:bodyPr>
-          <a:lstStyle>
-            <a:defPPr>
-              <a:defRPr lang="sv-SE"/>
-            </a:defPPr>
-            <a:lvl1pPr algn="ctr">
-              <a:defRPr sz="1200" b="1">
-                <a:latin typeface="メイリオ" panose="020B0604030504040204" pitchFamily="50" charset="-128"/>
-                <a:ea typeface="メイリオ" panose="020B0604030504040204" pitchFamily="50" charset="-128"/>
-                <a:cs typeface="メイリオ" panose="020B0604030504040204" pitchFamily="50" charset="-128"/>
-              </a:defRPr>
-            </a:lvl1pPr>
-          </a:lstStyle>
-          <a:p>
-            <a:r>
-              <a:rPr lang="ja-JP" altLang="en-US" dirty="0"/>
-              <a:t>最終的</a:t>
-            </a:r>
-            <a:r>
-              <a:rPr lang="ja-JP" altLang="en-US" dirty="0" smtClean="0"/>
-              <a:t>な招集</a:t>
-            </a:r>
-            <a:endParaRPr lang="sv-SE" dirty="0"/>
-          </a:p>
-        </p:txBody>
-      </p:sp>
-      <p:sp>
-        <p:nvSpPr>
-          <p:cNvPr id="55" name="TextBox 78"/>
-          <p:cNvSpPr txBox="1"/>
-          <p:nvPr/>
-        </p:nvSpPr>
-        <p:spPr>
-          <a:xfrm>
-            <a:off x="2866861" y="3467762"/>
-            <a:ext cx="2527676" cy="969496"/>
-          </a:xfrm>
-          <a:prstGeom prst="rect">
-            <a:avLst/>
-          </a:prstGeom>
-          <a:noFill/>
-        </p:spPr>
-        <p:txBody>
-          <a:bodyPr wrap="square" rtlCol="0">
-            <a:spAutoFit/>
-          </a:bodyPr>
-          <a:lstStyle>
-            <a:defPPr>
-              <a:defRPr lang="sv-SE"/>
-            </a:defPPr>
-            <a:lvl1pPr>
-              <a:defRPr sz="1100">
-                <a:latin typeface="メイリオ" panose="020B0604030504040204" pitchFamily="50" charset="-128"/>
-                <a:ea typeface="メイリオ" panose="020B0604030504040204" pitchFamily="50" charset="-128"/>
-                <a:cs typeface="メイリオ" panose="020B0604030504040204" pitchFamily="50" charset="-128"/>
-              </a:defRPr>
-            </a:lvl1pPr>
-          </a:lstStyle>
-          <a:p>
-            <a:r>
-              <a:rPr lang="ja-JP" altLang="en-US" dirty="0"/>
-              <a:t>対象企業とのレビュー後、最終的なレポートが将来の買収企業へレポートが、部品表（</a:t>
-            </a:r>
-            <a:r>
-              <a:rPr lang="en-US" altLang="ja-JP" dirty="0"/>
-              <a:t>Bill of Materials</a:t>
-            </a:r>
-            <a:r>
-              <a:rPr lang="ja-JP" altLang="en-US" dirty="0"/>
-              <a:t>）、</a:t>
-            </a:r>
-            <a:r>
-              <a:rPr lang="en-US" altLang="ja-JP" dirty="0"/>
-              <a:t>SPDX</a:t>
-            </a:r>
-            <a:r>
-              <a:rPr lang="ja-JP" altLang="en-US" dirty="0" err="1"/>
-              <a:t>、</a:t>
-            </a:r>
-            <a:r>
-              <a:rPr lang="ja-JP" altLang="en-US" dirty="0"/>
-              <a:t>エグゼクティブサマリと併せ送付</a:t>
-            </a:r>
-            <a:r>
-              <a:rPr lang="ja-JP" altLang="en-US" dirty="0" smtClean="0"/>
-              <a:t>されます。</a:t>
-            </a:r>
-            <a:endParaRPr lang="sv-SE" dirty="0"/>
-          </a:p>
-        </p:txBody>
-      </p:sp>
-      <p:sp>
-        <p:nvSpPr>
-          <p:cNvPr id="56" name="TextBox 79"/>
-          <p:cNvSpPr txBox="1"/>
-          <p:nvPr/>
-        </p:nvSpPr>
-        <p:spPr>
-          <a:xfrm>
-            <a:off x="2800335" y="3241240"/>
-            <a:ext cx="2397260" cy="276999"/>
-          </a:xfrm>
-          <a:prstGeom prst="rect">
-            <a:avLst/>
-          </a:prstGeom>
-          <a:noFill/>
-        </p:spPr>
-        <p:txBody>
-          <a:bodyPr wrap="square" rtlCol="0">
-            <a:spAutoFit/>
-          </a:bodyPr>
-          <a:lstStyle>
-            <a:defPPr>
-              <a:defRPr lang="sv-SE"/>
-            </a:defPPr>
-            <a:lvl1pPr algn="ctr">
-              <a:defRPr sz="1200" b="1">
-                <a:latin typeface="メイリオ" panose="020B0604030504040204" pitchFamily="50" charset="-128"/>
-                <a:ea typeface="メイリオ" panose="020B0604030504040204" pitchFamily="50" charset="-128"/>
-                <a:cs typeface="メイリオ" panose="020B0604030504040204" pitchFamily="50" charset="-128"/>
-              </a:defRPr>
-            </a:lvl1pPr>
-          </a:lstStyle>
-          <a:p>
-            <a:r>
-              <a:rPr lang="ja-JP" altLang="en-US" dirty="0"/>
-              <a:t>レポートの送付</a:t>
-            </a:r>
-            <a:endParaRPr lang="sv-SE" dirty="0"/>
-          </a:p>
-        </p:txBody>
-      </p:sp>
-      <p:sp>
-        <p:nvSpPr>
-          <p:cNvPr id="51" name="Arc 22"/>
-          <p:cNvSpPr>
-            <a:spLocks noChangeAspect="1"/>
-          </p:cNvSpPr>
-          <p:nvPr/>
-        </p:nvSpPr>
-        <p:spPr>
-          <a:xfrm rot="16200000" flipH="1">
-            <a:off x="2453711" y="4925415"/>
-            <a:ext cx="576000" cy="576000"/>
-          </a:xfrm>
-          <a:prstGeom prst="arc">
-            <a:avLst/>
-          </a:prstGeom>
-          <a:ln w="19050">
-            <a:solidFill>
-              <a:schemeClr val="tx1"/>
-            </a:solidFill>
-          </a:ln>
-        </p:spPr>
-        <p:style>
-          <a:lnRef idx="1">
-            <a:schemeClr val="accent1"/>
-          </a:lnRef>
-          <a:fillRef idx="0">
-            <a:schemeClr val="accent1"/>
-          </a:fillRef>
-          <a:effectRef idx="0">
-            <a:schemeClr val="accent1"/>
-          </a:effectRef>
-          <a:fontRef idx="minor">
-            <a:schemeClr val="tx1"/>
-          </a:fontRef>
-        </p:style>
-        <p:txBody>
-          <a:bodyPr rtlCol="0" anchor="ctr"/>
-          <a:lstStyle/>
-          <a:p>
-            <a:pPr algn="ctr"/>
-            <a:endParaRPr lang="en-US"/>
-          </a:p>
-        </p:txBody>
-      </p:sp>
-    </p:spTree>
-    <p:extLst>
-      <p:ext uri="{BB962C8B-B14F-4D97-AF65-F5344CB8AC3E}">
-        <p14:creationId xmlns:p14="http://schemas.microsoft.com/office/powerpoint/2010/main" val="830407156"/>
       </p:ext>
     </p:extLst>
   </p:cSld>
@@ -24215,7 +29796,7 @@
   <a:extraClrSchemeLst/>
   <a:extLst>
     <a:ext uri="{05A4C25C-085E-4340-85A3-A5531E510DB2}">
-      <thm15:themeFamily xmlns="" xmlns:thm15="http://schemas.microsoft.com/office/thememl/2012/main" name="Office Theme" id="{62F939B6-93AF-4DB8-9C6B-D6C7DFDC589F}" vid="{4A3C46E8-61CC-4603-A589-7422A47A8E4A}"/>
+      <thm15:themeFamily xmlns:thm15="http://schemas.microsoft.com/office/thememl/2012/main" xmlns="" name="Office Theme" id="{62F939B6-93AF-4DB8-9C6B-D6C7DFDC589F}" vid="{4A3C46E8-61CC-4603-A589-7422A47A8E4A}"/>
     </a:ext>
   </a:extLst>
 </a:theme>
@@ -24476,7 +30057,7 @@
   <a:extraClrSchemeLst/>
   <a:extLst>
     <a:ext uri="{05A4C25C-085E-4340-85A3-A5531E510DB2}">
-      <thm15:themeFamily xmlns="" xmlns:thm15="http://schemas.microsoft.com/office/thememl/2012/main" name="Office Theme" id="{62F939B6-93AF-4DB8-9C6B-D6C7DFDC589F}" vid="{4A3C46E8-61CC-4603-A589-7422A47A8E4A}"/>
+      <thm15:themeFamily xmlns:thm15="http://schemas.microsoft.com/office/thememl/2012/main" xmlns="" name="Office Theme" id="{62F939B6-93AF-4DB8-9C6B-D6C7DFDC589F}" vid="{4A3C46E8-61CC-4603-A589-7422A47A8E4A}"/>
     </a:ext>
   </a:extLst>
 </a:theme>
@@ -24737,7 +30318,7 @@
   <a:extraClrSchemeLst/>
   <a:extLst>
     <a:ext uri="{05A4C25C-085E-4340-85A3-A5531E510DB2}">
-      <thm15:themeFamily xmlns="" xmlns:thm15="http://schemas.microsoft.com/office/thememl/2012/main" name="Office Theme" id="{62F939B6-93AF-4DB8-9C6B-D6C7DFDC589F}" vid="{4A3C46E8-61CC-4603-A589-7422A47A8E4A}"/>
+      <thm15:themeFamily xmlns:thm15="http://schemas.microsoft.com/office/thememl/2012/main" xmlns="" name="Office Theme" id="{62F939B6-93AF-4DB8-9C6B-D6C7DFDC589F}" vid="{4A3C46E8-61CC-4603-A589-7422A47A8E4A}"/>
     </a:ext>
   </a:extLst>
 </a:theme>
